--- a/図/図.pptx
+++ b/図/図.pptx
@@ -208,7 +208,7 @@
           <a:p>
             <a:fld id="{E0B46874-C680-424F-BEDD-8574F74A4FA8}" type="datetimeFigureOut">
               <a:rPr kumimoji="1" lang="ja-JP" altLang="en-US" smtClean="0"/>
-              <a:t>2021/1/22</a:t>
+              <a:t>2021/1/24</a:t>
             </a:fld>
             <a:endParaRPr kumimoji="1" lang="ja-JP" altLang="en-US"/>
           </a:p>
@@ -552,38 +552,6 @@
           <a:bodyPr/>
           <a:lstStyle/>
           <a:p>
-            <a:r>
-              <a:rPr kumimoji="1" lang="ja-JP" altLang="en-US" dirty="0" smtClean="0"/>
-              <a:t>（</a:t>
-            </a:r>
-            <a:r>
-              <a:rPr kumimoji="1" lang="en-US" altLang="ja-JP" dirty="0" smtClean="0"/>
-              <a:t>1/20)</a:t>
-            </a:r>
-            <a:r>
-              <a:rPr kumimoji="1" lang="ja-JP" altLang="en-US" dirty="0" smtClean="0"/>
-              <a:t>元の図で</a:t>
-            </a:r>
-            <a:r>
-              <a:rPr kumimoji="1" lang="en-US" altLang="ja-JP" dirty="0" err="1" smtClean="0"/>
-              <a:t>x,y</a:t>
-            </a:r>
-            <a:r>
-              <a:rPr kumimoji="1" lang="ja-JP" altLang="en-US" dirty="0" smtClean="0"/>
-              <a:t>を逆に配置している気がしたので，「左右反転」したあと「反時計回りに</a:t>
-            </a:r>
-            <a:r>
-              <a:rPr kumimoji="1" lang="en-US" altLang="ja-JP" dirty="0" smtClean="0"/>
-              <a:t>90</a:t>
-            </a:r>
-            <a:r>
-              <a:rPr kumimoji="1" lang="ja-JP" altLang="en-US" dirty="0" smtClean="0"/>
-              <a:t>度回転」した</a:t>
-            </a:r>
-            <a:r>
-              <a:rPr kumimoji="1" lang="en-US" altLang="ja-JP" dirty="0" smtClean="0"/>
-              <a:t>. </a:t>
-            </a:r>
             <a:endParaRPr kumimoji="1" lang="ja-JP" altLang="en-US" dirty="0"/>
           </a:p>
         </p:txBody>
@@ -755,7 +723,7 @@
           <a:p>
             <a:fld id="{1058E222-3311-4DDB-A469-A7F4B944C488}" type="datetimeFigureOut">
               <a:rPr kumimoji="1" lang="ja-JP" altLang="en-US" smtClean="0"/>
-              <a:t>2021/1/22</a:t>
+              <a:t>2021/1/24</a:t>
             </a:fld>
             <a:endParaRPr kumimoji="1" lang="ja-JP" altLang="en-US"/>
           </a:p>
@@ -957,7 +925,7 @@
           <a:p>
             <a:fld id="{1058E222-3311-4DDB-A469-A7F4B944C488}" type="datetimeFigureOut">
               <a:rPr kumimoji="1" lang="ja-JP" altLang="en-US" smtClean="0"/>
-              <a:t>2021/1/22</a:t>
+              <a:t>2021/1/24</a:t>
             </a:fld>
             <a:endParaRPr kumimoji="1" lang="ja-JP" altLang="en-US"/>
           </a:p>
@@ -1169,7 +1137,7 @@
           <a:p>
             <a:fld id="{1058E222-3311-4DDB-A469-A7F4B944C488}" type="datetimeFigureOut">
               <a:rPr kumimoji="1" lang="ja-JP" altLang="en-US" smtClean="0"/>
-              <a:t>2021/1/22</a:t>
+              <a:t>2021/1/24</a:t>
             </a:fld>
             <a:endParaRPr kumimoji="1" lang="ja-JP" altLang="en-US"/>
           </a:p>
@@ -1371,7 +1339,7 @@
           <a:p>
             <a:fld id="{1058E222-3311-4DDB-A469-A7F4B944C488}" type="datetimeFigureOut">
               <a:rPr kumimoji="1" lang="ja-JP" altLang="en-US" smtClean="0"/>
-              <a:t>2021/1/22</a:t>
+              <a:t>2021/1/24</a:t>
             </a:fld>
             <a:endParaRPr kumimoji="1" lang="ja-JP" altLang="en-US"/>
           </a:p>
@@ -1617,7 +1585,7 @@
           <a:p>
             <a:fld id="{1058E222-3311-4DDB-A469-A7F4B944C488}" type="datetimeFigureOut">
               <a:rPr kumimoji="1" lang="ja-JP" altLang="en-US" smtClean="0"/>
-              <a:t>2021/1/22</a:t>
+              <a:t>2021/1/24</a:t>
             </a:fld>
             <a:endParaRPr kumimoji="1" lang="ja-JP" altLang="en-US"/>
           </a:p>
@@ -1913,7 +1881,7 @@
           <a:p>
             <a:fld id="{1058E222-3311-4DDB-A469-A7F4B944C488}" type="datetimeFigureOut">
               <a:rPr kumimoji="1" lang="ja-JP" altLang="en-US" smtClean="0"/>
-              <a:t>2021/1/22</a:t>
+              <a:t>2021/1/24</a:t>
             </a:fld>
             <a:endParaRPr kumimoji="1" lang="ja-JP" altLang="en-US"/>
           </a:p>
@@ -2344,7 +2312,7 @@
           <a:p>
             <a:fld id="{1058E222-3311-4DDB-A469-A7F4B944C488}" type="datetimeFigureOut">
               <a:rPr kumimoji="1" lang="ja-JP" altLang="en-US" smtClean="0"/>
-              <a:t>2021/1/22</a:t>
+              <a:t>2021/1/24</a:t>
             </a:fld>
             <a:endParaRPr kumimoji="1" lang="ja-JP" altLang="en-US"/>
           </a:p>
@@ -2462,7 +2430,7 @@
           <a:p>
             <a:fld id="{1058E222-3311-4DDB-A469-A7F4B944C488}" type="datetimeFigureOut">
               <a:rPr kumimoji="1" lang="ja-JP" altLang="en-US" smtClean="0"/>
-              <a:t>2021/1/22</a:t>
+              <a:t>2021/1/24</a:t>
             </a:fld>
             <a:endParaRPr kumimoji="1" lang="ja-JP" altLang="en-US"/>
           </a:p>
@@ -2557,7 +2525,7 @@
           <a:p>
             <a:fld id="{1058E222-3311-4DDB-A469-A7F4B944C488}" type="datetimeFigureOut">
               <a:rPr kumimoji="1" lang="ja-JP" altLang="en-US" smtClean="0"/>
-              <a:t>2021/1/22</a:t>
+              <a:t>2021/1/24</a:t>
             </a:fld>
             <a:endParaRPr kumimoji="1" lang="ja-JP" altLang="en-US"/>
           </a:p>
@@ -2866,7 +2834,7 @@
           <a:p>
             <a:fld id="{1058E222-3311-4DDB-A469-A7F4B944C488}" type="datetimeFigureOut">
               <a:rPr kumimoji="1" lang="ja-JP" altLang="en-US" smtClean="0"/>
-              <a:t>2021/1/22</a:t>
+              <a:t>2021/1/24</a:t>
             </a:fld>
             <a:endParaRPr kumimoji="1" lang="ja-JP" altLang="en-US"/>
           </a:p>
@@ -3119,7 +3087,7 @@
           <a:p>
             <a:fld id="{1058E222-3311-4DDB-A469-A7F4B944C488}" type="datetimeFigureOut">
               <a:rPr kumimoji="1" lang="ja-JP" altLang="en-US" smtClean="0"/>
-              <a:t>2021/1/22</a:t>
+              <a:t>2021/1/24</a:t>
             </a:fld>
             <a:endParaRPr kumimoji="1" lang="ja-JP" altLang="en-US"/>
           </a:p>
@@ -3364,7 +3332,7 @@
           <a:p>
             <a:fld id="{1058E222-3311-4DDB-A469-A7F4B944C488}" type="datetimeFigureOut">
               <a:rPr kumimoji="1" lang="ja-JP" altLang="en-US" smtClean="0"/>
-              <a:t>2021/1/22</a:t>
+              <a:t>2021/1/24</a:t>
             </a:fld>
             <a:endParaRPr kumimoji="1" lang="ja-JP" altLang="en-US"/>
           </a:p>
@@ -9178,11 +9146,7 @@
             </a:r>
             <a:r>
               <a:rPr kumimoji="1" lang="ja-JP" altLang="en-US" smtClean="0"/>
-              <a:t>次</a:t>
-            </a:r>
-            <a:r>
-              <a:rPr kumimoji="1" lang="ja-JP" altLang="en-US" smtClean="0"/>
-              <a:t>高調波</a:t>
+              <a:t>次高調波</a:t>
             </a:r>
             <a:r>
               <a:rPr lang="en-US" altLang="ja-JP" smtClean="0"/>
@@ -9454,11 +9418,7 @@
             <a:pPr algn="ctr"/>
             <a:r>
               <a:rPr lang="ja-JP" altLang="en-US"/>
-              <a:t>電子</a:t>
-            </a:r>
-            <a:r>
-              <a:rPr lang="ja-JP" altLang="en-US"/>
-              <a:t>が</a:t>
+              <a:t>電子が</a:t>
             </a:r>
             <a:r>
               <a:rPr lang="ja-JP" altLang="en-US" smtClean="0"/>
@@ -9537,7 +9497,7 @@
           <a:prstGeom prst="line">
             <a:avLst/>
           </a:prstGeom>
-          <a:ln w="19050"/>
+          <a:ln w="12700"/>
         </p:spPr>
         <p:style>
           <a:lnRef idx="1">
@@ -9669,7 +9629,7 @@
           <a:prstGeom prst="line">
             <a:avLst/>
           </a:prstGeom>
-          <a:ln/>
+          <a:ln w="19050"/>
         </p:spPr>
         <p:style>
           <a:lnRef idx="1">
@@ -9950,7 +9910,7 @@
           </a:stretch>
         </p:blipFill>
         <p:spPr>
-          <a:xfrm rot="16200000" flipH="1">
+          <a:xfrm>
             <a:off x="3214938" y="1285694"/>
             <a:ext cx="4351338" cy="4351338"/>
           </a:xfrm>
@@ -10192,14 +10152,14 @@
       </mc:AlternateContent>
       <p:cxnSp>
         <p:nvCxnSpPr>
-          <p:cNvPr id="16" name="直線矢印コネクタ 15"/>
+          <p:cNvPr id="3" name="直線矢印コネクタ 2"/>
           <p:cNvCxnSpPr/>
           <p:nvPr/>
         </p:nvCxnSpPr>
         <p:spPr>
           <a:xfrm>
-            <a:off x="8046720" y="1285694"/>
-            <a:ext cx="0" cy="4351338"/>
+            <a:off x="3213463" y="5997656"/>
+            <a:ext cx="4380411" cy="0"/>
           </a:xfrm>
           <a:prstGeom prst="straightConnector1">
             <a:avLst/>
@@ -10214,13 +10174,13 @@
         </p:spPr>
         <p:style>
           <a:lnRef idx="1">
-            <a:schemeClr val="dk1"/>
+            <a:schemeClr val="accent2"/>
           </a:lnRef>
           <a:fillRef idx="0">
-            <a:schemeClr val="dk1"/>
+            <a:schemeClr val="accent2"/>
           </a:fillRef>
           <a:effectRef idx="0">
-            <a:schemeClr val="dk1"/>
+            <a:schemeClr val="accent2"/>
           </a:effectRef>
           <a:fontRef idx="minor">
             <a:schemeClr val="tx1"/>
@@ -10229,14 +10189,14 @@
       </p:cxnSp>
       <p:sp>
         <p:nvSpPr>
-          <p:cNvPr id="17" name="テキスト ボックス 16"/>
+          <p:cNvPr id="5" name="テキスト ボックス 4"/>
           <p:cNvSpPr txBox="1"/>
           <p:nvPr/>
         </p:nvSpPr>
         <p:spPr>
           <a:xfrm>
-            <a:off x="8065500" y="2407709"/>
-            <a:ext cx="461665" cy="2107308"/>
+            <a:off x="4279988" y="6104709"/>
+            <a:ext cx="2209259" cy="369332"/>
           </a:xfrm>
           <a:prstGeom prst="rect">
             <a:avLst/>
@@ -10244,16 +10204,20 @@
           <a:noFill/>
         </p:spPr>
         <p:txBody>
-          <a:bodyPr vert="eaVert" wrap="none" rtlCol="0">
+          <a:bodyPr wrap="none" rtlCol="0">
             <a:spAutoFit/>
           </a:bodyPr>
           <a:lstStyle/>
           <a:p>
             <a:r>
               <a:rPr lang="ja-JP" altLang="en-US" dirty="0"/>
-              <a:t>レーザーの偏光方向</a:t>
-            </a:r>
-            <a:endParaRPr kumimoji="1" lang="ja-JP" altLang="en-US" dirty="0"/>
+              <a:t>レーザーの偏光</a:t>
+            </a:r>
+            <a:r>
+              <a:rPr lang="ja-JP" altLang="en-US" dirty="0" smtClean="0"/>
+              <a:t>方向</a:t>
+            </a:r>
+            <a:endParaRPr lang="ja-JP" altLang="en-US" dirty="0"/>
           </a:p>
         </p:txBody>
       </p:sp>
@@ -10580,6 +10544,122 @@
           <a:chExt cx="0" cy="0"/>
         </a:xfrm>
       </p:grpSpPr>
+      <p:sp>
+        <p:nvSpPr>
+          <p:cNvPr id="3" name="テキスト ボックス 2"/>
+          <p:cNvSpPr txBox="1"/>
+          <p:nvPr/>
+        </p:nvSpPr>
+        <p:spPr>
+          <a:xfrm>
+            <a:off x="7635232" y="2699536"/>
+            <a:ext cx="461665" cy="1373133"/>
+          </a:xfrm>
+          <a:prstGeom prst="rect">
+            <a:avLst/>
+          </a:prstGeom>
+          <a:noFill/>
+        </p:spPr>
+        <p:txBody>
+          <a:bodyPr vert="eaVert" wrap="none" rtlCol="0">
+            <a:spAutoFit/>
+          </a:bodyPr>
+          <a:lstStyle/>
+          <a:p>
+            <a:r>
+              <a:rPr kumimoji="1" lang="ja-JP" altLang="en-US" dirty="0" err="1" smtClean="0"/>
+              <a:t>ｙ</a:t>
+            </a:r>
+            <a:r>
+              <a:rPr kumimoji="1" lang="ja-JP" altLang="en-US" dirty="0" smtClean="0"/>
+              <a:t>方向の積算</a:t>
+            </a:r>
+            <a:endParaRPr kumimoji="1" lang="ja-JP" altLang="en-US" dirty="0"/>
+          </a:p>
+        </p:txBody>
+      </p:sp>
+      <mc:AlternateContent xmlns:mc="http://schemas.openxmlformats.org/markup-compatibility/2006">
+        <mc:Choice xmlns:a14="http://schemas.microsoft.com/office/drawing/2010/main" Requires="a14">
+          <p:sp>
+            <p:nvSpPr>
+              <p:cNvPr id="2" name="テキスト ボックス 1"/>
+              <p:cNvSpPr txBox="1"/>
+              <p:nvPr/>
+            </p:nvSpPr>
+            <p:spPr>
+              <a:xfrm>
+                <a:off x="4607349" y="857056"/>
+                <a:ext cx="1469248" cy="369332"/>
+              </a:xfrm>
+              <a:prstGeom prst="rect">
+                <a:avLst/>
+              </a:prstGeom>
+              <a:noFill/>
+            </p:spPr>
+            <p:txBody>
+              <a:bodyPr wrap="none" rtlCol="0">
+                <a:spAutoFit/>
+              </a:bodyPr>
+              <a:lstStyle/>
+              <a:p>
+                <a14:m>
+                  <m:oMath xmlns:m="http://schemas.openxmlformats.org/officeDocument/2006/math">
+                    <m:r>
+                      <a:rPr kumimoji="1" lang="en-US" altLang="ja-JP" b="0" i="1" smtClean="0">
+                        <a:latin typeface="Cambria Math" panose="02040503050406030204" pitchFamily="18" charset="0"/>
+                      </a:rPr>
+                      <m:t>𝑥</m:t>
+                    </m:r>
+                  </m:oMath>
+                </a14:m>
+                <a:r>
+                  <a:rPr kumimoji="1" lang="ja-JP" altLang="en-US" dirty="0" smtClean="0"/>
+                  <a:t>方向の積算</a:t>
+                </a:r>
+                <a:endParaRPr kumimoji="1" lang="ja-JP" altLang="en-US" dirty="0"/>
+              </a:p>
+            </p:txBody>
+          </p:sp>
+        </mc:Choice>
+        <mc:Fallback>
+          <p:sp>
+            <p:nvSpPr>
+              <p:cNvPr id="2" name="テキスト ボックス 1"/>
+              <p:cNvSpPr txBox="1">
+                <a:spLocks noRot="1" noChangeAspect="1" noMove="1" noResize="1" noEditPoints="1" noAdjustHandles="1" noChangeArrowheads="1" noChangeShapeType="1" noTextEdit="1"/>
+              </p:cNvSpPr>
+              <p:nvPr/>
+            </p:nvSpPr>
+            <p:spPr>
+              <a:xfrm>
+                <a:off x="4607349" y="857056"/>
+                <a:ext cx="1469248" cy="369332"/>
+              </a:xfrm>
+              <a:prstGeom prst="rect">
+                <a:avLst/>
+              </a:prstGeom>
+              <a:blipFill rotWithShape="0">
+                <a:blip r:embed="rId2"/>
+                <a:stretch>
+                  <a:fillRect t="-15000" r="-3320" b="-21667"/>
+                </a:stretch>
+              </a:blipFill>
+            </p:spPr>
+            <p:txBody>
+              <a:bodyPr/>
+              <a:lstStyle/>
+              <a:p>
+                <a:r>
+                  <a:rPr lang="ja-JP" altLang="en-US">
+                    <a:noFill/>
+                  </a:rPr>
+                  <a:t> </a:t>
+                </a:r>
+              </a:p>
+            </p:txBody>
+          </p:sp>
+        </mc:Fallback>
+      </mc:AlternateContent>
       <p:pic>
         <p:nvPicPr>
           <p:cNvPr id="4" name="コンテンツ プレースホルダー 3"/>
@@ -10591,7 +10671,7 @@
           </p:nvPr>
         </p:nvPicPr>
         <p:blipFill>
-          <a:blip r:embed="rId2">
+          <a:blip r:embed="rId3">
             <a:extLst>
               <a:ext uri="{28A0092B-C50C-407E-A947-70E740481C1C}">
                 <a14:useLocalDpi xmlns:a14="http://schemas.microsoft.com/office/drawing/2010/main" val="0"/>
@@ -10603,7 +10683,7 @@
           </a:stretch>
         </p:blipFill>
         <p:spPr>
-          <a:xfrm rot="16200000" flipH="1">
+          <a:xfrm>
             <a:off x="3214938" y="1285694"/>
             <a:ext cx="4351338" cy="4351338"/>
           </a:xfrm>
@@ -10738,7 +10818,7 @@
                 <a:avLst/>
               </a:prstGeom>
               <a:blipFill rotWithShape="0">
-                <a:blip r:embed="rId3"/>
+                <a:blip r:embed="rId4"/>
                 <a:stretch>
                   <a:fillRect/>
                 </a:stretch>
@@ -10822,7 +10902,7 @@
                 <a:avLst/>
               </a:prstGeom>
               <a:blipFill rotWithShape="0">
-                <a:blip r:embed="rId4"/>
+                <a:blip r:embed="rId5"/>
                 <a:stretch>
                   <a:fillRect b="-6667"/>
                 </a:stretch>
@@ -10843,73 +10923,6 @@
           </p:sp>
         </mc:Fallback>
       </mc:AlternateContent>
-      <p:cxnSp>
-        <p:nvCxnSpPr>
-          <p:cNvPr id="9" name="直線矢印コネクタ 8"/>
-          <p:cNvCxnSpPr/>
-          <p:nvPr/>
-        </p:nvCxnSpPr>
-        <p:spPr>
-          <a:xfrm>
-            <a:off x="8046720" y="1285694"/>
-            <a:ext cx="0" cy="4351338"/>
-          </a:xfrm>
-          <a:prstGeom prst="straightConnector1">
-            <a:avLst/>
-          </a:prstGeom>
-          <a:ln>
-            <a:solidFill>
-              <a:srgbClr val="FF0000"/>
-            </a:solidFill>
-            <a:headEnd type="triangle"/>
-            <a:tailEnd type="triangle"/>
-          </a:ln>
-        </p:spPr>
-        <p:style>
-          <a:lnRef idx="1">
-            <a:schemeClr val="dk1"/>
-          </a:lnRef>
-          <a:fillRef idx="0">
-            <a:schemeClr val="dk1"/>
-          </a:fillRef>
-          <a:effectRef idx="0">
-            <a:schemeClr val="dk1"/>
-          </a:effectRef>
-          <a:fontRef idx="minor">
-            <a:schemeClr val="tx1"/>
-          </a:fontRef>
-        </p:style>
-      </p:cxnSp>
-      <p:sp>
-        <p:nvSpPr>
-          <p:cNvPr id="10" name="テキスト ボックス 9"/>
-          <p:cNvSpPr txBox="1"/>
-          <p:nvPr/>
-        </p:nvSpPr>
-        <p:spPr>
-          <a:xfrm>
-            <a:off x="8065500" y="2407709"/>
-            <a:ext cx="461665" cy="2107308"/>
-          </a:xfrm>
-          <a:prstGeom prst="rect">
-            <a:avLst/>
-          </a:prstGeom>
-          <a:noFill/>
-        </p:spPr>
-        <p:txBody>
-          <a:bodyPr vert="eaVert" wrap="none" rtlCol="0">
-            <a:spAutoFit/>
-          </a:bodyPr>
-          <a:lstStyle/>
-          <a:p>
-            <a:r>
-              <a:rPr lang="ja-JP" altLang="en-US" dirty="0"/>
-              <a:t>レーザーの偏光方向</a:t>
-            </a:r>
-            <a:endParaRPr kumimoji="1" lang="ja-JP" altLang="en-US" dirty="0"/>
-          </a:p>
-        </p:txBody>
-      </p:sp>
       <p:sp>
         <p:nvSpPr>
           <p:cNvPr id="11" name="正方形/長方形 10"/>
@@ -10918,7 +10931,7 @@
         </p:nvSpPr>
         <p:spPr>
           <a:xfrm>
-            <a:off x="5486400" y="1285693"/>
+            <a:off x="5207000" y="1285693"/>
             <a:ext cx="190500" cy="4351339"/>
           </a:xfrm>
           <a:prstGeom prst="rect">
@@ -10964,7 +10977,7 @@
         </p:nvCxnSpPr>
         <p:spPr>
           <a:xfrm>
-            <a:off x="5446395" y="1164702"/>
+            <a:off x="5166995" y="1164702"/>
             <a:ext cx="252412" cy="2381"/>
           </a:xfrm>
           <a:prstGeom prst="straightConnector1">
@@ -11001,7 +11014,7 @@
         </p:nvSpPr>
         <p:spPr>
           <a:xfrm>
-            <a:off x="3213463" y="3310844"/>
+            <a:off x="3213463" y="3575670"/>
             <a:ext cx="4333045" cy="150518"/>
           </a:xfrm>
           <a:prstGeom prst="rect">
@@ -11049,7 +11062,7 @@
         </p:nvCxnSpPr>
         <p:spPr>
           <a:xfrm>
-            <a:off x="7666832" y="3274672"/>
+            <a:off x="7666832" y="3539498"/>
             <a:ext cx="1112" cy="222862"/>
           </a:xfrm>
           <a:prstGeom prst="straightConnector1">
@@ -11078,98 +11091,53 @@
           </a:fontRef>
         </p:style>
       </p:cxnSp>
-      <mc:AlternateContent xmlns:mc="http://schemas.openxmlformats.org/markup-compatibility/2006" xmlns:a14="http://schemas.microsoft.com/office/drawing/2010/main">
-        <mc:Choice Requires="a14">
-          <p:sp>
-            <p:nvSpPr>
-              <p:cNvPr id="2" name="テキスト ボックス 1"/>
-              <p:cNvSpPr txBox="1"/>
-              <p:nvPr/>
-            </p:nvSpPr>
-            <p:spPr>
-              <a:xfrm>
-                <a:off x="4847026" y="857056"/>
-                <a:ext cx="1469248" cy="369332"/>
-              </a:xfrm>
-              <a:prstGeom prst="rect">
-                <a:avLst/>
-              </a:prstGeom>
-              <a:noFill/>
-            </p:spPr>
-            <p:txBody>
-              <a:bodyPr wrap="none" rtlCol="0">
-                <a:spAutoFit/>
-              </a:bodyPr>
-              <a:lstStyle/>
-              <a:p>
-                <a14:m>
-                  <m:oMath xmlns:m="http://schemas.openxmlformats.org/officeDocument/2006/math">
-                    <m:r>
-                      <a:rPr kumimoji="1" lang="en-US" altLang="ja-JP" b="0" i="1" smtClean="0">
-                        <a:latin typeface="Cambria Math" panose="02040503050406030204" pitchFamily="18" charset="0"/>
-                      </a:rPr>
-                      <m:t>𝑥</m:t>
-                    </m:r>
-                  </m:oMath>
-                </a14:m>
-                <a:r>
-                  <a:rPr kumimoji="1" lang="ja-JP" altLang="en-US" dirty="0" smtClean="0"/>
-                  <a:t>方向の積算</a:t>
-                </a:r>
-                <a:endParaRPr kumimoji="1" lang="ja-JP" altLang="en-US" dirty="0"/>
-              </a:p>
-            </p:txBody>
-          </p:sp>
-        </mc:Choice>
-        <mc:Fallback xmlns="">
-          <p:sp>
-            <p:nvSpPr>
-              <p:cNvPr id="2" name="テキスト ボックス 1"/>
-              <p:cNvSpPr txBox="1">
-                <a:spLocks noRot="1" noChangeAspect="1" noMove="1" noResize="1" noEditPoints="1" noAdjustHandles="1" noChangeArrowheads="1" noChangeShapeType="1" noTextEdit="1"/>
-              </p:cNvSpPr>
-              <p:nvPr/>
-            </p:nvSpPr>
-            <p:spPr>
-              <a:xfrm>
-                <a:off x="4847026" y="857056"/>
-                <a:ext cx="1469248" cy="369332"/>
-              </a:xfrm>
-              <a:prstGeom prst="rect">
-                <a:avLst/>
-              </a:prstGeom>
-              <a:blipFill rotWithShape="0">
-                <a:blip r:embed="rId5"/>
-                <a:stretch>
-                  <a:fillRect t="-15000" r="-3734" b="-21667"/>
-                </a:stretch>
-              </a:blipFill>
-            </p:spPr>
-            <p:txBody>
-              <a:bodyPr/>
-              <a:lstStyle/>
-              <a:p>
-                <a:r>
-                  <a:rPr lang="ja-JP" altLang="en-US">
-                    <a:noFill/>
-                  </a:rPr>
-                  <a:t> </a:t>
-                </a:r>
-              </a:p>
-            </p:txBody>
-          </p:sp>
-        </mc:Fallback>
-      </mc:AlternateContent>
-      <p:sp>
-        <p:nvSpPr>
-          <p:cNvPr id="3" name="テキスト ボックス 2"/>
+      <p:cxnSp>
+        <p:nvCxnSpPr>
+          <p:cNvPr id="14" name="直線矢印コネクタ 13"/>
+          <p:cNvCxnSpPr/>
+          <p:nvPr/>
+        </p:nvCxnSpPr>
+        <p:spPr>
+          <a:xfrm>
+            <a:off x="3214452" y="5996839"/>
+            <a:ext cx="4351824" cy="0"/>
+          </a:xfrm>
+          <a:prstGeom prst="straightConnector1">
+            <a:avLst/>
+          </a:prstGeom>
+          <a:ln>
+            <a:solidFill>
+              <a:srgbClr val="FF0000"/>
+            </a:solidFill>
+            <a:headEnd type="triangle"/>
+            <a:tailEnd type="triangle"/>
+          </a:ln>
+        </p:spPr>
+        <p:style>
+          <a:lnRef idx="1">
+            <a:schemeClr val="accent2"/>
+          </a:lnRef>
+          <a:fillRef idx="0">
+            <a:schemeClr val="accent2"/>
+          </a:fillRef>
+          <a:effectRef idx="0">
+            <a:schemeClr val="accent2"/>
+          </a:effectRef>
+          <a:fontRef idx="minor">
+            <a:schemeClr val="tx1"/>
+          </a:fontRef>
+        </p:style>
+      </p:cxnSp>
+      <p:sp>
+        <p:nvSpPr>
+          <p:cNvPr id="15" name="テキスト ボックス 14"/>
           <p:cNvSpPr txBox="1"/>
           <p:nvPr/>
         </p:nvSpPr>
         <p:spPr>
           <a:xfrm>
-            <a:off x="7635232" y="2699536"/>
-            <a:ext cx="461665" cy="1373133"/>
+            <a:off x="4343400" y="6267450"/>
+            <a:ext cx="184731" cy="369332"/>
           </a:xfrm>
           <a:prstGeom prst="rect">
             <a:avLst/>
@@ -11177,20 +11145,46 @@
           <a:noFill/>
         </p:spPr>
         <p:txBody>
-          <a:bodyPr vert="eaVert" wrap="none" rtlCol="0">
+          <a:bodyPr wrap="none" rtlCol="0">
             <a:spAutoFit/>
           </a:bodyPr>
           <a:lstStyle/>
           <a:p>
-            <a:r>
-              <a:rPr kumimoji="1" lang="ja-JP" altLang="en-US" dirty="0" err="1" smtClean="0"/>
-              <a:t>ｙ</a:t>
-            </a:r>
-            <a:r>
-              <a:rPr kumimoji="1" lang="ja-JP" altLang="en-US" dirty="0" smtClean="0"/>
-              <a:t>方向の積算</a:t>
-            </a:r>
             <a:endParaRPr kumimoji="1" lang="ja-JP" altLang="en-US" dirty="0"/>
+          </a:p>
+        </p:txBody>
+      </p:sp>
+      <p:sp>
+        <p:nvSpPr>
+          <p:cNvPr id="16" name="テキスト ボックス 15"/>
+          <p:cNvSpPr txBox="1"/>
+          <p:nvPr/>
+        </p:nvSpPr>
+        <p:spPr>
+          <a:xfrm>
+            <a:off x="4271440" y="6082784"/>
+            <a:ext cx="2209259" cy="369332"/>
+          </a:xfrm>
+          <a:prstGeom prst="rect">
+            <a:avLst/>
+          </a:prstGeom>
+          <a:noFill/>
+        </p:spPr>
+        <p:txBody>
+          <a:bodyPr wrap="none" rtlCol="0">
+            <a:spAutoFit/>
+          </a:bodyPr>
+          <a:lstStyle/>
+          <a:p>
+            <a:r>
+              <a:rPr lang="ja-JP" altLang="en-US" dirty="0"/>
+              <a:t>レーザーの偏光</a:t>
+            </a:r>
+            <a:r>
+              <a:rPr lang="ja-JP" altLang="en-US" dirty="0" smtClean="0"/>
+              <a:t>方向</a:t>
+            </a:r>
+            <a:endParaRPr lang="ja-JP" altLang="en-US" dirty="0"/>
           </a:p>
         </p:txBody>
       </p:sp>

--- a/図/図.pptx
+++ b/図/図.pptx
@@ -5,21 +5,23 @@
     <p:sldMasterId id="2147483648" r:id="rId1"/>
   </p:sldMasterIdLst>
   <p:notesMasterIdLst>
-    <p:notesMasterId r:id="rId14"/>
+    <p:notesMasterId r:id="rId16"/>
   </p:notesMasterIdLst>
   <p:sldIdLst>
     <p:sldId id="256" r:id="rId2"/>
     <p:sldId id="257" r:id="rId3"/>
-    <p:sldId id="258" r:id="rId4"/>
-    <p:sldId id="259" r:id="rId5"/>
-    <p:sldId id="260" r:id="rId6"/>
-    <p:sldId id="261" r:id="rId7"/>
-    <p:sldId id="262" r:id="rId8"/>
-    <p:sldId id="263" r:id="rId9"/>
-    <p:sldId id="264" r:id="rId10"/>
-    <p:sldId id="265" r:id="rId11"/>
-    <p:sldId id="266" r:id="rId12"/>
-    <p:sldId id="267" r:id="rId13"/>
+    <p:sldId id="268" r:id="rId4"/>
+    <p:sldId id="269" r:id="rId5"/>
+    <p:sldId id="258" r:id="rId6"/>
+    <p:sldId id="259" r:id="rId7"/>
+    <p:sldId id="260" r:id="rId8"/>
+    <p:sldId id="261" r:id="rId9"/>
+    <p:sldId id="262" r:id="rId10"/>
+    <p:sldId id="263" r:id="rId11"/>
+    <p:sldId id="264" r:id="rId12"/>
+    <p:sldId id="265" r:id="rId13"/>
+    <p:sldId id="266" r:id="rId14"/>
+    <p:sldId id="267" r:id="rId15"/>
   </p:sldIdLst>
   <p:sldSz cx="12192000" cy="6858000"/>
   <p:notesSz cx="6858000" cy="9144000"/>
@@ -573,7 +575,7 @@
           <a:p>
             <a:fld id="{A93B5D4D-F844-4AC2-AE1E-5B2FA9F2570F}" type="slidenum">
               <a:rPr kumimoji="1" lang="ja-JP" altLang="en-US" smtClean="0"/>
-              <a:t>5</a:t>
+              <a:t>7</a:t>
             </a:fld>
             <a:endParaRPr kumimoji="1" lang="ja-JP" altLang="en-US"/>
           </a:p>
@@ -4375,6 +4377,500 @@
         </p:blipFill>
         <p:spPr>
           <a:xfrm>
+            <a:off x="5138737" y="1143000"/>
+            <a:ext cx="1914525" cy="4572000"/>
+          </a:xfrm>
+          <a:prstGeom prst="rect">
+            <a:avLst/>
+          </a:prstGeom>
+          <a:ln>
+            <a:solidFill>
+              <a:srgbClr val="FF0000"/>
+            </a:solidFill>
+          </a:ln>
+        </p:spPr>
+      </p:pic>
+      <p:cxnSp>
+        <p:nvCxnSpPr>
+          <p:cNvPr id="6" name="直線矢印コネクタ 5"/>
+          <p:cNvCxnSpPr/>
+          <p:nvPr/>
+        </p:nvCxnSpPr>
+        <p:spPr>
+          <a:xfrm>
+            <a:off x="5138737" y="870857"/>
+            <a:ext cx="1914525" cy="0"/>
+          </a:xfrm>
+          <a:prstGeom prst="straightConnector1">
+            <a:avLst/>
+          </a:prstGeom>
+          <a:ln>
+            <a:tailEnd type="triangle"/>
+          </a:ln>
+        </p:spPr>
+        <p:style>
+          <a:lnRef idx="1">
+            <a:schemeClr val="dk1"/>
+          </a:lnRef>
+          <a:fillRef idx="0">
+            <a:schemeClr val="dk1"/>
+          </a:fillRef>
+          <a:effectRef idx="0">
+            <a:schemeClr val="dk1"/>
+          </a:effectRef>
+          <a:fontRef idx="minor">
+            <a:schemeClr val="tx1"/>
+          </a:fontRef>
+        </p:style>
+      </p:cxnSp>
+      <p:cxnSp>
+        <p:nvCxnSpPr>
+          <p:cNvPr id="8" name="直線矢印コネクタ 7"/>
+          <p:cNvCxnSpPr/>
+          <p:nvPr/>
+        </p:nvCxnSpPr>
+        <p:spPr>
+          <a:xfrm>
+            <a:off x="4815840" y="1143000"/>
+            <a:ext cx="0" cy="4572000"/>
+          </a:xfrm>
+          <a:prstGeom prst="straightConnector1">
+            <a:avLst/>
+          </a:prstGeom>
+          <a:ln>
+            <a:tailEnd type="triangle"/>
+          </a:ln>
+        </p:spPr>
+        <p:style>
+          <a:lnRef idx="1">
+            <a:schemeClr val="dk1"/>
+          </a:lnRef>
+          <a:fillRef idx="0">
+            <a:schemeClr val="dk1"/>
+          </a:fillRef>
+          <a:effectRef idx="0">
+            <a:schemeClr val="dk1"/>
+          </a:effectRef>
+          <a:fontRef idx="minor">
+            <a:schemeClr val="tx1"/>
+          </a:fontRef>
+        </p:style>
+      </p:cxnSp>
+      <mc:AlternateContent xmlns:mc="http://schemas.openxmlformats.org/markup-compatibility/2006" xmlns:a14="http://schemas.microsoft.com/office/drawing/2010/main">
+        <mc:Choice Requires="a14">
+          <p:sp>
+            <p:nvSpPr>
+              <p:cNvPr id="9" name="テキスト ボックス 8"/>
+              <p:cNvSpPr txBox="1"/>
+              <p:nvPr/>
+            </p:nvSpPr>
+            <p:spPr>
+              <a:xfrm>
+                <a:off x="4693920" y="5860869"/>
+                <a:ext cx="371384" cy="369332"/>
+              </a:xfrm>
+              <a:prstGeom prst="rect">
+                <a:avLst/>
+              </a:prstGeom>
+              <a:noFill/>
+            </p:spPr>
+            <p:txBody>
+              <a:bodyPr wrap="none" rtlCol="0">
+                <a:spAutoFit/>
+              </a:bodyPr>
+              <a:lstStyle/>
+              <a:p>
+                <a:pPr/>
+                <a14:m>
+                  <m:oMathPara xmlns:m="http://schemas.openxmlformats.org/officeDocument/2006/math">
+                    <m:oMathParaPr>
+                      <m:jc m:val="centerGroup"/>
+                    </m:oMathParaPr>
+                    <m:oMath xmlns:m="http://schemas.openxmlformats.org/officeDocument/2006/math">
+                      <m:r>
+                        <a:rPr kumimoji="1" lang="en-US" altLang="ja-JP" b="0" i="1" smtClean="0">
+                          <a:latin typeface="Cambria Math" panose="02040503050406030204" pitchFamily="18" charset="0"/>
+                        </a:rPr>
+                        <m:t>𝑦</m:t>
+                      </m:r>
+                    </m:oMath>
+                  </m:oMathPara>
+                </a14:m>
+                <a:endParaRPr kumimoji="1" lang="ja-JP" altLang="en-US" dirty="0"/>
+              </a:p>
+            </p:txBody>
+          </p:sp>
+        </mc:Choice>
+        <mc:Fallback xmlns="">
+          <p:sp>
+            <p:nvSpPr>
+              <p:cNvPr id="9" name="テキスト ボックス 8"/>
+              <p:cNvSpPr txBox="1">
+                <a:spLocks noRot="1" noChangeAspect="1" noMove="1" noResize="1" noEditPoints="1" noAdjustHandles="1" noChangeArrowheads="1" noChangeShapeType="1" noTextEdit="1"/>
+              </p:cNvSpPr>
+              <p:nvPr/>
+            </p:nvSpPr>
+            <p:spPr>
+              <a:xfrm>
+                <a:off x="4693920" y="5860869"/>
+                <a:ext cx="371384" cy="369332"/>
+              </a:xfrm>
+              <a:prstGeom prst="rect">
+                <a:avLst/>
+              </a:prstGeom>
+              <a:blipFill rotWithShape="0">
+                <a:blip r:embed="rId3"/>
+                <a:stretch>
+                  <a:fillRect b="-6557"/>
+                </a:stretch>
+              </a:blipFill>
+            </p:spPr>
+            <p:txBody>
+              <a:bodyPr/>
+              <a:lstStyle/>
+              <a:p>
+                <a:r>
+                  <a:rPr lang="ja-JP" altLang="en-US">
+                    <a:noFill/>
+                  </a:rPr>
+                  <a:t> </a:t>
+                </a:r>
+              </a:p>
+            </p:txBody>
+          </p:sp>
+        </mc:Fallback>
+      </mc:AlternateContent>
+      <p:sp>
+        <p:nvSpPr>
+          <p:cNvPr id="10" name="テキスト ボックス 9"/>
+          <p:cNvSpPr txBox="1"/>
+          <p:nvPr/>
+        </p:nvSpPr>
+        <p:spPr>
+          <a:xfrm>
+            <a:off x="7184572" y="686191"/>
+            <a:ext cx="1529586" cy="369332"/>
+          </a:xfrm>
+          <a:prstGeom prst="rect">
+            <a:avLst/>
+          </a:prstGeom>
+          <a:noFill/>
+        </p:spPr>
+        <p:txBody>
+          <a:bodyPr wrap="none" rtlCol="0">
+            <a:spAutoFit/>
+          </a:bodyPr>
+          <a:lstStyle/>
+          <a:p>
+            <a:r>
+              <a:rPr lang="ja-JP" altLang="en-US" dirty="0"/>
+              <a:t>データ</a:t>
+            </a:r>
+            <a:r>
+              <a:rPr lang="ja-JP" altLang="en-US" dirty="0" smtClean="0"/>
+              <a:t>番号</a:t>
+            </a:r>
+            <a:r>
+              <a:rPr lang="en-US" altLang="ja-JP" dirty="0" err="1" smtClean="0"/>
+              <a:t>Dn</a:t>
+            </a:r>
+            <a:endParaRPr kumimoji="1" lang="ja-JP" altLang="en-US" dirty="0"/>
+          </a:p>
+        </p:txBody>
+      </p:sp>
+    </p:spTree>
+    <p:extLst>
+      <p:ext uri="{BB962C8B-B14F-4D97-AF65-F5344CB8AC3E}">
+        <p14:creationId xmlns:p14="http://schemas.microsoft.com/office/powerpoint/2010/main" val="2312753211"/>
+      </p:ext>
+    </p:extLst>
+  </p:cSld>
+  <p:clrMapOvr>
+    <a:masterClrMapping/>
+  </p:clrMapOvr>
+</p:sld>
+</file>
+
+<file path=ppt/slides/slide11.xml><?xml version="1.0" encoding="utf-8"?>
+<p:sld xmlns:a="http://schemas.openxmlformats.org/drawingml/2006/main" xmlns:r="http://schemas.openxmlformats.org/officeDocument/2006/relationships" xmlns:p="http://schemas.openxmlformats.org/presentationml/2006/main">
+  <p:cSld>
+    <p:spTree>
+      <p:nvGrpSpPr>
+        <p:cNvPr id="1" name=""/>
+        <p:cNvGrpSpPr/>
+        <p:nvPr/>
+      </p:nvGrpSpPr>
+      <p:grpSpPr>
+        <a:xfrm>
+          <a:off x="0" y="0"/>
+          <a:ext cx="0" cy="0"/>
+          <a:chOff x="0" y="0"/>
+          <a:chExt cx="0" cy="0"/>
+        </a:xfrm>
+      </p:grpSpPr>
+      <p:pic>
+        <p:nvPicPr>
+          <p:cNvPr id="4" name="図 3"/>
+          <p:cNvPicPr>
+            <a:picLocks noChangeAspect="1"/>
+          </p:cNvPicPr>
+          <p:nvPr/>
+        </p:nvPicPr>
+        <p:blipFill>
+          <a:blip r:embed="rId2"/>
+          <a:stretch>
+            <a:fillRect/>
+          </a:stretch>
+        </p:blipFill>
+        <p:spPr>
+          <a:xfrm>
+            <a:off x="3810000" y="2476500"/>
+            <a:ext cx="4572000" cy="1905000"/>
+          </a:xfrm>
+          <a:prstGeom prst="rect">
+            <a:avLst/>
+          </a:prstGeom>
+          <a:ln>
+            <a:solidFill>
+              <a:srgbClr val="FF0000"/>
+            </a:solidFill>
+          </a:ln>
+        </p:spPr>
+      </p:pic>
+      <p:cxnSp>
+        <p:nvCxnSpPr>
+          <p:cNvPr id="6" name="直線矢印コネクタ 5"/>
+          <p:cNvCxnSpPr/>
+          <p:nvPr/>
+        </p:nvCxnSpPr>
+        <p:spPr>
+          <a:xfrm>
+            <a:off x="3810000" y="2107474"/>
+            <a:ext cx="4606834" cy="0"/>
+          </a:xfrm>
+          <a:prstGeom prst="straightConnector1">
+            <a:avLst/>
+          </a:prstGeom>
+          <a:ln>
+            <a:tailEnd type="triangle"/>
+          </a:ln>
+        </p:spPr>
+        <p:style>
+          <a:lnRef idx="1">
+            <a:schemeClr val="dk1"/>
+          </a:lnRef>
+          <a:fillRef idx="0">
+            <a:schemeClr val="dk1"/>
+          </a:fillRef>
+          <a:effectRef idx="0">
+            <a:schemeClr val="dk1"/>
+          </a:effectRef>
+          <a:fontRef idx="minor">
+            <a:schemeClr val="tx1"/>
+          </a:fontRef>
+        </p:style>
+      </p:cxnSp>
+      <p:cxnSp>
+        <p:nvCxnSpPr>
+          <p:cNvPr id="8" name="直線矢印コネクタ 7"/>
+          <p:cNvCxnSpPr/>
+          <p:nvPr/>
+        </p:nvCxnSpPr>
+        <p:spPr>
+          <a:xfrm>
+            <a:off x="3466011" y="2476500"/>
+            <a:ext cx="0" cy="1905000"/>
+          </a:xfrm>
+          <a:prstGeom prst="straightConnector1">
+            <a:avLst/>
+          </a:prstGeom>
+          <a:ln>
+            <a:tailEnd type="triangle"/>
+          </a:ln>
+        </p:spPr>
+        <p:style>
+          <a:lnRef idx="1">
+            <a:schemeClr val="dk1"/>
+          </a:lnRef>
+          <a:fillRef idx="0">
+            <a:schemeClr val="dk1"/>
+          </a:fillRef>
+          <a:effectRef idx="0">
+            <a:schemeClr val="dk1"/>
+          </a:effectRef>
+          <a:fontRef idx="minor">
+            <a:schemeClr val="tx1"/>
+          </a:fontRef>
+        </p:style>
+      </p:cxnSp>
+      <mc:AlternateContent xmlns:mc="http://schemas.openxmlformats.org/markup-compatibility/2006" xmlns:a14="http://schemas.microsoft.com/office/drawing/2010/main">
+        <mc:Choice Requires="a14">
+          <p:sp>
+            <p:nvSpPr>
+              <p:cNvPr id="9" name="テキスト ボックス 8"/>
+              <p:cNvSpPr txBox="1"/>
+              <p:nvPr/>
+            </p:nvSpPr>
+            <p:spPr>
+              <a:xfrm>
+                <a:off x="8516983" y="1922808"/>
+                <a:ext cx="367985" cy="369332"/>
+              </a:xfrm>
+              <a:prstGeom prst="rect">
+                <a:avLst/>
+              </a:prstGeom>
+              <a:noFill/>
+            </p:spPr>
+            <p:txBody>
+              <a:bodyPr wrap="none" rtlCol="0">
+                <a:spAutoFit/>
+              </a:bodyPr>
+              <a:lstStyle/>
+              <a:p>
+                <a:pPr/>
+                <a14:m>
+                  <m:oMathPara xmlns:m="http://schemas.openxmlformats.org/officeDocument/2006/math">
+                    <m:oMathParaPr>
+                      <m:jc m:val="centerGroup"/>
+                    </m:oMathParaPr>
+                    <m:oMath xmlns:m="http://schemas.openxmlformats.org/officeDocument/2006/math">
+                      <m:r>
+                        <a:rPr kumimoji="1" lang="en-US" altLang="ja-JP" b="0" i="1" smtClean="0">
+                          <a:latin typeface="Cambria Math" panose="02040503050406030204" pitchFamily="18" charset="0"/>
+                        </a:rPr>
+                        <m:t>𝑥</m:t>
+                      </m:r>
+                    </m:oMath>
+                  </m:oMathPara>
+                </a14:m>
+                <a:endParaRPr kumimoji="1" lang="ja-JP" altLang="en-US" dirty="0"/>
+              </a:p>
+            </p:txBody>
+          </p:sp>
+        </mc:Choice>
+        <mc:Fallback xmlns="">
+          <p:sp>
+            <p:nvSpPr>
+              <p:cNvPr id="9" name="テキスト ボックス 8"/>
+              <p:cNvSpPr txBox="1">
+                <a:spLocks noRot="1" noChangeAspect="1" noMove="1" noResize="1" noEditPoints="1" noAdjustHandles="1" noChangeArrowheads="1" noChangeShapeType="1" noTextEdit="1"/>
+              </p:cNvSpPr>
+              <p:nvPr/>
+            </p:nvSpPr>
+            <p:spPr>
+              <a:xfrm>
+                <a:off x="8516983" y="1922808"/>
+                <a:ext cx="367985" cy="369332"/>
+              </a:xfrm>
+              <a:prstGeom prst="rect">
+                <a:avLst/>
+              </a:prstGeom>
+              <a:blipFill rotWithShape="0">
+                <a:blip r:embed="rId3"/>
+                <a:stretch>
+                  <a:fillRect/>
+                </a:stretch>
+              </a:blipFill>
+            </p:spPr>
+            <p:txBody>
+              <a:bodyPr/>
+              <a:lstStyle/>
+              <a:p>
+                <a:r>
+                  <a:rPr lang="ja-JP" altLang="en-US">
+                    <a:noFill/>
+                  </a:rPr>
+                  <a:t> </a:t>
+                </a:r>
+              </a:p>
+            </p:txBody>
+          </p:sp>
+        </mc:Fallback>
+      </mc:AlternateContent>
+      <p:sp>
+        <p:nvSpPr>
+          <p:cNvPr id="10" name="テキスト ボックス 9"/>
+          <p:cNvSpPr txBox="1"/>
+          <p:nvPr/>
+        </p:nvSpPr>
+        <p:spPr>
+          <a:xfrm>
+            <a:off x="2701218" y="4483128"/>
+            <a:ext cx="1529586" cy="369332"/>
+          </a:xfrm>
+          <a:prstGeom prst="rect">
+            <a:avLst/>
+          </a:prstGeom>
+          <a:noFill/>
+        </p:spPr>
+        <p:txBody>
+          <a:bodyPr wrap="none" rtlCol="0">
+            <a:spAutoFit/>
+          </a:bodyPr>
+          <a:lstStyle/>
+          <a:p>
+            <a:r>
+              <a:rPr lang="ja-JP" altLang="en-US" dirty="0"/>
+              <a:t>データ</a:t>
+            </a:r>
+            <a:r>
+              <a:rPr lang="ja-JP" altLang="en-US" dirty="0" smtClean="0"/>
+              <a:t>番号</a:t>
+            </a:r>
+            <a:r>
+              <a:rPr lang="en-US" altLang="ja-JP" dirty="0" err="1" smtClean="0"/>
+              <a:t>Dn</a:t>
+            </a:r>
+            <a:endParaRPr kumimoji="1" lang="ja-JP" altLang="en-US" dirty="0"/>
+          </a:p>
+        </p:txBody>
+      </p:sp>
+    </p:spTree>
+    <p:extLst>
+      <p:ext uri="{BB962C8B-B14F-4D97-AF65-F5344CB8AC3E}">
+        <p14:creationId xmlns:p14="http://schemas.microsoft.com/office/powerpoint/2010/main" val="1326324785"/>
+      </p:ext>
+    </p:extLst>
+  </p:cSld>
+  <p:clrMapOvr>
+    <a:masterClrMapping/>
+  </p:clrMapOvr>
+</p:sld>
+</file>
+
+<file path=ppt/slides/slide12.xml><?xml version="1.0" encoding="utf-8"?>
+<p:sld xmlns:a="http://schemas.openxmlformats.org/drawingml/2006/main" xmlns:r="http://schemas.openxmlformats.org/officeDocument/2006/relationships" xmlns:p="http://schemas.openxmlformats.org/presentationml/2006/main">
+  <p:cSld>
+    <p:spTree>
+      <p:nvGrpSpPr>
+        <p:cNvPr id="1" name=""/>
+        <p:cNvGrpSpPr/>
+        <p:nvPr/>
+      </p:nvGrpSpPr>
+      <p:grpSpPr>
+        <a:xfrm>
+          <a:off x="0" y="0"/>
+          <a:ext cx="0" cy="0"/>
+          <a:chOff x="0" y="0"/>
+          <a:chExt cx="0" cy="0"/>
+        </a:xfrm>
+      </p:grpSpPr>
+      <p:pic>
+        <p:nvPicPr>
+          <p:cNvPr id="4" name="図 3"/>
+          <p:cNvPicPr>
+            <a:picLocks noChangeAspect="1"/>
+          </p:cNvPicPr>
+          <p:nvPr/>
+        </p:nvPicPr>
+        <p:blipFill>
+          <a:blip r:embed="rId2"/>
+          <a:stretch>
+            <a:fillRect/>
+          </a:stretch>
+        </p:blipFill>
+        <p:spPr>
+          <a:xfrm>
             <a:off x="5043487" y="2476500"/>
             <a:ext cx="2105025" cy="1905000"/>
           </a:xfrm>
@@ -4589,7 +5085,7 @@
 </p:sld>
 </file>
 
-<file path=ppt/slides/slide11.xml><?xml version="1.0" encoding="utf-8"?>
+<file path=ppt/slides/slide13.xml><?xml version="1.0" encoding="utf-8"?>
 <p:sld xmlns:a="http://schemas.openxmlformats.org/drawingml/2006/main" xmlns:r="http://schemas.openxmlformats.org/officeDocument/2006/relationships" xmlns:p="http://schemas.openxmlformats.org/presentationml/2006/main">
   <p:cSld>
     <p:spTree>
@@ -5061,7 +5557,7 @@
 </p:sld>
 </file>
 
-<file path=ppt/slides/slide12.xml><?xml version="1.0" encoding="utf-8"?>
+<file path=ppt/slides/slide14.xml><?xml version="1.0" encoding="utf-8"?>
 <p:sld xmlns:a="http://schemas.openxmlformats.org/drawingml/2006/main" xmlns:r="http://schemas.openxmlformats.org/officeDocument/2006/relationships" xmlns:p="http://schemas.openxmlformats.org/presentationml/2006/main">
   <p:cSld>
     <p:spTree>
@@ -7959,18 +8455,20 @@
       </p:grpSpPr>
       <p:sp>
         <p:nvSpPr>
-          <p:cNvPr id="4" name="正方形/長方形 3"/>
+          <p:cNvPr id="6" name="正方形/長方形 5"/>
           <p:cNvSpPr/>
           <p:nvPr/>
         </p:nvSpPr>
         <p:spPr>
           <a:xfrm>
-            <a:off x="2781300" y="6019800"/>
-            <a:ext cx="4229100" cy="219075"/>
+            <a:off x="487681" y="2250859"/>
+            <a:ext cx="1114697" cy="557348"/>
           </a:xfrm>
           <a:prstGeom prst="rect">
             <a:avLst/>
           </a:prstGeom>
+          <a:noFill/>
+          <a:ln w="19050"/>
         </p:spPr>
         <p:style>
           <a:lnRef idx="2">
@@ -7999,18 +8497,1037 @@
       </p:sp>
       <p:sp>
         <p:nvSpPr>
-          <p:cNvPr id="5" name="正方形/長方形 4"/>
+          <p:cNvPr id="7" name="テキスト ボックス 6"/>
+          <p:cNvSpPr txBox="1"/>
+          <p:nvPr/>
+        </p:nvSpPr>
+        <p:spPr>
+          <a:xfrm>
+            <a:off x="217715" y="1806722"/>
+            <a:ext cx="1789318" cy="338554"/>
+          </a:xfrm>
+          <a:prstGeom prst="rect">
+            <a:avLst/>
+          </a:prstGeom>
+          <a:noFill/>
+        </p:spPr>
+        <p:txBody>
+          <a:bodyPr wrap="square" rtlCol="0">
+            <a:spAutoFit/>
+          </a:bodyPr>
+          <a:lstStyle/>
+          <a:p>
+            <a:r>
+              <a:rPr lang="en-US" altLang="ja-JP" sz="1600" dirty="0" smtClean="0"/>
+              <a:t>(a)800nm</a:t>
+            </a:r>
+            <a:r>
+              <a:rPr lang="ja-JP" altLang="en-US" sz="1600" dirty="0" smtClean="0"/>
+              <a:t>レーザー</a:t>
+            </a:r>
+            <a:endParaRPr kumimoji="1" lang="en-US" altLang="ja-JP" sz="1600" dirty="0" smtClean="0"/>
+          </a:p>
+        </p:txBody>
+      </p:sp>
+      <p:sp>
+        <p:nvSpPr>
+          <p:cNvPr id="11" name="正方形/長方形 10"/>
           <p:cNvSpPr/>
           <p:nvPr/>
         </p:nvSpPr>
         <p:spPr>
           <a:xfrm>
-            <a:off x="2781300" y="4463535"/>
-            <a:ext cx="1504949" cy="190499"/>
+            <a:off x="2709463" y="2250859"/>
+            <a:ext cx="94700" cy="557348"/>
           </a:xfrm>
           <a:prstGeom prst="rect">
             <a:avLst/>
           </a:prstGeom>
+          <a:noFill/>
+          <a:ln w="19050">
+            <a:solidFill>
+              <a:schemeClr val="tx1"/>
+            </a:solidFill>
+          </a:ln>
+        </p:spPr>
+        <p:style>
+          <a:lnRef idx="2">
+            <a:schemeClr val="accent1">
+              <a:shade val="50000"/>
+            </a:schemeClr>
+          </a:lnRef>
+          <a:fillRef idx="1">
+            <a:schemeClr val="accent1"/>
+          </a:fillRef>
+          <a:effectRef idx="0">
+            <a:schemeClr val="accent1"/>
+          </a:effectRef>
+          <a:fontRef idx="minor">
+            <a:schemeClr val="lt1"/>
+          </a:fontRef>
+        </p:style>
+        <p:txBody>
+          <a:bodyPr rtlCol="0" anchor="ctr"/>
+          <a:lstStyle/>
+          <a:p>
+            <a:pPr algn="ctr"/>
+            <a:endParaRPr kumimoji="1" lang="ja-JP" altLang="en-US"/>
+          </a:p>
+        </p:txBody>
+      </p:sp>
+      <p:sp>
+        <p:nvSpPr>
+          <p:cNvPr id="12" name="テキスト ボックス 11"/>
+          <p:cNvSpPr txBox="1"/>
+          <p:nvPr/>
+        </p:nvSpPr>
+        <p:spPr>
+          <a:xfrm>
+            <a:off x="2063935" y="1806722"/>
+            <a:ext cx="1374590" cy="338554"/>
+          </a:xfrm>
+          <a:prstGeom prst="rect">
+            <a:avLst/>
+          </a:prstGeom>
+          <a:noFill/>
+        </p:spPr>
+        <p:txBody>
+          <a:bodyPr wrap="square" rtlCol="0">
+            <a:spAutoFit/>
+          </a:bodyPr>
+          <a:lstStyle/>
+          <a:p>
+            <a:r>
+              <a:rPr lang="en-US" altLang="ja-JP" sz="1600" dirty="0" smtClean="0"/>
+              <a:t>(b)</a:t>
+            </a:r>
+            <a:r>
+              <a:rPr kumimoji="1" lang="en-US" altLang="ja-JP" sz="1600" dirty="0" smtClean="0"/>
+              <a:t>1/4</a:t>
+            </a:r>
+            <a:r>
+              <a:rPr kumimoji="1" lang="ja-JP" altLang="en-US" sz="1600" dirty="0" smtClean="0"/>
+              <a:t>波長板</a:t>
+            </a:r>
+            <a:endParaRPr kumimoji="1" lang="en-US" altLang="ja-JP" sz="1600" dirty="0" smtClean="0"/>
+          </a:p>
+        </p:txBody>
+      </p:sp>
+      <p:sp>
+        <p:nvSpPr>
+          <p:cNvPr id="13" name="正方形/長方形 12"/>
+          <p:cNvSpPr/>
+          <p:nvPr/>
+        </p:nvSpPr>
+        <p:spPr>
+          <a:xfrm>
+            <a:off x="3816548" y="2250858"/>
+            <a:ext cx="94700" cy="557348"/>
+          </a:xfrm>
+          <a:prstGeom prst="rect">
+            <a:avLst/>
+          </a:prstGeom>
+          <a:noFill/>
+          <a:ln w="19050">
+            <a:solidFill>
+              <a:schemeClr val="tx1"/>
+            </a:solidFill>
+          </a:ln>
+        </p:spPr>
+        <p:style>
+          <a:lnRef idx="2">
+            <a:schemeClr val="accent1">
+              <a:shade val="50000"/>
+            </a:schemeClr>
+          </a:lnRef>
+          <a:fillRef idx="1">
+            <a:schemeClr val="accent1"/>
+          </a:fillRef>
+          <a:effectRef idx="0">
+            <a:schemeClr val="accent1"/>
+          </a:effectRef>
+          <a:fontRef idx="minor">
+            <a:schemeClr val="lt1"/>
+          </a:fontRef>
+        </p:style>
+        <p:txBody>
+          <a:bodyPr rtlCol="0" anchor="ctr"/>
+          <a:lstStyle/>
+          <a:p>
+            <a:pPr algn="ctr"/>
+            <a:endParaRPr kumimoji="1" lang="ja-JP" altLang="en-US"/>
+          </a:p>
+        </p:txBody>
+      </p:sp>
+      <p:sp>
+        <p:nvSpPr>
+          <p:cNvPr id="14" name="テキスト ボックス 13"/>
+          <p:cNvSpPr txBox="1"/>
+          <p:nvPr/>
+        </p:nvSpPr>
+        <p:spPr>
+          <a:xfrm>
+            <a:off x="3241931" y="1817613"/>
+            <a:ext cx="1338634" cy="338554"/>
+          </a:xfrm>
+          <a:prstGeom prst="rect">
+            <a:avLst/>
+          </a:prstGeom>
+          <a:noFill/>
+        </p:spPr>
+        <p:txBody>
+          <a:bodyPr wrap="square" rtlCol="0">
+            <a:spAutoFit/>
+          </a:bodyPr>
+          <a:lstStyle/>
+          <a:p>
+            <a:r>
+              <a:rPr lang="en-US" altLang="ja-JP" sz="1600" dirty="0" smtClean="0"/>
+              <a:t>(c)</a:t>
+            </a:r>
+            <a:r>
+              <a:rPr kumimoji="1" lang="en-US" altLang="ja-JP" sz="1600" dirty="0" smtClean="0"/>
+              <a:t>fused silica</a:t>
+            </a:r>
+          </a:p>
+        </p:txBody>
+      </p:sp>
+      <p:cxnSp>
+        <p:nvCxnSpPr>
+          <p:cNvPr id="17" name="直線コネクタ 16"/>
+          <p:cNvCxnSpPr>
+            <a:stCxn id="6" idx="3"/>
+            <a:endCxn id="11" idx="1"/>
+          </p:cNvCxnSpPr>
+          <p:nvPr/>
+        </p:nvCxnSpPr>
+        <p:spPr>
+          <a:xfrm>
+            <a:off x="1602378" y="2529533"/>
+            <a:ext cx="1107085" cy="0"/>
+          </a:xfrm>
+          <a:prstGeom prst="line">
+            <a:avLst/>
+          </a:prstGeom>
+        </p:spPr>
+        <p:style>
+          <a:lnRef idx="1">
+            <a:schemeClr val="dk1"/>
+          </a:lnRef>
+          <a:fillRef idx="0">
+            <a:schemeClr val="dk1"/>
+          </a:fillRef>
+          <a:effectRef idx="0">
+            <a:schemeClr val="dk1"/>
+          </a:effectRef>
+          <a:fontRef idx="minor">
+            <a:schemeClr val="tx1"/>
+          </a:fontRef>
+        </p:style>
+      </p:cxnSp>
+      <p:cxnSp>
+        <p:nvCxnSpPr>
+          <p:cNvPr id="19" name="直線コネクタ 18"/>
+          <p:cNvCxnSpPr>
+            <a:stCxn id="11" idx="3"/>
+            <a:endCxn id="13" idx="1"/>
+          </p:cNvCxnSpPr>
+          <p:nvPr/>
+        </p:nvCxnSpPr>
+        <p:spPr>
+          <a:xfrm flipV="1">
+            <a:off x="2804163" y="2529532"/>
+            <a:ext cx="1012385" cy="1"/>
+          </a:xfrm>
+          <a:prstGeom prst="line">
+            <a:avLst/>
+          </a:prstGeom>
+        </p:spPr>
+        <p:style>
+          <a:lnRef idx="1">
+            <a:schemeClr val="dk1"/>
+          </a:lnRef>
+          <a:fillRef idx="0">
+            <a:schemeClr val="dk1"/>
+          </a:fillRef>
+          <a:effectRef idx="0">
+            <a:schemeClr val="dk1"/>
+          </a:effectRef>
+          <a:fontRef idx="minor">
+            <a:schemeClr val="tx1"/>
+          </a:fontRef>
+        </p:style>
+      </p:cxnSp>
+      <p:sp>
+        <p:nvSpPr>
+          <p:cNvPr id="20" name="正方形/長方形 19"/>
+          <p:cNvSpPr/>
+          <p:nvPr/>
+        </p:nvSpPr>
+        <p:spPr>
+          <a:xfrm>
+            <a:off x="4923633" y="2250858"/>
+            <a:ext cx="94700" cy="557348"/>
+          </a:xfrm>
+          <a:prstGeom prst="rect">
+            <a:avLst/>
+          </a:prstGeom>
+          <a:noFill/>
+          <a:ln w="19050">
+            <a:solidFill>
+              <a:schemeClr val="tx1"/>
+            </a:solidFill>
+          </a:ln>
+        </p:spPr>
+        <p:style>
+          <a:lnRef idx="2">
+            <a:schemeClr val="accent1">
+              <a:shade val="50000"/>
+            </a:schemeClr>
+          </a:lnRef>
+          <a:fillRef idx="1">
+            <a:schemeClr val="accent1"/>
+          </a:fillRef>
+          <a:effectRef idx="0">
+            <a:schemeClr val="accent1"/>
+          </a:effectRef>
+          <a:fontRef idx="minor">
+            <a:schemeClr val="lt1"/>
+          </a:fontRef>
+        </p:style>
+        <p:txBody>
+          <a:bodyPr rtlCol="0" anchor="ctr"/>
+          <a:lstStyle/>
+          <a:p>
+            <a:pPr algn="ctr"/>
+            <a:endParaRPr kumimoji="1" lang="ja-JP" altLang="en-US"/>
+          </a:p>
+        </p:txBody>
+      </p:sp>
+      <p:cxnSp>
+        <p:nvCxnSpPr>
+          <p:cNvPr id="22" name="直線コネクタ 21"/>
+          <p:cNvCxnSpPr>
+            <a:stCxn id="13" idx="3"/>
+            <a:endCxn id="20" idx="1"/>
+          </p:cNvCxnSpPr>
+          <p:nvPr/>
+        </p:nvCxnSpPr>
+        <p:spPr>
+          <a:xfrm>
+            <a:off x="3911248" y="2529532"/>
+            <a:ext cx="1012385" cy="0"/>
+          </a:xfrm>
+          <a:prstGeom prst="line">
+            <a:avLst/>
+          </a:prstGeom>
+        </p:spPr>
+        <p:style>
+          <a:lnRef idx="1">
+            <a:schemeClr val="dk1"/>
+          </a:lnRef>
+          <a:fillRef idx="0">
+            <a:schemeClr val="dk1"/>
+          </a:fillRef>
+          <a:effectRef idx="0">
+            <a:schemeClr val="dk1"/>
+          </a:effectRef>
+          <a:fontRef idx="minor">
+            <a:schemeClr val="tx1"/>
+          </a:fontRef>
+        </p:style>
+      </p:cxnSp>
+      <p:sp>
+        <p:nvSpPr>
+          <p:cNvPr id="23" name="テキスト ボックス 22"/>
+          <p:cNvSpPr txBox="1"/>
+          <p:nvPr/>
+        </p:nvSpPr>
+        <p:spPr>
+          <a:xfrm>
+            <a:off x="4249472" y="1560501"/>
+            <a:ext cx="1443024" cy="584775"/>
+          </a:xfrm>
+          <a:prstGeom prst="rect">
+            <a:avLst/>
+          </a:prstGeom>
+          <a:noFill/>
+        </p:spPr>
+        <p:txBody>
+          <a:bodyPr wrap="none" rtlCol="0">
+            <a:spAutoFit/>
+          </a:bodyPr>
+          <a:lstStyle/>
+          <a:p>
+            <a:pPr algn="ctr"/>
+            <a:r>
+              <a:rPr lang="en-US" altLang="ja-JP" sz="1600" dirty="0" smtClean="0"/>
+              <a:t>(d)</a:t>
+            </a:r>
+            <a:r>
+              <a:rPr kumimoji="1" lang="ja-JP" altLang="en-US" sz="1600" dirty="0" smtClean="0"/>
+              <a:t>非線形結晶</a:t>
+            </a:r>
+            <a:endParaRPr kumimoji="1" lang="en-US" altLang="ja-JP" sz="1600" dirty="0" smtClean="0"/>
+          </a:p>
+          <a:p>
+            <a:pPr algn="ctr"/>
+            <a:r>
+              <a:rPr kumimoji="1" lang="en-US" altLang="ja-JP" sz="1600" dirty="0" smtClean="0"/>
+              <a:t>(BBO)</a:t>
+            </a:r>
+            <a:endParaRPr kumimoji="1" lang="ja-JP" altLang="en-US" sz="1600" dirty="0"/>
+          </a:p>
+        </p:txBody>
+      </p:sp>
+      <p:sp>
+        <p:nvSpPr>
+          <p:cNvPr id="24" name="正方形/長方形 23"/>
+          <p:cNvSpPr/>
+          <p:nvPr/>
+        </p:nvSpPr>
+        <p:spPr>
+          <a:xfrm>
+            <a:off x="6030718" y="2250858"/>
+            <a:ext cx="94700" cy="557348"/>
+          </a:xfrm>
+          <a:prstGeom prst="rect">
+            <a:avLst/>
+          </a:prstGeom>
+          <a:noFill/>
+          <a:ln w="19050">
+            <a:solidFill>
+              <a:schemeClr val="tx1"/>
+            </a:solidFill>
+          </a:ln>
+        </p:spPr>
+        <p:style>
+          <a:lnRef idx="2">
+            <a:schemeClr val="accent1">
+              <a:shade val="50000"/>
+            </a:schemeClr>
+          </a:lnRef>
+          <a:fillRef idx="1">
+            <a:schemeClr val="accent1"/>
+          </a:fillRef>
+          <a:effectRef idx="0">
+            <a:schemeClr val="accent1"/>
+          </a:effectRef>
+          <a:fontRef idx="minor">
+            <a:schemeClr val="lt1"/>
+          </a:fontRef>
+        </p:style>
+        <p:txBody>
+          <a:bodyPr rtlCol="0" anchor="ctr"/>
+          <a:lstStyle/>
+          <a:p>
+            <a:pPr algn="ctr"/>
+            <a:endParaRPr kumimoji="1" lang="ja-JP" altLang="en-US"/>
+          </a:p>
+        </p:txBody>
+      </p:sp>
+      <p:sp>
+        <p:nvSpPr>
+          <p:cNvPr id="26" name="テキスト ボックス 25"/>
+          <p:cNvSpPr txBox="1"/>
+          <p:nvPr/>
+        </p:nvSpPr>
+        <p:spPr>
+          <a:xfrm>
+            <a:off x="6895271" y="1802889"/>
+            <a:ext cx="1553403" cy="338554"/>
+          </a:xfrm>
+          <a:prstGeom prst="rect">
+            <a:avLst/>
+          </a:prstGeom>
+          <a:noFill/>
+        </p:spPr>
+        <p:txBody>
+          <a:bodyPr wrap="square" rtlCol="0">
+            <a:spAutoFit/>
+          </a:bodyPr>
+          <a:lstStyle/>
+          <a:p>
+            <a:r>
+              <a:rPr lang="en-US" altLang="ja-JP" sz="1600" dirty="0" smtClean="0"/>
+              <a:t>(f)</a:t>
+            </a:r>
+            <a:r>
+              <a:rPr lang="ja-JP" altLang="en-US" sz="1600" dirty="0"/>
+              <a:t>クリプトン</a:t>
+            </a:r>
+            <a:r>
+              <a:rPr lang="ja-JP" altLang="en-US" sz="1600" dirty="0" smtClean="0"/>
+              <a:t>ガス</a:t>
+            </a:r>
+            <a:endParaRPr kumimoji="1" lang="en-US" altLang="ja-JP" sz="1600" dirty="0" smtClean="0"/>
+          </a:p>
+        </p:txBody>
+      </p:sp>
+      <p:cxnSp>
+        <p:nvCxnSpPr>
+          <p:cNvPr id="28" name="直線コネクタ 27"/>
+          <p:cNvCxnSpPr>
+            <a:stCxn id="20" idx="3"/>
+            <a:endCxn id="24" idx="1"/>
+          </p:cNvCxnSpPr>
+          <p:nvPr/>
+        </p:nvCxnSpPr>
+        <p:spPr>
+          <a:xfrm>
+            <a:off x="5018333" y="2529532"/>
+            <a:ext cx="1012385" cy="0"/>
+          </a:xfrm>
+          <a:prstGeom prst="line">
+            <a:avLst/>
+          </a:prstGeom>
+        </p:spPr>
+        <p:style>
+          <a:lnRef idx="1">
+            <a:schemeClr val="dk1"/>
+          </a:lnRef>
+          <a:fillRef idx="0">
+            <a:schemeClr val="dk1"/>
+          </a:fillRef>
+          <a:effectRef idx="0">
+            <a:schemeClr val="dk1"/>
+          </a:effectRef>
+          <a:fontRef idx="minor">
+            <a:schemeClr val="tx1"/>
+          </a:fontRef>
+        </p:style>
+      </p:cxnSp>
+      <p:cxnSp>
+        <p:nvCxnSpPr>
+          <p:cNvPr id="38" name="直線コネクタ 37"/>
+          <p:cNvCxnSpPr>
+            <a:stCxn id="24" idx="3"/>
+          </p:cNvCxnSpPr>
+          <p:nvPr/>
+        </p:nvCxnSpPr>
+        <p:spPr>
+          <a:xfrm>
+            <a:off x="6125418" y="2529532"/>
+            <a:ext cx="1012385" cy="0"/>
+          </a:xfrm>
+          <a:prstGeom prst="line">
+            <a:avLst/>
+          </a:prstGeom>
+        </p:spPr>
+        <p:style>
+          <a:lnRef idx="1">
+            <a:schemeClr val="dk1"/>
+          </a:lnRef>
+          <a:fillRef idx="0">
+            <a:schemeClr val="dk1"/>
+          </a:fillRef>
+          <a:effectRef idx="0">
+            <a:schemeClr val="dk1"/>
+          </a:effectRef>
+          <a:fontRef idx="minor">
+            <a:schemeClr val="tx1"/>
+          </a:fontRef>
+        </p:style>
+      </p:cxnSp>
+      <p:sp>
+        <p:nvSpPr>
+          <p:cNvPr id="40" name="テキスト ボックス 39"/>
+          <p:cNvSpPr txBox="1"/>
+          <p:nvPr/>
+        </p:nvSpPr>
+        <p:spPr>
+          <a:xfrm>
+            <a:off x="5712527" y="1802889"/>
+            <a:ext cx="1326447" cy="338554"/>
+          </a:xfrm>
+          <a:prstGeom prst="rect">
+            <a:avLst/>
+          </a:prstGeom>
+          <a:noFill/>
+        </p:spPr>
+        <p:txBody>
+          <a:bodyPr wrap="square" rtlCol="0">
+            <a:spAutoFit/>
+          </a:bodyPr>
+          <a:lstStyle/>
+          <a:p>
+            <a:r>
+              <a:rPr lang="en-US" altLang="ja-JP" sz="1600" dirty="0" smtClean="0"/>
+              <a:t>(e)</a:t>
+            </a:r>
+            <a:r>
+              <a:rPr kumimoji="1" lang="ja-JP" altLang="en-US" sz="1600" dirty="0" smtClean="0"/>
+              <a:t>カルサイト</a:t>
+            </a:r>
+            <a:endParaRPr kumimoji="1" lang="en-US" altLang="ja-JP" sz="1600" dirty="0" smtClean="0"/>
+          </a:p>
+        </p:txBody>
+      </p:sp>
+      <p:sp>
+        <p:nvSpPr>
+          <p:cNvPr id="42" name="円/楕円 41"/>
+          <p:cNvSpPr/>
+          <p:nvPr/>
+        </p:nvSpPr>
+        <p:spPr>
+          <a:xfrm>
+            <a:off x="8816756" y="2358814"/>
+            <a:ext cx="393193" cy="322217"/>
+          </a:xfrm>
+          <a:prstGeom prst="ellipse">
+            <a:avLst/>
+          </a:prstGeom>
+          <a:noFill/>
+          <a:ln w="19050">
+            <a:solidFill>
+              <a:schemeClr val="tx1"/>
+            </a:solidFill>
+          </a:ln>
+        </p:spPr>
+        <p:style>
+          <a:lnRef idx="2">
+            <a:schemeClr val="accent4">
+              <a:shade val="50000"/>
+            </a:schemeClr>
+          </a:lnRef>
+          <a:fillRef idx="1">
+            <a:schemeClr val="accent4"/>
+          </a:fillRef>
+          <a:effectRef idx="0">
+            <a:schemeClr val="accent4"/>
+          </a:effectRef>
+          <a:fontRef idx="minor">
+            <a:schemeClr val="lt1"/>
+          </a:fontRef>
+        </p:style>
+        <p:txBody>
+          <a:bodyPr rtlCol="0" anchor="ctr"/>
+          <a:lstStyle/>
+          <a:p>
+            <a:pPr algn="ctr"/>
+            <a:endParaRPr kumimoji="1" lang="ja-JP" altLang="en-US"/>
+          </a:p>
+        </p:txBody>
+      </p:sp>
+      <p:sp>
+        <p:nvSpPr>
+          <p:cNvPr id="43" name="テキスト ボックス 42"/>
+          <p:cNvSpPr txBox="1"/>
+          <p:nvPr/>
+        </p:nvSpPr>
+        <p:spPr>
+          <a:xfrm>
+            <a:off x="8220806" y="2795322"/>
+            <a:ext cx="1585092" cy="338554"/>
+          </a:xfrm>
+          <a:prstGeom prst="rect">
+            <a:avLst/>
+          </a:prstGeom>
+          <a:noFill/>
+        </p:spPr>
+        <p:txBody>
+          <a:bodyPr wrap="square" rtlCol="0">
+            <a:spAutoFit/>
+          </a:bodyPr>
+          <a:lstStyle/>
+          <a:p>
+            <a:r>
+              <a:rPr lang="en-US" altLang="ja-JP" sz="1600" dirty="0" smtClean="0"/>
+              <a:t>(h)</a:t>
+            </a:r>
+            <a:r>
+              <a:rPr kumimoji="1" lang="en-US" altLang="ja-JP" sz="1600" dirty="0" smtClean="0"/>
+              <a:t> </a:t>
+            </a:r>
+            <a:r>
+              <a:rPr kumimoji="1" lang="ja-JP" altLang="en-US" sz="1600" dirty="0" smtClean="0"/>
+              <a:t>アルゴンガス</a:t>
+            </a:r>
+            <a:endParaRPr kumimoji="1" lang="en-US" altLang="ja-JP" sz="1600" dirty="0" smtClean="0"/>
+          </a:p>
+        </p:txBody>
+      </p:sp>
+      <p:cxnSp>
+        <p:nvCxnSpPr>
+          <p:cNvPr id="45" name="直線コネクタ 44"/>
+          <p:cNvCxnSpPr>
+            <a:endCxn id="42" idx="2"/>
+          </p:cNvCxnSpPr>
+          <p:nvPr/>
+        </p:nvCxnSpPr>
+        <p:spPr>
+          <a:xfrm flipV="1">
+            <a:off x="7530996" y="2519923"/>
+            <a:ext cx="1285760" cy="9609"/>
+          </a:xfrm>
+          <a:prstGeom prst="line">
+            <a:avLst/>
+          </a:prstGeom>
+          <a:ln w="9525"/>
+        </p:spPr>
+        <p:style>
+          <a:lnRef idx="1">
+            <a:schemeClr val="dk1"/>
+          </a:lnRef>
+          <a:fillRef idx="0">
+            <a:schemeClr val="dk1"/>
+          </a:fillRef>
+          <a:effectRef idx="0">
+            <a:schemeClr val="dk1"/>
+          </a:effectRef>
+          <a:fontRef idx="minor">
+            <a:schemeClr val="tx1"/>
+          </a:fontRef>
+        </p:style>
+      </p:cxnSp>
+      <p:sp>
+        <p:nvSpPr>
+          <p:cNvPr id="52" name="正方形/長方形 51"/>
+          <p:cNvSpPr/>
+          <p:nvPr/>
+        </p:nvSpPr>
+        <p:spPr>
+          <a:xfrm>
+            <a:off x="10423383" y="2107131"/>
+            <a:ext cx="857735" cy="825582"/>
+          </a:xfrm>
+          <a:prstGeom prst="rect">
+            <a:avLst/>
+          </a:prstGeom>
+          <a:noFill/>
+          <a:ln>
+            <a:solidFill>
+              <a:schemeClr val="tx1"/>
+            </a:solidFill>
+          </a:ln>
+        </p:spPr>
+        <p:style>
+          <a:lnRef idx="2">
+            <a:schemeClr val="accent1">
+              <a:shade val="50000"/>
+            </a:schemeClr>
+          </a:lnRef>
+          <a:fillRef idx="1">
+            <a:schemeClr val="accent1"/>
+          </a:fillRef>
+          <a:effectRef idx="0">
+            <a:schemeClr val="accent1"/>
+          </a:effectRef>
+          <a:fontRef idx="minor">
+            <a:schemeClr val="lt1"/>
+          </a:fontRef>
+        </p:style>
+        <p:txBody>
+          <a:bodyPr rtlCol="0" anchor="ctr"/>
+          <a:lstStyle/>
+          <a:p>
+            <a:pPr algn="ctr"/>
+            <a:endParaRPr kumimoji="1" lang="ja-JP" altLang="en-US"/>
+          </a:p>
+        </p:txBody>
+      </p:sp>
+      <p:cxnSp>
+        <p:nvCxnSpPr>
+          <p:cNvPr id="83" name="直線コネクタ 82"/>
+          <p:cNvCxnSpPr>
+            <a:stCxn id="42" idx="6"/>
+            <a:endCxn id="52" idx="1"/>
+          </p:cNvCxnSpPr>
+          <p:nvPr/>
+        </p:nvCxnSpPr>
+        <p:spPr>
+          <a:xfrm flipV="1">
+            <a:off x="9209949" y="2519922"/>
+            <a:ext cx="1213434" cy="1"/>
+          </a:xfrm>
+          <a:prstGeom prst="line">
+            <a:avLst/>
+          </a:prstGeom>
+        </p:spPr>
+        <p:style>
+          <a:lnRef idx="1">
+            <a:schemeClr val="dk1"/>
+          </a:lnRef>
+          <a:fillRef idx="0">
+            <a:schemeClr val="dk1"/>
+          </a:fillRef>
+          <a:effectRef idx="0">
+            <a:schemeClr val="dk1"/>
+          </a:effectRef>
+          <a:fontRef idx="minor">
+            <a:schemeClr val="tx1"/>
+          </a:fontRef>
+        </p:style>
+      </p:cxnSp>
+      <p:sp>
+        <p:nvSpPr>
+          <p:cNvPr id="93" name="左中かっこ 92"/>
+          <p:cNvSpPr/>
+          <p:nvPr/>
+        </p:nvSpPr>
+        <p:spPr>
+          <a:xfrm rot="5400000">
+            <a:off x="3811698" y="-2235009"/>
+            <a:ext cx="409303" cy="7520803"/>
+          </a:xfrm>
+          <a:prstGeom prst="leftBrace">
+            <a:avLst/>
+          </a:prstGeom>
+        </p:spPr>
+        <p:style>
+          <a:lnRef idx="1">
+            <a:schemeClr val="dk1"/>
+          </a:lnRef>
+          <a:fillRef idx="0">
+            <a:schemeClr val="dk1"/>
+          </a:fillRef>
+          <a:effectRef idx="0">
+            <a:schemeClr val="dk1"/>
+          </a:effectRef>
+          <a:fontRef idx="minor">
+            <a:schemeClr val="tx1"/>
+          </a:fontRef>
+        </p:style>
+        <p:txBody>
+          <a:bodyPr rtlCol="0" anchor="ctr"/>
+          <a:lstStyle/>
+          <a:p>
+            <a:pPr algn="ctr"/>
+            <a:endParaRPr kumimoji="1" lang="ja-JP" altLang="en-US"/>
+          </a:p>
+        </p:txBody>
+      </p:sp>
+      <p:sp>
+        <p:nvSpPr>
+          <p:cNvPr id="94" name="テキスト ボックス 93"/>
+          <p:cNvSpPr txBox="1"/>
+          <p:nvPr/>
+        </p:nvSpPr>
+        <p:spPr>
+          <a:xfrm>
+            <a:off x="2875527" y="769862"/>
+            <a:ext cx="2281647" cy="338554"/>
+          </a:xfrm>
+          <a:prstGeom prst="rect">
+            <a:avLst/>
+          </a:prstGeom>
+          <a:noFill/>
+        </p:spPr>
+        <p:txBody>
+          <a:bodyPr wrap="square" rtlCol="0">
+            <a:spAutoFit/>
+          </a:bodyPr>
+          <a:lstStyle/>
+          <a:p>
+            <a:r>
+              <a:rPr lang="ja-JP" altLang="en-US" sz="1600" dirty="0"/>
+              <a:t>高次</a:t>
+            </a:r>
+            <a:r>
+              <a:rPr lang="ja-JP" altLang="en-US" sz="1600" dirty="0" smtClean="0"/>
+              <a:t>高調波の発生機構</a:t>
+            </a:r>
+            <a:endParaRPr kumimoji="1" lang="en-US" altLang="ja-JP" sz="1600" dirty="0" smtClean="0"/>
+          </a:p>
+        </p:txBody>
+      </p:sp>
+      <p:sp>
+        <p:nvSpPr>
+          <p:cNvPr id="95" name="テキスト ボックス 94"/>
+          <p:cNvSpPr txBox="1"/>
+          <p:nvPr/>
+        </p:nvSpPr>
+        <p:spPr>
+          <a:xfrm>
+            <a:off x="9449302" y="3176227"/>
+            <a:ext cx="2805895" cy="338554"/>
+          </a:xfrm>
+          <a:prstGeom prst="rect">
+            <a:avLst/>
+          </a:prstGeom>
+          <a:noFill/>
+        </p:spPr>
+        <p:txBody>
+          <a:bodyPr wrap="square" rtlCol="0">
+            <a:spAutoFit/>
+          </a:bodyPr>
+          <a:lstStyle/>
+          <a:p>
+            <a:r>
+              <a:rPr kumimoji="1" lang="en-US" altLang="ja-JP" sz="1600" dirty="0" smtClean="0"/>
+              <a:t>VMI</a:t>
+            </a:r>
+            <a:r>
+              <a:rPr kumimoji="1" lang="ja-JP" altLang="en-US" sz="1600" dirty="0" smtClean="0"/>
+              <a:t>による測定</a:t>
+            </a:r>
+            <a:endParaRPr kumimoji="1" lang="en-US" altLang="ja-JP" sz="1600" dirty="0" smtClean="0"/>
+          </a:p>
+        </p:txBody>
+      </p:sp>
+      <p:sp>
+        <p:nvSpPr>
+          <p:cNvPr id="96" name="左中かっこ 95"/>
+          <p:cNvSpPr/>
+          <p:nvPr/>
+        </p:nvSpPr>
+        <p:spPr>
+          <a:xfrm rot="16200000">
+            <a:off x="8892916" y="1705185"/>
+            <a:ext cx="501426" cy="5656304"/>
+          </a:xfrm>
+          <a:prstGeom prst="leftBrace">
+            <a:avLst/>
+          </a:prstGeom>
+        </p:spPr>
+        <p:style>
+          <a:lnRef idx="1">
+            <a:schemeClr val="dk1"/>
+          </a:lnRef>
+          <a:fillRef idx="0">
+            <a:schemeClr val="dk1"/>
+          </a:fillRef>
+          <a:effectRef idx="0">
+            <a:schemeClr val="dk1"/>
+          </a:effectRef>
+          <a:fontRef idx="minor">
+            <a:schemeClr val="tx1"/>
+          </a:fontRef>
+        </p:style>
+        <p:txBody>
+          <a:bodyPr rtlCol="0" anchor="ctr"/>
+          <a:lstStyle/>
+          <a:p>
+            <a:pPr algn="ctr"/>
+            <a:endParaRPr kumimoji="1" lang="ja-JP" altLang="en-US"/>
+          </a:p>
+        </p:txBody>
+      </p:sp>
+      <p:sp>
+        <p:nvSpPr>
+          <p:cNvPr id="97" name="テキスト ボックス 96"/>
+          <p:cNvSpPr txBox="1"/>
+          <p:nvPr/>
+        </p:nvSpPr>
+        <p:spPr>
+          <a:xfrm>
+            <a:off x="8075266" y="4931094"/>
+            <a:ext cx="2136725" cy="338554"/>
+          </a:xfrm>
+          <a:prstGeom prst="rect">
+            <a:avLst/>
+          </a:prstGeom>
+          <a:noFill/>
+        </p:spPr>
+        <p:txBody>
+          <a:bodyPr wrap="square" rtlCol="0">
+            <a:spAutoFit/>
+          </a:bodyPr>
+          <a:lstStyle/>
+          <a:p>
+            <a:r>
+              <a:rPr kumimoji="1" lang="en-US" altLang="ja-JP" sz="1600" dirty="0" smtClean="0"/>
+              <a:t>VMI</a:t>
+            </a:r>
+            <a:r>
+              <a:rPr kumimoji="1" lang="ja-JP" altLang="en-US" sz="1600" dirty="0" smtClean="0"/>
+              <a:t>による測定</a:t>
+            </a:r>
+            <a:r>
+              <a:rPr kumimoji="1" lang="ja-JP" altLang="en-US" sz="1600" dirty="0" smtClean="0"/>
+              <a:t>機構</a:t>
+            </a:r>
+            <a:endParaRPr kumimoji="1" lang="en-US" altLang="ja-JP" sz="1600" dirty="0" smtClean="0"/>
+          </a:p>
+        </p:txBody>
+      </p:sp>
+      <p:cxnSp>
+        <p:nvCxnSpPr>
+          <p:cNvPr id="3" name="直線矢印コネクタ 2"/>
+          <p:cNvCxnSpPr>
+            <a:stCxn id="5" idx="6"/>
+          </p:cNvCxnSpPr>
+          <p:nvPr/>
+        </p:nvCxnSpPr>
+        <p:spPr>
+          <a:xfrm>
+            <a:off x="692610" y="5656551"/>
+            <a:ext cx="674229" cy="0"/>
+          </a:xfrm>
+          <a:prstGeom prst="straightConnector1">
+            <a:avLst/>
+          </a:prstGeom>
+          <a:ln>
+            <a:tailEnd type="triangle"/>
+          </a:ln>
+        </p:spPr>
+        <p:style>
+          <a:lnRef idx="1">
+            <a:schemeClr val="dk1"/>
+          </a:lnRef>
+          <a:fillRef idx="0">
+            <a:schemeClr val="dk1"/>
+          </a:fillRef>
+          <a:effectRef idx="0">
+            <a:schemeClr val="dk1"/>
+          </a:effectRef>
+          <a:fontRef idx="minor">
+            <a:schemeClr val="tx1"/>
+          </a:fontRef>
+        </p:style>
+      </p:cxnSp>
+      <p:cxnSp>
+        <p:nvCxnSpPr>
+          <p:cNvPr id="36" name="直線矢印コネクタ 35"/>
+          <p:cNvCxnSpPr>
+            <a:stCxn id="5" idx="0"/>
+          </p:cNvCxnSpPr>
+          <p:nvPr/>
+        </p:nvCxnSpPr>
+        <p:spPr>
+          <a:xfrm flipV="1">
+            <a:off x="595588" y="4875591"/>
+            <a:ext cx="0" cy="683938"/>
+          </a:xfrm>
+          <a:prstGeom prst="straightConnector1">
+            <a:avLst/>
+          </a:prstGeom>
+          <a:ln>
+            <a:tailEnd type="triangle"/>
+          </a:ln>
+        </p:spPr>
+        <p:style>
+          <a:lnRef idx="1">
+            <a:schemeClr val="dk1"/>
+          </a:lnRef>
+          <a:fillRef idx="0">
+            <a:schemeClr val="dk1"/>
+          </a:fillRef>
+          <a:effectRef idx="0">
+            <a:schemeClr val="dk1"/>
+          </a:effectRef>
+          <a:fontRef idx="minor">
+            <a:schemeClr val="tx1"/>
+          </a:fontRef>
+        </p:style>
+      </p:cxnSp>
+      <p:sp>
+        <p:nvSpPr>
+          <p:cNvPr id="5" name="円/楕円 4"/>
+          <p:cNvSpPr/>
+          <p:nvPr/>
+        </p:nvSpPr>
+        <p:spPr>
+          <a:xfrm>
+            <a:off x="498566" y="5559529"/>
+            <a:ext cx="194044" cy="194044"/>
+          </a:xfrm>
+          <a:prstGeom prst="ellipse">
+            <a:avLst/>
+          </a:prstGeom>
+          <a:solidFill>
+            <a:schemeClr val="bg1"/>
+          </a:solidFill>
         </p:spPr>
         <p:style>
           <a:lnRef idx="2">
@@ -8039,6 +9556,1247 @@
       </p:sp>
       <p:sp>
         <p:nvSpPr>
+          <p:cNvPr id="16" name="円/楕円 15"/>
+          <p:cNvSpPr/>
+          <p:nvPr/>
+        </p:nvSpPr>
+        <p:spPr>
+          <a:xfrm>
+            <a:off x="547077" y="5608040"/>
+            <a:ext cx="97022" cy="97022"/>
+          </a:xfrm>
+          <a:prstGeom prst="ellipse">
+            <a:avLst/>
+          </a:prstGeom>
+        </p:spPr>
+        <p:style>
+          <a:lnRef idx="2">
+            <a:schemeClr val="dk1">
+              <a:shade val="50000"/>
+            </a:schemeClr>
+          </a:lnRef>
+          <a:fillRef idx="1">
+            <a:schemeClr val="dk1"/>
+          </a:fillRef>
+          <a:effectRef idx="0">
+            <a:schemeClr val="dk1"/>
+          </a:effectRef>
+          <a:fontRef idx="minor">
+            <a:schemeClr val="lt1"/>
+          </a:fontRef>
+        </p:style>
+        <p:txBody>
+          <a:bodyPr rtlCol="0" anchor="ctr"/>
+          <a:lstStyle/>
+          <a:p>
+            <a:pPr algn="ctr"/>
+            <a:endParaRPr kumimoji="1" lang="ja-JP" altLang="en-US"/>
+          </a:p>
+        </p:txBody>
+      </p:sp>
+      <mc:AlternateContent xmlns:mc="http://schemas.openxmlformats.org/markup-compatibility/2006">
+        <mc:Choice xmlns:a14="http://schemas.microsoft.com/office/drawing/2010/main" Requires="a14">
+          <p:sp>
+            <p:nvSpPr>
+              <p:cNvPr id="21" name="テキスト ボックス 20"/>
+              <p:cNvSpPr txBox="1"/>
+              <p:nvPr/>
+            </p:nvSpPr>
+            <p:spPr>
+              <a:xfrm>
+                <a:off x="1407074" y="5442850"/>
+                <a:ext cx="353750" cy="369332"/>
+              </a:xfrm>
+              <a:prstGeom prst="rect">
+                <a:avLst/>
+              </a:prstGeom>
+              <a:noFill/>
+            </p:spPr>
+            <p:txBody>
+              <a:bodyPr wrap="none" rtlCol="0">
+                <a:spAutoFit/>
+              </a:bodyPr>
+              <a:lstStyle/>
+              <a:p>
+                <a:pPr/>
+                <a14:m>
+                  <m:oMathPara xmlns:m="http://schemas.openxmlformats.org/officeDocument/2006/math">
+                    <m:oMathParaPr>
+                      <m:jc m:val="centerGroup"/>
+                    </m:oMathParaPr>
+                    <m:oMath xmlns:m="http://schemas.openxmlformats.org/officeDocument/2006/math">
+                      <m:r>
+                        <a:rPr kumimoji="1" lang="en-US" altLang="ja-JP" b="0" i="1" smtClean="0">
+                          <a:latin typeface="Cambria Math" panose="02040503050406030204" pitchFamily="18" charset="0"/>
+                        </a:rPr>
+                        <m:t>𝑧</m:t>
+                      </m:r>
+                    </m:oMath>
+                  </m:oMathPara>
+                </a14:m>
+                <a:endParaRPr kumimoji="1" lang="ja-JP" altLang="en-US" dirty="0"/>
+              </a:p>
+            </p:txBody>
+          </p:sp>
+        </mc:Choice>
+        <mc:Fallback>
+          <p:sp>
+            <p:nvSpPr>
+              <p:cNvPr id="21" name="テキスト ボックス 20"/>
+              <p:cNvSpPr txBox="1">
+                <a:spLocks noRot="1" noChangeAspect="1" noMove="1" noResize="1" noEditPoints="1" noAdjustHandles="1" noChangeArrowheads="1" noChangeShapeType="1" noTextEdit="1"/>
+              </p:cNvSpPr>
+              <p:nvPr/>
+            </p:nvSpPr>
+            <p:spPr>
+              <a:xfrm>
+                <a:off x="1407074" y="5442850"/>
+                <a:ext cx="353750" cy="369332"/>
+              </a:xfrm>
+              <a:prstGeom prst="rect">
+                <a:avLst/>
+              </a:prstGeom>
+              <a:blipFill rotWithShape="0">
+                <a:blip r:embed="rId2"/>
+                <a:stretch>
+                  <a:fillRect/>
+                </a:stretch>
+              </a:blipFill>
+            </p:spPr>
+            <p:txBody>
+              <a:bodyPr/>
+              <a:lstStyle/>
+              <a:p>
+                <a:r>
+                  <a:rPr lang="ja-JP" altLang="en-US">
+                    <a:noFill/>
+                  </a:rPr>
+                  <a:t> </a:t>
+                </a:r>
+              </a:p>
+            </p:txBody>
+          </p:sp>
+        </mc:Fallback>
+      </mc:AlternateContent>
+      <mc:AlternateContent xmlns:mc="http://schemas.openxmlformats.org/markup-compatibility/2006">
+        <mc:Choice xmlns:a14="http://schemas.microsoft.com/office/drawing/2010/main" Requires="a14">
+          <p:sp>
+            <p:nvSpPr>
+              <p:cNvPr id="46" name="テキスト ボックス 45"/>
+              <p:cNvSpPr txBox="1"/>
+              <p:nvPr/>
+            </p:nvSpPr>
+            <p:spPr>
+              <a:xfrm>
+                <a:off x="418713" y="4489762"/>
+                <a:ext cx="367986" cy="369332"/>
+              </a:xfrm>
+              <a:prstGeom prst="rect">
+                <a:avLst/>
+              </a:prstGeom>
+              <a:noFill/>
+            </p:spPr>
+            <p:txBody>
+              <a:bodyPr wrap="none" rtlCol="0">
+                <a:spAutoFit/>
+              </a:bodyPr>
+              <a:lstStyle/>
+              <a:p>
+                <a:pPr/>
+                <a14:m>
+                  <m:oMathPara xmlns:m="http://schemas.openxmlformats.org/officeDocument/2006/math">
+                    <m:oMathParaPr>
+                      <m:jc m:val="centerGroup"/>
+                    </m:oMathParaPr>
+                    <m:oMath xmlns:m="http://schemas.openxmlformats.org/officeDocument/2006/math">
+                      <m:r>
+                        <a:rPr kumimoji="1" lang="en-US" altLang="ja-JP" b="0" i="1" smtClean="0">
+                          <a:latin typeface="Cambria Math" panose="02040503050406030204" pitchFamily="18" charset="0"/>
+                        </a:rPr>
+                        <m:t>𝑥</m:t>
+                      </m:r>
+                    </m:oMath>
+                  </m:oMathPara>
+                </a14:m>
+                <a:endParaRPr kumimoji="1" lang="ja-JP" altLang="en-US" dirty="0"/>
+              </a:p>
+            </p:txBody>
+          </p:sp>
+        </mc:Choice>
+        <mc:Fallback>
+          <p:sp>
+            <p:nvSpPr>
+              <p:cNvPr id="46" name="テキスト ボックス 45"/>
+              <p:cNvSpPr txBox="1">
+                <a:spLocks noRot="1" noChangeAspect="1" noMove="1" noResize="1" noEditPoints="1" noAdjustHandles="1" noChangeArrowheads="1" noChangeShapeType="1" noTextEdit="1"/>
+              </p:cNvSpPr>
+              <p:nvPr/>
+            </p:nvSpPr>
+            <p:spPr>
+              <a:xfrm>
+                <a:off x="418713" y="4489762"/>
+                <a:ext cx="367986" cy="369332"/>
+              </a:xfrm>
+              <a:prstGeom prst="rect">
+                <a:avLst/>
+              </a:prstGeom>
+              <a:blipFill rotWithShape="0">
+                <a:blip r:embed="rId3"/>
+                <a:stretch>
+                  <a:fillRect/>
+                </a:stretch>
+              </a:blipFill>
+            </p:spPr>
+            <p:txBody>
+              <a:bodyPr/>
+              <a:lstStyle/>
+              <a:p>
+                <a:r>
+                  <a:rPr lang="ja-JP" altLang="en-US">
+                    <a:noFill/>
+                  </a:rPr>
+                  <a:t> </a:t>
+                </a:r>
+              </a:p>
+            </p:txBody>
+          </p:sp>
+        </mc:Fallback>
+      </mc:AlternateContent>
+      <mc:AlternateContent xmlns:mc="http://schemas.openxmlformats.org/markup-compatibility/2006">
+        <mc:Choice xmlns:a14="http://schemas.microsoft.com/office/drawing/2010/main" Requires="a14">
+          <p:sp>
+            <p:nvSpPr>
+              <p:cNvPr id="48" name="テキスト ボックス 47"/>
+              <p:cNvSpPr txBox="1"/>
+              <p:nvPr/>
+            </p:nvSpPr>
+            <p:spPr>
+              <a:xfrm>
+                <a:off x="255948" y="5656551"/>
+                <a:ext cx="371384" cy="369332"/>
+              </a:xfrm>
+              <a:prstGeom prst="rect">
+                <a:avLst/>
+              </a:prstGeom>
+              <a:noFill/>
+            </p:spPr>
+            <p:txBody>
+              <a:bodyPr wrap="none" rtlCol="0">
+                <a:spAutoFit/>
+              </a:bodyPr>
+              <a:lstStyle/>
+              <a:p>
+                <a:pPr/>
+                <a14:m>
+                  <m:oMathPara xmlns:m="http://schemas.openxmlformats.org/officeDocument/2006/math">
+                    <m:oMathParaPr>
+                      <m:jc m:val="centerGroup"/>
+                    </m:oMathParaPr>
+                    <m:oMath xmlns:m="http://schemas.openxmlformats.org/officeDocument/2006/math">
+                      <m:r>
+                        <a:rPr kumimoji="1" lang="en-US" altLang="ja-JP" b="0" i="1" smtClean="0">
+                          <a:latin typeface="Cambria Math" panose="02040503050406030204" pitchFamily="18" charset="0"/>
+                        </a:rPr>
+                        <m:t>𝑦</m:t>
+                      </m:r>
+                    </m:oMath>
+                  </m:oMathPara>
+                </a14:m>
+                <a:endParaRPr kumimoji="1" lang="ja-JP" altLang="en-US" dirty="0"/>
+              </a:p>
+            </p:txBody>
+          </p:sp>
+        </mc:Choice>
+        <mc:Fallback>
+          <p:sp>
+            <p:nvSpPr>
+              <p:cNvPr id="48" name="テキスト ボックス 47"/>
+              <p:cNvSpPr txBox="1">
+                <a:spLocks noRot="1" noChangeAspect="1" noMove="1" noResize="1" noEditPoints="1" noAdjustHandles="1" noChangeArrowheads="1" noChangeShapeType="1" noTextEdit="1"/>
+              </p:cNvSpPr>
+              <p:nvPr/>
+            </p:nvSpPr>
+            <p:spPr>
+              <a:xfrm>
+                <a:off x="255948" y="5656551"/>
+                <a:ext cx="371384" cy="369332"/>
+              </a:xfrm>
+              <a:prstGeom prst="rect">
+                <a:avLst/>
+              </a:prstGeom>
+              <a:blipFill rotWithShape="0">
+                <a:blip r:embed="rId4"/>
+                <a:stretch>
+                  <a:fillRect b="-6667"/>
+                </a:stretch>
+              </a:blipFill>
+            </p:spPr>
+            <p:txBody>
+              <a:bodyPr/>
+              <a:lstStyle/>
+              <a:p>
+                <a:r>
+                  <a:rPr lang="ja-JP" altLang="en-US">
+                    <a:noFill/>
+                  </a:rPr>
+                  <a:t> </a:t>
+                </a:r>
+              </a:p>
+            </p:txBody>
+          </p:sp>
+        </mc:Fallback>
+      </mc:AlternateContent>
+      <p:sp>
+        <p:nvSpPr>
+          <p:cNvPr id="8" name="雲 7"/>
+          <p:cNvSpPr/>
+          <p:nvPr/>
+        </p:nvSpPr>
+        <p:spPr>
+          <a:xfrm>
+            <a:off x="8655695" y="2339754"/>
+            <a:ext cx="715313" cy="360335"/>
+          </a:xfrm>
+          <a:prstGeom prst="cloud">
+            <a:avLst/>
+          </a:prstGeom>
+          <a:solidFill>
+            <a:srgbClr val="C80AB1"/>
+          </a:solidFill>
+          <a:ln>
+            <a:noFill/>
+          </a:ln>
+        </p:spPr>
+        <p:style>
+          <a:lnRef idx="2">
+            <a:schemeClr val="accent1">
+              <a:shade val="50000"/>
+            </a:schemeClr>
+          </a:lnRef>
+          <a:fillRef idx="1">
+            <a:schemeClr val="accent1"/>
+          </a:fillRef>
+          <a:effectRef idx="0">
+            <a:schemeClr val="accent1"/>
+          </a:effectRef>
+          <a:fontRef idx="minor">
+            <a:schemeClr val="lt1"/>
+          </a:fontRef>
+        </p:style>
+        <p:txBody>
+          <a:bodyPr rtlCol="0" anchor="ctr"/>
+          <a:lstStyle/>
+          <a:p>
+            <a:pPr algn="ctr"/>
+            <a:endParaRPr kumimoji="1" lang="ja-JP" altLang="en-US"/>
+          </a:p>
+        </p:txBody>
+      </p:sp>
+    </p:spTree>
+    <p:extLst>
+      <p:ext uri="{BB962C8B-B14F-4D97-AF65-F5344CB8AC3E}">
+        <p14:creationId xmlns:p14="http://schemas.microsoft.com/office/powerpoint/2010/main" val="3738850776"/>
+      </p:ext>
+    </p:extLst>
+  </p:cSld>
+  <p:clrMapOvr>
+    <a:masterClrMapping/>
+  </p:clrMapOvr>
+</p:sld>
+</file>
+
+<file path=ppt/slides/slide4.xml><?xml version="1.0" encoding="utf-8"?>
+<p:sld xmlns:a="http://schemas.openxmlformats.org/drawingml/2006/main" xmlns:r="http://schemas.openxmlformats.org/officeDocument/2006/relationships" xmlns:p="http://schemas.openxmlformats.org/presentationml/2006/main">
+  <p:cSld>
+    <p:spTree>
+      <p:nvGrpSpPr>
+        <p:cNvPr id="1" name=""/>
+        <p:cNvGrpSpPr/>
+        <p:nvPr/>
+      </p:nvGrpSpPr>
+      <p:grpSpPr>
+        <a:xfrm>
+          <a:off x="0" y="0"/>
+          <a:ext cx="0" cy="0"/>
+          <a:chOff x="0" y="0"/>
+          <a:chExt cx="0" cy="0"/>
+        </a:xfrm>
+      </p:grpSpPr>
+      <p:sp>
+        <p:nvSpPr>
+          <p:cNvPr id="67" name="雲 66"/>
+          <p:cNvSpPr/>
+          <p:nvPr/>
+        </p:nvSpPr>
+        <p:spPr>
+          <a:xfrm>
+            <a:off x="4829282" y="1881525"/>
+            <a:ext cx="402566" cy="879796"/>
+          </a:xfrm>
+          <a:prstGeom prst="cloud">
+            <a:avLst/>
+          </a:prstGeom>
+          <a:solidFill>
+            <a:srgbClr val="FFFF00"/>
+          </a:solidFill>
+          <a:ln>
+            <a:solidFill>
+              <a:schemeClr val="tx1"/>
+            </a:solidFill>
+          </a:ln>
+          <a:scene3d>
+            <a:camera prst="isometricLeftDown"/>
+            <a:lightRig rig="threePt" dir="t"/>
+          </a:scene3d>
+        </p:spPr>
+        <p:style>
+          <a:lnRef idx="2">
+            <a:schemeClr val="accent1">
+              <a:shade val="50000"/>
+            </a:schemeClr>
+          </a:lnRef>
+          <a:fillRef idx="1">
+            <a:schemeClr val="accent1"/>
+          </a:fillRef>
+          <a:effectRef idx="0">
+            <a:schemeClr val="accent1"/>
+          </a:effectRef>
+          <a:fontRef idx="minor">
+            <a:schemeClr val="lt1"/>
+          </a:fontRef>
+        </p:style>
+        <p:txBody>
+          <a:bodyPr rtlCol="0" anchor="ctr"/>
+          <a:lstStyle/>
+          <a:p>
+            <a:pPr algn="ctr"/>
+            <a:endParaRPr kumimoji="1" lang="ja-JP" altLang="en-US"/>
+          </a:p>
+        </p:txBody>
+      </p:sp>
+      <p:cxnSp>
+        <p:nvCxnSpPr>
+          <p:cNvPr id="68" name="直線コネクタ 67"/>
+          <p:cNvCxnSpPr/>
+          <p:nvPr/>
+        </p:nvCxnSpPr>
+        <p:spPr>
+          <a:xfrm flipV="1">
+            <a:off x="4518585" y="2350269"/>
+            <a:ext cx="463729" cy="285213"/>
+          </a:xfrm>
+          <a:prstGeom prst="line">
+            <a:avLst/>
+          </a:prstGeom>
+          <a:ln w="38100"/>
+        </p:spPr>
+        <p:style>
+          <a:lnRef idx="1">
+            <a:schemeClr val="accent1"/>
+          </a:lnRef>
+          <a:fillRef idx="0">
+            <a:schemeClr val="accent1"/>
+          </a:fillRef>
+          <a:effectRef idx="0">
+            <a:schemeClr val="accent1"/>
+          </a:effectRef>
+          <a:fontRef idx="minor">
+            <a:schemeClr val="tx1"/>
+          </a:fontRef>
+        </p:style>
+      </p:cxnSp>
+      <p:sp>
+        <p:nvSpPr>
+          <p:cNvPr id="57" name="雲 56"/>
+          <p:cNvSpPr/>
+          <p:nvPr/>
+        </p:nvSpPr>
+        <p:spPr>
+          <a:xfrm>
+            <a:off x="4206851" y="2218075"/>
+            <a:ext cx="402566" cy="879796"/>
+          </a:xfrm>
+          <a:prstGeom prst="cloud">
+            <a:avLst/>
+          </a:prstGeom>
+          <a:solidFill>
+            <a:srgbClr val="FFFF00"/>
+          </a:solidFill>
+          <a:ln>
+            <a:solidFill>
+              <a:schemeClr val="tx1"/>
+            </a:solidFill>
+          </a:ln>
+          <a:scene3d>
+            <a:camera prst="isometricLeftDown"/>
+            <a:lightRig rig="threePt" dir="t"/>
+          </a:scene3d>
+        </p:spPr>
+        <p:style>
+          <a:lnRef idx="2">
+            <a:schemeClr val="accent1">
+              <a:shade val="50000"/>
+            </a:schemeClr>
+          </a:lnRef>
+          <a:fillRef idx="1">
+            <a:schemeClr val="accent1"/>
+          </a:fillRef>
+          <a:effectRef idx="0">
+            <a:schemeClr val="accent1"/>
+          </a:effectRef>
+          <a:fontRef idx="minor">
+            <a:schemeClr val="lt1"/>
+          </a:fontRef>
+        </p:style>
+        <p:txBody>
+          <a:bodyPr rtlCol="0" anchor="ctr"/>
+          <a:lstStyle/>
+          <a:p>
+            <a:pPr algn="ctr"/>
+            <a:endParaRPr kumimoji="1" lang="ja-JP" altLang="en-US"/>
+          </a:p>
+        </p:txBody>
+      </p:sp>
+      <p:cxnSp>
+        <p:nvCxnSpPr>
+          <p:cNvPr id="65" name="直線コネクタ 64"/>
+          <p:cNvCxnSpPr/>
+          <p:nvPr/>
+        </p:nvCxnSpPr>
+        <p:spPr>
+          <a:xfrm flipV="1">
+            <a:off x="1543792" y="2680464"/>
+            <a:ext cx="2846750" cy="1693424"/>
+          </a:xfrm>
+          <a:prstGeom prst="line">
+            <a:avLst/>
+          </a:prstGeom>
+          <a:ln w="38100">
+            <a:solidFill>
+              <a:srgbClr val="FF0000"/>
+            </a:solidFill>
+          </a:ln>
+        </p:spPr>
+        <p:style>
+          <a:lnRef idx="1">
+            <a:schemeClr val="accent1"/>
+          </a:lnRef>
+          <a:fillRef idx="0">
+            <a:schemeClr val="accent1"/>
+          </a:fillRef>
+          <a:effectRef idx="0">
+            <a:schemeClr val="accent1"/>
+          </a:effectRef>
+          <a:fontRef idx="minor">
+            <a:schemeClr val="tx1"/>
+          </a:fontRef>
+        </p:style>
+      </p:cxnSp>
+      <p:sp>
+        <p:nvSpPr>
+          <p:cNvPr id="10" name="直方体 9"/>
+          <p:cNvSpPr/>
+          <p:nvPr/>
+        </p:nvSpPr>
+        <p:spPr>
+          <a:xfrm>
+            <a:off x="1056638" y="3691341"/>
+            <a:ext cx="1166948" cy="1062445"/>
+          </a:xfrm>
+          <a:prstGeom prst="cube">
+            <a:avLst/>
+          </a:prstGeom>
+          <a:noFill/>
+          <a:ln>
+            <a:solidFill>
+              <a:schemeClr val="tx1"/>
+            </a:solidFill>
+          </a:ln>
+          <a:scene3d>
+            <a:camera prst="isometricLeftDown"/>
+            <a:lightRig rig="threePt" dir="t"/>
+          </a:scene3d>
+        </p:spPr>
+        <p:style>
+          <a:lnRef idx="2">
+            <a:schemeClr val="accent3">
+              <a:shade val="50000"/>
+            </a:schemeClr>
+          </a:lnRef>
+          <a:fillRef idx="1">
+            <a:schemeClr val="accent3"/>
+          </a:fillRef>
+          <a:effectRef idx="0">
+            <a:schemeClr val="accent3"/>
+          </a:effectRef>
+          <a:fontRef idx="minor">
+            <a:schemeClr val="lt1"/>
+          </a:fontRef>
+        </p:style>
+        <p:txBody>
+          <a:bodyPr rtlCol="0" anchor="ctr"/>
+          <a:lstStyle/>
+          <a:p>
+            <a:pPr algn="ctr"/>
+            <a:endParaRPr kumimoji="1" lang="ja-JP" altLang="en-US" dirty="0"/>
+          </a:p>
+        </p:txBody>
+      </p:sp>
+      <p:sp>
+        <p:nvSpPr>
+          <p:cNvPr id="15" name="直方体 14"/>
+          <p:cNvSpPr/>
+          <p:nvPr/>
+        </p:nvSpPr>
+        <p:spPr>
+          <a:xfrm>
+            <a:off x="2399880" y="2890173"/>
+            <a:ext cx="1166948" cy="1062445"/>
+          </a:xfrm>
+          <a:prstGeom prst="cube">
+            <a:avLst/>
+          </a:prstGeom>
+          <a:noFill/>
+          <a:ln>
+            <a:solidFill>
+              <a:schemeClr val="tx1"/>
+            </a:solidFill>
+          </a:ln>
+          <a:scene3d>
+            <a:camera prst="isometricLeftDown"/>
+            <a:lightRig rig="threePt" dir="t"/>
+          </a:scene3d>
+        </p:spPr>
+        <p:style>
+          <a:lnRef idx="2">
+            <a:schemeClr val="accent3">
+              <a:shade val="50000"/>
+            </a:schemeClr>
+          </a:lnRef>
+          <a:fillRef idx="1">
+            <a:schemeClr val="accent3"/>
+          </a:fillRef>
+          <a:effectRef idx="0">
+            <a:schemeClr val="accent3"/>
+          </a:effectRef>
+          <a:fontRef idx="minor">
+            <a:schemeClr val="lt1"/>
+          </a:fontRef>
+        </p:style>
+        <p:txBody>
+          <a:bodyPr rtlCol="0" anchor="ctr"/>
+          <a:lstStyle/>
+          <a:p>
+            <a:pPr algn="ctr"/>
+            <a:endParaRPr kumimoji="1" lang="ja-JP" altLang="en-US"/>
+          </a:p>
+        </p:txBody>
+      </p:sp>
+      <p:sp>
+        <p:nvSpPr>
+          <p:cNvPr id="17" name="直方体 16"/>
+          <p:cNvSpPr/>
+          <p:nvPr/>
+        </p:nvSpPr>
+        <p:spPr>
+          <a:xfrm>
+            <a:off x="3175343" y="2442011"/>
+            <a:ext cx="1166948" cy="1062445"/>
+          </a:xfrm>
+          <a:prstGeom prst="cube">
+            <a:avLst/>
+          </a:prstGeom>
+          <a:noFill/>
+          <a:ln>
+            <a:solidFill>
+              <a:schemeClr val="tx1"/>
+            </a:solidFill>
+          </a:ln>
+          <a:scene3d>
+            <a:camera prst="isometricLeftDown"/>
+            <a:lightRig rig="threePt" dir="t"/>
+          </a:scene3d>
+        </p:spPr>
+        <p:style>
+          <a:lnRef idx="2">
+            <a:schemeClr val="accent3">
+              <a:shade val="50000"/>
+            </a:schemeClr>
+          </a:lnRef>
+          <a:fillRef idx="1">
+            <a:schemeClr val="accent3"/>
+          </a:fillRef>
+          <a:effectRef idx="0">
+            <a:schemeClr val="accent3"/>
+          </a:effectRef>
+          <a:fontRef idx="minor">
+            <a:schemeClr val="lt1"/>
+          </a:fontRef>
+        </p:style>
+        <p:txBody>
+          <a:bodyPr rtlCol="0" anchor="ctr"/>
+          <a:lstStyle/>
+          <a:p>
+            <a:pPr algn="ctr"/>
+            <a:endParaRPr kumimoji="1" lang="ja-JP" altLang="en-US"/>
+          </a:p>
+        </p:txBody>
+      </p:sp>
+      <p:cxnSp>
+        <p:nvCxnSpPr>
+          <p:cNvPr id="19" name="直線コネクタ 18"/>
+          <p:cNvCxnSpPr/>
+          <p:nvPr/>
+        </p:nvCxnSpPr>
+        <p:spPr>
+          <a:xfrm flipV="1">
+            <a:off x="1860494" y="2635482"/>
+            <a:ext cx="3686231" cy="2155595"/>
+          </a:xfrm>
+          <a:prstGeom prst="line">
+            <a:avLst/>
+          </a:prstGeom>
+        </p:spPr>
+        <p:style>
+          <a:lnRef idx="1">
+            <a:schemeClr val="accent1"/>
+          </a:lnRef>
+          <a:fillRef idx="0">
+            <a:schemeClr val="accent1"/>
+          </a:fillRef>
+          <a:effectRef idx="0">
+            <a:schemeClr val="accent1"/>
+          </a:effectRef>
+          <a:fontRef idx="minor">
+            <a:schemeClr val="tx1"/>
+          </a:fontRef>
+        </p:style>
+      </p:cxnSp>
+      <p:grpSp>
+        <p:nvGrpSpPr>
+          <p:cNvPr id="38" name="グループ化 37"/>
+          <p:cNvGrpSpPr/>
+          <p:nvPr/>
+        </p:nvGrpSpPr>
+        <p:grpSpPr>
+          <a:xfrm>
+            <a:off x="1759240" y="3153108"/>
+            <a:ext cx="1239809" cy="1094663"/>
+            <a:chOff x="3406202" y="2454553"/>
+            <a:chExt cx="1280129" cy="1112861"/>
+          </a:xfrm>
+        </p:grpSpPr>
+        <p:sp>
+          <p:nvSpPr>
+            <p:cNvPr id="11" name="パイ 10"/>
+            <p:cNvSpPr/>
+            <p:nvPr/>
+          </p:nvSpPr>
+          <p:spPr>
+            <a:xfrm>
+              <a:off x="3406202" y="2540000"/>
+              <a:ext cx="1149532" cy="1027414"/>
+            </a:xfrm>
+            <a:prstGeom prst="pie">
+              <a:avLst>
+                <a:gd name="adj1" fmla="val 0"/>
+                <a:gd name="adj2" fmla="val 10800000"/>
+              </a:avLst>
+            </a:prstGeom>
+            <a:noFill/>
+            <a:ln>
+              <a:solidFill>
+                <a:schemeClr val="tx1"/>
+              </a:solidFill>
+            </a:ln>
+            <a:scene3d>
+              <a:camera prst="isometricLeftDown"/>
+              <a:lightRig rig="threePt" dir="t"/>
+            </a:scene3d>
+          </p:spPr>
+          <p:style>
+            <a:lnRef idx="2">
+              <a:schemeClr val="accent1">
+                <a:shade val="50000"/>
+              </a:schemeClr>
+            </a:lnRef>
+            <a:fillRef idx="1">
+              <a:schemeClr val="accent1"/>
+            </a:fillRef>
+            <a:effectRef idx="0">
+              <a:schemeClr val="accent1"/>
+            </a:effectRef>
+            <a:fontRef idx="minor">
+              <a:schemeClr val="lt1"/>
+            </a:fontRef>
+          </p:style>
+          <p:txBody>
+            <a:bodyPr rtlCol="0" anchor="ctr"/>
+            <a:lstStyle/>
+            <a:p>
+              <a:pPr algn="ctr"/>
+              <a:endParaRPr kumimoji="1" lang="ja-JP" altLang="en-US">
+                <a:solidFill>
+                  <a:schemeClr val="tx1"/>
+                </a:solidFill>
+              </a:endParaRPr>
+            </a:p>
+          </p:txBody>
+        </p:sp>
+        <p:sp>
+          <p:nvSpPr>
+            <p:cNvPr id="27" name="パイ 26"/>
+            <p:cNvSpPr/>
+            <p:nvPr/>
+          </p:nvSpPr>
+          <p:spPr>
+            <a:xfrm>
+              <a:off x="3536799" y="2454553"/>
+              <a:ext cx="1149532" cy="1027414"/>
+            </a:xfrm>
+            <a:prstGeom prst="pie">
+              <a:avLst>
+                <a:gd name="adj1" fmla="val 0"/>
+                <a:gd name="adj2" fmla="val 10800000"/>
+              </a:avLst>
+            </a:prstGeom>
+            <a:noFill/>
+            <a:ln>
+              <a:solidFill>
+                <a:schemeClr val="tx1"/>
+              </a:solidFill>
+            </a:ln>
+            <a:scene3d>
+              <a:camera prst="isometricLeftDown"/>
+              <a:lightRig rig="threePt" dir="t"/>
+            </a:scene3d>
+          </p:spPr>
+          <p:style>
+            <a:lnRef idx="2">
+              <a:schemeClr val="accent1">
+                <a:shade val="50000"/>
+              </a:schemeClr>
+            </a:lnRef>
+            <a:fillRef idx="1">
+              <a:schemeClr val="accent1"/>
+            </a:fillRef>
+            <a:effectRef idx="0">
+              <a:schemeClr val="accent1"/>
+            </a:effectRef>
+            <a:fontRef idx="minor">
+              <a:schemeClr val="lt1"/>
+            </a:fontRef>
+          </p:style>
+          <p:txBody>
+            <a:bodyPr rtlCol="0" anchor="ctr"/>
+            <a:lstStyle/>
+            <a:p>
+              <a:pPr algn="ctr"/>
+              <a:endParaRPr kumimoji="1" lang="ja-JP" altLang="en-US">
+                <a:solidFill>
+                  <a:schemeClr val="tx1"/>
+                </a:solidFill>
+              </a:endParaRPr>
+            </a:p>
+          </p:txBody>
+        </p:sp>
+        <p:cxnSp>
+          <p:nvCxnSpPr>
+            <p:cNvPr id="31" name="直線コネクタ 30"/>
+            <p:cNvCxnSpPr/>
+            <p:nvPr/>
+          </p:nvCxnSpPr>
+          <p:spPr>
+            <a:xfrm flipV="1">
+              <a:off x="3576948" y="2784994"/>
+              <a:ext cx="127218" cy="75350"/>
+            </a:xfrm>
+            <a:prstGeom prst="line">
+              <a:avLst/>
+            </a:prstGeom>
+            <a:ln w="9525"/>
+          </p:spPr>
+          <p:style>
+            <a:lnRef idx="1">
+              <a:schemeClr val="dk1"/>
+            </a:lnRef>
+            <a:fillRef idx="0">
+              <a:schemeClr val="dk1"/>
+            </a:fillRef>
+            <a:effectRef idx="0">
+              <a:schemeClr val="dk1"/>
+            </a:effectRef>
+            <a:fontRef idx="minor">
+              <a:schemeClr val="tx1"/>
+            </a:fontRef>
+          </p:style>
+        </p:cxnSp>
+        <p:cxnSp>
+          <p:nvCxnSpPr>
+            <p:cNvPr id="33" name="直線コネクタ 32"/>
+            <p:cNvCxnSpPr/>
+            <p:nvPr/>
+          </p:nvCxnSpPr>
+          <p:spPr>
+            <a:xfrm flipV="1">
+              <a:off x="4385562" y="3243263"/>
+              <a:ext cx="130633" cy="89192"/>
+            </a:xfrm>
+            <a:prstGeom prst="line">
+              <a:avLst/>
+            </a:prstGeom>
+            <a:ln w="9525"/>
+          </p:spPr>
+          <p:style>
+            <a:lnRef idx="1">
+              <a:schemeClr val="dk1"/>
+            </a:lnRef>
+            <a:fillRef idx="0">
+              <a:schemeClr val="dk1"/>
+            </a:fillRef>
+            <a:effectRef idx="0">
+              <a:schemeClr val="dk1"/>
+            </a:effectRef>
+            <a:fontRef idx="minor">
+              <a:schemeClr val="tx1"/>
+            </a:fontRef>
+          </p:style>
+        </p:cxnSp>
+      </p:grpSp>
+      <p:cxnSp>
+        <p:nvCxnSpPr>
+          <p:cNvPr id="50" name="直線コネクタ 49"/>
+          <p:cNvCxnSpPr/>
+          <p:nvPr/>
+        </p:nvCxnSpPr>
+        <p:spPr>
+          <a:xfrm flipV="1">
+            <a:off x="1227090" y="2976971"/>
+            <a:ext cx="2448350" cy="1438275"/>
+          </a:xfrm>
+          <a:prstGeom prst="line">
+            <a:avLst/>
+          </a:prstGeom>
+        </p:spPr>
+        <p:style>
+          <a:lnRef idx="1">
+            <a:schemeClr val="accent1"/>
+          </a:lnRef>
+          <a:fillRef idx="0">
+            <a:schemeClr val="accent1"/>
+          </a:fillRef>
+          <a:effectRef idx="0">
+            <a:schemeClr val="accent1"/>
+          </a:effectRef>
+          <a:fontRef idx="minor">
+            <a:schemeClr val="tx1"/>
+          </a:fontRef>
+        </p:style>
+      </p:cxnSp>
+      <p:cxnSp>
+        <p:nvCxnSpPr>
+          <p:cNvPr id="51" name="直線コネクタ 50"/>
+          <p:cNvCxnSpPr/>
+          <p:nvPr/>
+        </p:nvCxnSpPr>
+        <p:spPr>
+          <a:xfrm flipV="1">
+            <a:off x="1868481" y="2680464"/>
+            <a:ext cx="2448350" cy="1438275"/>
+          </a:xfrm>
+          <a:prstGeom prst="line">
+            <a:avLst/>
+          </a:prstGeom>
+        </p:spPr>
+        <p:style>
+          <a:lnRef idx="1">
+            <a:schemeClr val="accent1"/>
+          </a:lnRef>
+          <a:fillRef idx="0">
+            <a:schemeClr val="accent1"/>
+          </a:fillRef>
+          <a:effectRef idx="0">
+            <a:schemeClr val="accent1"/>
+          </a:effectRef>
+          <a:fontRef idx="minor">
+            <a:schemeClr val="tx1"/>
+          </a:fontRef>
+        </p:style>
+      </p:cxnSp>
+      <p:cxnSp>
+        <p:nvCxnSpPr>
+          <p:cNvPr id="52" name="直線コネクタ 51"/>
+          <p:cNvCxnSpPr/>
+          <p:nvPr/>
+        </p:nvCxnSpPr>
+        <p:spPr>
+          <a:xfrm flipV="1">
+            <a:off x="1543792" y="3153108"/>
+            <a:ext cx="2448350" cy="1438275"/>
+          </a:xfrm>
+          <a:prstGeom prst="line">
+            <a:avLst/>
+          </a:prstGeom>
+        </p:spPr>
+        <p:style>
+          <a:lnRef idx="1">
+            <a:schemeClr val="accent1"/>
+          </a:lnRef>
+          <a:fillRef idx="0">
+            <a:schemeClr val="accent1"/>
+          </a:fillRef>
+          <a:effectRef idx="0">
+            <a:schemeClr val="accent1"/>
+          </a:effectRef>
+          <a:fontRef idx="minor">
+            <a:schemeClr val="tx1"/>
+          </a:fontRef>
+        </p:style>
+      </p:cxnSp>
+      <p:sp>
+        <p:nvSpPr>
+          <p:cNvPr id="56" name="円柱 55"/>
+          <p:cNvSpPr/>
+          <p:nvPr/>
+        </p:nvSpPr>
+        <p:spPr>
+          <a:xfrm>
+            <a:off x="4304817" y="3296090"/>
+            <a:ext cx="171450" cy="530869"/>
+          </a:xfrm>
+          <a:prstGeom prst="can">
+            <a:avLst/>
+          </a:prstGeom>
+        </p:spPr>
+        <p:style>
+          <a:lnRef idx="2">
+            <a:schemeClr val="accent1">
+              <a:shade val="50000"/>
+            </a:schemeClr>
+          </a:lnRef>
+          <a:fillRef idx="1">
+            <a:schemeClr val="accent1"/>
+          </a:fillRef>
+          <a:effectRef idx="0">
+            <a:schemeClr val="accent1"/>
+          </a:effectRef>
+          <a:fontRef idx="minor">
+            <a:schemeClr val="lt1"/>
+          </a:fontRef>
+        </p:style>
+        <p:txBody>
+          <a:bodyPr rtlCol="0" anchor="ctr"/>
+          <a:lstStyle/>
+          <a:p>
+            <a:pPr algn="ctr"/>
+            <a:endParaRPr kumimoji="1" lang="ja-JP" altLang="en-US"/>
+          </a:p>
+        </p:txBody>
+      </p:sp>
+      <p:cxnSp>
+        <p:nvCxnSpPr>
+          <p:cNvPr id="59" name="直線コネクタ 58"/>
+          <p:cNvCxnSpPr/>
+          <p:nvPr/>
+        </p:nvCxnSpPr>
+        <p:spPr>
+          <a:xfrm flipH="1" flipV="1">
+            <a:off x="4299247" y="3088573"/>
+            <a:ext cx="34827" cy="212909"/>
+          </a:xfrm>
+          <a:prstGeom prst="line">
+            <a:avLst/>
+          </a:prstGeom>
+        </p:spPr>
+        <p:style>
+          <a:lnRef idx="1">
+            <a:schemeClr val="accent1"/>
+          </a:lnRef>
+          <a:fillRef idx="0">
+            <a:schemeClr val="accent1"/>
+          </a:fillRef>
+          <a:effectRef idx="0">
+            <a:schemeClr val="accent1"/>
+          </a:effectRef>
+          <a:fontRef idx="minor">
+            <a:schemeClr val="tx1"/>
+          </a:fontRef>
+        </p:style>
+      </p:cxnSp>
+      <p:cxnSp>
+        <p:nvCxnSpPr>
+          <p:cNvPr id="61" name="直線コネクタ 60"/>
+          <p:cNvCxnSpPr>
+            <a:stCxn id="56" idx="1"/>
+          </p:cNvCxnSpPr>
+          <p:nvPr/>
+        </p:nvCxnSpPr>
+        <p:spPr>
+          <a:xfrm flipV="1">
+            <a:off x="4390542" y="3088573"/>
+            <a:ext cx="0" cy="207517"/>
+          </a:xfrm>
+          <a:prstGeom prst="line">
+            <a:avLst/>
+          </a:prstGeom>
+        </p:spPr>
+        <p:style>
+          <a:lnRef idx="1">
+            <a:schemeClr val="accent1"/>
+          </a:lnRef>
+          <a:fillRef idx="0">
+            <a:schemeClr val="accent1"/>
+          </a:fillRef>
+          <a:effectRef idx="0">
+            <a:schemeClr val="accent1"/>
+          </a:effectRef>
+          <a:fontRef idx="minor">
+            <a:schemeClr val="tx1"/>
+          </a:fontRef>
+        </p:style>
+      </p:cxnSp>
+      <p:cxnSp>
+        <p:nvCxnSpPr>
+          <p:cNvPr id="63" name="直線コネクタ 62"/>
+          <p:cNvCxnSpPr/>
+          <p:nvPr/>
+        </p:nvCxnSpPr>
+        <p:spPr>
+          <a:xfrm flipV="1">
+            <a:off x="4434989" y="3095596"/>
+            <a:ext cx="43955" cy="207518"/>
+          </a:xfrm>
+          <a:prstGeom prst="line">
+            <a:avLst/>
+          </a:prstGeom>
+        </p:spPr>
+        <p:style>
+          <a:lnRef idx="1">
+            <a:schemeClr val="accent1"/>
+          </a:lnRef>
+          <a:fillRef idx="0">
+            <a:schemeClr val="accent1"/>
+          </a:fillRef>
+          <a:effectRef idx="0">
+            <a:schemeClr val="accent1"/>
+          </a:effectRef>
+          <a:fontRef idx="minor">
+            <a:schemeClr val="tx1"/>
+          </a:fontRef>
+        </p:style>
+      </p:cxnSp>
+    </p:spTree>
+    <p:extLst>
+      <p:ext uri="{BB962C8B-B14F-4D97-AF65-F5344CB8AC3E}">
+        <p14:creationId xmlns:p14="http://schemas.microsoft.com/office/powerpoint/2010/main" val="4095189041"/>
+      </p:ext>
+    </p:extLst>
+  </p:cSld>
+  <p:clrMapOvr>
+    <a:masterClrMapping/>
+  </p:clrMapOvr>
+</p:sld>
+</file>
+
+<file path=ppt/slides/slide5.xml><?xml version="1.0" encoding="utf-8"?>
+<p:sld xmlns:a="http://schemas.openxmlformats.org/drawingml/2006/main" xmlns:r="http://schemas.openxmlformats.org/officeDocument/2006/relationships" xmlns:p="http://schemas.openxmlformats.org/presentationml/2006/main">
+  <p:cSld>
+    <p:spTree>
+      <p:nvGrpSpPr>
+        <p:cNvPr id="1" name=""/>
+        <p:cNvGrpSpPr/>
+        <p:nvPr/>
+      </p:nvGrpSpPr>
+      <p:grpSpPr>
+        <a:xfrm>
+          <a:off x="0" y="0"/>
+          <a:ext cx="0" cy="0"/>
+          <a:chOff x="0" y="0"/>
+          <a:chExt cx="0" cy="0"/>
+        </a:xfrm>
+      </p:grpSpPr>
+      <p:sp>
+        <p:nvSpPr>
+          <p:cNvPr id="4" name="正方形/長方形 3"/>
+          <p:cNvSpPr/>
+          <p:nvPr/>
+        </p:nvSpPr>
+        <p:spPr>
+          <a:xfrm>
+            <a:off x="2781300" y="6019800"/>
+            <a:ext cx="4229100" cy="219075"/>
+          </a:xfrm>
+          <a:prstGeom prst="rect">
+            <a:avLst/>
+          </a:prstGeom>
+        </p:spPr>
+        <p:style>
+          <a:lnRef idx="2">
+            <a:schemeClr val="dk1">
+              <a:shade val="50000"/>
+            </a:schemeClr>
+          </a:lnRef>
+          <a:fillRef idx="1">
+            <a:schemeClr val="dk1"/>
+          </a:fillRef>
+          <a:effectRef idx="0">
+            <a:schemeClr val="dk1"/>
+          </a:effectRef>
+          <a:fontRef idx="minor">
+            <a:schemeClr val="lt1"/>
+          </a:fontRef>
+        </p:style>
+        <p:txBody>
+          <a:bodyPr rtlCol="0" anchor="ctr"/>
+          <a:lstStyle/>
+          <a:p>
+            <a:pPr algn="ctr"/>
+            <a:endParaRPr kumimoji="1" lang="ja-JP" altLang="en-US"/>
+          </a:p>
+        </p:txBody>
+      </p:sp>
+      <p:sp>
+        <p:nvSpPr>
+          <p:cNvPr id="5" name="正方形/長方形 4"/>
+          <p:cNvSpPr/>
+          <p:nvPr/>
+        </p:nvSpPr>
+        <p:spPr>
+          <a:xfrm>
+            <a:off x="2781300" y="4463535"/>
+            <a:ext cx="1504949" cy="190499"/>
+          </a:xfrm>
+          <a:prstGeom prst="rect">
+            <a:avLst/>
+          </a:prstGeom>
+        </p:spPr>
+        <p:style>
+          <a:lnRef idx="2">
+            <a:schemeClr val="dk1">
+              <a:shade val="50000"/>
+            </a:schemeClr>
+          </a:lnRef>
+          <a:fillRef idx="1">
+            <a:schemeClr val="dk1"/>
+          </a:fillRef>
+          <a:effectRef idx="0">
+            <a:schemeClr val="dk1"/>
+          </a:effectRef>
+          <a:fontRef idx="minor">
+            <a:schemeClr val="lt1"/>
+          </a:fontRef>
+        </p:style>
+        <p:txBody>
+          <a:bodyPr rtlCol="0" anchor="ctr"/>
+          <a:lstStyle/>
+          <a:p>
+            <a:pPr algn="ctr"/>
+            <a:endParaRPr kumimoji="1" lang="ja-JP" altLang="en-US"/>
+          </a:p>
+        </p:txBody>
+      </p:sp>
+      <p:sp>
+        <p:nvSpPr>
           <p:cNvPr id="7" name="テキスト ボックス 6"/>
           <p:cNvSpPr txBox="1"/>
           <p:nvPr/>
@@ -8046,7 +10804,7 @@
         <p:spPr>
           <a:xfrm>
             <a:off x="7429499" y="198178"/>
-            <a:ext cx="1340432" cy="369332"/>
+            <a:ext cx="1340432" cy="646331"/>
           </a:xfrm>
           <a:prstGeom prst="rect">
             <a:avLst/>
@@ -8061,16 +10819,20 @@
           <a:p>
             <a:r>
               <a:rPr lang="ja-JP" altLang="en-US" dirty="0" smtClean="0"/>
+              <a:t>円盤状</a:t>
+            </a:r>
+            <a:endParaRPr lang="en-US" altLang="ja-JP" dirty="0" smtClean="0"/>
+          </a:p>
+          <a:p>
+            <a:r>
+              <a:rPr lang="ja-JP" altLang="en-US" dirty="0" smtClean="0"/>
               <a:t>電極</a:t>
             </a:r>
             <a:r>
-              <a:rPr lang="en-US" altLang="ja-JP" dirty="0"/>
-              <a:t>(</a:t>
-            </a:r>
-            <a:r>
               <a:rPr lang="en-US" altLang="ja-JP" dirty="0" smtClean="0"/>
-              <a:t>-500V)</a:t>
-            </a:r>
+              <a:t>(-500V)</a:t>
+            </a:r>
+            <a:endParaRPr lang="en-US" altLang="ja-JP" dirty="0" smtClean="0"/>
           </a:p>
         </p:txBody>
       </p:sp>
@@ -9025,7 +11787,7 @@
 </p:sld>
 </file>
 
-<file path=ppt/slides/slide4.xml><?xml version="1.0" encoding="utf-8"?>
+<file path=ppt/slides/slide6.xml><?xml version="1.0" encoding="utf-8"?>
 <p:sld xmlns:a="http://schemas.openxmlformats.org/drawingml/2006/main" xmlns:r="http://schemas.openxmlformats.org/officeDocument/2006/relationships" xmlns:p="http://schemas.openxmlformats.org/presentationml/2006/main">
   <p:cSld>
     <p:spTree>
@@ -9870,7 +12632,7 @@
 </p:sld>
 </file>
 
-<file path=ppt/slides/slide5.xml><?xml version="1.0" encoding="utf-8"?>
+<file path=ppt/slides/slide7.xml><?xml version="1.0" encoding="utf-8"?>
 <p:sld xmlns:a="http://schemas.openxmlformats.org/drawingml/2006/main" xmlns:r="http://schemas.openxmlformats.org/officeDocument/2006/relationships" xmlns:p="http://schemas.openxmlformats.org/presentationml/2006/main">
   <p:cSld>
     <p:spTree>
@@ -10234,7 +12996,7 @@
 </p:sld>
 </file>
 
-<file path=ppt/slides/slide6.xml><?xml version="1.0" encoding="utf-8"?>
+<file path=ppt/slides/slide8.xml><?xml version="1.0" encoding="utf-8"?>
 <p:sld xmlns:a="http://schemas.openxmlformats.org/drawingml/2006/main" xmlns:r="http://schemas.openxmlformats.org/officeDocument/2006/relationships" xmlns:p="http://schemas.openxmlformats.org/presentationml/2006/main">
   <p:cSld>
     <p:spTree>
@@ -10527,7 +13289,7 @@
 </p:sld>
 </file>
 
-<file path=ppt/slides/slide7.xml><?xml version="1.0" encoding="utf-8"?>
+<file path=ppt/slides/slide9.xml><?xml version="1.0" encoding="utf-8"?>
 <p:sld xmlns:a="http://schemas.openxmlformats.org/drawingml/2006/main" xmlns:r="http://schemas.openxmlformats.org/officeDocument/2006/relationships" xmlns:p="http://schemas.openxmlformats.org/presentationml/2006/main">
   <p:cSld>
     <p:spTree>
@@ -10578,8 +13340,8 @@
           </a:p>
         </p:txBody>
       </p:sp>
-      <mc:AlternateContent xmlns:mc="http://schemas.openxmlformats.org/markup-compatibility/2006">
-        <mc:Choice xmlns:a14="http://schemas.microsoft.com/office/drawing/2010/main" Requires="a14">
+      <mc:AlternateContent xmlns:mc="http://schemas.openxmlformats.org/markup-compatibility/2006" xmlns:a14="http://schemas.microsoft.com/office/drawing/2010/main">
+        <mc:Choice Requires="a14">
           <p:sp>
             <p:nvSpPr>
               <p:cNvPr id="2" name="テキスト ボックス 1"/>
@@ -10621,7 +13383,7 @@
             </p:txBody>
           </p:sp>
         </mc:Choice>
-        <mc:Fallback>
+        <mc:Fallback xmlns="">
           <p:sp>
             <p:nvSpPr>
               <p:cNvPr id="2" name="テキスト ボックス 1"/>
@@ -11192,500 +13954,6 @@
     <p:extLst>
       <p:ext uri="{BB962C8B-B14F-4D97-AF65-F5344CB8AC3E}">
         <p14:creationId xmlns:p14="http://schemas.microsoft.com/office/powerpoint/2010/main" val="61757485"/>
-      </p:ext>
-    </p:extLst>
-  </p:cSld>
-  <p:clrMapOvr>
-    <a:masterClrMapping/>
-  </p:clrMapOvr>
-</p:sld>
-</file>
-
-<file path=ppt/slides/slide8.xml><?xml version="1.0" encoding="utf-8"?>
-<p:sld xmlns:a="http://schemas.openxmlformats.org/drawingml/2006/main" xmlns:r="http://schemas.openxmlformats.org/officeDocument/2006/relationships" xmlns:p="http://schemas.openxmlformats.org/presentationml/2006/main">
-  <p:cSld>
-    <p:spTree>
-      <p:nvGrpSpPr>
-        <p:cNvPr id="1" name=""/>
-        <p:cNvGrpSpPr/>
-        <p:nvPr/>
-      </p:nvGrpSpPr>
-      <p:grpSpPr>
-        <a:xfrm>
-          <a:off x="0" y="0"/>
-          <a:ext cx="0" cy="0"/>
-          <a:chOff x="0" y="0"/>
-          <a:chExt cx="0" cy="0"/>
-        </a:xfrm>
-      </p:grpSpPr>
-      <p:pic>
-        <p:nvPicPr>
-          <p:cNvPr id="4" name="図 3"/>
-          <p:cNvPicPr>
-            <a:picLocks noChangeAspect="1"/>
-          </p:cNvPicPr>
-          <p:nvPr/>
-        </p:nvPicPr>
-        <p:blipFill>
-          <a:blip r:embed="rId2"/>
-          <a:stretch>
-            <a:fillRect/>
-          </a:stretch>
-        </p:blipFill>
-        <p:spPr>
-          <a:xfrm>
-            <a:off x="5138737" y="1143000"/>
-            <a:ext cx="1914525" cy="4572000"/>
-          </a:xfrm>
-          <a:prstGeom prst="rect">
-            <a:avLst/>
-          </a:prstGeom>
-          <a:ln>
-            <a:solidFill>
-              <a:srgbClr val="FF0000"/>
-            </a:solidFill>
-          </a:ln>
-        </p:spPr>
-      </p:pic>
-      <p:cxnSp>
-        <p:nvCxnSpPr>
-          <p:cNvPr id="6" name="直線矢印コネクタ 5"/>
-          <p:cNvCxnSpPr/>
-          <p:nvPr/>
-        </p:nvCxnSpPr>
-        <p:spPr>
-          <a:xfrm>
-            <a:off x="5138737" y="870857"/>
-            <a:ext cx="1914525" cy="0"/>
-          </a:xfrm>
-          <a:prstGeom prst="straightConnector1">
-            <a:avLst/>
-          </a:prstGeom>
-          <a:ln>
-            <a:tailEnd type="triangle"/>
-          </a:ln>
-        </p:spPr>
-        <p:style>
-          <a:lnRef idx="1">
-            <a:schemeClr val="dk1"/>
-          </a:lnRef>
-          <a:fillRef idx="0">
-            <a:schemeClr val="dk1"/>
-          </a:fillRef>
-          <a:effectRef idx="0">
-            <a:schemeClr val="dk1"/>
-          </a:effectRef>
-          <a:fontRef idx="minor">
-            <a:schemeClr val="tx1"/>
-          </a:fontRef>
-        </p:style>
-      </p:cxnSp>
-      <p:cxnSp>
-        <p:nvCxnSpPr>
-          <p:cNvPr id="8" name="直線矢印コネクタ 7"/>
-          <p:cNvCxnSpPr/>
-          <p:nvPr/>
-        </p:nvCxnSpPr>
-        <p:spPr>
-          <a:xfrm>
-            <a:off x="4815840" y="1143000"/>
-            <a:ext cx="0" cy="4572000"/>
-          </a:xfrm>
-          <a:prstGeom prst="straightConnector1">
-            <a:avLst/>
-          </a:prstGeom>
-          <a:ln>
-            <a:tailEnd type="triangle"/>
-          </a:ln>
-        </p:spPr>
-        <p:style>
-          <a:lnRef idx="1">
-            <a:schemeClr val="dk1"/>
-          </a:lnRef>
-          <a:fillRef idx="0">
-            <a:schemeClr val="dk1"/>
-          </a:fillRef>
-          <a:effectRef idx="0">
-            <a:schemeClr val="dk1"/>
-          </a:effectRef>
-          <a:fontRef idx="minor">
-            <a:schemeClr val="tx1"/>
-          </a:fontRef>
-        </p:style>
-      </p:cxnSp>
-      <mc:AlternateContent xmlns:mc="http://schemas.openxmlformats.org/markup-compatibility/2006" xmlns:a14="http://schemas.microsoft.com/office/drawing/2010/main">
-        <mc:Choice Requires="a14">
-          <p:sp>
-            <p:nvSpPr>
-              <p:cNvPr id="9" name="テキスト ボックス 8"/>
-              <p:cNvSpPr txBox="1"/>
-              <p:nvPr/>
-            </p:nvSpPr>
-            <p:spPr>
-              <a:xfrm>
-                <a:off x="4693920" y="5860869"/>
-                <a:ext cx="371384" cy="369332"/>
-              </a:xfrm>
-              <a:prstGeom prst="rect">
-                <a:avLst/>
-              </a:prstGeom>
-              <a:noFill/>
-            </p:spPr>
-            <p:txBody>
-              <a:bodyPr wrap="none" rtlCol="0">
-                <a:spAutoFit/>
-              </a:bodyPr>
-              <a:lstStyle/>
-              <a:p>
-                <a:pPr/>
-                <a14:m>
-                  <m:oMathPara xmlns:m="http://schemas.openxmlformats.org/officeDocument/2006/math">
-                    <m:oMathParaPr>
-                      <m:jc m:val="centerGroup"/>
-                    </m:oMathParaPr>
-                    <m:oMath xmlns:m="http://schemas.openxmlformats.org/officeDocument/2006/math">
-                      <m:r>
-                        <a:rPr kumimoji="1" lang="en-US" altLang="ja-JP" b="0" i="1" smtClean="0">
-                          <a:latin typeface="Cambria Math" panose="02040503050406030204" pitchFamily="18" charset="0"/>
-                        </a:rPr>
-                        <m:t>𝑦</m:t>
-                      </m:r>
-                    </m:oMath>
-                  </m:oMathPara>
-                </a14:m>
-                <a:endParaRPr kumimoji="1" lang="ja-JP" altLang="en-US" dirty="0"/>
-              </a:p>
-            </p:txBody>
-          </p:sp>
-        </mc:Choice>
-        <mc:Fallback xmlns="">
-          <p:sp>
-            <p:nvSpPr>
-              <p:cNvPr id="9" name="テキスト ボックス 8"/>
-              <p:cNvSpPr txBox="1">
-                <a:spLocks noRot="1" noChangeAspect="1" noMove="1" noResize="1" noEditPoints="1" noAdjustHandles="1" noChangeArrowheads="1" noChangeShapeType="1" noTextEdit="1"/>
-              </p:cNvSpPr>
-              <p:nvPr/>
-            </p:nvSpPr>
-            <p:spPr>
-              <a:xfrm>
-                <a:off x="4693920" y="5860869"/>
-                <a:ext cx="371384" cy="369332"/>
-              </a:xfrm>
-              <a:prstGeom prst="rect">
-                <a:avLst/>
-              </a:prstGeom>
-              <a:blipFill rotWithShape="0">
-                <a:blip r:embed="rId3"/>
-                <a:stretch>
-                  <a:fillRect b="-6557"/>
-                </a:stretch>
-              </a:blipFill>
-            </p:spPr>
-            <p:txBody>
-              <a:bodyPr/>
-              <a:lstStyle/>
-              <a:p>
-                <a:r>
-                  <a:rPr lang="ja-JP" altLang="en-US">
-                    <a:noFill/>
-                  </a:rPr>
-                  <a:t> </a:t>
-                </a:r>
-              </a:p>
-            </p:txBody>
-          </p:sp>
-        </mc:Fallback>
-      </mc:AlternateContent>
-      <p:sp>
-        <p:nvSpPr>
-          <p:cNvPr id="10" name="テキスト ボックス 9"/>
-          <p:cNvSpPr txBox="1"/>
-          <p:nvPr/>
-        </p:nvSpPr>
-        <p:spPr>
-          <a:xfrm>
-            <a:off x="7184572" y="686191"/>
-            <a:ext cx="1529586" cy="369332"/>
-          </a:xfrm>
-          <a:prstGeom prst="rect">
-            <a:avLst/>
-          </a:prstGeom>
-          <a:noFill/>
-        </p:spPr>
-        <p:txBody>
-          <a:bodyPr wrap="none" rtlCol="0">
-            <a:spAutoFit/>
-          </a:bodyPr>
-          <a:lstStyle/>
-          <a:p>
-            <a:r>
-              <a:rPr lang="ja-JP" altLang="en-US" dirty="0"/>
-              <a:t>データ</a:t>
-            </a:r>
-            <a:r>
-              <a:rPr lang="ja-JP" altLang="en-US" dirty="0" smtClean="0"/>
-              <a:t>番号</a:t>
-            </a:r>
-            <a:r>
-              <a:rPr lang="en-US" altLang="ja-JP" dirty="0" err="1" smtClean="0"/>
-              <a:t>Dn</a:t>
-            </a:r>
-            <a:endParaRPr kumimoji="1" lang="ja-JP" altLang="en-US" dirty="0"/>
-          </a:p>
-        </p:txBody>
-      </p:sp>
-    </p:spTree>
-    <p:extLst>
-      <p:ext uri="{BB962C8B-B14F-4D97-AF65-F5344CB8AC3E}">
-        <p14:creationId xmlns:p14="http://schemas.microsoft.com/office/powerpoint/2010/main" val="2312753211"/>
-      </p:ext>
-    </p:extLst>
-  </p:cSld>
-  <p:clrMapOvr>
-    <a:masterClrMapping/>
-  </p:clrMapOvr>
-</p:sld>
-</file>
-
-<file path=ppt/slides/slide9.xml><?xml version="1.0" encoding="utf-8"?>
-<p:sld xmlns:a="http://schemas.openxmlformats.org/drawingml/2006/main" xmlns:r="http://schemas.openxmlformats.org/officeDocument/2006/relationships" xmlns:p="http://schemas.openxmlformats.org/presentationml/2006/main">
-  <p:cSld>
-    <p:spTree>
-      <p:nvGrpSpPr>
-        <p:cNvPr id="1" name=""/>
-        <p:cNvGrpSpPr/>
-        <p:nvPr/>
-      </p:nvGrpSpPr>
-      <p:grpSpPr>
-        <a:xfrm>
-          <a:off x="0" y="0"/>
-          <a:ext cx="0" cy="0"/>
-          <a:chOff x="0" y="0"/>
-          <a:chExt cx="0" cy="0"/>
-        </a:xfrm>
-      </p:grpSpPr>
-      <p:pic>
-        <p:nvPicPr>
-          <p:cNvPr id="4" name="図 3"/>
-          <p:cNvPicPr>
-            <a:picLocks noChangeAspect="1"/>
-          </p:cNvPicPr>
-          <p:nvPr/>
-        </p:nvPicPr>
-        <p:blipFill>
-          <a:blip r:embed="rId2"/>
-          <a:stretch>
-            <a:fillRect/>
-          </a:stretch>
-        </p:blipFill>
-        <p:spPr>
-          <a:xfrm>
-            <a:off x="3810000" y="2476500"/>
-            <a:ext cx="4572000" cy="1905000"/>
-          </a:xfrm>
-          <a:prstGeom prst="rect">
-            <a:avLst/>
-          </a:prstGeom>
-          <a:ln>
-            <a:solidFill>
-              <a:srgbClr val="FF0000"/>
-            </a:solidFill>
-          </a:ln>
-        </p:spPr>
-      </p:pic>
-      <p:cxnSp>
-        <p:nvCxnSpPr>
-          <p:cNvPr id="6" name="直線矢印コネクタ 5"/>
-          <p:cNvCxnSpPr/>
-          <p:nvPr/>
-        </p:nvCxnSpPr>
-        <p:spPr>
-          <a:xfrm>
-            <a:off x="3810000" y="2107474"/>
-            <a:ext cx="4606834" cy="0"/>
-          </a:xfrm>
-          <a:prstGeom prst="straightConnector1">
-            <a:avLst/>
-          </a:prstGeom>
-          <a:ln>
-            <a:tailEnd type="triangle"/>
-          </a:ln>
-        </p:spPr>
-        <p:style>
-          <a:lnRef idx="1">
-            <a:schemeClr val="dk1"/>
-          </a:lnRef>
-          <a:fillRef idx="0">
-            <a:schemeClr val="dk1"/>
-          </a:fillRef>
-          <a:effectRef idx="0">
-            <a:schemeClr val="dk1"/>
-          </a:effectRef>
-          <a:fontRef idx="minor">
-            <a:schemeClr val="tx1"/>
-          </a:fontRef>
-        </p:style>
-      </p:cxnSp>
-      <p:cxnSp>
-        <p:nvCxnSpPr>
-          <p:cNvPr id="8" name="直線矢印コネクタ 7"/>
-          <p:cNvCxnSpPr/>
-          <p:nvPr/>
-        </p:nvCxnSpPr>
-        <p:spPr>
-          <a:xfrm>
-            <a:off x="3466011" y="2476500"/>
-            <a:ext cx="0" cy="1905000"/>
-          </a:xfrm>
-          <a:prstGeom prst="straightConnector1">
-            <a:avLst/>
-          </a:prstGeom>
-          <a:ln>
-            <a:tailEnd type="triangle"/>
-          </a:ln>
-        </p:spPr>
-        <p:style>
-          <a:lnRef idx="1">
-            <a:schemeClr val="dk1"/>
-          </a:lnRef>
-          <a:fillRef idx="0">
-            <a:schemeClr val="dk1"/>
-          </a:fillRef>
-          <a:effectRef idx="0">
-            <a:schemeClr val="dk1"/>
-          </a:effectRef>
-          <a:fontRef idx="minor">
-            <a:schemeClr val="tx1"/>
-          </a:fontRef>
-        </p:style>
-      </p:cxnSp>
-      <mc:AlternateContent xmlns:mc="http://schemas.openxmlformats.org/markup-compatibility/2006" xmlns:a14="http://schemas.microsoft.com/office/drawing/2010/main">
-        <mc:Choice Requires="a14">
-          <p:sp>
-            <p:nvSpPr>
-              <p:cNvPr id="9" name="テキスト ボックス 8"/>
-              <p:cNvSpPr txBox="1"/>
-              <p:nvPr/>
-            </p:nvSpPr>
-            <p:spPr>
-              <a:xfrm>
-                <a:off x="8516983" y="1922808"/>
-                <a:ext cx="367985" cy="369332"/>
-              </a:xfrm>
-              <a:prstGeom prst="rect">
-                <a:avLst/>
-              </a:prstGeom>
-              <a:noFill/>
-            </p:spPr>
-            <p:txBody>
-              <a:bodyPr wrap="none" rtlCol="0">
-                <a:spAutoFit/>
-              </a:bodyPr>
-              <a:lstStyle/>
-              <a:p>
-                <a:pPr/>
-                <a14:m>
-                  <m:oMathPara xmlns:m="http://schemas.openxmlformats.org/officeDocument/2006/math">
-                    <m:oMathParaPr>
-                      <m:jc m:val="centerGroup"/>
-                    </m:oMathParaPr>
-                    <m:oMath xmlns:m="http://schemas.openxmlformats.org/officeDocument/2006/math">
-                      <m:r>
-                        <a:rPr kumimoji="1" lang="en-US" altLang="ja-JP" b="0" i="1" smtClean="0">
-                          <a:latin typeface="Cambria Math" panose="02040503050406030204" pitchFamily="18" charset="0"/>
-                        </a:rPr>
-                        <m:t>𝑥</m:t>
-                      </m:r>
-                    </m:oMath>
-                  </m:oMathPara>
-                </a14:m>
-                <a:endParaRPr kumimoji="1" lang="ja-JP" altLang="en-US" dirty="0"/>
-              </a:p>
-            </p:txBody>
-          </p:sp>
-        </mc:Choice>
-        <mc:Fallback xmlns="">
-          <p:sp>
-            <p:nvSpPr>
-              <p:cNvPr id="9" name="テキスト ボックス 8"/>
-              <p:cNvSpPr txBox="1">
-                <a:spLocks noRot="1" noChangeAspect="1" noMove="1" noResize="1" noEditPoints="1" noAdjustHandles="1" noChangeArrowheads="1" noChangeShapeType="1" noTextEdit="1"/>
-              </p:cNvSpPr>
-              <p:nvPr/>
-            </p:nvSpPr>
-            <p:spPr>
-              <a:xfrm>
-                <a:off x="8516983" y="1922808"/>
-                <a:ext cx="367985" cy="369332"/>
-              </a:xfrm>
-              <a:prstGeom prst="rect">
-                <a:avLst/>
-              </a:prstGeom>
-              <a:blipFill rotWithShape="0">
-                <a:blip r:embed="rId3"/>
-                <a:stretch>
-                  <a:fillRect/>
-                </a:stretch>
-              </a:blipFill>
-            </p:spPr>
-            <p:txBody>
-              <a:bodyPr/>
-              <a:lstStyle/>
-              <a:p>
-                <a:r>
-                  <a:rPr lang="ja-JP" altLang="en-US">
-                    <a:noFill/>
-                  </a:rPr>
-                  <a:t> </a:t>
-                </a:r>
-              </a:p>
-            </p:txBody>
-          </p:sp>
-        </mc:Fallback>
-      </mc:AlternateContent>
-      <p:sp>
-        <p:nvSpPr>
-          <p:cNvPr id="10" name="テキスト ボックス 9"/>
-          <p:cNvSpPr txBox="1"/>
-          <p:nvPr/>
-        </p:nvSpPr>
-        <p:spPr>
-          <a:xfrm>
-            <a:off x="2701218" y="4483128"/>
-            <a:ext cx="1529586" cy="369332"/>
-          </a:xfrm>
-          <a:prstGeom prst="rect">
-            <a:avLst/>
-          </a:prstGeom>
-          <a:noFill/>
-        </p:spPr>
-        <p:txBody>
-          <a:bodyPr wrap="none" rtlCol="0">
-            <a:spAutoFit/>
-          </a:bodyPr>
-          <a:lstStyle/>
-          <a:p>
-            <a:r>
-              <a:rPr lang="ja-JP" altLang="en-US" dirty="0"/>
-              <a:t>データ</a:t>
-            </a:r>
-            <a:r>
-              <a:rPr lang="ja-JP" altLang="en-US" dirty="0" smtClean="0"/>
-              <a:t>番号</a:t>
-            </a:r>
-            <a:r>
-              <a:rPr lang="en-US" altLang="ja-JP" dirty="0" err="1" smtClean="0"/>
-              <a:t>Dn</a:t>
-            </a:r>
-            <a:endParaRPr kumimoji="1" lang="ja-JP" altLang="en-US" dirty="0"/>
-          </a:p>
-        </p:txBody>
-      </p:sp>
-    </p:spTree>
-    <p:extLst>
-      <p:ext uri="{BB962C8B-B14F-4D97-AF65-F5344CB8AC3E}">
-        <p14:creationId xmlns:p14="http://schemas.microsoft.com/office/powerpoint/2010/main" val="1326324785"/>
       </p:ext>
     </p:extLst>
   </p:cSld>

--- a/図/図.pptx
+++ b/図/図.pptx
@@ -214,7 +214,7 @@
           <a:p>
             <a:fld id="{E0B46874-C680-424F-BEDD-8574F74A4FA8}" type="datetimeFigureOut">
               <a:rPr kumimoji="1" lang="ja-JP" altLang="en-US" smtClean="0"/>
-              <a:t>2021/1/25</a:t>
+              <a:t>2021/1/26</a:t>
             </a:fld>
             <a:endParaRPr kumimoji="1" lang="ja-JP" altLang="en-US"/>
           </a:p>
@@ -729,7 +729,7 @@
           <a:p>
             <a:fld id="{1058E222-3311-4DDB-A469-A7F4B944C488}" type="datetimeFigureOut">
               <a:rPr kumimoji="1" lang="ja-JP" altLang="en-US" smtClean="0"/>
-              <a:t>2021/1/25</a:t>
+              <a:t>2021/1/26</a:t>
             </a:fld>
             <a:endParaRPr kumimoji="1" lang="ja-JP" altLang="en-US"/>
           </a:p>
@@ -931,7 +931,7 @@
           <a:p>
             <a:fld id="{1058E222-3311-4DDB-A469-A7F4B944C488}" type="datetimeFigureOut">
               <a:rPr kumimoji="1" lang="ja-JP" altLang="en-US" smtClean="0"/>
-              <a:t>2021/1/25</a:t>
+              <a:t>2021/1/26</a:t>
             </a:fld>
             <a:endParaRPr kumimoji="1" lang="ja-JP" altLang="en-US"/>
           </a:p>
@@ -1143,7 +1143,7 @@
           <a:p>
             <a:fld id="{1058E222-3311-4DDB-A469-A7F4B944C488}" type="datetimeFigureOut">
               <a:rPr kumimoji="1" lang="ja-JP" altLang="en-US" smtClean="0"/>
-              <a:t>2021/1/25</a:t>
+              <a:t>2021/1/26</a:t>
             </a:fld>
             <a:endParaRPr kumimoji="1" lang="ja-JP" altLang="en-US"/>
           </a:p>
@@ -1345,7 +1345,7 @@
           <a:p>
             <a:fld id="{1058E222-3311-4DDB-A469-A7F4B944C488}" type="datetimeFigureOut">
               <a:rPr kumimoji="1" lang="ja-JP" altLang="en-US" smtClean="0"/>
-              <a:t>2021/1/25</a:t>
+              <a:t>2021/1/26</a:t>
             </a:fld>
             <a:endParaRPr kumimoji="1" lang="ja-JP" altLang="en-US"/>
           </a:p>
@@ -1591,7 +1591,7 @@
           <a:p>
             <a:fld id="{1058E222-3311-4DDB-A469-A7F4B944C488}" type="datetimeFigureOut">
               <a:rPr kumimoji="1" lang="ja-JP" altLang="en-US" smtClean="0"/>
-              <a:t>2021/1/25</a:t>
+              <a:t>2021/1/26</a:t>
             </a:fld>
             <a:endParaRPr kumimoji="1" lang="ja-JP" altLang="en-US"/>
           </a:p>
@@ -1887,7 +1887,7 @@
           <a:p>
             <a:fld id="{1058E222-3311-4DDB-A469-A7F4B944C488}" type="datetimeFigureOut">
               <a:rPr kumimoji="1" lang="ja-JP" altLang="en-US" smtClean="0"/>
-              <a:t>2021/1/25</a:t>
+              <a:t>2021/1/26</a:t>
             </a:fld>
             <a:endParaRPr kumimoji="1" lang="ja-JP" altLang="en-US"/>
           </a:p>
@@ -2318,7 +2318,7 @@
           <a:p>
             <a:fld id="{1058E222-3311-4DDB-A469-A7F4B944C488}" type="datetimeFigureOut">
               <a:rPr kumimoji="1" lang="ja-JP" altLang="en-US" smtClean="0"/>
-              <a:t>2021/1/25</a:t>
+              <a:t>2021/1/26</a:t>
             </a:fld>
             <a:endParaRPr kumimoji="1" lang="ja-JP" altLang="en-US"/>
           </a:p>
@@ -2436,7 +2436,7 @@
           <a:p>
             <a:fld id="{1058E222-3311-4DDB-A469-A7F4B944C488}" type="datetimeFigureOut">
               <a:rPr kumimoji="1" lang="ja-JP" altLang="en-US" smtClean="0"/>
-              <a:t>2021/1/25</a:t>
+              <a:t>2021/1/26</a:t>
             </a:fld>
             <a:endParaRPr kumimoji="1" lang="ja-JP" altLang="en-US"/>
           </a:p>
@@ -2531,7 +2531,7 @@
           <a:p>
             <a:fld id="{1058E222-3311-4DDB-A469-A7F4B944C488}" type="datetimeFigureOut">
               <a:rPr kumimoji="1" lang="ja-JP" altLang="en-US" smtClean="0"/>
-              <a:t>2021/1/25</a:t>
+              <a:t>2021/1/26</a:t>
             </a:fld>
             <a:endParaRPr kumimoji="1" lang="ja-JP" altLang="en-US"/>
           </a:p>
@@ -2840,7 +2840,7 @@
           <a:p>
             <a:fld id="{1058E222-3311-4DDB-A469-A7F4B944C488}" type="datetimeFigureOut">
               <a:rPr kumimoji="1" lang="ja-JP" altLang="en-US" smtClean="0"/>
-              <a:t>2021/1/25</a:t>
+              <a:t>2021/1/26</a:t>
             </a:fld>
             <a:endParaRPr kumimoji="1" lang="ja-JP" altLang="en-US"/>
           </a:p>
@@ -3093,7 +3093,7 @@
           <a:p>
             <a:fld id="{1058E222-3311-4DDB-A469-A7F4B944C488}" type="datetimeFigureOut">
               <a:rPr kumimoji="1" lang="ja-JP" altLang="en-US" smtClean="0"/>
-              <a:t>2021/1/25</a:t>
+              <a:t>2021/1/26</a:t>
             </a:fld>
             <a:endParaRPr kumimoji="1" lang="ja-JP" altLang="en-US"/>
           </a:p>
@@ -3338,7 +3338,7 @@
           <a:p>
             <a:fld id="{1058E222-3311-4DDB-A469-A7F4B944C488}" type="datetimeFigureOut">
               <a:rPr kumimoji="1" lang="ja-JP" altLang="en-US" smtClean="0"/>
-              <a:t>2021/1/25</a:t>
+              <a:t>2021/1/26</a:t>
             </a:fld>
             <a:endParaRPr kumimoji="1" lang="ja-JP" altLang="en-US"/>
           </a:p>
@@ -8379,8 +8379,8 @@
           </a:fontRef>
         </p:style>
       </p:cxnSp>
-      <mc:AlternateContent xmlns:mc="http://schemas.openxmlformats.org/markup-compatibility/2006">
-        <mc:Choice xmlns:a14="http://schemas.microsoft.com/office/drawing/2010/main" Requires="a14">
+      <mc:AlternateContent xmlns:mc="http://schemas.openxmlformats.org/markup-compatibility/2006" xmlns:a14="http://schemas.microsoft.com/office/drawing/2010/main">
+        <mc:Choice Requires="a14">
           <p:sp>
             <p:nvSpPr>
               <p:cNvPr id="20" name="テキスト ボックス 19"/>
@@ -8468,7 +8468,7 @@
             </p:txBody>
           </p:sp>
         </mc:Choice>
-        <mc:Fallback>
+        <mc:Fallback xmlns="">
           <p:sp>
             <p:nvSpPr>
               <p:cNvPr id="20" name="テキスト ボックス 19"/>
@@ -8507,8 +8507,8 @@
           </p:sp>
         </mc:Fallback>
       </mc:AlternateContent>
-      <mc:AlternateContent xmlns:mc="http://schemas.openxmlformats.org/markup-compatibility/2006">
-        <mc:Choice xmlns:a14="http://schemas.microsoft.com/office/drawing/2010/main" Requires="a14">
+      <mc:AlternateContent xmlns:mc="http://schemas.openxmlformats.org/markup-compatibility/2006" xmlns:a14="http://schemas.microsoft.com/office/drawing/2010/main">
+        <mc:Choice Requires="a14">
           <p:sp>
             <p:nvSpPr>
               <p:cNvPr id="21" name="テキスト ボックス 20"/>
@@ -8596,7 +8596,7 @@
             </p:txBody>
           </p:sp>
         </mc:Choice>
-        <mc:Fallback>
+        <mc:Fallback xmlns="">
           <p:sp>
             <p:nvSpPr>
               <p:cNvPr id="21" name="テキスト ボックス 20"/>
@@ -8669,8 +8669,8 @@
           </a:fontRef>
         </p:style>
       </p:cxnSp>
-      <mc:AlternateContent xmlns:mc="http://schemas.openxmlformats.org/markup-compatibility/2006">
-        <mc:Choice xmlns:a14="http://schemas.microsoft.com/office/drawing/2010/main" Requires="a14">
+      <mc:AlternateContent xmlns:mc="http://schemas.openxmlformats.org/markup-compatibility/2006" xmlns:a14="http://schemas.microsoft.com/office/drawing/2010/main">
+        <mc:Choice Requires="a14">
           <p:sp>
             <p:nvSpPr>
               <p:cNvPr id="24" name="テキスト ボックス 23"/>
@@ -8693,6 +8693,7 @@
               </a:bodyPr>
               <a:lstStyle/>
               <a:p>
+                <a:pPr/>
                 <a14:m>
                   <m:oMathPara xmlns:m="http://schemas.openxmlformats.org/officeDocument/2006/math">
                     <m:oMathParaPr>
@@ -8852,7 +8853,7 @@
             </p:txBody>
           </p:sp>
         </mc:Choice>
-        <mc:Fallback>
+        <mc:Fallback xmlns="">
           <p:sp>
             <p:nvSpPr>
               <p:cNvPr id="24" name="テキスト ボックス 23"/>
@@ -15219,11 +15220,7 @@
           <a:p>
             <a:r>
               <a:rPr lang="en-US" altLang="ja-JP" sz="1400" dirty="0" smtClean="0"/>
-              <a:t>(</a:t>
-            </a:r>
-            <a:r>
-              <a:rPr lang="en-US" altLang="ja-JP" sz="1400" dirty="0" smtClean="0"/>
-              <a:t>e)1/4</a:t>
+              <a:t>(e)1/4</a:t>
             </a:r>
             <a:r>
               <a:rPr lang="ja-JP" altLang="en-US" sz="1400" dirty="0" smtClean="0"/>

--- a/図/図.pptx
+++ b/図/図.pptx
@@ -5,7 +5,7 @@
     <p:sldMasterId id="2147483648" r:id="rId1"/>
   </p:sldMasterIdLst>
   <p:notesMasterIdLst>
-    <p:notesMasterId r:id="rId20"/>
+    <p:notesMasterId r:id="rId21"/>
   </p:notesMasterIdLst>
   <p:sldIdLst>
     <p:sldId id="256" r:id="rId2"/>
@@ -26,6 +26,7 @@
     <p:sldId id="266" r:id="rId17"/>
     <p:sldId id="267" r:id="rId18"/>
     <p:sldId id="270" r:id="rId19"/>
+    <p:sldId id="274" r:id="rId20"/>
   </p:sldIdLst>
   <p:sldSz cx="12192000" cy="6858000"/>
   <p:notesSz cx="6858000" cy="9144000"/>
@@ -214,7 +215,7 @@
           <a:p>
             <a:fld id="{E0B46874-C680-424F-BEDD-8574F74A4FA8}" type="datetimeFigureOut">
               <a:rPr kumimoji="1" lang="ja-JP" altLang="en-US" smtClean="0"/>
-              <a:t>2021/1/26</a:t>
+              <a:t>2021/1/27</a:t>
             </a:fld>
             <a:endParaRPr kumimoji="1" lang="ja-JP" altLang="en-US"/>
           </a:p>
@@ -729,7 +730,7 @@
           <a:p>
             <a:fld id="{1058E222-3311-4DDB-A469-A7F4B944C488}" type="datetimeFigureOut">
               <a:rPr kumimoji="1" lang="ja-JP" altLang="en-US" smtClean="0"/>
-              <a:t>2021/1/26</a:t>
+              <a:t>2021/1/27</a:t>
             </a:fld>
             <a:endParaRPr kumimoji="1" lang="ja-JP" altLang="en-US"/>
           </a:p>
@@ -931,7 +932,7 @@
           <a:p>
             <a:fld id="{1058E222-3311-4DDB-A469-A7F4B944C488}" type="datetimeFigureOut">
               <a:rPr kumimoji="1" lang="ja-JP" altLang="en-US" smtClean="0"/>
-              <a:t>2021/1/26</a:t>
+              <a:t>2021/1/27</a:t>
             </a:fld>
             <a:endParaRPr kumimoji="1" lang="ja-JP" altLang="en-US"/>
           </a:p>
@@ -1143,7 +1144,7 @@
           <a:p>
             <a:fld id="{1058E222-3311-4DDB-A469-A7F4B944C488}" type="datetimeFigureOut">
               <a:rPr kumimoji="1" lang="ja-JP" altLang="en-US" smtClean="0"/>
-              <a:t>2021/1/26</a:t>
+              <a:t>2021/1/27</a:t>
             </a:fld>
             <a:endParaRPr kumimoji="1" lang="ja-JP" altLang="en-US"/>
           </a:p>
@@ -1345,7 +1346,7 @@
           <a:p>
             <a:fld id="{1058E222-3311-4DDB-A469-A7F4B944C488}" type="datetimeFigureOut">
               <a:rPr kumimoji="1" lang="ja-JP" altLang="en-US" smtClean="0"/>
-              <a:t>2021/1/26</a:t>
+              <a:t>2021/1/27</a:t>
             </a:fld>
             <a:endParaRPr kumimoji="1" lang="ja-JP" altLang="en-US"/>
           </a:p>
@@ -1591,7 +1592,7 @@
           <a:p>
             <a:fld id="{1058E222-3311-4DDB-A469-A7F4B944C488}" type="datetimeFigureOut">
               <a:rPr kumimoji="1" lang="ja-JP" altLang="en-US" smtClean="0"/>
-              <a:t>2021/1/26</a:t>
+              <a:t>2021/1/27</a:t>
             </a:fld>
             <a:endParaRPr kumimoji="1" lang="ja-JP" altLang="en-US"/>
           </a:p>
@@ -1887,7 +1888,7 @@
           <a:p>
             <a:fld id="{1058E222-3311-4DDB-A469-A7F4B944C488}" type="datetimeFigureOut">
               <a:rPr kumimoji="1" lang="ja-JP" altLang="en-US" smtClean="0"/>
-              <a:t>2021/1/26</a:t>
+              <a:t>2021/1/27</a:t>
             </a:fld>
             <a:endParaRPr kumimoji="1" lang="ja-JP" altLang="en-US"/>
           </a:p>
@@ -2318,7 +2319,7 @@
           <a:p>
             <a:fld id="{1058E222-3311-4DDB-A469-A7F4B944C488}" type="datetimeFigureOut">
               <a:rPr kumimoji="1" lang="ja-JP" altLang="en-US" smtClean="0"/>
-              <a:t>2021/1/26</a:t>
+              <a:t>2021/1/27</a:t>
             </a:fld>
             <a:endParaRPr kumimoji="1" lang="ja-JP" altLang="en-US"/>
           </a:p>
@@ -2436,7 +2437,7 @@
           <a:p>
             <a:fld id="{1058E222-3311-4DDB-A469-A7F4B944C488}" type="datetimeFigureOut">
               <a:rPr kumimoji="1" lang="ja-JP" altLang="en-US" smtClean="0"/>
-              <a:t>2021/1/26</a:t>
+              <a:t>2021/1/27</a:t>
             </a:fld>
             <a:endParaRPr kumimoji="1" lang="ja-JP" altLang="en-US"/>
           </a:p>
@@ -2531,7 +2532,7 @@
           <a:p>
             <a:fld id="{1058E222-3311-4DDB-A469-A7F4B944C488}" type="datetimeFigureOut">
               <a:rPr kumimoji="1" lang="ja-JP" altLang="en-US" smtClean="0"/>
-              <a:t>2021/1/26</a:t>
+              <a:t>2021/1/27</a:t>
             </a:fld>
             <a:endParaRPr kumimoji="1" lang="ja-JP" altLang="en-US"/>
           </a:p>
@@ -2840,7 +2841,7 @@
           <a:p>
             <a:fld id="{1058E222-3311-4DDB-A469-A7F4B944C488}" type="datetimeFigureOut">
               <a:rPr kumimoji="1" lang="ja-JP" altLang="en-US" smtClean="0"/>
-              <a:t>2021/1/26</a:t>
+              <a:t>2021/1/27</a:t>
             </a:fld>
             <a:endParaRPr kumimoji="1" lang="ja-JP" altLang="en-US"/>
           </a:p>
@@ -3093,7 +3094,7 @@
           <a:p>
             <a:fld id="{1058E222-3311-4DDB-A469-A7F4B944C488}" type="datetimeFigureOut">
               <a:rPr kumimoji="1" lang="ja-JP" altLang="en-US" smtClean="0"/>
-              <a:t>2021/1/26</a:t>
+              <a:t>2021/1/27</a:t>
             </a:fld>
             <a:endParaRPr kumimoji="1" lang="ja-JP" altLang="en-US"/>
           </a:p>
@@ -3338,7 +3339,7 @@
           <a:p>
             <a:fld id="{1058E222-3311-4DDB-A469-A7F4B944C488}" type="datetimeFigureOut">
               <a:rPr kumimoji="1" lang="ja-JP" altLang="en-US" smtClean="0"/>
-              <a:t>2021/1/26</a:t>
+              <a:t>2021/1/27</a:t>
             </a:fld>
             <a:endParaRPr kumimoji="1" lang="ja-JP" altLang="en-US"/>
           </a:p>
@@ -8905,6 +8906,1045 @@
 </p:sld>
 </file>
 
+<file path=ppt/slides/slide19.xml><?xml version="1.0" encoding="utf-8"?>
+<p:sld xmlns:a="http://schemas.openxmlformats.org/drawingml/2006/main" xmlns:r="http://schemas.openxmlformats.org/officeDocument/2006/relationships" xmlns:p="http://schemas.openxmlformats.org/presentationml/2006/main">
+  <p:cSld>
+    <p:spTree>
+      <p:nvGrpSpPr>
+        <p:cNvPr id="1" name=""/>
+        <p:cNvGrpSpPr/>
+        <p:nvPr/>
+      </p:nvGrpSpPr>
+      <p:grpSpPr>
+        <a:xfrm>
+          <a:off x="0" y="0"/>
+          <a:ext cx="0" cy="0"/>
+          <a:chOff x="0" y="0"/>
+          <a:chExt cx="0" cy="0"/>
+        </a:xfrm>
+      </p:grpSpPr>
+      <p:grpSp>
+        <p:nvGrpSpPr>
+          <p:cNvPr id="14" name="グループ化 13"/>
+          <p:cNvGrpSpPr/>
+          <p:nvPr/>
+        </p:nvGrpSpPr>
+        <p:grpSpPr>
+          <a:xfrm>
+            <a:off x="2195250" y="1801848"/>
+            <a:ext cx="1962474" cy="1962474"/>
+            <a:chOff x="1761622" y="1801851"/>
+            <a:chExt cx="2700000" cy="2700000"/>
+          </a:xfrm>
+        </p:grpSpPr>
+        <p:sp>
+          <p:nvSpPr>
+            <p:cNvPr id="5" name="円/楕円 4"/>
+            <p:cNvSpPr/>
+            <p:nvPr/>
+          </p:nvSpPr>
+          <p:spPr>
+            <a:xfrm>
+              <a:off x="2211622" y="2251851"/>
+              <a:ext cx="1800000" cy="1800000"/>
+            </a:xfrm>
+            <a:prstGeom prst="ellipse">
+              <a:avLst/>
+            </a:prstGeom>
+            <a:noFill/>
+            <a:ln w="28575">
+              <a:prstDash val="dash"/>
+            </a:ln>
+          </p:spPr>
+          <p:style>
+            <a:lnRef idx="2">
+              <a:schemeClr val="accent1">
+                <a:shade val="50000"/>
+              </a:schemeClr>
+            </a:lnRef>
+            <a:fillRef idx="1">
+              <a:schemeClr val="accent1"/>
+            </a:fillRef>
+            <a:effectRef idx="0">
+              <a:schemeClr val="accent1"/>
+            </a:effectRef>
+            <a:fontRef idx="minor">
+              <a:schemeClr val="lt1"/>
+            </a:fontRef>
+          </p:style>
+          <p:txBody>
+            <a:bodyPr rtlCol="0" anchor="ctr"/>
+            <a:lstStyle/>
+            <a:p>
+              <a:pPr algn="ctr"/>
+              <a:endParaRPr kumimoji="1" lang="ja-JP" altLang="en-US"/>
+            </a:p>
+          </p:txBody>
+        </p:sp>
+        <p:sp>
+          <p:nvSpPr>
+            <p:cNvPr id="6" name="円/楕円 5"/>
+            <p:cNvSpPr/>
+            <p:nvPr/>
+          </p:nvSpPr>
+          <p:spPr>
+            <a:xfrm>
+              <a:off x="2658860" y="2699089"/>
+              <a:ext cx="905524" cy="905524"/>
+            </a:xfrm>
+            <a:prstGeom prst="ellipse">
+              <a:avLst/>
+            </a:prstGeom>
+            <a:noFill/>
+            <a:ln w="28575"/>
+          </p:spPr>
+          <p:style>
+            <a:lnRef idx="2">
+              <a:schemeClr val="accent1">
+                <a:shade val="50000"/>
+              </a:schemeClr>
+            </a:lnRef>
+            <a:fillRef idx="1">
+              <a:schemeClr val="accent1"/>
+            </a:fillRef>
+            <a:effectRef idx="0">
+              <a:schemeClr val="accent1"/>
+            </a:effectRef>
+            <a:fontRef idx="minor">
+              <a:schemeClr val="lt1"/>
+            </a:fontRef>
+          </p:style>
+          <p:txBody>
+            <a:bodyPr rtlCol="0" anchor="ctr"/>
+            <a:lstStyle/>
+            <a:p>
+              <a:pPr algn="ctr"/>
+              <a:endParaRPr kumimoji="1" lang="ja-JP" altLang="en-US"/>
+            </a:p>
+          </p:txBody>
+        </p:sp>
+        <p:sp>
+          <p:nvSpPr>
+            <p:cNvPr id="7" name="円/楕円 6"/>
+            <p:cNvSpPr/>
+            <p:nvPr/>
+          </p:nvSpPr>
+          <p:spPr>
+            <a:xfrm>
+              <a:off x="1761622" y="1801851"/>
+              <a:ext cx="2700000" cy="2700000"/>
+            </a:xfrm>
+            <a:prstGeom prst="ellipse">
+              <a:avLst/>
+            </a:prstGeom>
+            <a:noFill/>
+            <a:ln w="28575"/>
+          </p:spPr>
+          <p:style>
+            <a:lnRef idx="2">
+              <a:schemeClr val="accent1">
+                <a:shade val="50000"/>
+              </a:schemeClr>
+            </a:lnRef>
+            <a:fillRef idx="1">
+              <a:schemeClr val="accent1"/>
+            </a:fillRef>
+            <a:effectRef idx="0">
+              <a:schemeClr val="accent1"/>
+            </a:effectRef>
+            <a:fontRef idx="minor">
+              <a:schemeClr val="lt1"/>
+            </a:fontRef>
+          </p:style>
+          <p:txBody>
+            <a:bodyPr rtlCol="0" anchor="ctr"/>
+            <a:lstStyle/>
+            <a:p>
+              <a:pPr algn="ctr"/>
+              <a:endParaRPr kumimoji="1" lang="ja-JP" altLang="en-US"/>
+            </a:p>
+          </p:txBody>
+        </p:sp>
+      </p:grpSp>
+      <p:grpSp>
+        <p:nvGrpSpPr>
+          <p:cNvPr id="15" name="グループ化 14"/>
+          <p:cNvGrpSpPr/>
+          <p:nvPr/>
+        </p:nvGrpSpPr>
+        <p:grpSpPr>
+          <a:xfrm>
+            <a:off x="1516639" y="1801850"/>
+            <a:ext cx="1962474" cy="1962474"/>
+            <a:chOff x="1761622" y="1801851"/>
+            <a:chExt cx="2700000" cy="2700000"/>
+          </a:xfrm>
+        </p:grpSpPr>
+        <p:sp>
+          <p:nvSpPr>
+            <p:cNvPr id="16" name="円/楕円 15"/>
+            <p:cNvSpPr/>
+            <p:nvPr/>
+          </p:nvSpPr>
+          <p:spPr>
+            <a:xfrm>
+              <a:off x="2211622" y="2251851"/>
+              <a:ext cx="1800000" cy="1800000"/>
+            </a:xfrm>
+            <a:prstGeom prst="ellipse">
+              <a:avLst/>
+            </a:prstGeom>
+            <a:noFill/>
+            <a:ln w="28575">
+              <a:solidFill>
+                <a:srgbClr val="FF0000"/>
+              </a:solidFill>
+              <a:prstDash val="dash"/>
+            </a:ln>
+          </p:spPr>
+          <p:style>
+            <a:lnRef idx="2">
+              <a:schemeClr val="accent1">
+                <a:shade val="50000"/>
+              </a:schemeClr>
+            </a:lnRef>
+            <a:fillRef idx="1">
+              <a:schemeClr val="accent1"/>
+            </a:fillRef>
+            <a:effectRef idx="0">
+              <a:schemeClr val="accent1"/>
+            </a:effectRef>
+            <a:fontRef idx="minor">
+              <a:schemeClr val="lt1"/>
+            </a:fontRef>
+          </p:style>
+          <p:txBody>
+            <a:bodyPr rtlCol="0" anchor="ctr"/>
+            <a:lstStyle/>
+            <a:p>
+              <a:pPr algn="ctr"/>
+              <a:endParaRPr kumimoji="1" lang="ja-JP" altLang="en-US">
+                <a:solidFill>
+                  <a:srgbClr val="FF0000"/>
+                </a:solidFill>
+              </a:endParaRPr>
+            </a:p>
+          </p:txBody>
+        </p:sp>
+        <p:sp>
+          <p:nvSpPr>
+            <p:cNvPr id="17" name="円/楕円 16"/>
+            <p:cNvSpPr/>
+            <p:nvPr/>
+          </p:nvSpPr>
+          <p:spPr>
+            <a:xfrm>
+              <a:off x="2658860" y="2699089"/>
+              <a:ext cx="905524" cy="905524"/>
+            </a:xfrm>
+            <a:prstGeom prst="ellipse">
+              <a:avLst/>
+            </a:prstGeom>
+            <a:noFill/>
+            <a:ln w="28575">
+              <a:solidFill>
+                <a:srgbClr val="FF0000"/>
+              </a:solidFill>
+            </a:ln>
+          </p:spPr>
+          <p:style>
+            <a:lnRef idx="2">
+              <a:schemeClr val="accent1">
+                <a:shade val="50000"/>
+              </a:schemeClr>
+            </a:lnRef>
+            <a:fillRef idx="1">
+              <a:schemeClr val="accent1"/>
+            </a:fillRef>
+            <a:effectRef idx="0">
+              <a:schemeClr val="accent1"/>
+            </a:effectRef>
+            <a:fontRef idx="minor">
+              <a:schemeClr val="lt1"/>
+            </a:fontRef>
+          </p:style>
+          <p:txBody>
+            <a:bodyPr rtlCol="0" anchor="ctr"/>
+            <a:lstStyle/>
+            <a:p>
+              <a:pPr algn="ctr"/>
+              <a:endParaRPr kumimoji="1" lang="ja-JP" altLang="en-US">
+                <a:solidFill>
+                  <a:srgbClr val="FF0000"/>
+                </a:solidFill>
+              </a:endParaRPr>
+            </a:p>
+          </p:txBody>
+        </p:sp>
+        <p:sp>
+          <p:nvSpPr>
+            <p:cNvPr id="18" name="円/楕円 17"/>
+            <p:cNvSpPr/>
+            <p:nvPr/>
+          </p:nvSpPr>
+          <p:spPr>
+            <a:xfrm>
+              <a:off x="1761622" y="1801851"/>
+              <a:ext cx="2700000" cy="2700000"/>
+            </a:xfrm>
+            <a:prstGeom prst="ellipse">
+              <a:avLst/>
+            </a:prstGeom>
+            <a:noFill/>
+            <a:ln w="28575">
+              <a:solidFill>
+                <a:srgbClr val="FF0000"/>
+              </a:solidFill>
+            </a:ln>
+          </p:spPr>
+          <p:style>
+            <a:lnRef idx="2">
+              <a:schemeClr val="accent1">
+                <a:shade val="50000"/>
+              </a:schemeClr>
+            </a:lnRef>
+            <a:fillRef idx="1">
+              <a:schemeClr val="accent1"/>
+            </a:fillRef>
+            <a:effectRef idx="0">
+              <a:schemeClr val="accent1"/>
+            </a:effectRef>
+            <a:fontRef idx="minor">
+              <a:schemeClr val="lt1"/>
+            </a:fontRef>
+          </p:style>
+          <p:txBody>
+            <a:bodyPr rtlCol="0" anchor="ctr"/>
+            <a:lstStyle/>
+            <a:p>
+              <a:pPr algn="ctr"/>
+              <a:endParaRPr kumimoji="1" lang="ja-JP" altLang="en-US">
+                <a:solidFill>
+                  <a:srgbClr val="FF0000"/>
+                </a:solidFill>
+              </a:endParaRPr>
+            </a:p>
+          </p:txBody>
+        </p:sp>
+      </p:grpSp>
+      <p:grpSp>
+        <p:nvGrpSpPr>
+          <p:cNvPr id="19" name="グループ化 18"/>
+          <p:cNvGrpSpPr/>
+          <p:nvPr/>
+        </p:nvGrpSpPr>
+        <p:grpSpPr>
+          <a:xfrm>
+            <a:off x="2912838" y="1801848"/>
+            <a:ext cx="1962474" cy="1962474"/>
+            <a:chOff x="1761622" y="1801851"/>
+            <a:chExt cx="2700000" cy="2700000"/>
+          </a:xfrm>
+        </p:grpSpPr>
+        <p:sp>
+          <p:nvSpPr>
+            <p:cNvPr id="20" name="円/楕円 19"/>
+            <p:cNvSpPr/>
+            <p:nvPr/>
+          </p:nvSpPr>
+          <p:spPr>
+            <a:xfrm>
+              <a:off x="2211622" y="2251851"/>
+              <a:ext cx="1800000" cy="1800000"/>
+            </a:xfrm>
+            <a:prstGeom prst="ellipse">
+              <a:avLst/>
+            </a:prstGeom>
+            <a:noFill/>
+            <a:ln w="28575">
+              <a:solidFill>
+                <a:srgbClr val="00B050"/>
+              </a:solidFill>
+              <a:prstDash val="dash"/>
+            </a:ln>
+          </p:spPr>
+          <p:style>
+            <a:lnRef idx="2">
+              <a:schemeClr val="accent1">
+                <a:shade val="50000"/>
+              </a:schemeClr>
+            </a:lnRef>
+            <a:fillRef idx="1">
+              <a:schemeClr val="accent1"/>
+            </a:fillRef>
+            <a:effectRef idx="0">
+              <a:schemeClr val="accent1"/>
+            </a:effectRef>
+            <a:fontRef idx="minor">
+              <a:schemeClr val="lt1"/>
+            </a:fontRef>
+          </p:style>
+          <p:txBody>
+            <a:bodyPr rtlCol="0" anchor="ctr"/>
+            <a:lstStyle/>
+            <a:p>
+              <a:pPr algn="ctr"/>
+              <a:endParaRPr kumimoji="1" lang="ja-JP" altLang="en-US"/>
+            </a:p>
+          </p:txBody>
+        </p:sp>
+        <p:sp>
+          <p:nvSpPr>
+            <p:cNvPr id="21" name="円/楕円 20"/>
+            <p:cNvSpPr/>
+            <p:nvPr/>
+          </p:nvSpPr>
+          <p:spPr>
+            <a:xfrm>
+              <a:off x="2658860" y="2699089"/>
+              <a:ext cx="905524" cy="905524"/>
+            </a:xfrm>
+            <a:prstGeom prst="ellipse">
+              <a:avLst/>
+            </a:prstGeom>
+            <a:noFill/>
+            <a:ln w="28575">
+              <a:solidFill>
+                <a:srgbClr val="00B050"/>
+              </a:solidFill>
+            </a:ln>
+          </p:spPr>
+          <p:style>
+            <a:lnRef idx="2">
+              <a:schemeClr val="accent1">
+                <a:shade val="50000"/>
+              </a:schemeClr>
+            </a:lnRef>
+            <a:fillRef idx="1">
+              <a:schemeClr val="accent1"/>
+            </a:fillRef>
+            <a:effectRef idx="0">
+              <a:schemeClr val="accent1"/>
+            </a:effectRef>
+            <a:fontRef idx="minor">
+              <a:schemeClr val="lt1"/>
+            </a:fontRef>
+          </p:style>
+          <p:txBody>
+            <a:bodyPr rtlCol="0" anchor="ctr"/>
+            <a:lstStyle/>
+            <a:p>
+              <a:pPr algn="ctr"/>
+              <a:endParaRPr kumimoji="1" lang="ja-JP" altLang="en-US"/>
+            </a:p>
+          </p:txBody>
+        </p:sp>
+        <p:sp>
+          <p:nvSpPr>
+            <p:cNvPr id="22" name="円/楕円 21"/>
+            <p:cNvSpPr/>
+            <p:nvPr/>
+          </p:nvSpPr>
+          <p:spPr>
+            <a:xfrm>
+              <a:off x="1761622" y="1801851"/>
+              <a:ext cx="2700000" cy="2700000"/>
+            </a:xfrm>
+            <a:prstGeom prst="ellipse">
+              <a:avLst/>
+            </a:prstGeom>
+            <a:noFill/>
+            <a:ln w="28575">
+              <a:solidFill>
+                <a:srgbClr val="00B050"/>
+              </a:solidFill>
+            </a:ln>
+          </p:spPr>
+          <p:style>
+            <a:lnRef idx="2">
+              <a:schemeClr val="accent1">
+                <a:shade val="50000"/>
+              </a:schemeClr>
+            </a:lnRef>
+            <a:fillRef idx="1">
+              <a:schemeClr val="accent1"/>
+            </a:fillRef>
+            <a:effectRef idx="0">
+              <a:schemeClr val="accent1"/>
+            </a:effectRef>
+            <a:fontRef idx="minor">
+              <a:schemeClr val="lt1"/>
+            </a:fontRef>
+          </p:style>
+          <p:txBody>
+            <a:bodyPr rtlCol="0" anchor="ctr"/>
+            <a:lstStyle/>
+            <a:p>
+              <a:pPr algn="ctr"/>
+              <a:endParaRPr kumimoji="1" lang="ja-JP" altLang="en-US"/>
+            </a:p>
+          </p:txBody>
+        </p:sp>
+      </p:grpSp>
+      <p:grpSp>
+        <p:nvGrpSpPr>
+          <p:cNvPr id="35" name="グループ化 34"/>
+          <p:cNvGrpSpPr/>
+          <p:nvPr/>
+        </p:nvGrpSpPr>
+        <p:grpSpPr>
+          <a:xfrm>
+            <a:off x="7312930" y="1801847"/>
+            <a:ext cx="1962474" cy="1962474"/>
+            <a:chOff x="1761622" y="1801851"/>
+            <a:chExt cx="2700000" cy="2700000"/>
+          </a:xfrm>
+        </p:grpSpPr>
+        <p:sp>
+          <p:nvSpPr>
+            <p:cNvPr id="36" name="円/楕円 35"/>
+            <p:cNvSpPr/>
+            <p:nvPr/>
+          </p:nvSpPr>
+          <p:spPr>
+            <a:xfrm>
+              <a:off x="2211622" y="2251851"/>
+              <a:ext cx="1800000" cy="1800000"/>
+            </a:xfrm>
+            <a:prstGeom prst="ellipse">
+              <a:avLst/>
+            </a:prstGeom>
+            <a:noFill/>
+            <a:ln w="28575">
+              <a:solidFill>
+                <a:srgbClr val="FF0000"/>
+              </a:solidFill>
+              <a:prstDash val="solid"/>
+            </a:ln>
+          </p:spPr>
+          <p:style>
+            <a:lnRef idx="2">
+              <a:schemeClr val="accent1">
+                <a:shade val="50000"/>
+              </a:schemeClr>
+            </a:lnRef>
+            <a:fillRef idx="1">
+              <a:schemeClr val="accent1"/>
+            </a:fillRef>
+            <a:effectRef idx="0">
+              <a:schemeClr val="accent1"/>
+            </a:effectRef>
+            <a:fontRef idx="minor">
+              <a:schemeClr val="lt1"/>
+            </a:fontRef>
+          </p:style>
+          <p:txBody>
+            <a:bodyPr rtlCol="0" anchor="ctr"/>
+            <a:lstStyle/>
+            <a:p>
+              <a:pPr algn="ctr"/>
+              <a:endParaRPr kumimoji="1" lang="ja-JP" altLang="en-US">
+                <a:solidFill>
+                  <a:srgbClr val="FF0000"/>
+                </a:solidFill>
+              </a:endParaRPr>
+            </a:p>
+          </p:txBody>
+        </p:sp>
+        <p:sp>
+          <p:nvSpPr>
+            <p:cNvPr id="37" name="円/楕円 36"/>
+            <p:cNvSpPr/>
+            <p:nvPr/>
+          </p:nvSpPr>
+          <p:spPr>
+            <a:xfrm>
+              <a:off x="2658860" y="2699089"/>
+              <a:ext cx="905524" cy="905524"/>
+            </a:xfrm>
+            <a:prstGeom prst="ellipse">
+              <a:avLst/>
+            </a:prstGeom>
+            <a:noFill/>
+            <a:ln w="28575">
+              <a:solidFill>
+                <a:srgbClr val="FF0000"/>
+              </a:solidFill>
+              <a:prstDash val="dash"/>
+            </a:ln>
+          </p:spPr>
+          <p:style>
+            <a:lnRef idx="2">
+              <a:schemeClr val="accent1">
+                <a:shade val="50000"/>
+              </a:schemeClr>
+            </a:lnRef>
+            <a:fillRef idx="1">
+              <a:schemeClr val="accent1"/>
+            </a:fillRef>
+            <a:effectRef idx="0">
+              <a:schemeClr val="accent1"/>
+            </a:effectRef>
+            <a:fontRef idx="minor">
+              <a:schemeClr val="lt1"/>
+            </a:fontRef>
+          </p:style>
+          <p:txBody>
+            <a:bodyPr rtlCol="0" anchor="ctr"/>
+            <a:lstStyle/>
+            <a:p>
+              <a:pPr algn="ctr"/>
+              <a:endParaRPr kumimoji="1" lang="ja-JP" altLang="en-US">
+                <a:solidFill>
+                  <a:srgbClr val="FF0000"/>
+                </a:solidFill>
+              </a:endParaRPr>
+            </a:p>
+          </p:txBody>
+        </p:sp>
+        <p:sp>
+          <p:nvSpPr>
+            <p:cNvPr id="38" name="円/楕円 37"/>
+            <p:cNvSpPr/>
+            <p:nvPr/>
+          </p:nvSpPr>
+          <p:spPr>
+            <a:xfrm>
+              <a:off x="1761622" y="1801851"/>
+              <a:ext cx="2700000" cy="2700000"/>
+            </a:xfrm>
+            <a:prstGeom prst="ellipse">
+              <a:avLst/>
+            </a:prstGeom>
+            <a:noFill/>
+            <a:ln w="28575">
+              <a:solidFill>
+                <a:srgbClr val="FF0000"/>
+              </a:solidFill>
+              <a:prstDash val="dash"/>
+            </a:ln>
+          </p:spPr>
+          <p:style>
+            <a:lnRef idx="2">
+              <a:schemeClr val="accent1">
+                <a:shade val="50000"/>
+              </a:schemeClr>
+            </a:lnRef>
+            <a:fillRef idx="1">
+              <a:schemeClr val="accent1"/>
+            </a:fillRef>
+            <a:effectRef idx="0">
+              <a:schemeClr val="accent1"/>
+            </a:effectRef>
+            <a:fontRef idx="minor">
+              <a:schemeClr val="lt1"/>
+            </a:fontRef>
+          </p:style>
+          <p:txBody>
+            <a:bodyPr rtlCol="0" anchor="ctr"/>
+            <a:lstStyle/>
+            <a:p>
+              <a:pPr algn="ctr"/>
+              <a:endParaRPr kumimoji="1" lang="ja-JP" altLang="en-US">
+                <a:solidFill>
+                  <a:srgbClr val="FF0000"/>
+                </a:solidFill>
+              </a:endParaRPr>
+            </a:p>
+          </p:txBody>
+        </p:sp>
+      </p:grpSp>
+      <p:grpSp>
+        <p:nvGrpSpPr>
+          <p:cNvPr id="39" name="グループ化 38"/>
+          <p:cNvGrpSpPr/>
+          <p:nvPr/>
+        </p:nvGrpSpPr>
+        <p:grpSpPr>
+          <a:xfrm>
+            <a:off x="8030518" y="1801849"/>
+            <a:ext cx="1962474" cy="1962474"/>
+            <a:chOff x="1761622" y="1801851"/>
+            <a:chExt cx="2700000" cy="2700000"/>
+          </a:xfrm>
+        </p:grpSpPr>
+        <p:sp>
+          <p:nvSpPr>
+            <p:cNvPr id="40" name="円/楕円 39"/>
+            <p:cNvSpPr/>
+            <p:nvPr/>
+          </p:nvSpPr>
+          <p:spPr>
+            <a:xfrm>
+              <a:off x="2211622" y="2251851"/>
+              <a:ext cx="1800000" cy="1800000"/>
+            </a:xfrm>
+            <a:prstGeom prst="ellipse">
+              <a:avLst/>
+            </a:prstGeom>
+            <a:noFill/>
+            <a:ln w="28575">
+              <a:prstDash val="dash"/>
+            </a:ln>
+          </p:spPr>
+          <p:style>
+            <a:lnRef idx="2">
+              <a:schemeClr val="accent1">
+                <a:shade val="50000"/>
+              </a:schemeClr>
+            </a:lnRef>
+            <a:fillRef idx="1">
+              <a:schemeClr val="accent1"/>
+            </a:fillRef>
+            <a:effectRef idx="0">
+              <a:schemeClr val="accent1"/>
+            </a:effectRef>
+            <a:fontRef idx="minor">
+              <a:schemeClr val="lt1"/>
+            </a:fontRef>
+          </p:style>
+          <p:txBody>
+            <a:bodyPr rtlCol="0" anchor="ctr"/>
+            <a:lstStyle/>
+            <a:p>
+              <a:pPr algn="ctr"/>
+              <a:endParaRPr kumimoji="1" lang="ja-JP" altLang="en-US"/>
+            </a:p>
+          </p:txBody>
+        </p:sp>
+        <p:sp>
+          <p:nvSpPr>
+            <p:cNvPr id="41" name="円/楕円 40"/>
+            <p:cNvSpPr/>
+            <p:nvPr/>
+          </p:nvSpPr>
+          <p:spPr>
+            <a:xfrm>
+              <a:off x="2658860" y="2699089"/>
+              <a:ext cx="905524" cy="905524"/>
+            </a:xfrm>
+            <a:prstGeom prst="ellipse">
+              <a:avLst/>
+            </a:prstGeom>
+            <a:noFill/>
+            <a:ln w="28575"/>
+          </p:spPr>
+          <p:style>
+            <a:lnRef idx="2">
+              <a:schemeClr val="accent1">
+                <a:shade val="50000"/>
+              </a:schemeClr>
+            </a:lnRef>
+            <a:fillRef idx="1">
+              <a:schemeClr val="accent1"/>
+            </a:fillRef>
+            <a:effectRef idx="0">
+              <a:schemeClr val="accent1"/>
+            </a:effectRef>
+            <a:fontRef idx="minor">
+              <a:schemeClr val="lt1"/>
+            </a:fontRef>
+          </p:style>
+          <p:txBody>
+            <a:bodyPr rtlCol="0" anchor="ctr"/>
+            <a:lstStyle/>
+            <a:p>
+              <a:pPr algn="ctr"/>
+              <a:endParaRPr kumimoji="1" lang="ja-JP" altLang="en-US"/>
+            </a:p>
+          </p:txBody>
+        </p:sp>
+        <p:sp>
+          <p:nvSpPr>
+            <p:cNvPr id="42" name="円/楕円 41"/>
+            <p:cNvSpPr/>
+            <p:nvPr/>
+          </p:nvSpPr>
+          <p:spPr>
+            <a:xfrm>
+              <a:off x="1761622" y="1801851"/>
+              <a:ext cx="2700000" cy="2700000"/>
+            </a:xfrm>
+            <a:prstGeom prst="ellipse">
+              <a:avLst/>
+            </a:prstGeom>
+            <a:noFill/>
+            <a:ln w="28575"/>
+          </p:spPr>
+          <p:style>
+            <a:lnRef idx="2">
+              <a:schemeClr val="accent1">
+                <a:shade val="50000"/>
+              </a:schemeClr>
+            </a:lnRef>
+            <a:fillRef idx="1">
+              <a:schemeClr val="accent1"/>
+            </a:fillRef>
+            <a:effectRef idx="0">
+              <a:schemeClr val="accent1"/>
+            </a:effectRef>
+            <a:fontRef idx="minor">
+              <a:schemeClr val="lt1"/>
+            </a:fontRef>
+          </p:style>
+          <p:txBody>
+            <a:bodyPr rtlCol="0" anchor="ctr"/>
+            <a:lstStyle/>
+            <a:p>
+              <a:pPr algn="ctr"/>
+              <a:endParaRPr kumimoji="1" lang="ja-JP" altLang="en-US"/>
+            </a:p>
+          </p:txBody>
+        </p:sp>
+      </p:grpSp>
+      <p:grpSp>
+        <p:nvGrpSpPr>
+          <p:cNvPr id="43" name="グループ化 42"/>
+          <p:cNvGrpSpPr/>
+          <p:nvPr/>
+        </p:nvGrpSpPr>
+        <p:grpSpPr>
+          <a:xfrm>
+            <a:off x="8748106" y="1801845"/>
+            <a:ext cx="1962474" cy="1962474"/>
+            <a:chOff x="1761622" y="1801851"/>
+            <a:chExt cx="2700000" cy="2700000"/>
+          </a:xfrm>
+        </p:grpSpPr>
+        <p:sp>
+          <p:nvSpPr>
+            <p:cNvPr id="44" name="円/楕円 43"/>
+            <p:cNvSpPr/>
+            <p:nvPr/>
+          </p:nvSpPr>
+          <p:spPr>
+            <a:xfrm>
+              <a:off x="2211622" y="2251851"/>
+              <a:ext cx="1800000" cy="1800000"/>
+            </a:xfrm>
+            <a:prstGeom prst="ellipse">
+              <a:avLst/>
+            </a:prstGeom>
+            <a:noFill/>
+            <a:ln w="28575">
+              <a:solidFill>
+                <a:srgbClr val="00B050"/>
+              </a:solidFill>
+              <a:prstDash val="solid"/>
+            </a:ln>
+          </p:spPr>
+          <p:style>
+            <a:lnRef idx="2">
+              <a:schemeClr val="accent1">
+                <a:shade val="50000"/>
+              </a:schemeClr>
+            </a:lnRef>
+            <a:fillRef idx="1">
+              <a:schemeClr val="accent1"/>
+            </a:fillRef>
+            <a:effectRef idx="0">
+              <a:schemeClr val="accent1"/>
+            </a:effectRef>
+            <a:fontRef idx="minor">
+              <a:schemeClr val="lt1"/>
+            </a:fontRef>
+          </p:style>
+          <p:txBody>
+            <a:bodyPr rtlCol="0" anchor="ctr"/>
+            <a:lstStyle/>
+            <a:p>
+              <a:pPr algn="ctr"/>
+              <a:endParaRPr kumimoji="1" lang="ja-JP" altLang="en-US">
+                <a:solidFill>
+                  <a:srgbClr val="FF0000"/>
+                </a:solidFill>
+              </a:endParaRPr>
+            </a:p>
+          </p:txBody>
+        </p:sp>
+        <p:sp>
+          <p:nvSpPr>
+            <p:cNvPr id="45" name="円/楕円 44"/>
+            <p:cNvSpPr/>
+            <p:nvPr/>
+          </p:nvSpPr>
+          <p:spPr>
+            <a:xfrm>
+              <a:off x="2658860" y="2699089"/>
+              <a:ext cx="905524" cy="905524"/>
+            </a:xfrm>
+            <a:prstGeom prst="ellipse">
+              <a:avLst/>
+            </a:prstGeom>
+            <a:noFill/>
+            <a:ln w="28575">
+              <a:solidFill>
+                <a:srgbClr val="00B050"/>
+              </a:solidFill>
+              <a:prstDash val="dash"/>
+            </a:ln>
+          </p:spPr>
+          <p:style>
+            <a:lnRef idx="2">
+              <a:schemeClr val="accent1">
+                <a:shade val="50000"/>
+              </a:schemeClr>
+            </a:lnRef>
+            <a:fillRef idx="1">
+              <a:schemeClr val="accent1"/>
+            </a:fillRef>
+            <a:effectRef idx="0">
+              <a:schemeClr val="accent1"/>
+            </a:effectRef>
+            <a:fontRef idx="minor">
+              <a:schemeClr val="lt1"/>
+            </a:fontRef>
+          </p:style>
+          <p:txBody>
+            <a:bodyPr rtlCol="0" anchor="ctr"/>
+            <a:lstStyle/>
+            <a:p>
+              <a:pPr algn="ctr"/>
+              <a:endParaRPr kumimoji="1" lang="ja-JP" altLang="en-US">
+                <a:solidFill>
+                  <a:srgbClr val="FF0000"/>
+                </a:solidFill>
+              </a:endParaRPr>
+            </a:p>
+          </p:txBody>
+        </p:sp>
+        <p:sp>
+          <p:nvSpPr>
+            <p:cNvPr id="46" name="円/楕円 45"/>
+            <p:cNvSpPr/>
+            <p:nvPr/>
+          </p:nvSpPr>
+          <p:spPr>
+            <a:xfrm>
+              <a:off x="1761622" y="1801851"/>
+              <a:ext cx="2700000" cy="2700000"/>
+            </a:xfrm>
+            <a:prstGeom prst="ellipse">
+              <a:avLst/>
+            </a:prstGeom>
+            <a:noFill/>
+            <a:ln w="28575">
+              <a:solidFill>
+                <a:srgbClr val="00B050"/>
+              </a:solidFill>
+              <a:prstDash val="dash"/>
+            </a:ln>
+          </p:spPr>
+          <p:style>
+            <a:lnRef idx="2">
+              <a:schemeClr val="accent1">
+                <a:shade val="50000"/>
+              </a:schemeClr>
+            </a:lnRef>
+            <a:fillRef idx="1">
+              <a:schemeClr val="accent1"/>
+            </a:fillRef>
+            <a:effectRef idx="0">
+              <a:schemeClr val="accent1"/>
+            </a:effectRef>
+            <a:fontRef idx="minor">
+              <a:schemeClr val="lt1"/>
+            </a:fontRef>
+          </p:style>
+          <p:txBody>
+            <a:bodyPr rtlCol="0" anchor="ctr"/>
+            <a:lstStyle/>
+            <a:p>
+              <a:pPr algn="ctr"/>
+              <a:endParaRPr kumimoji="1" lang="ja-JP" altLang="en-US">
+                <a:solidFill>
+                  <a:srgbClr val="FF0000"/>
+                </a:solidFill>
+              </a:endParaRPr>
+            </a:p>
+          </p:txBody>
+        </p:sp>
+      </p:grpSp>
+      <p:cxnSp>
+        <p:nvCxnSpPr>
+          <p:cNvPr id="48" name="直線矢印コネクタ 47"/>
+          <p:cNvCxnSpPr/>
+          <p:nvPr/>
+        </p:nvCxnSpPr>
+        <p:spPr>
+          <a:xfrm>
+            <a:off x="5399244" y="2803912"/>
+            <a:ext cx="1571625" cy="0"/>
+          </a:xfrm>
+          <a:prstGeom prst="straightConnector1">
+            <a:avLst/>
+          </a:prstGeom>
+          <a:ln>
+            <a:tailEnd type="triangle"/>
+          </a:ln>
+        </p:spPr>
+        <p:style>
+          <a:lnRef idx="1">
+            <a:schemeClr val="dk1"/>
+          </a:lnRef>
+          <a:fillRef idx="0">
+            <a:schemeClr val="dk1"/>
+          </a:fillRef>
+          <a:effectRef idx="0">
+            <a:schemeClr val="dk1"/>
+          </a:effectRef>
+          <a:fontRef idx="minor">
+            <a:schemeClr val="tx1"/>
+          </a:fontRef>
+        </p:style>
+      </p:cxnSp>
+      <p:sp>
+        <p:nvSpPr>
+          <p:cNvPr id="49" name="テキスト ボックス 48"/>
+          <p:cNvSpPr txBox="1"/>
+          <p:nvPr/>
+        </p:nvSpPr>
+        <p:spPr>
+          <a:xfrm>
+            <a:off x="5057184" y="2084663"/>
+            <a:ext cx="2255746" cy="369332"/>
+          </a:xfrm>
+          <a:prstGeom prst="rect">
+            <a:avLst/>
+          </a:prstGeom>
+          <a:noFill/>
+        </p:spPr>
+        <p:txBody>
+          <a:bodyPr wrap="none" rtlCol="0">
+            <a:spAutoFit/>
+          </a:bodyPr>
+          <a:lstStyle/>
+          <a:p>
+            <a:r>
+              <a:rPr kumimoji="1" lang="en-US" altLang="ja-JP" dirty="0" smtClean="0"/>
+              <a:t>XUV-IR</a:t>
+            </a:r>
+            <a:r>
+              <a:rPr kumimoji="1" lang="ja-JP" altLang="en-US" dirty="0" smtClean="0"/>
+              <a:t>ディレイを変更</a:t>
+            </a:r>
+            <a:endParaRPr kumimoji="1" lang="ja-JP" altLang="en-US" dirty="0"/>
+          </a:p>
+        </p:txBody>
+      </p:sp>
+    </p:spTree>
+    <p:extLst>
+      <p:ext uri="{BB962C8B-B14F-4D97-AF65-F5344CB8AC3E}">
+        <p14:creationId xmlns:p14="http://schemas.microsoft.com/office/powerpoint/2010/main" val="585686896"/>
+      </p:ext>
+    </p:extLst>
+  </p:cSld>
+  <p:clrMapOvr>
+    <a:masterClrMapping/>
+  </p:clrMapOvr>
+</p:sld>
+</file>
+
 <file path=ppt/slides/slide2.xml><?xml version="1.0" encoding="utf-8"?>
 <p:sld xmlns:a="http://schemas.openxmlformats.org/drawingml/2006/main" xmlns:r="http://schemas.openxmlformats.org/officeDocument/2006/relationships" xmlns:p="http://schemas.openxmlformats.org/presentationml/2006/main">
   <p:cSld>
@@ -13791,8 +14831,8 @@
         </p:nvSpPr>
         <p:spPr>
           <a:xfrm>
-            <a:off x="145509" y="2953781"/>
-            <a:ext cx="1789318" cy="307777"/>
+            <a:off x="73393" y="3000238"/>
+            <a:ext cx="2037289" cy="369332"/>
           </a:xfrm>
           <a:prstGeom prst="rect">
             <a:avLst/>
@@ -13806,14 +14846,14 @@
           <a:lstStyle/>
           <a:p>
             <a:r>
-              <a:rPr lang="en-US" altLang="ja-JP" sz="1400" dirty="0" smtClean="0"/>
+              <a:rPr lang="en-US" altLang="ja-JP" dirty="0" smtClean="0"/>
               <a:t>(a)800nm</a:t>
             </a:r>
             <a:r>
-              <a:rPr lang="ja-JP" altLang="en-US" sz="1400" dirty="0" smtClean="0"/>
+              <a:rPr lang="ja-JP" altLang="en-US" dirty="0" smtClean="0"/>
               <a:t>レーザー</a:t>
             </a:r>
-            <a:endParaRPr kumimoji="1" lang="en-US" altLang="ja-JP" sz="1400" dirty="0" smtClean="0"/>
+            <a:endParaRPr kumimoji="1" lang="en-US" altLang="ja-JP" dirty="0" smtClean="0"/>
           </a:p>
         </p:txBody>
       </p:sp>
@@ -13871,8 +14911,8 @@
         </p:nvSpPr>
         <p:spPr>
           <a:xfrm>
-            <a:off x="1781410" y="2925074"/>
-            <a:ext cx="1183739" cy="307777"/>
+            <a:off x="1765353" y="2561429"/>
+            <a:ext cx="1456153" cy="369332"/>
           </a:xfrm>
           <a:prstGeom prst="rect">
             <a:avLst/>
@@ -13886,18 +14926,22 @@
           <a:lstStyle/>
           <a:p>
             <a:r>
-              <a:rPr lang="en-US" altLang="ja-JP" sz="1400" dirty="0" smtClean="0"/>
-              <a:t>(b)</a:t>
-            </a:r>
-            <a:r>
-              <a:rPr kumimoji="1" lang="en-US" altLang="ja-JP" sz="1400" dirty="0" smtClean="0"/>
-              <a:t>1/4</a:t>
-            </a:r>
-            <a:r>
-              <a:rPr kumimoji="1" lang="ja-JP" altLang="en-US" sz="1400" dirty="0" smtClean="0"/>
+              <a:rPr lang="en-US" altLang="ja-JP" dirty="0" smtClean="0"/>
+              <a:t>(</a:t>
+            </a:r>
+            <a:r>
+              <a:rPr lang="en-US" altLang="ja-JP" dirty="0" smtClean="0"/>
+              <a:t>b)</a:t>
+            </a:r>
+            <a:r>
+              <a:rPr kumimoji="1" lang="en-US" altLang="ja-JP" dirty="0" smtClean="0"/>
+              <a:t>1/2</a:t>
+            </a:r>
+            <a:r>
+              <a:rPr kumimoji="1" lang="ja-JP" altLang="en-US" dirty="0" smtClean="0"/>
               <a:t>波長板</a:t>
             </a:r>
-            <a:endParaRPr kumimoji="1" lang="en-US" altLang="ja-JP" sz="1400" dirty="0" smtClean="0"/>
+            <a:endParaRPr kumimoji="1" lang="en-US" altLang="ja-JP" dirty="0" smtClean="0"/>
           </a:p>
         </p:txBody>
       </p:sp>
@@ -13955,8 +14999,8 @@
         </p:nvSpPr>
         <p:spPr>
           <a:xfrm>
-            <a:off x="2875477" y="2901296"/>
-            <a:ext cx="1205239" cy="307777"/>
+            <a:off x="2832194" y="3058404"/>
+            <a:ext cx="1464950" cy="369332"/>
           </a:xfrm>
           <a:prstGeom prst="rect">
             <a:avLst/>
@@ -13970,11 +15014,11 @@
           <a:lstStyle/>
           <a:p>
             <a:r>
-              <a:rPr lang="en-US" altLang="ja-JP" sz="1400" dirty="0" smtClean="0"/>
+              <a:rPr lang="en-US" altLang="ja-JP" dirty="0" smtClean="0"/>
               <a:t>(c)</a:t>
             </a:r>
             <a:r>
-              <a:rPr kumimoji="1" lang="en-US" altLang="ja-JP" sz="1400" dirty="0" smtClean="0"/>
+              <a:rPr kumimoji="1" lang="en-US" altLang="ja-JP" dirty="0" smtClean="0"/>
               <a:t>fused silica</a:t>
             </a:r>
           </a:p>
@@ -14133,8 +15177,8 @@
         </p:nvSpPr>
         <p:spPr>
           <a:xfrm>
-            <a:off x="3780257" y="2756865"/>
-            <a:ext cx="1285928" cy="523220"/>
+            <a:off x="3677102" y="2295080"/>
+            <a:ext cx="1601722" cy="646331"/>
           </a:xfrm>
           <a:prstGeom prst="rect">
             <a:avLst/>
@@ -14149,22 +15193,22 @@
           <a:p>
             <a:pPr algn="ctr"/>
             <a:r>
-              <a:rPr lang="en-US" altLang="ja-JP" sz="1400" dirty="0" smtClean="0"/>
+              <a:rPr lang="en-US" altLang="ja-JP" dirty="0" smtClean="0"/>
               <a:t>(d)</a:t>
             </a:r>
             <a:r>
-              <a:rPr kumimoji="1" lang="ja-JP" altLang="en-US" sz="1400" dirty="0" smtClean="0"/>
+              <a:rPr kumimoji="1" lang="ja-JP" altLang="en-US" dirty="0" smtClean="0"/>
               <a:t>非線形結晶</a:t>
             </a:r>
-            <a:endParaRPr kumimoji="1" lang="en-US" altLang="ja-JP" sz="1400" dirty="0" smtClean="0"/>
+            <a:endParaRPr kumimoji="1" lang="en-US" altLang="ja-JP" dirty="0" smtClean="0"/>
           </a:p>
           <a:p>
             <a:pPr algn="ctr"/>
             <a:r>
-              <a:rPr kumimoji="1" lang="en-US" altLang="ja-JP" sz="1400" dirty="0" smtClean="0"/>
+              <a:rPr kumimoji="1" lang="en-US" altLang="ja-JP" dirty="0" smtClean="0"/>
               <a:t>(BBO)</a:t>
             </a:r>
-            <a:endParaRPr kumimoji="1" lang="ja-JP" altLang="en-US" sz="1400" dirty="0"/>
+            <a:endParaRPr kumimoji="1" lang="ja-JP" altLang="en-US" dirty="0"/>
           </a:p>
         </p:txBody>
       </p:sp>
@@ -14223,7 +15267,7 @@
         <p:spPr>
           <a:xfrm>
             <a:off x="6862336" y="2913846"/>
-            <a:ext cx="1553403" cy="307777"/>
+            <a:ext cx="1769257" cy="369332"/>
           </a:xfrm>
           <a:prstGeom prst="rect">
             <a:avLst/>
@@ -14237,18 +15281,18 @@
           <a:lstStyle/>
           <a:p>
             <a:r>
-              <a:rPr lang="en-US" altLang="ja-JP" sz="1400" dirty="0" smtClean="0"/>
+              <a:rPr lang="en-US" altLang="ja-JP" dirty="0" smtClean="0"/>
               <a:t>(f)</a:t>
             </a:r>
             <a:r>
-              <a:rPr lang="ja-JP" altLang="en-US" sz="1400" dirty="0"/>
+              <a:rPr lang="ja-JP" altLang="en-US" dirty="0"/>
               <a:t>クリプトン</a:t>
             </a:r>
             <a:r>
-              <a:rPr lang="ja-JP" altLang="en-US" sz="1400" dirty="0" smtClean="0"/>
+              <a:rPr lang="ja-JP" altLang="en-US" dirty="0" smtClean="0"/>
               <a:t>ガス</a:t>
             </a:r>
-            <a:endParaRPr kumimoji="1" lang="en-US" altLang="ja-JP" sz="1400" dirty="0" smtClean="0"/>
+            <a:endParaRPr kumimoji="1" lang="en-US" altLang="ja-JP" dirty="0" smtClean="0"/>
           </a:p>
         </p:txBody>
       </p:sp>
@@ -14326,8 +15370,8 @@
         </p:nvSpPr>
         <p:spPr>
           <a:xfrm>
-            <a:off x="5746385" y="2771185"/>
-            <a:ext cx="1326447" cy="307777"/>
+            <a:off x="5746384" y="2353989"/>
+            <a:ext cx="1454516" cy="369332"/>
           </a:xfrm>
           <a:prstGeom prst="rect">
             <a:avLst/>
@@ -14341,14 +15385,14 @@
           <a:lstStyle/>
           <a:p>
             <a:r>
-              <a:rPr lang="en-US" altLang="ja-JP" sz="1400" dirty="0" smtClean="0"/>
+              <a:rPr lang="en-US" altLang="ja-JP" dirty="0" smtClean="0"/>
               <a:t>(e)</a:t>
             </a:r>
             <a:r>
-              <a:rPr kumimoji="1" lang="ja-JP" altLang="en-US" sz="1400" dirty="0" smtClean="0"/>
+              <a:rPr kumimoji="1" lang="ja-JP" altLang="en-US" dirty="0" smtClean="0"/>
               <a:t>カルサイト</a:t>
             </a:r>
-            <a:endParaRPr kumimoji="1" lang="en-US" altLang="ja-JP" sz="1400" dirty="0" smtClean="0"/>
+            <a:endParaRPr kumimoji="1" lang="en-US" altLang="ja-JP" dirty="0" smtClean="0"/>
           </a:p>
         </p:txBody>
       </p:sp>
@@ -14391,7 +15435,7 @@
         </p:nvSpPr>
         <p:spPr>
           <a:xfrm rot="5400000">
-            <a:off x="4051239" y="-1332567"/>
+            <a:off x="4051238" y="-1872021"/>
             <a:ext cx="409303" cy="8095134"/>
           </a:xfrm>
           <a:prstGeom prst="leftBrace">
@@ -14429,8 +15473,8 @@
         </p:nvSpPr>
         <p:spPr>
           <a:xfrm>
-            <a:off x="2827902" y="2064093"/>
-            <a:ext cx="2281647" cy="338554"/>
+            <a:off x="3014676" y="1606947"/>
+            <a:ext cx="2482427" cy="369332"/>
           </a:xfrm>
           <a:prstGeom prst="rect">
             <a:avLst/>
@@ -14444,14 +15488,14 @@
           <a:lstStyle/>
           <a:p>
             <a:r>
-              <a:rPr lang="ja-JP" altLang="en-US" sz="1600" dirty="0"/>
+              <a:rPr lang="ja-JP" altLang="en-US" dirty="0"/>
               <a:t>高次</a:t>
             </a:r>
             <a:r>
-              <a:rPr lang="ja-JP" altLang="en-US" sz="1600" dirty="0" smtClean="0"/>
+              <a:rPr lang="ja-JP" altLang="en-US" dirty="0" smtClean="0"/>
               <a:t>高調波の発生機構</a:t>
             </a:r>
-            <a:endParaRPr kumimoji="1" lang="en-US" altLang="ja-JP" sz="1600" dirty="0" smtClean="0"/>
+            <a:endParaRPr kumimoji="1" lang="en-US" altLang="ja-JP" dirty="0" smtClean="0"/>
           </a:p>
         </p:txBody>
       </p:sp>
@@ -14463,8 +15507,8 @@
         </p:nvSpPr>
         <p:spPr>
           <a:xfrm>
-            <a:off x="9253897" y="1528601"/>
-            <a:ext cx="1706377" cy="307777"/>
+            <a:off x="9059274" y="1575168"/>
+            <a:ext cx="1988869" cy="369332"/>
           </a:xfrm>
           <a:prstGeom prst="rect">
             <a:avLst/>
@@ -14478,14 +15522,14 @@
           <a:lstStyle/>
           <a:p>
             <a:r>
-              <a:rPr kumimoji="1" lang="en-US" altLang="ja-JP" sz="1400" dirty="0" smtClean="0"/>
+              <a:rPr kumimoji="1" lang="en-US" altLang="ja-JP" dirty="0" smtClean="0"/>
               <a:t>(g)VMI</a:t>
             </a:r>
             <a:r>
-              <a:rPr kumimoji="1" lang="ja-JP" altLang="en-US" sz="1400" dirty="0" smtClean="0"/>
+              <a:rPr kumimoji="1" lang="ja-JP" altLang="en-US" dirty="0" smtClean="0"/>
               <a:t>による測定</a:t>
             </a:r>
-            <a:endParaRPr kumimoji="1" lang="en-US" altLang="ja-JP" sz="1400" dirty="0" smtClean="0"/>
+            <a:endParaRPr kumimoji="1" lang="en-US" altLang="ja-JP" dirty="0" smtClean="0"/>
           </a:p>
         </p:txBody>
       </p:sp>
@@ -15028,9 +16072,9 @@
           <p:nvPr/>
         </p:nvCxnSpPr>
         <p:spPr>
-          <a:xfrm>
-            <a:off x="2373280" y="3232851"/>
-            <a:ext cx="0" cy="302629"/>
+          <a:xfrm flipH="1">
+            <a:off x="2373280" y="2930761"/>
+            <a:ext cx="120150" cy="604719"/>
           </a:xfrm>
           <a:prstGeom prst="line">
             <a:avLst/>
@@ -15062,8 +16106,8 @@
         </p:nvCxnSpPr>
         <p:spPr>
           <a:xfrm flipH="1">
-            <a:off x="3414651" y="3209073"/>
-            <a:ext cx="63446" cy="605081"/>
+            <a:off x="3414651" y="3427736"/>
+            <a:ext cx="150018" cy="386418"/>
           </a:xfrm>
           <a:prstGeom prst="line">
             <a:avLst/>
@@ -15094,9 +16138,9 @@
           <p:nvPr/>
         </p:nvCxnSpPr>
         <p:spPr>
-          <a:xfrm>
-            <a:off x="4423221" y="3280085"/>
-            <a:ext cx="28911" cy="255395"/>
+          <a:xfrm flipH="1">
+            <a:off x="4452132" y="2941411"/>
+            <a:ext cx="25831" cy="594069"/>
           </a:xfrm>
           <a:prstGeom prst="line">
             <a:avLst/>
@@ -15128,8 +16172,8 @@
         </p:nvCxnSpPr>
         <p:spPr>
           <a:xfrm flipH="1">
-            <a:off x="6409608" y="3078962"/>
-            <a:ext cx="1" cy="455044"/>
+            <a:off x="6409608" y="2723321"/>
+            <a:ext cx="64034" cy="810685"/>
           </a:xfrm>
           <a:prstGeom prst="line">
             <a:avLst/>
@@ -15204,8 +16248,8 @@
         </p:nvSpPr>
         <p:spPr>
           <a:xfrm>
-            <a:off x="4750594" y="3018475"/>
-            <a:ext cx="1326447" cy="307777"/>
+            <a:off x="4724654" y="3045924"/>
+            <a:ext cx="1529966" cy="369332"/>
           </a:xfrm>
           <a:prstGeom prst="rect">
             <a:avLst/>
@@ -15219,14 +16263,18 @@
           <a:lstStyle/>
           <a:p>
             <a:r>
-              <a:rPr lang="en-US" altLang="ja-JP" sz="1400" dirty="0" smtClean="0"/>
-              <a:t>(e)1/4</a:t>
-            </a:r>
-            <a:r>
-              <a:rPr lang="ja-JP" altLang="en-US" sz="1400" dirty="0" smtClean="0"/>
+              <a:rPr lang="en-US" altLang="ja-JP" dirty="0" smtClean="0"/>
+              <a:t>(</a:t>
+            </a:r>
+            <a:r>
+              <a:rPr lang="en-US" altLang="ja-JP" dirty="0" smtClean="0"/>
+              <a:t>e)1/2</a:t>
+            </a:r>
+            <a:r>
+              <a:rPr lang="ja-JP" altLang="en-US" dirty="0" smtClean="0"/>
               <a:t>波長板</a:t>
             </a:r>
-            <a:endParaRPr kumimoji="1" lang="en-US" altLang="ja-JP" sz="1400" dirty="0" smtClean="0"/>
+            <a:endParaRPr kumimoji="1" lang="en-US" altLang="ja-JP" dirty="0" smtClean="0"/>
           </a:p>
         </p:txBody>
       </p:sp>
@@ -15241,8 +16289,8 @@
         </p:nvCxnSpPr>
         <p:spPr>
           <a:xfrm flipH="1">
-            <a:off x="5347381" y="3326252"/>
-            <a:ext cx="66437" cy="207754"/>
+            <a:off x="5347381" y="3415256"/>
+            <a:ext cx="142256" cy="118750"/>
           </a:xfrm>
           <a:prstGeom prst="line">
             <a:avLst/>
@@ -15306,8 +16354,8 @@
         </p:nvCxnSpPr>
         <p:spPr>
           <a:xfrm flipH="1">
-            <a:off x="7326666" y="3221623"/>
-            <a:ext cx="312372" cy="335842"/>
+            <a:off x="7326666" y="3283178"/>
+            <a:ext cx="420299" cy="274287"/>
           </a:xfrm>
           <a:prstGeom prst="line">
             <a:avLst/>
@@ -15989,6 +17037,39 @@
           </a:p>
         </p:txBody>
       </p:sp>
+      <p:cxnSp>
+        <p:nvCxnSpPr>
+          <p:cNvPr id="30" name="直線コネクタ 29"/>
+          <p:cNvCxnSpPr>
+            <a:stCxn id="7" idx="2"/>
+            <a:endCxn id="6" idx="0"/>
+          </p:cNvCxnSpPr>
+          <p:nvPr/>
+        </p:nvCxnSpPr>
+        <p:spPr>
+          <a:xfrm flipH="1">
+            <a:off x="997405" y="3369570"/>
+            <a:ext cx="94633" cy="175520"/>
+          </a:xfrm>
+          <a:prstGeom prst="line">
+            <a:avLst/>
+          </a:prstGeom>
+        </p:spPr>
+        <p:style>
+          <a:lnRef idx="1">
+            <a:schemeClr val="dk1"/>
+          </a:lnRef>
+          <a:fillRef idx="0">
+            <a:schemeClr val="dk1"/>
+          </a:fillRef>
+          <a:effectRef idx="0">
+            <a:schemeClr val="dk1"/>
+          </a:effectRef>
+          <a:fontRef idx="minor">
+            <a:schemeClr val="tx1"/>
+          </a:fontRef>
+        </p:style>
+      </p:cxnSp>
     </p:spTree>
     <p:extLst>
       <p:ext uri="{BB962C8B-B14F-4D97-AF65-F5344CB8AC3E}">

--- a/図/図.pptx
+++ b/図/図.pptx
@@ -6454,7 +6454,7 @@
         </p:blipFill>
         <p:spPr>
           <a:xfrm>
-            <a:off x="3810000" y="2476500"/>
+            <a:off x="3750952" y="2476500"/>
             <a:ext cx="4572000" cy="1905000"/>
           </a:xfrm>
           <a:prstGeom prst="rect">
@@ -6704,7 +6704,7 @@
         </p:nvSpPr>
         <p:spPr>
           <a:xfrm>
-            <a:off x="4595949" y="2476500"/>
+            <a:off x="4629151" y="2476500"/>
             <a:ext cx="278674" cy="1905000"/>
           </a:xfrm>
           <a:prstGeom prst="rect">
@@ -6745,7 +6745,7 @@
         </p:nvSpPr>
         <p:spPr>
           <a:xfrm>
-            <a:off x="4284074" y="2476500"/>
+            <a:off x="4365717" y="2476500"/>
             <a:ext cx="278674" cy="1905000"/>
           </a:xfrm>
           <a:prstGeom prst="rect">
@@ -6856,6 +6856,156 @@
           <a:xfrm flipH="1">
             <a:off x="4284074" y="4483128"/>
             <a:ext cx="278674" cy="0"/>
+          </a:xfrm>
+          <a:prstGeom prst="straightConnector1">
+            <a:avLst/>
+          </a:prstGeom>
+          <a:ln>
+            <a:headEnd type="triangle"/>
+            <a:tailEnd type="triangle"/>
+          </a:ln>
+        </p:spPr>
+        <p:style>
+          <a:lnRef idx="1">
+            <a:schemeClr val="accent1"/>
+          </a:lnRef>
+          <a:fillRef idx="0">
+            <a:schemeClr val="accent1"/>
+          </a:fillRef>
+          <a:effectRef idx="0">
+            <a:schemeClr val="accent1"/>
+          </a:effectRef>
+          <a:fontRef idx="minor">
+            <a:schemeClr val="tx1"/>
+          </a:fontRef>
+        </p:style>
+      </p:cxnSp>
+      <p:sp>
+        <p:nvSpPr>
+          <p:cNvPr id="13" name="正方形/長方形 12"/>
+          <p:cNvSpPr/>
+          <p:nvPr/>
+        </p:nvSpPr>
+        <p:spPr>
+          <a:xfrm>
+            <a:off x="4046087" y="2476500"/>
+            <a:ext cx="278674" cy="1905000"/>
+          </a:xfrm>
+          <a:prstGeom prst="rect">
+            <a:avLst/>
+          </a:prstGeom>
+          <a:noFill/>
+        </p:spPr>
+        <p:style>
+          <a:lnRef idx="2">
+            <a:schemeClr val="accent1">
+              <a:shade val="50000"/>
+            </a:schemeClr>
+          </a:lnRef>
+          <a:fillRef idx="1">
+            <a:schemeClr val="accent1"/>
+          </a:fillRef>
+          <a:effectRef idx="0">
+            <a:schemeClr val="accent1"/>
+          </a:effectRef>
+          <a:fontRef idx="minor">
+            <a:schemeClr val="lt1"/>
+          </a:fontRef>
+        </p:style>
+        <p:txBody>
+          <a:bodyPr rtlCol="0" anchor="ctr"/>
+          <a:lstStyle/>
+          <a:p>
+            <a:pPr algn="ctr"/>
+            <a:endParaRPr kumimoji="1" lang="ja-JP" altLang="en-US"/>
+          </a:p>
+        </p:txBody>
+      </p:sp>
+      <p:sp>
+        <p:nvSpPr>
+          <p:cNvPr id="14" name="正方形/長方形 13"/>
+          <p:cNvSpPr/>
+          <p:nvPr/>
+        </p:nvSpPr>
+        <p:spPr>
+          <a:xfrm>
+            <a:off x="3734212" y="2476500"/>
+            <a:ext cx="278674" cy="1905000"/>
+          </a:xfrm>
+          <a:prstGeom prst="rect">
+            <a:avLst/>
+          </a:prstGeom>
+          <a:noFill/>
+        </p:spPr>
+        <p:style>
+          <a:lnRef idx="2">
+            <a:schemeClr val="accent1">
+              <a:shade val="50000"/>
+            </a:schemeClr>
+          </a:lnRef>
+          <a:fillRef idx="1">
+            <a:schemeClr val="accent1"/>
+          </a:fillRef>
+          <a:effectRef idx="0">
+            <a:schemeClr val="accent1"/>
+          </a:effectRef>
+          <a:fontRef idx="minor">
+            <a:schemeClr val="lt1"/>
+          </a:fontRef>
+        </p:style>
+        <p:txBody>
+          <a:bodyPr rtlCol="0" anchor="ctr"/>
+          <a:lstStyle/>
+          <a:p>
+            <a:pPr algn="ctr"/>
+            <a:endParaRPr kumimoji="1" lang="ja-JP" altLang="en-US"/>
+          </a:p>
+        </p:txBody>
+      </p:sp>
+      <p:cxnSp>
+        <p:nvCxnSpPr>
+          <p:cNvPr id="18" name="直線矢印コネクタ 17"/>
+          <p:cNvCxnSpPr/>
+          <p:nvPr/>
+        </p:nvCxnSpPr>
+        <p:spPr>
+          <a:xfrm flipH="1">
+            <a:off x="4012886" y="4483128"/>
+            <a:ext cx="297520" cy="0"/>
+          </a:xfrm>
+          <a:prstGeom prst="straightConnector1">
+            <a:avLst/>
+          </a:prstGeom>
+          <a:ln>
+            <a:headEnd type="triangle"/>
+            <a:tailEnd type="triangle"/>
+          </a:ln>
+        </p:spPr>
+        <p:style>
+          <a:lnRef idx="1">
+            <a:schemeClr val="accent1"/>
+          </a:lnRef>
+          <a:fillRef idx="0">
+            <a:schemeClr val="accent1"/>
+          </a:fillRef>
+          <a:effectRef idx="0">
+            <a:schemeClr val="accent1"/>
+          </a:effectRef>
+          <a:fontRef idx="minor">
+            <a:schemeClr val="tx1"/>
+          </a:fontRef>
+        </p:style>
+      </p:cxnSp>
+      <p:cxnSp>
+        <p:nvCxnSpPr>
+          <p:cNvPr id="19" name="直線矢印コネクタ 18"/>
+          <p:cNvCxnSpPr/>
+          <p:nvPr/>
+        </p:nvCxnSpPr>
+        <p:spPr>
+          <a:xfrm flipH="1">
+            <a:off x="3748567" y="4483128"/>
+            <a:ext cx="297520" cy="0"/>
           </a:xfrm>
           <a:prstGeom prst="straightConnector1">
             <a:avLst/>
@@ -14781,1625 +14931,1183 @@
           <a:chExt cx="0" cy="0"/>
         </a:xfrm>
       </p:grpSpPr>
-      <p:sp>
-        <p:nvSpPr>
-          <p:cNvPr id="6" name="正方形/長方形 5"/>
-          <p:cNvSpPr/>
-          <p:nvPr/>
-        </p:nvSpPr>
-        <p:spPr>
-          <a:xfrm>
-            <a:off x="440056" y="3545090"/>
-            <a:ext cx="1114697" cy="557348"/>
-          </a:xfrm>
-          <a:prstGeom prst="rect">
-            <a:avLst/>
-          </a:prstGeom>
-          <a:noFill/>
-          <a:ln w="19050"/>
-        </p:spPr>
-        <p:style>
-          <a:lnRef idx="2">
-            <a:schemeClr val="dk1">
-              <a:shade val="50000"/>
-            </a:schemeClr>
-          </a:lnRef>
-          <a:fillRef idx="1">
-            <a:schemeClr val="dk1"/>
-          </a:fillRef>
-          <a:effectRef idx="0">
-            <a:schemeClr val="dk1"/>
-          </a:effectRef>
-          <a:fontRef idx="minor">
-            <a:schemeClr val="lt1"/>
-          </a:fontRef>
-        </p:style>
-        <p:txBody>
-          <a:bodyPr rtlCol="0" anchor="ctr"/>
-          <a:lstStyle/>
-          <a:p>
-            <a:pPr algn="ctr"/>
-            <a:endParaRPr kumimoji="1" lang="ja-JP" altLang="en-US"/>
-          </a:p>
-        </p:txBody>
-      </p:sp>
-      <p:sp>
-        <p:nvSpPr>
-          <p:cNvPr id="7" name="テキスト ボックス 6"/>
-          <p:cNvSpPr txBox="1"/>
-          <p:nvPr/>
-        </p:nvSpPr>
-        <p:spPr>
-          <a:xfrm>
-            <a:off x="73393" y="3000238"/>
-            <a:ext cx="2037289" cy="369332"/>
-          </a:xfrm>
-          <a:prstGeom prst="rect">
-            <a:avLst/>
-          </a:prstGeom>
-          <a:noFill/>
-        </p:spPr>
-        <p:txBody>
-          <a:bodyPr wrap="square" rtlCol="0">
-            <a:spAutoFit/>
-          </a:bodyPr>
-          <a:lstStyle/>
-          <a:p>
-            <a:r>
-              <a:rPr lang="en-US" altLang="ja-JP" dirty="0" smtClean="0"/>
-              <a:t>(a)800nm</a:t>
-            </a:r>
-            <a:r>
-              <a:rPr lang="ja-JP" altLang="en-US" dirty="0" smtClean="0"/>
-              <a:t>レーザー</a:t>
-            </a:r>
-            <a:endParaRPr kumimoji="1" lang="en-US" altLang="ja-JP" dirty="0" smtClean="0"/>
-          </a:p>
-        </p:txBody>
-      </p:sp>
-      <p:sp>
-        <p:nvSpPr>
-          <p:cNvPr id="11" name="正方形/長方形 10"/>
-          <p:cNvSpPr/>
-          <p:nvPr/>
-        </p:nvSpPr>
-        <p:spPr>
-          <a:xfrm>
-            <a:off x="2325930" y="3535480"/>
-            <a:ext cx="94700" cy="557348"/>
-          </a:xfrm>
-          <a:prstGeom prst="rect">
-            <a:avLst/>
-          </a:prstGeom>
-          <a:noFill/>
-          <a:ln w="19050">
-            <a:solidFill>
-              <a:schemeClr val="tx1"/>
-            </a:solidFill>
-          </a:ln>
-        </p:spPr>
-        <p:style>
-          <a:lnRef idx="2">
-            <a:schemeClr val="accent1">
-              <a:shade val="50000"/>
-            </a:schemeClr>
-          </a:lnRef>
-          <a:fillRef idx="1">
-            <a:schemeClr val="accent1"/>
-          </a:fillRef>
-          <a:effectRef idx="0">
-            <a:schemeClr val="accent1"/>
-          </a:effectRef>
-          <a:fontRef idx="minor">
-            <a:schemeClr val="lt1"/>
-          </a:fontRef>
-        </p:style>
-        <p:txBody>
-          <a:bodyPr rtlCol="0" anchor="ctr"/>
-          <a:lstStyle/>
-          <a:p>
-            <a:pPr algn="ctr"/>
-            <a:endParaRPr kumimoji="1" lang="ja-JP" altLang="en-US"/>
-          </a:p>
-        </p:txBody>
-      </p:sp>
-      <p:sp>
-        <p:nvSpPr>
-          <p:cNvPr id="12" name="テキスト ボックス 11"/>
-          <p:cNvSpPr txBox="1"/>
-          <p:nvPr/>
-        </p:nvSpPr>
-        <p:spPr>
-          <a:xfrm>
-            <a:off x="1765353" y="2561429"/>
-            <a:ext cx="1456153" cy="369332"/>
-          </a:xfrm>
-          <a:prstGeom prst="rect">
-            <a:avLst/>
-          </a:prstGeom>
-          <a:noFill/>
-        </p:spPr>
-        <p:txBody>
-          <a:bodyPr wrap="square" rtlCol="0">
-            <a:spAutoFit/>
-          </a:bodyPr>
-          <a:lstStyle/>
-          <a:p>
-            <a:r>
-              <a:rPr lang="en-US" altLang="ja-JP" dirty="0" smtClean="0"/>
-              <a:t>(</a:t>
-            </a:r>
-            <a:r>
-              <a:rPr lang="en-US" altLang="ja-JP" dirty="0" smtClean="0"/>
-              <a:t>b)</a:t>
-            </a:r>
-            <a:r>
-              <a:rPr kumimoji="1" lang="en-US" altLang="ja-JP" dirty="0" smtClean="0"/>
-              <a:t>1/2</a:t>
-            </a:r>
-            <a:r>
-              <a:rPr kumimoji="1" lang="ja-JP" altLang="en-US" dirty="0" smtClean="0"/>
-              <a:t>波長板</a:t>
-            </a:r>
-            <a:endParaRPr kumimoji="1" lang="en-US" altLang="ja-JP" dirty="0" smtClean="0"/>
-          </a:p>
-        </p:txBody>
-      </p:sp>
-      <p:sp>
-        <p:nvSpPr>
-          <p:cNvPr id="13" name="正方形/長方形 12"/>
-          <p:cNvSpPr/>
-          <p:nvPr/>
-        </p:nvSpPr>
-        <p:spPr>
-          <a:xfrm>
-            <a:off x="3367301" y="3814154"/>
-            <a:ext cx="94700" cy="277200"/>
-          </a:xfrm>
-          <a:prstGeom prst="rect">
-            <a:avLst/>
-          </a:prstGeom>
-          <a:noFill/>
-          <a:ln w="19050">
-            <a:solidFill>
-              <a:schemeClr val="tx1"/>
-            </a:solidFill>
-          </a:ln>
-        </p:spPr>
-        <p:style>
-          <a:lnRef idx="2">
-            <a:schemeClr val="accent1">
-              <a:shade val="50000"/>
-            </a:schemeClr>
-          </a:lnRef>
-          <a:fillRef idx="1">
-            <a:schemeClr val="accent1"/>
-          </a:fillRef>
-          <a:effectRef idx="0">
-            <a:schemeClr val="accent1"/>
-          </a:effectRef>
-          <a:fontRef idx="minor">
-            <a:schemeClr val="lt1"/>
-          </a:fontRef>
-        </p:style>
-        <p:txBody>
-          <a:bodyPr rtlCol="0" anchor="ctr"/>
-          <a:lstStyle/>
-          <a:p>
-            <a:pPr algn="ctr"/>
-            <a:endParaRPr kumimoji="1" lang="ja-JP" altLang="en-US"/>
-          </a:p>
-        </p:txBody>
-      </p:sp>
-      <p:sp>
-        <p:nvSpPr>
-          <p:cNvPr id="14" name="テキスト ボックス 13"/>
-          <p:cNvSpPr txBox="1"/>
-          <p:nvPr/>
-        </p:nvSpPr>
-        <p:spPr>
-          <a:xfrm>
-            <a:off x="2832194" y="3058404"/>
-            <a:ext cx="1464950" cy="369332"/>
-          </a:xfrm>
-          <a:prstGeom prst="rect">
-            <a:avLst/>
-          </a:prstGeom>
-          <a:noFill/>
-        </p:spPr>
-        <p:txBody>
-          <a:bodyPr wrap="square" rtlCol="0">
-            <a:spAutoFit/>
-          </a:bodyPr>
-          <a:lstStyle/>
-          <a:p>
-            <a:r>
-              <a:rPr lang="en-US" altLang="ja-JP" dirty="0" smtClean="0"/>
-              <a:t>(c)</a:t>
-            </a:r>
-            <a:r>
-              <a:rPr kumimoji="1" lang="en-US" altLang="ja-JP" dirty="0" smtClean="0"/>
-              <a:t>fused silica</a:t>
-            </a:r>
-          </a:p>
-        </p:txBody>
-      </p:sp>
-      <p:cxnSp>
-        <p:nvCxnSpPr>
-          <p:cNvPr id="17" name="直線コネクタ 16"/>
-          <p:cNvCxnSpPr>
-            <a:stCxn id="6" idx="3"/>
-            <a:endCxn id="11" idx="1"/>
-          </p:cNvCxnSpPr>
-          <p:nvPr/>
-        </p:nvCxnSpPr>
-        <p:spPr>
-          <a:xfrm flipV="1">
-            <a:off x="1554753" y="3814154"/>
-            <a:ext cx="771177" cy="9610"/>
-          </a:xfrm>
-          <a:prstGeom prst="line">
-            <a:avLst/>
-          </a:prstGeom>
-        </p:spPr>
-        <p:style>
-          <a:lnRef idx="1">
-            <a:schemeClr val="dk1"/>
-          </a:lnRef>
-          <a:fillRef idx="0">
-            <a:schemeClr val="dk1"/>
-          </a:fillRef>
-          <a:effectRef idx="0">
-            <a:schemeClr val="dk1"/>
-          </a:effectRef>
-          <a:fontRef idx="minor">
-            <a:schemeClr val="tx1"/>
-          </a:fontRef>
-        </p:style>
-      </p:cxnSp>
-      <p:cxnSp>
-        <p:nvCxnSpPr>
-          <p:cNvPr id="19" name="直線コネクタ 18"/>
-          <p:cNvCxnSpPr>
-            <a:stCxn id="11" idx="3"/>
-            <a:endCxn id="13" idx="0"/>
-          </p:cNvCxnSpPr>
-          <p:nvPr/>
-        </p:nvCxnSpPr>
-        <p:spPr>
-          <a:xfrm>
-            <a:off x="2420630" y="3814154"/>
-            <a:ext cx="994021" cy="0"/>
-          </a:xfrm>
-          <a:prstGeom prst="line">
-            <a:avLst/>
-          </a:prstGeom>
-        </p:spPr>
-        <p:style>
-          <a:lnRef idx="1">
-            <a:schemeClr val="dk1"/>
-          </a:lnRef>
-          <a:fillRef idx="0">
-            <a:schemeClr val="dk1"/>
-          </a:fillRef>
-          <a:effectRef idx="0">
-            <a:schemeClr val="dk1"/>
-          </a:effectRef>
-          <a:fontRef idx="minor">
-            <a:schemeClr val="tx1"/>
-          </a:fontRef>
-        </p:style>
-      </p:cxnSp>
-      <p:sp>
-        <p:nvSpPr>
-          <p:cNvPr id="20" name="正方形/長方形 19"/>
-          <p:cNvSpPr/>
-          <p:nvPr/>
-        </p:nvSpPr>
-        <p:spPr>
-          <a:xfrm>
-            <a:off x="4404782" y="3535480"/>
-            <a:ext cx="94700" cy="557348"/>
-          </a:xfrm>
-          <a:prstGeom prst="rect">
-            <a:avLst/>
-          </a:prstGeom>
-          <a:noFill/>
-          <a:ln w="19050">
-            <a:solidFill>
-              <a:schemeClr val="tx1"/>
-            </a:solidFill>
-          </a:ln>
-        </p:spPr>
-        <p:style>
-          <a:lnRef idx="2">
-            <a:schemeClr val="accent1">
-              <a:shade val="50000"/>
-            </a:schemeClr>
-          </a:lnRef>
-          <a:fillRef idx="1">
-            <a:schemeClr val="accent1"/>
-          </a:fillRef>
-          <a:effectRef idx="0">
-            <a:schemeClr val="accent1"/>
-          </a:effectRef>
-          <a:fontRef idx="minor">
-            <a:schemeClr val="lt1"/>
-          </a:fontRef>
-        </p:style>
-        <p:txBody>
-          <a:bodyPr rtlCol="0" anchor="ctr"/>
-          <a:lstStyle/>
-          <a:p>
-            <a:pPr algn="ctr"/>
-            <a:endParaRPr kumimoji="1" lang="ja-JP" altLang="en-US"/>
-          </a:p>
-        </p:txBody>
-      </p:sp>
-      <p:cxnSp>
-        <p:nvCxnSpPr>
-          <p:cNvPr id="22" name="直線コネクタ 21"/>
-          <p:cNvCxnSpPr>
-            <a:stCxn id="13" idx="0"/>
-            <a:endCxn id="20" idx="1"/>
-          </p:cNvCxnSpPr>
-          <p:nvPr/>
-        </p:nvCxnSpPr>
-        <p:spPr>
-          <a:xfrm>
-            <a:off x="3414651" y="3814154"/>
-            <a:ext cx="990131" cy="0"/>
-          </a:xfrm>
-          <a:prstGeom prst="line">
-            <a:avLst/>
-          </a:prstGeom>
-        </p:spPr>
-        <p:style>
-          <a:lnRef idx="1">
-            <a:schemeClr val="dk1"/>
-          </a:lnRef>
-          <a:fillRef idx="0">
-            <a:schemeClr val="dk1"/>
-          </a:fillRef>
-          <a:effectRef idx="0">
-            <a:schemeClr val="dk1"/>
-          </a:effectRef>
-          <a:fontRef idx="minor">
-            <a:schemeClr val="tx1"/>
-          </a:fontRef>
-        </p:style>
-      </p:cxnSp>
-      <p:sp>
-        <p:nvSpPr>
-          <p:cNvPr id="23" name="テキスト ボックス 22"/>
-          <p:cNvSpPr txBox="1"/>
-          <p:nvPr/>
-        </p:nvSpPr>
-        <p:spPr>
-          <a:xfrm>
-            <a:off x="3677102" y="2295080"/>
-            <a:ext cx="1601722" cy="646331"/>
-          </a:xfrm>
-          <a:prstGeom prst="rect">
-            <a:avLst/>
-          </a:prstGeom>
-          <a:noFill/>
-        </p:spPr>
-        <p:txBody>
-          <a:bodyPr wrap="none" rtlCol="0">
-            <a:spAutoFit/>
-          </a:bodyPr>
-          <a:lstStyle/>
-          <a:p>
-            <a:pPr algn="ctr"/>
-            <a:r>
-              <a:rPr lang="en-US" altLang="ja-JP" dirty="0" smtClean="0"/>
-              <a:t>(d)</a:t>
-            </a:r>
-            <a:r>
-              <a:rPr kumimoji="1" lang="ja-JP" altLang="en-US" dirty="0" smtClean="0"/>
-              <a:t>非線形結晶</a:t>
-            </a:r>
-            <a:endParaRPr kumimoji="1" lang="en-US" altLang="ja-JP" dirty="0" smtClean="0"/>
-          </a:p>
-          <a:p>
-            <a:pPr algn="ctr"/>
-            <a:r>
-              <a:rPr kumimoji="1" lang="en-US" altLang="ja-JP" dirty="0" smtClean="0"/>
-              <a:t>(BBO)</a:t>
-            </a:r>
-            <a:endParaRPr kumimoji="1" lang="ja-JP" altLang="en-US" dirty="0"/>
-          </a:p>
-        </p:txBody>
-      </p:sp>
-      <p:sp>
-        <p:nvSpPr>
-          <p:cNvPr id="24" name="正方形/長方形 23"/>
-          <p:cNvSpPr/>
-          <p:nvPr/>
-        </p:nvSpPr>
-        <p:spPr>
-          <a:xfrm>
-            <a:off x="5300031" y="3534006"/>
-            <a:ext cx="94700" cy="557348"/>
-          </a:xfrm>
-          <a:prstGeom prst="rect">
-            <a:avLst/>
-          </a:prstGeom>
-          <a:noFill/>
-          <a:ln w="19050">
-            <a:solidFill>
-              <a:schemeClr val="tx1"/>
-            </a:solidFill>
-          </a:ln>
-        </p:spPr>
-        <p:style>
-          <a:lnRef idx="2">
-            <a:schemeClr val="accent1">
-              <a:shade val="50000"/>
-            </a:schemeClr>
-          </a:lnRef>
-          <a:fillRef idx="1">
-            <a:schemeClr val="accent1"/>
-          </a:fillRef>
-          <a:effectRef idx="0">
-            <a:schemeClr val="accent1"/>
-          </a:effectRef>
-          <a:fontRef idx="minor">
-            <a:schemeClr val="lt1"/>
-          </a:fontRef>
-        </p:style>
-        <p:txBody>
-          <a:bodyPr rtlCol="0" anchor="ctr"/>
-          <a:lstStyle/>
-          <a:p>
-            <a:pPr algn="ctr"/>
-            <a:endParaRPr kumimoji="1" lang="ja-JP" altLang="en-US"/>
-          </a:p>
-        </p:txBody>
-      </p:sp>
-      <p:sp>
-        <p:nvSpPr>
-          <p:cNvPr id="26" name="テキスト ボックス 25"/>
-          <p:cNvSpPr txBox="1"/>
-          <p:nvPr/>
-        </p:nvSpPr>
-        <p:spPr>
-          <a:xfrm>
-            <a:off x="6862336" y="2913846"/>
-            <a:ext cx="1769257" cy="369332"/>
-          </a:xfrm>
-          <a:prstGeom prst="rect">
-            <a:avLst/>
-          </a:prstGeom>
-          <a:noFill/>
-        </p:spPr>
-        <p:txBody>
-          <a:bodyPr wrap="square" rtlCol="0">
-            <a:spAutoFit/>
-          </a:bodyPr>
-          <a:lstStyle/>
-          <a:p>
-            <a:r>
-              <a:rPr lang="en-US" altLang="ja-JP" dirty="0" smtClean="0"/>
-              <a:t>(f)</a:t>
-            </a:r>
-            <a:r>
-              <a:rPr lang="ja-JP" altLang="en-US" dirty="0"/>
-              <a:t>クリプトン</a:t>
-            </a:r>
-            <a:r>
-              <a:rPr lang="ja-JP" altLang="en-US" dirty="0" smtClean="0"/>
-              <a:t>ガス</a:t>
-            </a:r>
-            <a:endParaRPr kumimoji="1" lang="en-US" altLang="ja-JP" dirty="0" smtClean="0"/>
-          </a:p>
-        </p:txBody>
-      </p:sp>
-      <p:cxnSp>
-        <p:nvCxnSpPr>
-          <p:cNvPr id="28" name="直線コネクタ 27"/>
-          <p:cNvCxnSpPr>
-            <a:stCxn id="20" idx="3"/>
-            <a:endCxn id="24" idx="1"/>
-          </p:cNvCxnSpPr>
-          <p:nvPr/>
-        </p:nvCxnSpPr>
-        <p:spPr>
-          <a:xfrm flipV="1">
-            <a:off x="4499482" y="3812680"/>
-            <a:ext cx="800549" cy="1474"/>
-          </a:xfrm>
-          <a:prstGeom prst="line">
-            <a:avLst/>
-          </a:prstGeom>
-        </p:spPr>
-        <p:style>
-          <a:lnRef idx="1">
-            <a:schemeClr val="dk1"/>
-          </a:lnRef>
-          <a:fillRef idx="0">
-            <a:schemeClr val="dk1"/>
-          </a:fillRef>
-          <a:effectRef idx="0">
-            <a:schemeClr val="dk1"/>
-          </a:effectRef>
-          <a:fontRef idx="minor">
-            <a:schemeClr val="tx1"/>
-          </a:fontRef>
-        </p:style>
-      </p:cxnSp>
-      <p:cxnSp>
-        <p:nvCxnSpPr>
-          <p:cNvPr id="38" name="直線コネクタ 37"/>
-          <p:cNvCxnSpPr>
-            <a:stCxn id="24" idx="3"/>
-            <a:endCxn id="74" idx="1"/>
-          </p:cNvCxnSpPr>
-          <p:nvPr/>
-        </p:nvCxnSpPr>
-        <p:spPr>
-          <a:xfrm>
-            <a:off x="5394731" y="3812680"/>
-            <a:ext cx="967527" cy="0"/>
-          </a:xfrm>
-          <a:prstGeom prst="line">
-            <a:avLst/>
-          </a:prstGeom>
-        </p:spPr>
-        <p:style>
-          <a:lnRef idx="1">
-            <a:schemeClr val="dk1"/>
-          </a:lnRef>
-          <a:fillRef idx="0">
-            <a:schemeClr val="dk1"/>
-          </a:fillRef>
-          <a:effectRef idx="0">
-            <a:schemeClr val="dk1"/>
-          </a:effectRef>
-          <a:fontRef idx="minor">
-            <a:schemeClr val="tx1"/>
-          </a:fontRef>
-        </p:style>
-      </p:cxnSp>
-      <p:sp>
-        <p:nvSpPr>
-          <p:cNvPr id="40" name="テキスト ボックス 39"/>
-          <p:cNvSpPr txBox="1"/>
-          <p:nvPr/>
-        </p:nvSpPr>
-        <p:spPr>
-          <a:xfrm>
-            <a:off x="5746384" y="2353989"/>
-            <a:ext cx="1454516" cy="369332"/>
-          </a:xfrm>
-          <a:prstGeom prst="rect">
-            <a:avLst/>
-          </a:prstGeom>
-          <a:noFill/>
-        </p:spPr>
-        <p:txBody>
-          <a:bodyPr wrap="square" rtlCol="0">
-            <a:spAutoFit/>
-          </a:bodyPr>
-          <a:lstStyle/>
-          <a:p>
-            <a:r>
-              <a:rPr lang="en-US" altLang="ja-JP" dirty="0" smtClean="0"/>
-              <a:t>(e)</a:t>
-            </a:r>
-            <a:r>
-              <a:rPr kumimoji="1" lang="ja-JP" altLang="en-US" dirty="0" smtClean="0"/>
-              <a:t>カルサイト</a:t>
-            </a:r>
-            <a:endParaRPr kumimoji="1" lang="en-US" altLang="ja-JP" dirty="0" smtClean="0"/>
-          </a:p>
-        </p:txBody>
-      </p:sp>
-      <p:cxnSp>
-        <p:nvCxnSpPr>
-          <p:cNvPr id="45" name="直線コネクタ 44"/>
-          <p:cNvCxnSpPr/>
-          <p:nvPr/>
-        </p:nvCxnSpPr>
-        <p:spPr>
-          <a:xfrm flipV="1">
-            <a:off x="7483371" y="3805583"/>
-            <a:ext cx="2432667" cy="18181"/>
-          </a:xfrm>
-          <a:prstGeom prst="line">
-            <a:avLst/>
-          </a:prstGeom>
-          <a:ln w="9525"/>
-        </p:spPr>
-        <p:style>
-          <a:lnRef idx="1">
-            <a:schemeClr val="dk1"/>
-          </a:lnRef>
-          <a:fillRef idx="0">
-            <a:schemeClr val="dk1"/>
-          </a:fillRef>
-          <a:effectRef idx="0">
-            <a:schemeClr val="dk1"/>
-          </a:effectRef>
-          <a:fontRef idx="minor">
-            <a:schemeClr val="tx1"/>
-          </a:fontRef>
-        </p:style>
-      </p:cxnSp>
-      <p:sp>
-        <p:nvSpPr>
-          <p:cNvPr id="93" name="左中かっこ 92"/>
-          <p:cNvSpPr/>
-          <p:nvPr/>
-        </p:nvSpPr>
-        <p:spPr>
-          <a:xfrm rot="5400000">
-            <a:off x="4051238" y="-1872021"/>
-            <a:ext cx="409303" cy="8095134"/>
-          </a:xfrm>
-          <a:prstGeom prst="leftBrace">
-            <a:avLst/>
-          </a:prstGeom>
-        </p:spPr>
-        <p:style>
-          <a:lnRef idx="1">
-            <a:schemeClr val="dk1"/>
-          </a:lnRef>
-          <a:fillRef idx="0">
-            <a:schemeClr val="dk1"/>
-          </a:fillRef>
-          <a:effectRef idx="0">
-            <a:schemeClr val="dk1"/>
-          </a:effectRef>
-          <a:fontRef idx="minor">
-            <a:schemeClr val="tx1"/>
-          </a:fontRef>
-        </p:style>
-        <p:txBody>
-          <a:bodyPr rtlCol="0" anchor="ctr"/>
-          <a:lstStyle/>
-          <a:p>
-            <a:pPr algn="ctr"/>
-            <a:endParaRPr kumimoji="1" lang="ja-JP" altLang="en-US"/>
-          </a:p>
-        </p:txBody>
-      </p:sp>
-      <p:sp>
-        <p:nvSpPr>
-          <p:cNvPr id="94" name="テキスト ボックス 93"/>
-          <p:cNvSpPr txBox="1"/>
-          <p:nvPr/>
-        </p:nvSpPr>
-        <p:spPr>
-          <a:xfrm>
-            <a:off x="3014676" y="1606947"/>
-            <a:ext cx="2482427" cy="369332"/>
-          </a:xfrm>
-          <a:prstGeom prst="rect">
-            <a:avLst/>
-          </a:prstGeom>
-          <a:noFill/>
-        </p:spPr>
-        <p:txBody>
-          <a:bodyPr wrap="square" rtlCol="0">
-            <a:spAutoFit/>
-          </a:bodyPr>
-          <a:lstStyle/>
-          <a:p>
-            <a:r>
-              <a:rPr lang="ja-JP" altLang="en-US" dirty="0"/>
-              <a:t>高次</a:t>
-            </a:r>
-            <a:r>
-              <a:rPr lang="ja-JP" altLang="en-US" dirty="0" smtClean="0"/>
-              <a:t>高調波の発生機構</a:t>
-            </a:r>
-            <a:endParaRPr kumimoji="1" lang="en-US" altLang="ja-JP" dirty="0" smtClean="0"/>
-          </a:p>
-        </p:txBody>
-      </p:sp>
-      <p:sp>
-        <p:nvSpPr>
-          <p:cNvPr id="95" name="テキスト ボックス 94"/>
-          <p:cNvSpPr txBox="1"/>
-          <p:nvPr/>
-        </p:nvSpPr>
-        <p:spPr>
-          <a:xfrm>
-            <a:off x="9059274" y="1575168"/>
-            <a:ext cx="1988869" cy="369332"/>
-          </a:xfrm>
-          <a:prstGeom prst="rect">
-            <a:avLst/>
-          </a:prstGeom>
-          <a:noFill/>
-        </p:spPr>
-        <p:txBody>
-          <a:bodyPr wrap="square" rtlCol="0">
-            <a:spAutoFit/>
-          </a:bodyPr>
-          <a:lstStyle/>
-          <a:p>
-            <a:r>
-              <a:rPr kumimoji="1" lang="en-US" altLang="ja-JP" dirty="0" smtClean="0"/>
-              <a:t>(g)VMI</a:t>
-            </a:r>
-            <a:r>
-              <a:rPr kumimoji="1" lang="ja-JP" altLang="en-US" dirty="0" smtClean="0"/>
-              <a:t>による測定</a:t>
-            </a:r>
-            <a:endParaRPr kumimoji="1" lang="en-US" altLang="ja-JP" dirty="0" smtClean="0"/>
-          </a:p>
-        </p:txBody>
-      </p:sp>
-      <p:cxnSp>
-        <p:nvCxnSpPr>
-          <p:cNvPr id="3" name="直線矢印コネクタ 2"/>
-          <p:cNvCxnSpPr>
-            <a:stCxn id="5" idx="6"/>
-          </p:cNvCxnSpPr>
-          <p:nvPr/>
-        </p:nvCxnSpPr>
-        <p:spPr>
-          <a:xfrm>
-            <a:off x="692610" y="5656551"/>
-            <a:ext cx="674229" cy="0"/>
-          </a:xfrm>
-          <a:prstGeom prst="straightConnector1">
-            <a:avLst/>
-          </a:prstGeom>
-          <a:ln>
-            <a:tailEnd type="triangle"/>
-          </a:ln>
-        </p:spPr>
-        <p:style>
-          <a:lnRef idx="1">
-            <a:schemeClr val="dk1"/>
-          </a:lnRef>
-          <a:fillRef idx="0">
-            <a:schemeClr val="dk1"/>
-          </a:fillRef>
-          <a:effectRef idx="0">
-            <a:schemeClr val="dk1"/>
-          </a:effectRef>
-          <a:fontRef idx="minor">
-            <a:schemeClr val="tx1"/>
-          </a:fontRef>
-        </p:style>
-      </p:cxnSp>
-      <p:cxnSp>
-        <p:nvCxnSpPr>
-          <p:cNvPr id="36" name="直線矢印コネクタ 35"/>
-          <p:cNvCxnSpPr>
-            <a:stCxn id="5" idx="0"/>
-          </p:cNvCxnSpPr>
-          <p:nvPr/>
-        </p:nvCxnSpPr>
-        <p:spPr>
-          <a:xfrm flipV="1">
-            <a:off x="595588" y="4875591"/>
-            <a:ext cx="0" cy="683938"/>
-          </a:xfrm>
-          <a:prstGeom prst="straightConnector1">
-            <a:avLst/>
-          </a:prstGeom>
-          <a:ln>
-            <a:tailEnd type="triangle"/>
-          </a:ln>
-        </p:spPr>
-        <p:style>
-          <a:lnRef idx="1">
-            <a:schemeClr val="dk1"/>
-          </a:lnRef>
-          <a:fillRef idx="0">
-            <a:schemeClr val="dk1"/>
-          </a:fillRef>
-          <a:effectRef idx="0">
-            <a:schemeClr val="dk1"/>
-          </a:effectRef>
-          <a:fontRef idx="minor">
-            <a:schemeClr val="tx1"/>
-          </a:fontRef>
-        </p:style>
-      </p:cxnSp>
-      <p:sp>
-        <p:nvSpPr>
-          <p:cNvPr id="5" name="円/楕円 4"/>
-          <p:cNvSpPr/>
-          <p:nvPr/>
-        </p:nvSpPr>
-        <p:spPr>
-          <a:xfrm>
-            <a:off x="498566" y="5559529"/>
-            <a:ext cx="194044" cy="194044"/>
-          </a:xfrm>
-          <a:prstGeom prst="ellipse">
-            <a:avLst/>
-          </a:prstGeom>
-          <a:solidFill>
-            <a:schemeClr val="bg1"/>
-          </a:solidFill>
-        </p:spPr>
-        <p:style>
-          <a:lnRef idx="2">
-            <a:schemeClr val="dk1">
-              <a:shade val="50000"/>
-            </a:schemeClr>
-          </a:lnRef>
-          <a:fillRef idx="1">
-            <a:schemeClr val="dk1"/>
-          </a:fillRef>
-          <a:effectRef idx="0">
-            <a:schemeClr val="dk1"/>
-          </a:effectRef>
-          <a:fontRef idx="minor">
-            <a:schemeClr val="lt1"/>
-          </a:fontRef>
-        </p:style>
-        <p:txBody>
-          <a:bodyPr rtlCol="0" anchor="ctr"/>
-          <a:lstStyle/>
-          <a:p>
-            <a:pPr algn="ctr"/>
-            <a:endParaRPr kumimoji="1" lang="ja-JP" altLang="en-US"/>
-          </a:p>
-        </p:txBody>
-      </p:sp>
-      <p:sp>
-        <p:nvSpPr>
-          <p:cNvPr id="16" name="円/楕円 15"/>
-          <p:cNvSpPr/>
-          <p:nvPr/>
-        </p:nvSpPr>
-        <p:spPr>
-          <a:xfrm>
-            <a:off x="547077" y="5608040"/>
-            <a:ext cx="97022" cy="97022"/>
-          </a:xfrm>
-          <a:prstGeom prst="ellipse">
-            <a:avLst/>
-          </a:prstGeom>
-        </p:spPr>
-        <p:style>
-          <a:lnRef idx="2">
-            <a:schemeClr val="dk1">
-              <a:shade val="50000"/>
-            </a:schemeClr>
-          </a:lnRef>
-          <a:fillRef idx="1">
-            <a:schemeClr val="dk1"/>
-          </a:fillRef>
-          <a:effectRef idx="0">
-            <a:schemeClr val="dk1"/>
-          </a:effectRef>
-          <a:fontRef idx="minor">
-            <a:schemeClr val="lt1"/>
-          </a:fontRef>
-        </p:style>
-        <p:txBody>
-          <a:bodyPr rtlCol="0" anchor="ctr"/>
-          <a:lstStyle/>
-          <a:p>
-            <a:pPr algn="ctr"/>
-            <a:endParaRPr kumimoji="1" lang="ja-JP" altLang="en-US"/>
-          </a:p>
-        </p:txBody>
-      </p:sp>
-      <mc:AlternateContent xmlns:mc="http://schemas.openxmlformats.org/markup-compatibility/2006" xmlns:a14="http://schemas.microsoft.com/office/drawing/2010/main">
-        <mc:Choice Requires="a14">
-          <p:sp>
-            <p:nvSpPr>
-              <p:cNvPr id="21" name="テキスト ボックス 20"/>
-              <p:cNvSpPr txBox="1"/>
-              <p:nvPr/>
-            </p:nvSpPr>
-            <p:spPr>
-              <a:xfrm>
-                <a:off x="1407074" y="5442850"/>
-                <a:ext cx="353750" cy="369332"/>
-              </a:xfrm>
-              <a:prstGeom prst="rect">
-                <a:avLst/>
-              </a:prstGeom>
-              <a:noFill/>
-            </p:spPr>
-            <p:txBody>
-              <a:bodyPr wrap="none" rtlCol="0">
-                <a:spAutoFit/>
-              </a:bodyPr>
-              <a:lstStyle/>
-              <a:p>
-                <a:pPr/>
-                <a14:m>
-                  <m:oMathPara xmlns:m="http://schemas.openxmlformats.org/officeDocument/2006/math">
-                    <m:oMathParaPr>
-                      <m:jc m:val="centerGroup"/>
-                    </m:oMathParaPr>
-                    <m:oMath xmlns:m="http://schemas.openxmlformats.org/officeDocument/2006/math">
-                      <m:r>
-                        <a:rPr kumimoji="1" lang="en-US" altLang="ja-JP" b="0" i="1" smtClean="0">
-                          <a:latin typeface="Cambria Math" panose="02040503050406030204" pitchFamily="18" charset="0"/>
-                        </a:rPr>
-                        <m:t>𝑧</m:t>
-                      </m:r>
-                    </m:oMath>
-                  </m:oMathPara>
-                </a14:m>
-                <a:endParaRPr kumimoji="1" lang="ja-JP" altLang="en-US" dirty="0"/>
-              </a:p>
-            </p:txBody>
-          </p:sp>
-        </mc:Choice>
-        <mc:Fallback xmlns="">
-          <p:sp>
-            <p:nvSpPr>
-              <p:cNvPr id="21" name="テキスト ボックス 20"/>
-              <p:cNvSpPr txBox="1">
-                <a:spLocks noRot="1" noChangeAspect="1" noMove="1" noResize="1" noEditPoints="1" noAdjustHandles="1" noChangeArrowheads="1" noChangeShapeType="1" noTextEdit="1"/>
-              </p:cNvSpPr>
-              <p:nvPr/>
-            </p:nvSpPr>
-            <p:spPr>
-              <a:xfrm>
-                <a:off x="1407074" y="5442850"/>
-                <a:ext cx="353750" cy="369332"/>
-              </a:xfrm>
-              <a:prstGeom prst="rect">
-                <a:avLst/>
-              </a:prstGeom>
-              <a:blipFill rotWithShape="0">
-                <a:blip r:embed="rId2"/>
-                <a:stretch>
-                  <a:fillRect/>
-                </a:stretch>
-              </a:blipFill>
-            </p:spPr>
-            <p:txBody>
-              <a:bodyPr/>
-              <a:lstStyle/>
-              <a:p>
-                <a:r>
-                  <a:rPr lang="ja-JP" altLang="en-US">
-                    <a:noFill/>
-                  </a:rPr>
-                  <a:t> </a:t>
-                </a:r>
-              </a:p>
-            </p:txBody>
-          </p:sp>
-        </mc:Fallback>
-      </mc:AlternateContent>
-      <mc:AlternateContent xmlns:mc="http://schemas.openxmlformats.org/markup-compatibility/2006" xmlns:a14="http://schemas.microsoft.com/office/drawing/2010/main">
-        <mc:Choice Requires="a14">
-          <p:sp>
-            <p:nvSpPr>
-              <p:cNvPr id="46" name="テキスト ボックス 45"/>
-              <p:cNvSpPr txBox="1"/>
-              <p:nvPr/>
-            </p:nvSpPr>
-            <p:spPr>
-              <a:xfrm>
-                <a:off x="418713" y="4489762"/>
-                <a:ext cx="367986" cy="369332"/>
-              </a:xfrm>
-              <a:prstGeom prst="rect">
-                <a:avLst/>
-              </a:prstGeom>
-              <a:noFill/>
-            </p:spPr>
-            <p:txBody>
-              <a:bodyPr wrap="none" rtlCol="0">
-                <a:spAutoFit/>
-              </a:bodyPr>
-              <a:lstStyle/>
-              <a:p>
-                <a:pPr/>
-                <a14:m>
-                  <m:oMathPara xmlns:m="http://schemas.openxmlformats.org/officeDocument/2006/math">
-                    <m:oMathParaPr>
-                      <m:jc m:val="centerGroup"/>
-                    </m:oMathParaPr>
-                    <m:oMath xmlns:m="http://schemas.openxmlformats.org/officeDocument/2006/math">
-                      <m:r>
-                        <a:rPr kumimoji="1" lang="en-US" altLang="ja-JP" b="0" i="1" smtClean="0">
-                          <a:latin typeface="Cambria Math" panose="02040503050406030204" pitchFamily="18" charset="0"/>
-                        </a:rPr>
-                        <m:t>𝑥</m:t>
-                      </m:r>
-                    </m:oMath>
-                  </m:oMathPara>
-                </a14:m>
-                <a:endParaRPr kumimoji="1" lang="ja-JP" altLang="en-US" dirty="0"/>
-              </a:p>
-            </p:txBody>
-          </p:sp>
-        </mc:Choice>
-        <mc:Fallback xmlns="">
-          <p:sp>
-            <p:nvSpPr>
-              <p:cNvPr id="46" name="テキスト ボックス 45"/>
-              <p:cNvSpPr txBox="1">
-                <a:spLocks noRot="1" noChangeAspect="1" noMove="1" noResize="1" noEditPoints="1" noAdjustHandles="1" noChangeArrowheads="1" noChangeShapeType="1" noTextEdit="1"/>
-              </p:cNvSpPr>
-              <p:nvPr/>
-            </p:nvSpPr>
-            <p:spPr>
-              <a:xfrm>
-                <a:off x="418713" y="4489762"/>
-                <a:ext cx="367986" cy="369332"/>
-              </a:xfrm>
-              <a:prstGeom prst="rect">
-                <a:avLst/>
-              </a:prstGeom>
-              <a:blipFill rotWithShape="0">
-                <a:blip r:embed="rId3"/>
-                <a:stretch>
-                  <a:fillRect/>
-                </a:stretch>
-              </a:blipFill>
-            </p:spPr>
-            <p:txBody>
-              <a:bodyPr/>
-              <a:lstStyle/>
-              <a:p>
-                <a:r>
-                  <a:rPr lang="ja-JP" altLang="en-US">
-                    <a:noFill/>
-                  </a:rPr>
-                  <a:t> </a:t>
-                </a:r>
-              </a:p>
-            </p:txBody>
-          </p:sp>
-        </mc:Fallback>
-      </mc:AlternateContent>
-      <mc:AlternateContent xmlns:mc="http://schemas.openxmlformats.org/markup-compatibility/2006" xmlns:a14="http://schemas.microsoft.com/office/drawing/2010/main">
-        <mc:Choice Requires="a14">
-          <p:sp>
-            <p:nvSpPr>
-              <p:cNvPr id="48" name="テキスト ボックス 47"/>
-              <p:cNvSpPr txBox="1"/>
-              <p:nvPr/>
-            </p:nvSpPr>
-            <p:spPr>
-              <a:xfrm>
-                <a:off x="255948" y="5656551"/>
-                <a:ext cx="371384" cy="369332"/>
-              </a:xfrm>
-              <a:prstGeom prst="rect">
-                <a:avLst/>
-              </a:prstGeom>
-              <a:noFill/>
-            </p:spPr>
-            <p:txBody>
-              <a:bodyPr wrap="none" rtlCol="0">
-                <a:spAutoFit/>
-              </a:bodyPr>
-              <a:lstStyle/>
-              <a:p>
-                <a:pPr/>
-                <a14:m>
-                  <m:oMathPara xmlns:m="http://schemas.openxmlformats.org/officeDocument/2006/math">
-                    <m:oMathParaPr>
-                      <m:jc m:val="centerGroup"/>
-                    </m:oMathParaPr>
-                    <m:oMath xmlns:m="http://schemas.openxmlformats.org/officeDocument/2006/math">
-                      <m:r>
-                        <a:rPr kumimoji="1" lang="en-US" altLang="ja-JP" b="0" i="1" smtClean="0">
-                          <a:latin typeface="Cambria Math" panose="02040503050406030204" pitchFamily="18" charset="0"/>
-                        </a:rPr>
-                        <m:t>𝑦</m:t>
-                      </m:r>
-                    </m:oMath>
-                  </m:oMathPara>
-                </a14:m>
-                <a:endParaRPr kumimoji="1" lang="ja-JP" altLang="en-US" dirty="0"/>
-              </a:p>
-            </p:txBody>
-          </p:sp>
-        </mc:Choice>
-        <mc:Fallback xmlns="">
-          <p:sp>
-            <p:nvSpPr>
-              <p:cNvPr id="48" name="テキスト ボックス 47"/>
-              <p:cNvSpPr txBox="1">
-                <a:spLocks noRot="1" noChangeAspect="1" noMove="1" noResize="1" noEditPoints="1" noAdjustHandles="1" noChangeArrowheads="1" noChangeShapeType="1" noTextEdit="1"/>
-              </p:cNvSpPr>
-              <p:nvPr/>
-            </p:nvSpPr>
-            <p:spPr>
-              <a:xfrm>
-                <a:off x="255948" y="5656551"/>
-                <a:ext cx="371384" cy="369332"/>
-              </a:xfrm>
-              <a:prstGeom prst="rect">
-                <a:avLst/>
-              </a:prstGeom>
-              <a:blipFill rotWithShape="0">
-                <a:blip r:embed="rId4"/>
-                <a:stretch>
-                  <a:fillRect b="-6667"/>
-                </a:stretch>
-              </a:blipFill>
-            </p:spPr>
-            <p:txBody>
-              <a:bodyPr/>
-              <a:lstStyle/>
-              <a:p>
-                <a:r>
-                  <a:rPr lang="ja-JP" altLang="en-US">
-                    <a:noFill/>
-                  </a:rPr>
-                  <a:t> </a:t>
-                </a:r>
-              </a:p>
-            </p:txBody>
-          </p:sp>
-        </mc:Fallback>
-      </mc:AlternateContent>
-      <p:sp>
-        <p:nvSpPr>
-          <p:cNvPr id="44" name="台形 43"/>
-          <p:cNvSpPr/>
-          <p:nvPr/>
-        </p:nvSpPr>
-        <p:spPr>
-          <a:xfrm>
-            <a:off x="7254037" y="4193597"/>
-            <a:ext cx="145258" cy="464608"/>
-          </a:xfrm>
-          <a:prstGeom prst="trapezoid">
-            <a:avLst/>
-          </a:prstGeom>
-          <a:noFill/>
-          <a:ln>
-            <a:solidFill>
-              <a:schemeClr val="tx1"/>
-            </a:solidFill>
-          </a:ln>
-        </p:spPr>
-        <p:style>
-          <a:lnRef idx="2">
-            <a:schemeClr val="accent1">
-              <a:shade val="50000"/>
-            </a:schemeClr>
-          </a:lnRef>
-          <a:fillRef idx="1">
-            <a:schemeClr val="accent1"/>
-          </a:fillRef>
-          <a:effectRef idx="0">
-            <a:schemeClr val="accent1"/>
-          </a:effectRef>
-          <a:fontRef idx="minor">
-            <a:schemeClr val="lt1"/>
-          </a:fontRef>
-        </p:style>
-        <p:txBody>
-          <a:bodyPr rtlCol="0" anchor="ctr"/>
-          <a:lstStyle/>
-          <a:p>
-            <a:pPr algn="ctr"/>
-            <a:endParaRPr kumimoji="1" lang="ja-JP" altLang="en-US"/>
-          </a:p>
-        </p:txBody>
-      </p:sp>
-      <p:sp>
-        <p:nvSpPr>
-          <p:cNvPr id="47" name="雲形吹き出し 46"/>
-          <p:cNvSpPr/>
-          <p:nvPr/>
-        </p:nvSpPr>
-        <p:spPr>
-          <a:xfrm rot="21370121">
-            <a:off x="7224818" y="3522409"/>
-            <a:ext cx="239363" cy="602706"/>
-          </a:xfrm>
-          <a:prstGeom prst="cloudCallout">
-            <a:avLst/>
-          </a:prstGeom>
-          <a:solidFill>
-            <a:srgbClr val="FFFF00"/>
-          </a:solidFill>
-          <a:ln>
-            <a:solidFill>
-              <a:schemeClr val="tx1"/>
-            </a:solidFill>
-          </a:ln>
-        </p:spPr>
-        <p:style>
-          <a:lnRef idx="2">
-            <a:schemeClr val="accent1">
-              <a:shade val="50000"/>
-            </a:schemeClr>
-          </a:lnRef>
-          <a:fillRef idx="1">
-            <a:schemeClr val="accent1"/>
-          </a:fillRef>
-          <a:effectRef idx="0">
-            <a:schemeClr val="accent1"/>
-          </a:effectRef>
-          <a:fontRef idx="minor">
-            <a:schemeClr val="lt1"/>
-          </a:fontRef>
-        </p:style>
-        <p:txBody>
-          <a:bodyPr rtlCol="0" anchor="ctr"/>
-          <a:lstStyle/>
-          <a:p>
-            <a:pPr algn="ctr"/>
-            <a:endParaRPr kumimoji="1" lang="ja-JP" altLang="en-US"/>
-          </a:p>
-        </p:txBody>
-      </p:sp>
-      <p:sp>
-        <p:nvSpPr>
-          <p:cNvPr id="10" name="テキスト ボックス 9"/>
-          <p:cNvSpPr txBox="1"/>
-          <p:nvPr/>
-        </p:nvSpPr>
-        <p:spPr>
-          <a:xfrm>
-            <a:off x="7836130" y="3906688"/>
-            <a:ext cx="1391728" cy="369332"/>
-          </a:xfrm>
-          <a:prstGeom prst="rect">
-            <a:avLst/>
-          </a:prstGeom>
-          <a:noFill/>
-        </p:spPr>
-        <p:txBody>
-          <a:bodyPr wrap="none" rtlCol="0">
-            <a:spAutoFit/>
-          </a:bodyPr>
-          <a:lstStyle/>
-          <a:p>
-            <a:r>
-              <a:rPr kumimoji="1" lang="en-US" altLang="ja-JP" dirty="0" smtClean="0"/>
-              <a:t>800nm+HHG</a:t>
-            </a:r>
-            <a:endParaRPr kumimoji="1" lang="ja-JP" altLang="en-US" dirty="0"/>
-          </a:p>
-        </p:txBody>
-      </p:sp>
-      <p:cxnSp>
-        <p:nvCxnSpPr>
-          <p:cNvPr id="61" name="直線コネクタ 60"/>
-          <p:cNvCxnSpPr>
-            <a:stCxn id="12" idx="2"/>
-            <a:endCxn id="11" idx="0"/>
-          </p:cNvCxnSpPr>
-          <p:nvPr/>
-        </p:nvCxnSpPr>
-        <p:spPr>
-          <a:xfrm flipH="1">
-            <a:off x="2373280" y="2930761"/>
-            <a:ext cx="120150" cy="604719"/>
-          </a:xfrm>
-          <a:prstGeom prst="line">
-            <a:avLst/>
-          </a:prstGeom>
-        </p:spPr>
-        <p:style>
-          <a:lnRef idx="1">
-            <a:schemeClr val="dk1"/>
-          </a:lnRef>
-          <a:fillRef idx="0">
-            <a:schemeClr val="dk1"/>
-          </a:fillRef>
-          <a:effectRef idx="0">
-            <a:schemeClr val="dk1"/>
-          </a:effectRef>
-          <a:fontRef idx="minor">
-            <a:schemeClr val="tx1"/>
-          </a:fontRef>
-        </p:style>
-      </p:cxnSp>
-      <p:cxnSp>
-        <p:nvCxnSpPr>
-          <p:cNvPr id="63" name="直線コネクタ 62"/>
-          <p:cNvCxnSpPr>
-            <a:stCxn id="14" idx="2"/>
-            <a:endCxn id="13" idx="0"/>
-          </p:cNvCxnSpPr>
-          <p:nvPr/>
-        </p:nvCxnSpPr>
-        <p:spPr>
-          <a:xfrm flipH="1">
-            <a:off x="3414651" y="3427736"/>
-            <a:ext cx="150018" cy="386418"/>
-          </a:xfrm>
-          <a:prstGeom prst="line">
-            <a:avLst/>
-          </a:prstGeom>
-        </p:spPr>
-        <p:style>
-          <a:lnRef idx="1">
-            <a:schemeClr val="dk1"/>
-          </a:lnRef>
-          <a:fillRef idx="0">
-            <a:schemeClr val="dk1"/>
-          </a:fillRef>
-          <a:effectRef idx="0">
-            <a:schemeClr val="dk1"/>
-          </a:effectRef>
-          <a:fontRef idx="minor">
-            <a:schemeClr val="tx1"/>
-          </a:fontRef>
-        </p:style>
-      </p:cxnSp>
-      <p:cxnSp>
-        <p:nvCxnSpPr>
-          <p:cNvPr id="65" name="直線コネクタ 64"/>
-          <p:cNvCxnSpPr>
-            <a:stCxn id="23" idx="2"/>
-            <a:endCxn id="20" idx="0"/>
-          </p:cNvCxnSpPr>
-          <p:nvPr/>
-        </p:nvCxnSpPr>
-        <p:spPr>
-          <a:xfrm flipH="1">
-            <a:off x="4452132" y="2941411"/>
-            <a:ext cx="25831" cy="594069"/>
-          </a:xfrm>
-          <a:prstGeom prst="line">
-            <a:avLst/>
-          </a:prstGeom>
-        </p:spPr>
-        <p:style>
-          <a:lnRef idx="1">
-            <a:schemeClr val="dk1"/>
-          </a:lnRef>
-          <a:fillRef idx="0">
-            <a:schemeClr val="dk1"/>
-          </a:fillRef>
-          <a:effectRef idx="0">
-            <a:schemeClr val="dk1"/>
-          </a:effectRef>
-          <a:fontRef idx="minor">
-            <a:schemeClr val="tx1"/>
-          </a:fontRef>
-        </p:style>
-      </p:cxnSp>
-      <p:cxnSp>
-        <p:nvCxnSpPr>
-          <p:cNvPr id="72" name="直線コネクタ 71"/>
-          <p:cNvCxnSpPr>
-            <a:stCxn id="40" idx="2"/>
-            <a:endCxn id="74" idx="0"/>
-          </p:cNvCxnSpPr>
-          <p:nvPr/>
-        </p:nvCxnSpPr>
-        <p:spPr>
-          <a:xfrm flipH="1">
-            <a:off x="6409608" y="2723321"/>
-            <a:ext cx="64034" cy="810685"/>
-          </a:xfrm>
-          <a:prstGeom prst="line">
-            <a:avLst/>
-          </a:prstGeom>
-        </p:spPr>
-        <p:style>
-          <a:lnRef idx="1">
-            <a:schemeClr val="dk1"/>
-          </a:lnRef>
-          <a:fillRef idx="0">
-            <a:schemeClr val="dk1"/>
-          </a:fillRef>
-          <a:effectRef idx="0">
-            <a:schemeClr val="dk1"/>
-          </a:effectRef>
-          <a:fontRef idx="minor">
-            <a:schemeClr val="tx1"/>
-          </a:fontRef>
-        </p:style>
-      </p:cxnSp>
-      <p:sp>
-        <p:nvSpPr>
-          <p:cNvPr id="74" name="正方形/長方形 73"/>
-          <p:cNvSpPr/>
-          <p:nvPr/>
-        </p:nvSpPr>
-        <p:spPr>
-          <a:xfrm>
-            <a:off x="6362258" y="3534006"/>
-            <a:ext cx="94700" cy="557348"/>
-          </a:xfrm>
-          <a:prstGeom prst="rect">
-            <a:avLst/>
-          </a:prstGeom>
-          <a:noFill/>
-          <a:ln w="19050">
-            <a:solidFill>
-              <a:schemeClr val="tx1"/>
-            </a:solidFill>
-          </a:ln>
-        </p:spPr>
-        <p:style>
-          <a:lnRef idx="2">
-            <a:schemeClr val="accent1">
-              <a:shade val="50000"/>
-            </a:schemeClr>
-          </a:lnRef>
-          <a:fillRef idx="1">
-            <a:schemeClr val="accent1"/>
-          </a:fillRef>
-          <a:effectRef idx="0">
-            <a:schemeClr val="accent1"/>
-          </a:effectRef>
-          <a:fontRef idx="minor">
-            <a:schemeClr val="lt1"/>
-          </a:fontRef>
-        </p:style>
-        <p:txBody>
-          <a:bodyPr rtlCol="0" anchor="ctr"/>
-          <a:lstStyle/>
-          <a:p>
-            <a:pPr algn="ctr"/>
-            <a:endParaRPr kumimoji="1" lang="ja-JP" altLang="en-US"/>
-          </a:p>
-        </p:txBody>
-      </p:sp>
-      <p:sp>
-        <p:nvSpPr>
-          <p:cNvPr id="103" name="テキスト ボックス 102"/>
-          <p:cNvSpPr txBox="1"/>
-          <p:nvPr/>
-        </p:nvSpPr>
-        <p:spPr>
-          <a:xfrm>
-            <a:off x="4724654" y="3045924"/>
-            <a:ext cx="1529966" cy="369332"/>
-          </a:xfrm>
-          <a:prstGeom prst="rect">
-            <a:avLst/>
-          </a:prstGeom>
-          <a:noFill/>
-        </p:spPr>
-        <p:txBody>
-          <a:bodyPr wrap="square" rtlCol="0">
-            <a:spAutoFit/>
-          </a:bodyPr>
-          <a:lstStyle/>
-          <a:p>
-            <a:r>
-              <a:rPr lang="en-US" altLang="ja-JP" dirty="0" smtClean="0"/>
-              <a:t>(</a:t>
-            </a:r>
-            <a:r>
-              <a:rPr lang="en-US" altLang="ja-JP" dirty="0" smtClean="0"/>
-              <a:t>e)1/2</a:t>
-            </a:r>
-            <a:r>
-              <a:rPr lang="ja-JP" altLang="en-US" dirty="0" smtClean="0"/>
-              <a:t>波長板</a:t>
-            </a:r>
-            <a:endParaRPr kumimoji="1" lang="en-US" altLang="ja-JP" dirty="0" smtClean="0"/>
-          </a:p>
-        </p:txBody>
-      </p:sp>
-      <p:cxnSp>
-        <p:nvCxnSpPr>
-          <p:cNvPr id="118" name="直線コネクタ 117"/>
-          <p:cNvCxnSpPr>
-            <a:stCxn id="103" idx="2"/>
-            <a:endCxn id="24" idx="0"/>
-          </p:cNvCxnSpPr>
-          <p:nvPr/>
-        </p:nvCxnSpPr>
-        <p:spPr>
-          <a:xfrm flipH="1">
-            <a:off x="5347381" y="3415256"/>
-            <a:ext cx="142256" cy="118750"/>
-          </a:xfrm>
-          <a:prstGeom prst="line">
-            <a:avLst/>
-          </a:prstGeom>
-        </p:spPr>
-        <p:style>
-          <a:lnRef idx="1">
-            <a:schemeClr val="dk1"/>
-          </a:lnRef>
-          <a:fillRef idx="0">
-            <a:schemeClr val="dk1"/>
-          </a:fillRef>
-          <a:effectRef idx="0">
-            <a:schemeClr val="dk1"/>
-          </a:effectRef>
-          <a:fontRef idx="minor">
-            <a:schemeClr val="tx1"/>
-          </a:fontRef>
-        </p:style>
-      </p:cxnSp>
-      <p:cxnSp>
-        <p:nvCxnSpPr>
-          <p:cNvPr id="122" name="直線コネクタ 121"/>
-          <p:cNvCxnSpPr>
-            <a:stCxn id="74" idx="3"/>
-          </p:cNvCxnSpPr>
-          <p:nvPr/>
-        </p:nvCxnSpPr>
-        <p:spPr>
-          <a:xfrm>
-            <a:off x="6456958" y="3812680"/>
-            <a:ext cx="743942" cy="0"/>
-          </a:xfrm>
-          <a:prstGeom prst="line">
-            <a:avLst/>
-          </a:prstGeom>
-        </p:spPr>
-        <p:style>
-          <a:lnRef idx="1">
-            <a:schemeClr val="dk1"/>
-          </a:lnRef>
-          <a:fillRef idx="0">
-            <a:schemeClr val="dk1"/>
-          </a:fillRef>
-          <a:effectRef idx="0">
-            <a:schemeClr val="dk1"/>
-          </a:effectRef>
-          <a:fontRef idx="minor">
-            <a:schemeClr val="tx1"/>
-          </a:fontRef>
-        </p:style>
-      </p:cxnSp>
-      <p:cxnSp>
-        <p:nvCxnSpPr>
-          <p:cNvPr id="124" name="直線コネクタ 123"/>
-          <p:cNvCxnSpPr>
-            <a:stCxn id="26" idx="2"/>
-            <a:endCxn id="47" idx="3"/>
-          </p:cNvCxnSpPr>
-          <p:nvPr/>
-        </p:nvCxnSpPr>
-        <p:spPr>
-          <a:xfrm flipH="1">
-            <a:off x="7326666" y="3283178"/>
-            <a:ext cx="420299" cy="274287"/>
-          </a:xfrm>
-          <a:prstGeom prst="line">
-            <a:avLst/>
-          </a:prstGeom>
-        </p:spPr>
-        <p:style>
-          <a:lnRef idx="1">
-            <a:schemeClr val="dk1"/>
-          </a:lnRef>
-          <a:fillRef idx="0">
-            <a:schemeClr val="dk1"/>
-          </a:fillRef>
-          <a:effectRef idx="0">
-            <a:schemeClr val="dk1"/>
-          </a:effectRef>
-          <a:fontRef idx="minor">
-            <a:schemeClr val="tx1"/>
-          </a:fontRef>
-        </p:style>
-      </p:cxnSp>
       <p:grpSp>
         <p:nvGrpSpPr>
-          <p:cNvPr id="132" name="グループ化 131"/>
+          <p:cNvPr id="2" name="グループ化 1"/>
           <p:cNvGrpSpPr/>
           <p:nvPr/>
         </p:nvGrpSpPr>
         <p:grpSpPr>
           <a:xfrm>
-            <a:off x="9940612" y="3545090"/>
-            <a:ext cx="258523" cy="1318126"/>
-            <a:chOff x="8843752" y="2473889"/>
-            <a:chExt cx="258523" cy="1318126"/>
+            <a:off x="73392" y="757646"/>
+            <a:ext cx="11778973" cy="5268237"/>
+            <a:chOff x="73393" y="1575168"/>
+            <a:chExt cx="10974750" cy="4450715"/>
           </a:xfrm>
         </p:grpSpPr>
         <p:sp>
           <p:nvSpPr>
-            <p:cNvPr id="133" name="台形 132"/>
+            <p:cNvPr id="6" name="正方形/長方形 5"/>
             <p:cNvSpPr/>
             <p:nvPr/>
           </p:nvSpPr>
           <p:spPr>
             <a:xfrm>
-              <a:off x="8868635" y="3247306"/>
-              <a:ext cx="141591" cy="544709"/>
+              <a:off x="440056" y="3545090"/>
+              <a:ext cx="1114697" cy="557348"/>
+            </a:xfrm>
+            <a:prstGeom prst="rect">
+              <a:avLst/>
+            </a:prstGeom>
+            <a:noFill/>
+            <a:ln w="19050"/>
+          </p:spPr>
+          <p:style>
+            <a:lnRef idx="2">
+              <a:schemeClr val="dk1">
+                <a:shade val="50000"/>
+              </a:schemeClr>
+            </a:lnRef>
+            <a:fillRef idx="1">
+              <a:schemeClr val="dk1"/>
+            </a:fillRef>
+            <a:effectRef idx="0">
+              <a:schemeClr val="dk1"/>
+            </a:effectRef>
+            <a:fontRef idx="minor">
+              <a:schemeClr val="lt1"/>
+            </a:fontRef>
+          </p:style>
+          <p:txBody>
+            <a:bodyPr rtlCol="0" anchor="ctr"/>
+            <a:lstStyle/>
+            <a:p>
+              <a:pPr algn="ctr"/>
+              <a:endParaRPr kumimoji="1" lang="ja-JP" altLang="en-US"/>
+            </a:p>
+          </p:txBody>
+        </p:sp>
+        <p:sp>
+          <p:nvSpPr>
+            <p:cNvPr id="7" name="テキスト ボックス 6"/>
+            <p:cNvSpPr txBox="1"/>
+            <p:nvPr/>
+          </p:nvSpPr>
+          <p:spPr>
+            <a:xfrm>
+              <a:off x="73393" y="3000238"/>
+              <a:ext cx="2037289" cy="369332"/>
+            </a:xfrm>
+            <a:prstGeom prst="rect">
+              <a:avLst/>
+            </a:prstGeom>
+            <a:noFill/>
+          </p:spPr>
+          <p:txBody>
+            <a:bodyPr wrap="square" rtlCol="0">
+              <a:spAutoFit/>
+            </a:bodyPr>
+            <a:lstStyle/>
+            <a:p>
+              <a:r>
+                <a:rPr lang="en-US" altLang="ja-JP" dirty="0" smtClean="0"/>
+                <a:t>(a)800nm</a:t>
+              </a:r>
+              <a:r>
+                <a:rPr lang="ja-JP" altLang="en-US" dirty="0" smtClean="0"/>
+                <a:t>レーザー</a:t>
+              </a:r>
+              <a:endParaRPr kumimoji="1" lang="en-US" altLang="ja-JP" dirty="0" smtClean="0"/>
+            </a:p>
+          </p:txBody>
+        </p:sp>
+        <p:sp>
+          <p:nvSpPr>
+            <p:cNvPr id="11" name="正方形/長方形 10"/>
+            <p:cNvSpPr/>
+            <p:nvPr/>
+          </p:nvSpPr>
+          <p:spPr>
+            <a:xfrm>
+              <a:off x="2325930" y="3535480"/>
+              <a:ext cx="94700" cy="557348"/>
+            </a:xfrm>
+            <a:prstGeom prst="rect">
+              <a:avLst/>
+            </a:prstGeom>
+            <a:noFill/>
+            <a:ln w="19050">
+              <a:solidFill>
+                <a:schemeClr val="tx1"/>
+              </a:solidFill>
+            </a:ln>
+          </p:spPr>
+          <p:style>
+            <a:lnRef idx="2">
+              <a:schemeClr val="accent1">
+                <a:shade val="50000"/>
+              </a:schemeClr>
+            </a:lnRef>
+            <a:fillRef idx="1">
+              <a:schemeClr val="accent1"/>
+            </a:fillRef>
+            <a:effectRef idx="0">
+              <a:schemeClr val="accent1"/>
+            </a:effectRef>
+            <a:fontRef idx="minor">
+              <a:schemeClr val="lt1"/>
+            </a:fontRef>
+          </p:style>
+          <p:txBody>
+            <a:bodyPr rtlCol="0" anchor="ctr"/>
+            <a:lstStyle/>
+            <a:p>
+              <a:pPr algn="ctr"/>
+              <a:endParaRPr kumimoji="1" lang="ja-JP" altLang="en-US"/>
+            </a:p>
+          </p:txBody>
+        </p:sp>
+        <p:sp>
+          <p:nvSpPr>
+            <p:cNvPr id="12" name="テキスト ボックス 11"/>
+            <p:cNvSpPr txBox="1"/>
+            <p:nvPr/>
+          </p:nvSpPr>
+          <p:spPr>
+            <a:xfrm>
+              <a:off x="1765353" y="2561429"/>
+              <a:ext cx="1456153" cy="369332"/>
+            </a:xfrm>
+            <a:prstGeom prst="rect">
+              <a:avLst/>
+            </a:prstGeom>
+            <a:noFill/>
+          </p:spPr>
+          <p:txBody>
+            <a:bodyPr wrap="square" rtlCol="0">
+              <a:spAutoFit/>
+            </a:bodyPr>
+            <a:lstStyle/>
+            <a:p>
+              <a:r>
+                <a:rPr lang="en-US" altLang="ja-JP" dirty="0" smtClean="0"/>
+                <a:t>(b)</a:t>
+              </a:r>
+              <a:r>
+                <a:rPr kumimoji="1" lang="en-US" altLang="ja-JP" dirty="0" smtClean="0"/>
+                <a:t>1/2</a:t>
+              </a:r>
+              <a:r>
+                <a:rPr kumimoji="1" lang="ja-JP" altLang="en-US" dirty="0" smtClean="0"/>
+                <a:t>波長板</a:t>
+              </a:r>
+              <a:endParaRPr kumimoji="1" lang="en-US" altLang="ja-JP" dirty="0" smtClean="0"/>
+            </a:p>
+          </p:txBody>
+        </p:sp>
+        <p:sp>
+          <p:nvSpPr>
+            <p:cNvPr id="13" name="正方形/長方形 12"/>
+            <p:cNvSpPr/>
+            <p:nvPr/>
+          </p:nvSpPr>
+          <p:spPr>
+            <a:xfrm>
+              <a:off x="3367301" y="3814154"/>
+              <a:ext cx="94700" cy="277200"/>
+            </a:xfrm>
+            <a:prstGeom prst="rect">
+              <a:avLst/>
+            </a:prstGeom>
+            <a:noFill/>
+            <a:ln w="19050">
+              <a:solidFill>
+                <a:schemeClr val="tx1"/>
+              </a:solidFill>
+            </a:ln>
+          </p:spPr>
+          <p:style>
+            <a:lnRef idx="2">
+              <a:schemeClr val="accent1">
+                <a:shade val="50000"/>
+              </a:schemeClr>
+            </a:lnRef>
+            <a:fillRef idx="1">
+              <a:schemeClr val="accent1"/>
+            </a:fillRef>
+            <a:effectRef idx="0">
+              <a:schemeClr val="accent1"/>
+            </a:effectRef>
+            <a:fontRef idx="minor">
+              <a:schemeClr val="lt1"/>
+            </a:fontRef>
+          </p:style>
+          <p:txBody>
+            <a:bodyPr rtlCol="0" anchor="ctr"/>
+            <a:lstStyle/>
+            <a:p>
+              <a:pPr algn="ctr"/>
+              <a:endParaRPr kumimoji="1" lang="ja-JP" altLang="en-US"/>
+            </a:p>
+          </p:txBody>
+        </p:sp>
+        <p:sp>
+          <p:nvSpPr>
+            <p:cNvPr id="14" name="テキスト ボックス 13"/>
+            <p:cNvSpPr txBox="1"/>
+            <p:nvPr/>
+          </p:nvSpPr>
+          <p:spPr>
+            <a:xfrm>
+              <a:off x="2832194" y="3058404"/>
+              <a:ext cx="1464950" cy="369332"/>
+            </a:xfrm>
+            <a:prstGeom prst="rect">
+              <a:avLst/>
+            </a:prstGeom>
+            <a:noFill/>
+          </p:spPr>
+          <p:txBody>
+            <a:bodyPr wrap="square" rtlCol="0">
+              <a:spAutoFit/>
+            </a:bodyPr>
+            <a:lstStyle/>
+            <a:p>
+              <a:r>
+                <a:rPr lang="en-US" altLang="ja-JP" dirty="0" smtClean="0"/>
+                <a:t>(c)</a:t>
+              </a:r>
+              <a:r>
+                <a:rPr kumimoji="1" lang="en-US" altLang="ja-JP" dirty="0" smtClean="0"/>
+                <a:t>fused silica</a:t>
+              </a:r>
+            </a:p>
+          </p:txBody>
+        </p:sp>
+        <p:cxnSp>
+          <p:nvCxnSpPr>
+            <p:cNvPr id="17" name="直線コネクタ 16"/>
+            <p:cNvCxnSpPr>
+              <a:stCxn id="6" idx="3"/>
+              <a:endCxn id="11" idx="1"/>
+            </p:cNvCxnSpPr>
+            <p:nvPr/>
+          </p:nvCxnSpPr>
+          <p:spPr>
+            <a:xfrm flipV="1">
+              <a:off x="1554753" y="3814154"/>
+              <a:ext cx="771177" cy="9610"/>
+            </a:xfrm>
+            <a:prstGeom prst="line">
+              <a:avLst/>
+            </a:prstGeom>
+          </p:spPr>
+          <p:style>
+            <a:lnRef idx="1">
+              <a:schemeClr val="dk1"/>
+            </a:lnRef>
+            <a:fillRef idx="0">
+              <a:schemeClr val="dk1"/>
+            </a:fillRef>
+            <a:effectRef idx="0">
+              <a:schemeClr val="dk1"/>
+            </a:effectRef>
+            <a:fontRef idx="minor">
+              <a:schemeClr val="tx1"/>
+            </a:fontRef>
+          </p:style>
+        </p:cxnSp>
+        <p:cxnSp>
+          <p:nvCxnSpPr>
+            <p:cNvPr id="19" name="直線コネクタ 18"/>
+            <p:cNvCxnSpPr>
+              <a:stCxn id="11" idx="3"/>
+              <a:endCxn id="13" idx="0"/>
+            </p:cNvCxnSpPr>
+            <p:nvPr/>
+          </p:nvCxnSpPr>
+          <p:spPr>
+            <a:xfrm>
+              <a:off x="2420630" y="3814154"/>
+              <a:ext cx="994021" cy="0"/>
+            </a:xfrm>
+            <a:prstGeom prst="line">
+              <a:avLst/>
+            </a:prstGeom>
+          </p:spPr>
+          <p:style>
+            <a:lnRef idx="1">
+              <a:schemeClr val="dk1"/>
+            </a:lnRef>
+            <a:fillRef idx="0">
+              <a:schemeClr val="dk1"/>
+            </a:fillRef>
+            <a:effectRef idx="0">
+              <a:schemeClr val="dk1"/>
+            </a:effectRef>
+            <a:fontRef idx="minor">
+              <a:schemeClr val="tx1"/>
+            </a:fontRef>
+          </p:style>
+        </p:cxnSp>
+        <p:sp>
+          <p:nvSpPr>
+            <p:cNvPr id="20" name="正方形/長方形 19"/>
+            <p:cNvSpPr/>
+            <p:nvPr/>
+          </p:nvSpPr>
+          <p:spPr>
+            <a:xfrm>
+              <a:off x="4404782" y="3535480"/>
+              <a:ext cx="94700" cy="557348"/>
+            </a:xfrm>
+            <a:prstGeom prst="rect">
+              <a:avLst/>
+            </a:prstGeom>
+            <a:noFill/>
+            <a:ln w="19050">
+              <a:solidFill>
+                <a:schemeClr val="tx1"/>
+              </a:solidFill>
+            </a:ln>
+          </p:spPr>
+          <p:style>
+            <a:lnRef idx="2">
+              <a:schemeClr val="accent1">
+                <a:shade val="50000"/>
+              </a:schemeClr>
+            </a:lnRef>
+            <a:fillRef idx="1">
+              <a:schemeClr val="accent1"/>
+            </a:fillRef>
+            <a:effectRef idx="0">
+              <a:schemeClr val="accent1"/>
+            </a:effectRef>
+            <a:fontRef idx="minor">
+              <a:schemeClr val="lt1"/>
+            </a:fontRef>
+          </p:style>
+          <p:txBody>
+            <a:bodyPr rtlCol="0" anchor="ctr"/>
+            <a:lstStyle/>
+            <a:p>
+              <a:pPr algn="ctr"/>
+              <a:endParaRPr kumimoji="1" lang="ja-JP" altLang="en-US"/>
+            </a:p>
+          </p:txBody>
+        </p:sp>
+        <p:cxnSp>
+          <p:nvCxnSpPr>
+            <p:cNvPr id="22" name="直線コネクタ 21"/>
+            <p:cNvCxnSpPr>
+              <a:stCxn id="13" idx="0"/>
+              <a:endCxn id="20" idx="1"/>
+            </p:cNvCxnSpPr>
+            <p:nvPr/>
+          </p:nvCxnSpPr>
+          <p:spPr>
+            <a:xfrm>
+              <a:off x="3414651" y="3814154"/>
+              <a:ext cx="990131" cy="0"/>
+            </a:xfrm>
+            <a:prstGeom prst="line">
+              <a:avLst/>
+            </a:prstGeom>
+          </p:spPr>
+          <p:style>
+            <a:lnRef idx="1">
+              <a:schemeClr val="dk1"/>
+            </a:lnRef>
+            <a:fillRef idx="0">
+              <a:schemeClr val="dk1"/>
+            </a:fillRef>
+            <a:effectRef idx="0">
+              <a:schemeClr val="dk1"/>
+            </a:effectRef>
+            <a:fontRef idx="minor">
+              <a:schemeClr val="tx1"/>
+            </a:fontRef>
+          </p:style>
+        </p:cxnSp>
+        <p:sp>
+          <p:nvSpPr>
+            <p:cNvPr id="23" name="テキスト ボックス 22"/>
+            <p:cNvSpPr txBox="1"/>
+            <p:nvPr/>
+          </p:nvSpPr>
+          <p:spPr>
+            <a:xfrm>
+              <a:off x="3677102" y="2295080"/>
+              <a:ext cx="1601722" cy="646331"/>
+            </a:xfrm>
+            <a:prstGeom prst="rect">
+              <a:avLst/>
+            </a:prstGeom>
+            <a:noFill/>
+          </p:spPr>
+          <p:txBody>
+            <a:bodyPr wrap="none" rtlCol="0">
+              <a:spAutoFit/>
+            </a:bodyPr>
+            <a:lstStyle/>
+            <a:p>
+              <a:pPr algn="ctr"/>
+              <a:r>
+                <a:rPr lang="en-US" altLang="ja-JP" dirty="0" smtClean="0"/>
+                <a:t>(d)</a:t>
+              </a:r>
+              <a:r>
+                <a:rPr kumimoji="1" lang="ja-JP" altLang="en-US" dirty="0" smtClean="0"/>
+                <a:t>非線形結晶</a:t>
+              </a:r>
+              <a:endParaRPr kumimoji="1" lang="en-US" altLang="ja-JP" dirty="0" smtClean="0"/>
+            </a:p>
+            <a:p>
+              <a:pPr algn="ctr"/>
+              <a:r>
+                <a:rPr kumimoji="1" lang="en-US" altLang="ja-JP" dirty="0" smtClean="0"/>
+                <a:t>(BBO)</a:t>
+              </a:r>
+              <a:endParaRPr kumimoji="1" lang="ja-JP" altLang="en-US" dirty="0"/>
+            </a:p>
+          </p:txBody>
+        </p:sp>
+        <p:sp>
+          <p:nvSpPr>
+            <p:cNvPr id="24" name="正方形/長方形 23"/>
+            <p:cNvSpPr/>
+            <p:nvPr/>
+          </p:nvSpPr>
+          <p:spPr>
+            <a:xfrm>
+              <a:off x="5300031" y="3534006"/>
+              <a:ext cx="94700" cy="557348"/>
+            </a:xfrm>
+            <a:prstGeom prst="rect">
+              <a:avLst/>
+            </a:prstGeom>
+            <a:noFill/>
+            <a:ln w="19050">
+              <a:solidFill>
+                <a:schemeClr val="tx1"/>
+              </a:solidFill>
+            </a:ln>
+          </p:spPr>
+          <p:style>
+            <a:lnRef idx="2">
+              <a:schemeClr val="accent1">
+                <a:shade val="50000"/>
+              </a:schemeClr>
+            </a:lnRef>
+            <a:fillRef idx="1">
+              <a:schemeClr val="accent1"/>
+            </a:fillRef>
+            <a:effectRef idx="0">
+              <a:schemeClr val="accent1"/>
+            </a:effectRef>
+            <a:fontRef idx="minor">
+              <a:schemeClr val="lt1"/>
+            </a:fontRef>
+          </p:style>
+          <p:txBody>
+            <a:bodyPr rtlCol="0" anchor="ctr"/>
+            <a:lstStyle/>
+            <a:p>
+              <a:pPr algn="ctr"/>
+              <a:endParaRPr kumimoji="1" lang="ja-JP" altLang="en-US"/>
+            </a:p>
+          </p:txBody>
+        </p:sp>
+        <p:sp>
+          <p:nvSpPr>
+            <p:cNvPr id="26" name="テキスト ボックス 25"/>
+            <p:cNvSpPr txBox="1"/>
+            <p:nvPr/>
+          </p:nvSpPr>
+          <p:spPr>
+            <a:xfrm>
+              <a:off x="6862336" y="2913846"/>
+              <a:ext cx="1769257" cy="369332"/>
+            </a:xfrm>
+            <a:prstGeom prst="rect">
+              <a:avLst/>
+            </a:prstGeom>
+            <a:noFill/>
+          </p:spPr>
+          <p:txBody>
+            <a:bodyPr wrap="square" rtlCol="0">
+              <a:spAutoFit/>
+            </a:bodyPr>
+            <a:lstStyle/>
+            <a:p>
+              <a:r>
+                <a:rPr lang="en-US" altLang="ja-JP" dirty="0" smtClean="0"/>
+                <a:t>(f)</a:t>
+              </a:r>
+              <a:r>
+                <a:rPr lang="ja-JP" altLang="en-US" dirty="0"/>
+                <a:t>クリプトン</a:t>
+              </a:r>
+              <a:r>
+                <a:rPr lang="ja-JP" altLang="en-US" dirty="0" smtClean="0"/>
+                <a:t>ガス</a:t>
+              </a:r>
+              <a:endParaRPr kumimoji="1" lang="en-US" altLang="ja-JP" dirty="0" smtClean="0"/>
+            </a:p>
+          </p:txBody>
+        </p:sp>
+        <p:cxnSp>
+          <p:nvCxnSpPr>
+            <p:cNvPr id="28" name="直線コネクタ 27"/>
+            <p:cNvCxnSpPr>
+              <a:stCxn id="20" idx="3"/>
+              <a:endCxn id="24" idx="1"/>
+            </p:cNvCxnSpPr>
+            <p:nvPr/>
+          </p:nvCxnSpPr>
+          <p:spPr>
+            <a:xfrm flipV="1">
+              <a:off x="4499482" y="3812680"/>
+              <a:ext cx="800549" cy="1474"/>
+            </a:xfrm>
+            <a:prstGeom prst="line">
+              <a:avLst/>
+            </a:prstGeom>
+          </p:spPr>
+          <p:style>
+            <a:lnRef idx="1">
+              <a:schemeClr val="dk1"/>
+            </a:lnRef>
+            <a:fillRef idx="0">
+              <a:schemeClr val="dk1"/>
+            </a:fillRef>
+            <a:effectRef idx="0">
+              <a:schemeClr val="dk1"/>
+            </a:effectRef>
+            <a:fontRef idx="minor">
+              <a:schemeClr val="tx1"/>
+            </a:fontRef>
+          </p:style>
+        </p:cxnSp>
+        <p:cxnSp>
+          <p:nvCxnSpPr>
+            <p:cNvPr id="38" name="直線コネクタ 37"/>
+            <p:cNvCxnSpPr>
+              <a:stCxn id="24" idx="3"/>
+              <a:endCxn id="74" idx="1"/>
+            </p:cNvCxnSpPr>
+            <p:nvPr/>
+          </p:nvCxnSpPr>
+          <p:spPr>
+            <a:xfrm>
+              <a:off x="5394731" y="3812680"/>
+              <a:ext cx="967527" cy="0"/>
+            </a:xfrm>
+            <a:prstGeom prst="line">
+              <a:avLst/>
+            </a:prstGeom>
+          </p:spPr>
+          <p:style>
+            <a:lnRef idx="1">
+              <a:schemeClr val="dk1"/>
+            </a:lnRef>
+            <a:fillRef idx="0">
+              <a:schemeClr val="dk1"/>
+            </a:fillRef>
+            <a:effectRef idx="0">
+              <a:schemeClr val="dk1"/>
+            </a:effectRef>
+            <a:fontRef idx="minor">
+              <a:schemeClr val="tx1"/>
+            </a:fontRef>
+          </p:style>
+        </p:cxnSp>
+        <p:sp>
+          <p:nvSpPr>
+            <p:cNvPr id="40" name="テキスト ボックス 39"/>
+            <p:cNvSpPr txBox="1"/>
+            <p:nvPr/>
+          </p:nvSpPr>
+          <p:spPr>
+            <a:xfrm>
+              <a:off x="5746384" y="2353989"/>
+              <a:ext cx="1454516" cy="369332"/>
+            </a:xfrm>
+            <a:prstGeom prst="rect">
+              <a:avLst/>
+            </a:prstGeom>
+            <a:noFill/>
+          </p:spPr>
+          <p:txBody>
+            <a:bodyPr wrap="square" rtlCol="0">
+              <a:spAutoFit/>
+            </a:bodyPr>
+            <a:lstStyle/>
+            <a:p>
+              <a:r>
+                <a:rPr lang="en-US" altLang="ja-JP" dirty="0" smtClean="0"/>
+                <a:t>(e)</a:t>
+              </a:r>
+              <a:r>
+                <a:rPr kumimoji="1" lang="ja-JP" altLang="en-US" dirty="0" smtClean="0"/>
+                <a:t>カルサイト</a:t>
+              </a:r>
+              <a:endParaRPr kumimoji="1" lang="en-US" altLang="ja-JP" dirty="0" smtClean="0"/>
+            </a:p>
+          </p:txBody>
+        </p:sp>
+        <p:cxnSp>
+          <p:nvCxnSpPr>
+            <p:cNvPr id="45" name="直線コネクタ 44"/>
+            <p:cNvCxnSpPr/>
+            <p:nvPr/>
+          </p:nvCxnSpPr>
+          <p:spPr>
+            <a:xfrm flipV="1">
+              <a:off x="7483371" y="3805583"/>
+              <a:ext cx="2432667" cy="18181"/>
+            </a:xfrm>
+            <a:prstGeom prst="line">
+              <a:avLst/>
+            </a:prstGeom>
+            <a:ln w="9525"/>
+          </p:spPr>
+          <p:style>
+            <a:lnRef idx="1">
+              <a:schemeClr val="dk1"/>
+            </a:lnRef>
+            <a:fillRef idx="0">
+              <a:schemeClr val="dk1"/>
+            </a:fillRef>
+            <a:effectRef idx="0">
+              <a:schemeClr val="dk1"/>
+            </a:effectRef>
+            <a:fontRef idx="minor">
+              <a:schemeClr val="tx1"/>
+            </a:fontRef>
+          </p:style>
+        </p:cxnSp>
+        <p:sp>
+          <p:nvSpPr>
+            <p:cNvPr id="93" name="左中かっこ 92"/>
+            <p:cNvSpPr/>
+            <p:nvPr/>
+          </p:nvSpPr>
+          <p:spPr>
+            <a:xfrm rot="5400000">
+              <a:off x="4051238" y="-1872021"/>
+              <a:ext cx="409303" cy="8095134"/>
+            </a:xfrm>
+            <a:prstGeom prst="leftBrace">
+              <a:avLst/>
+            </a:prstGeom>
+          </p:spPr>
+          <p:style>
+            <a:lnRef idx="1">
+              <a:schemeClr val="dk1"/>
+            </a:lnRef>
+            <a:fillRef idx="0">
+              <a:schemeClr val="dk1"/>
+            </a:fillRef>
+            <a:effectRef idx="0">
+              <a:schemeClr val="dk1"/>
+            </a:effectRef>
+            <a:fontRef idx="minor">
+              <a:schemeClr val="tx1"/>
+            </a:fontRef>
+          </p:style>
+          <p:txBody>
+            <a:bodyPr rtlCol="0" anchor="ctr"/>
+            <a:lstStyle/>
+            <a:p>
+              <a:pPr algn="ctr"/>
+              <a:endParaRPr kumimoji="1" lang="ja-JP" altLang="en-US"/>
+            </a:p>
+          </p:txBody>
+        </p:sp>
+        <p:sp>
+          <p:nvSpPr>
+            <p:cNvPr id="94" name="テキスト ボックス 93"/>
+            <p:cNvSpPr txBox="1"/>
+            <p:nvPr/>
+          </p:nvSpPr>
+          <p:spPr>
+            <a:xfrm>
+              <a:off x="3014676" y="1606947"/>
+              <a:ext cx="2482427" cy="369332"/>
+            </a:xfrm>
+            <a:prstGeom prst="rect">
+              <a:avLst/>
+            </a:prstGeom>
+            <a:noFill/>
+          </p:spPr>
+          <p:txBody>
+            <a:bodyPr wrap="square" rtlCol="0">
+              <a:spAutoFit/>
+            </a:bodyPr>
+            <a:lstStyle/>
+            <a:p>
+              <a:r>
+                <a:rPr lang="ja-JP" altLang="en-US" dirty="0"/>
+                <a:t>高次</a:t>
+              </a:r>
+              <a:r>
+                <a:rPr lang="ja-JP" altLang="en-US" dirty="0" smtClean="0"/>
+                <a:t>高調波の発生機構</a:t>
+              </a:r>
+              <a:endParaRPr kumimoji="1" lang="en-US" altLang="ja-JP" dirty="0" smtClean="0"/>
+            </a:p>
+          </p:txBody>
+        </p:sp>
+        <p:sp>
+          <p:nvSpPr>
+            <p:cNvPr id="95" name="テキスト ボックス 94"/>
+            <p:cNvSpPr txBox="1"/>
+            <p:nvPr/>
+          </p:nvSpPr>
+          <p:spPr>
+            <a:xfrm>
+              <a:off x="9059274" y="1575168"/>
+              <a:ext cx="1988869" cy="369332"/>
+            </a:xfrm>
+            <a:prstGeom prst="rect">
+              <a:avLst/>
+            </a:prstGeom>
+            <a:noFill/>
+          </p:spPr>
+          <p:txBody>
+            <a:bodyPr wrap="square" rtlCol="0">
+              <a:spAutoFit/>
+            </a:bodyPr>
+            <a:lstStyle/>
+            <a:p>
+              <a:r>
+                <a:rPr kumimoji="1" lang="en-US" altLang="ja-JP" dirty="0" smtClean="0"/>
+                <a:t>(g)VMI</a:t>
+              </a:r>
+              <a:r>
+                <a:rPr kumimoji="1" lang="ja-JP" altLang="en-US" dirty="0" smtClean="0"/>
+                <a:t>による測定</a:t>
+              </a:r>
+              <a:endParaRPr kumimoji="1" lang="en-US" altLang="ja-JP" dirty="0" smtClean="0"/>
+            </a:p>
+          </p:txBody>
+        </p:sp>
+        <p:cxnSp>
+          <p:nvCxnSpPr>
+            <p:cNvPr id="3" name="直線矢印コネクタ 2"/>
+            <p:cNvCxnSpPr>
+              <a:stCxn id="5" idx="6"/>
+            </p:cNvCxnSpPr>
+            <p:nvPr/>
+          </p:nvCxnSpPr>
+          <p:spPr>
+            <a:xfrm>
+              <a:off x="692610" y="5656551"/>
+              <a:ext cx="674229" cy="0"/>
+            </a:xfrm>
+            <a:prstGeom prst="straightConnector1">
+              <a:avLst/>
+            </a:prstGeom>
+            <a:ln>
+              <a:tailEnd type="triangle"/>
+            </a:ln>
+          </p:spPr>
+          <p:style>
+            <a:lnRef idx="1">
+              <a:schemeClr val="dk1"/>
+            </a:lnRef>
+            <a:fillRef idx="0">
+              <a:schemeClr val="dk1"/>
+            </a:fillRef>
+            <a:effectRef idx="0">
+              <a:schemeClr val="dk1"/>
+            </a:effectRef>
+            <a:fontRef idx="minor">
+              <a:schemeClr val="tx1"/>
+            </a:fontRef>
+          </p:style>
+        </p:cxnSp>
+        <p:cxnSp>
+          <p:nvCxnSpPr>
+            <p:cNvPr id="36" name="直線矢印コネクタ 35"/>
+            <p:cNvCxnSpPr>
+              <a:stCxn id="5" idx="0"/>
+            </p:cNvCxnSpPr>
+            <p:nvPr/>
+          </p:nvCxnSpPr>
+          <p:spPr>
+            <a:xfrm flipV="1">
+              <a:off x="595588" y="4875591"/>
+              <a:ext cx="0" cy="683938"/>
+            </a:xfrm>
+            <a:prstGeom prst="straightConnector1">
+              <a:avLst/>
+            </a:prstGeom>
+            <a:ln>
+              <a:tailEnd type="triangle"/>
+            </a:ln>
+          </p:spPr>
+          <p:style>
+            <a:lnRef idx="1">
+              <a:schemeClr val="dk1"/>
+            </a:lnRef>
+            <a:fillRef idx="0">
+              <a:schemeClr val="dk1"/>
+            </a:fillRef>
+            <a:effectRef idx="0">
+              <a:schemeClr val="dk1"/>
+            </a:effectRef>
+            <a:fontRef idx="minor">
+              <a:schemeClr val="tx1"/>
+            </a:fontRef>
+          </p:style>
+        </p:cxnSp>
+        <p:sp>
+          <p:nvSpPr>
+            <p:cNvPr id="5" name="円/楕円 4"/>
+            <p:cNvSpPr/>
+            <p:nvPr/>
+          </p:nvSpPr>
+          <p:spPr>
+            <a:xfrm>
+              <a:off x="498566" y="5559529"/>
+              <a:ext cx="194044" cy="194044"/>
+            </a:xfrm>
+            <a:prstGeom prst="ellipse">
+              <a:avLst/>
+            </a:prstGeom>
+            <a:solidFill>
+              <a:schemeClr val="bg1"/>
+            </a:solidFill>
+          </p:spPr>
+          <p:style>
+            <a:lnRef idx="2">
+              <a:schemeClr val="dk1">
+                <a:shade val="50000"/>
+              </a:schemeClr>
+            </a:lnRef>
+            <a:fillRef idx="1">
+              <a:schemeClr val="dk1"/>
+            </a:fillRef>
+            <a:effectRef idx="0">
+              <a:schemeClr val="dk1"/>
+            </a:effectRef>
+            <a:fontRef idx="minor">
+              <a:schemeClr val="lt1"/>
+            </a:fontRef>
+          </p:style>
+          <p:txBody>
+            <a:bodyPr rtlCol="0" anchor="ctr"/>
+            <a:lstStyle/>
+            <a:p>
+              <a:pPr algn="ctr"/>
+              <a:endParaRPr kumimoji="1" lang="ja-JP" altLang="en-US"/>
+            </a:p>
+          </p:txBody>
+        </p:sp>
+        <p:sp>
+          <p:nvSpPr>
+            <p:cNvPr id="16" name="円/楕円 15"/>
+            <p:cNvSpPr/>
+            <p:nvPr/>
+          </p:nvSpPr>
+          <p:spPr>
+            <a:xfrm>
+              <a:off x="547077" y="5608040"/>
+              <a:ext cx="97022" cy="97022"/>
+            </a:xfrm>
+            <a:prstGeom prst="ellipse">
+              <a:avLst/>
+            </a:prstGeom>
+          </p:spPr>
+          <p:style>
+            <a:lnRef idx="2">
+              <a:schemeClr val="dk1">
+                <a:shade val="50000"/>
+              </a:schemeClr>
+            </a:lnRef>
+            <a:fillRef idx="1">
+              <a:schemeClr val="dk1"/>
+            </a:fillRef>
+            <a:effectRef idx="0">
+              <a:schemeClr val="dk1"/>
+            </a:effectRef>
+            <a:fontRef idx="minor">
+              <a:schemeClr val="lt1"/>
+            </a:fontRef>
+          </p:style>
+          <p:txBody>
+            <a:bodyPr rtlCol="0" anchor="ctr"/>
+            <a:lstStyle/>
+            <a:p>
+              <a:pPr algn="ctr"/>
+              <a:endParaRPr kumimoji="1" lang="ja-JP" altLang="en-US"/>
+            </a:p>
+          </p:txBody>
+        </p:sp>
+        <mc:AlternateContent xmlns:mc="http://schemas.openxmlformats.org/markup-compatibility/2006" xmlns:a14="http://schemas.microsoft.com/office/drawing/2010/main">
+          <mc:Choice Requires="a14">
+            <p:sp>
+              <p:nvSpPr>
+                <p:cNvPr id="21" name="テキスト ボックス 20"/>
+                <p:cNvSpPr txBox="1"/>
+                <p:nvPr/>
+              </p:nvSpPr>
+              <p:spPr>
+                <a:xfrm>
+                  <a:off x="1407074" y="5442850"/>
+                  <a:ext cx="353750" cy="369332"/>
+                </a:xfrm>
+                <a:prstGeom prst="rect">
+                  <a:avLst/>
+                </a:prstGeom>
+                <a:noFill/>
+              </p:spPr>
+              <p:txBody>
+                <a:bodyPr wrap="none" rtlCol="0">
+                  <a:spAutoFit/>
+                </a:bodyPr>
+                <a:lstStyle/>
+                <a:p>
+                  <a:pPr/>
+                  <a14:m>
+                    <m:oMathPara xmlns:m="http://schemas.openxmlformats.org/officeDocument/2006/math">
+                      <m:oMathParaPr>
+                        <m:jc m:val="centerGroup"/>
+                      </m:oMathParaPr>
+                      <m:oMath xmlns:m="http://schemas.openxmlformats.org/officeDocument/2006/math">
+                        <m:r>
+                          <a:rPr kumimoji="1" lang="en-US" altLang="ja-JP" b="0" i="1" smtClean="0">
+                            <a:latin typeface="Cambria Math" panose="02040503050406030204" pitchFamily="18" charset="0"/>
+                          </a:rPr>
+                          <m:t>𝑧</m:t>
+                        </m:r>
+                      </m:oMath>
+                    </m:oMathPara>
+                  </a14:m>
+                  <a:endParaRPr kumimoji="1" lang="ja-JP" altLang="en-US" dirty="0"/>
+                </a:p>
+              </p:txBody>
+            </p:sp>
+          </mc:Choice>
+          <mc:Fallback xmlns="">
+            <p:sp>
+              <p:nvSpPr>
+                <p:cNvPr id="21" name="テキスト ボックス 20"/>
+                <p:cNvSpPr txBox="1">
+                  <a:spLocks noRot="1" noChangeAspect="1" noMove="1" noResize="1" noEditPoints="1" noAdjustHandles="1" noChangeArrowheads="1" noChangeShapeType="1" noTextEdit="1"/>
+                </p:cNvSpPr>
+                <p:nvPr/>
+              </p:nvSpPr>
+              <p:spPr>
+                <a:xfrm>
+                  <a:off x="1407074" y="5442850"/>
+                  <a:ext cx="353750" cy="369332"/>
+                </a:xfrm>
+                <a:prstGeom prst="rect">
+                  <a:avLst/>
+                </a:prstGeom>
+                <a:blipFill rotWithShape="0">
+                  <a:blip r:embed="rId2"/>
+                  <a:stretch>
+                    <a:fillRect/>
+                  </a:stretch>
+                </a:blipFill>
+              </p:spPr>
+              <p:txBody>
+                <a:bodyPr/>
+                <a:lstStyle/>
+                <a:p>
+                  <a:r>
+                    <a:rPr lang="ja-JP" altLang="en-US">
+                      <a:noFill/>
+                    </a:rPr>
+                    <a:t> </a:t>
+                  </a:r>
+                </a:p>
+              </p:txBody>
+            </p:sp>
+          </mc:Fallback>
+        </mc:AlternateContent>
+        <mc:AlternateContent xmlns:mc="http://schemas.openxmlformats.org/markup-compatibility/2006" xmlns:a14="http://schemas.microsoft.com/office/drawing/2010/main">
+          <mc:Choice Requires="a14">
+            <p:sp>
+              <p:nvSpPr>
+                <p:cNvPr id="46" name="テキスト ボックス 45"/>
+                <p:cNvSpPr txBox="1"/>
+                <p:nvPr/>
+              </p:nvSpPr>
+              <p:spPr>
+                <a:xfrm>
+                  <a:off x="418713" y="4489762"/>
+                  <a:ext cx="367986" cy="369332"/>
+                </a:xfrm>
+                <a:prstGeom prst="rect">
+                  <a:avLst/>
+                </a:prstGeom>
+                <a:noFill/>
+              </p:spPr>
+              <p:txBody>
+                <a:bodyPr wrap="none" rtlCol="0">
+                  <a:spAutoFit/>
+                </a:bodyPr>
+                <a:lstStyle/>
+                <a:p>
+                  <a:pPr/>
+                  <a14:m>
+                    <m:oMathPara xmlns:m="http://schemas.openxmlformats.org/officeDocument/2006/math">
+                      <m:oMathParaPr>
+                        <m:jc m:val="centerGroup"/>
+                      </m:oMathParaPr>
+                      <m:oMath xmlns:m="http://schemas.openxmlformats.org/officeDocument/2006/math">
+                        <m:r>
+                          <a:rPr kumimoji="1" lang="en-US" altLang="ja-JP" b="0" i="1" smtClean="0">
+                            <a:latin typeface="Cambria Math" panose="02040503050406030204" pitchFamily="18" charset="0"/>
+                          </a:rPr>
+                          <m:t>𝑥</m:t>
+                        </m:r>
+                      </m:oMath>
+                    </m:oMathPara>
+                  </a14:m>
+                  <a:endParaRPr kumimoji="1" lang="ja-JP" altLang="en-US" dirty="0"/>
+                </a:p>
+              </p:txBody>
+            </p:sp>
+          </mc:Choice>
+          <mc:Fallback xmlns="">
+            <p:sp>
+              <p:nvSpPr>
+                <p:cNvPr id="46" name="テキスト ボックス 45"/>
+                <p:cNvSpPr txBox="1">
+                  <a:spLocks noRot="1" noChangeAspect="1" noMove="1" noResize="1" noEditPoints="1" noAdjustHandles="1" noChangeArrowheads="1" noChangeShapeType="1" noTextEdit="1"/>
+                </p:cNvSpPr>
+                <p:nvPr/>
+              </p:nvSpPr>
+              <p:spPr>
+                <a:xfrm>
+                  <a:off x="418713" y="4489762"/>
+                  <a:ext cx="367986" cy="369332"/>
+                </a:xfrm>
+                <a:prstGeom prst="rect">
+                  <a:avLst/>
+                </a:prstGeom>
+                <a:blipFill rotWithShape="0">
+                  <a:blip r:embed="rId3"/>
+                  <a:stretch>
+                    <a:fillRect/>
+                  </a:stretch>
+                </a:blipFill>
+              </p:spPr>
+              <p:txBody>
+                <a:bodyPr/>
+                <a:lstStyle/>
+                <a:p>
+                  <a:r>
+                    <a:rPr lang="ja-JP" altLang="en-US">
+                      <a:noFill/>
+                    </a:rPr>
+                    <a:t> </a:t>
+                  </a:r>
+                </a:p>
+              </p:txBody>
+            </p:sp>
+          </mc:Fallback>
+        </mc:AlternateContent>
+        <mc:AlternateContent xmlns:mc="http://schemas.openxmlformats.org/markup-compatibility/2006" xmlns:a14="http://schemas.microsoft.com/office/drawing/2010/main">
+          <mc:Choice Requires="a14">
+            <p:sp>
+              <p:nvSpPr>
+                <p:cNvPr id="48" name="テキスト ボックス 47"/>
+                <p:cNvSpPr txBox="1"/>
+                <p:nvPr/>
+              </p:nvSpPr>
+              <p:spPr>
+                <a:xfrm>
+                  <a:off x="255948" y="5656551"/>
+                  <a:ext cx="371384" cy="369332"/>
+                </a:xfrm>
+                <a:prstGeom prst="rect">
+                  <a:avLst/>
+                </a:prstGeom>
+                <a:noFill/>
+              </p:spPr>
+              <p:txBody>
+                <a:bodyPr wrap="none" rtlCol="0">
+                  <a:spAutoFit/>
+                </a:bodyPr>
+                <a:lstStyle/>
+                <a:p>
+                  <a:pPr/>
+                  <a14:m>
+                    <m:oMathPara xmlns:m="http://schemas.openxmlformats.org/officeDocument/2006/math">
+                      <m:oMathParaPr>
+                        <m:jc m:val="centerGroup"/>
+                      </m:oMathParaPr>
+                      <m:oMath xmlns:m="http://schemas.openxmlformats.org/officeDocument/2006/math">
+                        <m:r>
+                          <a:rPr kumimoji="1" lang="en-US" altLang="ja-JP" b="0" i="1" smtClean="0">
+                            <a:latin typeface="Cambria Math" panose="02040503050406030204" pitchFamily="18" charset="0"/>
+                          </a:rPr>
+                          <m:t>𝑦</m:t>
+                        </m:r>
+                      </m:oMath>
+                    </m:oMathPara>
+                  </a14:m>
+                  <a:endParaRPr kumimoji="1" lang="ja-JP" altLang="en-US" dirty="0"/>
+                </a:p>
+              </p:txBody>
+            </p:sp>
+          </mc:Choice>
+          <mc:Fallback xmlns="">
+            <p:sp>
+              <p:nvSpPr>
+                <p:cNvPr id="48" name="テキスト ボックス 47"/>
+                <p:cNvSpPr txBox="1">
+                  <a:spLocks noRot="1" noChangeAspect="1" noMove="1" noResize="1" noEditPoints="1" noAdjustHandles="1" noChangeArrowheads="1" noChangeShapeType="1" noTextEdit="1"/>
+                </p:cNvSpPr>
+                <p:nvPr/>
+              </p:nvSpPr>
+              <p:spPr>
+                <a:xfrm>
+                  <a:off x="255948" y="5656551"/>
+                  <a:ext cx="371384" cy="369332"/>
+                </a:xfrm>
+                <a:prstGeom prst="rect">
+                  <a:avLst/>
+                </a:prstGeom>
+                <a:blipFill rotWithShape="0">
+                  <a:blip r:embed="rId4"/>
+                  <a:stretch>
+                    <a:fillRect b="-6667"/>
+                  </a:stretch>
+                </a:blipFill>
+              </p:spPr>
+              <p:txBody>
+                <a:bodyPr/>
+                <a:lstStyle/>
+                <a:p>
+                  <a:r>
+                    <a:rPr lang="ja-JP" altLang="en-US">
+                      <a:noFill/>
+                    </a:rPr>
+                    <a:t> </a:t>
+                  </a:r>
+                </a:p>
+              </p:txBody>
+            </p:sp>
+          </mc:Fallback>
+        </mc:AlternateContent>
+        <p:sp>
+          <p:nvSpPr>
+            <p:cNvPr id="44" name="台形 43"/>
+            <p:cNvSpPr/>
+            <p:nvPr/>
+          </p:nvSpPr>
+          <p:spPr>
+            <a:xfrm>
+              <a:off x="7254037" y="4193597"/>
+              <a:ext cx="145258" cy="464608"/>
             </a:xfrm>
             <a:prstGeom prst="trapezoid">
               <a:avLst/>
@@ -16438,20 +16146,20 @@
         </p:sp>
         <p:sp>
           <p:nvSpPr>
-            <p:cNvPr id="134" name="雲形吹き出し 133"/>
+            <p:cNvPr id="47" name="雲形吹き出し 46"/>
             <p:cNvSpPr/>
             <p:nvPr/>
           </p:nvSpPr>
           <p:spPr>
             <a:xfrm rot="21370121">
-              <a:off x="8843752" y="2473889"/>
-              <a:ext cx="258523" cy="650950"/>
+              <a:off x="7224818" y="3522409"/>
+              <a:ext cx="239363" cy="602706"/>
             </a:xfrm>
             <a:prstGeom prst="cloudCallout">
               <a:avLst/>
             </a:prstGeom>
             <a:solidFill>
-              <a:srgbClr val="EF6DF2"/>
+              <a:srgbClr val="FFFF00"/>
             </a:solidFill>
             <a:ln>
               <a:solidFill>
@@ -16484,592 +16192,1041 @@
             </a:p>
           </p:txBody>
         </p:sp>
+        <p:sp>
+          <p:nvSpPr>
+            <p:cNvPr id="10" name="テキスト ボックス 9"/>
+            <p:cNvSpPr txBox="1"/>
+            <p:nvPr/>
+          </p:nvSpPr>
+          <p:spPr>
+            <a:xfrm>
+              <a:off x="7836130" y="3906688"/>
+              <a:ext cx="1391728" cy="369332"/>
+            </a:xfrm>
+            <a:prstGeom prst="rect">
+              <a:avLst/>
+            </a:prstGeom>
+            <a:noFill/>
+          </p:spPr>
+          <p:txBody>
+            <a:bodyPr wrap="none" rtlCol="0">
+              <a:spAutoFit/>
+            </a:bodyPr>
+            <a:lstStyle/>
+            <a:p>
+              <a:r>
+                <a:rPr kumimoji="1" lang="en-US" altLang="ja-JP" dirty="0" smtClean="0"/>
+                <a:t>800nm+HHG</a:t>
+              </a:r>
+              <a:endParaRPr kumimoji="1" lang="ja-JP" altLang="en-US" dirty="0"/>
+            </a:p>
+          </p:txBody>
+        </p:sp>
+        <p:cxnSp>
+          <p:nvCxnSpPr>
+            <p:cNvPr id="61" name="直線コネクタ 60"/>
+            <p:cNvCxnSpPr>
+              <a:stCxn id="12" idx="2"/>
+              <a:endCxn id="11" idx="0"/>
+            </p:cNvCxnSpPr>
+            <p:nvPr/>
+          </p:nvCxnSpPr>
+          <p:spPr>
+            <a:xfrm flipH="1">
+              <a:off x="2373280" y="2930761"/>
+              <a:ext cx="120150" cy="604719"/>
+            </a:xfrm>
+            <a:prstGeom prst="line">
+              <a:avLst/>
+            </a:prstGeom>
+          </p:spPr>
+          <p:style>
+            <a:lnRef idx="1">
+              <a:schemeClr val="dk1"/>
+            </a:lnRef>
+            <a:fillRef idx="0">
+              <a:schemeClr val="dk1"/>
+            </a:fillRef>
+            <a:effectRef idx="0">
+              <a:schemeClr val="dk1"/>
+            </a:effectRef>
+            <a:fontRef idx="minor">
+              <a:schemeClr val="tx1"/>
+            </a:fontRef>
+          </p:style>
+        </p:cxnSp>
+        <p:cxnSp>
+          <p:nvCxnSpPr>
+            <p:cNvPr id="63" name="直線コネクタ 62"/>
+            <p:cNvCxnSpPr>
+              <a:stCxn id="14" idx="2"/>
+              <a:endCxn id="13" idx="0"/>
+            </p:cNvCxnSpPr>
+            <p:nvPr/>
+          </p:nvCxnSpPr>
+          <p:spPr>
+            <a:xfrm flipH="1">
+              <a:off x="3414651" y="3427736"/>
+              <a:ext cx="150018" cy="386418"/>
+            </a:xfrm>
+            <a:prstGeom prst="line">
+              <a:avLst/>
+            </a:prstGeom>
+          </p:spPr>
+          <p:style>
+            <a:lnRef idx="1">
+              <a:schemeClr val="dk1"/>
+            </a:lnRef>
+            <a:fillRef idx="0">
+              <a:schemeClr val="dk1"/>
+            </a:fillRef>
+            <a:effectRef idx="0">
+              <a:schemeClr val="dk1"/>
+            </a:effectRef>
+            <a:fontRef idx="minor">
+              <a:schemeClr val="tx1"/>
+            </a:fontRef>
+          </p:style>
+        </p:cxnSp>
+        <p:cxnSp>
+          <p:nvCxnSpPr>
+            <p:cNvPr id="65" name="直線コネクタ 64"/>
+            <p:cNvCxnSpPr>
+              <a:stCxn id="23" idx="2"/>
+              <a:endCxn id="20" idx="0"/>
+            </p:cNvCxnSpPr>
+            <p:nvPr/>
+          </p:nvCxnSpPr>
+          <p:spPr>
+            <a:xfrm flipH="1">
+              <a:off x="4452132" y="2941411"/>
+              <a:ext cx="25831" cy="594069"/>
+            </a:xfrm>
+            <a:prstGeom prst="line">
+              <a:avLst/>
+            </a:prstGeom>
+          </p:spPr>
+          <p:style>
+            <a:lnRef idx="1">
+              <a:schemeClr val="dk1"/>
+            </a:lnRef>
+            <a:fillRef idx="0">
+              <a:schemeClr val="dk1"/>
+            </a:fillRef>
+            <a:effectRef idx="0">
+              <a:schemeClr val="dk1"/>
+            </a:effectRef>
+            <a:fontRef idx="minor">
+              <a:schemeClr val="tx1"/>
+            </a:fontRef>
+          </p:style>
+        </p:cxnSp>
+        <p:cxnSp>
+          <p:nvCxnSpPr>
+            <p:cNvPr id="72" name="直線コネクタ 71"/>
+            <p:cNvCxnSpPr>
+              <a:stCxn id="40" idx="2"/>
+              <a:endCxn id="74" idx="0"/>
+            </p:cNvCxnSpPr>
+            <p:nvPr/>
+          </p:nvCxnSpPr>
+          <p:spPr>
+            <a:xfrm flipH="1">
+              <a:off x="6409608" y="2723321"/>
+              <a:ext cx="64034" cy="810685"/>
+            </a:xfrm>
+            <a:prstGeom prst="line">
+              <a:avLst/>
+            </a:prstGeom>
+          </p:spPr>
+          <p:style>
+            <a:lnRef idx="1">
+              <a:schemeClr val="dk1"/>
+            </a:lnRef>
+            <a:fillRef idx="0">
+              <a:schemeClr val="dk1"/>
+            </a:fillRef>
+            <a:effectRef idx="0">
+              <a:schemeClr val="dk1"/>
+            </a:effectRef>
+            <a:fontRef idx="minor">
+              <a:schemeClr val="tx1"/>
+            </a:fontRef>
+          </p:style>
+        </p:cxnSp>
+        <p:sp>
+          <p:nvSpPr>
+            <p:cNvPr id="74" name="正方形/長方形 73"/>
+            <p:cNvSpPr/>
+            <p:nvPr/>
+          </p:nvSpPr>
+          <p:spPr>
+            <a:xfrm>
+              <a:off x="6362258" y="3534006"/>
+              <a:ext cx="94700" cy="557348"/>
+            </a:xfrm>
+            <a:prstGeom prst="rect">
+              <a:avLst/>
+            </a:prstGeom>
+            <a:noFill/>
+            <a:ln w="19050">
+              <a:solidFill>
+                <a:schemeClr val="tx1"/>
+              </a:solidFill>
+            </a:ln>
+          </p:spPr>
+          <p:style>
+            <a:lnRef idx="2">
+              <a:schemeClr val="accent1">
+                <a:shade val="50000"/>
+              </a:schemeClr>
+            </a:lnRef>
+            <a:fillRef idx="1">
+              <a:schemeClr val="accent1"/>
+            </a:fillRef>
+            <a:effectRef idx="0">
+              <a:schemeClr val="accent1"/>
+            </a:effectRef>
+            <a:fontRef idx="minor">
+              <a:schemeClr val="lt1"/>
+            </a:fontRef>
+          </p:style>
+          <p:txBody>
+            <a:bodyPr rtlCol="0" anchor="ctr"/>
+            <a:lstStyle/>
+            <a:p>
+              <a:pPr algn="ctr"/>
+              <a:endParaRPr kumimoji="1" lang="ja-JP" altLang="en-US"/>
+            </a:p>
+          </p:txBody>
+        </p:sp>
+        <p:sp>
+          <p:nvSpPr>
+            <p:cNvPr id="103" name="テキスト ボックス 102"/>
+            <p:cNvSpPr txBox="1"/>
+            <p:nvPr/>
+          </p:nvSpPr>
+          <p:spPr>
+            <a:xfrm>
+              <a:off x="4724654" y="3045924"/>
+              <a:ext cx="1529966" cy="369332"/>
+            </a:xfrm>
+            <a:prstGeom prst="rect">
+              <a:avLst/>
+            </a:prstGeom>
+            <a:noFill/>
+          </p:spPr>
+          <p:txBody>
+            <a:bodyPr wrap="square" rtlCol="0">
+              <a:spAutoFit/>
+            </a:bodyPr>
+            <a:lstStyle/>
+            <a:p>
+              <a:r>
+                <a:rPr lang="en-US" altLang="ja-JP" dirty="0" smtClean="0"/>
+                <a:t>(e)1/2</a:t>
+              </a:r>
+              <a:r>
+                <a:rPr lang="ja-JP" altLang="en-US" dirty="0" smtClean="0"/>
+                <a:t>波長板</a:t>
+              </a:r>
+              <a:endParaRPr kumimoji="1" lang="en-US" altLang="ja-JP" dirty="0" smtClean="0"/>
+            </a:p>
+          </p:txBody>
+        </p:sp>
+        <p:cxnSp>
+          <p:nvCxnSpPr>
+            <p:cNvPr id="118" name="直線コネクタ 117"/>
+            <p:cNvCxnSpPr>
+              <a:stCxn id="103" idx="2"/>
+              <a:endCxn id="24" idx="0"/>
+            </p:cNvCxnSpPr>
+            <p:nvPr/>
+          </p:nvCxnSpPr>
+          <p:spPr>
+            <a:xfrm flipH="1">
+              <a:off x="5347381" y="3415256"/>
+              <a:ext cx="142256" cy="118750"/>
+            </a:xfrm>
+            <a:prstGeom prst="line">
+              <a:avLst/>
+            </a:prstGeom>
+          </p:spPr>
+          <p:style>
+            <a:lnRef idx="1">
+              <a:schemeClr val="dk1"/>
+            </a:lnRef>
+            <a:fillRef idx="0">
+              <a:schemeClr val="dk1"/>
+            </a:fillRef>
+            <a:effectRef idx="0">
+              <a:schemeClr val="dk1"/>
+            </a:effectRef>
+            <a:fontRef idx="minor">
+              <a:schemeClr val="tx1"/>
+            </a:fontRef>
+          </p:style>
+        </p:cxnSp>
+        <p:cxnSp>
+          <p:nvCxnSpPr>
+            <p:cNvPr id="122" name="直線コネクタ 121"/>
+            <p:cNvCxnSpPr>
+              <a:stCxn id="74" idx="3"/>
+            </p:cNvCxnSpPr>
+            <p:nvPr/>
+          </p:nvCxnSpPr>
+          <p:spPr>
+            <a:xfrm>
+              <a:off x="6456958" y="3812680"/>
+              <a:ext cx="743942" cy="0"/>
+            </a:xfrm>
+            <a:prstGeom prst="line">
+              <a:avLst/>
+            </a:prstGeom>
+          </p:spPr>
+          <p:style>
+            <a:lnRef idx="1">
+              <a:schemeClr val="dk1"/>
+            </a:lnRef>
+            <a:fillRef idx="0">
+              <a:schemeClr val="dk1"/>
+            </a:fillRef>
+            <a:effectRef idx="0">
+              <a:schemeClr val="dk1"/>
+            </a:effectRef>
+            <a:fontRef idx="minor">
+              <a:schemeClr val="tx1"/>
+            </a:fontRef>
+          </p:style>
+        </p:cxnSp>
+        <p:cxnSp>
+          <p:nvCxnSpPr>
+            <p:cNvPr id="124" name="直線コネクタ 123"/>
+            <p:cNvCxnSpPr>
+              <a:stCxn id="26" idx="2"/>
+              <a:endCxn id="47" idx="3"/>
+            </p:cNvCxnSpPr>
+            <p:nvPr/>
+          </p:nvCxnSpPr>
+          <p:spPr>
+            <a:xfrm flipH="1">
+              <a:off x="7326666" y="3283178"/>
+              <a:ext cx="420299" cy="274287"/>
+            </a:xfrm>
+            <a:prstGeom prst="line">
+              <a:avLst/>
+            </a:prstGeom>
+          </p:spPr>
+          <p:style>
+            <a:lnRef idx="1">
+              <a:schemeClr val="dk1"/>
+            </a:lnRef>
+            <a:fillRef idx="0">
+              <a:schemeClr val="dk1"/>
+            </a:fillRef>
+            <a:effectRef idx="0">
+              <a:schemeClr val="dk1"/>
+            </a:effectRef>
+            <a:fontRef idx="minor">
+              <a:schemeClr val="tx1"/>
+            </a:fontRef>
+          </p:style>
+        </p:cxnSp>
+        <p:grpSp>
+          <p:nvGrpSpPr>
+            <p:cNvPr id="132" name="グループ化 131"/>
+            <p:cNvGrpSpPr/>
+            <p:nvPr/>
+          </p:nvGrpSpPr>
+          <p:grpSpPr>
+            <a:xfrm>
+              <a:off x="9940612" y="3545090"/>
+              <a:ext cx="258523" cy="1318126"/>
+              <a:chOff x="8843752" y="2473889"/>
+              <a:chExt cx="258523" cy="1318126"/>
+            </a:xfrm>
+          </p:grpSpPr>
+          <p:sp>
+            <p:nvSpPr>
+              <p:cNvPr id="133" name="台形 132"/>
+              <p:cNvSpPr/>
+              <p:nvPr/>
+            </p:nvSpPr>
+            <p:spPr>
+              <a:xfrm>
+                <a:off x="8868635" y="3247306"/>
+                <a:ext cx="141591" cy="544709"/>
+              </a:xfrm>
+              <a:prstGeom prst="trapezoid">
+                <a:avLst/>
+              </a:prstGeom>
+              <a:noFill/>
+              <a:ln>
+                <a:solidFill>
+                  <a:schemeClr val="tx1"/>
+                </a:solidFill>
+              </a:ln>
+            </p:spPr>
+            <p:style>
+              <a:lnRef idx="2">
+                <a:schemeClr val="accent1">
+                  <a:shade val="50000"/>
+                </a:schemeClr>
+              </a:lnRef>
+              <a:fillRef idx="1">
+                <a:schemeClr val="accent1"/>
+              </a:fillRef>
+              <a:effectRef idx="0">
+                <a:schemeClr val="accent1"/>
+              </a:effectRef>
+              <a:fontRef idx="minor">
+                <a:schemeClr val="lt1"/>
+              </a:fontRef>
+            </p:style>
+            <p:txBody>
+              <a:bodyPr rtlCol="0" anchor="ctr"/>
+              <a:lstStyle/>
+              <a:p>
+                <a:pPr algn="ctr"/>
+                <a:endParaRPr kumimoji="1" lang="ja-JP" altLang="en-US"/>
+              </a:p>
+            </p:txBody>
+          </p:sp>
+          <p:sp>
+            <p:nvSpPr>
+              <p:cNvPr id="134" name="雲形吹き出し 133"/>
+              <p:cNvSpPr/>
+              <p:nvPr/>
+            </p:nvSpPr>
+            <p:spPr>
+              <a:xfrm rot="21370121">
+                <a:off x="8843752" y="2473889"/>
+                <a:ext cx="258523" cy="650950"/>
+              </a:xfrm>
+              <a:prstGeom prst="cloudCallout">
+                <a:avLst/>
+              </a:prstGeom>
+              <a:solidFill>
+                <a:srgbClr val="EF6DF2"/>
+              </a:solidFill>
+              <a:ln>
+                <a:solidFill>
+                  <a:schemeClr val="tx1"/>
+                </a:solidFill>
+              </a:ln>
+            </p:spPr>
+            <p:style>
+              <a:lnRef idx="2">
+                <a:schemeClr val="accent1">
+                  <a:shade val="50000"/>
+                </a:schemeClr>
+              </a:lnRef>
+              <a:fillRef idx="1">
+                <a:schemeClr val="accent1"/>
+              </a:fillRef>
+              <a:effectRef idx="0">
+                <a:schemeClr val="accent1"/>
+              </a:effectRef>
+              <a:fontRef idx="minor">
+                <a:schemeClr val="lt1"/>
+              </a:fontRef>
+            </p:style>
+            <p:txBody>
+              <a:bodyPr rtlCol="0" anchor="ctr"/>
+              <a:lstStyle/>
+              <a:p>
+                <a:pPr algn="ctr"/>
+                <a:endParaRPr kumimoji="1" lang="ja-JP" altLang="en-US"/>
+              </a:p>
+            </p:txBody>
+          </p:sp>
+        </p:grpSp>
+        <p:sp>
+          <p:nvSpPr>
+            <p:cNvPr id="140" name="正方形/長方形 139"/>
+            <p:cNvSpPr/>
+            <p:nvPr/>
+          </p:nvSpPr>
+          <p:spPr>
+            <a:xfrm>
+              <a:off x="9162425" y="3942974"/>
+              <a:ext cx="646625" cy="81851"/>
+            </a:xfrm>
+            <a:prstGeom prst="rect">
+              <a:avLst/>
+            </a:prstGeom>
+          </p:spPr>
+          <p:style>
+            <a:lnRef idx="2">
+              <a:schemeClr val="dk1">
+                <a:shade val="50000"/>
+              </a:schemeClr>
+            </a:lnRef>
+            <a:fillRef idx="1">
+              <a:schemeClr val="dk1"/>
+            </a:fillRef>
+            <a:effectRef idx="0">
+              <a:schemeClr val="dk1"/>
+            </a:effectRef>
+            <a:fontRef idx="minor">
+              <a:schemeClr val="lt1"/>
+            </a:fontRef>
+          </p:style>
+          <p:txBody>
+            <a:bodyPr rtlCol="0" anchor="ctr"/>
+            <a:lstStyle/>
+            <a:p>
+              <a:pPr algn="ctr"/>
+              <a:endParaRPr kumimoji="1" lang="ja-JP" altLang="en-US"/>
+            </a:p>
+          </p:txBody>
+        </p:sp>
+        <p:sp>
+          <p:nvSpPr>
+            <p:cNvPr id="141" name="正方形/長方形 140"/>
+            <p:cNvSpPr/>
+            <p:nvPr/>
+          </p:nvSpPr>
+          <p:spPr>
+            <a:xfrm>
+              <a:off x="10295254" y="3942974"/>
+              <a:ext cx="646625" cy="81851"/>
+            </a:xfrm>
+            <a:prstGeom prst="rect">
+              <a:avLst/>
+            </a:prstGeom>
+          </p:spPr>
+          <p:style>
+            <a:lnRef idx="2">
+              <a:schemeClr val="dk1">
+                <a:shade val="50000"/>
+              </a:schemeClr>
+            </a:lnRef>
+            <a:fillRef idx="1">
+              <a:schemeClr val="dk1"/>
+            </a:fillRef>
+            <a:effectRef idx="0">
+              <a:schemeClr val="dk1"/>
+            </a:effectRef>
+            <a:fontRef idx="minor">
+              <a:schemeClr val="lt1"/>
+            </a:fontRef>
+          </p:style>
+          <p:txBody>
+            <a:bodyPr rtlCol="0" anchor="ctr"/>
+            <a:lstStyle/>
+            <a:p>
+              <a:pPr algn="ctr"/>
+              <a:endParaRPr kumimoji="1" lang="ja-JP" altLang="en-US"/>
+            </a:p>
+          </p:txBody>
+        </p:sp>
+        <p:sp>
+          <p:nvSpPr>
+            <p:cNvPr id="142" name="正方形/長方形 141"/>
+            <p:cNvSpPr/>
+            <p:nvPr/>
+          </p:nvSpPr>
+          <p:spPr>
+            <a:xfrm>
+              <a:off x="9162425" y="3159029"/>
+              <a:ext cx="646625" cy="81851"/>
+            </a:xfrm>
+            <a:prstGeom prst="rect">
+              <a:avLst/>
+            </a:prstGeom>
+          </p:spPr>
+          <p:style>
+            <a:lnRef idx="2">
+              <a:schemeClr val="dk1">
+                <a:shade val="50000"/>
+              </a:schemeClr>
+            </a:lnRef>
+            <a:fillRef idx="1">
+              <a:schemeClr val="dk1"/>
+            </a:fillRef>
+            <a:effectRef idx="0">
+              <a:schemeClr val="dk1"/>
+            </a:effectRef>
+            <a:fontRef idx="minor">
+              <a:schemeClr val="lt1"/>
+            </a:fontRef>
+          </p:style>
+          <p:txBody>
+            <a:bodyPr rtlCol="0" anchor="ctr"/>
+            <a:lstStyle/>
+            <a:p>
+              <a:pPr algn="ctr"/>
+              <a:endParaRPr kumimoji="1" lang="ja-JP" altLang="en-US"/>
+            </a:p>
+          </p:txBody>
+        </p:sp>
+        <p:sp>
+          <p:nvSpPr>
+            <p:cNvPr id="143" name="正方形/長方形 142"/>
+            <p:cNvSpPr/>
+            <p:nvPr/>
+          </p:nvSpPr>
+          <p:spPr>
+            <a:xfrm>
+              <a:off x="10295254" y="3159029"/>
+              <a:ext cx="646625" cy="81851"/>
+            </a:xfrm>
+            <a:prstGeom prst="rect">
+              <a:avLst/>
+            </a:prstGeom>
+          </p:spPr>
+          <p:style>
+            <a:lnRef idx="2">
+              <a:schemeClr val="dk1">
+                <a:shade val="50000"/>
+              </a:schemeClr>
+            </a:lnRef>
+            <a:fillRef idx="1">
+              <a:schemeClr val="dk1"/>
+            </a:fillRef>
+            <a:effectRef idx="0">
+              <a:schemeClr val="dk1"/>
+            </a:effectRef>
+            <a:fontRef idx="minor">
+              <a:schemeClr val="lt1"/>
+            </a:fontRef>
+          </p:style>
+          <p:txBody>
+            <a:bodyPr rtlCol="0" anchor="ctr"/>
+            <a:lstStyle/>
+            <a:p>
+              <a:pPr algn="ctr"/>
+              <a:endParaRPr kumimoji="1" lang="ja-JP" altLang="en-US"/>
+            </a:p>
+          </p:txBody>
+        </p:sp>
+        <p:sp>
+          <p:nvSpPr>
+            <p:cNvPr id="144" name="正方形/長方形 143"/>
+            <p:cNvSpPr/>
+            <p:nvPr/>
+          </p:nvSpPr>
+          <p:spPr>
+            <a:xfrm>
+              <a:off x="9162425" y="2872920"/>
+              <a:ext cx="646625" cy="81851"/>
+            </a:xfrm>
+            <a:prstGeom prst="rect">
+              <a:avLst/>
+            </a:prstGeom>
+          </p:spPr>
+          <p:style>
+            <a:lnRef idx="2">
+              <a:schemeClr val="dk1">
+                <a:shade val="50000"/>
+              </a:schemeClr>
+            </a:lnRef>
+            <a:fillRef idx="1">
+              <a:schemeClr val="dk1"/>
+            </a:fillRef>
+            <a:effectRef idx="0">
+              <a:schemeClr val="dk1"/>
+            </a:effectRef>
+            <a:fontRef idx="minor">
+              <a:schemeClr val="lt1"/>
+            </a:fontRef>
+          </p:style>
+          <p:txBody>
+            <a:bodyPr rtlCol="0" anchor="ctr"/>
+            <a:lstStyle/>
+            <a:p>
+              <a:pPr algn="ctr"/>
+              <a:endParaRPr kumimoji="1" lang="ja-JP" altLang="en-US"/>
+            </a:p>
+          </p:txBody>
+        </p:sp>
+        <p:sp>
+          <p:nvSpPr>
+            <p:cNvPr id="145" name="正方形/長方形 144"/>
+            <p:cNvSpPr/>
+            <p:nvPr/>
+          </p:nvSpPr>
+          <p:spPr>
+            <a:xfrm>
+              <a:off x="10295254" y="2872920"/>
+              <a:ext cx="646625" cy="81851"/>
+            </a:xfrm>
+            <a:prstGeom prst="rect">
+              <a:avLst/>
+            </a:prstGeom>
+          </p:spPr>
+          <p:style>
+            <a:lnRef idx="2">
+              <a:schemeClr val="dk1">
+                <a:shade val="50000"/>
+              </a:schemeClr>
+            </a:lnRef>
+            <a:fillRef idx="1">
+              <a:schemeClr val="dk1"/>
+            </a:fillRef>
+            <a:effectRef idx="0">
+              <a:schemeClr val="dk1"/>
+            </a:effectRef>
+            <a:fontRef idx="minor">
+              <a:schemeClr val="lt1"/>
+            </a:fontRef>
+          </p:style>
+          <p:txBody>
+            <a:bodyPr rtlCol="0" anchor="ctr"/>
+            <a:lstStyle/>
+            <a:p>
+              <a:pPr algn="ctr"/>
+              <a:endParaRPr kumimoji="1" lang="ja-JP" altLang="en-US"/>
+            </a:p>
+          </p:txBody>
+        </p:sp>
+        <p:cxnSp>
+          <p:nvCxnSpPr>
+            <p:cNvPr id="147" name="直線コネクタ 146"/>
+            <p:cNvCxnSpPr/>
+            <p:nvPr/>
+          </p:nvCxnSpPr>
+          <p:spPr>
+            <a:xfrm flipH="1" flipV="1">
+              <a:off x="9861023" y="2617647"/>
+              <a:ext cx="134540" cy="944579"/>
+            </a:xfrm>
+            <a:prstGeom prst="line">
+              <a:avLst/>
+            </a:prstGeom>
+          </p:spPr>
+          <p:style>
+            <a:lnRef idx="1">
+              <a:schemeClr val="dk1"/>
+            </a:lnRef>
+            <a:fillRef idx="0">
+              <a:schemeClr val="dk1"/>
+            </a:fillRef>
+            <a:effectRef idx="0">
+              <a:schemeClr val="dk1"/>
+            </a:effectRef>
+            <a:fontRef idx="minor">
+              <a:schemeClr val="tx1"/>
+            </a:fontRef>
+          </p:style>
+        </p:cxnSp>
+        <p:cxnSp>
+          <p:nvCxnSpPr>
+            <p:cNvPr id="151" name="直線コネクタ 150"/>
+            <p:cNvCxnSpPr/>
+            <p:nvPr/>
+          </p:nvCxnSpPr>
+          <p:spPr>
+            <a:xfrm flipV="1">
+              <a:off x="10108742" y="2609960"/>
+              <a:ext cx="160802" cy="924047"/>
+            </a:xfrm>
+            <a:prstGeom prst="line">
+              <a:avLst/>
+            </a:prstGeom>
+          </p:spPr>
+          <p:style>
+            <a:lnRef idx="1">
+              <a:schemeClr val="dk1"/>
+            </a:lnRef>
+            <a:fillRef idx="0">
+              <a:schemeClr val="dk1"/>
+            </a:fillRef>
+            <a:effectRef idx="0">
+              <a:schemeClr val="dk1"/>
+            </a:effectRef>
+            <a:fontRef idx="minor">
+              <a:schemeClr val="tx1"/>
+            </a:fontRef>
+          </p:style>
+        </p:cxnSp>
+        <p:cxnSp>
+          <p:nvCxnSpPr>
+            <p:cNvPr id="153" name="直線コネクタ 152"/>
+            <p:cNvCxnSpPr>
+              <a:stCxn id="134" idx="3"/>
+              <a:endCxn id="155" idx="0"/>
+            </p:cNvCxnSpPr>
+            <p:nvPr/>
+          </p:nvCxnSpPr>
+          <p:spPr>
+            <a:xfrm flipH="1" flipV="1">
+              <a:off x="10044512" y="2609960"/>
+              <a:ext cx="6101" cy="972993"/>
+            </a:xfrm>
+            <a:prstGeom prst="line">
+              <a:avLst/>
+            </a:prstGeom>
+          </p:spPr>
+          <p:style>
+            <a:lnRef idx="1">
+              <a:schemeClr val="dk1"/>
+            </a:lnRef>
+            <a:fillRef idx="0">
+              <a:schemeClr val="dk1"/>
+            </a:fillRef>
+            <a:effectRef idx="0">
+              <a:schemeClr val="dk1"/>
+            </a:effectRef>
+            <a:fontRef idx="minor">
+              <a:schemeClr val="tx1"/>
+            </a:fontRef>
+          </p:style>
+        </p:cxnSp>
+        <p:sp>
+          <p:nvSpPr>
+            <p:cNvPr id="155" name="正方形/長方形 154"/>
+            <p:cNvSpPr/>
+            <p:nvPr/>
+          </p:nvSpPr>
+          <p:spPr>
+            <a:xfrm flipV="1">
+              <a:off x="9147145" y="2515118"/>
+              <a:ext cx="1794734" cy="94842"/>
+            </a:xfrm>
+            <a:prstGeom prst="rect">
+              <a:avLst/>
+            </a:prstGeom>
+            <a:solidFill>
+              <a:schemeClr val="bg1"/>
+            </a:solidFill>
+          </p:spPr>
+          <p:style>
+            <a:lnRef idx="2">
+              <a:schemeClr val="dk1">
+                <a:shade val="50000"/>
+              </a:schemeClr>
+            </a:lnRef>
+            <a:fillRef idx="1">
+              <a:schemeClr val="dk1"/>
+            </a:fillRef>
+            <a:effectRef idx="0">
+              <a:schemeClr val="dk1"/>
+            </a:effectRef>
+            <a:fontRef idx="minor">
+              <a:schemeClr val="lt1"/>
+            </a:fontRef>
+          </p:style>
+          <p:txBody>
+            <a:bodyPr rtlCol="0" anchor="ctr"/>
+            <a:lstStyle/>
+            <a:p>
+              <a:pPr algn="ctr"/>
+              <a:endParaRPr kumimoji="1" lang="ja-JP" altLang="en-US"/>
+            </a:p>
+          </p:txBody>
+        </p:sp>
+        <p:sp>
+          <p:nvSpPr>
+            <p:cNvPr id="158" name="正方形/長方形 157"/>
+            <p:cNvSpPr/>
+            <p:nvPr/>
+          </p:nvSpPr>
+          <p:spPr>
+            <a:xfrm>
+              <a:off x="9147145" y="2196404"/>
+              <a:ext cx="1813129" cy="75358"/>
+            </a:xfrm>
+            <a:prstGeom prst="rect">
+              <a:avLst/>
+            </a:prstGeom>
+          </p:spPr>
+          <p:style>
+            <a:lnRef idx="2">
+              <a:schemeClr val="dk1">
+                <a:shade val="50000"/>
+              </a:schemeClr>
+            </a:lnRef>
+            <a:fillRef idx="1">
+              <a:schemeClr val="dk1"/>
+            </a:fillRef>
+            <a:effectRef idx="0">
+              <a:schemeClr val="dk1"/>
+            </a:effectRef>
+            <a:fontRef idx="minor">
+              <a:schemeClr val="lt1"/>
+            </a:fontRef>
+          </p:style>
+          <p:txBody>
+            <a:bodyPr rtlCol="0" anchor="ctr"/>
+            <a:lstStyle/>
+            <a:p>
+              <a:pPr algn="ctr"/>
+              <a:endParaRPr kumimoji="1" lang="ja-JP" altLang="en-US"/>
+            </a:p>
+          </p:txBody>
+        </p:sp>
+        <p:sp>
+          <p:nvSpPr>
+            <p:cNvPr id="159" name="テキスト ボックス 158"/>
+            <p:cNvSpPr txBox="1"/>
+            <p:nvPr/>
+          </p:nvSpPr>
+          <p:spPr>
+            <a:xfrm>
+              <a:off x="5059631" y="4714875"/>
+              <a:ext cx="1614545" cy="369332"/>
+            </a:xfrm>
+            <a:prstGeom prst="rect">
+              <a:avLst/>
+            </a:prstGeom>
+            <a:noFill/>
+          </p:spPr>
+          <p:txBody>
+            <a:bodyPr wrap="none" rtlCol="0">
+              <a:spAutoFit/>
+            </a:bodyPr>
+            <a:lstStyle/>
+            <a:p>
+              <a:r>
+                <a:rPr kumimoji="1" lang="en-US" altLang="ja-JP" dirty="0" smtClean="0"/>
+                <a:t>800nm+400nm</a:t>
+              </a:r>
+              <a:endParaRPr kumimoji="1" lang="ja-JP" altLang="en-US" dirty="0"/>
+            </a:p>
+          </p:txBody>
+        </p:sp>
+        <p:sp>
+          <p:nvSpPr>
+            <p:cNvPr id="160" name="テキスト ボックス 159"/>
+            <p:cNvSpPr txBox="1"/>
+            <p:nvPr/>
+          </p:nvSpPr>
+          <p:spPr>
+            <a:xfrm>
+              <a:off x="2636199" y="4720260"/>
+              <a:ext cx="841897" cy="369332"/>
+            </a:xfrm>
+            <a:prstGeom prst="rect">
+              <a:avLst/>
+            </a:prstGeom>
+            <a:noFill/>
+          </p:spPr>
+          <p:txBody>
+            <a:bodyPr wrap="none" rtlCol="0">
+              <a:spAutoFit/>
+            </a:bodyPr>
+            <a:lstStyle/>
+            <a:p>
+              <a:r>
+                <a:rPr kumimoji="1" lang="en-US" altLang="ja-JP" dirty="0" smtClean="0"/>
+                <a:t>800nm</a:t>
+              </a:r>
+              <a:endParaRPr kumimoji="1" lang="ja-JP" altLang="en-US" dirty="0"/>
+            </a:p>
+          </p:txBody>
+        </p:sp>
+        <p:sp>
+          <p:nvSpPr>
+            <p:cNvPr id="161" name="左中かっこ 160"/>
+            <p:cNvSpPr/>
+            <p:nvPr/>
+          </p:nvSpPr>
+          <p:spPr>
+            <a:xfrm rot="16200000">
+              <a:off x="5557516" y="3122018"/>
+              <a:ext cx="618777" cy="2667991"/>
+            </a:xfrm>
+            <a:prstGeom prst="leftBrace">
+              <a:avLst/>
+            </a:prstGeom>
+          </p:spPr>
+          <p:style>
+            <a:lnRef idx="1">
+              <a:schemeClr val="dk1"/>
+            </a:lnRef>
+            <a:fillRef idx="0">
+              <a:schemeClr val="dk1"/>
+            </a:fillRef>
+            <a:effectRef idx="0">
+              <a:schemeClr val="dk1"/>
+            </a:effectRef>
+            <a:fontRef idx="minor">
+              <a:schemeClr val="tx1"/>
+            </a:fontRef>
+          </p:style>
+          <p:txBody>
+            <a:bodyPr rtlCol="0" anchor="ctr"/>
+            <a:lstStyle/>
+            <a:p>
+              <a:pPr algn="ctr"/>
+              <a:endParaRPr kumimoji="1" lang="ja-JP" altLang="en-US"/>
+            </a:p>
+          </p:txBody>
+        </p:sp>
+        <p:sp>
+          <p:nvSpPr>
+            <p:cNvPr id="162" name="左中かっこ 161"/>
+            <p:cNvSpPr/>
+            <p:nvPr/>
+          </p:nvSpPr>
+          <p:spPr>
+            <a:xfrm rot="16200000">
+              <a:off x="2731688" y="3024815"/>
+              <a:ext cx="551282" cy="2794905"/>
+            </a:xfrm>
+            <a:prstGeom prst="leftBrace">
+              <a:avLst/>
+            </a:prstGeom>
+          </p:spPr>
+          <p:style>
+            <a:lnRef idx="1">
+              <a:schemeClr val="dk1"/>
+            </a:lnRef>
+            <a:fillRef idx="0">
+              <a:schemeClr val="dk1"/>
+            </a:fillRef>
+            <a:effectRef idx="0">
+              <a:schemeClr val="dk1"/>
+            </a:effectRef>
+            <a:fontRef idx="minor">
+              <a:schemeClr val="tx1"/>
+            </a:fontRef>
+          </p:style>
+          <p:txBody>
+            <a:bodyPr rtlCol="0" anchor="ctr"/>
+            <a:lstStyle/>
+            <a:p>
+              <a:pPr algn="ctr"/>
+              <a:endParaRPr kumimoji="1" lang="ja-JP" altLang="en-US"/>
+            </a:p>
+          </p:txBody>
+        </p:sp>
+        <p:cxnSp>
+          <p:nvCxnSpPr>
+            <p:cNvPr id="30" name="直線コネクタ 29"/>
+            <p:cNvCxnSpPr>
+              <a:stCxn id="7" idx="2"/>
+              <a:endCxn id="6" idx="0"/>
+            </p:cNvCxnSpPr>
+            <p:nvPr/>
+          </p:nvCxnSpPr>
+          <p:spPr>
+            <a:xfrm flipH="1">
+              <a:off x="997405" y="3369570"/>
+              <a:ext cx="94633" cy="175520"/>
+            </a:xfrm>
+            <a:prstGeom prst="line">
+              <a:avLst/>
+            </a:prstGeom>
+          </p:spPr>
+          <p:style>
+            <a:lnRef idx="1">
+              <a:schemeClr val="dk1"/>
+            </a:lnRef>
+            <a:fillRef idx="0">
+              <a:schemeClr val="dk1"/>
+            </a:fillRef>
+            <a:effectRef idx="0">
+              <a:schemeClr val="dk1"/>
+            </a:effectRef>
+            <a:fontRef idx="minor">
+              <a:schemeClr val="tx1"/>
+            </a:fontRef>
+          </p:style>
+        </p:cxnSp>
       </p:grpSp>
-      <p:sp>
-        <p:nvSpPr>
-          <p:cNvPr id="140" name="正方形/長方形 139"/>
-          <p:cNvSpPr/>
-          <p:nvPr/>
-        </p:nvSpPr>
-        <p:spPr>
-          <a:xfrm>
-            <a:off x="9162425" y="3942974"/>
-            <a:ext cx="646625" cy="81851"/>
-          </a:xfrm>
-          <a:prstGeom prst="rect">
-            <a:avLst/>
-          </a:prstGeom>
-        </p:spPr>
-        <p:style>
-          <a:lnRef idx="2">
-            <a:schemeClr val="dk1">
-              <a:shade val="50000"/>
-            </a:schemeClr>
-          </a:lnRef>
-          <a:fillRef idx="1">
-            <a:schemeClr val="dk1"/>
-          </a:fillRef>
-          <a:effectRef idx="0">
-            <a:schemeClr val="dk1"/>
-          </a:effectRef>
-          <a:fontRef idx="minor">
-            <a:schemeClr val="lt1"/>
-          </a:fontRef>
-        </p:style>
-        <p:txBody>
-          <a:bodyPr rtlCol="0" anchor="ctr"/>
-          <a:lstStyle/>
-          <a:p>
-            <a:pPr algn="ctr"/>
-            <a:endParaRPr kumimoji="1" lang="ja-JP" altLang="en-US"/>
-          </a:p>
-        </p:txBody>
-      </p:sp>
-      <p:sp>
-        <p:nvSpPr>
-          <p:cNvPr id="141" name="正方形/長方形 140"/>
-          <p:cNvSpPr/>
-          <p:nvPr/>
-        </p:nvSpPr>
-        <p:spPr>
-          <a:xfrm>
-            <a:off x="10295254" y="3942974"/>
-            <a:ext cx="646625" cy="81851"/>
-          </a:xfrm>
-          <a:prstGeom prst="rect">
-            <a:avLst/>
-          </a:prstGeom>
-        </p:spPr>
-        <p:style>
-          <a:lnRef idx="2">
-            <a:schemeClr val="dk1">
-              <a:shade val="50000"/>
-            </a:schemeClr>
-          </a:lnRef>
-          <a:fillRef idx="1">
-            <a:schemeClr val="dk1"/>
-          </a:fillRef>
-          <a:effectRef idx="0">
-            <a:schemeClr val="dk1"/>
-          </a:effectRef>
-          <a:fontRef idx="minor">
-            <a:schemeClr val="lt1"/>
-          </a:fontRef>
-        </p:style>
-        <p:txBody>
-          <a:bodyPr rtlCol="0" anchor="ctr"/>
-          <a:lstStyle/>
-          <a:p>
-            <a:pPr algn="ctr"/>
-            <a:endParaRPr kumimoji="1" lang="ja-JP" altLang="en-US"/>
-          </a:p>
-        </p:txBody>
-      </p:sp>
-      <p:sp>
-        <p:nvSpPr>
-          <p:cNvPr id="142" name="正方形/長方形 141"/>
-          <p:cNvSpPr/>
-          <p:nvPr/>
-        </p:nvSpPr>
-        <p:spPr>
-          <a:xfrm>
-            <a:off x="9162425" y="3159029"/>
-            <a:ext cx="646625" cy="81851"/>
-          </a:xfrm>
-          <a:prstGeom prst="rect">
-            <a:avLst/>
-          </a:prstGeom>
-        </p:spPr>
-        <p:style>
-          <a:lnRef idx="2">
-            <a:schemeClr val="dk1">
-              <a:shade val="50000"/>
-            </a:schemeClr>
-          </a:lnRef>
-          <a:fillRef idx="1">
-            <a:schemeClr val="dk1"/>
-          </a:fillRef>
-          <a:effectRef idx="0">
-            <a:schemeClr val="dk1"/>
-          </a:effectRef>
-          <a:fontRef idx="minor">
-            <a:schemeClr val="lt1"/>
-          </a:fontRef>
-        </p:style>
-        <p:txBody>
-          <a:bodyPr rtlCol="0" anchor="ctr"/>
-          <a:lstStyle/>
-          <a:p>
-            <a:pPr algn="ctr"/>
-            <a:endParaRPr kumimoji="1" lang="ja-JP" altLang="en-US"/>
-          </a:p>
-        </p:txBody>
-      </p:sp>
-      <p:sp>
-        <p:nvSpPr>
-          <p:cNvPr id="143" name="正方形/長方形 142"/>
-          <p:cNvSpPr/>
-          <p:nvPr/>
-        </p:nvSpPr>
-        <p:spPr>
-          <a:xfrm>
-            <a:off x="10295254" y="3159029"/>
-            <a:ext cx="646625" cy="81851"/>
-          </a:xfrm>
-          <a:prstGeom prst="rect">
-            <a:avLst/>
-          </a:prstGeom>
-        </p:spPr>
-        <p:style>
-          <a:lnRef idx="2">
-            <a:schemeClr val="dk1">
-              <a:shade val="50000"/>
-            </a:schemeClr>
-          </a:lnRef>
-          <a:fillRef idx="1">
-            <a:schemeClr val="dk1"/>
-          </a:fillRef>
-          <a:effectRef idx="0">
-            <a:schemeClr val="dk1"/>
-          </a:effectRef>
-          <a:fontRef idx="minor">
-            <a:schemeClr val="lt1"/>
-          </a:fontRef>
-        </p:style>
-        <p:txBody>
-          <a:bodyPr rtlCol="0" anchor="ctr"/>
-          <a:lstStyle/>
-          <a:p>
-            <a:pPr algn="ctr"/>
-            <a:endParaRPr kumimoji="1" lang="ja-JP" altLang="en-US"/>
-          </a:p>
-        </p:txBody>
-      </p:sp>
-      <p:sp>
-        <p:nvSpPr>
-          <p:cNvPr id="144" name="正方形/長方形 143"/>
-          <p:cNvSpPr/>
-          <p:nvPr/>
-        </p:nvSpPr>
-        <p:spPr>
-          <a:xfrm>
-            <a:off x="9162425" y="2872920"/>
-            <a:ext cx="646625" cy="81851"/>
-          </a:xfrm>
-          <a:prstGeom prst="rect">
-            <a:avLst/>
-          </a:prstGeom>
-        </p:spPr>
-        <p:style>
-          <a:lnRef idx="2">
-            <a:schemeClr val="dk1">
-              <a:shade val="50000"/>
-            </a:schemeClr>
-          </a:lnRef>
-          <a:fillRef idx="1">
-            <a:schemeClr val="dk1"/>
-          </a:fillRef>
-          <a:effectRef idx="0">
-            <a:schemeClr val="dk1"/>
-          </a:effectRef>
-          <a:fontRef idx="minor">
-            <a:schemeClr val="lt1"/>
-          </a:fontRef>
-        </p:style>
-        <p:txBody>
-          <a:bodyPr rtlCol="0" anchor="ctr"/>
-          <a:lstStyle/>
-          <a:p>
-            <a:pPr algn="ctr"/>
-            <a:endParaRPr kumimoji="1" lang="ja-JP" altLang="en-US"/>
-          </a:p>
-        </p:txBody>
-      </p:sp>
-      <p:sp>
-        <p:nvSpPr>
-          <p:cNvPr id="145" name="正方形/長方形 144"/>
-          <p:cNvSpPr/>
-          <p:nvPr/>
-        </p:nvSpPr>
-        <p:spPr>
-          <a:xfrm>
-            <a:off x="10295254" y="2872920"/>
-            <a:ext cx="646625" cy="81851"/>
-          </a:xfrm>
-          <a:prstGeom prst="rect">
-            <a:avLst/>
-          </a:prstGeom>
-        </p:spPr>
-        <p:style>
-          <a:lnRef idx="2">
-            <a:schemeClr val="dk1">
-              <a:shade val="50000"/>
-            </a:schemeClr>
-          </a:lnRef>
-          <a:fillRef idx="1">
-            <a:schemeClr val="dk1"/>
-          </a:fillRef>
-          <a:effectRef idx="0">
-            <a:schemeClr val="dk1"/>
-          </a:effectRef>
-          <a:fontRef idx="minor">
-            <a:schemeClr val="lt1"/>
-          </a:fontRef>
-        </p:style>
-        <p:txBody>
-          <a:bodyPr rtlCol="0" anchor="ctr"/>
-          <a:lstStyle/>
-          <a:p>
-            <a:pPr algn="ctr"/>
-            <a:endParaRPr kumimoji="1" lang="ja-JP" altLang="en-US"/>
-          </a:p>
-        </p:txBody>
-      </p:sp>
-      <p:cxnSp>
-        <p:nvCxnSpPr>
-          <p:cNvPr id="147" name="直線コネクタ 146"/>
-          <p:cNvCxnSpPr/>
-          <p:nvPr/>
-        </p:nvCxnSpPr>
-        <p:spPr>
-          <a:xfrm flipH="1" flipV="1">
-            <a:off x="9861023" y="2617647"/>
-            <a:ext cx="134540" cy="944579"/>
-          </a:xfrm>
-          <a:prstGeom prst="line">
-            <a:avLst/>
-          </a:prstGeom>
-        </p:spPr>
-        <p:style>
-          <a:lnRef idx="1">
-            <a:schemeClr val="dk1"/>
-          </a:lnRef>
-          <a:fillRef idx="0">
-            <a:schemeClr val="dk1"/>
-          </a:fillRef>
-          <a:effectRef idx="0">
-            <a:schemeClr val="dk1"/>
-          </a:effectRef>
-          <a:fontRef idx="minor">
-            <a:schemeClr val="tx1"/>
-          </a:fontRef>
-        </p:style>
-      </p:cxnSp>
-      <p:cxnSp>
-        <p:nvCxnSpPr>
-          <p:cNvPr id="151" name="直線コネクタ 150"/>
-          <p:cNvCxnSpPr/>
-          <p:nvPr/>
-        </p:nvCxnSpPr>
-        <p:spPr>
-          <a:xfrm flipV="1">
-            <a:off x="10108742" y="2609960"/>
-            <a:ext cx="160802" cy="924047"/>
-          </a:xfrm>
-          <a:prstGeom prst="line">
-            <a:avLst/>
-          </a:prstGeom>
-        </p:spPr>
-        <p:style>
-          <a:lnRef idx="1">
-            <a:schemeClr val="dk1"/>
-          </a:lnRef>
-          <a:fillRef idx="0">
-            <a:schemeClr val="dk1"/>
-          </a:fillRef>
-          <a:effectRef idx="0">
-            <a:schemeClr val="dk1"/>
-          </a:effectRef>
-          <a:fontRef idx="minor">
-            <a:schemeClr val="tx1"/>
-          </a:fontRef>
-        </p:style>
-      </p:cxnSp>
-      <p:cxnSp>
-        <p:nvCxnSpPr>
-          <p:cNvPr id="153" name="直線コネクタ 152"/>
-          <p:cNvCxnSpPr>
-            <a:stCxn id="134" idx="3"/>
-            <a:endCxn id="155" idx="0"/>
-          </p:cNvCxnSpPr>
-          <p:nvPr/>
-        </p:nvCxnSpPr>
-        <p:spPr>
-          <a:xfrm flipH="1" flipV="1">
-            <a:off x="10044512" y="2609960"/>
-            <a:ext cx="6101" cy="972993"/>
-          </a:xfrm>
-          <a:prstGeom prst="line">
-            <a:avLst/>
-          </a:prstGeom>
-        </p:spPr>
-        <p:style>
-          <a:lnRef idx="1">
-            <a:schemeClr val="dk1"/>
-          </a:lnRef>
-          <a:fillRef idx="0">
-            <a:schemeClr val="dk1"/>
-          </a:fillRef>
-          <a:effectRef idx="0">
-            <a:schemeClr val="dk1"/>
-          </a:effectRef>
-          <a:fontRef idx="minor">
-            <a:schemeClr val="tx1"/>
-          </a:fontRef>
-        </p:style>
-      </p:cxnSp>
-      <p:sp>
-        <p:nvSpPr>
-          <p:cNvPr id="155" name="正方形/長方形 154"/>
-          <p:cNvSpPr/>
-          <p:nvPr/>
-        </p:nvSpPr>
-        <p:spPr>
-          <a:xfrm flipV="1">
-            <a:off x="9147145" y="2515118"/>
-            <a:ext cx="1794734" cy="94842"/>
-          </a:xfrm>
-          <a:prstGeom prst="rect">
-            <a:avLst/>
-          </a:prstGeom>
-          <a:solidFill>
-            <a:schemeClr val="bg1"/>
-          </a:solidFill>
-        </p:spPr>
-        <p:style>
-          <a:lnRef idx="2">
-            <a:schemeClr val="dk1">
-              <a:shade val="50000"/>
-            </a:schemeClr>
-          </a:lnRef>
-          <a:fillRef idx="1">
-            <a:schemeClr val="dk1"/>
-          </a:fillRef>
-          <a:effectRef idx="0">
-            <a:schemeClr val="dk1"/>
-          </a:effectRef>
-          <a:fontRef idx="minor">
-            <a:schemeClr val="lt1"/>
-          </a:fontRef>
-        </p:style>
-        <p:txBody>
-          <a:bodyPr rtlCol="0" anchor="ctr"/>
-          <a:lstStyle/>
-          <a:p>
-            <a:pPr algn="ctr"/>
-            <a:endParaRPr kumimoji="1" lang="ja-JP" altLang="en-US"/>
-          </a:p>
-        </p:txBody>
-      </p:sp>
-      <p:sp>
-        <p:nvSpPr>
-          <p:cNvPr id="158" name="正方形/長方形 157"/>
-          <p:cNvSpPr/>
-          <p:nvPr/>
-        </p:nvSpPr>
-        <p:spPr>
-          <a:xfrm>
-            <a:off x="9147145" y="2196404"/>
-            <a:ext cx="1813129" cy="75358"/>
-          </a:xfrm>
-          <a:prstGeom prst="rect">
-            <a:avLst/>
-          </a:prstGeom>
-        </p:spPr>
-        <p:style>
-          <a:lnRef idx="2">
-            <a:schemeClr val="dk1">
-              <a:shade val="50000"/>
-            </a:schemeClr>
-          </a:lnRef>
-          <a:fillRef idx="1">
-            <a:schemeClr val="dk1"/>
-          </a:fillRef>
-          <a:effectRef idx="0">
-            <a:schemeClr val="dk1"/>
-          </a:effectRef>
-          <a:fontRef idx="minor">
-            <a:schemeClr val="lt1"/>
-          </a:fontRef>
-        </p:style>
-        <p:txBody>
-          <a:bodyPr rtlCol="0" anchor="ctr"/>
-          <a:lstStyle/>
-          <a:p>
-            <a:pPr algn="ctr"/>
-            <a:endParaRPr kumimoji="1" lang="ja-JP" altLang="en-US"/>
-          </a:p>
-        </p:txBody>
-      </p:sp>
-      <p:sp>
-        <p:nvSpPr>
-          <p:cNvPr id="159" name="テキスト ボックス 158"/>
-          <p:cNvSpPr txBox="1"/>
-          <p:nvPr/>
-        </p:nvSpPr>
-        <p:spPr>
-          <a:xfrm>
-            <a:off x="5059631" y="4714875"/>
-            <a:ext cx="1614545" cy="369332"/>
-          </a:xfrm>
-          <a:prstGeom prst="rect">
-            <a:avLst/>
-          </a:prstGeom>
-          <a:noFill/>
-        </p:spPr>
-        <p:txBody>
-          <a:bodyPr wrap="none" rtlCol="0">
-            <a:spAutoFit/>
-          </a:bodyPr>
-          <a:lstStyle/>
-          <a:p>
-            <a:r>
-              <a:rPr kumimoji="1" lang="en-US" altLang="ja-JP" dirty="0" smtClean="0"/>
-              <a:t>800nm+400nm</a:t>
-            </a:r>
-            <a:endParaRPr kumimoji="1" lang="ja-JP" altLang="en-US" dirty="0"/>
-          </a:p>
-        </p:txBody>
-      </p:sp>
-      <p:sp>
-        <p:nvSpPr>
-          <p:cNvPr id="160" name="テキスト ボックス 159"/>
-          <p:cNvSpPr txBox="1"/>
-          <p:nvPr/>
-        </p:nvSpPr>
-        <p:spPr>
-          <a:xfrm>
-            <a:off x="2636199" y="4720260"/>
-            <a:ext cx="841897" cy="369332"/>
-          </a:xfrm>
-          <a:prstGeom prst="rect">
-            <a:avLst/>
-          </a:prstGeom>
-          <a:noFill/>
-        </p:spPr>
-        <p:txBody>
-          <a:bodyPr wrap="none" rtlCol="0">
-            <a:spAutoFit/>
-          </a:bodyPr>
-          <a:lstStyle/>
-          <a:p>
-            <a:r>
-              <a:rPr kumimoji="1" lang="en-US" altLang="ja-JP" dirty="0" smtClean="0"/>
-              <a:t>800nm</a:t>
-            </a:r>
-            <a:endParaRPr kumimoji="1" lang="ja-JP" altLang="en-US" dirty="0"/>
-          </a:p>
-        </p:txBody>
-      </p:sp>
-      <p:sp>
-        <p:nvSpPr>
-          <p:cNvPr id="161" name="左中かっこ 160"/>
-          <p:cNvSpPr/>
-          <p:nvPr/>
-        </p:nvSpPr>
-        <p:spPr>
-          <a:xfrm rot="16200000">
-            <a:off x="5557516" y="3122018"/>
-            <a:ext cx="618777" cy="2667991"/>
-          </a:xfrm>
-          <a:prstGeom prst="leftBrace">
-            <a:avLst/>
-          </a:prstGeom>
-        </p:spPr>
-        <p:style>
-          <a:lnRef idx="1">
-            <a:schemeClr val="dk1"/>
-          </a:lnRef>
-          <a:fillRef idx="0">
-            <a:schemeClr val="dk1"/>
-          </a:fillRef>
-          <a:effectRef idx="0">
-            <a:schemeClr val="dk1"/>
-          </a:effectRef>
-          <a:fontRef idx="minor">
-            <a:schemeClr val="tx1"/>
-          </a:fontRef>
-        </p:style>
-        <p:txBody>
-          <a:bodyPr rtlCol="0" anchor="ctr"/>
-          <a:lstStyle/>
-          <a:p>
-            <a:pPr algn="ctr"/>
-            <a:endParaRPr kumimoji="1" lang="ja-JP" altLang="en-US"/>
-          </a:p>
-        </p:txBody>
-      </p:sp>
-      <p:sp>
-        <p:nvSpPr>
-          <p:cNvPr id="162" name="左中かっこ 161"/>
-          <p:cNvSpPr/>
-          <p:nvPr/>
-        </p:nvSpPr>
-        <p:spPr>
-          <a:xfrm rot="16200000">
-            <a:off x="2731688" y="3024815"/>
-            <a:ext cx="551282" cy="2794905"/>
-          </a:xfrm>
-          <a:prstGeom prst="leftBrace">
-            <a:avLst/>
-          </a:prstGeom>
-        </p:spPr>
-        <p:style>
-          <a:lnRef idx="1">
-            <a:schemeClr val="dk1"/>
-          </a:lnRef>
-          <a:fillRef idx="0">
-            <a:schemeClr val="dk1"/>
-          </a:fillRef>
-          <a:effectRef idx="0">
-            <a:schemeClr val="dk1"/>
-          </a:effectRef>
-          <a:fontRef idx="minor">
-            <a:schemeClr val="tx1"/>
-          </a:fontRef>
-        </p:style>
-        <p:txBody>
-          <a:bodyPr rtlCol="0" anchor="ctr"/>
-          <a:lstStyle/>
-          <a:p>
-            <a:pPr algn="ctr"/>
-            <a:endParaRPr kumimoji="1" lang="ja-JP" altLang="en-US"/>
-          </a:p>
-        </p:txBody>
-      </p:sp>
-      <p:cxnSp>
-        <p:nvCxnSpPr>
-          <p:cNvPr id="30" name="直線コネクタ 29"/>
-          <p:cNvCxnSpPr>
-            <a:stCxn id="7" idx="2"/>
-            <a:endCxn id="6" idx="0"/>
-          </p:cNvCxnSpPr>
-          <p:nvPr/>
-        </p:nvCxnSpPr>
-        <p:spPr>
-          <a:xfrm flipH="1">
-            <a:off x="997405" y="3369570"/>
-            <a:ext cx="94633" cy="175520"/>
-          </a:xfrm>
-          <a:prstGeom prst="line">
-            <a:avLst/>
-          </a:prstGeom>
-        </p:spPr>
-        <p:style>
-          <a:lnRef idx="1">
-            <a:schemeClr val="dk1"/>
-          </a:lnRef>
-          <a:fillRef idx="0">
-            <a:schemeClr val="dk1"/>
-          </a:fillRef>
-          <a:effectRef idx="0">
-            <a:schemeClr val="dk1"/>
-          </a:effectRef>
-          <a:fontRef idx="minor">
-            <a:schemeClr val="tx1"/>
-          </a:fontRef>
-        </p:style>
-      </p:cxnSp>
     </p:spTree>
     <p:extLst>
       <p:ext uri="{BB962C8B-B14F-4D97-AF65-F5344CB8AC3E}">

--- a/図/図.pptx
+++ b/図/図.pptx
@@ -5,7 +5,7 @@
     <p:sldMasterId id="2147483648" r:id="rId1"/>
   </p:sldMasterIdLst>
   <p:notesMasterIdLst>
-    <p:notesMasterId r:id="rId21"/>
+    <p:notesMasterId r:id="rId22"/>
   </p:notesMasterIdLst>
   <p:sldIdLst>
     <p:sldId id="256" r:id="rId2"/>
@@ -27,6 +27,7 @@
     <p:sldId id="267" r:id="rId18"/>
     <p:sldId id="270" r:id="rId19"/>
     <p:sldId id="274" r:id="rId20"/>
+    <p:sldId id="275" r:id="rId21"/>
   </p:sldIdLst>
   <p:sldSz cx="12192000" cy="6858000"/>
   <p:notesSz cx="6858000" cy="9144000"/>
@@ -215,7 +216,7 @@
           <a:p>
             <a:fld id="{E0B46874-C680-424F-BEDD-8574F74A4FA8}" type="datetimeFigureOut">
               <a:rPr kumimoji="1" lang="ja-JP" altLang="en-US" smtClean="0"/>
-              <a:t>2021/1/27</a:t>
+              <a:t>2021/1/28</a:t>
             </a:fld>
             <a:endParaRPr kumimoji="1" lang="ja-JP" altLang="en-US"/>
           </a:p>
@@ -730,7 +731,7 @@
           <a:p>
             <a:fld id="{1058E222-3311-4DDB-A469-A7F4B944C488}" type="datetimeFigureOut">
               <a:rPr kumimoji="1" lang="ja-JP" altLang="en-US" smtClean="0"/>
-              <a:t>2021/1/27</a:t>
+              <a:t>2021/1/28</a:t>
             </a:fld>
             <a:endParaRPr kumimoji="1" lang="ja-JP" altLang="en-US"/>
           </a:p>
@@ -932,7 +933,7 @@
           <a:p>
             <a:fld id="{1058E222-3311-4DDB-A469-A7F4B944C488}" type="datetimeFigureOut">
               <a:rPr kumimoji="1" lang="ja-JP" altLang="en-US" smtClean="0"/>
-              <a:t>2021/1/27</a:t>
+              <a:t>2021/1/28</a:t>
             </a:fld>
             <a:endParaRPr kumimoji="1" lang="ja-JP" altLang="en-US"/>
           </a:p>
@@ -1144,7 +1145,7 @@
           <a:p>
             <a:fld id="{1058E222-3311-4DDB-A469-A7F4B944C488}" type="datetimeFigureOut">
               <a:rPr kumimoji="1" lang="ja-JP" altLang="en-US" smtClean="0"/>
-              <a:t>2021/1/27</a:t>
+              <a:t>2021/1/28</a:t>
             </a:fld>
             <a:endParaRPr kumimoji="1" lang="ja-JP" altLang="en-US"/>
           </a:p>
@@ -1346,7 +1347,7 @@
           <a:p>
             <a:fld id="{1058E222-3311-4DDB-A469-A7F4B944C488}" type="datetimeFigureOut">
               <a:rPr kumimoji="1" lang="ja-JP" altLang="en-US" smtClean="0"/>
-              <a:t>2021/1/27</a:t>
+              <a:t>2021/1/28</a:t>
             </a:fld>
             <a:endParaRPr kumimoji="1" lang="ja-JP" altLang="en-US"/>
           </a:p>
@@ -1592,7 +1593,7 @@
           <a:p>
             <a:fld id="{1058E222-3311-4DDB-A469-A7F4B944C488}" type="datetimeFigureOut">
               <a:rPr kumimoji="1" lang="ja-JP" altLang="en-US" smtClean="0"/>
-              <a:t>2021/1/27</a:t>
+              <a:t>2021/1/28</a:t>
             </a:fld>
             <a:endParaRPr kumimoji="1" lang="ja-JP" altLang="en-US"/>
           </a:p>
@@ -1888,7 +1889,7 @@
           <a:p>
             <a:fld id="{1058E222-3311-4DDB-A469-A7F4B944C488}" type="datetimeFigureOut">
               <a:rPr kumimoji="1" lang="ja-JP" altLang="en-US" smtClean="0"/>
-              <a:t>2021/1/27</a:t>
+              <a:t>2021/1/28</a:t>
             </a:fld>
             <a:endParaRPr kumimoji="1" lang="ja-JP" altLang="en-US"/>
           </a:p>
@@ -2319,7 +2320,7 @@
           <a:p>
             <a:fld id="{1058E222-3311-4DDB-A469-A7F4B944C488}" type="datetimeFigureOut">
               <a:rPr kumimoji="1" lang="ja-JP" altLang="en-US" smtClean="0"/>
-              <a:t>2021/1/27</a:t>
+              <a:t>2021/1/28</a:t>
             </a:fld>
             <a:endParaRPr kumimoji="1" lang="ja-JP" altLang="en-US"/>
           </a:p>
@@ -2437,7 +2438,7 @@
           <a:p>
             <a:fld id="{1058E222-3311-4DDB-A469-A7F4B944C488}" type="datetimeFigureOut">
               <a:rPr kumimoji="1" lang="ja-JP" altLang="en-US" smtClean="0"/>
-              <a:t>2021/1/27</a:t>
+              <a:t>2021/1/28</a:t>
             </a:fld>
             <a:endParaRPr kumimoji="1" lang="ja-JP" altLang="en-US"/>
           </a:p>
@@ -2532,7 +2533,7 @@
           <a:p>
             <a:fld id="{1058E222-3311-4DDB-A469-A7F4B944C488}" type="datetimeFigureOut">
               <a:rPr kumimoji="1" lang="ja-JP" altLang="en-US" smtClean="0"/>
-              <a:t>2021/1/27</a:t>
+              <a:t>2021/1/28</a:t>
             </a:fld>
             <a:endParaRPr kumimoji="1" lang="ja-JP" altLang="en-US"/>
           </a:p>
@@ -2841,7 +2842,7 @@
           <a:p>
             <a:fld id="{1058E222-3311-4DDB-A469-A7F4B944C488}" type="datetimeFigureOut">
               <a:rPr kumimoji="1" lang="ja-JP" altLang="en-US" smtClean="0"/>
-              <a:t>2021/1/27</a:t>
+              <a:t>2021/1/28</a:t>
             </a:fld>
             <a:endParaRPr kumimoji="1" lang="ja-JP" altLang="en-US"/>
           </a:p>
@@ -3094,7 +3095,7 @@
           <a:p>
             <a:fld id="{1058E222-3311-4DDB-A469-A7F4B944C488}" type="datetimeFigureOut">
               <a:rPr kumimoji="1" lang="ja-JP" altLang="en-US" smtClean="0"/>
-              <a:t>2021/1/27</a:t>
+              <a:t>2021/1/28</a:t>
             </a:fld>
             <a:endParaRPr kumimoji="1" lang="ja-JP" altLang="en-US"/>
           </a:p>
@@ -3339,7 +3340,7 @@
           <a:p>
             <a:fld id="{1058E222-3311-4DDB-A469-A7F4B944C488}" type="datetimeFigureOut">
               <a:rPr kumimoji="1" lang="ja-JP" altLang="en-US" smtClean="0"/>
-              <a:t>2021/1/27</a:t>
+              <a:t>2021/1/28</a:t>
             </a:fld>
             <a:endParaRPr kumimoji="1" lang="ja-JP" altLang="en-US"/>
           </a:p>
@@ -11135,6 +11136,464 @@
     <p:extLst>
       <p:ext uri="{BB962C8B-B14F-4D97-AF65-F5344CB8AC3E}">
         <p14:creationId xmlns:p14="http://schemas.microsoft.com/office/powerpoint/2010/main" val="3966481635"/>
+      </p:ext>
+    </p:extLst>
+  </p:cSld>
+  <p:clrMapOvr>
+    <a:masterClrMapping/>
+  </p:clrMapOvr>
+</p:sld>
+</file>
+
+<file path=ppt/slides/slide20.xml><?xml version="1.0" encoding="utf-8"?>
+<p:sld xmlns:a="http://schemas.openxmlformats.org/drawingml/2006/main" xmlns:r="http://schemas.openxmlformats.org/officeDocument/2006/relationships" xmlns:p="http://schemas.openxmlformats.org/presentationml/2006/main">
+  <p:cSld>
+    <p:spTree>
+      <p:nvGrpSpPr>
+        <p:cNvPr id="1" name=""/>
+        <p:cNvGrpSpPr/>
+        <p:nvPr/>
+      </p:nvGrpSpPr>
+      <p:grpSpPr>
+        <a:xfrm>
+          <a:off x="0" y="0"/>
+          <a:ext cx="0" cy="0"/>
+          <a:chOff x="0" y="0"/>
+          <a:chExt cx="0" cy="0"/>
+        </a:xfrm>
+      </p:grpSpPr>
+      <p:pic>
+        <p:nvPicPr>
+          <p:cNvPr id="4" name="図 3"/>
+          <p:cNvPicPr>
+            <a:picLocks noChangeAspect="1"/>
+          </p:cNvPicPr>
+          <p:nvPr/>
+        </p:nvPicPr>
+        <p:blipFill>
+          <a:blip r:embed="rId2"/>
+          <a:stretch>
+            <a:fillRect/>
+          </a:stretch>
+        </p:blipFill>
+        <p:spPr>
+          <a:xfrm>
+            <a:off x="852985" y="624597"/>
+            <a:ext cx="10486029" cy="5608806"/>
+          </a:xfrm>
+          <a:prstGeom prst="rect">
+            <a:avLst/>
+          </a:prstGeom>
+        </p:spPr>
+      </p:pic>
+      <p:cxnSp>
+        <p:nvCxnSpPr>
+          <p:cNvPr id="6" name="直線コネクタ 5"/>
+          <p:cNvCxnSpPr/>
+          <p:nvPr/>
+        </p:nvCxnSpPr>
+        <p:spPr>
+          <a:xfrm>
+            <a:off x="4432663" y="4023359"/>
+            <a:ext cx="0" cy="1480457"/>
+          </a:xfrm>
+          <a:prstGeom prst="line">
+            <a:avLst/>
+          </a:prstGeom>
+          <a:ln>
+            <a:solidFill>
+              <a:srgbClr val="FF0000"/>
+            </a:solidFill>
+          </a:ln>
+        </p:spPr>
+        <p:style>
+          <a:lnRef idx="1">
+            <a:schemeClr val="accent2"/>
+          </a:lnRef>
+          <a:fillRef idx="0">
+            <a:schemeClr val="accent2"/>
+          </a:fillRef>
+          <a:effectRef idx="0">
+            <a:schemeClr val="accent2"/>
+          </a:effectRef>
+          <a:fontRef idx="minor">
+            <a:schemeClr val="tx1"/>
+          </a:fontRef>
+        </p:style>
+      </p:cxnSp>
+      <p:cxnSp>
+        <p:nvCxnSpPr>
+          <p:cNvPr id="8" name="直線コネクタ 7"/>
+          <p:cNvCxnSpPr/>
+          <p:nvPr/>
+        </p:nvCxnSpPr>
+        <p:spPr>
+          <a:xfrm>
+            <a:off x="4310744" y="4023359"/>
+            <a:ext cx="0" cy="1480457"/>
+          </a:xfrm>
+          <a:prstGeom prst="line">
+            <a:avLst/>
+          </a:prstGeom>
+          <a:ln/>
+        </p:spPr>
+        <p:style>
+          <a:lnRef idx="1">
+            <a:schemeClr val="accent1"/>
+          </a:lnRef>
+          <a:fillRef idx="0">
+            <a:schemeClr val="accent1"/>
+          </a:fillRef>
+          <a:effectRef idx="0">
+            <a:schemeClr val="accent1"/>
+          </a:effectRef>
+          <a:fontRef idx="minor">
+            <a:schemeClr val="tx1"/>
+          </a:fontRef>
+        </p:style>
+      </p:cxnSp>
+      <p:sp>
+        <p:nvSpPr>
+          <p:cNvPr id="9" name="テキスト ボックス 8"/>
+          <p:cNvSpPr txBox="1"/>
+          <p:nvPr/>
+        </p:nvSpPr>
+        <p:spPr>
+          <a:xfrm>
+            <a:off x="4432663" y="5826484"/>
+            <a:ext cx="535724" cy="369332"/>
+          </a:xfrm>
+          <a:prstGeom prst="rect">
+            <a:avLst/>
+          </a:prstGeom>
+          <a:noFill/>
+        </p:spPr>
+        <p:txBody>
+          <a:bodyPr wrap="none" rtlCol="0">
+            <a:spAutoFit/>
+          </a:bodyPr>
+          <a:lstStyle/>
+          <a:p>
+            <a:r>
+              <a:rPr lang="en-US" altLang="ja-JP" dirty="0" smtClean="0">
+                <a:solidFill>
+                  <a:srgbClr val="FF0000"/>
+                </a:solidFill>
+              </a:rPr>
+              <a:t>140</a:t>
+            </a:r>
+            <a:endParaRPr kumimoji="1" lang="ja-JP" altLang="en-US" dirty="0">
+              <a:solidFill>
+                <a:srgbClr val="FF0000"/>
+              </a:solidFill>
+            </a:endParaRPr>
+          </a:p>
+        </p:txBody>
+      </p:sp>
+      <p:sp>
+        <p:nvSpPr>
+          <p:cNvPr id="10" name="テキスト ボックス 9"/>
+          <p:cNvSpPr txBox="1"/>
+          <p:nvPr/>
+        </p:nvSpPr>
+        <p:spPr>
+          <a:xfrm>
+            <a:off x="3574722" y="5864071"/>
+            <a:ext cx="535724" cy="369332"/>
+          </a:xfrm>
+          <a:prstGeom prst="rect">
+            <a:avLst/>
+          </a:prstGeom>
+          <a:noFill/>
+        </p:spPr>
+        <p:txBody>
+          <a:bodyPr wrap="none" rtlCol="0">
+            <a:spAutoFit/>
+          </a:bodyPr>
+          <a:lstStyle/>
+          <a:p>
+            <a:r>
+              <a:rPr kumimoji="1" lang="en-US" altLang="ja-JP" dirty="0" smtClean="0">
+                <a:solidFill>
+                  <a:schemeClr val="accent1"/>
+                </a:solidFill>
+              </a:rPr>
+              <a:t>134</a:t>
+            </a:r>
+          </a:p>
+        </p:txBody>
+      </p:sp>
+      <p:cxnSp>
+        <p:nvCxnSpPr>
+          <p:cNvPr id="12" name="直線コネクタ 11"/>
+          <p:cNvCxnSpPr/>
+          <p:nvPr/>
+        </p:nvCxnSpPr>
+        <p:spPr>
+          <a:xfrm flipV="1">
+            <a:off x="4075611" y="5503817"/>
+            <a:ext cx="230778" cy="322667"/>
+          </a:xfrm>
+          <a:prstGeom prst="line">
+            <a:avLst/>
+          </a:prstGeom>
+        </p:spPr>
+        <p:style>
+          <a:lnRef idx="1">
+            <a:schemeClr val="accent1"/>
+          </a:lnRef>
+          <a:fillRef idx="0">
+            <a:schemeClr val="accent1"/>
+          </a:fillRef>
+          <a:effectRef idx="0">
+            <a:schemeClr val="accent1"/>
+          </a:effectRef>
+          <a:fontRef idx="minor">
+            <a:schemeClr val="tx1"/>
+          </a:fontRef>
+        </p:style>
+      </p:cxnSp>
+      <p:cxnSp>
+        <p:nvCxnSpPr>
+          <p:cNvPr id="14" name="直線コネクタ 13"/>
+          <p:cNvCxnSpPr/>
+          <p:nvPr/>
+        </p:nvCxnSpPr>
+        <p:spPr>
+          <a:xfrm>
+            <a:off x="4432663" y="5503817"/>
+            <a:ext cx="267862" cy="435429"/>
+          </a:xfrm>
+          <a:prstGeom prst="line">
+            <a:avLst/>
+          </a:prstGeom>
+          <a:ln>
+            <a:solidFill>
+              <a:srgbClr val="FF0000"/>
+            </a:solidFill>
+          </a:ln>
+        </p:spPr>
+        <p:style>
+          <a:lnRef idx="1">
+            <a:schemeClr val="accent2"/>
+          </a:lnRef>
+          <a:fillRef idx="0">
+            <a:schemeClr val="accent2"/>
+          </a:fillRef>
+          <a:effectRef idx="0">
+            <a:schemeClr val="accent2"/>
+          </a:effectRef>
+          <a:fontRef idx="minor">
+            <a:schemeClr val="tx1"/>
+          </a:fontRef>
+        </p:style>
+      </p:cxnSp>
+      <p:cxnSp>
+        <p:nvCxnSpPr>
+          <p:cNvPr id="15" name="直線コネクタ 14"/>
+          <p:cNvCxnSpPr/>
+          <p:nvPr/>
+        </p:nvCxnSpPr>
+        <p:spPr>
+          <a:xfrm>
+            <a:off x="8116389" y="4023359"/>
+            <a:ext cx="0" cy="1480457"/>
+          </a:xfrm>
+          <a:prstGeom prst="line">
+            <a:avLst/>
+          </a:prstGeom>
+          <a:ln/>
+        </p:spPr>
+        <p:style>
+          <a:lnRef idx="1">
+            <a:schemeClr val="accent1"/>
+          </a:lnRef>
+          <a:fillRef idx="0">
+            <a:schemeClr val="accent1"/>
+          </a:fillRef>
+          <a:effectRef idx="0">
+            <a:schemeClr val="accent1"/>
+          </a:effectRef>
+          <a:fontRef idx="minor">
+            <a:schemeClr val="tx1"/>
+          </a:fontRef>
+        </p:style>
+      </p:cxnSp>
+      <p:cxnSp>
+        <p:nvCxnSpPr>
+          <p:cNvPr id="16" name="直線コネクタ 15"/>
+          <p:cNvCxnSpPr/>
+          <p:nvPr/>
+        </p:nvCxnSpPr>
+        <p:spPr>
+          <a:xfrm>
+            <a:off x="8046574" y="4023359"/>
+            <a:ext cx="0" cy="1480457"/>
+          </a:xfrm>
+          <a:prstGeom prst="line">
+            <a:avLst/>
+          </a:prstGeom>
+          <a:ln>
+            <a:solidFill>
+              <a:srgbClr val="FF0000"/>
+            </a:solidFill>
+          </a:ln>
+        </p:spPr>
+        <p:style>
+          <a:lnRef idx="1">
+            <a:schemeClr val="accent2"/>
+          </a:lnRef>
+          <a:fillRef idx="0">
+            <a:schemeClr val="accent2"/>
+          </a:fillRef>
+          <a:effectRef idx="0">
+            <a:schemeClr val="accent2"/>
+          </a:effectRef>
+          <a:fontRef idx="minor">
+            <a:schemeClr val="tx1"/>
+          </a:fontRef>
+        </p:style>
+      </p:cxnSp>
+      <p:sp>
+        <p:nvSpPr>
+          <p:cNvPr id="17" name="テキスト ボックス 16"/>
+          <p:cNvSpPr txBox="1"/>
+          <p:nvPr/>
+        </p:nvSpPr>
+        <p:spPr>
+          <a:xfrm>
+            <a:off x="7580665" y="5951976"/>
+            <a:ext cx="535724" cy="369332"/>
+          </a:xfrm>
+          <a:prstGeom prst="rect">
+            <a:avLst/>
+          </a:prstGeom>
+          <a:noFill/>
+        </p:spPr>
+        <p:txBody>
+          <a:bodyPr wrap="square" rtlCol="0">
+            <a:spAutoFit/>
+          </a:bodyPr>
+          <a:lstStyle/>
+          <a:p>
+            <a:r>
+              <a:rPr lang="en-US" altLang="ja-JP" dirty="0" smtClean="0">
+                <a:solidFill>
+                  <a:srgbClr val="FF0000"/>
+                </a:solidFill>
+              </a:rPr>
+              <a:t>323</a:t>
+            </a:r>
+            <a:endParaRPr kumimoji="1" lang="ja-JP" altLang="en-US" dirty="0">
+              <a:solidFill>
+                <a:srgbClr val="FF0000"/>
+              </a:solidFill>
+            </a:endParaRPr>
+          </a:p>
+        </p:txBody>
+      </p:sp>
+      <p:cxnSp>
+        <p:nvCxnSpPr>
+          <p:cNvPr id="18" name="直線コネクタ 17"/>
+          <p:cNvCxnSpPr/>
+          <p:nvPr/>
+        </p:nvCxnSpPr>
+        <p:spPr>
+          <a:xfrm flipH="1">
+            <a:off x="7848527" y="5503816"/>
+            <a:ext cx="198047" cy="560922"/>
+          </a:xfrm>
+          <a:prstGeom prst="line">
+            <a:avLst/>
+          </a:prstGeom>
+          <a:ln>
+            <a:solidFill>
+              <a:srgbClr val="FF0000"/>
+            </a:solidFill>
+          </a:ln>
+        </p:spPr>
+        <p:style>
+          <a:lnRef idx="1">
+            <a:schemeClr val="accent2"/>
+          </a:lnRef>
+          <a:fillRef idx="0">
+            <a:schemeClr val="accent2"/>
+          </a:fillRef>
+          <a:effectRef idx="0">
+            <a:schemeClr val="accent2"/>
+          </a:effectRef>
+          <a:fontRef idx="minor">
+            <a:schemeClr val="tx1"/>
+          </a:fontRef>
+        </p:style>
+      </p:cxnSp>
+      <p:sp>
+        <p:nvSpPr>
+          <p:cNvPr id="27" name="テキスト ボックス 26"/>
+          <p:cNvSpPr txBox="1"/>
+          <p:nvPr/>
+        </p:nvSpPr>
+        <p:spPr>
+          <a:xfrm>
+            <a:off x="8098969" y="5939246"/>
+            <a:ext cx="535724" cy="369332"/>
+          </a:xfrm>
+          <a:prstGeom prst="rect">
+            <a:avLst/>
+          </a:prstGeom>
+          <a:noFill/>
+        </p:spPr>
+        <p:txBody>
+          <a:bodyPr wrap="square" rtlCol="0">
+            <a:spAutoFit/>
+          </a:bodyPr>
+          <a:lstStyle/>
+          <a:p>
+            <a:r>
+              <a:rPr kumimoji="1" lang="en-US" altLang="ja-JP" dirty="0" smtClean="0">
+                <a:solidFill>
+                  <a:schemeClr val="accent1"/>
+                </a:solidFill>
+              </a:rPr>
+              <a:t>327</a:t>
+            </a:r>
+          </a:p>
+        </p:txBody>
+      </p:sp>
+      <p:cxnSp>
+        <p:nvCxnSpPr>
+          <p:cNvPr id="28" name="直線コネクタ 27"/>
+          <p:cNvCxnSpPr/>
+          <p:nvPr/>
+        </p:nvCxnSpPr>
+        <p:spPr>
+          <a:xfrm flipH="1" flipV="1">
+            <a:off x="8116388" y="5503816"/>
+            <a:ext cx="483470" cy="397844"/>
+          </a:xfrm>
+          <a:prstGeom prst="line">
+            <a:avLst/>
+          </a:prstGeom>
+        </p:spPr>
+        <p:style>
+          <a:lnRef idx="1">
+            <a:schemeClr val="accent1"/>
+          </a:lnRef>
+          <a:fillRef idx="0">
+            <a:schemeClr val="accent1"/>
+          </a:fillRef>
+          <a:effectRef idx="0">
+            <a:schemeClr val="accent1"/>
+          </a:effectRef>
+          <a:fontRef idx="minor">
+            <a:schemeClr val="tx1"/>
+          </a:fontRef>
+        </p:style>
+      </p:cxnSp>
+    </p:spTree>
+    <p:extLst>
+      <p:ext uri="{BB962C8B-B14F-4D97-AF65-F5344CB8AC3E}">
+        <p14:creationId xmlns:p14="http://schemas.microsoft.com/office/powerpoint/2010/main" val="265069228"/>
       </p:ext>
     </p:extLst>
   </p:cSld>

--- a/図/図.pptx
+++ b/図/図.pptx
@@ -5,7 +5,7 @@
     <p:sldMasterId id="2147483648" r:id="rId1"/>
   </p:sldMasterIdLst>
   <p:notesMasterIdLst>
-    <p:notesMasterId r:id="rId22"/>
+    <p:notesMasterId r:id="rId23"/>
   </p:notesMasterIdLst>
   <p:sldIdLst>
     <p:sldId id="256" r:id="rId2"/>
@@ -26,8 +26,9 @@
     <p:sldId id="266" r:id="rId17"/>
     <p:sldId id="267" r:id="rId18"/>
     <p:sldId id="270" r:id="rId19"/>
-    <p:sldId id="274" r:id="rId20"/>
-    <p:sldId id="275" r:id="rId21"/>
+    <p:sldId id="276" r:id="rId20"/>
+    <p:sldId id="274" r:id="rId21"/>
+    <p:sldId id="275" r:id="rId22"/>
   </p:sldIdLst>
   <p:sldSz cx="12192000" cy="6858000"/>
   <p:notesSz cx="6858000" cy="9144000"/>
@@ -9074,991 +9075,140 @@
           <a:chExt cx="0" cy="0"/>
         </a:xfrm>
       </p:grpSpPr>
-      <p:grpSp>
-        <p:nvGrpSpPr>
-          <p:cNvPr id="14" name="グループ化 13"/>
-          <p:cNvGrpSpPr/>
-          <p:nvPr/>
-        </p:nvGrpSpPr>
-        <p:grpSpPr>
-          <a:xfrm>
-            <a:off x="2195250" y="1801848"/>
-            <a:ext cx="1962474" cy="1962474"/>
-            <a:chOff x="1761622" y="1801851"/>
-            <a:chExt cx="2700000" cy="2700000"/>
-          </a:xfrm>
-        </p:grpSpPr>
-        <p:sp>
-          <p:nvSpPr>
-            <p:cNvPr id="5" name="円/楕円 4"/>
-            <p:cNvSpPr/>
-            <p:nvPr/>
-          </p:nvSpPr>
-          <p:spPr>
-            <a:xfrm>
-              <a:off x="2211622" y="2251851"/>
-              <a:ext cx="1800000" cy="1800000"/>
-            </a:xfrm>
-            <a:prstGeom prst="ellipse">
-              <a:avLst/>
-            </a:prstGeom>
-            <a:noFill/>
-            <a:ln w="28575">
-              <a:prstDash val="dash"/>
-            </a:ln>
-          </p:spPr>
-          <p:style>
-            <a:lnRef idx="2">
-              <a:schemeClr val="accent1">
-                <a:shade val="50000"/>
-              </a:schemeClr>
-            </a:lnRef>
-            <a:fillRef idx="1">
-              <a:schemeClr val="accent1"/>
-            </a:fillRef>
-            <a:effectRef idx="0">
-              <a:schemeClr val="accent1"/>
-            </a:effectRef>
-            <a:fontRef idx="minor">
-              <a:schemeClr val="lt1"/>
-            </a:fontRef>
-          </p:style>
-          <p:txBody>
-            <a:bodyPr rtlCol="0" anchor="ctr"/>
-            <a:lstStyle/>
-            <a:p>
-              <a:pPr algn="ctr"/>
-              <a:endParaRPr kumimoji="1" lang="ja-JP" altLang="en-US"/>
-            </a:p>
-          </p:txBody>
-        </p:sp>
-        <p:sp>
-          <p:nvSpPr>
-            <p:cNvPr id="6" name="円/楕円 5"/>
-            <p:cNvSpPr/>
-            <p:nvPr/>
-          </p:nvSpPr>
-          <p:spPr>
-            <a:xfrm>
-              <a:off x="2658860" y="2699089"/>
-              <a:ext cx="905524" cy="905524"/>
-            </a:xfrm>
-            <a:prstGeom prst="ellipse">
-              <a:avLst/>
-            </a:prstGeom>
-            <a:noFill/>
-            <a:ln w="28575"/>
-          </p:spPr>
-          <p:style>
-            <a:lnRef idx="2">
-              <a:schemeClr val="accent1">
-                <a:shade val="50000"/>
-              </a:schemeClr>
-            </a:lnRef>
-            <a:fillRef idx="1">
-              <a:schemeClr val="accent1"/>
-            </a:fillRef>
-            <a:effectRef idx="0">
-              <a:schemeClr val="accent1"/>
-            </a:effectRef>
-            <a:fontRef idx="minor">
-              <a:schemeClr val="lt1"/>
-            </a:fontRef>
-          </p:style>
-          <p:txBody>
-            <a:bodyPr rtlCol="0" anchor="ctr"/>
-            <a:lstStyle/>
-            <a:p>
-              <a:pPr algn="ctr"/>
-              <a:endParaRPr kumimoji="1" lang="ja-JP" altLang="en-US"/>
-            </a:p>
-          </p:txBody>
-        </p:sp>
-        <p:sp>
-          <p:nvSpPr>
-            <p:cNvPr id="7" name="円/楕円 6"/>
-            <p:cNvSpPr/>
-            <p:nvPr/>
-          </p:nvSpPr>
-          <p:spPr>
-            <a:xfrm>
-              <a:off x="1761622" y="1801851"/>
-              <a:ext cx="2700000" cy="2700000"/>
-            </a:xfrm>
-            <a:prstGeom prst="ellipse">
-              <a:avLst/>
-            </a:prstGeom>
-            <a:noFill/>
-            <a:ln w="28575"/>
-          </p:spPr>
-          <p:style>
-            <a:lnRef idx="2">
-              <a:schemeClr val="accent1">
-                <a:shade val="50000"/>
-              </a:schemeClr>
-            </a:lnRef>
-            <a:fillRef idx="1">
-              <a:schemeClr val="accent1"/>
-            </a:fillRef>
-            <a:effectRef idx="0">
-              <a:schemeClr val="accent1"/>
-            </a:effectRef>
-            <a:fontRef idx="minor">
-              <a:schemeClr val="lt1"/>
-            </a:fontRef>
-          </p:style>
-          <p:txBody>
-            <a:bodyPr rtlCol="0" anchor="ctr"/>
-            <a:lstStyle/>
-            <a:p>
-              <a:pPr algn="ctr"/>
-              <a:endParaRPr kumimoji="1" lang="ja-JP" altLang="en-US"/>
-            </a:p>
-          </p:txBody>
-        </p:sp>
-      </p:grpSp>
-      <p:grpSp>
-        <p:nvGrpSpPr>
-          <p:cNvPr id="15" name="グループ化 14"/>
-          <p:cNvGrpSpPr/>
-          <p:nvPr/>
-        </p:nvGrpSpPr>
-        <p:grpSpPr>
-          <a:xfrm>
-            <a:off x="1516639" y="1801850"/>
-            <a:ext cx="1962474" cy="1962474"/>
-            <a:chOff x="1761622" y="1801851"/>
-            <a:chExt cx="2700000" cy="2700000"/>
-          </a:xfrm>
-        </p:grpSpPr>
-        <p:sp>
-          <p:nvSpPr>
-            <p:cNvPr id="16" name="円/楕円 15"/>
-            <p:cNvSpPr/>
-            <p:nvPr/>
-          </p:nvSpPr>
-          <p:spPr>
-            <a:xfrm>
-              <a:off x="2211622" y="2251851"/>
-              <a:ext cx="1800000" cy="1800000"/>
-            </a:xfrm>
-            <a:prstGeom prst="ellipse">
-              <a:avLst/>
-            </a:prstGeom>
-            <a:noFill/>
-            <a:ln w="28575">
-              <a:solidFill>
-                <a:srgbClr val="FF0000"/>
-              </a:solidFill>
-              <a:prstDash val="dash"/>
-            </a:ln>
-          </p:spPr>
-          <p:style>
-            <a:lnRef idx="2">
-              <a:schemeClr val="accent1">
-                <a:shade val="50000"/>
-              </a:schemeClr>
-            </a:lnRef>
-            <a:fillRef idx="1">
-              <a:schemeClr val="accent1"/>
-            </a:fillRef>
-            <a:effectRef idx="0">
-              <a:schemeClr val="accent1"/>
-            </a:effectRef>
-            <a:fontRef idx="minor">
-              <a:schemeClr val="lt1"/>
-            </a:fontRef>
-          </p:style>
-          <p:txBody>
-            <a:bodyPr rtlCol="0" anchor="ctr"/>
-            <a:lstStyle/>
-            <a:p>
-              <a:pPr algn="ctr"/>
-              <a:endParaRPr kumimoji="1" lang="ja-JP" altLang="en-US">
-                <a:solidFill>
-                  <a:srgbClr val="FF0000"/>
-                </a:solidFill>
-              </a:endParaRPr>
-            </a:p>
-          </p:txBody>
-        </p:sp>
-        <p:sp>
-          <p:nvSpPr>
-            <p:cNvPr id="17" name="円/楕円 16"/>
-            <p:cNvSpPr/>
-            <p:nvPr/>
-          </p:nvSpPr>
-          <p:spPr>
-            <a:xfrm>
-              <a:off x="2658860" y="2699089"/>
-              <a:ext cx="905524" cy="905524"/>
-            </a:xfrm>
-            <a:prstGeom prst="ellipse">
-              <a:avLst/>
-            </a:prstGeom>
-            <a:noFill/>
-            <a:ln w="28575">
-              <a:solidFill>
-                <a:srgbClr val="FF0000"/>
-              </a:solidFill>
-            </a:ln>
-          </p:spPr>
-          <p:style>
-            <a:lnRef idx="2">
-              <a:schemeClr val="accent1">
-                <a:shade val="50000"/>
-              </a:schemeClr>
-            </a:lnRef>
-            <a:fillRef idx="1">
-              <a:schemeClr val="accent1"/>
-            </a:fillRef>
-            <a:effectRef idx="0">
-              <a:schemeClr val="accent1"/>
-            </a:effectRef>
-            <a:fontRef idx="minor">
-              <a:schemeClr val="lt1"/>
-            </a:fontRef>
-          </p:style>
-          <p:txBody>
-            <a:bodyPr rtlCol="0" anchor="ctr"/>
-            <a:lstStyle/>
-            <a:p>
-              <a:pPr algn="ctr"/>
-              <a:endParaRPr kumimoji="1" lang="ja-JP" altLang="en-US">
-                <a:solidFill>
-                  <a:srgbClr val="FF0000"/>
-                </a:solidFill>
-              </a:endParaRPr>
-            </a:p>
-          </p:txBody>
-        </p:sp>
-        <p:sp>
-          <p:nvSpPr>
-            <p:cNvPr id="18" name="円/楕円 17"/>
-            <p:cNvSpPr/>
-            <p:nvPr/>
-          </p:nvSpPr>
-          <p:spPr>
-            <a:xfrm>
-              <a:off x="1761622" y="1801851"/>
-              <a:ext cx="2700000" cy="2700000"/>
-            </a:xfrm>
-            <a:prstGeom prst="ellipse">
-              <a:avLst/>
-            </a:prstGeom>
-            <a:noFill/>
-            <a:ln w="28575">
-              <a:solidFill>
-                <a:srgbClr val="FF0000"/>
-              </a:solidFill>
-            </a:ln>
-          </p:spPr>
-          <p:style>
-            <a:lnRef idx="2">
-              <a:schemeClr val="accent1">
-                <a:shade val="50000"/>
-              </a:schemeClr>
-            </a:lnRef>
-            <a:fillRef idx="1">
-              <a:schemeClr val="accent1"/>
-            </a:fillRef>
-            <a:effectRef idx="0">
-              <a:schemeClr val="accent1"/>
-            </a:effectRef>
-            <a:fontRef idx="minor">
-              <a:schemeClr val="lt1"/>
-            </a:fontRef>
-          </p:style>
-          <p:txBody>
-            <a:bodyPr rtlCol="0" anchor="ctr"/>
-            <a:lstStyle/>
-            <a:p>
-              <a:pPr algn="ctr"/>
-              <a:endParaRPr kumimoji="1" lang="ja-JP" altLang="en-US">
-                <a:solidFill>
-                  <a:srgbClr val="FF0000"/>
-                </a:solidFill>
-              </a:endParaRPr>
-            </a:p>
-          </p:txBody>
-        </p:sp>
-      </p:grpSp>
-      <p:grpSp>
-        <p:nvGrpSpPr>
-          <p:cNvPr id="19" name="グループ化 18"/>
-          <p:cNvGrpSpPr/>
-          <p:nvPr/>
-        </p:nvGrpSpPr>
-        <p:grpSpPr>
-          <a:xfrm>
-            <a:off x="2912838" y="1801848"/>
-            <a:ext cx="1962474" cy="1962474"/>
-            <a:chOff x="1761622" y="1801851"/>
-            <a:chExt cx="2700000" cy="2700000"/>
-          </a:xfrm>
-        </p:grpSpPr>
-        <p:sp>
-          <p:nvSpPr>
-            <p:cNvPr id="20" name="円/楕円 19"/>
-            <p:cNvSpPr/>
-            <p:nvPr/>
-          </p:nvSpPr>
-          <p:spPr>
-            <a:xfrm>
-              <a:off x="2211622" y="2251851"/>
-              <a:ext cx="1800000" cy="1800000"/>
-            </a:xfrm>
-            <a:prstGeom prst="ellipse">
-              <a:avLst/>
-            </a:prstGeom>
-            <a:noFill/>
-            <a:ln w="28575">
-              <a:solidFill>
-                <a:srgbClr val="00B050"/>
-              </a:solidFill>
-              <a:prstDash val="dash"/>
-            </a:ln>
-          </p:spPr>
-          <p:style>
-            <a:lnRef idx="2">
-              <a:schemeClr val="accent1">
-                <a:shade val="50000"/>
-              </a:schemeClr>
-            </a:lnRef>
-            <a:fillRef idx="1">
-              <a:schemeClr val="accent1"/>
-            </a:fillRef>
-            <a:effectRef idx="0">
-              <a:schemeClr val="accent1"/>
-            </a:effectRef>
-            <a:fontRef idx="minor">
-              <a:schemeClr val="lt1"/>
-            </a:fontRef>
-          </p:style>
-          <p:txBody>
-            <a:bodyPr rtlCol="0" anchor="ctr"/>
-            <a:lstStyle/>
-            <a:p>
-              <a:pPr algn="ctr"/>
-              <a:endParaRPr kumimoji="1" lang="ja-JP" altLang="en-US"/>
-            </a:p>
-          </p:txBody>
-        </p:sp>
-        <p:sp>
-          <p:nvSpPr>
-            <p:cNvPr id="21" name="円/楕円 20"/>
-            <p:cNvSpPr/>
-            <p:nvPr/>
-          </p:nvSpPr>
-          <p:spPr>
-            <a:xfrm>
-              <a:off x="2658860" y="2699089"/>
-              <a:ext cx="905524" cy="905524"/>
-            </a:xfrm>
-            <a:prstGeom prst="ellipse">
-              <a:avLst/>
-            </a:prstGeom>
-            <a:noFill/>
-            <a:ln w="28575">
-              <a:solidFill>
-                <a:srgbClr val="00B050"/>
-              </a:solidFill>
-            </a:ln>
-          </p:spPr>
-          <p:style>
-            <a:lnRef idx="2">
-              <a:schemeClr val="accent1">
-                <a:shade val="50000"/>
-              </a:schemeClr>
-            </a:lnRef>
-            <a:fillRef idx="1">
-              <a:schemeClr val="accent1"/>
-            </a:fillRef>
-            <a:effectRef idx="0">
-              <a:schemeClr val="accent1"/>
-            </a:effectRef>
-            <a:fontRef idx="minor">
-              <a:schemeClr val="lt1"/>
-            </a:fontRef>
-          </p:style>
-          <p:txBody>
-            <a:bodyPr rtlCol="0" anchor="ctr"/>
-            <a:lstStyle/>
-            <a:p>
-              <a:pPr algn="ctr"/>
-              <a:endParaRPr kumimoji="1" lang="ja-JP" altLang="en-US"/>
-            </a:p>
-          </p:txBody>
-        </p:sp>
-        <p:sp>
-          <p:nvSpPr>
-            <p:cNvPr id="22" name="円/楕円 21"/>
-            <p:cNvSpPr/>
-            <p:nvPr/>
-          </p:nvSpPr>
-          <p:spPr>
-            <a:xfrm>
-              <a:off x="1761622" y="1801851"/>
-              <a:ext cx="2700000" cy="2700000"/>
-            </a:xfrm>
-            <a:prstGeom prst="ellipse">
-              <a:avLst/>
-            </a:prstGeom>
-            <a:noFill/>
-            <a:ln w="28575">
-              <a:solidFill>
-                <a:srgbClr val="00B050"/>
-              </a:solidFill>
-            </a:ln>
-          </p:spPr>
-          <p:style>
-            <a:lnRef idx="2">
-              <a:schemeClr val="accent1">
-                <a:shade val="50000"/>
-              </a:schemeClr>
-            </a:lnRef>
-            <a:fillRef idx="1">
-              <a:schemeClr val="accent1"/>
-            </a:fillRef>
-            <a:effectRef idx="0">
-              <a:schemeClr val="accent1"/>
-            </a:effectRef>
-            <a:fontRef idx="minor">
-              <a:schemeClr val="lt1"/>
-            </a:fontRef>
-          </p:style>
-          <p:txBody>
-            <a:bodyPr rtlCol="0" anchor="ctr"/>
-            <a:lstStyle/>
-            <a:p>
-              <a:pPr algn="ctr"/>
-              <a:endParaRPr kumimoji="1" lang="ja-JP" altLang="en-US"/>
-            </a:p>
-          </p:txBody>
-        </p:sp>
-      </p:grpSp>
-      <p:grpSp>
-        <p:nvGrpSpPr>
-          <p:cNvPr id="35" name="グループ化 34"/>
-          <p:cNvGrpSpPr/>
-          <p:nvPr/>
-        </p:nvGrpSpPr>
-        <p:grpSpPr>
-          <a:xfrm>
-            <a:off x="7312930" y="1801847"/>
-            <a:ext cx="1962474" cy="1962474"/>
-            <a:chOff x="1761622" y="1801851"/>
-            <a:chExt cx="2700000" cy="2700000"/>
-          </a:xfrm>
-        </p:grpSpPr>
-        <p:sp>
-          <p:nvSpPr>
-            <p:cNvPr id="36" name="円/楕円 35"/>
-            <p:cNvSpPr/>
-            <p:nvPr/>
-          </p:nvSpPr>
-          <p:spPr>
-            <a:xfrm>
-              <a:off x="2211622" y="2251851"/>
-              <a:ext cx="1800000" cy="1800000"/>
-            </a:xfrm>
-            <a:prstGeom prst="ellipse">
-              <a:avLst/>
-            </a:prstGeom>
-            <a:noFill/>
-            <a:ln w="28575">
-              <a:solidFill>
-                <a:srgbClr val="FF0000"/>
-              </a:solidFill>
-              <a:prstDash val="solid"/>
-            </a:ln>
-          </p:spPr>
-          <p:style>
-            <a:lnRef idx="2">
-              <a:schemeClr val="accent1">
-                <a:shade val="50000"/>
-              </a:schemeClr>
-            </a:lnRef>
-            <a:fillRef idx="1">
-              <a:schemeClr val="accent1"/>
-            </a:fillRef>
-            <a:effectRef idx="0">
-              <a:schemeClr val="accent1"/>
-            </a:effectRef>
-            <a:fontRef idx="minor">
-              <a:schemeClr val="lt1"/>
-            </a:fontRef>
-          </p:style>
-          <p:txBody>
-            <a:bodyPr rtlCol="0" anchor="ctr"/>
-            <a:lstStyle/>
-            <a:p>
-              <a:pPr algn="ctr"/>
-              <a:endParaRPr kumimoji="1" lang="ja-JP" altLang="en-US">
-                <a:solidFill>
-                  <a:srgbClr val="FF0000"/>
-                </a:solidFill>
-              </a:endParaRPr>
-            </a:p>
-          </p:txBody>
-        </p:sp>
-        <p:sp>
-          <p:nvSpPr>
-            <p:cNvPr id="37" name="円/楕円 36"/>
-            <p:cNvSpPr/>
-            <p:nvPr/>
-          </p:nvSpPr>
-          <p:spPr>
-            <a:xfrm>
-              <a:off x="2658860" y="2699089"/>
-              <a:ext cx="905524" cy="905524"/>
-            </a:xfrm>
-            <a:prstGeom prst="ellipse">
-              <a:avLst/>
-            </a:prstGeom>
-            <a:noFill/>
-            <a:ln w="28575">
-              <a:solidFill>
-                <a:srgbClr val="FF0000"/>
-              </a:solidFill>
-              <a:prstDash val="dash"/>
-            </a:ln>
-          </p:spPr>
-          <p:style>
-            <a:lnRef idx="2">
-              <a:schemeClr val="accent1">
-                <a:shade val="50000"/>
-              </a:schemeClr>
-            </a:lnRef>
-            <a:fillRef idx="1">
-              <a:schemeClr val="accent1"/>
-            </a:fillRef>
-            <a:effectRef idx="0">
-              <a:schemeClr val="accent1"/>
-            </a:effectRef>
-            <a:fontRef idx="minor">
-              <a:schemeClr val="lt1"/>
-            </a:fontRef>
-          </p:style>
-          <p:txBody>
-            <a:bodyPr rtlCol="0" anchor="ctr"/>
-            <a:lstStyle/>
-            <a:p>
-              <a:pPr algn="ctr"/>
-              <a:endParaRPr kumimoji="1" lang="ja-JP" altLang="en-US">
-                <a:solidFill>
-                  <a:srgbClr val="FF0000"/>
-                </a:solidFill>
-              </a:endParaRPr>
-            </a:p>
-          </p:txBody>
-        </p:sp>
-        <p:sp>
-          <p:nvSpPr>
-            <p:cNvPr id="38" name="円/楕円 37"/>
-            <p:cNvSpPr/>
-            <p:nvPr/>
-          </p:nvSpPr>
-          <p:spPr>
-            <a:xfrm>
-              <a:off x="1761622" y="1801851"/>
-              <a:ext cx="2700000" cy="2700000"/>
-            </a:xfrm>
-            <a:prstGeom prst="ellipse">
-              <a:avLst/>
-            </a:prstGeom>
-            <a:noFill/>
-            <a:ln w="28575">
-              <a:solidFill>
-                <a:srgbClr val="FF0000"/>
-              </a:solidFill>
-              <a:prstDash val="dash"/>
-            </a:ln>
-          </p:spPr>
-          <p:style>
-            <a:lnRef idx="2">
-              <a:schemeClr val="accent1">
-                <a:shade val="50000"/>
-              </a:schemeClr>
-            </a:lnRef>
-            <a:fillRef idx="1">
-              <a:schemeClr val="accent1"/>
-            </a:fillRef>
-            <a:effectRef idx="0">
-              <a:schemeClr val="accent1"/>
-            </a:effectRef>
-            <a:fontRef idx="minor">
-              <a:schemeClr val="lt1"/>
-            </a:fontRef>
-          </p:style>
-          <p:txBody>
-            <a:bodyPr rtlCol="0" anchor="ctr"/>
-            <a:lstStyle/>
-            <a:p>
-              <a:pPr algn="ctr"/>
-              <a:endParaRPr kumimoji="1" lang="ja-JP" altLang="en-US">
-                <a:solidFill>
-                  <a:srgbClr val="FF0000"/>
-                </a:solidFill>
-              </a:endParaRPr>
-            </a:p>
-          </p:txBody>
-        </p:sp>
-      </p:grpSp>
-      <p:grpSp>
-        <p:nvGrpSpPr>
-          <p:cNvPr id="39" name="グループ化 38"/>
-          <p:cNvGrpSpPr/>
-          <p:nvPr/>
-        </p:nvGrpSpPr>
-        <p:grpSpPr>
-          <a:xfrm>
-            <a:off x="8030518" y="1801849"/>
-            <a:ext cx="1962474" cy="1962474"/>
-            <a:chOff x="1761622" y="1801851"/>
-            <a:chExt cx="2700000" cy="2700000"/>
-          </a:xfrm>
-        </p:grpSpPr>
-        <p:sp>
-          <p:nvSpPr>
-            <p:cNvPr id="40" name="円/楕円 39"/>
-            <p:cNvSpPr/>
-            <p:nvPr/>
-          </p:nvSpPr>
-          <p:spPr>
-            <a:xfrm>
-              <a:off x="2211622" y="2251851"/>
-              <a:ext cx="1800000" cy="1800000"/>
-            </a:xfrm>
-            <a:prstGeom prst="ellipse">
-              <a:avLst/>
-            </a:prstGeom>
-            <a:noFill/>
-            <a:ln w="28575">
-              <a:prstDash val="dash"/>
-            </a:ln>
-          </p:spPr>
-          <p:style>
-            <a:lnRef idx="2">
-              <a:schemeClr val="accent1">
-                <a:shade val="50000"/>
-              </a:schemeClr>
-            </a:lnRef>
-            <a:fillRef idx="1">
-              <a:schemeClr val="accent1"/>
-            </a:fillRef>
-            <a:effectRef idx="0">
-              <a:schemeClr val="accent1"/>
-            </a:effectRef>
-            <a:fontRef idx="minor">
-              <a:schemeClr val="lt1"/>
-            </a:fontRef>
-          </p:style>
-          <p:txBody>
-            <a:bodyPr rtlCol="0" anchor="ctr"/>
-            <a:lstStyle/>
-            <a:p>
-              <a:pPr algn="ctr"/>
-              <a:endParaRPr kumimoji="1" lang="ja-JP" altLang="en-US"/>
-            </a:p>
-          </p:txBody>
-        </p:sp>
-        <p:sp>
-          <p:nvSpPr>
-            <p:cNvPr id="41" name="円/楕円 40"/>
-            <p:cNvSpPr/>
-            <p:nvPr/>
-          </p:nvSpPr>
-          <p:spPr>
-            <a:xfrm>
-              <a:off x="2658860" y="2699089"/>
-              <a:ext cx="905524" cy="905524"/>
-            </a:xfrm>
-            <a:prstGeom prst="ellipse">
-              <a:avLst/>
-            </a:prstGeom>
-            <a:noFill/>
-            <a:ln w="28575"/>
-          </p:spPr>
-          <p:style>
-            <a:lnRef idx="2">
-              <a:schemeClr val="accent1">
-                <a:shade val="50000"/>
-              </a:schemeClr>
-            </a:lnRef>
-            <a:fillRef idx="1">
-              <a:schemeClr val="accent1"/>
-            </a:fillRef>
-            <a:effectRef idx="0">
-              <a:schemeClr val="accent1"/>
-            </a:effectRef>
-            <a:fontRef idx="minor">
-              <a:schemeClr val="lt1"/>
-            </a:fontRef>
-          </p:style>
-          <p:txBody>
-            <a:bodyPr rtlCol="0" anchor="ctr"/>
-            <a:lstStyle/>
-            <a:p>
-              <a:pPr algn="ctr"/>
-              <a:endParaRPr kumimoji="1" lang="ja-JP" altLang="en-US"/>
-            </a:p>
-          </p:txBody>
-        </p:sp>
-        <p:sp>
-          <p:nvSpPr>
-            <p:cNvPr id="42" name="円/楕円 41"/>
-            <p:cNvSpPr/>
-            <p:nvPr/>
-          </p:nvSpPr>
-          <p:spPr>
-            <a:xfrm>
-              <a:off x="1761622" y="1801851"/>
-              <a:ext cx="2700000" cy="2700000"/>
-            </a:xfrm>
-            <a:prstGeom prst="ellipse">
-              <a:avLst/>
-            </a:prstGeom>
-            <a:noFill/>
-            <a:ln w="28575"/>
-          </p:spPr>
-          <p:style>
-            <a:lnRef idx="2">
-              <a:schemeClr val="accent1">
-                <a:shade val="50000"/>
-              </a:schemeClr>
-            </a:lnRef>
-            <a:fillRef idx="1">
-              <a:schemeClr val="accent1"/>
-            </a:fillRef>
-            <a:effectRef idx="0">
-              <a:schemeClr val="accent1"/>
-            </a:effectRef>
-            <a:fontRef idx="minor">
-              <a:schemeClr val="lt1"/>
-            </a:fontRef>
-          </p:style>
-          <p:txBody>
-            <a:bodyPr rtlCol="0" anchor="ctr"/>
-            <a:lstStyle/>
-            <a:p>
-              <a:pPr algn="ctr"/>
-              <a:endParaRPr kumimoji="1" lang="ja-JP" altLang="en-US"/>
-            </a:p>
-          </p:txBody>
-        </p:sp>
-      </p:grpSp>
-      <p:grpSp>
-        <p:nvGrpSpPr>
-          <p:cNvPr id="43" name="グループ化 42"/>
-          <p:cNvGrpSpPr/>
-          <p:nvPr/>
-        </p:nvGrpSpPr>
-        <p:grpSpPr>
-          <a:xfrm>
-            <a:off x="8748106" y="1801845"/>
-            <a:ext cx="1962474" cy="1962474"/>
-            <a:chOff x="1761622" y="1801851"/>
-            <a:chExt cx="2700000" cy="2700000"/>
-          </a:xfrm>
-        </p:grpSpPr>
-        <p:sp>
-          <p:nvSpPr>
-            <p:cNvPr id="44" name="円/楕円 43"/>
-            <p:cNvSpPr/>
-            <p:nvPr/>
-          </p:nvSpPr>
-          <p:spPr>
-            <a:xfrm>
-              <a:off x="2211622" y="2251851"/>
-              <a:ext cx="1800000" cy="1800000"/>
-            </a:xfrm>
-            <a:prstGeom prst="ellipse">
-              <a:avLst/>
-            </a:prstGeom>
-            <a:noFill/>
-            <a:ln w="28575">
-              <a:solidFill>
-                <a:srgbClr val="00B050"/>
-              </a:solidFill>
-              <a:prstDash val="solid"/>
-            </a:ln>
-          </p:spPr>
-          <p:style>
-            <a:lnRef idx="2">
-              <a:schemeClr val="accent1">
-                <a:shade val="50000"/>
-              </a:schemeClr>
-            </a:lnRef>
-            <a:fillRef idx="1">
-              <a:schemeClr val="accent1"/>
-            </a:fillRef>
-            <a:effectRef idx="0">
-              <a:schemeClr val="accent1"/>
-            </a:effectRef>
-            <a:fontRef idx="minor">
-              <a:schemeClr val="lt1"/>
-            </a:fontRef>
-          </p:style>
-          <p:txBody>
-            <a:bodyPr rtlCol="0" anchor="ctr"/>
-            <a:lstStyle/>
-            <a:p>
-              <a:pPr algn="ctr"/>
-              <a:endParaRPr kumimoji="1" lang="ja-JP" altLang="en-US">
-                <a:solidFill>
-                  <a:srgbClr val="FF0000"/>
-                </a:solidFill>
-              </a:endParaRPr>
-            </a:p>
-          </p:txBody>
-        </p:sp>
-        <p:sp>
-          <p:nvSpPr>
-            <p:cNvPr id="45" name="円/楕円 44"/>
-            <p:cNvSpPr/>
-            <p:nvPr/>
-          </p:nvSpPr>
-          <p:spPr>
-            <a:xfrm>
-              <a:off x="2658860" y="2699089"/>
-              <a:ext cx="905524" cy="905524"/>
-            </a:xfrm>
-            <a:prstGeom prst="ellipse">
-              <a:avLst/>
-            </a:prstGeom>
-            <a:noFill/>
-            <a:ln w="28575">
-              <a:solidFill>
-                <a:srgbClr val="00B050"/>
-              </a:solidFill>
-              <a:prstDash val="dash"/>
-            </a:ln>
-          </p:spPr>
-          <p:style>
-            <a:lnRef idx="2">
-              <a:schemeClr val="accent1">
-                <a:shade val="50000"/>
-              </a:schemeClr>
-            </a:lnRef>
-            <a:fillRef idx="1">
-              <a:schemeClr val="accent1"/>
-            </a:fillRef>
-            <a:effectRef idx="0">
-              <a:schemeClr val="accent1"/>
-            </a:effectRef>
-            <a:fontRef idx="minor">
-              <a:schemeClr val="lt1"/>
-            </a:fontRef>
-          </p:style>
-          <p:txBody>
-            <a:bodyPr rtlCol="0" anchor="ctr"/>
-            <a:lstStyle/>
-            <a:p>
-              <a:pPr algn="ctr"/>
-              <a:endParaRPr kumimoji="1" lang="ja-JP" altLang="en-US">
-                <a:solidFill>
-                  <a:srgbClr val="FF0000"/>
-                </a:solidFill>
-              </a:endParaRPr>
-            </a:p>
-          </p:txBody>
-        </p:sp>
-        <p:sp>
-          <p:nvSpPr>
-            <p:cNvPr id="46" name="円/楕円 45"/>
-            <p:cNvSpPr/>
-            <p:nvPr/>
-          </p:nvSpPr>
-          <p:spPr>
-            <a:xfrm>
-              <a:off x="1761622" y="1801851"/>
-              <a:ext cx="2700000" cy="2700000"/>
-            </a:xfrm>
-            <a:prstGeom prst="ellipse">
-              <a:avLst/>
-            </a:prstGeom>
-            <a:noFill/>
-            <a:ln w="28575">
-              <a:solidFill>
-                <a:srgbClr val="00B050"/>
-              </a:solidFill>
-              <a:prstDash val="dash"/>
-            </a:ln>
-          </p:spPr>
-          <p:style>
-            <a:lnRef idx="2">
-              <a:schemeClr val="accent1">
-                <a:shade val="50000"/>
-              </a:schemeClr>
-            </a:lnRef>
-            <a:fillRef idx="1">
-              <a:schemeClr val="accent1"/>
-            </a:fillRef>
-            <a:effectRef idx="0">
-              <a:schemeClr val="accent1"/>
-            </a:effectRef>
-            <a:fontRef idx="minor">
-              <a:schemeClr val="lt1"/>
-            </a:fontRef>
-          </p:style>
-          <p:txBody>
-            <a:bodyPr rtlCol="0" anchor="ctr"/>
-            <a:lstStyle/>
-            <a:p>
-              <a:pPr algn="ctr"/>
-              <a:endParaRPr kumimoji="1" lang="ja-JP" altLang="en-US">
-                <a:solidFill>
-                  <a:srgbClr val="FF0000"/>
-                </a:solidFill>
-              </a:endParaRPr>
-            </a:p>
-          </p:txBody>
-        </p:sp>
-      </p:grpSp>
+      <p:pic>
+        <p:nvPicPr>
+          <p:cNvPr id="4" name="図 3"/>
+          <p:cNvPicPr>
+            <a:picLocks noChangeAspect="1"/>
+          </p:cNvPicPr>
+          <p:nvPr/>
+        </p:nvPicPr>
+        <p:blipFill>
+          <a:blip r:embed="rId2"/>
+          <a:stretch>
+            <a:fillRect/>
+          </a:stretch>
+        </p:blipFill>
+        <p:spPr>
+          <a:xfrm>
+            <a:off x="4364759" y="1109473"/>
+            <a:ext cx="2171843" cy="4316609"/>
+          </a:xfrm>
+          <a:prstGeom prst="rect">
+            <a:avLst/>
+          </a:prstGeom>
+        </p:spPr>
+      </p:pic>
       <p:cxnSp>
         <p:nvCxnSpPr>
-          <p:cNvPr id="48" name="直線矢印コネクタ 47"/>
+          <p:cNvPr id="6" name="直線コネクタ 5"/>
           <p:cNvCxnSpPr/>
           <p:nvPr/>
         </p:nvCxnSpPr>
         <p:spPr>
           <a:xfrm>
-            <a:off x="5399244" y="2803912"/>
-            <a:ext cx="1571625" cy="0"/>
-          </a:xfrm>
-          <a:prstGeom prst="straightConnector1">
-            <a:avLst/>
-          </a:prstGeom>
-          <a:ln>
-            <a:tailEnd type="triangle"/>
-          </a:ln>
+            <a:off x="5160475" y="841972"/>
+            <a:ext cx="0" cy="3757188"/>
+          </a:xfrm>
+          <a:prstGeom prst="line">
+            <a:avLst/>
+          </a:prstGeom>
+          <a:ln w="19050"/>
         </p:spPr>
         <p:style>
           <a:lnRef idx="1">
-            <a:schemeClr val="dk1"/>
+            <a:schemeClr val="accent1"/>
           </a:lnRef>
           <a:fillRef idx="0">
-            <a:schemeClr val="dk1"/>
+            <a:schemeClr val="accent1"/>
           </a:fillRef>
           <a:effectRef idx="0">
-            <a:schemeClr val="dk1"/>
+            <a:schemeClr val="accent1"/>
           </a:effectRef>
           <a:fontRef idx="minor">
             <a:schemeClr val="tx1"/>
           </a:fontRef>
         </p:style>
       </p:cxnSp>
-      <p:sp>
-        <p:nvSpPr>
-          <p:cNvPr id="49" name="テキスト ボックス 48"/>
+      <p:cxnSp>
+        <p:nvCxnSpPr>
+          <p:cNvPr id="7" name="直線コネクタ 6"/>
+          <p:cNvCxnSpPr/>
+          <p:nvPr/>
+        </p:nvCxnSpPr>
+        <p:spPr>
+          <a:xfrm>
+            <a:off x="5385302" y="841972"/>
+            <a:ext cx="0" cy="3757188"/>
+          </a:xfrm>
+          <a:prstGeom prst="line">
+            <a:avLst/>
+          </a:prstGeom>
+          <a:ln w="19050">
+            <a:solidFill>
+              <a:srgbClr val="FF0000"/>
+            </a:solidFill>
+          </a:ln>
+        </p:spPr>
+        <p:style>
+          <a:lnRef idx="1">
+            <a:schemeClr val="accent2"/>
+          </a:lnRef>
+          <a:fillRef idx="0">
+            <a:schemeClr val="accent2"/>
+          </a:fillRef>
+          <a:effectRef idx="0">
+            <a:schemeClr val="accent2"/>
+          </a:effectRef>
+          <a:fontRef idx="minor">
+            <a:schemeClr val="tx1"/>
+          </a:fontRef>
+        </p:style>
+      </p:cxnSp>
+      <p:cxnSp>
+        <p:nvCxnSpPr>
+          <p:cNvPr id="9" name="直線矢印コネクタ 8"/>
+          <p:cNvCxnSpPr/>
+          <p:nvPr/>
+        </p:nvCxnSpPr>
+        <p:spPr>
+          <a:xfrm>
+            <a:off x="5160475" y="4771176"/>
+            <a:ext cx="290205" cy="0"/>
+          </a:xfrm>
+          <a:prstGeom prst="straightConnector1">
+            <a:avLst/>
+          </a:prstGeom>
+          <a:ln>
+            <a:headEnd type="triangle"/>
+            <a:tailEnd type="triangle"/>
+          </a:ln>
+        </p:spPr>
+        <p:style>
+          <a:lnRef idx="1">
+            <a:schemeClr val="accent1"/>
+          </a:lnRef>
+          <a:fillRef idx="0">
+            <a:schemeClr val="accent1"/>
+          </a:fillRef>
+          <a:effectRef idx="0">
+            <a:schemeClr val="accent1"/>
+          </a:effectRef>
+          <a:fontRef idx="minor">
+            <a:schemeClr val="tx1"/>
+          </a:fontRef>
+        </p:style>
+      </p:cxnSp>
+      <p:sp>
+        <p:nvSpPr>
+          <p:cNvPr id="10" name="テキスト ボックス 9"/>
           <p:cNvSpPr txBox="1"/>
           <p:nvPr/>
         </p:nvSpPr>
         <p:spPr>
           <a:xfrm>
-            <a:off x="5057184" y="2084663"/>
-            <a:ext cx="2255746" cy="369332"/>
+            <a:off x="4717819" y="4916034"/>
+            <a:ext cx="1175515" cy="369332"/>
           </a:xfrm>
           <a:prstGeom prst="rect">
             <a:avLst/>
@@ -10072,12 +9222,12 @@
           <a:lstStyle/>
           <a:p>
             <a:r>
+              <a:rPr kumimoji="1" lang="ja-JP" altLang="en-US" dirty="0" smtClean="0"/>
+              <a:t>位相差</a:t>
+            </a:r>
+            <a:r>
               <a:rPr kumimoji="1" lang="en-US" altLang="ja-JP" dirty="0" smtClean="0"/>
-              <a:t>XUV-IR</a:t>
-            </a:r>
-            <a:r>
-              <a:rPr kumimoji="1" lang="ja-JP" altLang="en-US" dirty="0" smtClean="0"/>
-              <a:t>ディレイを変更</a:t>
+              <a:t>[fs]</a:t>
             </a:r>
             <a:endParaRPr kumimoji="1" lang="ja-JP" altLang="en-US" dirty="0"/>
           </a:p>
@@ -10086,7 +9236,7 @@
     </p:spTree>
     <p:extLst>
       <p:ext uri="{BB962C8B-B14F-4D97-AF65-F5344CB8AC3E}">
-        <p14:creationId xmlns:p14="http://schemas.microsoft.com/office/powerpoint/2010/main" val="585686896"/>
+        <p14:creationId xmlns:p14="http://schemas.microsoft.com/office/powerpoint/2010/main" val="2894615562"/>
       </p:ext>
     </p:extLst>
   </p:cSld>
@@ -11162,9 +10312,1048 @@
           <a:chExt cx="0" cy="0"/>
         </a:xfrm>
       </p:grpSpPr>
+      <p:grpSp>
+        <p:nvGrpSpPr>
+          <p:cNvPr id="14" name="グループ化 13"/>
+          <p:cNvGrpSpPr/>
+          <p:nvPr/>
+        </p:nvGrpSpPr>
+        <p:grpSpPr>
+          <a:xfrm>
+            <a:off x="2195250" y="1801848"/>
+            <a:ext cx="1962474" cy="1962474"/>
+            <a:chOff x="1761622" y="1801851"/>
+            <a:chExt cx="2700000" cy="2700000"/>
+          </a:xfrm>
+        </p:grpSpPr>
+        <p:sp>
+          <p:nvSpPr>
+            <p:cNvPr id="5" name="円/楕円 4"/>
+            <p:cNvSpPr/>
+            <p:nvPr/>
+          </p:nvSpPr>
+          <p:spPr>
+            <a:xfrm>
+              <a:off x="2211622" y="2251851"/>
+              <a:ext cx="1800000" cy="1800000"/>
+            </a:xfrm>
+            <a:prstGeom prst="ellipse">
+              <a:avLst/>
+            </a:prstGeom>
+            <a:noFill/>
+            <a:ln w="28575">
+              <a:prstDash val="dash"/>
+            </a:ln>
+          </p:spPr>
+          <p:style>
+            <a:lnRef idx="2">
+              <a:schemeClr val="accent1">
+                <a:shade val="50000"/>
+              </a:schemeClr>
+            </a:lnRef>
+            <a:fillRef idx="1">
+              <a:schemeClr val="accent1"/>
+            </a:fillRef>
+            <a:effectRef idx="0">
+              <a:schemeClr val="accent1"/>
+            </a:effectRef>
+            <a:fontRef idx="minor">
+              <a:schemeClr val="lt1"/>
+            </a:fontRef>
+          </p:style>
+          <p:txBody>
+            <a:bodyPr rtlCol="0" anchor="ctr"/>
+            <a:lstStyle/>
+            <a:p>
+              <a:pPr algn="ctr"/>
+              <a:endParaRPr kumimoji="1" lang="ja-JP" altLang="en-US"/>
+            </a:p>
+          </p:txBody>
+        </p:sp>
+        <p:sp>
+          <p:nvSpPr>
+            <p:cNvPr id="6" name="円/楕円 5"/>
+            <p:cNvSpPr/>
+            <p:nvPr/>
+          </p:nvSpPr>
+          <p:spPr>
+            <a:xfrm>
+              <a:off x="2658860" y="2699089"/>
+              <a:ext cx="905524" cy="905524"/>
+            </a:xfrm>
+            <a:prstGeom prst="ellipse">
+              <a:avLst/>
+            </a:prstGeom>
+            <a:noFill/>
+            <a:ln w="28575"/>
+          </p:spPr>
+          <p:style>
+            <a:lnRef idx="2">
+              <a:schemeClr val="accent1">
+                <a:shade val="50000"/>
+              </a:schemeClr>
+            </a:lnRef>
+            <a:fillRef idx="1">
+              <a:schemeClr val="accent1"/>
+            </a:fillRef>
+            <a:effectRef idx="0">
+              <a:schemeClr val="accent1"/>
+            </a:effectRef>
+            <a:fontRef idx="minor">
+              <a:schemeClr val="lt1"/>
+            </a:fontRef>
+          </p:style>
+          <p:txBody>
+            <a:bodyPr rtlCol="0" anchor="ctr"/>
+            <a:lstStyle/>
+            <a:p>
+              <a:pPr algn="ctr"/>
+              <a:endParaRPr kumimoji="1" lang="ja-JP" altLang="en-US"/>
+            </a:p>
+          </p:txBody>
+        </p:sp>
+        <p:sp>
+          <p:nvSpPr>
+            <p:cNvPr id="7" name="円/楕円 6"/>
+            <p:cNvSpPr/>
+            <p:nvPr/>
+          </p:nvSpPr>
+          <p:spPr>
+            <a:xfrm>
+              <a:off x="1761622" y="1801851"/>
+              <a:ext cx="2700000" cy="2700000"/>
+            </a:xfrm>
+            <a:prstGeom prst="ellipse">
+              <a:avLst/>
+            </a:prstGeom>
+            <a:noFill/>
+            <a:ln w="28575"/>
+          </p:spPr>
+          <p:style>
+            <a:lnRef idx="2">
+              <a:schemeClr val="accent1">
+                <a:shade val="50000"/>
+              </a:schemeClr>
+            </a:lnRef>
+            <a:fillRef idx="1">
+              <a:schemeClr val="accent1"/>
+            </a:fillRef>
+            <a:effectRef idx="0">
+              <a:schemeClr val="accent1"/>
+            </a:effectRef>
+            <a:fontRef idx="minor">
+              <a:schemeClr val="lt1"/>
+            </a:fontRef>
+          </p:style>
+          <p:txBody>
+            <a:bodyPr rtlCol="0" anchor="ctr"/>
+            <a:lstStyle/>
+            <a:p>
+              <a:pPr algn="ctr"/>
+              <a:endParaRPr kumimoji="1" lang="ja-JP" altLang="en-US"/>
+            </a:p>
+          </p:txBody>
+        </p:sp>
+      </p:grpSp>
+      <p:grpSp>
+        <p:nvGrpSpPr>
+          <p:cNvPr id="15" name="グループ化 14"/>
+          <p:cNvGrpSpPr/>
+          <p:nvPr/>
+        </p:nvGrpSpPr>
+        <p:grpSpPr>
+          <a:xfrm>
+            <a:off x="1516639" y="1801850"/>
+            <a:ext cx="1962474" cy="1962474"/>
+            <a:chOff x="1761622" y="1801851"/>
+            <a:chExt cx="2700000" cy="2700000"/>
+          </a:xfrm>
+        </p:grpSpPr>
+        <p:sp>
+          <p:nvSpPr>
+            <p:cNvPr id="16" name="円/楕円 15"/>
+            <p:cNvSpPr/>
+            <p:nvPr/>
+          </p:nvSpPr>
+          <p:spPr>
+            <a:xfrm>
+              <a:off x="2211622" y="2251851"/>
+              <a:ext cx="1800000" cy="1800000"/>
+            </a:xfrm>
+            <a:prstGeom prst="ellipse">
+              <a:avLst/>
+            </a:prstGeom>
+            <a:noFill/>
+            <a:ln w="28575">
+              <a:solidFill>
+                <a:srgbClr val="FF0000"/>
+              </a:solidFill>
+              <a:prstDash val="dash"/>
+            </a:ln>
+          </p:spPr>
+          <p:style>
+            <a:lnRef idx="2">
+              <a:schemeClr val="accent1">
+                <a:shade val="50000"/>
+              </a:schemeClr>
+            </a:lnRef>
+            <a:fillRef idx="1">
+              <a:schemeClr val="accent1"/>
+            </a:fillRef>
+            <a:effectRef idx="0">
+              <a:schemeClr val="accent1"/>
+            </a:effectRef>
+            <a:fontRef idx="minor">
+              <a:schemeClr val="lt1"/>
+            </a:fontRef>
+          </p:style>
+          <p:txBody>
+            <a:bodyPr rtlCol="0" anchor="ctr"/>
+            <a:lstStyle/>
+            <a:p>
+              <a:pPr algn="ctr"/>
+              <a:endParaRPr kumimoji="1" lang="ja-JP" altLang="en-US">
+                <a:solidFill>
+                  <a:srgbClr val="FF0000"/>
+                </a:solidFill>
+              </a:endParaRPr>
+            </a:p>
+          </p:txBody>
+        </p:sp>
+        <p:sp>
+          <p:nvSpPr>
+            <p:cNvPr id="17" name="円/楕円 16"/>
+            <p:cNvSpPr/>
+            <p:nvPr/>
+          </p:nvSpPr>
+          <p:spPr>
+            <a:xfrm>
+              <a:off x="2658860" y="2699089"/>
+              <a:ext cx="905524" cy="905524"/>
+            </a:xfrm>
+            <a:prstGeom prst="ellipse">
+              <a:avLst/>
+            </a:prstGeom>
+            <a:noFill/>
+            <a:ln w="28575">
+              <a:solidFill>
+                <a:srgbClr val="FF0000"/>
+              </a:solidFill>
+            </a:ln>
+          </p:spPr>
+          <p:style>
+            <a:lnRef idx="2">
+              <a:schemeClr val="accent1">
+                <a:shade val="50000"/>
+              </a:schemeClr>
+            </a:lnRef>
+            <a:fillRef idx="1">
+              <a:schemeClr val="accent1"/>
+            </a:fillRef>
+            <a:effectRef idx="0">
+              <a:schemeClr val="accent1"/>
+            </a:effectRef>
+            <a:fontRef idx="minor">
+              <a:schemeClr val="lt1"/>
+            </a:fontRef>
+          </p:style>
+          <p:txBody>
+            <a:bodyPr rtlCol="0" anchor="ctr"/>
+            <a:lstStyle/>
+            <a:p>
+              <a:pPr algn="ctr"/>
+              <a:endParaRPr kumimoji="1" lang="ja-JP" altLang="en-US">
+                <a:solidFill>
+                  <a:srgbClr val="FF0000"/>
+                </a:solidFill>
+              </a:endParaRPr>
+            </a:p>
+          </p:txBody>
+        </p:sp>
+        <p:sp>
+          <p:nvSpPr>
+            <p:cNvPr id="18" name="円/楕円 17"/>
+            <p:cNvSpPr/>
+            <p:nvPr/>
+          </p:nvSpPr>
+          <p:spPr>
+            <a:xfrm>
+              <a:off x="1761622" y="1801851"/>
+              <a:ext cx="2700000" cy="2700000"/>
+            </a:xfrm>
+            <a:prstGeom prst="ellipse">
+              <a:avLst/>
+            </a:prstGeom>
+            <a:noFill/>
+            <a:ln w="28575">
+              <a:solidFill>
+                <a:srgbClr val="FF0000"/>
+              </a:solidFill>
+            </a:ln>
+          </p:spPr>
+          <p:style>
+            <a:lnRef idx="2">
+              <a:schemeClr val="accent1">
+                <a:shade val="50000"/>
+              </a:schemeClr>
+            </a:lnRef>
+            <a:fillRef idx="1">
+              <a:schemeClr val="accent1"/>
+            </a:fillRef>
+            <a:effectRef idx="0">
+              <a:schemeClr val="accent1"/>
+            </a:effectRef>
+            <a:fontRef idx="minor">
+              <a:schemeClr val="lt1"/>
+            </a:fontRef>
+          </p:style>
+          <p:txBody>
+            <a:bodyPr rtlCol="0" anchor="ctr"/>
+            <a:lstStyle/>
+            <a:p>
+              <a:pPr algn="ctr"/>
+              <a:endParaRPr kumimoji="1" lang="ja-JP" altLang="en-US">
+                <a:solidFill>
+                  <a:srgbClr val="FF0000"/>
+                </a:solidFill>
+              </a:endParaRPr>
+            </a:p>
+          </p:txBody>
+        </p:sp>
+      </p:grpSp>
+      <p:grpSp>
+        <p:nvGrpSpPr>
+          <p:cNvPr id="19" name="グループ化 18"/>
+          <p:cNvGrpSpPr/>
+          <p:nvPr/>
+        </p:nvGrpSpPr>
+        <p:grpSpPr>
+          <a:xfrm>
+            <a:off x="2912838" y="1801848"/>
+            <a:ext cx="1962474" cy="1962474"/>
+            <a:chOff x="1761622" y="1801851"/>
+            <a:chExt cx="2700000" cy="2700000"/>
+          </a:xfrm>
+        </p:grpSpPr>
+        <p:sp>
+          <p:nvSpPr>
+            <p:cNvPr id="20" name="円/楕円 19"/>
+            <p:cNvSpPr/>
+            <p:nvPr/>
+          </p:nvSpPr>
+          <p:spPr>
+            <a:xfrm>
+              <a:off x="2211622" y="2251851"/>
+              <a:ext cx="1800000" cy="1800000"/>
+            </a:xfrm>
+            <a:prstGeom prst="ellipse">
+              <a:avLst/>
+            </a:prstGeom>
+            <a:noFill/>
+            <a:ln w="28575">
+              <a:solidFill>
+                <a:srgbClr val="00B050"/>
+              </a:solidFill>
+              <a:prstDash val="dash"/>
+            </a:ln>
+          </p:spPr>
+          <p:style>
+            <a:lnRef idx="2">
+              <a:schemeClr val="accent1">
+                <a:shade val="50000"/>
+              </a:schemeClr>
+            </a:lnRef>
+            <a:fillRef idx="1">
+              <a:schemeClr val="accent1"/>
+            </a:fillRef>
+            <a:effectRef idx="0">
+              <a:schemeClr val="accent1"/>
+            </a:effectRef>
+            <a:fontRef idx="minor">
+              <a:schemeClr val="lt1"/>
+            </a:fontRef>
+          </p:style>
+          <p:txBody>
+            <a:bodyPr rtlCol="0" anchor="ctr"/>
+            <a:lstStyle/>
+            <a:p>
+              <a:pPr algn="ctr"/>
+              <a:endParaRPr kumimoji="1" lang="ja-JP" altLang="en-US"/>
+            </a:p>
+          </p:txBody>
+        </p:sp>
+        <p:sp>
+          <p:nvSpPr>
+            <p:cNvPr id="21" name="円/楕円 20"/>
+            <p:cNvSpPr/>
+            <p:nvPr/>
+          </p:nvSpPr>
+          <p:spPr>
+            <a:xfrm>
+              <a:off x="2658860" y="2699089"/>
+              <a:ext cx="905524" cy="905524"/>
+            </a:xfrm>
+            <a:prstGeom prst="ellipse">
+              <a:avLst/>
+            </a:prstGeom>
+            <a:noFill/>
+            <a:ln w="28575">
+              <a:solidFill>
+                <a:srgbClr val="00B050"/>
+              </a:solidFill>
+            </a:ln>
+          </p:spPr>
+          <p:style>
+            <a:lnRef idx="2">
+              <a:schemeClr val="accent1">
+                <a:shade val="50000"/>
+              </a:schemeClr>
+            </a:lnRef>
+            <a:fillRef idx="1">
+              <a:schemeClr val="accent1"/>
+            </a:fillRef>
+            <a:effectRef idx="0">
+              <a:schemeClr val="accent1"/>
+            </a:effectRef>
+            <a:fontRef idx="minor">
+              <a:schemeClr val="lt1"/>
+            </a:fontRef>
+          </p:style>
+          <p:txBody>
+            <a:bodyPr rtlCol="0" anchor="ctr"/>
+            <a:lstStyle/>
+            <a:p>
+              <a:pPr algn="ctr"/>
+              <a:endParaRPr kumimoji="1" lang="ja-JP" altLang="en-US"/>
+            </a:p>
+          </p:txBody>
+        </p:sp>
+        <p:sp>
+          <p:nvSpPr>
+            <p:cNvPr id="22" name="円/楕円 21"/>
+            <p:cNvSpPr/>
+            <p:nvPr/>
+          </p:nvSpPr>
+          <p:spPr>
+            <a:xfrm>
+              <a:off x="1761622" y="1801851"/>
+              <a:ext cx="2700000" cy="2700000"/>
+            </a:xfrm>
+            <a:prstGeom prst="ellipse">
+              <a:avLst/>
+            </a:prstGeom>
+            <a:noFill/>
+            <a:ln w="28575">
+              <a:solidFill>
+                <a:srgbClr val="00B050"/>
+              </a:solidFill>
+            </a:ln>
+          </p:spPr>
+          <p:style>
+            <a:lnRef idx="2">
+              <a:schemeClr val="accent1">
+                <a:shade val="50000"/>
+              </a:schemeClr>
+            </a:lnRef>
+            <a:fillRef idx="1">
+              <a:schemeClr val="accent1"/>
+            </a:fillRef>
+            <a:effectRef idx="0">
+              <a:schemeClr val="accent1"/>
+            </a:effectRef>
+            <a:fontRef idx="minor">
+              <a:schemeClr val="lt1"/>
+            </a:fontRef>
+          </p:style>
+          <p:txBody>
+            <a:bodyPr rtlCol="0" anchor="ctr"/>
+            <a:lstStyle/>
+            <a:p>
+              <a:pPr algn="ctr"/>
+              <a:endParaRPr kumimoji="1" lang="ja-JP" altLang="en-US"/>
+            </a:p>
+          </p:txBody>
+        </p:sp>
+      </p:grpSp>
+      <p:grpSp>
+        <p:nvGrpSpPr>
+          <p:cNvPr id="35" name="グループ化 34"/>
+          <p:cNvGrpSpPr/>
+          <p:nvPr/>
+        </p:nvGrpSpPr>
+        <p:grpSpPr>
+          <a:xfrm>
+            <a:off x="7312930" y="1801847"/>
+            <a:ext cx="1962474" cy="1962474"/>
+            <a:chOff x="1761622" y="1801851"/>
+            <a:chExt cx="2700000" cy="2700000"/>
+          </a:xfrm>
+        </p:grpSpPr>
+        <p:sp>
+          <p:nvSpPr>
+            <p:cNvPr id="36" name="円/楕円 35"/>
+            <p:cNvSpPr/>
+            <p:nvPr/>
+          </p:nvSpPr>
+          <p:spPr>
+            <a:xfrm>
+              <a:off x="2211622" y="2251851"/>
+              <a:ext cx="1800000" cy="1800000"/>
+            </a:xfrm>
+            <a:prstGeom prst="ellipse">
+              <a:avLst/>
+            </a:prstGeom>
+            <a:noFill/>
+            <a:ln w="28575">
+              <a:solidFill>
+                <a:srgbClr val="FF0000"/>
+              </a:solidFill>
+              <a:prstDash val="solid"/>
+            </a:ln>
+          </p:spPr>
+          <p:style>
+            <a:lnRef idx="2">
+              <a:schemeClr val="accent1">
+                <a:shade val="50000"/>
+              </a:schemeClr>
+            </a:lnRef>
+            <a:fillRef idx="1">
+              <a:schemeClr val="accent1"/>
+            </a:fillRef>
+            <a:effectRef idx="0">
+              <a:schemeClr val="accent1"/>
+            </a:effectRef>
+            <a:fontRef idx="minor">
+              <a:schemeClr val="lt1"/>
+            </a:fontRef>
+          </p:style>
+          <p:txBody>
+            <a:bodyPr rtlCol="0" anchor="ctr"/>
+            <a:lstStyle/>
+            <a:p>
+              <a:pPr algn="ctr"/>
+              <a:endParaRPr kumimoji="1" lang="ja-JP" altLang="en-US">
+                <a:solidFill>
+                  <a:srgbClr val="FF0000"/>
+                </a:solidFill>
+              </a:endParaRPr>
+            </a:p>
+          </p:txBody>
+        </p:sp>
+        <p:sp>
+          <p:nvSpPr>
+            <p:cNvPr id="37" name="円/楕円 36"/>
+            <p:cNvSpPr/>
+            <p:nvPr/>
+          </p:nvSpPr>
+          <p:spPr>
+            <a:xfrm>
+              <a:off x="2658860" y="2699089"/>
+              <a:ext cx="905524" cy="905524"/>
+            </a:xfrm>
+            <a:prstGeom prst="ellipse">
+              <a:avLst/>
+            </a:prstGeom>
+            <a:noFill/>
+            <a:ln w="28575">
+              <a:solidFill>
+                <a:srgbClr val="FF0000"/>
+              </a:solidFill>
+              <a:prstDash val="dash"/>
+            </a:ln>
+          </p:spPr>
+          <p:style>
+            <a:lnRef idx="2">
+              <a:schemeClr val="accent1">
+                <a:shade val="50000"/>
+              </a:schemeClr>
+            </a:lnRef>
+            <a:fillRef idx="1">
+              <a:schemeClr val="accent1"/>
+            </a:fillRef>
+            <a:effectRef idx="0">
+              <a:schemeClr val="accent1"/>
+            </a:effectRef>
+            <a:fontRef idx="minor">
+              <a:schemeClr val="lt1"/>
+            </a:fontRef>
+          </p:style>
+          <p:txBody>
+            <a:bodyPr rtlCol="0" anchor="ctr"/>
+            <a:lstStyle/>
+            <a:p>
+              <a:pPr algn="ctr"/>
+              <a:endParaRPr kumimoji="1" lang="ja-JP" altLang="en-US">
+                <a:solidFill>
+                  <a:srgbClr val="FF0000"/>
+                </a:solidFill>
+              </a:endParaRPr>
+            </a:p>
+          </p:txBody>
+        </p:sp>
+        <p:sp>
+          <p:nvSpPr>
+            <p:cNvPr id="38" name="円/楕円 37"/>
+            <p:cNvSpPr/>
+            <p:nvPr/>
+          </p:nvSpPr>
+          <p:spPr>
+            <a:xfrm>
+              <a:off x="1761622" y="1801851"/>
+              <a:ext cx="2700000" cy="2700000"/>
+            </a:xfrm>
+            <a:prstGeom prst="ellipse">
+              <a:avLst/>
+            </a:prstGeom>
+            <a:noFill/>
+            <a:ln w="28575">
+              <a:solidFill>
+                <a:srgbClr val="FF0000"/>
+              </a:solidFill>
+              <a:prstDash val="dash"/>
+            </a:ln>
+          </p:spPr>
+          <p:style>
+            <a:lnRef idx="2">
+              <a:schemeClr val="accent1">
+                <a:shade val="50000"/>
+              </a:schemeClr>
+            </a:lnRef>
+            <a:fillRef idx="1">
+              <a:schemeClr val="accent1"/>
+            </a:fillRef>
+            <a:effectRef idx="0">
+              <a:schemeClr val="accent1"/>
+            </a:effectRef>
+            <a:fontRef idx="minor">
+              <a:schemeClr val="lt1"/>
+            </a:fontRef>
+          </p:style>
+          <p:txBody>
+            <a:bodyPr rtlCol="0" anchor="ctr"/>
+            <a:lstStyle/>
+            <a:p>
+              <a:pPr algn="ctr"/>
+              <a:endParaRPr kumimoji="1" lang="ja-JP" altLang="en-US">
+                <a:solidFill>
+                  <a:srgbClr val="FF0000"/>
+                </a:solidFill>
+              </a:endParaRPr>
+            </a:p>
+          </p:txBody>
+        </p:sp>
+      </p:grpSp>
+      <p:grpSp>
+        <p:nvGrpSpPr>
+          <p:cNvPr id="39" name="グループ化 38"/>
+          <p:cNvGrpSpPr/>
+          <p:nvPr/>
+        </p:nvGrpSpPr>
+        <p:grpSpPr>
+          <a:xfrm>
+            <a:off x="8030518" y="1801849"/>
+            <a:ext cx="1962474" cy="1962474"/>
+            <a:chOff x="1761622" y="1801851"/>
+            <a:chExt cx="2700000" cy="2700000"/>
+          </a:xfrm>
+        </p:grpSpPr>
+        <p:sp>
+          <p:nvSpPr>
+            <p:cNvPr id="40" name="円/楕円 39"/>
+            <p:cNvSpPr/>
+            <p:nvPr/>
+          </p:nvSpPr>
+          <p:spPr>
+            <a:xfrm>
+              <a:off x="2211622" y="2251851"/>
+              <a:ext cx="1800000" cy="1800000"/>
+            </a:xfrm>
+            <a:prstGeom prst="ellipse">
+              <a:avLst/>
+            </a:prstGeom>
+            <a:noFill/>
+            <a:ln w="28575">
+              <a:prstDash val="dash"/>
+            </a:ln>
+          </p:spPr>
+          <p:style>
+            <a:lnRef idx="2">
+              <a:schemeClr val="accent1">
+                <a:shade val="50000"/>
+              </a:schemeClr>
+            </a:lnRef>
+            <a:fillRef idx="1">
+              <a:schemeClr val="accent1"/>
+            </a:fillRef>
+            <a:effectRef idx="0">
+              <a:schemeClr val="accent1"/>
+            </a:effectRef>
+            <a:fontRef idx="minor">
+              <a:schemeClr val="lt1"/>
+            </a:fontRef>
+          </p:style>
+          <p:txBody>
+            <a:bodyPr rtlCol="0" anchor="ctr"/>
+            <a:lstStyle/>
+            <a:p>
+              <a:pPr algn="ctr"/>
+              <a:endParaRPr kumimoji="1" lang="ja-JP" altLang="en-US"/>
+            </a:p>
+          </p:txBody>
+        </p:sp>
+        <p:sp>
+          <p:nvSpPr>
+            <p:cNvPr id="41" name="円/楕円 40"/>
+            <p:cNvSpPr/>
+            <p:nvPr/>
+          </p:nvSpPr>
+          <p:spPr>
+            <a:xfrm>
+              <a:off x="2658860" y="2699089"/>
+              <a:ext cx="905524" cy="905524"/>
+            </a:xfrm>
+            <a:prstGeom prst="ellipse">
+              <a:avLst/>
+            </a:prstGeom>
+            <a:noFill/>
+            <a:ln w="28575"/>
+          </p:spPr>
+          <p:style>
+            <a:lnRef idx="2">
+              <a:schemeClr val="accent1">
+                <a:shade val="50000"/>
+              </a:schemeClr>
+            </a:lnRef>
+            <a:fillRef idx="1">
+              <a:schemeClr val="accent1"/>
+            </a:fillRef>
+            <a:effectRef idx="0">
+              <a:schemeClr val="accent1"/>
+            </a:effectRef>
+            <a:fontRef idx="minor">
+              <a:schemeClr val="lt1"/>
+            </a:fontRef>
+          </p:style>
+          <p:txBody>
+            <a:bodyPr rtlCol="0" anchor="ctr"/>
+            <a:lstStyle/>
+            <a:p>
+              <a:pPr algn="ctr"/>
+              <a:endParaRPr kumimoji="1" lang="ja-JP" altLang="en-US"/>
+            </a:p>
+          </p:txBody>
+        </p:sp>
+        <p:sp>
+          <p:nvSpPr>
+            <p:cNvPr id="42" name="円/楕円 41"/>
+            <p:cNvSpPr/>
+            <p:nvPr/>
+          </p:nvSpPr>
+          <p:spPr>
+            <a:xfrm>
+              <a:off x="1761622" y="1801851"/>
+              <a:ext cx="2700000" cy="2700000"/>
+            </a:xfrm>
+            <a:prstGeom prst="ellipse">
+              <a:avLst/>
+            </a:prstGeom>
+            <a:noFill/>
+            <a:ln w="28575"/>
+          </p:spPr>
+          <p:style>
+            <a:lnRef idx="2">
+              <a:schemeClr val="accent1">
+                <a:shade val="50000"/>
+              </a:schemeClr>
+            </a:lnRef>
+            <a:fillRef idx="1">
+              <a:schemeClr val="accent1"/>
+            </a:fillRef>
+            <a:effectRef idx="0">
+              <a:schemeClr val="accent1"/>
+            </a:effectRef>
+            <a:fontRef idx="minor">
+              <a:schemeClr val="lt1"/>
+            </a:fontRef>
+          </p:style>
+          <p:txBody>
+            <a:bodyPr rtlCol="0" anchor="ctr"/>
+            <a:lstStyle/>
+            <a:p>
+              <a:pPr algn="ctr"/>
+              <a:endParaRPr kumimoji="1" lang="ja-JP" altLang="en-US"/>
+            </a:p>
+          </p:txBody>
+        </p:sp>
+      </p:grpSp>
+      <p:grpSp>
+        <p:nvGrpSpPr>
+          <p:cNvPr id="43" name="グループ化 42"/>
+          <p:cNvGrpSpPr/>
+          <p:nvPr/>
+        </p:nvGrpSpPr>
+        <p:grpSpPr>
+          <a:xfrm>
+            <a:off x="8748106" y="1801845"/>
+            <a:ext cx="1962474" cy="1962474"/>
+            <a:chOff x="1761622" y="1801851"/>
+            <a:chExt cx="2700000" cy="2700000"/>
+          </a:xfrm>
+        </p:grpSpPr>
+        <p:sp>
+          <p:nvSpPr>
+            <p:cNvPr id="44" name="円/楕円 43"/>
+            <p:cNvSpPr/>
+            <p:nvPr/>
+          </p:nvSpPr>
+          <p:spPr>
+            <a:xfrm>
+              <a:off x="2211622" y="2251851"/>
+              <a:ext cx="1800000" cy="1800000"/>
+            </a:xfrm>
+            <a:prstGeom prst="ellipse">
+              <a:avLst/>
+            </a:prstGeom>
+            <a:noFill/>
+            <a:ln w="28575">
+              <a:solidFill>
+                <a:srgbClr val="00B050"/>
+              </a:solidFill>
+              <a:prstDash val="solid"/>
+            </a:ln>
+          </p:spPr>
+          <p:style>
+            <a:lnRef idx="2">
+              <a:schemeClr val="accent1">
+                <a:shade val="50000"/>
+              </a:schemeClr>
+            </a:lnRef>
+            <a:fillRef idx="1">
+              <a:schemeClr val="accent1"/>
+            </a:fillRef>
+            <a:effectRef idx="0">
+              <a:schemeClr val="accent1"/>
+            </a:effectRef>
+            <a:fontRef idx="minor">
+              <a:schemeClr val="lt1"/>
+            </a:fontRef>
+          </p:style>
+          <p:txBody>
+            <a:bodyPr rtlCol="0" anchor="ctr"/>
+            <a:lstStyle/>
+            <a:p>
+              <a:pPr algn="ctr"/>
+              <a:endParaRPr kumimoji="1" lang="ja-JP" altLang="en-US">
+                <a:solidFill>
+                  <a:srgbClr val="FF0000"/>
+                </a:solidFill>
+              </a:endParaRPr>
+            </a:p>
+          </p:txBody>
+        </p:sp>
+        <p:sp>
+          <p:nvSpPr>
+            <p:cNvPr id="45" name="円/楕円 44"/>
+            <p:cNvSpPr/>
+            <p:nvPr/>
+          </p:nvSpPr>
+          <p:spPr>
+            <a:xfrm>
+              <a:off x="2658860" y="2699089"/>
+              <a:ext cx="905524" cy="905524"/>
+            </a:xfrm>
+            <a:prstGeom prst="ellipse">
+              <a:avLst/>
+            </a:prstGeom>
+            <a:noFill/>
+            <a:ln w="28575">
+              <a:solidFill>
+                <a:srgbClr val="00B050"/>
+              </a:solidFill>
+              <a:prstDash val="dash"/>
+            </a:ln>
+          </p:spPr>
+          <p:style>
+            <a:lnRef idx="2">
+              <a:schemeClr val="accent1">
+                <a:shade val="50000"/>
+              </a:schemeClr>
+            </a:lnRef>
+            <a:fillRef idx="1">
+              <a:schemeClr val="accent1"/>
+            </a:fillRef>
+            <a:effectRef idx="0">
+              <a:schemeClr val="accent1"/>
+            </a:effectRef>
+            <a:fontRef idx="minor">
+              <a:schemeClr val="lt1"/>
+            </a:fontRef>
+          </p:style>
+          <p:txBody>
+            <a:bodyPr rtlCol="0" anchor="ctr"/>
+            <a:lstStyle/>
+            <a:p>
+              <a:pPr algn="ctr"/>
+              <a:endParaRPr kumimoji="1" lang="ja-JP" altLang="en-US">
+                <a:solidFill>
+                  <a:srgbClr val="FF0000"/>
+                </a:solidFill>
+              </a:endParaRPr>
+            </a:p>
+          </p:txBody>
+        </p:sp>
+        <p:sp>
+          <p:nvSpPr>
+            <p:cNvPr id="46" name="円/楕円 45"/>
+            <p:cNvSpPr/>
+            <p:nvPr/>
+          </p:nvSpPr>
+          <p:spPr>
+            <a:xfrm>
+              <a:off x="1761622" y="1801851"/>
+              <a:ext cx="2700000" cy="2700000"/>
+            </a:xfrm>
+            <a:prstGeom prst="ellipse">
+              <a:avLst/>
+            </a:prstGeom>
+            <a:noFill/>
+            <a:ln w="28575">
+              <a:solidFill>
+                <a:srgbClr val="00B050"/>
+              </a:solidFill>
+              <a:prstDash val="dash"/>
+            </a:ln>
+          </p:spPr>
+          <p:style>
+            <a:lnRef idx="2">
+              <a:schemeClr val="accent1">
+                <a:shade val="50000"/>
+              </a:schemeClr>
+            </a:lnRef>
+            <a:fillRef idx="1">
+              <a:schemeClr val="accent1"/>
+            </a:fillRef>
+            <a:effectRef idx="0">
+              <a:schemeClr val="accent1"/>
+            </a:effectRef>
+            <a:fontRef idx="minor">
+              <a:schemeClr val="lt1"/>
+            </a:fontRef>
+          </p:style>
+          <p:txBody>
+            <a:bodyPr rtlCol="0" anchor="ctr"/>
+            <a:lstStyle/>
+            <a:p>
+              <a:pPr algn="ctr"/>
+              <a:endParaRPr kumimoji="1" lang="ja-JP" altLang="en-US">
+                <a:solidFill>
+                  <a:srgbClr val="FF0000"/>
+                </a:solidFill>
+              </a:endParaRPr>
+            </a:p>
+          </p:txBody>
+        </p:sp>
+      </p:grpSp>
+      <p:cxnSp>
+        <p:nvCxnSpPr>
+          <p:cNvPr id="48" name="直線矢印コネクタ 47"/>
+          <p:cNvCxnSpPr/>
+          <p:nvPr/>
+        </p:nvCxnSpPr>
+        <p:spPr>
+          <a:xfrm>
+            <a:off x="5399244" y="2803912"/>
+            <a:ext cx="1571625" cy="0"/>
+          </a:xfrm>
+          <a:prstGeom prst="straightConnector1">
+            <a:avLst/>
+          </a:prstGeom>
+          <a:ln>
+            <a:tailEnd type="triangle"/>
+          </a:ln>
+        </p:spPr>
+        <p:style>
+          <a:lnRef idx="1">
+            <a:schemeClr val="dk1"/>
+          </a:lnRef>
+          <a:fillRef idx="0">
+            <a:schemeClr val="dk1"/>
+          </a:fillRef>
+          <a:effectRef idx="0">
+            <a:schemeClr val="dk1"/>
+          </a:effectRef>
+          <a:fontRef idx="minor">
+            <a:schemeClr val="tx1"/>
+          </a:fontRef>
+        </p:style>
+      </p:cxnSp>
+      <p:sp>
+        <p:nvSpPr>
+          <p:cNvPr id="49" name="テキスト ボックス 48"/>
+          <p:cNvSpPr txBox="1"/>
+          <p:nvPr/>
+        </p:nvSpPr>
+        <p:spPr>
+          <a:xfrm>
+            <a:off x="5057184" y="2084663"/>
+            <a:ext cx="2255746" cy="369332"/>
+          </a:xfrm>
+          <a:prstGeom prst="rect">
+            <a:avLst/>
+          </a:prstGeom>
+          <a:noFill/>
+        </p:spPr>
+        <p:txBody>
+          <a:bodyPr wrap="none" rtlCol="0">
+            <a:spAutoFit/>
+          </a:bodyPr>
+          <a:lstStyle/>
+          <a:p>
+            <a:r>
+              <a:rPr kumimoji="1" lang="en-US" altLang="ja-JP" dirty="0" smtClean="0"/>
+              <a:t>XUV-IR</a:t>
+            </a:r>
+            <a:r>
+              <a:rPr kumimoji="1" lang="ja-JP" altLang="en-US" dirty="0" smtClean="0"/>
+              <a:t>ディレイを変更</a:t>
+            </a:r>
+            <a:endParaRPr kumimoji="1" lang="ja-JP" altLang="en-US" dirty="0"/>
+          </a:p>
+        </p:txBody>
+      </p:sp>
+    </p:spTree>
+    <p:extLst>
+      <p:ext uri="{BB962C8B-B14F-4D97-AF65-F5344CB8AC3E}">
+        <p14:creationId xmlns:p14="http://schemas.microsoft.com/office/powerpoint/2010/main" val="585686896"/>
+      </p:ext>
+    </p:extLst>
+  </p:cSld>
+  <p:clrMapOvr>
+    <a:masterClrMapping/>
+  </p:clrMapOvr>
+</p:sld>
+</file>
+
+<file path=ppt/slides/slide21.xml><?xml version="1.0" encoding="utf-8"?>
+<p:sld xmlns:a="http://schemas.openxmlformats.org/drawingml/2006/main" xmlns:r="http://schemas.openxmlformats.org/officeDocument/2006/relationships" xmlns:p="http://schemas.openxmlformats.org/presentationml/2006/main">
+  <p:cSld>
+    <p:spTree>
+      <p:nvGrpSpPr>
+        <p:cNvPr id="1" name=""/>
+        <p:cNvGrpSpPr/>
+        <p:nvPr/>
+      </p:nvGrpSpPr>
+      <p:grpSpPr>
+        <a:xfrm>
+          <a:off x="0" y="0"/>
+          <a:ext cx="0" cy="0"/>
+          <a:chOff x="0" y="0"/>
+          <a:chExt cx="0" cy="0"/>
+        </a:xfrm>
+      </p:grpSpPr>
       <p:pic>
         <p:nvPicPr>
-          <p:cNvPr id="4" name="図 3"/>
+          <p:cNvPr id="3" name="図 2"/>
           <p:cNvPicPr>
             <a:picLocks noChangeAspect="1"/>
           </p:cNvPicPr>
@@ -11178,8 +11367,8 @@
         </p:blipFill>
         <p:spPr>
           <a:xfrm>
-            <a:off x="852985" y="624597"/>
-            <a:ext cx="10486029" cy="5608806"/>
+            <a:off x="834513" y="514859"/>
+            <a:ext cx="10559187" cy="5718544"/>
           </a:xfrm>
           <a:prstGeom prst="rect">
             <a:avLst/>
@@ -11382,208 +11571,6 @@
           </a:fillRef>
           <a:effectRef idx="0">
             <a:schemeClr val="accent2"/>
-          </a:effectRef>
-          <a:fontRef idx="minor">
-            <a:schemeClr val="tx1"/>
-          </a:fontRef>
-        </p:style>
-      </p:cxnSp>
-      <p:cxnSp>
-        <p:nvCxnSpPr>
-          <p:cNvPr id="15" name="直線コネクタ 14"/>
-          <p:cNvCxnSpPr/>
-          <p:nvPr/>
-        </p:nvCxnSpPr>
-        <p:spPr>
-          <a:xfrm>
-            <a:off x="8116389" y="4023359"/>
-            <a:ext cx="0" cy="1480457"/>
-          </a:xfrm>
-          <a:prstGeom prst="line">
-            <a:avLst/>
-          </a:prstGeom>
-          <a:ln/>
-        </p:spPr>
-        <p:style>
-          <a:lnRef idx="1">
-            <a:schemeClr val="accent1"/>
-          </a:lnRef>
-          <a:fillRef idx="0">
-            <a:schemeClr val="accent1"/>
-          </a:fillRef>
-          <a:effectRef idx="0">
-            <a:schemeClr val="accent1"/>
-          </a:effectRef>
-          <a:fontRef idx="minor">
-            <a:schemeClr val="tx1"/>
-          </a:fontRef>
-        </p:style>
-      </p:cxnSp>
-      <p:cxnSp>
-        <p:nvCxnSpPr>
-          <p:cNvPr id="16" name="直線コネクタ 15"/>
-          <p:cNvCxnSpPr/>
-          <p:nvPr/>
-        </p:nvCxnSpPr>
-        <p:spPr>
-          <a:xfrm>
-            <a:off x="8046574" y="4023359"/>
-            <a:ext cx="0" cy="1480457"/>
-          </a:xfrm>
-          <a:prstGeom prst="line">
-            <a:avLst/>
-          </a:prstGeom>
-          <a:ln>
-            <a:solidFill>
-              <a:srgbClr val="FF0000"/>
-            </a:solidFill>
-          </a:ln>
-        </p:spPr>
-        <p:style>
-          <a:lnRef idx="1">
-            <a:schemeClr val="accent2"/>
-          </a:lnRef>
-          <a:fillRef idx="0">
-            <a:schemeClr val="accent2"/>
-          </a:fillRef>
-          <a:effectRef idx="0">
-            <a:schemeClr val="accent2"/>
-          </a:effectRef>
-          <a:fontRef idx="minor">
-            <a:schemeClr val="tx1"/>
-          </a:fontRef>
-        </p:style>
-      </p:cxnSp>
-      <p:sp>
-        <p:nvSpPr>
-          <p:cNvPr id="17" name="テキスト ボックス 16"/>
-          <p:cNvSpPr txBox="1"/>
-          <p:nvPr/>
-        </p:nvSpPr>
-        <p:spPr>
-          <a:xfrm>
-            <a:off x="7580665" y="5951976"/>
-            <a:ext cx="535724" cy="369332"/>
-          </a:xfrm>
-          <a:prstGeom prst="rect">
-            <a:avLst/>
-          </a:prstGeom>
-          <a:noFill/>
-        </p:spPr>
-        <p:txBody>
-          <a:bodyPr wrap="square" rtlCol="0">
-            <a:spAutoFit/>
-          </a:bodyPr>
-          <a:lstStyle/>
-          <a:p>
-            <a:r>
-              <a:rPr lang="en-US" altLang="ja-JP" dirty="0" smtClean="0">
-                <a:solidFill>
-                  <a:srgbClr val="FF0000"/>
-                </a:solidFill>
-              </a:rPr>
-              <a:t>323</a:t>
-            </a:r>
-            <a:endParaRPr kumimoji="1" lang="ja-JP" altLang="en-US" dirty="0">
-              <a:solidFill>
-                <a:srgbClr val="FF0000"/>
-              </a:solidFill>
-            </a:endParaRPr>
-          </a:p>
-        </p:txBody>
-      </p:sp>
-      <p:cxnSp>
-        <p:nvCxnSpPr>
-          <p:cNvPr id="18" name="直線コネクタ 17"/>
-          <p:cNvCxnSpPr/>
-          <p:nvPr/>
-        </p:nvCxnSpPr>
-        <p:spPr>
-          <a:xfrm flipH="1">
-            <a:off x="7848527" y="5503816"/>
-            <a:ext cx="198047" cy="560922"/>
-          </a:xfrm>
-          <a:prstGeom prst="line">
-            <a:avLst/>
-          </a:prstGeom>
-          <a:ln>
-            <a:solidFill>
-              <a:srgbClr val="FF0000"/>
-            </a:solidFill>
-          </a:ln>
-        </p:spPr>
-        <p:style>
-          <a:lnRef idx="1">
-            <a:schemeClr val="accent2"/>
-          </a:lnRef>
-          <a:fillRef idx="0">
-            <a:schemeClr val="accent2"/>
-          </a:fillRef>
-          <a:effectRef idx="0">
-            <a:schemeClr val="accent2"/>
-          </a:effectRef>
-          <a:fontRef idx="minor">
-            <a:schemeClr val="tx1"/>
-          </a:fontRef>
-        </p:style>
-      </p:cxnSp>
-      <p:sp>
-        <p:nvSpPr>
-          <p:cNvPr id="27" name="テキスト ボックス 26"/>
-          <p:cNvSpPr txBox="1"/>
-          <p:nvPr/>
-        </p:nvSpPr>
-        <p:spPr>
-          <a:xfrm>
-            <a:off x="8098969" y="5939246"/>
-            <a:ext cx="535724" cy="369332"/>
-          </a:xfrm>
-          <a:prstGeom prst="rect">
-            <a:avLst/>
-          </a:prstGeom>
-          <a:noFill/>
-        </p:spPr>
-        <p:txBody>
-          <a:bodyPr wrap="square" rtlCol="0">
-            <a:spAutoFit/>
-          </a:bodyPr>
-          <a:lstStyle/>
-          <a:p>
-            <a:r>
-              <a:rPr kumimoji="1" lang="en-US" altLang="ja-JP" dirty="0" smtClean="0">
-                <a:solidFill>
-                  <a:schemeClr val="accent1"/>
-                </a:solidFill>
-              </a:rPr>
-              <a:t>327</a:t>
-            </a:r>
-          </a:p>
-        </p:txBody>
-      </p:sp>
-      <p:cxnSp>
-        <p:nvCxnSpPr>
-          <p:cNvPr id="28" name="直線コネクタ 27"/>
-          <p:cNvCxnSpPr/>
-          <p:nvPr/>
-        </p:nvCxnSpPr>
-        <p:spPr>
-          <a:xfrm flipH="1" flipV="1">
-            <a:off x="8116388" y="5503816"/>
-            <a:ext cx="483470" cy="397844"/>
-          </a:xfrm>
-          <a:prstGeom prst="line">
-            <a:avLst/>
-          </a:prstGeom>
-        </p:spPr>
-        <p:style>
-          <a:lnRef idx="1">
-            <a:schemeClr val="accent1"/>
-          </a:lnRef>
-          <a:fillRef idx="0">
-            <a:schemeClr val="accent1"/>
-          </a:fillRef>
-          <a:effectRef idx="0">
-            <a:schemeClr val="accent1"/>
           </a:effectRef>
           <a:fontRef idx="minor">
             <a:schemeClr val="tx1"/>

--- a/図/図.pptx
+++ b/図/図.pptx
@@ -217,7 +217,7 @@
           <a:p>
             <a:fld id="{E0B46874-C680-424F-BEDD-8574F74A4FA8}" type="datetimeFigureOut">
               <a:rPr kumimoji="1" lang="ja-JP" altLang="en-US" smtClean="0"/>
-              <a:t>2021/1/28</a:t>
+              <a:t>2021/2/3</a:t>
             </a:fld>
             <a:endParaRPr kumimoji="1" lang="ja-JP" altLang="en-US"/>
           </a:p>
@@ -732,7 +732,7 @@
           <a:p>
             <a:fld id="{1058E222-3311-4DDB-A469-A7F4B944C488}" type="datetimeFigureOut">
               <a:rPr kumimoji="1" lang="ja-JP" altLang="en-US" smtClean="0"/>
-              <a:t>2021/1/28</a:t>
+              <a:t>2021/2/3</a:t>
             </a:fld>
             <a:endParaRPr kumimoji="1" lang="ja-JP" altLang="en-US"/>
           </a:p>
@@ -934,7 +934,7 @@
           <a:p>
             <a:fld id="{1058E222-3311-4DDB-A469-A7F4B944C488}" type="datetimeFigureOut">
               <a:rPr kumimoji="1" lang="ja-JP" altLang="en-US" smtClean="0"/>
-              <a:t>2021/1/28</a:t>
+              <a:t>2021/2/3</a:t>
             </a:fld>
             <a:endParaRPr kumimoji="1" lang="ja-JP" altLang="en-US"/>
           </a:p>
@@ -1146,7 +1146,7 @@
           <a:p>
             <a:fld id="{1058E222-3311-4DDB-A469-A7F4B944C488}" type="datetimeFigureOut">
               <a:rPr kumimoji="1" lang="ja-JP" altLang="en-US" smtClean="0"/>
-              <a:t>2021/1/28</a:t>
+              <a:t>2021/2/3</a:t>
             </a:fld>
             <a:endParaRPr kumimoji="1" lang="ja-JP" altLang="en-US"/>
           </a:p>
@@ -1348,7 +1348,7 @@
           <a:p>
             <a:fld id="{1058E222-3311-4DDB-A469-A7F4B944C488}" type="datetimeFigureOut">
               <a:rPr kumimoji="1" lang="ja-JP" altLang="en-US" smtClean="0"/>
-              <a:t>2021/1/28</a:t>
+              <a:t>2021/2/3</a:t>
             </a:fld>
             <a:endParaRPr kumimoji="1" lang="ja-JP" altLang="en-US"/>
           </a:p>
@@ -1594,7 +1594,7 @@
           <a:p>
             <a:fld id="{1058E222-3311-4DDB-A469-A7F4B944C488}" type="datetimeFigureOut">
               <a:rPr kumimoji="1" lang="ja-JP" altLang="en-US" smtClean="0"/>
-              <a:t>2021/1/28</a:t>
+              <a:t>2021/2/3</a:t>
             </a:fld>
             <a:endParaRPr kumimoji="1" lang="ja-JP" altLang="en-US"/>
           </a:p>
@@ -1890,7 +1890,7 @@
           <a:p>
             <a:fld id="{1058E222-3311-4DDB-A469-A7F4B944C488}" type="datetimeFigureOut">
               <a:rPr kumimoji="1" lang="ja-JP" altLang="en-US" smtClean="0"/>
-              <a:t>2021/1/28</a:t>
+              <a:t>2021/2/3</a:t>
             </a:fld>
             <a:endParaRPr kumimoji="1" lang="ja-JP" altLang="en-US"/>
           </a:p>
@@ -2321,7 +2321,7 @@
           <a:p>
             <a:fld id="{1058E222-3311-4DDB-A469-A7F4B944C488}" type="datetimeFigureOut">
               <a:rPr kumimoji="1" lang="ja-JP" altLang="en-US" smtClean="0"/>
-              <a:t>2021/1/28</a:t>
+              <a:t>2021/2/3</a:t>
             </a:fld>
             <a:endParaRPr kumimoji="1" lang="ja-JP" altLang="en-US"/>
           </a:p>
@@ -2439,7 +2439,7 @@
           <a:p>
             <a:fld id="{1058E222-3311-4DDB-A469-A7F4B944C488}" type="datetimeFigureOut">
               <a:rPr kumimoji="1" lang="ja-JP" altLang="en-US" smtClean="0"/>
-              <a:t>2021/1/28</a:t>
+              <a:t>2021/2/3</a:t>
             </a:fld>
             <a:endParaRPr kumimoji="1" lang="ja-JP" altLang="en-US"/>
           </a:p>
@@ -2534,7 +2534,7 @@
           <a:p>
             <a:fld id="{1058E222-3311-4DDB-A469-A7F4B944C488}" type="datetimeFigureOut">
               <a:rPr kumimoji="1" lang="ja-JP" altLang="en-US" smtClean="0"/>
-              <a:t>2021/1/28</a:t>
+              <a:t>2021/2/3</a:t>
             </a:fld>
             <a:endParaRPr kumimoji="1" lang="ja-JP" altLang="en-US"/>
           </a:p>
@@ -2843,7 +2843,7 @@
           <a:p>
             <a:fld id="{1058E222-3311-4DDB-A469-A7F4B944C488}" type="datetimeFigureOut">
               <a:rPr kumimoji="1" lang="ja-JP" altLang="en-US" smtClean="0"/>
-              <a:t>2021/1/28</a:t>
+              <a:t>2021/2/3</a:t>
             </a:fld>
             <a:endParaRPr kumimoji="1" lang="ja-JP" altLang="en-US"/>
           </a:p>
@@ -3096,7 +3096,7 @@
           <a:p>
             <a:fld id="{1058E222-3311-4DDB-A469-A7F4B944C488}" type="datetimeFigureOut">
               <a:rPr kumimoji="1" lang="ja-JP" altLang="en-US" smtClean="0"/>
-              <a:t>2021/1/28</a:t>
+              <a:t>2021/2/3</a:t>
             </a:fld>
             <a:endParaRPr kumimoji="1" lang="ja-JP" altLang="en-US"/>
           </a:p>
@@ -3341,7 +3341,7 @@
           <a:p>
             <a:fld id="{1058E222-3311-4DDB-A469-A7F4B944C488}" type="datetimeFigureOut">
               <a:rPr kumimoji="1" lang="ja-JP" altLang="en-US" smtClean="0"/>
-              <a:t>2021/1/28</a:t>
+              <a:t>2021/2/3</a:t>
             </a:fld>
             <a:endParaRPr kumimoji="1" lang="ja-JP" altLang="en-US"/>
           </a:p>

--- a/図/図.pptx
+++ b/図/図.pptx
@@ -5,30 +5,29 @@
     <p:sldMasterId id="2147483648" r:id="rId1"/>
   </p:sldMasterIdLst>
   <p:notesMasterIdLst>
-    <p:notesMasterId r:id="rId23"/>
+    <p:notesMasterId r:id="rId22"/>
   </p:notesMasterIdLst>
   <p:sldIdLst>
     <p:sldId id="256" r:id="rId2"/>
     <p:sldId id="271" r:id="rId3"/>
     <p:sldId id="272" r:id="rId4"/>
     <p:sldId id="273" r:id="rId5"/>
-    <p:sldId id="257" r:id="rId6"/>
-    <p:sldId id="268" r:id="rId7"/>
-    <p:sldId id="269" r:id="rId8"/>
-    <p:sldId id="258" r:id="rId9"/>
-    <p:sldId id="259" r:id="rId10"/>
-    <p:sldId id="260" r:id="rId11"/>
-    <p:sldId id="261" r:id="rId12"/>
-    <p:sldId id="262" r:id="rId13"/>
-    <p:sldId id="263" r:id="rId14"/>
-    <p:sldId id="264" r:id="rId15"/>
-    <p:sldId id="265" r:id="rId16"/>
-    <p:sldId id="266" r:id="rId17"/>
-    <p:sldId id="267" r:id="rId18"/>
-    <p:sldId id="270" r:id="rId19"/>
-    <p:sldId id="276" r:id="rId20"/>
-    <p:sldId id="274" r:id="rId21"/>
-    <p:sldId id="275" r:id="rId22"/>
+    <p:sldId id="268" r:id="rId6"/>
+    <p:sldId id="269" r:id="rId7"/>
+    <p:sldId id="258" r:id="rId8"/>
+    <p:sldId id="259" r:id="rId9"/>
+    <p:sldId id="260" r:id="rId10"/>
+    <p:sldId id="261" r:id="rId11"/>
+    <p:sldId id="262" r:id="rId12"/>
+    <p:sldId id="263" r:id="rId13"/>
+    <p:sldId id="264" r:id="rId14"/>
+    <p:sldId id="265" r:id="rId15"/>
+    <p:sldId id="266" r:id="rId16"/>
+    <p:sldId id="267" r:id="rId17"/>
+    <p:sldId id="270" r:id="rId18"/>
+    <p:sldId id="276" r:id="rId19"/>
+    <p:sldId id="274" r:id="rId20"/>
+    <p:sldId id="275" r:id="rId21"/>
   </p:sldIdLst>
   <p:sldSz cx="12192000" cy="6858000"/>
   <p:notesSz cx="6858000" cy="9144000"/>
@@ -217,7 +216,7 @@
           <a:p>
             <a:fld id="{E0B46874-C680-424F-BEDD-8574F74A4FA8}" type="datetimeFigureOut">
               <a:rPr kumimoji="1" lang="ja-JP" altLang="en-US" smtClean="0"/>
-              <a:t>2021/2/3</a:t>
+              <a:t>2021/2/5</a:t>
             </a:fld>
             <a:endParaRPr kumimoji="1" lang="ja-JP" altLang="en-US"/>
           </a:p>
@@ -582,7 +581,7 @@
           <a:p>
             <a:fld id="{A93B5D4D-F844-4AC2-AE1E-5B2FA9F2570F}" type="slidenum">
               <a:rPr kumimoji="1" lang="ja-JP" altLang="en-US" smtClean="0"/>
-              <a:t>10</a:t>
+              <a:t>9</a:t>
             </a:fld>
             <a:endParaRPr kumimoji="1" lang="ja-JP" altLang="en-US"/>
           </a:p>
@@ -732,7 +731,7 @@
           <a:p>
             <a:fld id="{1058E222-3311-4DDB-A469-A7F4B944C488}" type="datetimeFigureOut">
               <a:rPr kumimoji="1" lang="ja-JP" altLang="en-US" smtClean="0"/>
-              <a:t>2021/2/3</a:t>
+              <a:t>2021/2/5</a:t>
             </a:fld>
             <a:endParaRPr kumimoji="1" lang="ja-JP" altLang="en-US"/>
           </a:p>
@@ -934,7 +933,7 @@
           <a:p>
             <a:fld id="{1058E222-3311-4DDB-A469-A7F4B944C488}" type="datetimeFigureOut">
               <a:rPr kumimoji="1" lang="ja-JP" altLang="en-US" smtClean="0"/>
-              <a:t>2021/2/3</a:t>
+              <a:t>2021/2/5</a:t>
             </a:fld>
             <a:endParaRPr kumimoji="1" lang="ja-JP" altLang="en-US"/>
           </a:p>
@@ -1146,7 +1145,7 @@
           <a:p>
             <a:fld id="{1058E222-3311-4DDB-A469-A7F4B944C488}" type="datetimeFigureOut">
               <a:rPr kumimoji="1" lang="ja-JP" altLang="en-US" smtClean="0"/>
-              <a:t>2021/2/3</a:t>
+              <a:t>2021/2/5</a:t>
             </a:fld>
             <a:endParaRPr kumimoji="1" lang="ja-JP" altLang="en-US"/>
           </a:p>
@@ -1348,7 +1347,7 @@
           <a:p>
             <a:fld id="{1058E222-3311-4DDB-A469-A7F4B944C488}" type="datetimeFigureOut">
               <a:rPr kumimoji="1" lang="ja-JP" altLang="en-US" smtClean="0"/>
-              <a:t>2021/2/3</a:t>
+              <a:t>2021/2/5</a:t>
             </a:fld>
             <a:endParaRPr kumimoji="1" lang="ja-JP" altLang="en-US"/>
           </a:p>
@@ -1594,7 +1593,7 @@
           <a:p>
             <a:fld id="{1058E222-3311-4DDB-A469-A7F4B944C488}" type="datetimeFigureOut">
               <a:rPr kumimoji="1" lang="ja-JP" altLang="en-US" smtClean="0"/>
-              <a:t>2021/2/3</a:t>
+              <a:t>2021/2/5</a:t>
             </a:fld>
             <a:endParaRPr kumimoji="1" lang="ja-JP" altLang="en-US"/>
           </a:p>
@@ -1890,7 +1889,7 @@
           <a:p>
             <a:fld id="{1058E222-3311-4DDB-A469-A7F4B944C488}" type="datetimeFigureOut">
               <a:rPr kumimoji="1" lang="ja-JP" altLang="en-US" smtClean="0"/>
-              <a:t>2021/2/3</a:t>
+              <a:t>2021/2/5</a:t>
             </a:fld>
             <a:endParaRPr kumimoji="1" lang="ja-JP" altLang="en-US"/>
           </a:p>
@@ -2321,7 +2320,7 @@
           <a:p>
             <a:fld id="{1058E222-3311-4DDB-A469-A7F4B944C488}" type="datetimeFigureOut">
               <a:rPr kumimoji="1" lang="ja-JP" altLang="en-US" smtClean="0"/>
-              <a:t>2021/2/3</a:t>
+              <a:t>2021/2/5</a:t>
             </a:fld>
             <a:endParaRPr kumimoji="1" lang="ja-JP" altLang="en-US"/>
           </a:p>
@@ -2439,7 +2438,7 @@
           <a:p>
             <a:fld id="{1058E222-3311-4DDB-A469-A7F4B944C488}" type="datetimeFigureOut">
               <a:rPr kumimoji="1" lang="ja-JP" altLang="en-US" smtClean="0"/>
-              <a:t>2021/2/3</a:t>
+              <a:t>2021/2/5</a:t>
             </a:fld>
             <a:endParaRPr kumimoji="1" lang="ja-JP" altLang="en-US"/>
           </a:p>
@@ -2534,7 +2533,7 @@
           <a:p>
             <a:fld id="{1058E222-3311-4DDB-A469-A7F4B944C488}" type="datetimeFigureOut">
               <a:rPr kumimoji="1" lang="ja-JP" altLang="en-US" smtClean="0"/>
-              <a:t>2021/2/3</a:t>
+              <a:t>2021/2/5</a:t>
             </a:fld>
             <a:endParaRPr kumimoji="1" lang="ja-JP" altLang="en-US"/>
           </a:p>
@@ -2843,7 +2842,7 @@
           <a:p>
             <a:fld id="{1058E222-3311-4DDB-A469-A7F4B944C488}" type="datetimeFigureOut">
               <a:rPr kumimoji="1" lang="ja-JP" altLang="en-US" smtClean="0"/>
-              <a:t>2021/2/3</a:t>
+              <a:t>2021/2/5</a:t>
             </a:fld>
             <a:endParaRPr kumimoji="1" lang="ja-JP" altLang="en-US"/>
           </a:p>
@@ -3096,7 +3095,7 @@
           <a:p>
             <a:fld id="{1058E222-3311-4DDB-A469-A7F4B944C488}" type="datetimeFigureOut">
               <a:rPr kumimoji="1" lang="ja-JP" altLang="en-US" smtClean="0"/>
-              <a:t>2021/2/3</a:t>
+              <a:t>2021/2/5</a:t>
             </a:fld>
             <a:endParaRPr kumimoji="1" lang="ja-JP" altLang="en-US"/>
           </a:p>
@@ -3341,7 +3340,7 @@
           <a:p>
             <a:fld id="{1058E222-3311-4DDB-A469-A7F4B944C488}" type="datetimeFigureOut">
               <a:rPr kumimoji="1" lang="ja-JP" altLang="en-US" smtClean="0"/>
-              <a:t>2021/2/3</a:t>
+              <a:t>2021/2/5</a:t>
             </a:fld>
             <a:endParaRPr kumimoji="1" lang="ja-JP" altLang="en-US"/>
           </a:p>
@@ -4368,370 +4367,6 @@
           <a:chExt cx="0" cy="0"/>
         </a:xfrm>
       </p:grpSpPr>
-      <p:pic>
-        <p:nvPicPr>
-          <p:cNvPr id="4" name="コンテンツ プレースホルダー 3"/>
-          <p:cNvPicPr>
-            <a:picLocks noGrp="1" noChangeAspect="1"/>
-          </p:cNvPicPr>
-          <p:nvPr>
-            <p:ph idx="1"/>
-          </p:nvPr>
-        </p:nvPicPr>
-        <p:blipFill>
-          <a:blip r:embed="rId3">
-            <a:extLst>
-              <a:ext uri="{28A0092B-C50C-407E-A947-70E740481C1C}">
-                <a14:useLocalDpi xmlns:a14="http://schemas.microsoft.com/office/drawing/2010/main" val="0"/>
-              </a:ext>
-            </a:extLst>
-          </a:blip>
-          <a:stretch>
-            <a:fillRect/>
-          </a:stretch>
-        </p:blipFill>
-        <p:spPr>
-          <a:xfrm>
-            <a:off x="3214938" y="1285694"/>
-            <a:ext cx="4351338" cy="4351338"/>
-          </a:xfrm>
-        </p:spPr>
-      </p:pic>
-      <p:cxnSp>
-        <p:nvCxnSpPr>
-          <p:cNvPr id="6" name="直線矢印コネクタ 5"/>
-          <p:cNvCxnSpPr/>
-          <p:nvPr/>
-        </p:nvCxnSpPr>
-        <p:spPr>
-          <a:xfrm>
-            <a:off x="3213463" y="966651"/>
-            <a:ext cx="4380411" cy="26126"/>
-          </a:xfrm>
-          <a:prstGeom prst="straightConnector1">
-            <a:avLst/>
-          </a:prstGeom>
-          <a:ln>
-            <a:tailEnd type="triangle"/>
-          </a:ln>
-        </p:spPr>
-        <p:style>
-          <a:lnRef idx="1">
-            <a:schemeClr val="dk1"/>
-          </a:lnRef>
-          <a:fillRef idx="0">
-            <a:schemeClr val="dk1"/>
-          </a:fillRef>
-          <a:effectRef idx="0">
-            <a:schemeClr val="dk1"/>
-          </a:effectRef>
-          <a:fontRef idx="minor">
-            <a:schemeClr val="tx1"/>
-          </a:fontRef>
-        </p:style>
-      </p:cxnSp>
-      <p:cxnSp>
-        <p:nvCxnSpPr>
-          <p:cNvPr id="8" name="直線矢印コネクタ 7"/>
-          <p:cNvCxnSpPr/>
-          <p:nvPr/>
-        </p:nvCxnSpPr>
-        <p:spPr>
-          <a:xfrm flipH="1">
-            <a:off x="2856106" y="1285694"/>
-            <a:ext cx="16318" cy="4351338"/>
-          </a:xfrm>
-          <a:prstGeom prst="straightConnector1">
-            <a:avLst/>
-          </a:prstGeom>
-          <a:ln>
-            <a:tailEnd type="triangle"/>
-          </a:ln>
-        </p:spPr>
-        <p:style>
-          <a:lnRef idx="1">
-            <a:schemeClr val="dk1"/>
-          </a:lnRef>
-          <a:fillRef idx="0">
-            <a:schemeClr val="dk1"/>
-          </a:fillRef>
-          <a:effectRef idx="0">
-            <a:schemeClr val="dk1"/>
-          </a:effectRef>
-          <a:fontRef idx="minor">
-            <a:schemeClr val="tx1"/>
-          </a:fontRef>
-        </p:style>
-      </p:cxnSp>
-      <mc:AlternateContent xmlns:mc="http://schemas.openxmlformats.org/markup-compatibility/2006" xmlns:a14="http://schemas.microsoft.com/office/drawing/2010/main">
-        <mc:Choice Requires="a14">
-          <p:sp>
-            <p:nvSpPr>
-              <p:cNvPr id="13" name="テキスト ボックス 12"/>
-              <p:cNvSpPr txBox="1"/>
-              <p:nvPr/>
-            </p:nvSpPr>
-            <p:spPr>
-              <a:xfrm>
-                <a:off x="7498080" y="705394"/>
-                <a:ext cx="367985" cy="369332"/>
-              </a:xfrm>
-              <a:prstGeom prst="rect">
-                <a:avLst/>
-              </a:prstGeom>
-              <a:noFill/>
-            </p:spPr>
-            <p:txBody>
-              <a:bodyPr wrap="none" rtlCol="0">
-                <a:spAutoFit/>
-              </a:bodyPr>
-              <a:lstStyle/>
-              <a:p>
-                <a:pPr/>
-                <a14:m>
-                  <m:oMathPara xmlns:m="http://schemas.openxmlformats.org/officeDocument/2006/math">
-                    <m:oMathParaPr>
-                      <m:jc m:val="centerGroup"/>
-                    </m:oMathParaPr>
-                    <m:oMath xmlns:m="http://schemas.openxmlformats.org/officeDocument/2006/math">
-                      <m:r>
-                        <a:rPr kumimoji="1" lang="en-US" altLang="ja-JP" b="0" i="1" smtClean="0">
-                          <a:latin typeface="Cambria Math" panose="02040503050406030204" pitchFamily="18" charset="0"/>
-                        </a:rPr>
-                        <m:t>𝑥</m:t>
-                      </m:r>
-                    </m:oMath>
-                  </m:oMathPara>
-                </a14:m>
-                <a:endParaRPr kumimoji="1" lang="ja-JP" altLang="en-US" dirty="0"/>
-              </a:p>
-            </p:txBody>
-          </p:sp>
-        </mc:Choice>
-        <mc:Fallback xmlns="">
-          <p:sp>
-            <p:nvSpPr>
-              <p:cNvPr id="13" name="テキスト ボックス 12"/>
-              <p:cNvSpPr txBox="1">
-                <a:spLocks noRot="1" noChangeAspect="1" noMove="1" noResize="1" noEditPoints="1" noAdjustHandles="1" noChangeArrowheads="1" noChangeShapeType="1" noTextEdit="1"/>
-              </p:cNvSpPr>
-              <p:nvPr/>
-            </p:nvSpPr>
-            <p:spPr>
-              <a:xfrm>
-                <a:off x="7498080" y="705394"/>
-                <a:ext cx="367985" cy="369332"/>
-              </a:xfrm>
-              <a:prstGeom prst="rect">
-                <a:avLst/>
-              </a:prstGeom>
-              <a:blipFill rotWithShape="0">
-                <a:blip r:embed="rId4"/>
-                <a:stretch>
-                  <a:fillRect/>
-                </a:stretch>
-              </a:blipFill>
-            </p:spPr>
-            <p:txBody>
-              <a:bodyPr/>
-              <a:lstStyle/>
-              <a:p>
-                <a:r>
-                  <a:rPr lang="ja-JP" altLang="en-US">
-                    <a:noFill/>
-                  </a:rPr>
-                  <a:t> </a:t>
-                </a:r>
-              </a:p>
-            </p:txBody>
-          </p:sp>
-        </mc:Fallback>
-      </mc:AlternateContent>
-      <mc:AlternateContent xmlns:mc="http://schemas.openxmlformats.org/markup-compatibility/2006" xmlns:a14="http://schemas.microsoft.com/office/drawing/2010/main">
-        <mc:Choice Requires="a14">
-          <p:sp>
-            <p:nvSpPr>
-              <p:cNvPr id="14" name="テキスト ボックス 13"/>
-              <p:cNvSpPr txBox="1"/>
-              <p:nvPr/>
-            </p:nvSpPr>
-            <p:spPr>
-              <a:xfrm>
-                <a:off x="2672113" y="5637032"/>
-                <a:ext cx="371384" cy="369332"/>
-              </a:xfrm>
-              <a:prstGeom prst="rect">
-                <a:avLst/>
-              </a:prstGeom>
-              <a:noFill/>
-            </p:spPr>
-            <p:txBody>
-              <a:bodyPr wrap="none" rtlCol="0">
-                <a:spAutoFit/>
-              </a:bodyPr>
-              <a:lstStyle/>
-              <a:p>
-                <a:pPr/>
-                <a14:m>
-                  <m:oMathPara xmlns:m="http://schemas.openxmlformats.org/officeDocument/2006/math">
-                    <m:oMathParaPr>
-                      <m:jc m:val="centerGroup"/>
-                    </m:oMathParaPr>
-                    <m:oMath xmlns:m="http://schemas.openxmlformats.org/officeDocument/2006/math">
-                      <m:r>
-                        <a:rPr kumimoji="1" lang="en-US" altLang="ja-JP" b="0" i="1" smtClean="0">
-                          <a:latin typeface="Cambria Math" panose="02040503050406030204" pitchFamily="18" charset="0"/>
-                        </a:rPr>
-                        <m:t>𝑦</m:t>
-                      </m:r>
-                    </m:oMath>
-                  </m:oMathPara>
-                </a14:m>
-                <a:endParaRPr kumimoji="1" lang="ja-JP" altLang="en-US" dirty="0"/>
-              </a:p>
-            </p:txBody>
-          </p:sp>
-        </mc:Choice>
-        <mc:Fallback xmlns="">
-          <p:sp>
-            <p:nvSpPr>
-              <p:cNvPr id="14" name="テキスト ボックス 13"/>
-              <p:cNvSpPr txBox="1">
-                <a:spLocks noRot="1" noChangeAspect="1" noMove="1" noResize="1" noEditPoints="1" noAdjustHandles="1" noChangeArrowheads="1" noChangeShapeType="1" noTextEdit="1"/>
-              </p:cNvSpPr>
-              <p:nvPr/>
-            </p:nvSpPr>
-            <p:spPr>
-              <a:xfrm>
-                <a:off x="2672113" y="5637032"/>
-                <a:ext cx="371384" cy="369332"/>
-              </a:xfrm>
-              <a:prstGeom prst="rect">
-                <a:avLst/>
-              </a:prstGeom>
-              <a:blipFill rotWithShape="0">
-                <a:blip r:embed="rId5"/>
-                <a:stretch>
-                  <a:fillRect b="-6667"/>
-                </a:stretch>
-              </a:blipFill>
-            </p:spPr>
-            <p:txBody>
-              <a:bodyPr/>
-              <a:lstStyle/>
-              <a:p>
-                <a:r>
-                  <a:rPr lang="ja-JP" altLang="en-US">
-                    <a:noFill/>
-                  </a:rPr>
-                  <a:t> </a:t>
-                </a:r>
-              </a:p>
-            </p:txBody>
-          </p:sp>
-        </mc:Fallback>
-      </mc:AlternateContent>
-      <p:cxnSp>
-        <p:nvCxnSpPr>
-          <p:cNvPr id="3" name="直線矢印コネクタ 2"/>
-          <p:cNvCxnSpPr/>
-          <p:nvPr/>
-        </p:nvCxnSpPr>
-        <p:spPr>
-          <a:xfrm>
-            <a:off x="3213463" y="5997656"/>
-            <a:ext cx="4380411" cy="0"/>
-          </a:xfrm>
-          <a:prstGeom prst="straightConnector1">
-            <a:avLst/>
-          </a:prstGeom>
-          <a:ln>
-            <a:solidFill>
-              <a:srgbClr val="FF0000"/>
-            </a:solidFill>
-            <a:headEnd type="triangle"/>
-            <a:tailEnd type="triangle"/>
-          </a:ln>
-        </p:spPr>
-        <p:style>
-          <a:lnRef idx="1">
-            <a:schemeClr val="accent2"/>
-          </a:lnRef>
-          <a:fillRef idx="0">
-            <a:schemeClr val="accent2"/>
-          </a:fillRef>
-          <a:effectRef idx="0">
-            <a:schemeClr val="accent2"/>
-          </a:effectRef>
-          <a:fontRef idx="minor">
-            <a:schemeClr val="tx1"/>
-          </a:fontRef>
-        </p:style>
-      </p:cxnSp>
-      <p:sp>
-        <p:nvSpPr>
-          <p:cNvPr id="5" name="テキスト ボックス 4"/>
-          <p:cNvSpPr txBox="1"/>
-          <p:nvPr/>
-        </p:nvSpPr>
-        <p:spPr>
-          <a:xfrm>
-            <a:off x="4279988" y="6104709"/>
-            <a:ext cx="2209259" cy="369332"/>
-          </a:xfrm>
-          <a:prstGeom prst="rect">
-            <a:avLst/>
-          </a:prstGeom>
-          <a:noFill/>
-        </p:spPr>
-        <p:txBody>
-          <a:bodyPr wrap="none" rtlCol="0">
-            <a:spAutoFit/>
-          </a:bodyPr>
-          <a:lstStyle/>
-          <a:p>
-            <a:r>
-              <a:rPr lang="ja-JP" altLang="en-US" dirty="0"/>
-              <a:t>レーザーの偏光</a:t>
-            </a:r>
-            <a:r>
-              <a:rPr lang="ja-JP" altLang="en-US" dirty="0" smtClean="0"/>
-              <a:t>方向</a:t>
-            </a:r>
-            <a:endParaRPr lang="ja-JP" altLang="en-US" dirty="0"/>
-          </a:p>
-        </p:txBody>
-      </p:sp>
-    </p:spTree>
-    <p:extLst>
-      <p:ext uri="{BB962C8B-B14F-4D97-AF65-F5344CB8AC3E}">
-        <p14:creationId xmlns:p14="http://schemas.microsoft.com/office/powerpoint/2010/main" val="1937700226"/>
-      </p:ext>
-    </p:extLst>
-  </p:cSld>
-  <p:clrMapOvr>
-    <a:masterClrMapping/>
-  </p:clrMapOvr>
-</p:sld>
-</file>
-
-<file path=ppt/slides/slide11.xml><?xml version="1.0" encoding="utf-8"?>
-<p:sld xmlns:a="http://schemas.openxmlformats.org/drawingml/2006/main" xmlns:r="http://schemas.openxmlformats.org/officeDocument/2006/relationships" xmlns:p="http://schemas.openxmlformats.org/presentationml/2006/main">
-  <p:cSld>
-    <p:spTree>
-      <p:nvGrpSpPr>
-        <p:cNvPr id="1" name=""/>
-        <p:cNvGrpSpPr/>
-        <p:nvPr/>
-      </p:nvGrpSpPr>
-      <p:grpSpPr>
-        <a:xfrm>
-          <a:off x="0" y="0"/>
-          <a:ext cx="0" cy="0"/>
-          <a:chOff x="0" y="0"/>
-          <a:chExt cx="0" cy="0"/>
-        </a:xfrm>
-      </p:grpSpPr>
       <p:cxnSp>
         <p:nvCxnSpPr>
           <p:cNvPr id="6" name="直線矢印コネクタ 5"/>
@@ -5008,7 +4643,7 @@
 </p:sld>
 </file>
 
-<file path=ppt/slides/slide12.xml><?xml version="1.0" encoding="utf-8"?>
+<file path=ppt/slides/slide11.xml><?xml version="1.0" encoding="utf-8"?>
 <p:sld xmlns:a="http://schemas.openxmlformats.org/drawingml/2006/main" xmlns:r="http://schemas.openxmlformats.org/officeDocument/2006/relationships" xmlns:p="http://schemas.openxmlformats.org/presentationml/2006/main">
   <p:cSld>
     <p:spTree>
@@ -5682,7 +5317,7 @@
 </p:sld>
 </file>
 
-<file path=ppt/slides/slide13.xml><?xml version="1.0" encoding="utf-8"?>
+<file path=ppt/slides/slide12.xml><?xml version="1.0" encoding="utf-8"?>
 <p:sld xmlns:a="http://schemas.openxmlformats.org/drawingml/2006/main" xmlns:r="http://schemas.openxmlformats.org/officeDocument/2006/relationships" xmlns:p="http://schemas.openxmlformats.org/presentationml/2006/main">
   <p:cSld>
     <p:spTree>
@@ -5929,7 +5564,7 @@
 </p:sld>
 </file>
 
-<file path=ppt/slides/slide14.xml><?xml version="1.0" encoding="utf-8"?>
+<file path=ppt/slides/slide13.xml><?xml version="1.0" encoding="utf-8"?>
 <p:sld xmlns:a="http://schemas.openxmlformats.org/drawingml/2006/main" xmlns:r="http://schemas.openxmlformats.org/officeDocument/2006/relationships" xmlns:p="http://schemas.openxmlformats.org/presentationml/2006/main">
   <p:cSld>
     <p:spTree>
@@ -6176,7 +5811,7 @@
 </p:sld>
 </file>
 
-<file path=ppt/slides/slide15.xml><?xml version="1.0" encoding="utf-8"?>
+<file path=ppt/slides/slide14.xml><?xml version="1.0" encoding="utf-8"?>
 <p:sld xmlns:a="http://schemas.openxmlformats.org/drawingml/2006/main" xmlns:r="http://schemas.openxmlformats.org/officeDocument/2006/relationships" xmlns:p="http://schemas.openxmlformats.org/presentationml/2006/main">
   <p:cSld>
     <p:spTree>
@@ -6423,7 +6058,7 @@
 </p:sld>
 </file>
 
-<file path=ppt/slides/slide16.xml><?xml version="1.0" encoding="utf-8"?>
+<file path=ppt/slides/slide15.xml><?xml version="1.0" encoding="utf-8"?>
 <p:sld xmlns:a="http://schemas.openxmlformats.org/drawingml/2006/main" xmlns:r="http://schemas.openxmlformats.org/officeDocument/2006/relationships" xmlns:p="http://schemas.openxmlformats.org/presentationml/2006/main">
   <p:cSld>
     <p:spTree>
@@ -7045,7 +6680,7 @@
 </p:sld>
 </file>
 
-<file path=ppt/slides/slide17.xml><?xml version="1.0" encoding="utf-8"?>
+<file path=ppt/slides/slide16.xml><?xml version="1.0" encoding="utf-8"?>
 <p:sld xmlns:a="http://schemas.openxmlformats.org/drawingml/2006/main" xmlns:r="http://schemas.openxmlformats.org/officeDocument/2006/relationships" xmlns:p="http://schemas.openxmlformats.org/presentationml/2006/main">
   <p:cSld>
     <p:spTree>
@@ -7062,1268 +6697,1043 @@
           <a:chExt cx="0" cy="0"/>
         </a:xfrm>
       </p:grpSpPr>
-      <p:cxnSp>
-        <p:nvCxnSpPr>
-          <p:cNvPr id="5" name="直線矢印コネクタ 4"/>
-          <p:cNvCxnSpPr/>
-          <p:nvPr/>
-        </p:nvCxnSpPr>
-        <p:spPr>
-          <a:xfrm>
-            <a:off x="1057275" y="1990725"/>
-            <a:ext cx="2200275" cy="0"/>
-          </a:xfrm>
-          <a:prstGeom prst="straightConnector1">
-            <a:avLst/>
-          </a:prstGeom>
-          <a:ln>
-            <a:tailEnd type="triangle"/>
-          </a:ln>
-        </p:spPr>
-        <p:style>
-          <a:lnRef idx="1">
-            <a:schemeClr val="dk1"/>
-          </a:lnRef>
-          <a:fillRef idx="0">
-            <a:schemeClr val="dk1"/>
-          </a:fillRef>
-          <a:effectRef idx="0">
-            <a:schemeClr val="dk1"/>
-          </a:effectRef>
-          <a:fontRef idx="minor">
-            <a:schemeClr val="tx1"/>
-          </a:fontRef>
-        </p:style>
-      </p:cxnSp>
-      <p:cxnSp>
-        <p:nvCxnSpPr>
-          <p:cNvPr id="7" name="直線矢印コネクタ 6"/>
-          <p:cNvCxnSpPr/>
-          <p:nvPr/>
-        </p:nvCxnSpPr>
-        <p:spPr>
-          <a:xfrm flipV="1">
-            <a:off x="1057275" y="704850"/>
-            <a:ext cx="0" cy="1285875"/>
-          </a:xfrm>
-          <a:prstGeom prst="straightConnector1">
-            <a:avLst/>
-          </a:prstGeom>
-          <a:ln>
-            <a:tailEnd type="triangle"/>
-          </a:ln>
-        </p:spPr>
-        <p:style>
-          <a:lnRef idx="1">
-            <a:schemeClr val="dk1"/>
-          </a:lnRef>
-          <a:fillRef idx="0">
-            <a:schemeClr val="dk1"/>
-          </a:fillRef>
-          <a:effectRef idx="0">
-            <a:schemeClr val="dk1"/>
-          </a:effectRef>
-          <a:fontRef idx="minor">
-            <a:schemeClr val="tx1"/>
-          </a:fontRef>
-        </p:style>
-      </p:cxnSp>
-      <p:sp>
-        <p:nvSpPr>
-          <p:cNvPr id="10" name="フリーフォーム 9"/>
-          <p:cNvSpPr/>
-          <p:nvPr/>
-        </p:nvSpPr>
-        <p:spPr>
-          <a:xfrm>
-            <a:off x="1171575" y="523874"/>
-            <a:ext cx="2057478" cy="1144302"/>
-          </a:xfrm>
-          <a:custGeom>
-            <a:avLst/>
-            <a:gdLst>
-              <a:gd name="connsiteX0" fmla="*/ 0 w 2057478"/>
-              <a:gd name="connsiteY0" fmla="*/ 952501 h 1144302"/>
-              <a:gd name="connsiteX1" fmla="*/ 66675 w 2057478"/>
-              <a:gd name="connsiteY1" fmla="*/ 581026 h 1144302"/>
-              <a:gd name="connsiteX2" fmla="*/ 180975 w 2057478"/>
-              <a:gd name="connsiteY2" fmla="*/ 933451 h 1144302"/>
-              <a:gd name="connsiteX3" fmla="*/ 266700 w 2057478"/>
-              <a:gd name="connsiteY3" fmla="*/ 466726 h 1144302"/>
-              <a:gd name="connsiteX4" fmla="*/ 419100 w 2057478"/>
-              <a:gd name="connsiteY4" fmla="*/ 1009651 h 1144302"/>
-              <a:gd name="connsiteX5" fmla="*/ 542925 w 2057478"/>
-              <a:gd name="connsiteY5" fmla="*/ 314326 h 1144302"/>
-              <a:gd name="connsiteX6" fmla="*/ 695325 w 2057478"/>
-              <a:gd name="connsiteY6" fmla="*/ 1123951 h 1144302"/>
-              <a:gd name="connsiteX7" fmla="*/ 819150 w 2057478"/>
-              <a:gd name="connsiteY7" fmla="*/ 200026 h 1144302"/>
-              <a:gd name="connsiteX8" fmla="*/ 1038225 w 2057478"/>
-              <a:gd name="connsiteY8" fmla="*/ 1104901 h 1144302"/>
-              <a:gd name="connsiteX9" fmla="*/ 1276350 w 2057478"/>
-              <a:gd name="connsiteY9" fmla="*/ 114301 h 1144302"/>
-              <a:gd name="connsiteX10" fmla="*/ 1419225 w 2057478"/>
-              <a:gd name="connsiteY10" fmla="*/ 1123951 h 1144302"/>
-              <a:gd name="connsiteX11" fmla="*/ 1619250 w 2057478"/>
-              <a:gd name="connsiteY11" fmla="*/ 1 h 1144302"/>
-              <a:gd name="connsiteX12" fmla="*/ 1771650 w 2057478"/>
-              <a:gd name="connsiteY12" fmla="*/ 1133476 h 1144302"/>
-              <a:gd name="connsiteX13" fmla="*/ 2038350 w 2057478"/>
-              <a:gd name="connsiteY13" fmla="*/ 571501 h 1144302"/>
-              <a:gd name="connsiteX14" fmla="*/ 2057400 w 2057478"/>
-              <a:gd name="connsiteY14" fmla="*/ 561976 h 1144302"/>
-            </a:gdLst>
-            <a:ahLst/>
-            <a:cxnLst>
-              <a:cxn ang="0">
-                <a:pos x="connsiteX0" y="connsiteY0"/>
-              </a:cxn>
-              <a:cxn ang="0">
-                <a:pos x="connsiteX1" y="connsiteY1"/>
-              </a:cxn>
-              <a:cxn ang="0">
-                <a:pos x="connsiteX2" y="connsiteY2"/>
-              </a:cxn>
-              <a:cxn ang="0">
-                <a:pos x="connsiteX3" y="connsiteY3"/>
-              </a:cxn>
-              <a:cxn ang="0">
-                <a:pos x="connsiteX4" y="connsiteY4"/>
-              </a:cxn>
-              <a:cxn ang="0">
-                <a:pos x="connsiteX5" y="connsiteY5"/>
-              </a:cxn>
-              <a:cxn ang="0">
-                <a:pos x="connsiteX6" y="connsiteY6"/>
-              </a:cxn>
-              <a:cxn ang="0">
-                <a:pos x="connsiteX7" y="connsiteY7"/>
-              </a:cxn>
-              <a:cxn ang="0">
-                <a:pos x="connsiteX8" y="connsiteY8"/>
-              </a:cxn>
-              <a:cxn ang="0">
-                <a:pos x="connsiteX9" y="connsiteY9"/>
-              </a:cxn>
-              <a:cxn ang="0">
-                <a:pos x="connsiteX10" y="connsiteY10"/>
-              </a:cxn>
-              <a:cxn ang="0">
-                <a:pos x="connsiteX11" y="connsiteY11"/>
-              </a:cxn>
-              <a:cxn ang="0">
-                <a:pos x="connsiteX12" y="connsiteY12"/>
-              </a:cxn>
-              <a:cxn ang="0">
-                <a:pos x="connsiteX13" y="connsiteY13"/>
-              </a:cxn>
-              <a:cxn ang="0">
-                <a:pos x="connsiteX14" y="connsiteY14"/>
-              </a:cxn>
-            </a:cxnLst>
-            <a:rect l="l" t="t" r="r" b="b"/>
-            <a:pathLst>
-              <a:path w="2057478" h="1144302">
-                <a:moveTo>
-                  <a:pt x="0" y="952501"/>
-                </a:moveTo>
-                <a:cubicBezTo>
-                  <a:pt x="18256" y="768351"/>
-                  <a:pt x="36512" y="584201"/>
-                  <a:pt x="66675" y="581026"/>
-                </a:cubicBezTo>
-                <a:cubicBezTo>
-                  <a:pt x="96838" y="577851"/>
-                  <a:pt x="147638" y="952501"/>
-                  <a:pt x="180975" y="933451"/>
-                </a:cubicBezTo>
-                <a:cubicBezTo>
-                  <a:pt x="214313" y="914401"/>
-                  <a:pt x="227013" y="454026"/>
-                  <a:pt x="266700" y="466726"/>
-                </a:cubicBezTo>
-                <a:cubicBezTo>
-                  <a:pt x="306388" y="479426"/>
-                  <a:pt x="373063" y="1035051"/>
-                  <a:pt x="419100" y="1009651"/>
-                </a:cubicBezTo>
-                <a:cubicBezTo>
-                  <a:pt x="465137" y="984251"/>
-                  <a:pt x="496888" y="295276"/>
-                  <a:pt x="542925" y="314326"/>
-                </a:cubicBezTo>
-                <a:cubicBezTo>
-                  <a:pt x="588962" y="333376"/>
-                  <a:pt x="649288" y="1143001"/>
-                  <a:pt x="695325" y="1123951"/>
-                </a:cubicBezTo>
-                <a:cubicBezTo>
-                  <a:pt x="741362" y="1104901"/>
-                  <a:pt x="762000" y="203201"/>
-                  <a:pt x="819150" y="200026"/>
-                </a:cubicBezTo>
-                <a:cubicBezTo>
-                  <a:pt x="876300" y="196851"/>
-                  <a:pt x="962025" y="1119189"/>
-                  <a:pt x="1038225" y="1104901"/>
-                </a:cubicBezTo>
-                <a:cubicBezTo>
-                  <a:pt x="1114425" y="1090614"/>
-                  <a:pt x="1212850" y="111126"/>
-                  <a:pt x="1276350" y="114301"/>
-                </a:cubicBezTo>
-                <a:cubicBezTo>
-                  <a:pt x="1339850" y="117476"/>
-                  <a:pt x="1362075" y="1143001"/>
-                  <a:pt x="1419225" y="1123951"/>
-                </a:cubicBezTo>
-                <a:cubicBezTo>
-                  <a:pt x="1476375" y="1104901"/>
-                  <a:pt x="1560513" y="-1586"/>
-                  <a:pt x="1619250" y="1"/>
-                </a:cubicBezTo>
-                <a:cubicBezTo>
-                  <a:pt x="1677987" y="1588"/>
-                  <a:pt x="1701800" y="1038226"/>
-                  <a:pt x="1771650" y="1133476"/>
-                </a:cubicBezTo>
-                <a:cubicBezTo>
-                  <a:pt x="1841500" y="1228726"/>
-                  <a:pt x="1990725" y="666751"/>
-                  <a:pt x="2038350" y="571501"/>
-                </a:cubicBezTo>
-                <a:cubicBezTo>
-                  <a:pt x="2085975" y="476251"/>
-                  <a:pt x="2025650" y="587376"/>
-                  <a:pt x="2057400" y="561976"/>
-                </a:cubicBezTo>
-              </a:path>
-            </a:pathLst>
-          </a:custGeom>
-          <a:noFill/>
-        </p:spPr>
-        <p:style>
-          <a:lnRef idx="2">
-            <a:schemeClr val="accent1">
-              <a:shade val="50000"/>
-            </a:schemeClr>
-          </a:lnRef>
-          <a:fillRef idx="1">
-            <a:schemeClr val="accent1"/>
-          </a:fillRef>
-          <a:effectRef idx="0">
-            <a:schemeClr val="accent1"/>
-          </a:effectRef>
-          <a:fontRef idx="minor">
-            <a:schemeClr val="lt1"/>
-          </a:fontRef>
-        </p:style>
-        <p:txBody>
-          <a:bodyPr rtlCol="0" anchor="ctr"/>
-          <a:lstStyle/>
-          <a:p>
-            <a:pPr algn="ctr"/>
-            <a:endParaRPr kumimoji="1" lang="ja-JP" altLang="en-US"/>
-          </a:p>
-        </p:txBody>
-      </p:sp>
-      <p:cxnSp>
-        <p:nvCxnSpPr>
-          <p:cNvPr id="12" name="直線コネクタ 11"/>
-          <p:cNvCxnSpPr>
-            <a:stCxn id="10" idx="7"/>
-          </p:cNvCxnSpPr>
-          <p:nvPr/>
-        </p:nvCxnSpPr>
-        <p:spPr>
-          <a:xfrm>
-            <a:off x="1990725" y="723900"/>
-            <a:ext cx="0" cy="1266825"/>
-          </a:xfrm>
-          <a:prstGeom prst="line">
-            <a:avLst/>
-          </a:prstGeom>
-        </p:spPr>
-        <p:style>
-          <a:lnRef idx="1">
-            <a:schemeClr val="dk1"/>
-          </a:lnRef>
-          <a:fillRef idx="0">
-            <a:schemeClr val="dk1"/>
-          </a:fillRef>
-          <a:effectRef idx="0">
-            <a:schemeClr val="dk1"/>
-          </a:effectRef>
-          <a:fontRef idx="minor">
-            <a:schemeClr val="tx1"/>
-          </a:fontRef>
-        </p:style>
-      </p:cxnSp>
-      <p:cxnSp>
-        <p:nvCxnSpPr>
-          <p:cNvPr id="14" name="直線コネクタ 13"/>
-          <p:cNvCxnSpPr/>
-          <p:nvPr/>
-        </p:nvCxnSpPr>
-        <p:spPr>
-          <a:xfrm>
-            <a:off x="2209800" y="723900"/>
-            <a:ext cx="0" cy="1266825"/>
-          </a:xfrm>
-          <a:prstGeom prst="line">
-            <a:avLst/>
-          </a:prstGeom>
-        </p:spPr>
-        <p:style>
-          <a:lnRef idx="1">
-            <a:schemeClr val="dk1"/>
-          </a:lnRef>
-          <a:fillRef idx="0">
-            <a:schemeClr val="dk1"/>
-          </a:fillRef>
-          <a:effectRef idx="0">
-            <a:schemeClr val="dk1"/>
-          </a:effectRef>
-          <a:fontRef idx="minor">
-            <a:schemeClr val="tx1"/>
-          </a:fontRef>
-        </p:style>
-      </p:cxnSp>
-      <p:sp>
-        <p:nvSpPr>
-          <p:cNvPr id="17" name="テキスト ボックス 16"/>
-          <p:cNvSpPr txBox="1"/>
-          <p:nvPr/>
-        </p:nvSpPr>
-        <p:spPr>
-          <a:xfrm>
-            <a:off x="1445007" y="2153739"/>
-            <a:ext cx="1529586" cy="369332"/>
-          </a:xfrm>
-          <a:prstGeom prst="rect">
-            <a:avLst/>
-          </a:prstGeom>
-          <a:noFill/>
-        </p:spPr>
-        <p:txBody>
-          <a:bodyPr wrap="none" rtlCol="0">
-            <a:spAutoFit/>
-          </a:bodyPr>
-          <a:lstStyle/>
-          <a:p>
-            <a:r>
-              <a:rPr kumimoji="1" lang="ja-JP" altLang="en-US" dirty="0" smtClean="0"/>
-              <a:t>データ番号</a:t>
-            </a:r>
-            <a:r>
-              <a:rPr kumimoji="1" lang="en-US" altLang="ja-JP" dirty="0" err="1" smtClean="0"/>
-              <a:t>Dn</a:t>
-            </a:r>
-            <a:endParaRPr kumimoji="1" lang="ja-JP" altLang="en-US" dirty="0"/>
-          </a:p>
-        </p:txBody>
-      </p:sp>
-      <p:sp>
-        <p:nvSpPr>
-          <p:cNvPr id="18" name="テキスト ボックス 17"/>
-          <p:cNvSpPr txBox="1"/>
-          <p:nvPr/>
-        </p:nvSpPr>
-        <p:spPr>
-          <a:xfrm rot="16200000">
-            <a:off x="-24508" y="1163121"/>
-            <a:ext cx="1539204" cy="369332"/>
-          </a:xfrm>
-          <a:prstGeom prst="rect">
-            <a:avLst/>
-          </a:prstGeom>
-          <a:noFill/>
-        </p:spPr>
-        <p:txBody>
-          <a:bodyPr wrap="none" rtlCol="0">
-            <a:spAutoFit/>
-          </a:bodyPr>
-          <a:lstStyle/>
-          <a:p>
-            <a:r>
-              <a:rPr lang="ja-JP" altLang="en-US" dirty="0"/>
-              <a:t>信号</a:t>
-            </a:r>
-            <a:r>
-              <a:rPr lang="ja-JP" altLang="en-US" dirty="0" smtClean="0"/>
-              <a:t>強度</a:t>
-            </a:r>
-            <a:r>
-              <a:rPr lang="en-US" altLang="ja-JP" dirty="0" smtClean="0"/>
-              <a:t>[</a:t>
-            </a:r>
-            <a:r>
-              <a:rPr lang="en-US" altLang="ja-JP" dirty="0" err="1" smtClean="0"/>
-              <a:t>a.u</a:t>
-            </a:r>
-            <a:r>
-              <a:rPr lang="en-US" altLang="ja-JP" dirty="0" smtClean="0"/>
-              <a:t>]</a:t>
-            </a:r>
-            <a:endParaRPr kumimoji="1" lang="ja-JP" altLang="en-US" dirty="0"/>
-          </a:p>
-        </p:txBody>
-      </p:sp>
-      <p:cxnSp>
-        <p:nvCxnSpPr>
-          <p:cNvPr id="20" name="直線コネクタ 19"/>
-          <p:cNvCxnSpPr/>
-          <p:nvPr/>
-        </p:nvCxnSpPr>
-        <p:spPr>
-          <a:xfrm>
-            <a:off x="1866900" y="809625"/>
-            <a:ext cx="0" cy="1181100"/>
-          </a:xfrm>
-          <a:prstGeom prst="line">
-            <a:avLst/>
-          </a:prstGeom>
-        </p:spPr>
-        <p:style>
-          <a:lnRef idx="1">
-            <a:schemeClr val="dk1"/>
-          </a:lnRef>
-          <a:fillRef idx="0">
-            <a:schemeClr val="dk1"/>
-          </a:fillRef>
-          <a:effectRef idx="0">
-            <a:schemeClr val="dk1"/>
-          </a:effectRef>
-          <a:fontRef idx="minor">
-            <a:schemeClr val="tx1"/>
-          </a:fontRef>
-        </p:style>
-      </p:cxnSp>
-      <p:sp>
-        <p:nvSpPr>
-          <p:cNvPr id="26" name="右矢印 25"/>
-          <p:cNvSpPr/>
-          <p:nvPr/>
-        </p:nvSpPr>
-        <p:spPr>
-          <a:xfrm>
-            <a:off x="3627198" y="1096025"/>
-            <a:ext cx="1714422" cy="405115"/>
-          </a:xfrm>
-          <a:prstGeom prst="rightArrow">
-            <a:avLst/>
-          </a:prstGeom>
-        </p:spPr>
-        <p:style>
-          <a:lnRef idx="2">
-            <a:schemeClr val="accent1">
-              <a:shade val="50000"/>
-            </a:schemeClr>
-          </a:lnRef>
-          <a:fillRef idx="1">
-            <a:schemeClr val="accent1"/>
-          </a:fillRef>
-          <a:effectRef idx="0">
-            <a:schemeClr val="accent1"/>
-          </a:effectRef>
-          <a:fontRef idx="minor">
-            <a:schemeClr val="lt1"/>
-          </a:fontRef>
-        </p:style>
-        <p:txBody>
-          <a:bodyPr rtlCol="0" anchor="ctr"/>
-          <a:lstStyle/>
-          <a:p>
-            <a:pPr algn="ctr"/>
-            <a:endParaRPr kumimoji="1" lang="ja-JP" altLang="en-US"/>
-          </a:p>
-        </p:txBody>
-      </p:sp>
-      <p:cxnSp>
-        <p:nvCxnSpPr>
-          <p:cNvPr id="27" name="直線矢印コネクタ 26"/>
-          <p:cNvCxnSpPr/>
-          <p:nvPr/>
-        </p:nvCxnSpPr>
-        <p:spPr>
-          <a:xfrm flipV="1">
-            <a:off x="6116157" y="1990723"/>
-            <a:ext cx="2852881" cy="2"/>
-          </a:xfrm>
-          <a:prstGeom prst="straightConnector1">
-            <a:avLst/>
-          </a:prstGeom>
-          <a:ln>
-            <a:tailEnd type="triangle"/>
-          </a:ln>
-        </p:spPr>
-        <p:style>
-          <a:lnRef idx="1">
-            <a:schemeClr val="dk1"/>
-          </a:lnRef>
-          <a:fillRef idx="0">
-            <a:schemeClr val="dk1"/>
-          </a:fillRef>
-          <a:effectRef idx="0">
-            <a:schemeClr val="dk1"/>
-          </a:effectRef>
-          <a:fontRef idx="minor">
-            <a:schemeClr val="tx1"/>
-          </a:fontRef>
-        </p:style>
-      </p:cxnSp>
-      <p:cxnSp>
-        <p:nvCxnSpPr>
-          <p:cNvPr id="28" name="直線矢印コネクタ 27"/>
-          <p:cNvCxnSpPr/>
-          <p:nvPr/>
-        </p:nvCxnSpPr>
-        <p:spPr>
-          <a:xfrm flipV="1">
-            <a:off x="6116157" y="704850"/>
-            <a:ext cx="0" cy="1285875"/>
-          </a:xfrm>
-          <a:prstGeom prst="straightConnector1">
-            <a:avLst/>
-          </a:prstGeom>
-          <a:ln>
-            <a:tailEnd type="triangle"/>
-          </a:ln>
-        </p:spPr>
-        <p:style>
-          <a:lnRef idx="1">
-            <a:schemeClr val="dk1"/>
-          </a:lnRef>
-          <a:fillRef idx="0">
-            <a:schemeClr val="dk1"/>
-          </a:fillRef>
-          <a:effectRef idx="0">
-            <a:schemeClr val="dk1"/>
-          </a:effectRef>
-          <a:fontRef idx="minor">
-            <a:schemeClr val="tx1"/>
-          </a:fontRef>
-        </p:style>
-      </p:cxnSp>
-      <p:sp>
-        <p:nvSpPr>
-          <p:cNvPr id="29" name="テキスト ボックス 28"/>
-          <p:cNvSpPr txBox="1"/>
-          <p:nvPr/>
-        </p:nvSpPr>
-        <p:spPr>
-          <a:xfrm>
-            <a:off x="6510081" y="2338405"/>
-            <a:ext cx="1895262" cy="369332"/>
-          </a:xfrm>
-          <a:prstGeom prst="rect">
-            <a:avLst/>
-          </a:prstGeom>
-          <a:noFill/>
-        </p:spPr>
-        <p:txBody>
-          <a:bodyPr wrap="none" rtlCol="0">
-            <a:spAutoFit/>
-          </a:bodyPr>
-          <a:lstStyle/>
-          <a:p>
-            <a:r>
-              <a:rPr kumimoji="1" lang="en-US" altLang="ja-JP" dirty="0" smtClean="0"/>
-              <a:t>XUV-IR</a:t>
-            </a:r>
-            <a:r>
-              <a:rPr kumimoji="1" lang="ja-JP" altLang="en-US" dirty="0" smtClean="0"/>
-              <a:t>ディレイ</a:t>
-            </a:r>
-            <a:r>
-              <a:rPr kumimoji="1" lang="en-US" altLang="ja-JP" dirty="0" smtClean="0"/>
-              <a:t>[fs]</a:t>
-            </a:r>
-            <a:endParaRPr kumimoji="1" lang="ja-JP" altLang="en-US" dirty="0"/>
-          </a:p>
-        </p:txBody>
-      </p:sp>
-      <p:sp>
-        <p:nvSpPr>
-          <p:cNvPr id="30" name="テキスト ボックス 29"/>
-          <p:cNvSpPr txBox="1"/>
-          <p:nvPr/>
-        </p:nvSpPr>
-        <p:spPr>
-          <a:xfrm rot="16200000">
-            <a:off x="5034374" y="1163121"/>
-            <a:ext cx="1539204" cy="369332"/>
-          </a:xfrm>
-          <a:prstGeom prst="rect">
-            <a:avLst/>
-          </a:prstGeom>
-          <a:noFill/>
-        </p:spPr>
-        <p:txBody>
-          <a:bodyPr wrap="none" rtlCol="0">
-            <a:spAutoFit/>
-          </a:bodyPr>
-          <a:lstStyle/>
-          <a:p>
-            <a:r>
-              <a:rPr lang="ja-JP" altLang="en-US" dirty="0"/>
-              <a:t>信号</a:t>
-            </a:r>
-            <a:r>
-              <a:rPr lang="ja-JP" altLang="en-US" dirty="0" smtClean="0"/>
-              <a:t>強度</a:t>
-            </a:r>
-            <a:r>
-              <a:rPr lang="en-US" altLang="ja-JP" dirty="0" smtClean="0"/>
-              <a:t>[</a:t>
-            </a:r>
-            <a:r>
-              <a:rPr lang="en-US" altLang="ja-JP" dirty="0" err="1" smtClean="0"/>
-              <a:t>a.u</a:t>
-            </a:r>
-            <a:r>
-              <a:rPr lang="en-US" altLang="ja-JP" dirty="0" smtClean="0"/>
-              <a:t>]</a:t>
-            </a:r>
-            <a:endParaRPr kumimoji="1" lang="ja-JP" altLang="en-US" dirty="0"/>
-          </a:p>
-        </p:txBody>
-      </p:sp>
-      <p:sp>
-        <p:nvSpPr>
-          <p:cNvPr id="41" name="正方形/長方形 40"/>
-          <p:cNvSpPr/>
-          <p:nvPr/>
-        </p:nvSpPr>
-        <p:spPr>
-          <a:xfrm>
-            <a:off x="6240262" y="3098527"/>
-            <a:ext cx="190500" cy="1266825"/>
-          </a:xfrm>
-          <a:prstGeom prst="rect">
-            <a:avLst/>
-          </a:prstGeom>
-        </p:spPr>
-        <p:style>
-          <a:lnRef idx="2">
-            <a:schemeClr val="accent1">
-              <a:shade val="50000"/>
-            </a:schemeClr>
-          </a:lnRef>
-          <a:fillRef idx="1">
-            <a:schemeClr val="accent1"/>
-          </a:fillRef>
-          <a:effectRef idx="0">
-            <a:schemeClr val="accent1"/>
-          </a:effectRef>
-          <a:fontRef idx="minor">
-            <a:schemeClr val="lt1"/>
-          </a:fontRef>
-        </p:style>
-        <p:txBody>
-          <a:bodyPr rtlCol="0" anchor="ctr"/>
-          <a:lstStyle/>
-          <a:p>
-            <a:pPr algn="ctr"/>
-            <a:endParaRPr kumimoji="1" lang="ja-JP" altLang="en-US"/>
-          </a:p>
-        </p:txBody>
-      </p:sp>
-      <p:sp>
-        <p:nvSpPr>
-          <p:cNvPr id="42" name="正方形/長方形 41"/>
-          <p:cNvSpPr/>
-          <p:nvPr/>
-        </p:nvSpPr>
-        <p:spPr>
-          <a:xfrm>
-            <a:off x="6613163" y="3098526"/>
-            <a:ext cx="190500" cy="1266825"/>
-          </a:xfrm>
-          <a:prstGeom prst="rect">
-            <a:avLst/>
-          </a:prstGeom>
-        </p:spPr>
-        <p:style>
-          <a:lnRef idx="2">
-            <a:schemeClr val="accent1">
-              <a:shade val="50000"/>
-            </a:schemeClr>
-          </a:lnRef>
-          <a:fillRef idx="1">
-            <a:schemeClr val="accent1"/>
-          </a:fillRef>
-          <a:effectRef idx="0">
-            <a:schemeClr val="accent1"/>
-          </a:effectRef>
-          <a:fontRef idx="minor">
-            <a:schemeClr val="lt1"/>
-          </a:fontRef>
-        </p:style>
-        <p:txBody>
-          <a:bodyPr rtlCol="0" anchor="ctr"/>
-          <a:lstStyle/>
-          <a:p>
-            <a:pPr algn="ctr"/>
-            <a:endParaRPr kumimoji="1" lang="ja-JP" altLang="en-US"/>
-          </a:p>
-        </p:txBody>
-      </p:sp>
-      <p:sp>
-        <p:nvSpPr>
-          <p:cNvPr id="43" name="正方形/長方形 42"/>
-          <p:cNvSpPr/>
-          <p:nvPr/>
-        </p:nvSpPr>
-        <p:spPr>
-          <a:xfrm>
-            <a:off x="6981462" y="3098525"/>
-            <a:ext cx="190500" cy="1266825"/>
-          </a:xfrm>
-          <a:prstGeom prst="rect">
-            <a:avLst/>
-          </a:prstGeom>
-        </p:spPr>
-        <p:style>
-          <a:lnRef idx="2">
-            <a:schemeClr val="accent1">
-              <a:shade val="50000"/>
-            </a:schemeClr>
-          </a:lnRef>
-          <a:fillRef idx="1">
-            <a:schemeClr val="accent1"/>
-          </a:fillRef>
-          <a:effectRef idx="0">
-            <a:schemeClr val="accent1"/>
-          </a:effectRef>
-          <a:fontRef idx="minor">
-            <a:schemeClr val="lt1"/>
-          </a:fontRef>
-        </p:style>
-        <p:txBody>
-          <a:bodyPr rtlCol="0" anchor="ctr"/>
-          <a:lstStyle/>
-          <a:p>
-            <a:pPr algn="ctr"/>
-            <a:endParaRPr kumimoji="1" lang="ja-JP" altLang="en-US"/>
-          </a:p>
-        </p:txBody>
-      </p:sp>
-      <p:sp>
-        <p:nvSpPr>
-          <p:cNvPr id="44" name="正方形/長方形 43"/>
-          <p:cNvSpPr/>
-          <p:nvPr/>
-        </p:nvSpPr>
-        <p:spPr>
-          <a:xfrm>
-            <a:off x="7362462" y="3098525"/>
-            <a:ext cx="190500" cy="1266825"/>
-          </a:xfrm>
-          <a:prstGeom prst="rect">
-            <a:avLst/>
-          </a:prstGeom>
-        </p:spPr>
-        <p:style>
-          <a:lnRef idx="2">
-            <a:schemeClr val="accent1">
-              <a:shade val="50000"/>
-            </a:schemeClr>
-          </a:lnRef>
-          <a:fillRef idx="1">
-            <a:schemeClr val="accent1"/>
-          </a:fillRef>
-          <a:effectRef idx="0">
-            <a:schemeClr val="accent1"/>
-          </a:effectRef>
-          <a:fontRef idx="minor">
-            <a:schemeClr val="lt1"/>
-          </a:fontRef>
-        </p:style>
-        <p:txBody>
-          <a:bodyPr rtlCol="0" anchor="ctr"/>
-          <a:lstStyle/>
-          <a:p>
-            <a:pPr algn="ctr"/>
-            <a:endParaRPr kumimoji="1" lang="ja-JP" altLang="en-US"/>
-          </a:p>
-        </p:txBody>
-      </p:sp>
-      <p:sp>
-        <p:nvSpPr>
-          <p:cNvPr id="45" name="正方形/長方形 44"/>
-          <p:cNvSpPr/>
-          <p:nvPr/>
-        </p:nvSpPr>
-        <p:spPr>
-          <a:xfrm>
-            <a:off x="7740125" y="3089002"/>
-            <a:ext cx="190500" cy="1266825"/>
-          </a:xfrm>
-          <a:prstGeom prst="rect">
-            <a:avLst/>
-          </a:prstGeom>
-        </p:spPr>
-        <p:style>
-          <a:lnRef idx="2">
-            <a:schemeClr val="accent1">
-              <a:shade val="50000"/>
-            </a:schemeClr>
-          </a:lnRef>
-          <a:fillRef idx="1">
-            <a:schemeClr val="accent1"/>
-          </a:fillRef>
-          <a:effectRef idx="0">
-            <a:schemeClr val="accent1"/>
-          </a:effectRef>
-          <a:fontRef idx="minor">
-            <a:schemeClr val="lt1"/>
-          </a:fontRef>
-        </p:style>
-        <p:txBody>
-          <a:bodyPr rtlCol="0" anchor="ctr"/>
-          <a:lstStyle/>
-          <a:p>
-            <a:pPr algn="ctr"/>
-            <a:endParaRPr kumimoji="1" lang="ja-JP" altLang="en-US"/>
-          </a:p>
-        </p:txBody>
-      </p:sp>
-      <p:sp>
-        <p:nvSpPr>
-          <p:cNvPr id="46" name="正方形/長方形 45"/>
-          <p:cNvSpPr/>
-          <p:nvPr/>
-        </p:nvSpPr>
-        <p:spPr>
-          <a:xfrm>
-            <a:off x="8120968" y="3089002"/>
-            <a:ext cx="190500" cy="1266825"/>
-          </a:xfrm>
-          <a:prstGeom prst="rect">
-            <a:avLst/>
-          </a:prstGeom>
-        </p:spPr>
-        <p:style>
-          <a:lnRef idx="2">
-            <a:schemeClr val="accent1">
-              <a:shade val="50000"/>
-            </a:schemeClr>
-          </a:lnRef>
-          <a:fillRef idx="1">
-            <a:schemeClr val="accent1"/>
-          </a:fillRef>
-          <a:effectRef idx="0">
-            <a:schemeClr val="accent1"/>
-          </a:effectRef>
-          <a:fontRef idx="minor">
-            <a:schemeClr val="lt1"/>
-          </a:fontRef>
-        </p:style>
-        <p:txBody>
-          <a:bodyPr rtlCol="0" anchor="ctr"/>
-          <a:lstStyle/>
-          <a:p>
-            <a:pPr algn="ctr"/>
-            <a:endParaRPr kumimoji="1" lang="ja-JP" altLang="en-US"/>
-          </a:p>
-        </p:txBody>
-      </p:sp>
-      <p:sp>
-        <p:nvSpPr>
-          <p:cNvPr id="47" name="フリーフォーム 46"/>
-          <p:cNvSpPr/>
-          <p:nvPr/>
-        </p:nvSpPr>
-        <p:spPr>
-          <a:xfrm>
-            <a:off x="6251964" y="766113"/>
-            <a:ext cx="2603863" cy="1037016"/>
-          </a:xfrm>
-          <a:custGeom>
-            <a:avLst/>
-            <a:gdLst>
-              <a:gd name="connsiteX0" fmla="*/ 0 w 2603863"/>
-              <a:gd name="connsiteY0" fmla="*/ 723053 h 1037016"/>
-              <a:gd name="connsiteX1" fmla="*/ 174172 w 2603863"/>
-              <a:gd name="connsiteY1" fmla="*/ 339876 h 1037016"/>
-              <a:gd name="connsiteX2" fmla="*/ 374469 w 2603863"/>
-              <a:gd name="connsiteY2" fmla="*/ 740470 h 1037016"/>
-              <a:gd name="connsiteX3" fmla="*/ 548640 w 2603863"/>
-              <a:gd name="connsiteY3" fmla="*/ 244081 h 1037016"/>
-              <a:gd name="connsiteX4" fmla="*/ 722812 w 2603863"/>
-              <a:gd name="connsiteY4" fmla="*/ 827556 h 1037016"/>
-              <a:gd name="connsiteX5" fmla="*/ 905692 w 2603863"/>
-              <a:gd name="connsiteY5" fmla="*/ 174413 h 1037016"/>
-              <a:gd name="connsiteX6" fmla="*/ 1105989 w 2603863"/>
-              <a:gd name="connsiteY6" fmla="*/ 932058 h 1037016"/>
-              <a:gd name="connsiteX7" fmla="*/ 1297577 w 2603863"/>
-              <a:gd name="connsiteY7" fmla="*/ 96036 h 1037016"/>
-              <a:gd name="connsiteX8" fmla="*/ 1489166 w 2603863"/>
-              <a:gd name="connsiteY8" fmla="*/ 949476 h 1037016"/>
-              <a:gd name="connsiteX9" fmla="*/ 1672046 w 2603863"/>
-              <a:gd name="connsiteY9" fmla="*/ 52493 h 1037016"/>
-              <a:gd name="connsiteX10" fmla="*/ 1872343 w 2603863"/>
-              <a:gd name="connsiteY10" fmla="*/ 923350 h 1037016"/>
-              <a:gd name="connsiteX11" fmla="*/ 2063932 w 2603863"/>
-              <a:gd name="connsiteY11" fmla="*/ 241 h 1037016"/>
-              <a:gd name="connsiteX12" fmla="*/ 2264229 w 2603863"/>
-              <a:gd name="connsiteY12" fmla="*/ 1027853 h 1037016"/>
-              <a:gd name="connsiteX13" fmla="*/ 2603863 w 2603863"/>
-              <a:gd name="connsiteY13" fmla="*/ 418253 h 1037016"/>
-            </a:gdLst>
-            <a:ahLst/>
-            <a:cxnLst>
-              <a:cxn ang="0">
-                <a:pos x="connsiteX0" y="connsiteY0"/>
-              </a:cxn>
-              <a:cxn ang="0">
-                <a:pos x="connsiteX1" y="connsiteY1"/>
-              </a:cxn>
-              <a:cxn ang="0">
-                <a:pos x="connsiteX2" y="connsiteY2"/>
-              </a:cxn>
-              <a:cxn ang="0">
-                <a:pos x="connsiteX3" y="connsiteY3"/>
-              </a:cxn>
-              <a:cxn ang="0">
-                <a:pos x="connsiteX4" y="connsiteY4"/>
-              </a:cxn>
-              <a:cxn ang="0">
-                <a:pos x="connsiteX5" y="connsiteY5"/>
-              </a:cxn>
-              <a:cxn ang="0">
-                <a:pos x="connsiteX6" y="connsiteY6"/>
-              </a:cxn>
-              <a:cxn ang="0">
-                <a:pos x="connsiteX7" y="connsiteY7"/>
-              </a:cxn>
-              <a:cxn ang="0">
-                <a:pos x="connsiteX8" y="connsiteY8"/>
-              </a:cxn>
-              <a:cxn ang="0">
-                <a:pos x="connsiteX9" y="connsiteY9"/>
-              </a:cxn>
-              <a:cxn ang="0">
-                <a:pos x="connsiteX10" y="connsiteY10"/>
-              </a:cxn>
-              <a:cxn ang="0">
-                <a:pos x="connsiteX11" y="connsiteY11"/>
-              </a:cxn>
-              <a:cxn ang="0">
-                <a:pos x="connsiteX12" y="connsiteY12"/>
-              </a:cxn>
-              <a:cxn ang="0">
-                <a:pos x="connsiteX13" y="connsiteY13"/>
-              </a:cxn>
-            </a:cxnLst>
-            <a:rect l="l" t="t" r="r" b="b"/>
-            <a:pathLst>
-              <a:path w="2603863" h="1037016">
-                <a:moveTo>
-                  <a:pt x="0" y="723053"/>
-                </a:moveTo>
-                <a:cubicBezTo>
-                  <a:pt x="55880" y="530013"/>
-                  <a:pt x="111761" y="336973"/>
-                  <a:pt x="174172" y="339876"/>
-                </a:cubicBezTo>
-                <a:cubicBezTo>
-                  <a:pt x="236583" y="342779"/>
-                  <a:pt x="312058" y="756436"/>
-                  <a:pt x="374469" y="740470"/>
-                </a:cubicBezTo>
-                <a:cubicBezTo>
-                  <a:pt x="436880" y="724504"/>
-                  <a:pt x="490583" y="229567"/>
-                  <a:pt x="548640" y="244081"/>
-                </a:cubicBezTo>
-                <a:cubicBezTo>
-                  <a:pt x="606697" y="258595"/>
-                  <a:pt x="663303" y="839167"/>
-                  <a:pt x="722812" y="827556"/>
-                </a:cubicBezTo>
-                <a:cubicBezTo>
-                  <a:pt x="782321" y="815945"/>
-                  <a:pt x="841829" y="156996"/>
-                  <a:pt x="905692" y="174413"/>
-                </a:cubicBezTo>
-                <a:cubicBezTo>
-                  <a:pt x="969555" y="191830"/>
-                  <a:pt x="1040675" y="945121"/>
-                  <a:pt x="1105989" y="932058"/>
-                </a:cubicBezTo>
-                <a:cubicBezTo>
-                  <a:pt x="1171303" y="918995"/>
-                  <a:pt x="1233714" y="93133"/>
-                  <a:pt x="1297577" y="96036"/>
-                </a:cubicBezTo>
-                <a:cubicBezTo>
-                  <a:pt x="1361440" y="98939"/>
-                  <a:pt x="1426755" y="956733"/>
-                  <a:pt x="1489166" y="949476"/>
-                </a:cubicBezTo>
-                <a:cubicBezTo>
-                  <a:pt x="1551577" y="942219"/>
-                  <a:pt x="1608183" y="56847"/>
-                  <a:pt x="1672046" y="52493"/>
-                </a:cubicBezTo>
-                <a:cubicBezTo>
-                  <a:pt x="1735909" y="48139"/>
-                  <a:pt x="1807029" y="932059"/>
-                  <a:pt x="1872343" y="923350"/>
-                </a:cubicBezTo>
-                <a:cubicBezTo>
-                  <a:pt x="1937657" y="914641"/>
-                  <a:pt x="1998618" y="-17176"/>
-                  <a:pt x="2063932" y="241"/>
-                </a:cubicBezTo>
-                <a:cubicBezTo>
-                  <a:pt x="2129246" y="17658"/>
-                  <a:pt x="2174241" y="958184"/>
-                  <a:pt x="2264229" y="1027853"/>
-                </a:cubicBezTo>
-                <a:cubicBezTo>
-                  <a:pt x="2354217" y="1097522"/>
-                  <a:pt x="2479040" y="757887"/>
-                  <a:pt x="2603863" y="418253"/>
-                </a:cubicBezTo>
-              </a:path>
-            </a:pathLst>
-          </a:custGeom>
-          <a:noFill/>
-        </p:spPr>
-        <p:style>
-          <a:lnRef idx="2">
-            <a:schemeClr val="accent1">
-              <a:shade val="50000"/>
-            </a:schemeClr>
-          </a:lnRef>
-          <a:fillRef idx="1">
-            <a:schemeClr val="accent1"/>
-          </a:fillRef>
-          <a:effectRef idx="0">
-            <a:schemeClr val="accent1"/>
-          </a:effectRef>
-          <a:fontRef idx="minor">
-            <a:schemeClr val="lt1"/>
-          </a:fontRef>
-        </p:style>
-        <p:txBody>
-          <a:bodyPr rtlCol="0" anchor="ctr"/>
-          <a:lstStyle/>
-          <a:p>
-            <a:pPr algn="ctr"/>
-            <a:endParaRPr kumimoji="1" lang="ja-JP" altLang="en-US"/>
-          </a:p>
-        </p:txBody>
-      </p:sp>
-      <p:cxnSp>
-        <p:nvCxnSpPr>
-          <p:cNvPr id="50" name="直線コネクタ 49"/>
-          <p:cNvCxnSpPr>
-            <a:stCxn id="47" idx="7"/>
-          </p:cNvCxnSpPr>
-          <p:nvPr/>
-        </p:nvCxnSpPr>
-        <p:spPr>
-          <a:xfrm>
-            <a:off x="7549541" y="862149"/>
-            <a:ext cx="3421" cy="1128574"/>
-          </a:xfrm>
-          <a:prstGeom prst="line">
-            <a:avLst/>
-          </a:prstGeom>
-        </p:spPr>
-        <p:style>
-          <a:lnRef idx="1">
-            <a:schemeClr val="dk1"/>
-          </a:lnRef>
-          <a:fillRef idx="0">
-            <a:schemeClr val="dk1"/>
-          </a:fillRef>
-          <a:effectRef idx="0">
-            <a:schemeClr val="dk1"/>
-          </a:effectRef>
-          <a:fontRef idx="minor">
-            <a:schemeClr val="tx1"/>
-          </a:fontRef>
-        </p:style>
-      </p:cxnSp>
-      <p:cxnSp>
-        <p:nvCxnSpPr>
-          <p:cNvPr id="54" name="直線コネクタ 53"/>
-          <p:cNvCxnSpPr/>
-          <p:nvPr/>
-        </p:nvCxnSpPr>
-        <p:spPr>
-          <a:xfrm>
-            <a:off x="7362462" y="862149"/>
-            <a:ext cx="0" cy="1128574"/>
-          </a:xfrm>
-          <a:prstGeom prst="line">
-            <a:avLst/>
-          </a:prstGeom>
-        </p:spPr>
-        <p:style>
-          <a:lnRef idx="1">
-            <a:schemeClr val="dk1"/>
-          </a:lnRef>
-          <a:fillRef idx="0">
-            <a:schemeClr val="dk1"/>
-          </a:fillRef>
-          <a:effectRef idx="0">
-            <a:schemeClr val="dk1"/>
-          </a:effectRef>
-          <a:fontRef idx="minor">
-            <a:schemeClr val="tx1"/>
-          </a:fontRef>
-        </p:style>
-      </p:cxnSp>
-      <p:cxnSp>
-        <p:nvCxnSpPr>
-          <p:cNvPr id="56" name="直線コネクタ 55"/>
-          <p:cNvCxnSpPr/>
-          <p:nvPr/>
-        </p:nvCxnSpPr>
-        <p:spPr>
-          <a:xfrm>
-            <a:off x="7151589" y="862149"/>
-            <a:ext cx="0" cy="1128574"/>
-          </a:xfrm>
-          <a:prstGeom prst="line">
-            <a:avLst/>
-          </a:prstGeom>
-        </p:spPr>
-        <p:style>
-          <a:lnRef idx="1">
-            <a:schemeClr val="dk1"/>
-          </a:lnRef>
-          <a:fillRef idx="0">
-            <a:schemeClr val="dk1"/>
-          </a:fillRef>
-          <a:effectRef idx="0">
-            <a:schemeClr val="dk1"/>
-          </a:effectRef>
-          <a:fontRef idx="minor">
-            <a:schemeClr val="tx1"/>
-          </a:fontRef>
-        </p:style>
-      </p:cxnSp>
-      <p:cxnSp>
-        <p:nvCxnSpPr>
-          <p:cNvPr id="58" name="直線矢印コネクタ 57"/>
-          <p:cNvCxnSpPr/>
-          <p:nvPr/>
-        </p:nvCxnSpPr>
-        <p:spPr>
-          <a:xfrm>
-            <a:off x="7118943" y="2117389"/>
-            <a:ext cx="261938" cy="0"/>
-          </a:xfrm>
-          <a:prstGeom prst="straightConnector1">
-            <a:avLst/>
-          </a:prstGeom>
-          <a:ln>
-            <a:headEnd type="triangle"/>
-            <a:tailEnd type="triangle"/>
-          </a:ln>
-        </p:spPr>
-        <p:style>
-          <a:lnRef idx="1">
-            <a:schemeClr val="accent1"/>
-          </a:lnRef>
-          <a:fillRef idx="0">
-            <a:schemeClr val="accent1"/>
-          </a:fillRef>
-          <a:effectRef idx="0">
-            <a:schemeClr val="accent1"/>
-          </a:effectRef>
-          <a:fontRef idx="minor">
-            <a:schemeClr val="tx1"/>
-          </a:fontRef>
-        </p:style>
-      </p:cxnSp>
-      <p:cxnSp>
-        <p:nvCxnSpPr>
-          <p:cNvPr id="62" name="直線矢印コネクタ 61"/>
-          <p:cNvCxnSpPr/>
-          <p:nvPr/>
-        </p:nvCxnSpPr>
-        <p:spPr>
-          <a:xfrm>
-            <a:off x="7326743" y="2117389"/>
-            <a:ext cx="261938" cy="0"/>
-          </a:xfrm>
-          <a:prstGeom prst="straightConnector1">
-            <a:avLst/>
-          </a:prstGeom>
-          <a:ln>
-            <a:headEnd type="triangle"/>
-            <a:tailEnd type="triangle"/>
-          </a:ln>
-        </p:spPr>
-        <p:style>
-          <a:lnRef idx="1">
-            <a:schemeClr val="accent1"/>
-          </a:lnRef>
-          <a:fillRef idx="0">
-            <a:schemeClr val="accent1"/>
-          </a:fillRef>
-          <a:effectRef idx="0">
-            <a:schemeClr val="accent1"/>
-          </a:effectRef>
-          <a:fontRef idx="minor">
-            <a:schemeClr val="tx1"/>
-          </a:fontRef>
-        </p:style>
-      </p:cxnSp>
-      <p:sp>
-        <p:nvSpPr>
-          <p:cNvPr id="63" name="テキスト ボックス 62"/>
-          <p:cNvSpPr txBox="1"/>
-          <p:nvPr/>
-        </p:nvSpPr>
-        <p:spPr>
-          <a:xfrm>
-            <a:off x="3456411" y="704850"/>
-            <a:ext cx="2042097" cy="461665"/>
-          </a:xfrm>
-          <a:prstGeom prst="rect">
-            <a:avLst/>
-          </a:prstGeom>
-          <a:noFill/>
-        </p:spPr>
-        <p:txBody>
-          <a:bodyPr wrap="none" rtlCol="0">
-            <a:spAutoFit/>
-          </a:bodyPr>
-          <a:lstStyle/>
-          <a:p>
-            <a:pPr algn="ctr"/>
-            <a:r>
-              <a:rPr kumimoji="1" lang="ja-JP" altLang="en-US" sz="1200" dirty="0" smtClean="0"/>
-              <a:t>極値同士の時間差が</a:t>
-            </a:r>
-            <a:r>
-              <a:rPr kumimoji="1" lang="en-US" altLang="ja-JP" sz="1200" dirty="0" smtClean="0"/>
-              <a:t>1.33[fs]</a:t>
-            </a:r>
-          </a:p>
-          <a:p>
-            <a:pPr algn="ctr"/>
-            <a:r>
-              <a:rPr lang="ja-JP" altLang="en-US" sz="1200" dirty="0" smtClean="0"/>
-              <a:t>となるように</a:t>
-            </a:r>
-            <a:r>
-              <a:rPr kumimoji="1" lang="ja-JP" altLang="en-US" sz="1200" dirty="0" smtClean="0"/>
-              <a:t>並べ直す</a:t>
-            </a:r>
-            <a:endParaRPr kumimoji="1" lang="ja-JP" altLang="en-US" sz="1200" dirty="0"/>
-          </a:p>
-        </p:txBody>
-      </p:sp>
+      <p:grpSp>
+        <p:nvGrpSpPr>
+          <p:cNvPr id="2" name="グループ化 1"/>
+          <p:cNvGrpSpPr/>
+          <p:nvPr/>
+        </p:nvGrpSpPr>
+        <p:grpSpPr>
+          <a:xfrm>
+            <a:off x="655277" y="1342480"/>
+            <a:ext cx="10578780" cy="4117794"/>
+            <a:chOff x="669010" y="523874"/>
+            <a:chExt cx="8300028" cy="2183863"/>
+          </a:xfrm>
+        </p:grpSpPr>
+        <p:cxnSp>
+          <p:nvCxnSpPr>
+            <p:cNvPr id="5" name="直線矢印コネクタ 4"/>
+            <p:cNvCxnSpPr/>
+            <p:nvPr/>
+          </p:nvCxnSpPr>
+          <p:spPr>
+            <a:xfrm>
+              <a:off x="1057275" y="1990725"/>
+              <a:ext cx="2200275" cy="0"/>
+            </a:xfrm>
+            <a:prstGeom prst="straightConnector1">
+              <a:avLst/>
+            </a:prstGeom>
+            <a:ln>
+              <a:tailEnd type="triangle"/>
+            </a:ln>
+          </p:spPr>
+          <p:style>
+            <a:lnRef idx="1">
+              <a:schemeClr val="dk1"/>
+            </a:lnRef>
+            <a:fillRef idx="0">
+              <a:schemeClr val="dk1"/>
+            </a:fillRef>
+            <a:effectRef idx="0">
+              <a:schemeClr val="dk1"/>
+            </a:effectRef>
+            <a:fontRef idx="minor">
+              <a:schemeClr val="tx1"/>
+            </a:fontRef>
+          </p:style>
+        </p:cxnSp>
+        <p:cxnSp>
+          <p:nvCxnSpPr>
+            <p:cNvPr id="7" name="直線矢印コネクタ 6"/>
+            <p:cNvCxnSpPr/>
+            <p:nvPr/>
+          </p:nvCxnSpPr>
+          <p:spPr>
+            <a:xfrm flipV="1">
+              <a:off x="1057275" y="704850"/>
+              <a:ext cx="0" cy="1285875"/>
+            </a:xfrm>
+            <a:prstGeom prst="straightConnector1">
+              <a:avLst/>
+            </a:prstGeom>
+            <a:ln>
+              <a:tailEnd type="triangle"/>
+            </a:ln>
+          </p:spPr>
+          <p:style>
+            <a:lnRef idx="1">
+              <a:schemeClr val="dk1"/>
+            </a:lnRef>
+            <a:fillRef idx="0">
+              <a:schemeClr val="dk1"/>
+            </a:fillRef>
+            <a:effectRef idx="0">
+              <a:schemeClr val="dk1"/>
+            </a:effectRef>
+            <a:fontRef idx="minor">
+              <a:schemeClr val="tx1"/>
+            </a:fontRef>
+          </p:style>
+        </p:cxnSp>
+        <p:sp>
+          <p:nvSpPr>
+            <p:cNvPr id="10" name="フリーフォーム 9"/>
+            <p:cNvSpPr/>
+            <p:nvPr/>
+          </p:nvSpPr>
+          <p:spPr>
+            <a:xfrm>
+              <a:off x="1171575" y="523874"/>
+              <a:ext cx="2057478" cy="1144302"/>
+            </a:xfrm>
+            <a:custGeom>
+              <a:avLst/>
+              <a:gdLst>
+                <a:gd name="connsiteX0" fmla="*/ 0 w 2057478"/>
+                <a:gd name="connsiteY0" fmla="*/ 952501 h 1144302"/>
+                <a:gd name="connsiteX1" fmla="*/ 66675 w 2057478"/>
+                <a:gd name="connsiteY1" fmla="*/ 581026 h 1144302"/>
+                <a:gd name="connsiteX2" fmla="*/ 180975 w 2057478"/>
+                <a:gd name="connsiteY2" fmla="*/ 933451 h 1144302"/>
+                <a:gd name="connsiteX3" fmla="*/ 266700 w 2057478"/>
+                <a:gd name="connsiteY3" fmla="*/ 466726 h 1144302"/>
+                <a:gd name="connsiteX4" fmla="*/ 419100 w 2057478"/>
+                <a:gd name="connsiteY4" fmla="*/ 1009651 h 1144302"/>
+                <a:gd name="connsiteX5" fmla="*/ 542925 w 2057478"/>
+                <a:gd name="connsiteY5" fmla="*/ 314326 h 1144302"/>
+                <a:gd name="connsiteX6" fmla="*/ 695325 w 2057478"/>
+                <a:gd name="connsiteY6" fmla="*/ 1123951 h 1144302"/>
+                <a:gd name="connsiteX7" fmla="*/ 819150 w 2057478"/>
+                <a:gd name="connsiteY7" fmla="*/ 200026 h 1144302"/>
+                <a:gd name="connsiteX8" fmla="*/ 1038225 w 2057478"/>
+                <a:gd name="connsiteY8" fmla="*/ 1104901 h 1144302"/>
+                <a:gd name="connsiteX9" fmla="*/ 1276350 w 2057478"/>
+                <a:gd name="connsiteY9" fmla="*/ 114301 h 1144302"/>
+                <a:gd name="connsiteX10" fmla="*/ 1419225 w 2057478"/>
+                <a:gd name="connsiteY10" fmla="*/ 1123951 h 1144302"/>
+                <a:gd name="connsiteX11" fmla="*/ 1619250 w 2057478"/>
+                <a:gd name="connsiteY11" fmla="*/ 1 h 1144302"/>
+                <a:gd name="connsiteX12" fmla="*/ 1771650 w 2057478"/>
+                <a:gd name="connsiteY12" fmla="*/ 1133476 h 1144302"/>
+                <a:gd name="connsiteX13" fmla="*/ 2038350 w 2057478"/>
+                <a:gd name="connsiteY13" fmla="*/ 571501 h 1144302"/>
+                <a:gd name="connsiteX14" fmla="*/ 2057400 w 2057478"/>
+                <a:gd name="connsiteY14" fmla="*/ 561976 h 1144302"/>
+              </a:gdLst>
+              <a:ahLst/>
+              <a:cxnLst>
+                <a:cxn ang="0">
+                  <a:pos x="connsiteX0" y="connsiteY0"/>
+                </a:cxn>
+                <a:cxn ang="0">
+                  <a:pos x="connsiteX1" y="connsiteY1"/>
+                </a:cxn>
+                <a:cxn ang="0">
+                  <a:pos x="connsiteX2" y="connsiteY2"/>
+                </a:cxn>
+                <a:cxn ang="0">
+                  <a:pos x="connsiteX3" y="connsiteY3"/>
+                </a:cxn>
+                <a:cxn ang="0">
+                  <a:pos x="connsiteX4" y="connsiteY4"/>
+                </a:cxn>
+                <a:cxn ang="0">
+                  <a:pos x="connsiteX5" y="connsiteY5"/>
+                </a:cxn>
+                <a:cxn ang="0">
+                  <a:pos x="connsiteX6" y="connsiteY6"/>
+                </a:cxn>
+                <a:cxn ang="0">
+                  <a:pos x="connsiteX7" y="connsiteY7"/>
+                </a:cxn>
+                <a:cxn ang="0">
+                  <a:pos x="connsiteX8" y="connsiteY8"/>
+                </a:cxn>
+                <a:cxn ang="0">
+                  <a:pos x="connsiteX9" y="connsiteY9"/>
+                </a:cxn>
+                <a:cxn ang="0">
+                  <a:pos x="connsiteX10" y="connsiteY10"/>
+                </a:cxn>
+                <a:cxn ang="0">
+                  <a:pos x="connsiteX11" y="connsiteY11"/>
+                </a:cxn>
+                <a:cxn ang="0">
+                  <a:pos x="connsiteX12" y="connsiteY12"/>
+                </a:cxn>
+                <a:cxn ang="0">
+                  <a:pos x="connsiteX13" y="connsiteY13"/>
+                </a:cxn>
+                <a:cxn ang="0">
+                  <a:pos x="connsiteX14" y="connsiteY14"/>
+                </a:cxn>
+              </a:cxnLst>
+              <a:rect l="l" t="t" r="r" b="b"/>
+              <a:pathLst>
+                <a:path w="2057478" h="1144302">
+                  <a:moveTo>
+                    <a:pt x="0" y="952501"/>
+                  </a:moveTo>
+                  <a:cubicBezTo>
+                    <a:pt x="18256" y="768351"/>
+                    <a:pt x="36512" y="584201"/>
+                    <a:pt x="66675" y="581026"/>
+                  </a:cubicBezTo>
+                  <a:cubicBezTo>
+                    <a:pt x="96838" y="577851"/>
+                    <a:pt x="147638" y="952501"/>
+                    <a:pt x="180975" y="933451"/>
+                  </a:cubicBezTo>
+                  <a:cubicBezTo>
+                    <a:pt x="214313" y="914401"/>
+                    <a:pt x="227013" y="454026"/>
+                    <a:pt x="266700" y="466726"/>
+                  </a:cubicBezTo>
+                  <a:cubicBezTo>
+                    <a:pt x="306388" y="479426"/>
+                    <a:pt x="373063" y="1035051"/>
+                    <a:pt x="419100" y="1009651"/>
+                  </a:cubicBezTo>
+                  <a:cubicBezTo>
+                    <a:pt x="465137" y="984251"/>
+                    <a:pt x="496888" y="295276"/>
+                    <a:pt x="542925" y="314326"/>
+                  </a:cubicBezTo>
+                  <a:cubicBezTo>
+                    <a:pt x="588962" y="333376"/>
+                    <a:pt x="649288" y="1143001"/>
+                    <a:pt x="695325" y="1123951"/>
+                  </a:cubicBezTo>
+                  <a:cubicBezTo>
+                    <a:pt x="741362" y="1104901"/>
+                    <a:pt x="762000" y="203201"/>
+                    <a:pt x="819150" y="200026"/>
+                  </a:cubicBezTo>
+                  <a:cubicBezTo>
+                    <a:pt x="876300" y="196851"/>
+                    <a:pt x="962025" y="1119189"/>
+                    <a:pt x="1038225" y="1104901"/>
+                  </a:cubicBezTo>
+                  <a:cubicBezTo>
+                    <a:pt x="1114425" y="1090614"/>
+                    <a:pt x="1212850" y="111126"/>
+                    <a:pt x="1276350" y="114301"/>
+                  </a:cubicBezTo>
+                  <a:cubicBezTo>
+                    <a:pt x="1339850" y="117476"/>
+                    <a:pt x="1362075" y="1143001"/>
+                    <a:pt x="1419225" y="1123951"/>
+                  </a:cubicBezTo>
+                  <a:cubicBezTo>
+                    <a:pt x="1476375" y="1104901"/>
+                    <a:pt x="1560513" y="-1586"/>
+                    <a:pt x="1619250" y="1"/>
+                  </a:cubicBezTo>
+                  <a:cubicBezTo>
+                    <a:pt x="1677987" y="1588"/>
+                    <a:pt x="1701800" y="1038226"/>
+                    <a:pt x="1771650" y="1133476"/>
+                  </a:cubicBezTo>
+                  <a:cubicBezTo>
+                    <a:pt x="1841500" y="1228726"/>
+                    <a:pt x="1990725" y="666751"/>
+                    <a:pt x="2038350" y="571501"/>
+                  </a:cubicBezTo>
+                  <a:cubicBezTo>
+                    <a:pt x="2085975" y="476251"/>
+                    <a:pt x="2025650" y="587376"/>
+                    <a:pt x="2057400" y="561976"/>
+                  </a:cubicBezTo>
+                </a:path>
+              </a:pathLst>
+            </a:custGeom>
+            <a:noFill/>
+          </p:spPr>
+          <p:style>
+            <a:lnRef idx="2">
+              <a:schemeClr val="accent1">
+                <a:shade val="50000"/>
+              </a:schemeClr>
+            </a:lnRef>
+            <a:fillRef idx="1">
+              <a:schemeClr val="accent1"/>
+            </a:fillRef>
+            <a:effectRef idx="0">
+              <a:schemeClr val="accent1"/>
+            </a:effectRef>
+            <a:fontRef idx="minor">
+              <a:schemeClr val="lt1"/>
+            </a:fontRef>
+          </p:style>
+          <p:txBody>
+            <a:bodyPr rtlCol="0" anchor="ctr"/>
+            <a:lstStyle/>
+            <a:p>
+              <a:pPr algn="ctr"/>
+              <a:endParaRPr kumimoji="1" lang="ja-JP" altLang="en-US"/>
+            </a:p>
+          </p:txBody>
+        </p:sp>
+        <p:cxnSp>
+          <p:nvCxnSpPr>
+            <p:cNvPr id="12" name="直線コネクタ 11"/>
+            <p:cNvCxnSpPr>
+              <a:stCxn id="10" idx="7"/>
+            </p:cNvCxnSpPr>
+            <p:nvPr/>
+          </p:nvCxnSpPr>
+          <p:spPr>
+            <a:xfrm>
+              <a:off x="1990725" y="723900"/>
+              <a:ext cx="0" cy="1266825"/>
+            </a:xfrm>
+            <a:prstGeom prst="line">
+              <a:avLst/>
+            </a:prstGeom>
+          </p:spPr>
+          <p:style>
+            <a:lnRef idx="1">
+              <a:schemeClr val="dk1"/>
+            </a:lnRef>
+            <a:fillRef idx="0">
+              <a:schemeClr val="dk1"/>
+            </a:fillRef>
+            <a:effectRef idx="0">
+              <a:schemeClr val="dk1"/>
+            </a:effectRef>
+            <a:fontRef idx="minor">
+              <a:schemeClr val="tx1"/>
+            </a:fontRef>
+          </p:style>
+        </p:cxnSp>
+        <p:cxnSp>
+          <p:nvCxnSpPr>
+            <p:cNvPr id="14" name="直線コネクタ 13"/>
+            <p:cNvCxnSpPr/>
+            <p:nvPr/>
+          </p:nvCxnSpPr>
+          <p:spPr>
+            <a:xfrm>
+              <a:off x="2209800" y="723900"/>
+              <a:ext cx="0" cy="1266825"/>
+            </a:xfrm>
+            <a:prstGeom prst="line">
+              <a:avLst/>
+            </a:prstGeom>
+          </p:spPr>
+          <p:style>
+            <a:lnRef idx="1">
+              <a:schemeClr val="dk1"/>
+            </a:lnRef>
+            <a:fillRef idx="0">
+              <a:schemeClr val="dk1"/>
+            </a:fillRef>
+            <a:effectRef idx="0">
+              <a:schemeClr val="dk1"/>
+            </a:effectRef>
+            <a:fontRef idx="minor">
+              <a:schemeClr val="tx1"/>
+            </a:fontRef>
+          </p:style>
+        </p:cxnSp>
+        <p:sp>
+          <p:nvSpPr>
+            <p:cNvPr id="17" name="テキスト ボックス 16"/>
+            <p:cNvSpPr txBox="1"/>
+            <p:nvPr/>
+          </p:nvSpPr>
+          <p:spPr>
+            <a:xfrm>
+              <a:off x="1445007" y="2153739"/>
+              <a:ext cx="1529586" cy="369332"/>
+            </a:xfrm>
+            <a:prstGeom prst="rect">
+              <a:avLst/>
+            </a:prstGeom>
+            <a:noFill/>
+          </p:spPr>
+          <p:txBody>
+            <a:bodyPr wrap="none" rtlCol="0">
+              <a:spAutoFit/>
+            </a:bodyPr>
+            <a:lstStyle/>
+            <a:p>
+              <a:r>
+                <a:rPr kumimoji="1" lang="ja-JP" altLang="en-US" dirty="0" smtClean="0"/>
+                <a:t>データ番号</a:t>
+              </a:r>
+              <a:r>
+                <a:rPr kumimoji="1" lang="en-US" altLang="ja-JP" dirty="0" err="1" smtClean="0"/>
+                <a:t>Dn</a:t>
+              </a:r>
+              <a:endParaRPr kumimoji="1" lang="ja-JP" altLang="en-US" dirty="0"/>
+            </a:p>
+          </p:txBody>
+        </p:sp>
+        <p:sp>
+          <p:nvSpPr>
+            <p:cNvPr id="18" name="テキスト ボックス 17"/>
+            <p:cNvSpPr txBox="1"/>
+            <p:nvPr/>
+          </p:nvSpPr>
+          <p:spPr>
+            <a:xfrm rot="16200000">
+              <a:off x="379337" y="1255287"/>
+              <a:ext cx="869121" cy="289775"/>
+            </a:xfrm>
+            <a:prstGeom prst="rect">
+              <a:avLst/>
+            </a:prstGeom>
+            <a:noFill/>
+          </p:spPr>
+          <p:txBody>
+            <a:bodyPr wrap="square" rtlCol="0">
+              <a:spAutoFit/>
+            </a:bodyPr>
+            <a:lstStyle/>
+            <a:p>
+              <a:r>
+                <a:rPr lang="ja-JP" altLang="en-US" dirty="0"/>
+                <a:t>信号</a:t>
+              </a:r>
+              <a:r>
+                <a:rPr lang="ja-JP" altLang="en-US" dirty="0" smtClean="0"/>
+                <a:t>強度</a:t>
+              </a:r>
+              <a:r>
+                <a:rPr lang="en-US" altLang="ja-JP" dirty="0" smtClean="0"/>
+                <a:t>[</a:t>
+              </a:r>
+              <a:r>
+                <a:rPr lang="en-US" altLang="ja-JP" dirty="0" err="1" smtClean="0"/>
+                <a:t>a.u</a:t>
+              </a:r>
+              <a:r>
+                <a:rPr lang="en-US" altLang="ja-JP" dirty="0" smtClean="0"/>
+                <a:t>]</a:t>
+              </a:r>
+              <a:endParaRPr kumimoji="1" lang="ja-JP" altLang="en-US" dirty="0"/>
+            </a:p>
+          </p:txBody>
+        </p:sp>
+        <p:cxnSp>
+          <p:nvCxnSpPr>
+            <p:cNvPr id="20" name="直線コネクタ 19"/>
+            <p:cNvCxnSpPr/>
+            <p:nvPr/>
+          </p:nvCxnSpPr>
+          <p:spPr>
+            <a:xfrm>
+              <a:off x="1866900" y="809625"/>
+              <a:ext cx="0" cy="1181100"/>
+            </a:xfrm>
+            <a:prstGeom prst="line">
+              <a:avLst/>
+            </a:prstGeom>
+          </p:spPr>
+          <p:style>
+            <a:lnRef idx="1">
+              <a:schemeClr val="dk1"/>
+            </a:lnRef>
+            <a:fillRef idx="0">
+              <a:schemeClr val="dk1"/>
+            </a:fillRef>
+            <a:effectRef idx="0">
+              <a:schemeClr val="dk1"/>
+            </a:effectRef>
+            <a:fontRef idx="minor">
+              <a:schemeClr val="tx1"/>
+            </a:fontRef>
+          </p:style>
+        </p:cxnSp>
+        <p:sp>
+          <p:nvSpPr>
+            <p:cNvPr id="26" name="右矢印 25"/>
+            <p:cNvSpPr/>
+            <p:nvPr/>
+          </p:nvSpPr>
+          <p:spPr>
+            <a:xfrm>
+              <a:off x="3627198" y="1096025"/>
+              <a:ext cx="1714422" cy="405115"/>
+            </a:xfrm>
+            <a:prstGeom prst="rightArrow">
+              <a:avLst/>
+            </a:prstGeom>
+          </p:spPr>
+          <p:style>
+            <a:lnRef idx="2">
+              <a:schemeClr val="accent1">
+                <a:shade val="50000"/>
+              </a:schemeClr>
+            </a:lnRef>
+            <a:fillRef idx="1">
+              <a:schemeClr val="accent1"/>
+            </a:fillRef>
+            <a:effectRef idx="0">
+              <a:schemeClr val="accent1"/>
+            </a:effectRef>
+            <a:fontRef idx="minor">
+              <a:schemeClr val="lt1"/>
+            </a:fontRef>
+          </p:style>
+          <p:txBody>
+            <a:bodyPr rtlCol="0" anchor="ctr"/>
+            <a:lstStyle/>
+            <a:p>
+              <a:pPr algn="ctr"/>
+              <a:endParaRPr kumimoji="1" lang="ja-JP" altLang="en-US"/>
+            </a:p>
+          </p:txBody>
+        </p:sp>
+        <p:cxnSp>
+          <p:nvCxnSpPr>
+            <p:cNvPr id="27" name="直線矢印コネクタ 26"/>
+            <p:cNvCxnSpPr/>
+            <p:nvPr/>
+          </p:nvCxnSpPr>
+          <p:spPr>
+            <a:xfrm flipV="1">
+              <a:off x="6116157" y="1990723"/>
+              <a:ext cx="2852881" cy="2"/>
+            </a:xfrm>
+            <a:prstGeom prst="straightConnector1">
+              <a:avLst/>
+            </a:prstGeom>
+            <a:ln>
+              <a:tailEnd type="triangle"/>
+            </a:ln>
+          </p:spPr>
+          <p:style>
+            <a:lnRef idx="1">
+              <a:schemeClr val="dk1"/>
+            </a:lnRef>
+            <a:fillRef idx="0">
+              <a:schemeClr val="dk1"/>
+            </a:fillRef>
+            <a:effectRef idx="0">
+              <a:schemeClr val="dk1"/>
+            </a:effectRef>
+            <a:fontRef idx="minor">
+              <a:schemeClr val="tx1"/>
+            </a:fontRef>
+          </p:style>
+        </p:cxnSp>
+        <p:cxnSp>
+          <p:nvCxnSpPr>
+            <p:cNvPr id="28" name="直線矢印コネクタ 27"/>
+            <p:cNvCxnSpPr/>
+            <p:nvPr/>
+          </p:nvCxnSpPr>
+          <p:spPr>
+            <a:xfrm flipV="1">
+              <a:off x="6116157" y="704850"/>
+              <a:ext cx="0" cy="1285875"/>
+            </a:xfrm>
+            <a:prstGeom prst="straightConnector1">
+              <a:avLst/>
+            </a:prstGeom>
+            <a:ln>
+              <a:tailEnd type="triangle"/>
+            </a:ln>
+          </p:spPr>
+          <p:style>
+            <a:lnRef idx="1">
+              <a:schemeClr val="dk1"/>
+            </a:lnRef>
+            <a:fillRef idx="0">
+              <a:schemeClr val="dk1"/>
+            </a:fillRef>
+            <a:effectRef idx="0">
+              <a:schemeClr val="dk1"/>
+            </a:effectRef>
+            <a:fontRef idx="minor">
+              <a:schemeClr val="tx1"/>
+            </a:fontRef>
+          </p:style>
+        </p:cxnSp>
+        <p:sp>
+          <p:nvSpPr>
+            <p:cNvPr id="29" name="テキスト ボックス 28"/>
+            <p:cNvSpPr txBox="1"/>
+            <p:nvPr/>
+          </p:nvSpPr>
+          <p:spPr>
+            <a:xfrm>
+              <a:off x="6510081" y="2338405"/>
+              <a:ext cx="1895262" cy="369332"/>
+            </a:xfrm>
+            <a:prstGeom prst="rect">
+              <a:avLst/>
+            </a:prstGeom>
+            <a:noFill/>
+          </p:spPr>
+          <p:txBody>
+            <a:bodyPr wrap="none" rtlCol="0">
+              <a:spAutoFit/>
+            </a:bodyPr>
+            <a:lstStyle/>
+            <a:p>
+              <a:r>
+                <a:rPr kumimoji="1" lang="en-US" altLang="ja-JP" dirty="0" smtClean="0"/>
+                <a:t>XUV-IR</a:t>
+              </a:r>
+              <a:r>
+                <a:rPr kumimoji="1" lang="ja-JP" altLang="en-US" dirty="0" smtClean="0"/>
+                <a:t>ディレイ</a:t>
+              </a:r>
+              <a:r>
+                <a:rPr kumimoji="1" lang="en-US" altLang="ja-JP" dirty="0" smtClean="0"/>
+                <a:t>[fs]</a:t>
+              </a:r>
+              <a:endParaRPr kumimoji="1" lang="ja-JP" altLang="en-US" dirty="0"/>
+            </a:p>
+          </p:txBody>
+        </p:sp>
+        <p:sp>
+          <p:nvSpPr>
+            <p:cNvPr id="30" name="テキスト ボックス 29"/>
+            <p:cNvSpPr txBox="1"/>
+            <p:nvPr/>
+          </p:nvSpPr>
+          <p:spPr>
+            <a:xfrm rot="16200000">
+              <a:off x="5321203" y="1160266"/>
+              <a:ext cx="1021364" cy="289775"/>
+            </a:xfrm>
+            <a:prstGeom prst="rect">
+              <a:avLst/>
+            </a:prstGeom>
+            <a:noFill/>
+          </p:spPr>
+          <p:txBody>
+            <a:bodyPr wrap="square" rtlCol="0">
+              <a:spAutoFit/>
+            </a:bodyPr>
+            <a:lstStyle/>
+            <a:p>
+              <a:r>
+                <a:rPr lang="ja-JP" altLang="en-US" dirty="0"/>
+                <a:t>信号</a:t>
+              </a:r>
+              <a:r>
+                <a:rPr lang="ja-JP" altLang="en-US" dirty="0" smtClean="0"/>
+                <a:t>強度</a:t>
+              </a:r>
+              <a:r>
+                <a:rPr lang="en-US" altLang="ja-JP" dirty="0" smtClean="0"/>
+                <a:t>[</a:t>
+              </a:r>
+              <a:r>
+                <a:rPr lang="en-US" altLang="ja-JP" dirty="0" err="1" smtClean="0"/>
+                <a:t>a.u</a:t>
+              </a:r>
+              <a:r>
+                <a:rPr lang="en-US" altLang="ja-JP" dirty="0" smtClean="0"/>
+                <a:t>]</a:t>
+              </a:r>
+              <a:endParaRPr kumimoji="1" lang="ja-JP" altLang="en-US" dirty="0"/>
+            </a:p>
+          </p:txBody>
+        </p:sp>
+        <p:sp>
+          <p:nvSpPr>
+            <p:cNvPr id="47" name="フリーフォーム 46"/>
+            <p:cNvSpPr/>
+            <p:nvPr/>
+          </p:nvSpPr>
+          <p:spPr>
+            <a:xfrm>
+              <a:off x="6251964" y="766113"/>
+              <a:ext cx="2603863" cy="1037016"/>
+            </a:xfrm>
+            <a:custGeom>
+              <a:avLst/>
+              <a:gdLst>
+                <a:gd name="connsiteX0" fmla="*/ 0 w 2603863"/>
+                <a:gd name="connsiteY0" fmla="*/ 723053 h 1037016"/>
+                <a:gd name="connsiteX1" fmla="*/ 174172 w 2603863"/>
+                <a:gd name="connsiteY1" fmla="*/ 339876 h 1037016"/>
+                <a:gd name="connsiteX2" fmla="*/ 374469 w 2603863"/>
+                <a:gd name="connsiteY2" fmla="*/ 740470 h 1037016"/>
+                <a:gd name="connsiteX3" fmla="*/ 548640 w 2603863"/>
+                <a:gd name="connsiteY3" fmla="*/ 244081 h 1037016"/>
+                <a:gd name="connsiteX4" fmla="*/ 722812 w 2603863"/>
+                <a:gd name="connsiteY4" fmla="*/ 827556 h 1037016"/>
+                <a:gd name="connsiteX5" fmla="*/ 905692 w 2603863"/>
+                <a:gd name="connsiteY5" fmla="*/ 174413 h 1037016"/>
+                <a:gd name="connsiteX6" fmla="*/ 1105989 w 2603863"/>
+                <a:gd name="connsiteY6" fmla="*/ 932058 h 1037016"/>
+                <a:gd name="connsiteX7" fmla="*/ 1297577 w 2603863"/>
+                <a:gd name="connsiteY7" fmla="*/ 96036 h 1037016"/>
+                <a:gd name="connsiteX8" fmla="*/ 1489166 w 2603863"/>
+                <a:gd name="connsiteY8" fmla="*/ 949476 h 1037016"/>
+                <a:gd name="connsiteX9" fmla="*/ 1672046 w 2603863"/>
+                <a:gd name="connsiteY9" fmla="*/ 52493 h 1037016"/>
+                <a:gd name="connsiteX10" fmla="*/ 1872343 w 2603863"/>
+                <a:gd name="connsiteY10" fmla="*/ 923350 h 1037016"/>
+                <a:gd name="connsiteX11" fmla="*/ 2063932 w 2603863"/>
+                <a:gd name="connsiteY11" fmla="*/ 241 h 1037016"/>
+                <a:gd name="connsiteX12" fmla="*/ 2264229 w 2603863"/>
+                <a:gd name="connsiteY12" fmla="*/ 1027853 h 1037016"/>
+                <a:gd name="connsiteX13" fmla="*/ 2603863 w 2603863"/>
+                <a:gd name="connsiteY13" fmla="*/ 418253 h 1037016"/>
+              </a:gdLst>
+              <a:ahLst/>
+              <a:cxnLst>
+                <a:cxn ang="0">
+                  <a:pos x="connsiteX0" y="connsiteY0"/>
+                </a:cxn>
+                <a:cxn ang="0">
+                  <a:pos x="connsiteX1" y="connsiteY1"/>
+                </a:cxn>
+                <a:cxn ang="0">
+                  <a:pos x="connsiteX2" y="connsiteY2"/>
+                </a:cxn>
+                <a:cxn ang="0">
+                  <a:pos x="connsiteX3" y="connsiteY3"/>
+                </a:cxn>
+                <a:cxn ang="0">
+                  <a:pos x="connsiteX4" y="connsiteY4"/>
+                </a:cxn>
+                <a:cxn ang="0">
+                  <a:pos x="connsiteX5" y="connsiteY5"/>
+                </a:cxn>
+                <a:cxn ang="0">
+                  <a:pos x="connsiteX6" y="connsiteY6"/>
+                </a:cxn>
+                <a:cxn ang="0">
+                  <a:pos x="connsiteX7" y="connsiteY7"/>
+                </a:cxn>
+                <a:cxn ang="0">
+                  <a:pos x="connsiteX8" y="connsiteY8"/>
+                </a:cxn>
+                <a:cxn ang="0">
+                  <a:pos x="connsiteX9" y="connsiteY9"/>
+                </a:cxn>
+                <a:cxn ang="0">
+                  <a:pos x="connsiteX10" y="connsiteY10"/>
+                </a:cxn>
+                <a:cxn ang="0">
+                  <a:pos x="connsiteX11" y="connsiteY11"/>
+                </a:cxn>
+                <a:cxn ang="0">
+                  <a:pos x="connsiteX12" y="connsiteY12"/>
+                </a:cxn>
+                <a:cxn ang="0">
+                  <a:pos x="connsiteX13" y="connsiteY13"/>
+                </a:cxn>
+              </a:cxnLst>
+              <a:rect l="l" t="t" r="r" b="b"/>
+              <a:pathLst>
+                <a:path w="2603863" h="1037016">
+                  <a:moveTo>
+                    <a:pt x="0" y="723053"/>
+                  </a:moveTo>
+                  <a:cubicBezTo>
+                    <a:pt x="55880" y="530013"/>
+                    <a:pt x="111761" y="336973"/>
+                    <a:pt x="174172" y="339876"/>
+                  </a:cubicBezTo>
+                  <a:cubicBezTo>
+                    <a:pt x="236583" y="342779"/>
+                    <a:pt x="312058" y="756436"/>
+                    <a:pt x="374469" y="740470"/>
+                  </a:cubicBezTo>
+                  <a:cubicBezTo>
+                    <a:pt x="436880" y="724504"/>
+                    <a:pt x="490583" y="229567"/>
+                    <a:pt x="548640" y="244081"/>
+                  </a:cubicBezTo>
+                  <a:cubicBezTo>
+                    <a:pt x="606697" y="258595"/>
+                    <a:pt x="663303" y="839167"/>
+                    <a:pt x="722812" y="827556"/>
+                  </a:cubicBezTo>
+                  <a:cubicBezTo>
+                    <a:pt x="782321" y="815945"/>
+                    <a:pt x="841829" y="156996"/>
+                    <a:pt x="905692" y="174413"/>
+                  </a:cubicBezTo>
+                  <a:cubicBezTo>
+                    <a:pt x="969555" y="191830"/>
+                    <a:pt x="1040675" y="945121"/>
+                    <a:pt x="1105989" y="932058"/>
+                  </a:cubicBezTo>
+                  <a:cubicBezTo>
+                    <a:pt x="1171303" y="918995"/>
+                    <a:pt x="1233714" y="93133"/>
+                    <a:pt x="1297577" y="96036"/>
+                  </a:cubicBezTo>
+                  <a:cubicBezTo>
+                    <a:pt x="1361440" y="98939"/>
+                    <a:pt x="1426755" y="956733"/>
+                    <a:pt x="1489166" y="949476"/>
+                  </a:cubicBezTo>
+                  <a:cubicBezTo>
+                    <a:pt x="1551577" y="942219"/>
+                    <a:pt x="1608183" y="56847"/>
+                    <a:pt x="1672046" y="52493"/>
+                  </a:cubicBezTo>
+                  <a:cubicBezTo>
+                    <a:pt x="1735909" y="48139"/>
+                    <a:pt x="1807029" y="932059"/>
+                    <a:pt x="1872343" y="923350"/>
+                  </a:cubicBezTo>
+                  <a:cubicBezTo>
+                    <a:pt x="1937657" y="914641"/>
+                    <a:pt x="1998618" y="-17176"/>
+                    <a:pt x="2063932" y="241"/>
+                  </a:cubicBezTo>
+                  <a:cubicBezTo>
+                    <a:pt x="2129246" y="17658"/>
+                    <a:pt x="2174241" y="958184"/>
+                    <a:pt x="2264229" y="1027853"/>
+                  </a:cubicBezTo>
+                  <a:cubicBezTo>
+                    <a:pt x="2354217" y="1097522"/>
+                    <a:pt x="2479040" y="757887"/>
+                    <a:pt x="2603863" y="418253"/>
+                  </a:cubicBezTo>
+                </a:path>
+              </a:pathLst>
+            </a:custGeom>
+            <a:noFill/>
+          </p:spPr>
+          <p:style>
+            <a:lnRef idx="2">
+              <a:schemeClr val="accent1">
+                <a:shade val="50000"/>
+              </a:schemeClr>
+            </a:lnRef>
+            <a:fillRef idx="1">
+              <a:schemeClr val="accent1"/>
+            </a:fillRef>
+            <a:effectRef idx="0">
+              <a:schemeClr val="accent1"/>
+            </a:effectRef>
+            <a:fontRef idx="minor">
+              <a:schemeClr val="lt1"/>
+            </a:fontRef>
+          </p:style>
+          <p:txBody>
+            <a:bodyPr rtlCol="0" anchor="ctr"/>
+            <a:lstStyle/>
+            <a:p>
+              <a:pPr algn="ctr"/>
+              <a:endParaRPr kumimoji="1" lang="ja-JP" altLang="en-US"/>
+            </a:p>
+          </p:txBody>
+        </p:sp>
+        <p:cxnSp>
+          <p:nvCxnSpPr>
+            <p:cNvPr id="50" name="直線コネクタ 49"/>
+            <p:cNvCxnSpPr>
+              <a:stCxn id="47" idx="7"/>
+            </p:cNvCxnSpPr>
+            <p:nvPr/>
+          </p:nvCxnSpPr>
+          <p:spPr>
+            <a:xfrm>
+              <a:off x="7549541" y="862149"/>
+              <a:ext cx="3421" cy="1128574"/>
+            </a:xfrm>
+            <a:prstGeom prst="line">
+              <a:avLst/>
+            </a:prstGeom>
+          </p:spPr>
+          <p:style>
+            <a:lnRef idx="1">
+              <a:schemeClr val="dk1"/>
+            </a:lnRef>
+            <a:fillRef idx="0">
+              <a:schemeClr val="dk1"/>
+            </a:fillRef>
+            <a:effectRef idx="0">
+              <a:schemeClr val="dk1"/>
+            </a:effectRef>
+            <a:fontRef idx="minor">
+              <a:schemeClr val="tx1"/>
+            </a:fontRef>
+          </p:style>
+        </p:cxnSp>
+        <p:cxnSp>
+          <p:nvCxnSpPr>
+            <p:cNvPr id="54" name="直線コネクタ 53"/>
+            <p:cNvCxnSpPr/>
+            <p:nvPr/>
+          </p:nvCxnSpPr>
+          <p:spPr>
+            <a:xfrm>
+              <a:off x="7362462" y="862149"/>
+              <a:ext cx="0" cy="1128574"/>
+            </a:xfrm>
+            <a:prstGeom prst="line">
+              <a:avLst/>
+            </a:prstGeom>
+          </p:spPr>
+          <p:style>
+            <a:lnRef idx="1">
+              <a:schemeClr val="dk1"/>
+            </a:lnRef>
+            <a:fillRef idx="0">
+              <a:schemeClr val="dk1"/>
+            </a:fillRef>
+            <a:effectRef idx="0">
+              <a:schemeClr val="dk1"/>
+            </a:effectRef>
+            <a:fontRef idx="minor">
+              <a:schemeClr val="tx1"/>
+            </a:fontRef>
+          </p:style>
+        </p:cxnSp>
+        <p:cxnSp>
+          <p:nvCxnSpPr>
+            <p:cNvPr id="56" name="直線コネクタ 55"/>
+            <p:cNvCxnSpPr/>
+            <p:nvPr/>
+          </p:nvCxnSpPr>
+          <p:spPr>
+            <a:xfrm>
+              <a:off x="7151589" y="862149"/>
+              <a:ext cx="0" cy="1128574"/>
+            </a:xfrm>
+            <a:prstGeom prst="line">
+              <a:avLst/>
+            </a:prstGeom>
+          </p:spPr>
+          <p:style>
+            <a:lnRef idx="1">
+              <a:schemeClr val="dk1"/>
+            </a:lnRef>
+            <a:fillRef idx="0">
+              <a:schemeClr val="dk1"/>
+            </a:fillRef>
+            <a:effectRef idx="0">
+              <a:schemeClr val="dk1"/>
+            </a:effectRef>
+            <a:fontRef idx="minor">
+              <a:schemeClr val="tx1"/>
+            </a:fontRef>
+          </p:style>
+        </p:cxnSp>
+        <p:cxnSp>
+          <p:nvCxnSpPr>
+            <p:cNvPr id="58" name="直線矢印コネクタ 57"/>
+            <p:cNvCxnSpPr/>
+            <p:nvPr/>
+          </p:nvCxnSpPr>
+          <p:spPr>
+            <a:xfrm>
+              <a:off x="7118943" y="2117389"/>
+              <a:ext cx="261938" cy="0"/>
+            </a:xfrm>
+            <a:prstGeom prst="straightConnector1">
+              <a:avLst/>
+            </a:prstGeom>
+            <a:ln>
+              <a:headEnd type="triangle"/>
+              <a:tailEnd type="triangle"/>
+            </a:ln>
+          </p:spPr>
+          <p:style>
+            <a:lnRef idx="1">
+              <a:schemeClr val="accent1"/>
+            </a:lnRef>
+            <a:fillRef idx="0">
+              <a:schemeClr val="accent1"/>
+            </a:fillRef>
+            <a:effectRef idx="0">
+              <a:schemeClr val="accent1"/>
+            </a:effectRef>
+            <a:fontRef idx="minor">
+              <a:schemeClr val="tx1"/>
+            </a:fontRef>
+          </p:style>
+        </p:cxnSp>
+        <p:cxnSp>
+          <p:nvCxnSpPr>
+            <p:cNvPr id="62" name="直線矢印コネクタ 61"/>
+            <p:cNvCxnSpPr/>
+            <p:nvPr/>
+          </p:nvCxnSpPr>
+          <p:spPr>
+            <a:xfrm>
+              <a:off x="7326743" y="2117389"/>
+              <a:ext cx="261938" cy="0"/>
+            </a:xfrm>
+            <a:prstGeom prst="straightConnector1">
+              <a:avLst/>
+            </a:prstGeom>
+            <a:ln>
+              <a:headEnd type="triangle"/>
+              <a:tailEnd type="triangle"/>
+            </a:ln>
+          </p:spPr>
+          <p:style>
+            <a:lnRef idx="1">
+              <a:schemeClr val="accent1"/>
+            </a:lnRef>
+            <a:fillRef idx="0">
+              <a:schemeClr val="accent1"/>
+            </a:fillRef>
+            <a:effectRef idx="0">
+              <a:schemeClr val="accent1"/>
+            </a:effectRef>
+            <a:fontRef idx="minor">
+              <a:schemeClr val="tx1"/>
+            </a:fontRef>
+          </p:style>
+        </p:cxnSp>
+        <p:sp>
+          <p:nvSpPr>
+            <p:cNvPr id="63" name="テキスト ボックス 62"/>
+            <p:cNvSpPr txBox="1"/>
+            <p:nvPr/>
+          </p:nvSpPr>
+          <p:spPr>
+            <a:xfrm>
+              <a:off x="3456411" y="704850"/>
+              <a:ext cx="2042097" cy="461665"/>
+            </a:xfrm>
+            <a:prstGeom prst="rect">
+              <a:avLst/>
+            </a:prstGeom>
+            <a:noFill/>
+          </p:spPr>
+          <p:txBody>
+            <a:bodyPr wrap="none" rtlCol="0">
+              <a:spAutoFit/>
+            </a:bodyPr>
+            <a:lstStyle/>
+            <a:p>
+              <a:pPr algn="ctr"/>
+              <a:r>
+                <a:rPr kumimoji="1" lang="ja-JP" altLang="en-US" sz="1200" dirty="0" smtClean="0"/>
+                <a:t>極値同士の時間差が</a:t>
+              </a:r>
+              <a:r>
+                <a:rPr kumimoji="1" lang="en-US" altLang="ja-JP" sz="1200" dirty="0" smtClean="0"/>
+                <a:t>1.33[fs]</a:t>
+              </a:r>
+            </a:p>
+            <a:p>
+              <a:pPr algn="ctr"/>
+              <a:r>
+                <a:rPr lang="ja-JP" altLang="en-US" sz="1200" dirty="0" smtClean="0"/>
+                <a:t>となるように</a:t>
+              </a:r>
+              <a:r>
+                <a:rPr kumimoji="1" lang="ja-JP" altLang="en-US" sz="1200" dirty="0" smtClean="0"/>
+                <a:t>並べ直す</a:t>
+              </a:r>
+              <a:endParaRPr kumimoji="1" lang="ja-JP" altLang="en-US" sz="1200" dirty="0"/>
+            </a:p>
+          </p:txBody>
+        </p:sp>
+      </p:grpSp>
     </p:spTree>
     <p:extLst>
       <p:ext uri="{BB962C8B-B14F-4D97-AF65-F5344CB8AC3E}">
@@ -8337,7 +7747,7 @@
 </p:sld>
 </file>
 
-<file path=ppt/slides/slide18.xml><?xml version="1.0" encoding="utf-8"?>
+<file path=ppt/slides/slide17.xml><?xml version="1.0" encoding="utf-8"?>
 <p:sld xmlns:a="http://schemas.openxmlformats.org/drawingml/2006/main" xmlns:r="http://schemas.openxmlformats.org/officeDocument/2006/relationships" xmlns:p="http://schemas.openxmlformats.org/presentationml/2006/main">
   <p:cSld>
     <p:spTree>
@@ -9058,7 +8468,7 @@
 </p:sld>
 </file>
 
-<file path=ppt/slides/slide19.xml><?xml version="1.0" encoding="utf-8"?>
+<file path=ppt/slides/slide18.xml><?xml version="1.0" encoding="utf-8"?>
 <p:sld xmlns:a="http://schemas.openxmlformats.org/drawingml/2006/main" xmlns:r="http://schemas.openxmlformats.org/officeDocument/2006/relationships" xmlns:p="http://schemas.openxmlformats.org/presentationml/2006/main">
   <p:cSld>
     <p:spTree>
@@ -9237,6 +8647,1045 @@
     <p:extLst>
       <p:ext uri="{BB962C8B-B14F-4D97-AF65-F5344CB8AC3E}">
         <p14:creationId xmlns:p14="http://schemas.microsoft.com/office/powerpoint/2010/main" val="2894615562"/>
+      </p:ext>
+    </p:extLst>
+  </p:cSld>
+  <p:clrMapOvr>
+    <a:masterClrMapping/>
+  </p:clrMapOvr>
+</p:sld>
+</file>
+
+<file path=ppt/slides/slide19.xml><?xml version="1.0" encoding="utf-8"?>
+<p:sld xmlns:a="http://schemas.openxmlformats.org/drawingml/2006/main" xmlns:r="http://schemas.openxmlformats.org/officeDocument/2006/relationships" xmlns:p="http://schemas.openxmlformats.org/presentationml/2006/main">
+  <p:cSld>
+    <p:spTree>
+      <p:nvGrpSpPr>
+        <p:cNvPr id="1" name=""/>
+        <p:cNvGrpSpPr/>
+        <p:nvPr/>
+      </p:nvGrpSpPr>
+      <p:grpSpPr>
+        <a:xfrm>
+          <a:off x="0" y="0"/>
+          <a:ext cx="0" cy="0"/>
+          <a:chOff x="0" y="0"/>
+          <a:chExt cx="0" cy="0"/>
+        </a:xfrm>
+      </p:grpSpPr>
+      <p:grpSp>
+        <p:nvGrpSpPr>
+          <p:cNvPr id="14" name="グループ化 13"/>
+          <p:cNvGrpSpPr/>
+          <p:nvPr/>
+        </p:nvGrpSpPr>
+        <p:grpSpPr>
+          <a:xfrm>
+            <a:off x="2195250" y="1801848"/>
+            <a:ext cx="1962474" cy="1962474"/>
+            <a:chOff x="1761622" y="1801851"/>
+            <a:chExt cx="2700000" cy="2700000"/>
+          </a:xfrm>
+        </p:grpSpPr>
+        <p:sp>
+          <p:nvSpPr>
+            <p:cNvPr id="5" name="円/楕円 4"/>
+            <p:cNvSpPr/>
+            <p:nvPr/>
+          </p:nvSpPr>
+          <p:spPr>
+            <a:xfrm>
+              <a:off x="2211622" y="2251851"/>
+              <a:ext cx="1800000" cy="1800000"/>
+            </a:xfrm>
+            <a:prstGeom prst="ellipse">
+              <a:avLst/>
+            </a:prstGeom>
+            <a:noFill/>
+            <a:ln w="28575">
+              <a:prstDash val="dash"/>
+            </a:ln>
+          </p:spPr>
+          <p:style>
+            <a:lnRef idx="2">
+              <a:schemeClr val="accent1">
+                <a:shade val="50000"/>
+              </a:schemeClr>
+            </a:lnRef>
+            <a:fillRef idx="1">
+              <a:schemeClr val="accent1"/>
+            </a:fillRef>
+            <a:effectRef idx="0">
+              <a:schemeClr val="accent1"/>
+            </a:effectRef>
+            <a:fontRef idx="minor">
+              <a:schemeClr val="lt1"/>
+            </a:fontRef>
+          </p:style>
+          <p:txBody>
+            <a:bodyPr rtlCol="0" anchor="ctr"/>
+            <a:lstStyle/>
+            <a:p>
+              <a:pPr algn="ctr"/>
+              <a:endParaRPr kumimoji="1" lang="ja-JP" altLang="en-US"/>
+            </a:p>
+          </p:txBody>
+        </p:sp>
+        <p:sp>
+          <p:nvSpPr>
+            <p:cNvPr id="6" name="円/楕円 5"/>
+            <p:cNvSpPr/>
+            <p:nvPr/>
+          </p:nvSpPr>
+          <p:spPr>
+            <a:xfrm>
+              <a:off x="2658860" y="2699089"/>
+              <a:ext cx="905524" cy="905524"/>
+            </a:xfrm>
+            <a:prstGeom prst="ellipse">
+              <a:avLst/>
+            </a:prstGeom>
+            <a:noFill/>
+            <a:ln w="28575"/>
+          </p:spPr>
+          <p:style>
+            <a:lnRef idx="2">
+              <a:schemeClr val="accent1">
+                <a:shade val="50000"/>
+              </a:schemeClr>
+            </a:lnRef>
+            <a:fillRef idx="1">
+              <a:schemeClr val="accent1"/>
+            </a:fillRef>
+            <a:effectRef idx="0">
+              <a:schemeClr val="accent1"/>
+            </a:effectRef>
+            <a:fontRef idx="minor">
+              <a:schemeClr val="lt1"/>
+            </a:fontRef>
+          </p:style>
+          <p:txBody>
+            <a:bodyPr rtlCol="0" anchor="ctr"/>
+            <a:lstStyle/>
+            <a:p>
+              <a:pPr algn="ctr"/>
+              <a:endParaRPr kumimoji="1" lang="ja-JP" altLang="en-US"/>
+            </a:p>
+          </p:txBody>
+        </p:sp>
+        <p:sp>
+          <p:nvSpPr>
+            <p:cNvPr id="7" name="円/楕円 6"/>
+            <p:cNvSpPr/>
+            <p:nvPr/>
+          </p:nvSpPr>
+          <p:spPr>
+            <a:xfrm>
+              <a:off x="1761622" y="1801851"/>
+              <a:ext cx="2700000" cy="2700000"/>
+            </a:xfrm>
+            <a:prstGeom prst="ellipse">
+              <a:avLst/>
+            </a:prstGeom>
+            <a:noFill/>
+            <a:ln w="28575"/>
+          </p:spPr>
+          <p:style>
+            <a:lnRef idx="2">
+              <a:schemeClr val="accent1">
+                <a:shade val="50000"/>
+              </a:schemeClr>
+            </a:lnRef>
+            <a:fillRef idx="1">
+              <a:schemeClr val="accent1"/>
+            </a:fillRef>
+            <a:effectRef idx="0">
+              <a:schemeClr val="accent1"/>
+            </a:effectRef>
+            <a:fontRef idx="minor">
+              <a:schemeClr val="lt1"/>
+            </a:fontRef>
+          </p:style>
+          <p:txBody>
+            <a:bodyPr rtlCol="0" anchor="ctr"/>
+            <a:lstStyle/>
+            <a:p>
+              <a:pPr algn="ctr"/>
+              <a:endParaRPr kumimoji="1" lang="ja-JP" altLang="en-US"/>
+            </a:p>
+          </p:txBody>
+        </p:sp>
+      </p:grpSp>
+      <p:grpSp>
+        <p:nvGrpSpPr>
+          <p:cNvPr id="15" name="グループ化 14"/>
+          <p:cNvGrpSpPr/>
+          <p:nvPr/>
+        </p:nvGrpSpPr>
+        <p:grpSpPr>
+          <a:xfrm>
+            <a:off x="1516639" y="1801850"/>
+            <a:ext cx="1962474" cy="1962474"/>
+            <a:chOff x="1761622" y="1801851"/>
+            <a:chExt cx="2700000" cy="2700000"/>
+          </a:xfrm>
+        </p:grpSpPr>
+        <p:sp>
+          <p:nvSpPr>
+            <p:cNvPr id="16" name="円/楕円 15"/>
+            <p:cNvSpPr/>
+            <p:nvPr/>
+          </p:nvSpPr>
+          <p:spPr>
+            <a:xfrm>
+              <a:off x="2211622" y="2251851"/>
+              <a:ext cx="1800000" cy="1800000"/>
+            </a:xfrm>
+            <a:prstGeom prst="ellipse">
+              <a:avLst/>
+            </a:prstGeom>
+            <a:noFill/>
+            <a:ln w="28575">
+              <a:solidFill>
+                <a:srgbClr val="FF0000"/>
+              </a:solidFill>
+              <a:prstDash val="dash"/>
+            </a:ln>
+          </p:spPr>
+          <p:style>
+            <a:lnRef idx="2">
+              <a:schemeClr val="accent1">
+                <a:shade val="50000"/>
+              </a:schemeClr>
+            </a:lnRef>
+            <a:fillRef idx="1">
+              <a:schemeClr val="accent1"/>
+            </a:fillRef>
+            <a:effectRef idx="0">
+              <a:schemeClr val="accent1"/>
+            </a:effectRef>
+            <a:fontRef idx="minor">
+              <a:schemeClr val="lt1"/>
+            </a:fontRef>
+          </p:style>
+          <p:txBody>
+            <a:bodyPr rtlCol="0" anchor="ctr"/>
+            <a:lstStyle/>
+            <a:p>
+              <a:pPr algn="ctr"/>
+              <a:endParaRPr kumimoji="1" lang="ja-JP" altLang="en-US">
+                <a:solidFill>
+                  <a:srgbClr val="FF0000"/>
+                </a:solidFill>
+              </a:endParaRPr>
+            </a:p>
+          </p:txBody>
+        </p:sp>
+        <p:sp>
+          <p:nvSpPr>
+            <p:cNvPr id="17" name="円/楕円 16"/>
+            <p:cNvSpPr/>
+            <p:nvPr/>
+          </p:nvSpPr>
+          <p:spPr>
+            <a:xfrm>
+              <a:off x="2658860" y="2699089"/>
+              <a:ext cx="905524" cy="905524"/>
+            </a:xfrm>
+            <a:prstGeom prst="ellipse">
+              <a:avLst/>
+            </a:prstGeom>
+            <a:noFill/>
+            <a:ln w="28575">
+              <a:solidFill>
+                <a:srgbClr val="FF0000"/>
+              </a:solidFill>
+            </a:ln>
+          </p:spPr>
+          <p:style>
+            <a:lnRef idx="2">
+              <a:schemeClr val="accent1">
+                <a:shade val="50000"/>
+              </a:schemeClr>
+            </a:lnRef>
+            <a:fillRef idx="1">
+              <a:schemeClr val="accent1"/>
+            </a:fillRef>
+            <a:effectRef idx="0">
+              <a:schemeClr val="accent1"/>
+            </a:effectRef>
+            <a:fontRef idx="minor">
+              <a:schemeClr val="lt1"/>
+            </a:fontRef>
+          </p:style>
+          <p:txBody>
+            <a:bodyPr rtlCol="0" anchor="ctr"/>
+            <a:lstStyle/>
+            <a:p>
+              <a:pPr algn="ctr"/>
+              <a:endParaRPr kumimoji="1" lang="ja-JP" altLang="en-US">
+                <a:solidFill>
+                  <a:srgbClr val="FF0000"/>
+                </a:solidFill>
+              </a:endParaRPr>
+            </a:p>
+          </p:txBody>
+        </p:sp>
+        <p:sp>
+          <p:nvSpPr>
+            <p:cNvPr id="18" name="円/楕円 17"/>
+            <p:cNvSpPr/>
+            <p:nvPr/>
+          </p:nvSpPr>
+          <p:spPr>
+            <a:xfrm>
+              <a:off x="1761622" y="1801851"/>
+              <a:ext cx="2700000" cy="2700000"/>
+            </a:xfrm>
+            <a:prstGeom prst="ellipse">
+              <a:avLst/>
+            </a:prstGeom>
+            <a:noFill/>
+            <a:ln w="28575">
+              <a:solidFill>
+                <a:srgbClr val="FF0000"/>
+              </a:solidFill>
+            </a:ln>
+          </p:spPr>
+          <p:style>
+            <a:lnRef idx="2">
+              <a:schemeClr val="accent1">
+                <a:shade val="50000"/>
+              </a:schemeClr>
+            </a:lnRef>
+            <a:fillRef idx="1">
+              <a:schemeClr val="accent1"/>
+            </a:fillRef>
+            <a:effectRef idx="0">
+              <a:schemeClr val="accent1"/>
+            </a:effectRef>
+            <a:fontRef idx="minor">
+              <a:schemeClr val="lt1"/>
+            </a:fontRef>
+          </p:style>
+          <p:txBody>
+            <a:bodyPr rtlCol="0" anchor="ctr"/>
+            <a:lstStyle/>
+            <a:p>
+              <a:pPr algn="ctr"/>
+              <a:endParaRPr kumimoji="1" lang="ja-JP" altLang="en-US">
+                <a:solidFill>
+                  <a:srgbClr val="FF0000"/>
+                </a:solidFill>
+              </a:endParaRPr>
+            </a:p>
+          </p:txBody>
+        </p:sp>
+      </p:grpSp>
+      <p:grpSp>
+        <p:nvGrpSpPr>
+          <p:cNvPr id="19" name="グループ化 18"/>
+          <p:cNvGrpSpPr/>
+          <p:nvPr/>
+        </p:nvGrpSpPr>
+        <p:grpSpPr>
+          <a:xfrm>
+            <a:off x="2912838" y="1801848"/>
+            <a:ext cx="1962474" cy="1962474"/>
+            <a:chOff x="1761622" y="1801851"/>
+            <a:chExt cx="2700000" cy="2700000"/>
+          </a:xfrm>
+        </p:grpSpPr>
+        <p:sp>
+          <p:nvSpPr>
+            <p:cNvPr id="20" name="円/楕円 19"/>
+            <p:cNvSpPr/>
+            <p:nvPr/>
+          </p:nvSpPr>
+          <p:spPr>
+            <a:xfrm>
+              <a:off x="2211622" y="2251851"/>
+              <a:ext cx="1800000" cy="1800000"/>
+            </a:xfrm>
+            <a:prstGeom prst="ellipse">
+              <a:avLst/>
+            </a:prstGeom>
+            <a:noFill/>
+            <a:ln w="28575">
+              <a:solidFill>
+                <a:srgbClr val="00B050"/>
+              </a:solidFill>
+              <a:prstDash val="dash"/>
+            </a:ln>
+          </p:spPr>
+          <p:style>
+            <a:lnRef idx="2">
+              <a:schemeClr val="accent1">
+                <a:shade val="50000"/>
+              </a:schemeClr>
+            </a:lnRef>
+            <a:fillRef idx="1">
+              <a:schemeClr val="accent1"/>
+            </a:fillRef>
+            <a:effectRef idx="0">
+              <a:schemeClr val="accent1"/>
+            </a:effectRef>
+            <a:fontRef idx="minor">
+              <a:schemeClr val="lt1"/>
+            </a:fontRef>
+          </p:style>
+          <p:txBody>
+            <a:bodyPr rtlCol="0" anchor="ctr"/>
+            <a:lstStyle/>
+            <a:p>
+              <a:pPr algn="ctr"/>
+              <a:endParaRPr kumimoji="1" lang="ja-JP" altLang="en-US"/>
+            </a:p>
+          </p:txBody>
+        </p:sp>
+        <p:sp>
+          <p:nvSpPr>
+            <p:cNvPr id="21" name="円/楕円 20"/>
+            <p:cNvSpPr/>
+            <p:nvPr/>
+          </p:nvSpPr>
+          <p:spPr>
+            <a:xfrm>
+              <a:off x="2658860" y="2699089"/>
+              <a:ext cx="905524" cy="905524"/>
+            </a:xfrm>
+            <a:prstGeom prst="ellipse">
+              <a:avLst/>
+            </a:prstGeom>
+            <a:noFill/>
+            <a:ln w="28575">
+              <a:solidFill>
+                <a:srgbClr val="00B050"/>
+              </a:solidFill>
+            </a:ln>
+          </p:spPr>
+          <p:style>
+            <a:lnRef idx="2">
+              <a:schemeClr val="accent1">
+                <a:shade val="50000"/>
+              </a:schemeClr>
+            </a:lnRef>
+            <a:fillRef idx="1">
+              <a:schemeClr val="accent1"/>
+            </a:fillRef>
+            <a:effectRef idx="0">
+              <a:schemeClr val="accent1"/>
+            </a:effectRef>
+            <a:fontRef idx="minor">
+              <a:schemeClr val="lt1"/>
+            </a:fontRef>
+          </p:style>
+          <p:txBody>
+            <a:bodyPr rtlCol="0" anchor="ctr"/>
+            <a:lstStyle/>
+            <a:p>
+              <a:pPr algn="ctr"/>
+              <a:endParaRPr kumimoji="1" lang="ja-JP" altLang="en-US"/>
+            </a:p>
+          </p:txBody>
+        </p:sp>
+        <p:sp>
+          <p:nvSpPr>
+            <p:cNvPr id="22" name="円/楕円 21"/>
+            <p:cNvSpPr/>
+            <p:nvPr/>
+          </p:nvSpPr>
+          <p:spPr>
+            <a:xfrm>
+              <a:off x="1761622" y="1801851"/>
+              <a:ext cx="2700000" cy="2700000"/>
+            </a:xfrm>
+            <a:prstGeom prst="ellipse">
+              <a:avLst/>
+            </a:prstGeom>
+            <a:noFill/>
+            <a:ln w="28575">
+              <a:solidFill>
+                <a:srgbClr val="00B050"/>
+              </a:solidFill>
+            </a:ln>
+          </p:spPr>
+          <p:style>
+            <a:lnRef idx="2">
+              <a:schemeClr val="accent1">
+                <a:shade val="50000"/>
+              </a:schemeClr>
+            </a:lnRef>
+            <a:fillRef idx="1">
+              <a:schemeClr val="accent1"/>
+            </a:fillRef>
+            <a:effectRef idx="0">
+              <a:schemeClr val="accent1"/>
+            </a:effectRef>
+            <a:fontRef idx="minor">
+              <a:schemeClr val="lt1"/>
+            </a:fontRef>
+          </p:style>
+          <p:txBody>
+            <a:bodyPr rtlCol="0" anchor="ctr"/>
+            <a:lstStyle/>
+            <a:p>
+              <a:pPr algn="ctr"/>
+              <a:endParaRPr kumimoji="1" lang="ja-JP" altLang="en-US"/>
+            </a:p>
+          </p:txBody>
+        </p:sp>
+      </p:grpSp>
+      <p:grpSp>
+        <p:nvGrpSpPr>
+          <p:cNvPr id="35" name="グループ化 34"/>
+          <p:cNvGrpSpPr/>
+          <p:nvPr/>
+        </p:nvGrpSpPr>
+        <p:grpSpPr>
+          <a:xfrm>
+            <a:off x="7312930" y="1801847"/>
+            <a:ext cx="1962474" cy="1962474"/>
+            <a:chOff x="1761622" y="1801851"/>
+            <a:chExt cx="2700000" cy="2700000"/>
+          </a:xfrm>
+        </p:grpSpPr>
+        <p:sp>
+          <p:nvSpPr>
+            <p:cNvPr id="36" name="円/楕円 35"/>
+            <p:cNvSpPr/>
+            <p:nvPr/>
+          </p:nvSpPr>
+          <p:spPr>
+            <a:xfrm>
+              <a:off x="2211622" y="2251851"/>
+              <a:ext cx="1800000" cy="1800000"/>
+            </a:xfrm>
+            <a:prstGeom prst="ellipse">
+              <a:avLst/>
+            </a:prstGeom>
+            <a:noFill/>
+            <a:ln w="28575">
+              <a:solidFill>
+                <a:srgbClr val="FF0000"/>
+              </a:solidFill>
+              <a:prstDash val="solid"/>
+            </a:ln>
+          </p:spPr>
+          <p:style>
+            <a:lnRef idx="2">
+              <a:schemeClr val="accent1">
+                <a:shade val="50000"/>
+              </a:schemeClr>
+            </a:lnRef>
+            <a:fillRef idx="1">
+              <a:schemeClr val="accent1"/>
+            </a:fillRef>
+            <a:effectRef idx="0">
+              <a:schemeClr val="accent1"/>
+            </a:effectRef>
+            <a:fontRef idx="minor">
+              <a:schemeClr val="lt1"/>
+            </a:fontRef>
+          </p:style>
+          <p:txBody>
+            <a:bodyPr rtlCol="0" anchor="ctr"/>
+            <a:lstStyle/>
+            <a:p>
+              <a:pPr algn="ctr"/>
+              <a:endParaRPr kumimoji="1" lang="ja-JP" altLang="en-US">
+                <a:solidFill>
+                  <a:srgbClr val="FF0000"/>
+                </a:solidFill>
+              </a:endParaRPr>
+            </a:p>
+          </p:txBody>
+        </p:sp>
+        <p:sp>
+          <p:nvSpPr>
+            <p:cNvPr id="37" name="円/楕円 36"/>
+            <p:cNvSpPr/>
+            <p:nvPr/>
+          </p:nvSpPr>
+          <p:spPr>
+            <a:xfrm>
+              <a:off x="2658860" y="2699089"/>
+              <a:ext cx="905524" cy="905524"/>
+            </a:xfrm>
+            <a:prstGeom prst="ellipse">
+              <a:avLst/>
+            </a:prstGeom>
+            <a:noFill/>
+            <a:ln w="28575">
+              <a:solidFill>
+                <a:srgbClr val="FF0000"/>
+              </a:solidFill>
+              <a:prstDash val="dash"/>
+            </a:ln>
+          </p:spPr>
+          <p:style>
+            <a:lnRef idx="2">
+              <a:schemeClr val="accent1">
+                <a:shade val="50000"/>
+              </a:schemeClr>
+            </a:lnRef>
+            <a:fillRef idx="1">
+              <a:schemeClr val="accent1"/>
+            </a:fillRef>
+            <a:effectRef idx="0">
+              <a:schemeClr val="accent1"/>
+            </a:effectRef>
+            <a:fontRef idx="minor">
+              <a:schemeClr val="lt1"/>
+            </a:fontRef>
+          </p:style>
+          <p:txBody>
+            <a:bodyPr rtlCol="0" anchor="ctr"/>
+            <a:lstStyle/>
+            <a:p>
+              <a:pPr algn="ctr"/>
+              <a:endParaRPr kumimoji="1" lang="ja-JP" altLang="en-US">
+                <a:solidFill>
+                  <a:srgbClr val="FF0000"/>
+                </a:solidFill>
+              </a:endParaRPr>
+            </a:p>
+          </p:txBody>
+        </p:sp>
+        <p:sp>
+          <p:nvSpPr>
+            <p:cNvPr id="38" name="円/楕円 37"/>
+            <p:cNvSpPr/>
+            <p:nvPr/>
+          </p:nvSpPr>
+          <p:spPr>
+            <a:xfrm>
+              <a:off x="1761622" y="1801851"/>
+              <a:ext cx="2700000" cy="2700000"/>
+            </a:xfrm>
+            <a:prstGeom prst="ellipse">
+              <a:avLst/>
+            </a:prstGeom>
+            <a:noFill/>
+            <a:ln w="28575">
+              <a:solidFill>
+                <a:srgbClr val="FF0000"/>
+              </a:solidFill>
+              <a:prstDash val="dash"/>
+            </a:ln>
+          </p:spPr>
+          <p:style>
+            <a:lnRef idx="2">
+              <a:schemeClr val="accent1">
+                <a:shade val="50000"/>
+              </a:schemeClr>
+            </a:lnRef>
+            <a:fillRef idx="1">
+              <a:schemeClr val="accent1"/>
+            </a:fillRef>
+            <a:effectRef idx="0">
+              <a:schemeClr val="accent1"/>
+            </a:effectRef>
+            <a:fontRef idx="minor">
+              <a:schemeClr val="lt1"/>
+            </a:fontRef>
+          </p:style>
+          <p:txBody>
+            <a:bodyPr rtlCol="0" anchor="ctr"/>
+            <a:lstStyle/>
+            <a:p>
+              <a:pPr algn="ctr"/>
+              <a:endParaRPr kumimoji="1" lang="ja-JP" altLang="en-US">
+                <a:solidFill>
+                  <a:srgbClr val="FF0000"/>
+                </a:solidFill>
+              </a:endParaRPr>
+            </a:p>
+          </p:txBody>
+        </p:sp>
+      </p:grpSp>
+      <p:grpSp>
+        <p:nvGrpSpPr>
+          <p:cNvPr id="39" name="グループ化 38"/>
+          <p:cNvGrpSpPr/>
+          <p:nvPr/>
+        </p:nvGrpSpPr>
+        <p:grpSpPr>
+          <a:xfrm>
+            <a:off x="8030518" y="1801849"/>
+            <a:ext cx="1962474" cy="1962474"/>
+            <a:chOff x="1761622" y="1801851"/>
+            <a:chExt cx="2700000" cy="2700000"/>
+          </a:xfrm>
+        </p:grpSpPr>
+        <p:sp>
+          <p:nvSpPr>
+            <p:cNvPr id="40" name="円/楕円 39"/>
+            <p:cNvSpPr/>
+            <p:nvPr/>
+          </p:nvSpPr>
+          <p:spPr>
+            <a:xfrm>
+              <a:off x="2211622" y="2251851"/>
+              <a:ext cx="1800000" cy="1800000"/>
+            </a:xfrm>
+            <a:prstGeom prst="ellipse">
+              <a:avLst/>
+            </a:prstGeom>
+            <a:noFill/>
+            <a:ln w="28575">
+              <a:prstDash val="dash"/>
+            </a:ln>
+          </p:spPr>
+          <p:style>
+            <a:lnRef idx="2">
+              <a:schemeClr val="accent1">
+                <a:shade val="50000"/>
+              </a:schemeClr>
+            </a:lnRef>
+            <a:fillRef idx="1">
+              <a:schemeClr val="accent1"/>
+            </a:fillRef>
+            <a:effectRef idx="0">
+              <a:schemeClr val="accent1"/>
+            </a:effectRef>
+            <a:fontRef idx="minor">
+              <a:schemeClr val="lt1"/>
+            </a:fontRef>
+          </p:style>
+          <p:txBody>
+            <a:bodyPr rtlCol="0" anchor="ctr"/>
+            <a:lstStyle/>
+            <a:p>
+              <a:pPr algn="ctr"/>
+              <a:endParaRPr kumimoji="1" lang="ja-JP" altLang="en-US"/>
+            </a:p>
+          </p:txBody>
+        </p:sp>
+        <p:sp>
+          <p:nvSpPr>
+            <p:cNvPr id="41" name="円/楕円 40"/>
+            <p:cNvSpPr/>
+            <p:nvPr/>
+          </p:nvSpPr>
+          <p:spPr>
+            <a:xfrm>
+              <a:off x="2658860" y="2699089"/>
+              <a:ext cx="905524" cy="905524"/>
+            </a:xfrm>
+            <a:prstGeom prst="ellipse">
+              <a:avLst/>
+            </a:prstGeom>
+            <a:noFill/>
+            <a:ln w="28575"/>
+          </p:spPr>
+          <p:style>
+            <a:lnRef idx="2">
+              <a:schemeClr val="accent1">
+                <a:shade val="50000"/>
+              </a:schemeClr>
+            </a:lnRef>
+            <a:fillRef idx="1">
+              <a:schemeClr val="accent1"/>
+            </a:fillRef>
+            <a:effectRef idx="0">
+              <a:schemeClr val="accent1"/>
+            </a:effectRef>
+            <a:fontRef idx="minor">
+              <a:schemeClr val="lt1"/>
+            </a:fontRef>
+          </p:style>
+          <p:txBody>
+            <a:bodyPr rtlCol="0" anchor="ctr"/>
+            <a:lstStyle/>
+            <a:p>
+              <a:pPr algn="ctr"/>
+              <a:endParaRPr kumimoji="1" lang="ja-JP" altLang="en-US"/>
+            </a:p>
+          </p:txBody>
+        </p:sp>
+        <p:sp>
+          <p:nvSpPr>
+            <p:cNvPr id="42" name="円/楕円 41"/>
+            <p:cNvSpPr/>
+            <p:nvPr/>
+          </p:nvSpPr>
+          <p:spPr>
+            <a:xfrm>
+              <a:off x="1761622" y="1801851"/>
+              <a:ext cx="2700000" cy="2700000"/>
+            </a:xfrm>
+            <a:prstGeom prst="ellipse">
+              <a:avLst/>
+            </a:prstGeom>
+            <a:noFill/>
+            <a:ln w="28575"/>
+          </p:spPr>
+          <p:style>
+            <a:lnRef idx="2">
+              <a:schemeClr val="accent1">
+                <a:shade val="50000"/>
+              </a:schemeClr>
+            </a:lnRef>
+            <a:fillRef idx="1">
+              <a:schemeClr val="accent1"/>
+            </a:fillRef>
+            <a:effectRef idx="0">
+              <a:schemeClr val="accent1"/>
+            </a:effectRef>
+            <a:fontRef idx="minor">
+              <a:schemeClr val="lt1"/>
+            </a:fontRef>
+          </p:style>
+          <p:txBody>
+            <a:bodyPr rtlCol="0" anchor="ctr"/>
+            <a:lstStyle/>
+            <a:p>
+              <a:pPr algn="ctr"/>
+              <a:endParaRPr kumimoji="1" lang="ja-JP" altLang="en-US"/>
+            </a:p>
+          </p:txBody>
+        </p:sp>
+      </p:grpSp>
+      <p:grpSp>
+        <p:nvGrpSpPr>
+          <p:cNvPr id="43" name="グループ化 42"/>
+          <p:cNvGrpSpPr/>
+          <p:nvPr/>
+        </p:nvGrpSpPr>
+        <p:grpSpPr>
+          <a:xfrm>
+            <a:off x="8748106" y="1801845"/>
+            <a:ext cx="1962474" cy="1962474"/>
+            <a:chOff x="1761622" y="1801851"/>
+            <a:chExt cx="2700000" cy="2700000"/>
+          </a:xfrm>
+        </p:grpSpPr>
+        <p:sp>
+          <p:nvSpPr>
+            <p:cNvPr id="44" name="円/楕円 43"/>
+            <p:cNvSpPr/>
+            <p:nvPr/>
+          </p:nvSpPr>
+          <p:spPr>
+            <a:xfrm>
+              <a:off x="2211622" y="2251851"/>
+              <a:ext cx="1800000" cy="1800000"/>
+            </a:xfrm>
+            <a:prstGeom prst="ellipse">
+              <a:avLst/>
+            </a:prstGeom>
+            <a:noFill/>
+            <a:ln w="28575">
+              <a:solidFill>
+                <a:srgbClr val="00B050"/>
+              </a:solidFill>
+              <a:prstDash val="solid"/>
+            </a:ln>
+          </p:spPr>
+          <p:style>
+            <a:lnRef idx="2">
+              <a:schemeClr val="accent1">
+                <a:shade val="50000"/>
+              </a:schemeClr>
+            </a:lnRef>
+            <a:fillRef idx="1">
+              <a:schemeClr val="accent1"/>
+            </a:fillRef>
+            <a:effectRef idx="0">
+              <a:schemeClr val="accent1"/>
+            </a:effectRef>
+            <a:fontRef idx="minor">
+              <a:schemeClr val="lt1"/>
+            </a:fontRef>
+          </p:style>
+          <p:txBody>
+            <a:bodyPr rtlCol="0" anchor="ctr"/>
+            <a:lstStyle/>
+            <a:p>
+              <a:pPr algn="ctr"/>
+              <a:endParaRPr kumimoji="1" lang="ja-JP" altLang="en-US">
+                <a:solidFill>
+                  <a:srgbClr val="FF0000"/>
+                </a:solidFill>
+              </a:endParaRPr>
+            </a:p>
+          </p:txBody>
+        </p:sp>
+        <p:sp>
+          <p:nvSpPr>
+            <p:cNvPr id="45" name="円/楕円 44"/>
+            <p:cNvSpPr/>
+            <p:nvPr/>
+          </p:nvSpPr>
+          <p:spPr>
+            <a:xfrm>
+              <a:off x="2658860" y="2699089"/>
+              <a:ext cx="905524" cy="905524"/>
+            </a:xfrm>
+            <a:prstGeom prst="ellipse">
+              <a:avLst/>
+            </a:prstGeom>
+            <a:noFill/>
+            <a:ln w="28575">
+              <a:solidFill>
+                <a:srgbClr val="00B050"/>
+              </a:solidFill>
+              <a:prstDash val="dash"/>
+            </a:ln>
+          </p:spPr>
+          <p:style>
+            <a:lnRef idx="2">
+              <a:schemeClr val="accent1">
+                <a:shade val="50000"/>
+              </a:schemeClr>
+            </a:lnRef>
+            <a:fillRef idx="1">
+              <a:schemeClr val="accent1"/>
+            </a:fillRef>
+            <a:effectRef idx="0">
+              <a:schemeClr val="accent1"/>
+            </a:effectRef>
+            <a:fontRef idx="minor">
+              <a:schemeClr val="lt1"/>
+            </a:fontRef>
+          </p:style>
+          <p:txBody>
+            <a:bodyPr rtlCol="0" anchor="ctr"/>
+            <a:lstStyle/>
+            <a:p>
+              <a:pPr algn="ctr"/>
+              <a:endParaRPr kumimoji="1" lang="ja-JP" altLang="en-US">
+                <a:solidFill>
+                  <a:srgbClr val="FF0000"/>
+                </a:solidFill>
+              </a:endParaRPr>
+            </a:p>
+          </p:txBody>
+        </p:sp>
+        <p:sp>
+          <p:nvSpPr>
+            <p:cNvPr id="46" name="円/楕円 45"/>
+            <p:cNvSpPr/>
+            <p:nvPr/>
+          </p:nvSpPr>
+          <p:spPr>
+            <a:xfrm>
+              <a:off x="1761622" y="1801851"/>
+              <a:ext cx="2700000" cy="2700000"/>
+            </a:xfrm>
+            <a:prstGeom prst="ellipse">
+              <a:avLst/>
+            </a:prstGeom>
+            <a:noFill/>
+            <a:ln w="28575">
+              <a:solidFill>
+                <a:srgbClr val="00B050"/>
+              </a:solidFill>
+              <a:prstDash val="dash"/>
+            </a:ln>
+          </p:spPr>
+          <p:style>
+            <a:lnRef idx="2">
+              <a:schemeClr val="accent1">
+                <a:shade val="50000"/>
+              </a:schemeClr>
+            </a:lnRef>
+            <a:fillRef idx="1">
+              <a:schemeClr val="accent1"/>
+            </a:fillRef>
+            <a:effectRef idx="0">
+              <a:schemeClr val="accent1"/>
+            </a:effectRef>
+            <a:fontRef idx="minor">
+              <a:schemeClr val="lt1"/>
+            </a:fontRef>
+          </p:style>
+          <p:txBody>
+            <a:bodyPr rtlCol="0" anchor="ctr"/>
+            <a:lstStyle/>
+            <a:p>
+              <a:pPr algn="ctr"/>
+              <a:endParaRPr kumimoji="1" lang="ja-JP" altLang="en-US">
+                <a:solidFill>
+                  <a:srgbClr val="FF0000"/>
+                </a:solidFill>
+              </a:endParaRPr>
+            </a:p>
+          </p:txBody>
+        </p:sp>
+      </p:grpSp>
+      <p:cxnSp>
+        <p:nvCxnSpPr>
+          <p:cNvPr id="48" name="直線矢印コネクタ 47"/>
+          <p:cNvCxnSpPr/>
+          <p:nvPr/>
+        </p:nvCxnSpPr>
+        <p:spPr>
+          <a:xfrm>
+            <a:off x="5399244" y="2803912"/>
+            <a:ext cx="1571625" cy="0"/>
+          </a:xfrm>
+          <a:prstGeom prst="straightConnector1">
+            <a:avLst/>
+          </a:prstGeom>
+          <a:ln>
+            <a:tailEnd type="triangle"/>
+          </a:ln>
+        </p:spPr>
+        <p:style>
+          <a:lnRef idx="1">
+            <a:schemeClr val="dk1"/>
+          </a:lnRef>
+          <a:fillRef idx="0">
+            <a:schemeClr val="dk1"/>
+          </a:fillRef>
+          <a:effectRef idx="0">
+            <a:schemeClr val="dk1"/>
+          </a:effectRef>
+          <a:fontRef idx="minor">
+            <a:schemeClr val="tx1"/>
+          </a:fontRef>
+        </p:style>
+      </p:cxnSp>
+      <p:sp>
+        <p:nvSpPr>
+          <p:cNvPr id="49" name="テキスト ボックス 48"/>
+          <p:cNvSpPr txBox="1"/>
+          <p:nvPr/>
+        </p:nvSpPr>
+        <p:spPr>
+          <a:xfrm>
+            <a:off x="5057184" y="2084663"/>
+            <a:ext cx="2255746" cy="369332"/>
+          </a:xfrm>
+          <a:prstGeom prst="rect">
+            <a:avLst/>
+          </a:prstGeom>
+          <a:noFill/>
+        </p:spPr>
+        <p:txBody>
+          <a:bodyPr wrap="none" rtlCol="0">
+            <a:spAutoFit/>
+          </a:bodyPr>
+          <a:lstStyle/>
+          <a:p>
+            <a:r>
+              <a:rPr kumimoji="1" lang="en-US" altLang="ja-JP" dirty="0" smtClean="0"/>
+              <a:t>XUV-IR</a:t>
+            </a:r>
+            <a:r>
+              <a:rPr kumimoji="1" lang="ja-JP" altLang="en-US" dirty="0" smtClean="0"/>
+              <a:t>ディレイを変更</a:t>
+            </a:r>
+            <a:endParaRPr kumimoji="1" lang="ja-JP" altLang="en-US" dirty="0"/>
+          </a:p>
+        </p:txBody>
+      </p:sp>
+    </p:spTree>
+    <p:extLst>
+      <p:ext uri="{BB962C8B-B14F-4D97-AF65-F5344CB8AC3E}">
+        <p14:creationId xmlns:p14="http://schemas.microsoft.com/office/powerpoint/2010/main" val="585686896"/>
       </p:ext>
     </p:extLst>
   </p:cSld>
@@ -9705,7 +10154,7 @@
         </p:nvSpPr>
         <p:spPr>
           <a:xfrm>
-            <a:off x="6041805" y="4499729"/>
+            <a:off x="7381551" y="4413091"/>
             <a:ext cx="2710999" cy="369332"/>
           </a:xfrm>
           <a:prstGeom prst="rect">
@@ -10234,116 +10683,93 @@
           </p:sp>
         </mc:Fallback>
       </mc:AlternateContent>
-      <p:sp>
-        <p:nvSpPr>
-          <p:cNvPr id="2" name="雲 1"/>
-          <p:cNvSpPr/>
-          <p:nvPr/>
-        </p:nvSpPr>
-        <p:spPr>
-          <a:xfrm>
-            <a:off x="5186991" y="692199"/>
-            <a:ext cx="1428750" cy="895350"/>
-          </a:xfrm>
-          <a:prstGeom prst="cloud">
-            <a:avLst/>
-          </a:prstGeom>
-          <a:solidFill>
-            <a:srgbClr val="EF6DF2"/>
-          </a:solidFill>
-          <a:ln>
-            <a:solidFill>
-              <a:schemeClr val="tx1"/>
-            </a:solidFill>
-          </a:ln>
-        </p:spPr>
-        <p:style>
-          <a:lnRef idx="2">
-            <a:schemeClr val="accent1">
-              <a:shade val="50000"/>
-            </a:schemeClr>
-          </a:lnRef>
-          <a:fillRef idx="1">
-            <a:schemeClr val="accent1"/>
-          </a:fillRef>
-          <a:effectRef idx="0">
-            <a:schemeClr val="accent1"/>
-          </a:effectRef>
-          <a:fontRef idx="minor">
-            <a:schemeClr val="lt1"/>
-          </a:fontRef>
-        </p:style>
-        <p:txBody>
-          <a:bodyPr rtlCol="0" anchor="ctr"/>
-          <a:lstStyle/>
-          <a:p>
-            <a:pPr algn="ctr"/>
-            <a:endParaRPr kumimoji="1" lang="ja-JP" altLang="en-US"/>
-          </a:p>
-        </p:txBody>
-      </p:sp>
-    </p:spTree>
-    <p:extLst>
-      <p:ext uri="{BB962C8B-B14F-4D97-AF65-F5344CB8AC3E}">
-        <p14:creationId xmlns:p14="http://schemas.microsoft.com/office/powerpoint/2010/main" val="3966481635"/>
-      </p:ext>
-    </p:extLst>
-  </p:cSld>
-  <p:clrMapOvr>
-    <a:masterClrMapping/>
-  </p:clrMapOvr>
-</p:sld>
-</file>
-
-<file path=ppt/slides/slide20.xml><?xml version="1.0" encoding="utf-8"?>
-<p:sld xmlns:a="http://schemas.openxmlformats.org/drawingml/2006/main" xmlns:r="http://schemas.openxmlformats.org/officeDocument/2006/relationships" xmlns:p="http://schemas.openxmlformats.org/presentationml/2006/main">
-  <p:cSld>
-    <p:spTree>
-      <p:nvGrpSpPr>
-        <p:cNvPr id="1" name=""/>
-        <p:cNvGrpSpPr/>
-        <p:nvPr/>
-      </p:nvGrpSpPr>
-      <p:grpSpPr>
-        <a:xfrm>
-          <a:off x="0" y="0"/>
-          <a:ext cx="0" cy="0"/>
-          <a:chOff x="0" y="0"/>
-          <a:chExt cx="0" cy="0"/>
-        </a:xfrm>
-      </p:grpSpPr>
       <p:grpSp>
         <p:nvGrpSpPr>
-          <p:cNvPr id="14" name="グループ化 13"/>
+          <p:cNvPr id="24" name="グループ化 23"/>
           <p:cNvGrpSpPr/>
           <p:nvPr/>
         </p:nvGrpSpPr>
         <p:grpSpPr>
-          <a:xfrm>
-            <a:off x="2195250" y="1801848"/>
-            <a:ext cx="1962474" cy="1962474"/>
-            <a:chOff x="1761622" y="1801851"/>
-            <a:chExt cx="2700000" cy="2700000"/>
+          <a:xfrm flipH="1">
+            <a:off x="3853225" y="1213153"/>
+            <a:ext cx="1925501" cy="4629955"/>
+            <a:chOff x="5885645" y="1171977"/>
+            <a:chExt cx="1925501" cy="4629955"/>
           </a:xfrm>
         </p:grpSpPr>
         <p:sp>
           <p:nvSpPr>
-            <p:cNvPr id="5" name="円/楕円 4"/>
+            <p:cNvPr id="26" name="フリーフォーム 25"/>
             <p:cNvSpPr/>
             <p:nvPr/>
           </p:nvSpPr>
           <p:spPr>
             <a:xfrm>
-              <a:off x="2211622" y="2251851"/>
-              <a:ext cx="1800000" cy="1800000"/>
+              <a:off x="5885645" y="1171977"/>
+              <a:ext cx="1571223" cy="4340181"/>
             </a:xfrm>
-            <a:prstGeom prst="ellipse">
+            <a:custGeom>
               <a:avLst/>
-            </a:prstGeom>
+              <a:gdLst>
+                <a:gd name="connsiteX0" fmla="*/ 0 w 1571223"/>
+                <a:gd name="connsiteY0" fmla="*/ 0 h 4340181"/>
+                <a:gd name="connsiteX1" fmla="*/ 785611 w 1571223"/>
+                <a:gd name="connsiteY1" fmla="*/ 270457 h 4340181"/>
+                <a:gd name="connsiteX2" fmla="*/ 1197735 w 1571223"/>
+                <a:gd name="connsiteY2" fmla="*/ 1081826 h 4340181"/>
+                <a:gd name="connsiteX3" fmla="*/ 1481070 w 1571223"/>
+                <a:gd name="connsiteY3" fmla="*/ 2369713 h 4340181"/>
+                <a:gd name="connsiteX4" fmla="*/ 1571223 w 1571223"/>
+                <a:gd name="connsiteY4" fmla="*/ 4340181 h 4340181"/>
+              </a:gdLst>
+              <a:ahLst/>
+              <a:cxnLst>
+                <a:cxn ang="0">
+                  <a:pos x="connsiteX0" y="connsiteY0"/>
+                </a:cxn>
+                <a:cxn ang="0">
+                  <a:pos x="connsiteX1" y="connsiteY1"/>
+                </a:cxn>
+                <a:cxn ang="0">
+                  <a:pos x="connsiteX2" y="connsiteY2"/>
+                </a:cxn>
+                <a:cxn ang="0">
+                  <a:pos x="connsiteX3" y="connsiteY3"/>
+                </a:cxn>
+                <a:cxn ang="0">
+                  <a:pos x="connsiteX4" y="connsiteY4"/>
+                </a:cxn>
+              </a:cxnLst>
+              <a:rect l="l" t="t" r="r" b="b"/>
+              <a:pathLst>
+                <a:path w="1571223" h="4340181">
+                  <a:moveTo>
+                    <a:pt x="0" y="0"/>
+                  </a:moveTo>
+                  <a:cubicBezTo>
+                    <a:pt x="292994" y="45076"/>
+                    <a:pt x="585989" y="90153"/>
+                    <a:pt x="785611" y="270457"/>
+                  </a:cubicBezTo>
+                  <a:cubicBezTo>
+                    <a:pt x="985233" y="450761"/>
+                    <a:pt x="1081825" y="731950"/>
+                    <a:pt x="1197735" y="1081826"/>
+                  </a:cubicBezTo>
+                  <a:cubicBezTo>
+                    <a:pt x="1313645" y="1431702"/>
+                    <a:pt x="1418822" y="1826654"/>
+                    <a:pt x="1481070" y="2369713"/>
+                  </a:cubicBezTo>
+                  <a:cubicBezTo>
+                    <a:pt x="1543318" y="2912772"/>
+                    <a:pt x="1562637" y="3958108"/>
+                    <a:pt x="1571223" y="4340181"/>
+                  </a:cubicBezTo>
+                </a:path>
+              </a:pathLst>
+            </a:custGeom>
             <a:noFill/>
-            <a:ln w="28575">
-              <a:prstDash val="dash"/>
-            </a:ln>
           </p:spPr>
           <p:style>
             <a:lnRef idx="2">
@@ -10372,334 +10798,24 @@
         </p:sp>
         <p:sp>
           <p:nvSpPr>
-            <p:cNvPr id="6" name="円/楕円 5"/>
+            <p:cNvPr id="36" name="円/楕円 35"/>
             <p:cNvSpPr/>
             <p:nvPr/>
           </p:nvSpPr>
           <p:spPr>
             <a:xfrm>
-              <a:off x="2658860" y="2699089"/>
-              <a:ext cx="905524" cy="905524"/>
+              <a:off x="6510269" y="1298691"/>
+              <a:ext cx="399244" cy="373488"/>
             </a:xfrm>
             <a:prstGeom prst="ellipse">
               <a:avLst/>
             </a:prstGeom>
-            <a:noFill/>
-            <a:ln w="28575"/>
-          </p:spPr>
-          <p:style>
-            <a:lnRef idx="2">
-              <a:schemeClr val="accent1">
-                <a:shade val="50000"/>
-              </a:schemeClr>
-            </a:lnRef>
-            <a:fillRef idx="1">
-              <a:schemeClr val="accent1"/>
-            </a:fillRef>
-            <a:effectRef idx="0">
-              <a:schemeClr val="accent1"/>
-            </a:effectRef>
-            <a:fontRef idx="minor">
-              <a:schemeClr val="lt1"/>
-            </a:fontRef>
-          </p:style>
-          <p:txBody>
-            <a:bodyPr rtlCol="0" anchor="ctr"/>
-            <a:lstStyle/>
-            <a:p>
-              <a:pPr algn="ctr"/>
-              <a:endParaRPr kumimoji="1" lang="ja-JP" altLang="en-US"/>
-            </a:p>
-          </p:txBody>
-        </p:sp>
-        <p:sp>
-          <p:nvSpPr>
-            <p:cNvPr id="7" name="円/楕円 6"/>
-            <p:cNvSpPr/>
-            <p:nvPr/>
-          </p:nvSpPr>
-          <p:spPr>
-            <a:xfrm>
-              <a:off x="1761622" y="1801851"/>
-              <a:ext cx="2700000" cy="2700000"/>
-            </a:xfrm>
-            <a:prstGeom prst="ellipse">
-              <a:avLst/>
-            </a:prstGeom>
-            <a:noFill/>
-            <a:ln w="28575"/>
-          </p:spPr>
-          <p:style>
-            <a:lnRef idx="2">
-              <a:schemeClr val="accent1">
-                <a:shade val="50000"/>
-              </a:schemeClr>
-            </a:lnRef>
-            <a:fillRef idx="1">
-              <a:schemeClr val="accent1"/>
-            </a:fillRef>
-            <a:effectRef idx="0">
-              <a:schemeClr val="accent1"/>
-            </a:effectRef>
-            <a:fontRef idx="minor">
-              <a:schemeClr val="lt1"/>
-            </a:fontRef>
-          </p:style>
-          <p:txBody>
-            <a:bodyPr rtlCol="0" anchor="ctr"/>
-            <a:lstStyle/>
-            <a:p>
-              <a:pPr algn="ctr"/>
-              <a:endParaRPr kumimoji="1" lang="ja-JP" altLang="en-US"/>
-            </a:p>
-          </p:txBody>
-        </p:sp>
-      </p:grpSp>
-      <p:grpSp>
-        <p:nvGrpSpPr>
-          <p:cNvPr id="15" name="グループ化 14"/>
-          <p:cNvGrpSpPr/>
-          <p:nvPr/>
-        </p:nvGrpSpPr>
-        <p:grpSpPr>
-          <a:xfrm>
-            <a:off x="1516639" y="1801850"/>
-            <a:ext cx="1962474" cy="1962474"/>
-            <a:chOff x="1761622" y="1801851"/>
-            <a:chExt cx="2700000" cy="2700000"/>
-          </a:xfrm>
-        </p:grpSpPr>
-        <p:sp>
-          <p:nvSpPr>
-            <p:cNvPr id="16" name="円/楕円 15"/>
-            <p:cNvSpPr/>
-            <p:nvPr/>
-          </p:nvSpPr>
-          <p:spPr>
-            <a:xfrm>
-              <a:off x="2211622" y="2251851"/>
-              <a:ext cx="1800000" cy="1800000"/>
-            </a:xfrm>
-            <a:prstGeom prst="ellipse">
-              <a:avLst/>
-            </a:prstGeom>
-            <a:noFill/>
-            <a:ln w="28575">
+            <a:solidFill>
+              <a:srgbClr val="FFFF00"/>
+            </a:solidFill>
+            <a:ln>
               <a:solidFill>
-                <a:srgbClr val="FF0000"/>
-              </a:solidFill>
-              <a:prstDash val="dash"/>
-            </a:ln>
-          </p:spPr>
-          <p:style>
-            <a:lnRef idx="2">
-              <a:schemeClr val="accent1">
-                <a:shade val="50000"/>
-              </a:schemeClr>
-            </a:lnRef>
-            <a:fillRef idx="1">
-              <a:schemeClr val="accent1"/>
-            </a:fillRef>
-            <a:effectRef idx="0">
-              <a:schemeClr val="accent1"/>
-            </a:effectRef>
-            <a:fontRef idx="minor">
-              <a:schemeClr val="lt1"/>
-            </a:fontRef>
-          </p:style>
-          <p:txBody>
-            <a:bodyPr rtlCol="0" anchor="ctr"/>
-            <a:lstStyle/>
-            <a:p>
-              <a:pPr algn="ctr"/>
-              <a:endParaRPr kumimoji="1" lang="ja-JP" altLang="en-US">
-                <a:solidFill>
-                  <a:srgbClr val="FF0000"/>
-                </a:solidFill>
-              </a:endParaRPr>
-            </a:p>
-          </p:txBody>
-        </p:sp>
-        <p:sp>
-          <p:nvSpPr>
-            <p:cNvPr id="17" name="円/楕円 16"/>
-            <p:cNvSpPr/>
-            <p:nvPr/>
-          </p:nvSpPr>
-          <p:spPr>
-            <a:xfrm>
-              <a:off x="2658860" y="2699089"/>
-              <a:ext cx="905524" cy="905524"/>
-            </a:xfrm>
-            <a:prstGeom prst="ellipse">
-              <a:avLst/>
-            </a:prstGeom>
-            <a:noFill/>
-            <a:ln w="28575">
-              <a:solidFill>
-                <a:srgbClr val="FF0000"/>
-              </a:solidFill>
-            </a:ln>
-          </p:spPr>
-          <p:style>
-            <a:lnRef idx="2">
-              <a:schemeClr val="accent1">
-                <a:shade val="50000"/>
-              </a:schemeClr>
-            </a:lnRef>
-            <a:fillRef idx="1">
-              <a:schemeClr val="accent1"/>
-            </a:fillRef>
-            <a:effectRef idx="0">
-              <a:schemeClr val="accent1"/>
-            </a:effectRef>
-            <a:fontRef idx="minor">
-              <a:schemeClr val="lt1"/>
-            </a:fontRef>
-          </p:style>
-          <p:txBody>
-            <a:bodyPr rtlCol="0" anchor="ctr"/>
-            <a:lstStyle/>
-            <a:p>
-              <a:pPr algn="ctr"/>
-              <a:endParaRPr kumimoji="1" lang="ja-JP" altLang="en-US">
-                <a:solidFill>
-                  <a:srgbClr val="FF0000"/>
-                </a:solidFill>
-              </a:endParaRPr>
-            </a:p>
-          </p:txBody>
-        </p:sp>
-        <p:sp>
-          <p:nvSpPr>
-            <p:cNvPr id="18" name="円/楕円 17"/>
-            <p:cNvSpPr/>
-            <p:nvPr/>
-          </p:nvSpPr>
-          <p:spPr>
-            <a:xfrm>
-              <a:off x="1761622" y="1801851"/>
-              <a:ext cx="2700000" cy="2700000"/>
-            </a:xfrm>
-            <a:prstGeom prst="ellipse">
-              <a:avLst/>
-            </a:prstGeom>
-            <a:noFill/>
-            <a:ln w="28575">
-              <a:solidFill>
-                <a:srgbClr val="FF0000"/>
-              </a:solidFill>
-            </a:ln>
-          </p:spPr>
-          <p:style>
-            <a:lnRef idx="2">
-              <a:schemeClr val="accent1">
-                <a:shade val="50000"/>
-              </a:schemeClr>
-            </a:lnRef>
-            <a:fillRef idx="1">
-              <a:schemeClr val="accent1"/>
-            </a:fillRef>
-            <a:effectRef idx="0">
-              <a:schemeClr val="accent1"/>
-            </a:effectRef>
-            <a:fontRef idx="minor">
-              <a:schemeClr val="lt1"/>
-            </a:fontRef>
-          </p:style>
-          <p:txBody>
-            <a:bodyPr rtlCol="0" anchor="ctr"/>
-            <a:lstStyle/>
-            <a:p>
-              <a:pPr algn="ctr"/>
-              <a:endParaRPr kumimoji="1" lang="ja-JP" altLang="en-US">
-                <a:solidFill>
-                  <a:srgbClr val="FF0000"/>
-                </a:solidFill>
-              </a:endParaRPr>
-            </a:p>
-          </p:txBody>
-        </p:sp>
-      </p:grpSp>
-      <p:grpSp>
-        <p:nvGrpSpPr>
-          <p:cNvPr id="19" name="グループ化 18"/>
-          <p:cNvGrpSpPr/>
-          <p:nvPr/>
-        </p:nvGrpSpPr>
-        <p:grpSpPr>
-          <a:xfrm>
-            <a:off x="2912838" y="1801848"/>
-            <a:ext cx="1962474" cy="1962474"/>
-            <a:chOff x="1761622" y="1801851"/>
-            <a:chExt cx="2700000" cy="2700000"/>
-          </a:xfrm>
-        </p:grpSpPr>
-        <p:sp>
-          <p:nvSpPr>
-            <p:cNvPr id="20" name="円/楕円 19"/>
-            <p:cNvSpPr/>
-            <p:nvPr/>
-          </p:nvSpPr>
-          <p:spPr>
-            <a:xfrm>
-              <a:off x="2211622" y="2251851"/>
-              <a:ext cx="1800000" cy="1800000"/>
-            </a:xfrm>
-            <a:prstGeom prst="ellipse">
-              <a:avLst/>
-            </a:prstGeom>
-            <a:noFill/>
-            <a:ln w="28575">
-              <a:solidFill>
-                <a:srgbClr val="00B050"/>
-              </a:solidFill>
-              <a:prstDash val="dash"/>
-            </a:ln>
-          </p:spPr>
-          <p:style>
-            <a:lnRef idx="2">
-              <a:schemeClr val="accent1">
-                <a:shade val="50000"/>
-              </a:schemeClr>
-            </a:lnRef>
-            <a:fillRef idx="1">
-              <a:schemeClr val="accent1"/>
-            </a:fillRef>
-            <a:effectRef idx="0">
-              <a:schemeClr val="accent1"/>
-            </a:effectRef>
-            <a:fontRef idx="minor">
-              <a:schemeClr val="lt1"/>
-            </a:fontRef>
-          </p:style>
-          <p:txBody>
-            <a:bodyPr rtlCol="0" anchor="ctr"/>
-            <a:lstStyle/>
-            <a:p>
-              <a:pPr algn="ctr"/>
-              <a:endParaRPr kumimoji="1" lang="ja-JP" altLang="en-US"/>
-            </a:p>
-          </p:txBody>
-        </p:sp>
-        <p:sp>
-          <p:nvSpPr>
-            <p:cNvPr id="21" name="円/楕円 20"/>
-            <p:cNvSpPr/>
-            <p:nvPr/>
-          </p:nvSpPr>
-          <p:spPr>
-            <a:xfrm>
-              <a:off x="2658860" y="2699089"/>
-              <a:ext cx="905524" cy="905524"/>
-            </a:xfrm>
-            <a:prstGeom prst="ellipse">
-              <a:avLst/>
-            </a:prstGeom>
-            <a:noFill/>
-            <a:ln w="28575">
-              <a:solidFill>
-                <a:srgbClr val="00B050"/>
+                <a:schemeClr val="tx1"/>
               </a:solidFill>
             </a:ln>
           </p:spPr>
@@ -10730,24 +10846,18 @@
         </p:sp>
         <p:sp>
           <p:nvSpPr>
-            <p:cNvPr id="22" name="円/楕円 21"/>
+            <p:cNvPr id="37" name="爆発 1 36"/>
             <p:cNvSpPr/>
             <p:nvPr/>
           </p:nvSpPr>
           <p:spPr>
             <a:xfrm>
-              <a:off x="1761622" y="1801851"/>
-              <a:ext cx="2700000" cy="2700000"/>
+              <a:off x="7206712" y="5299656"/>
+              <a:ext cx="604434" cy="502276"/>
             </a:xfrm>
-            <a:prstGeom prst="ellipse">
+            <a:prstGeom prst="irregularSeal1">
               <a:avLst/>
             </a:prstGeom>
-            <a:noFill/>
-            <a:ln w="28575">
-              <a:solidFill>
-                <a:srgbClr val="00B050"/>
-              </a:solidFill>
-            </a:ln>
           </p:spPr>
           <p:style>
             <a:lnRef idx="2">
@@ -10775,512 +10885,85 @@
           </p:txBody>
         </p:sp>
       </p:grpSp>
-      <p:grpSp>
-        <p:nvGrpSpPr>
-          <p:cNvPr id="35" name="グループ化 34"/>
-          <p:cNvGrpSpPr/>
-          <p:nvPr/>
-        </p:nvGrpSpPr>
-        <p:grpSpPr>
-          <a:xfrm>
-            <a:off x="7312930" y="1801847"/>
-            <a:ext cx="1962474" cy="1962474"/>
-            <a:chOff x="1761622" y="1801851"/>
-            <a:chExt cx="2700000" cy="2700000"/>
-          </a:xfrm>
-        </p:grpSpPr>
-        <p:sp>
-          <p:nvSpPr>
-            <p:cNvPr id="36" name="円/楕円 35"/>
-            <p:cNvSpPr/>
-            <p:nvPr/>
-          </p:nvSpPr>
-          <p:spPr>
-            <a:xfrm>
-              <a:off x="2211622" y="2251851"/>
-              <a:ext cx="1800000" cy="1800000"/>
-            </a:xfrm>
-            <a:prstGeom prst="ellipse">
-              <a:avLst/>
-            </a:prstGeom>
-            <a:noFill/>
-            <a:ln w="28575">
-              <a:solidFill>
-                <a:srgbClr val="FF0000"/>
-              </a:solidFill>
-              <a:prstDash val="solid"/>
-            </a:ln>
-          </p:spPr>
-          <p:style>
-            <a:lnRef idx="2">
-              <a:schemeClr val="accent1">
-                <a:shade val="50000"/>
-              </a:schemeClr>
-            </a:lnRef>
-            <a:fillRef idx="1">
-              <a:schemeClr val="accent1"/>
-            </a:fillRef>
-            <a:effectRef idx="0">
-              <a:schemeClr val="accent1"/>
-            </a:effectRef>
-            <a:fontRef idx="minor">
-              <a:schemeClr val="lt1"/>
-            </a:fontRef>
-          </p:style>
-          <p:txBody>
-            <a:bodyPr rtlCol="0" anchor="ctr"/>
-            <a:lstStyle/>
-            <a:p>
-              <a:pPr algn="ctr"/>
-              <a:endParaRPr kumimoji="1" lang="ja-JP" altLang="en-US">
-                <a:solidFill>
-                  <a:srgbClr val="FF0000"/>
-                </a:solidFill>
-              </a:endParaRPr>
-            </a:p>
-          </p:txBody>
-        </p:sp>
-        <p:sp>
-          <p:nvSpPr>
-            <p:cNvPr id="37" name="円/楕円 36"/>
-            <p:cNvSpPr/>
-            <p:nvPr/>
-          </p:nvSpPr>
-          <p:spPr>
-            <a:xfrm>
-              <a:off x="2658860" y="2699089"/>
-              <a:ext cx="905524" cy="905524"/>
-            </a:xfrm>
-            <a:prstGeom prst="ellipse">
-              <a:avLst/>
-            </a:prstGeom>
-            <a:noFill/>
-            <a:ln w="28575">
-              <a:solidFill>
-                <a:srgbClr val="FF0000"/>
-              </a:solidFill>
-              <a:prstDash val="dash"/>
-            </a:ln>
-          </p:spPr>
-          <p:style>
-            <a:lnRef idx="2">
-              <a:schemeClr val="accent1">
-                <a:shade val="50000"/>
-              </a:schemeClr>
-            </a:lnRef>
-            <a:fillRef idx="1">
-              <a:schemeClr val="accent1"/>
-            </a:fillRef>
-            <a:effectRef idx="0">
-              <a:schemeClr val="accent1"/>
-            </a:effectRef>
-            <a:fontRef idx="minor">
-              <a:schemeClr val="lt1"/>
-            </a:fontRef>
-          </p:style>
-          <p:txBody>
-            <a:bodyPr rtlCol="0" anchor="ctr"/>
-            <a:lstStyle/>
-            <a:p>
-              <a:pPr algn="ctr"/>
-              <a:endParaRPr kumimoji="1" lang="ja-JP" altLang="en-US">
-                <a:solidFill>
-                  <a:srgbClr val="FF0000"/>
-                </a:solidFill>
-              </a:endParaRPr>
-            </a:p>
-          </p:txBody>
-        </p:sp>
-        <p:sp>
-          <p:nvSpPr>
-            <p:cNvPr id="38" name="円/楕円 37"/>
-            <p:cNvSpPr/>
-            <p:nvPr/>
-          </p:nvSpPr>
-          <p:spPr>
-            <a:xfrm>
-              <a:off x="1761622" y="1801851"/>
-              <a:ext cx="2700000" cy="2700000"/>
-            </a:xfrm>
-            <a:prstGeom prst="ellipse">
-              <a:avLst/>
-            </a:prstGeom>
-            <a:noFill/>
-            <a:ln w="28575">
-              <a:solidFill>
-                <a:srgbClr val="FF0000"/>
-              </a:solidFill>
-              <a:prstDash val="dash"/>
-            </a:ln>
-          </p:spPr>
-          <p:style>
-            <a:lnRef idx="2">
-              <a:schemeClr val="accent1">
-                <a:shade val="50000"/>
-              </a:schemeClr>
-            </a:lnRef>
-            <a:fillRef idx="1">
-              <a:schemeClr val="accent1"/>
-            </a:fillRef>
-            <a:effectRef idx="0">
-              <a:schemeClr val="accent1"/>
-            </a:effectRef>
-            <a:fontRef idx="minor">
-              <a:schemeClr val="lt1"/>
-            </a:fontRef>
-          </p:style>
-          <p:txBody>
-            <a:bodyPr rtlCol="0" anchor="ctr"/>
-            <a:lstStyle/>
-            <a:p>
-              <a:pPr algn="ctr"/>
-              <a:endParaRPr kumimoji="1" lang="ja-JP" altLang="en-US">
-                <a:solidFill>
-                  <a:srgbClr val="FF0000"/>
-                </a:solidFill>
-              </a:endParaRPr>
-            </a:p>
-          </p:txBody>
-        </p:sp>
-      </p:grpSp>
-      <p:grpSp>
-        <p:nvGrpSpPr>
-          <p:cNvPr id="39" name="グループ化 38"/>
-          <p:cNvGrpSpPr/>
-          <p:nvPr/>
-        </p:nvGrpSpPr>
-        <p:grpSpPr>
-          <a:xfrm>
-            <a:off x="8030518" y="1801849"/>
-            <a:ext cx="1962474" cy="1962474"/>
-            <a:chOff x="1761622" y="1801851"/>
-            <a:chExt cx="2700000" cy="2700000"/>
-          </a:xfrm>
-        </p:grpSpPr>
-        <p:sp>
-          <p:nvSpPr>
-            <p:cNvPr id="40" name="円/楕円 39"/>
-            <p:cNvSpPr/>
-            <p:nvPr/>
-          </p:nvSpPr>
-          <p:spPr>
-            <a:xfrm>
-              <a:off x="2211622" y="2251851"/>
-              <a:ext cx="1800000" cy="1800000"/>
-            </a:xfrm>
-            <a:prstGeom prst="ellipse">
-              <a:avLst/>
-            </a:prstGeom>
-            <a:noFill/>
-            <a:ln w="28575">
-              <a:prstDash val="dash"/>
-            </a:ln>
-          </p:spPr>
-          <p:style>
-            <a:lnRef idx="2">
-              <a:schemeClr val="accent1">
-                <a:shade val="50000"/>
-              </a:schemeClr>
-            </a:lnRef>
-            <a:fillRef idx="1">
-              <a:schemeClr val="accent1"/>
-            </a:fillRef>
-            <a:effectRef idx="0">
-              <a:schemeClr val="accent1"/>
-            </a:effectRef>
-            <a:fontRef idx="minor">
-              <a:schemeClr val="lt1"/>
-            </a:fontRef>
-          </p:style>
-          <p:txBody>
-            <a:bodyPr rtlCol="0" anchor="ctr"/>
-            <a:lstStyle/>
-            <a:p>
-              <a:pPr algn="ctr"/>
-              <a:endParaRPr kumimoji="1" lang="ja-JP" altLang="en-US"/>
-            </a:p>
-          </p:txBody>
-        </p:sp>
-        <p:sp>
-          <p:nvSpPr>
-            <p:cNvPr id="41" name="円/楕円 40"/>
-            <p:cNvSpPr/>
-            <p:nvPr/>
-          </p:nvSpPr>
-          <p:spPr>
-            <a:xfrm>
-              <a:off x="2658860" y="2699089"/>
-              <a:ext cx="905524" cy="905524"/>
-            </a:xfrm>
-            <a:prstGeom prst="ellipse">
-              <a:avLst/>
-            </a:prstGeom>
-            <a:noFill/>
-            <a:ln w="28575"/>
-          </p:spPr>
-          <p:style>
-            <a:lnRef idx="2">
-              <a:schemeClr val="accent1">
-                <a:shade val="50000"/>
-              </a:schemeClr>
-            </a:lnRef>
-            <a:fillRef idx="1">
-              <a:schemeClr val="accent1"/>
-            </a:fillRef>
-            <a:effectRef idx="0">
-              <a:schemeClr val="accent1"/>
-            </a:effectRef>
-            <a:fontRef idx="minor">
-              <a:schemeClr val="lt1"/>
-            </a:fontRef>
-          </p:style>
-          <p:txBody>
-            <a:bodyPr rtlCol="0" anchor="ctr"/>
-            <a:lstStyle/>
-            <a:p>
-              <a:pPr algn="ctr"/>
-              <a:endParaRPr kumimoji="1" lang="ja-JP" altLang="en-US"/>
-            </a:p>
-          </p:txBody>
-        </p:sp>
-        <p:sp>
-          <p:nvSpPr>
-            <p:cNvPr id="42" name="円/楕円 41"/>
-            <p:cNvSpPr/>
-            <p:nvPr/>
-          </p:nvSpPr>
-          <p:spPr>
-            <a:xfrm>
-              <a:off x="1761622" y="1801851"/>
-              <a:ext cx="2700000" cy="2700000"/>
-            </a:xfrm>
-            <a:prstGeom prst="ellipse">
-              <a:avLst/>
-            </a:prstGeom>
-            <a:noFill/>
-            <a:ln w="28575"/>
-          </p:spPr>
-          <p:style>
-            <a:lnRef idx="2">
-              <a:schemeClr val="accent1">
-                <a:shade val="50000"/>
-              </a:schemeClr>
-            </a:lnRef>
-            <a:fillRef idx="1">
-              <a:schemeClr val="accent1"/>
-            </a:fillRef>
-            <a:effectRef idx="0">
-              <a:schemeClr val="accent1"/>
-            </a:effectRef>
-            <a:fontRef idx="minor">
-              <a:schemeClr val="lt1"/>
-            </a:fontRef>
-          </p:style>
-          <p:txBody>
-            <a:bodyPr rtlCol="0" anchor="ctr"/>
-            <a:lstStyle/>
-            <a:p>
-              <a:pPr algn="ctr"/>
-              <a:endParaRPr kumimoji="1" lang="ja-JP" altLang="en-US"/>
-            </a:p>
-          </p:txBody>
-        </p:sp>
-      </p:grpSp>
-      <p:grpSp>
-        <p:nvGrpSpPr>
-          <p:cNvPr id="43" name="グループ化 42"/>
-          <p:cNvGrpSpPr/>
-          <p:nvPr/>
-        </p:nvGrpSpPr>
-        <p:grpSpPr>
-          <a:xfrm>
-            <a:off x="8748106" y="1801845"/>
-            <a:ext cx="1962474" cy="1962474"/>
-            <a:chOff x="1761622" y="1801851"/>
-            <a:chExt cx="2700000" cy="2700000"/>
-          </a:xfrm>
-        </p:grpSpPr>
-        <p:sp>
-          <p:nvSpPr>
-            <p:cNvPr id="44" name="円/楕円 43"/>
-            <p:cNvSpPr/>
-            <p:nvPr/>
-          </p:nvSpPr>
-          <p:spPr>
-            <a:xfrm>
-              <a:off x="2211622" y="2251851"/>
-              <a:ext cx="1800000" cy="1800000"/>
-            </a:xfrm>
-            <a:prstGeom prst="ellipse">
-              <a:avLst/>
-            </a:prstGeom>
-            <a:noFill/>
-            <a:ln w="28575">
-              <a:solidFill>
-                <a:srgbClr val="00B050"/>
-              </a:solidFill>
-              <a:prstDash val="solid"/>
-            </a:ln>
-          </p:spPr>
-          <p:style>
-            <a:lnRef idx="2">
-              <a:schemeClr val="accent1">
-                <a:shade val="50000"/>
-              </a:schemeClr>
-            </a:lnRef>
-            <a:fillRef idx="1">
-              <a:schemeClr val="accent1"/>
-            </a:fillRef>
-            <a:effectRef idx="0">
-              <a:schemeClr val="accent1"/>
-            </a:effectRef>
-            <a:fontRef idx="minor">
-              <a:schemeClr val="lt1"/>
-            </a:fontRef>
-          </p:style>
-          <p:txBody>
-            <a:bodyPr rtlCol="0" anchor="ctr"/>
-            <a:lstStyle/>
-            <a:p>
-              <a:pPr algn="ctr"/>
-              <a:endParaRPr kumimoji="1" lang="ja-JP" altLang="en-US">
-                <a:solidFill>
-                  <a:srgbClr val="FF0000"/>
-                </a:solidFill>
-              </a:endParaRPr>
-            </a:p>
-          </p:txBody>
-        </p:sp>
-        <p:sp>
-          <p:nvSpPr>
-            <p:cNvPr id="45" name="円/楕円 44"/>
-            <p:cNvSpPr/>
-            <p:nvPr/>
-          </p:nvSpPr>
-          <p:spPr>
-            <a:xfrm>
-              <a:off x="2658860" y="2699089"/>
-              <a:ext cx="905524" cy="905524"/>
-            </a:xfrm>
-            <a:prstGeom prst="ellipse">
-              <a:avLst/>
-            </a:prstGeom>
-            <a:noFill/>
-            <a:ln w="28575">
-              <a:solidFill>
-                <a:srgbClr val="00B050"/>
-              </a:solidFill>
-              <a:prstDash val="dash"/>
-            </a:ln>
-          </p:spPr>
-          <p:style>
-            <a:lnRef idx="2">
-              <a:schemeClr val="accent1">
-                <a:shade val="50000"/>
-              </a:schemeClr>
-            </a:lnRef>
-            <a:fillRef idx="1">
-              <a:schemeClr val="accent1"/>
-            </a:fillRef>
-            <a:effectRef idx="0">
-              <a:schemeClr val="accent1"/>
-            </a:effectRef>
-            <a:fontRef idx="minor">
-              <a:schemeClr val="lt1"/>
-            </a:fontRef>
-          </p:style>
-          <p:txBody>
-            <a:bodyPr rtlCol="0" anchor="ctr"/>
-            <a:lstStyle/>
-            <a:p>
-              <a:pPr algn="ctr"/>
-              <a:endParaRPr kumimoji="1" lang="ja-JP" altLang="en-US">
-                <a:solidFill>
-                  <a:srgbClr val="FF0000"/>
-                </a:solidFill>
-              </a:endParaRPr>
-            </a:p>
-          </p:txBody>
-        </p:sp>
-        <p:sp>
-          <p:nvSpPr>
-            <p:cNvPr id="46" name="円/楕円 45"/>
-            <p:cNvSpPr/>
-            <p:nvPr/>
-          </p:nvSpPr>
-          <p:spPr>
-            <a:xfrm>
-              <a:off x="1761622" y="1801851"/>
-              <a:ext cx="2700000" cy="2700000"/>
-            </a:xfrm>
-            <a:prstGeom prst="ellipse">
-              <a:avLst/>
-            </a:prstGeom>
-            <a:noFill/>
-            <a:ln w="28575">
-              <a:solidFill>
-                <a:srgbClr val="00B050"/>
-              </a:solidFill>
-              <a:prstDash val="dash"/>
-            </a:ln>
-          </p:spPr>
-          <p:style>
-            <a:lnRef idx="2">
-              <a:schemeClr val="accent1">
-                <a:shade val="50000"/>
-              </a:schemeClr>
-            </a:lnRef>
-            <a:fillRef idx="1">
-              <a:schemeClr val="accent1"/>
-            </a:fillRef>
-            <a:effectRef idx="0">
-              <a:schemeClr val="accent1"/>
-            </a:effectRef>
-            <a:fontRef idx="minor">
-              <a:schemeClr val="lt1"/>
-            </a:fontRef>
-          </p:style>
-          <p:txBody>
-            <a:bodyPr rtlCol="0" anchor="ctr"/>
-            <a:lstStyle/>
-            <a:p>
-              <a:pPr algn="ctr"/>
-              <a:endParaRPr kumimoji="1" lang="ja-JP" altLang="en-US">
-                <a:solidFill>
-                  <a:srgbClr val="FF0000"/>
-                </a:solidFill>
-              </a:endParaRPr>
-            </a:p>
-          </p:txBody>
-        </p:sp>
-      </p:grpSp>
+      <p:sp>
+        <p:nvSpPr>
+          <p:cNvPr id="2" name="雲 1"/>
+          <p:cNvSpPr/>
+          <p:nvPr/>
+        </p:nvSpPr>
+        <p:spPr>
+          <a:xfrm>
+            <a:off x="5186991" y="692199"/>
+            <a:ext cx="1428750" cy="895350"/>
+          </a:xfrm>
+          <a:prstGeom prst="cloud">
+            <a:avLst/>
+          </a:prstGeom>
+          <a:solidFill>
+            <a:srgbClr val="EF6DF2"/>
+          </a:solidFill>
+          <a:ln>
+            <a:solidFill>
+              <a:schemeClr val="tx1"/>
+            </a:solidFill>
+          </a:ln>
+        </p:spPr>
+        <p:style>
+          <a:lnRef idx="2">
+            <a:schemeClr val="accent1">
+              <a:shade val="50000"/>
+            </a:schemeClr>
+          </a:lnRef>
+          <a:fillRef idx="1">
+            <a:schemeClr val="accent1"/>
+          </a:fillRef>
+          <a:effectRef idx="0">
+            <a:schemeClr val="accent1"/>
+          </a:effectRef>
+          <a:fontRef idx="minor">
+            <a:schemeClr val="lt1"/>
+          </a:fontRef>
+        </p:style>
+        <p:txBody>
+          <a:bodyPr rtlCol="0" anchor="ctr"/>
+          <a:lstStyle/>
+          <a:p>
+            <a:pPr algn="ctr"/>
+            <a:endParaRPr kumimoji="1" lang="ja-JP" altLang="en-US"/>
+          </a:p>
+        </p:txBody>
+      </p:sp>
       <p:cxnSp>
         <p:nvCxnSpPr>
-          <p:cNvPr id="48" name="直線矢印コネクタ 47"/>
+          <p:cNvPr id="39" name="直線矢印コネクタ 38"/>
           <p:cNvCxnSpPr/>
           <p:nvPr/>
         </p:nvCxnSpPr>
         <p:spPr>
-          <a:xfrm>
-            <a:off x="5399244" y="2803912"/>
-            <a:ext cx="1571625" cy="0"/>
+          <a:xfrm flipV="1">
+            <a:off x="4170221" y="5570239"/>
+            <a:ext cx="1689668" cy="762"/>
           </a:xfrm>
           <a:prstGeom prst="straightConnector1">
             <a:avLst/>
           </a:prstGeom>
-          <a:ln>
+          <a:ln w="38100">
+            <a:solidFill>
+              <a:schemeClr val="tx1"/>
+            </a:solidFill>
+            <a:headEnd type="triangle"/>
             <a:tailEnd type="triangle"/>
           </a:ln>
         </p:spPr>
         <p:style>
           <a:lnRef idx="1">
-            <a:schemeClr val="dk1"/>
+            <a:schemeClr val="accent1"/>
           </a:lnRef>
           <a:fillRef idx="0">
-            <a:schemeClr val="dk1"/>
+            <a:schemeClr val="accent1"/>
           </a:fillRef>
           <a:effectRef idx="0">
-            <a:schemeClr val="dk1"/>
+            <a:schemeClr val="accent1"/>
           </a:effectRef>
           <a:fontRef idx="minor">
             <a:schemeClr val="tx1"/>
@@ -11289,14 +10972,14 @@
       </p:cxnSp>
       <p:sp>
         <p:nvSpPr>
-          <p:cNvPr id="49" name="テキスト ボックス 48"/>
+          <p:cNvPr id="40" name="テキスト ボックス 39"/>
           <p:cNvSpPr txBox="1"/>
           <p:nvPr/>
         </p:nvSpPr>
         <p:spPr>
           <a:xfrm>
-            <a:off x="5057184" y="2084663"/>
-            <a:ext cx="2255746" cy="369332"/>
+            <a:off x="2827269" y="4751354"/>
+            <a:ext cx="2691763" cy="369332"/>
           </a:xfrm>
           <a:prstGeom prst="rect">
             <a:avLst/>
@@ -11310,21 +10993,29 @@
           <a:lstStyle/>
           <a:p>
             <a:r>
-              <a:rPr kumimoji="1" lang="en-US" altLang="ja-JP" dirty="0" smtClean="0"/>
-              <a:t>XUV-IR</a:t>
-            </a:r>
-            <a:r>
-              <a:rPr kumimoji="1" lang="ja-JP" altLang="en-US" dirty="0" smtClean="0"/>
-              <a:t>ディレイを変更</a:t>
-            </a:r>
-            <a:endParaRPr kumimoji="1" lang="ja-JP" altLang="en-US" dirty="0"/>
+              <a:rPr lang="ja-JP" altLang="en-US" dirty="0"/>
+              <a:t>中心から</a:t>
+            </a:r>
+            <a:r>
+              <a:rPr lang="ja-JP" altLang="en-US" dirty="0" smtClean="0"/>
+              <a:t>の距離</a:t>
+            </a:r>
+            <a:r>
+              <a:rPr lang="en-US" altLang="ja-JP" dirty="0" smtClean="0"/>
+              <a:t>r</a:t>
+            </a:r>
+            <a:r>
+              <a:rPr lang="ja-JP" altLang="en-US" dirty="0" smtClean="0"/>
+              <a:t>が小さい</a:t>
+            </a:r>
+            <a:endParaRPr kumimoji="1" lang="en-US" altLang="ja-JP" dirty="0" smtClean="0"/>
           </a:p>
         </p:txBody>
       </p:sp>
     </p:spTree>
     <p:extLst>
       <p:ext uri="{BB962C8B-B14F-4D97-AF65-F5344CB8AC3E}">
-        <p14:creationId xmlns:p14="http://schemas.microsoft.com/office/powerpoint/2010/main" val="585686896"/>
+        <p14:creationId xmlns:p14="http://schemas.microsoft.com/office/powerpoint/2010/main" val="3966481635"/>
       </p:ext>
     </p:extLst>
   </p:cSld>
@@ -11334,7 +11025,7 @@
 </p:sld>
 </file>
 
-<file path=ppt/slides/slide21.xml><?xml version="1.0" encoding="utf-8"?>
+<file path=ppt/slides/slide20.xml><?xml version="1.0" encoding="utf-8"?>
 <p:sld xmlns:a="http://schemas.openxmlformats.org/drawingml/2006/main" xmlns:r="http://schemas.openxmlformats.org/officeDocument/2006/relationships" xmlns:p="http://schemas.openxmlformats.org/presentationml/2006/main">
   <p:cSld>
     <p:spTree>
@@ -11774,193 +11465,208 @@
           </a:fontRef>
         </p:style>
       </p:cxnSp>
-      <p:sp>
-        <p:nvSpPr>
-          <p:cNvPr id="3" name="フリーフォーム 2"/>
-          <p:cNvSpPr/>
-          <p:nvPr/>
-        </p:nvSpPr>
-        <p:spPr>
+      <p:grpSp>
+        <p:nvGrpSpPr>
+          <p:cNvPr id="2" name="グループ化 1"/>
+          <p:cNvGrpSpPr/>
+          <p:nvPr/>
+        </p:nvGrpSpPr>
+        <p:grpSpPr>
           <a:xfrm>
             <a:off x="5885645" y="1171977"/>
-            <a:ext cx="1571223" cy="4340181"/>
-          </a:xfrm>
-          <a:custGeom>
-            <a:avLst/>
-            <a:gdLst>
-              <a:gd name="connsiteX0" fmla="*/ 0 w 1571223"/>
-              <a:gd name="connsiteY0" fmla="*/ 0 h 4340181"/>
-              <a:gd name="connsiteX1" fmla="*/ 785611 w 1571223"/>
-              <a:gd name="connsiteY1" fmla="*/ 270457 h 4340181"/>
-              <a:gd name="connsiteX2" fmla="*/ 1197735 w 1571223"/>
-              <a:gd name="connsiteY2" fmla="*/ 1081826 h 4340181"/>
-              <a:gd name="connsiteX3" fmla="*/ 1481070 w 1571223"/>
-              <a:gd name="connsiteY3" fmla="*/ 2369713 h 4340181"/>
-              <a:gd name="connsiteX4" fmla="*/ 1571223 w 1571223"/>
-              <a:gd name="connsiteY4" fmla="*/ 4340181 h 4340181"/>
-            </a:gdLst>
-            <a:ahLst/>
-            <a:cxnLst>
-              <a:cxn ang="0">
-                <a:pos x="connsiteX0" y="connsiteY0"/>
-              </a:cxn>
-              <a:cxn ang="0">
-                <a:pos x="connsiteX1" y="connsiteY1"/>
-              </a:cxn>
-              <a:cxn ang="0">
-                <a:pos x="connsiteX2" y="connsiteY2"/>
-              </a:cxn>
-              <a:cxn ang="0">
-                <a:pos x="connsiteX3" y="connsiteY3"/>
-              </a:cxn>
-              <a:cxn ang="0">
-                <a:pos x="connsiteX4" y="connsiteY4"/>
-              </a:cxn>
-            </a:cxnLst>
-            <a:rect l="l" t="t" r="r" b="b"/>
-            <a:pathLst>
-              <a:path w="1571223" h="4340181">
-                <a:moveTo>
-                  <a:pt x="0" y="0"/>
-                </a:moveTo>
-                <a:cubicBezTo>
-                  <a:pt x="292994" y="45076"/>
-                  <a:pt x="585989" y="90153"/>
-                  <a:pt x="785611" y="270457"/>
-                </a:cubicBezTo>
-                <a:cubicBezTo>
-                  <a:pt x="985233" y="450761"/>
-                  <a:pt x="1081825" y="731950"/>
-                  <a:pt x="1197735" y="1081826"/>
-                </a:cubicBezTo>
-                <a:cubicBezTo>
-                  <a:pt x="1313645" y="1431702"/>
-                  <a:pt x="1418822" y="1826654"/>
-                  <a:pt x="1481070" y="2369713"/>
-                </a:cubicBezTo>
-                <a:cubicBezTo>
-                  <a:pt x="1543318" y="2912772"/>
-                  <a:pt x="1562637" y="3958108"/>
-                  <a:pt x="1571223" y="4340181"/>
-                </a:cubicBezTo>
-              </a:path>
-            </a:pathLst>
-          </a:custGeom>
-          <a:noFill/>
-        </p:spPr>
-        <p:style>
-          <a:lnRef idx="2">
-            <a:schemeClr val="accent1">
-              <a:shade val="50000"/>
-            </a:schemeClr>
-          </a:lnRef>
-          <a:fillRef idx="1">
-            <a:schemeClr val="accent1"/>
-          </a:fillRef>
-          <a:effectRef idx="0">
-            <a:schemeClr val="accent1"/>
-          </a:effectRef>
-          <a:fontRef idx="minor">
-            <a:schemeClr val="lt1"/>
-          </a:fontRef>
-        </p:style>
-        <p:txBody>
-          <a:bodyPr rtlCol="0" anchor="ctr"/>
-          <a:lstStyle/>
-          <a:p>
-            <a:pPr algn="ctr"/>
-            <a:endParaRPr kumimoji="1" lang="ja-JP" altLang="en-US"/>
-          </a:p>
-        </p:txBody>
-      </p:sp>
-      <p:sp>
-        <p:nvSpPr>
-          <p:cNvPr id="14" name="円/楕円 13"/>
-          <p:cNvSpPr/>
-          <p:nvPr/>
-        </p:nvSpPr>
-        <p:spPr>
-          <a:xfrm>
-            <a:off x="6510269" y="1298691"/>
-            <a:ext cx="399244" cy="373488"/>
-          </a:xfrm>
-          <a:prstGeom prst="ellipse">
-            <a:avLst/>
-          </a:prstGeom>
-          <a:solidFill>
-            <a:srgbClr val="FFFF00"/>
-          </a:solidFill>
-          <a:ln>
+            <a:ext cx="1925501" cy="4629955"/>
+            <a:chOff x="5885645" y="1171977"/>
+            <a:chExt cx="1925501" cy="4629955"/>
+          </a:xfrm>
+        </p:grpSpPr>
+        <p:sp>
+          <p:nvSpPr>
+            <p:cNvPr id="3" name="フリーフォーム 2"/>
+            <p:cNvSpPr/>
+            <p:nvPr/>
+          </p:nvSpPr>
+          <p:spPr>
+            <a:xfrm>
+              <a:off x="5885645" y="1171977"/>
+              <a:ext cx="1571223" cy="4340181"/>
+            </a:xfrm>
+            <a:custGeom>
+              <a:avLst/>
+              <a:gdLst>
+                <a:gd name="connsiteX0" fmla="*/ 0 w 1571223"/>
+                <a:gd name="connsiteY0" fmla="*/ 0 h 4340181"/>
+                <a:gd name="connsiteX1" fmla="*/ 785611 w 1571223"/>
+                <a:gd name="connsiteY1" fmla="*/ 270457 h 4340181"/>
+                <a:gd name="connsiteX2" fmla="*/ 1197735 w 1571223"/>
+                <a:gd name="connsiteY2" fmla="*/ 1081826 h 4340181"/>
+                <a:gd name="connsiteX3" fmla="*/ 1481070 w 1571223"/>
+                <a:gd name="connsiteY3" fmla="*/ 2369713 h 4340181"/>
+                <a:gd name="connsiteX4" fmla="*/ 1571223 w 1571223"/>
+                <a:gd name="connsiteY4" fmla="*/ 4340181 h 4340181"/>
+              </a:gdLst>
+              <a:ahLst/>
+              <a:cxnLst>
+                <a:cxn ang="0">
+                  <a:pos x="connsiteX0" y="connsiteY0"/>
+                </a:cxn>
+                <a:cxn ang="0">
+                  <a:pos x="connsiteX1" y="connsiteY1"/>
+                </a:cxn>
+                <a:cxn ang="0">
+                  <a:pos x="connsiteX2" y="connsiteY2"/>
+                </a:cxn>
+                <a:cxn ang="0">
+                  <a:pos x="connsiteX3" y="connsiteY3"/>
+                </a:cxn>
+                <a:cxn ang="0">
+                  <a:pos x="connsiteX4" y="connsiteY4"/>
+                </a:cxn>
+              </a:cxnLst>
+              <a:rect l="l" t="t" r="r" b="b"/>
+              <a:pathLst>
+                <a:path w="1571223" h="4340181">
+                  <a:moveTo>
+                    <a:pt x="0" y="0"/>
+                  </a:moveTo>
+                  <a:cubicBezTo>
+                    <a:pt x="292994" y="45076"/>
+                    <a:pt x="585989" y="90153"/>
+                    <a:pt x="785611" y="270457"/>
+                  </a:cubicBezTo>
+                  <a:cubicBezTo>
+                    <a:pt x="985233" y="450761"/>
+                    <a:pt x="1081825" y="731950"/>
+                    <a:pt x="1197735" y="1081826"/>
+                  </a:cubicBezTo>
+                  <a:cubicBezTo>
+                    <a:pt x="1313645" y="1431702"/>
+                    <a:pt x="1418822" y="1826654"/>
+                    <a:pt x="1481070" y="2369713"/>
+                  </a:cubicBezTo>
+                  <a:cubicBezTo>
+                    <a:pt x="1543318" y="2912772"/>
+                    <a:pt x="1562637" y="3958108"/>
+                    <a:pt x="1571223" y="4340181"/>
+                  </a:cubicBezTo>
+                </a:path>
+              </a:pathLst>
+            </a:custGeom>
+            <a:noFill/>
+          </p:spPr>
+          <p:style>
+            <a:lnRef idx="2">
+              <a:schemeClr val="accent1">
+                <a:shade val="50000"/>
+              </a:schemeClr>
+            </a:lnRef>
+            <a:fillRef idx="1">
+              <a:schemeClr val="accent1"/>
+            </a:fillRef>
+            <a:effectRef idx="0">
+              <a:schemeClr val="accent1"/>
+            </a:effectRef>
+            <a:fontRef idx="minor">
+              <a:schemeClr val="lt1"/>
+            </a:fontRef>
+          </p:style>
+          <p:txBody>
+            <a:bodyPr rtlCol="0" anchor="ctr"/>
+            <a:lstStyle/>
+            <a:p>
+              <a:pPr algn="ctr"/>
+              <a:endParaRPr kumimoji="1" lang="ja-JP" altLang="en-US"/>
+            </a:p>
+          </p:txBody>
+        </p:sp>
+        <p:sp>
+          <p:nvSpPr>
+            <p:cNvPr id="14" name="円/楕円 13"/>
+            <p:cNvSpPr/>
+            <p:nvPr/>
+          </p:nvSpPr>
+          <p:spPr>
+            <a:xfrm>
+              <a:off x="6510269" y="1298691"/>
+              <a:ext cx="399244" cy="373488"/>
+            </a:xfrm>
+            <a:prstGeom prst="ellipse">
+              <a:avLst/>
+            </a:prstGeom>
             <a:solidFill>
-              <a:schemeClr val="tx1"/>
+              <a:srgbClr val="FFFF00"/>
             </a:solidFill>
-          </a:ln>
-        </p:spPr>
-        <p:style>
-          <a:lnRef idx="2">
-            <a:schemeClr val="accent1">
-              <a:shade val="50000"/>
-            </a:schemeClr>
-          </a:lnRef>
-          <a:fillRef idx="1">
-            <a:schemeClr val="accent1"/>
-          </a:fillRef>
-          <a:effectRef idx="0">
-            <a:schemeClr val="accent1"/>
-          </a:effectRef>
-          <a:fontRef idx="minor">
-            <a:schemeClr val="lt1"/>
-          </a:fontRef>
-        </p:style>
-        <p:txBody>
-          <a:bodyPr rtlCol="0" anchor="ctr"/>
-          <a:lstStyle/>
-          <a:p>
-            <a:pPr algn="ctr"/>
-            <a:endParaRPr kumimoji="1" lang="ja-JP" altLang="en-US"/>
-          </a:p>
-        </p:txBody>
-      </p:sp>
-      <p:sp>
-        <p:nvSpPr>
-          <p:cNvPr id="6" name="爆発 1 5"/>
-          <p:cNvSpPr/>
-          <p:nvPr/>
-        </p:nvSpPr>
-        <p:spPr>
-          <a:xfrm>
-            <a:off x="7206712" y="5299656"/>
-            <a:ext cx="604434" cy="502276"/>
-          </a:xfrm>
-          <a:prstGeom prst="irregularSeal1">
-            <a:avLst/>
-          </a:prstGeom>
-        </p:spPr>
-        <p:style>
-          <a:lnRef idx="2">
-            <a:schemeClr val="accent1">
-              <a:shade val="50000"/>
-            </a:schemeClr>
-          </a:lnRef>
-          <a:fillRef idx="1">
-            <a:schemeClr val="accent1"/>
-          </a:fillRef>
-          <a:effectRef idx="0">
-            <a:schemeClr val="accent1"/>
-          </a:effectRef>
-          <a:fontRef idx="minor">
-            <a:schemeClr val="lt1"/>
-          </a:fontRef>
-        </p:style>
-        <p:txBody>
-          <a:bodyPr rtlCol="0" anchor="ctr"/>
-          <a:lstStyle/>
-          <a:p>
-            <a:pPr algn="ctr"/>
-            <a:endParaRPr kumimoji="1" lang="ja-JP" altLang="en-US"/>
-          </a:p>
-        </p:txBody>
-      </p:sp>
+            <a:ln>
+              <a:solidFill>
+                <a:schemeClr val="tx1"/>
+              </a:solidFill>
+            </a:ln>
+          </p:spPr>
+          <p:style>
+            <a:lnRef idx="2">
+              <a:schemeClr val="accent1">
+                <a:shade val="50000"/>
+              </a:schemeClr>
+            </a:lnRef>
+            <a:fillRef idx="1">
+              <a:schemeClr val="accent1"/>
+            </a:fillRef>
+            <a:effectRef idx="0">
+              <a:schemeClr val="accent1"/>
+            </a:effectRef>
+            <a:fontRef idx="minor">
+              <a:schemeClr val="lt1"/>
+            </a:fontRef>
+          </p:style>
+          <p:txBody>
+            <a:bodyPr rtlCol="0" anchor="ctr"/>
+            <a:lstStyle/>
+            <a:p>
+              <a:pPr algn="ctr"/>
+              <a:endParaRPr kumimoji="1" lang="ja-JP" altLang="en-US"/>
+            </a:p>
+          </p:txBody>
+        </p:sp>
+        <p:sp>
+          <p:nvSpPr>
+            <p:cNvPr id="6" name="爆発 1 5"/>
+            <p:cNvSpPr/>
+            <p:nvPr/>
+          </p:nvSpPr>
+          <p:spPr>
+            <a:xfrm>
+              <a:off x="7206712" y="5299656"/>
+              <a:ext cx="604434" cy="502276"/>
+            </a:xfrm>
+            <a:prstGeom prst="irregularSeal1">
+              <a:avLst/>
+            </a:prstGeom>
+          </p:spPr>
+          <p:style>
+            <a:lnRef idx="2">
+              <a:schemeClr val="accent1">
+                <a:shade val="50000"/>
+              </a:schemeClr>
+            </a:lnRef>
+            <a:fillRef idx="1">
+              <a:schemeClr val="accent1"/>
+            </a:fillRef>
+            <a:effectRef idx="0">
+              <a:schemeClr val="accent1"/>
+            </a:effectRef>
+            <a:fontRef idx="minor">
+              <a:schemeClr val="lt1"/>
+            </a:fontRef>
+          </p:style>
+          <p:txBody>
+            <a:bodyPr rtlCol="0" anchor="ctr"/>
+            <a:lstStyle/>
+            <a:p>
+              <a:pPr algn="ctr"/>
+              <a:endParaRPr kumimoji="1" lang="ja-JP" altLang="en-US"/>
+            </a:p>
+          </p:txBody>
+        </p:sp>
+      </p:grpSp>
       <p:cxnSp>
         <p:nvCxnSpPr>
           <p:cNvPr id="18" name="直線矢印コネクタ 17"/>
@@ -13774,1593 +13480,6 @@
 </file>
 
 <file path=ppt/slides/slide5.xml><?xml version="1.0" encoding="utf-8"?>
-<p:sld xmlns:a="http://schemas.openxmlformats.org/drawingml/2006/main" xmlns:r="http://schemas.openxmlformats.org/officeDocument/2006/relationships" xmlns:p="http://schemas.openxmlformats.org/presentationml/2006/main">
-  <p:cSld>
-    <p:spTree>
-      <p:nvGrpSpPr>
-        <p:cNvPr id="1" name=""/>
-        <p:cNvGrpSpPr/>
-        <p:nvPr/>
-      </p:nvGrpSpPr>
-      <p:grpSpPr>
-        <a:xfrm>
-          <a:off x="0" y="0"/>
-          <a:ext cx="0" cy="0"/>
-          <a:chOff x="0" y="0"/>
-          <a:chExt cx="0" cy="0"/>
-        </a:xfrm>
-      </p:grpSpPr>
-      <p:sp>
-        <p:nvSpPr>
-          <p:cNvPr id="6" name="正方形/長方形 5"/>
-          <p:cNvSpPr/>
-          <p:nvPr/>
-        </p:nvSpPr>
-        <p:spPr>
-          <a:xfrm>
-            <a:off x="487681" y="1558834"/>
-            <a:ext cx="1114697" cy="557348"/>
-          </a:xfrm>
-          <a:prstGeom prst="rect">
-            <a:avLst/>
-          </a:prstGeom>
-          <a:noFill/>
-          <a:ln w="19050"/>
-        </p:spPr>
-        <p:style>
-          <a:lnRef idx="2">
-            <a:schemeClr val="dk1">
-              <a:shade val="50000"/>
-            </a:schemeClr>
-          </a:lnRef>
-          <a:fillRef idx="1">
-            <a:schemeClr val="dk1"/>
-          </a:fillRef>
-          <a:effectRef idx="0">
-            <a:schemeClr val="dk1"/>
-          </a:effectRef>
-          <a:fontRef idx="minor">
-            <a:schemeClr val="lt1"/>
-          </a:fontRef>
-        </p:style>
-        <p:txBody>
-          <a:bodyPr rtlCol="0" anchor="ctr"/>
-          <a:lstStyle/>
-          <a:p>
-            <a:pPr algn="ctr"/>
-            <a:endParaRPr kumimoji="1" lang="ja-JP" altLang="en-US"/>
-          </a:p>
-        </p:txBody>
-      </p:sp>
-      <p:sp>
-        <p:nvSpPr>
-          <p:cNvPr id="7" name="テキスト ボックス 6"/>
-          <p:cNvSpPr txBox="1"/>
-          <p:nvPr/>
-        </p:nvSpPr>
-        <p:spPr>
-          <a:xfrm>
-            <a:off x="217715" y="1114697"/>
-            <a:ext cx="1789318" cy="338554"/>
-          </a:xfrm>
-          <a:prstGeom prst="rect">
-            <a:avLst/>
-          </a:prstGeom>
-          <a:noFill/>
-        </p:spPr>
-        <p:txBody>
-          <a:bodyPr wrap="square" rtlCol="0">
-            <a:spAutoFit/>
-          </a:bodyPr>
-          <a:lstStyle/>
-          <a:p>
-            <a:r>
-              <a:rPr lang="en-US" altLang="ja-JP" sz="1600" dirty="0" smtClean="0"/>
-              <a:t>(a)800nm</a:t>
-            </a:r>
-            <a:r>
-              <a:rPr lang="ja-JP" altLang="en-US" sz="1600" dirty="0" smtClean="0"/>
-              <a:t>レーザー</a:t>
-            </a:r>
-            <a:endParaRPr kumimoji="1" lang="en-US" altLang="ja-JP" sz="1600" dirty="0" smtClean="0"/>
-          </a:p>
-        </p:txBody>
-      </p:sp>
-      <p:sp>
-        <p:nvSpPr>
-          <p:cNvPr id="11" name="正方形/長方形 10"/>
-          <p:cNvSpPr/>
-          <p:nvPr/>
-        </p:nvSpPr>
-        <p:spPr>
-          <a:xfrm>
-            <a:off x="2709463" y="1558834"/>
-            <a:ext cx="94700" cy="557348"/>
-          </a:xfrm>
-          <a:prstGeom prst="rect">
-            <a:avLst/>
-          </a:prstGeom>
-          <a:noFill/>
-          <a:ln w="19050">
-            <a:solidFill>
-              <a:schemeClr val="tx1"/>
-            </a:solidFill>
-          </a:ln>
-        </p:spPr>
-        <p:style>
-          <a:lnRef idx="2">
-            <a:schemeClr val="accent1">
-              <a:shade val="50000"/>
-            </a:schemeClr>
-          </a:lnRef>
-          <a:fillRef idx="1">
-            <a:schemeClr val="accent1"/>
-          </a:fillRef>
-          <a:effectRef idx="0">
-            <a:schemeClr val="accent1"/>
-          </a:effectRef>
-          <a:fontRef idx="minor">
-            <a:schemeClr val="lt1"/>
-          </a:fontRef>
-        </p:style>
-        <p:txBody>
-          <a:bodyPr rtlCol="0" anchor="ctr"/>
-          <a:lstStyle/>
-          <a:p>
-            <a:pPr algn="ctr"/>
-            <a:endParaRPr kumimoji="1" lang="ja-JP" altLang="en-US"/>
-          </a:p>
-        </p:txBody>
-      </p:sp>
-      <p:sp>
-        <p:nvSpPr>
-          <p:cNvPr id="12" name="テキスト ボックス 11"/>
-          <p:cNvSpPr txBox="1"/>
-          <p:nvPr/>
-        </p:nvSpPr>
-        <p:spPr>
-          <a:xfrm>
-            <a:off x="2063935" y="1114697"/>
-            <a:ext cx="1374590" cy="338554"/>
-          </a:xfrm>
-          <a:prstGeom prst="rect">
-            <a:avLst/>
-          </a:prstGeom>
-          <a:noFill/>
-        </p:spPr>
-        <p:txBody>
-          <a:bodyPr wrap="square" rtlCol="0">
-            <a:spAutoFit/>
-          </a:bodyPr>
-          <a:lstStyle/>
-          <a:p>
-            <a:r>
-              <a:rPr lang="en-US" altLang="ja-JP" sz="1600" dirty="0" smtClean="0"/>
-              <a:t>(b)</a:t>
-            </a:r>
-            <a:r>
-              <a:rPr kumimoji="1" lang="en-US" altLang="ja-JP" sz="1600" dirty="0" smtClean="0"/>
-              <a:t>1/4</a:t>
-            </a:r>
-            <a:r>
-              <a:rPr kumimoji="1" lang="ja-JP" altLang="en-US" sz="1600" dirty="0" smtClean="0"/>
-              <a:t>波長板</a:t>
-            </a:r>
-            <a:endParaRPr kumimoji="1" lang="en-US" altLang="ja-JP" sz="1600" dirty="0" smtClean="0"/>
-          </a:p>
-        </p:txBody>
-      </p:sp>
-      <p:sp>
-        <p:nvSpPr>
-          <p:cNvPr id="13" name="正方形/長方形 12"/>
-          <p:cNvSpPr/>
-          <p:nvPr/>
-        </p:nvSpPr>
-        <p:spPr>
-          <a:xfrm>
-            <a:off x="3816548" y="1558833"/>
-            <a:ext cx="94700" cy="557348"/>
-          </a:xfrm>
-          <a:prstGeom prst="rect">
-            <a:avLst/>
-          </a:prstGeom>
-          <a:noFill/>
-          <a:ln w="19050">
-            <a:solidFill>
-              <a:schemeClr val="tx1"/>
-            </a:solidFill>
-          </a:ln>
-        </p:spPr>
-        <p:style>
-          <a:lnRef idx="2">
-            <a:schemeClr val="accent1">
-              <a:shade val="50000"/>
-            </a:schemeClr>
-          </a:lnRef>
-          <a:fillRef idx="1">
-            <a:schemeClr val="accent1"/>
-          </a:fillRef>
-          <a:effectRef idx="0">
-            <a:schemeClr val="accent1"/>
-          </a:effectRef>
-          <a:fontRef idx="minor">
-            <a:schemeClr val="lt1"/>
-          </a:fontRef>
-        </p:style>
-        <p:txBody>
-          <a:bodyPr rtlCol="0" anchor="ctr"/>
-          <a:lstStyle/>
-          <a:p>
-            <a:pPr algn="ctr"/>
-            <a:endParaRPr kumimoji="1" lang="ja-JP" altLang="en-US"/>
-          </a:p>
-        </p:txBody>
-      </p:sp>
-      <p:sp>
-        <p:nvSpPr>
-          <p:cNvPr id="14" name="テキスト ボックス 13"/>
-          <p:cNvSpPr txBox="1"/>
-          <p:nvPr/>
-        </p:nvSpPr>
-        <p:spPr>
-          <a:xfrm>
-            <a:off x="3241931" y="1125588"/>
-            <a:ext cx="1338634" cy="338554"/>
-          </a:xfrm>
-          <a:prstGeom prst="rect">
-            <a:avLst/>
-          </a:prstGeom>
-          <a:noFill/>
-        </p:spPr>
-        <p:txBody>
-          <a:bodyPr wrap="square" rtlCol="0">
-            <a:spAutoFit/>
-          </a:bodyPr>
-          <a:lstStyle/>
-          <a:p>
-            <a:r>
-              <a:rPr lang="en-US" altLang="ja-JP" sz="1600" dirty="0" smtClean="0"/>
-              <a:t>(c)</a:t>
-            </a:r>
-            <a:r>
-              <a:rPr kumimoji="1" lang="en-US" altLang="ja-JP" sz="1600" dirty="0" smtClean="0"/>
-              <a:t>fused silica</a:t>
-            </a:r>
-          </a:p>
-        </p:txBody>
-      </p:sp>
-      <p:cxnSp>
-        <p:nvCxnSpPr>
-          <p:cNvPr id="17" name="直線コネクタ 16"/>
-          <p:cNvCxnSpPr>
-            <a:stCxn id="6" idx="3"/>
-            <a:endCxn id="11" idx="1"/>
-          </p:cNvCxnSpPr>
-          <p:nvPr/>
-        </p:nvCxnSpPr>
-        <p:spPr>
-          <a:xfrm>
-            <a:off x="1602378" y="1837508"/>
-            <a:ext cx="1107085" cy="0"/>
-          </a:xfrm>
-          <a:prstGeom prst="line">
-            <a:avLst/>
-          </a:prstGeom>
-        </p:spPr>
-        <p:style>
-          <a:lnRef idx="1">
-            <a:schemeClr val="dk1"/>
-          </a:lnRef>
-          <a:fillRef idx="0">
-            <a:schemeClr val="dk1"/>
-          </a:fillRef>
-          <a:effectRef idx="0">
-            <a:schemeClr val="dk1"/>
-          </a:effectRef>
-          <a:fontRef idx="minor">
-            <a:schemeClr val="tx1"/>
-          </a:fontRef>
-        </p:style>
-      </p:cxnSp>
-      <p:cxnSp>
-        <p:nvCxnSpPr>
-          <p:cNvPr id="19" name="直線コネクタ 18"/>
-          <p:cNvCxnSpPr>
-            <a:stCxn id="11" idx="3"/>
-            <a:endCxn id="13" idx="1"/>
-          </p:cNvCxnSpPr>
-          <p:nvPr/>
-        </p:nvCxnSpPr>
-        <p:spPr>
-          <a:xfrm flipV="1">
-            <a:off x="2804163" y="1837507"/>
-            <a:ext cx="1012385" cy="1"/>
-          </a:xfrm>
-          <a:prstGeom prst="line">
-            <a:avLst/>
-          </a:prstGeom>
-        </p:spPr>
-        <p:style>
-          <a:lnRef idx="1">
-            <a:schemeClr val="dk1"/>
-          </a:lnRef>
-          <a:fillRef idx="0">
-            <a:schemeClr val="dk1"/>
-          </a:fillRef>
-          <a:effectRef idx="0">
-            <a:schemeClr val="dk1"/>
-          </a:effectRef>
-          <a:fontRef idx="minor">
-            <a:schemeClr val="tx1"/>
-          </a:fontRef>
-        </p:style>
-      </p:cxnSp>
-      <p:sp>
-        <p:nvSpPr>
-          <p:cNvPr id="20" name="正方形/長方形 19"/>
-          <p:cNvSpPr/>
-          <p:nvPr/>
-        </p:nvSpPr>
-        <p:spPr>
-          <a:xfrm>
-            <a:off x="4923633" y="1558833"/>
-            <a:ext cx="94700" cy="557348"/>
-          </a:xfrm>
-          <a:prstGeom prst="rect">
-            <a:avLst/>
-          </a:prstGeom>
-          <a:noFill/>
-          <a:ln w="19050">
-            <a:solidFill>
-              <a:schemeClr val="tx1"/>
-            </a:solidFill>
-          </a:ln>
-        </p:spPr>
-        <p:style>
-          <a:lnRef idx="2">
-            <a:schemeClr val="accent1">
-              <a:shade val="50000"/>
-            </a:schemeClr>
-          </a:lnRef>
-          <a:fillRef idx="1">
-            <a:schemeClr val="accent1"/>
-          </a:fillRef>
-          <a:effectRef idx="0">
-            <a:schemeClr val="accent1"/>
-          </a:effectRef>
-          <a:fontRef idx="minor">
-            <a:schemeClr val="lt1"/>
-          </a:fontRef>
-        </p:style>
-        <p:txBody>
-          <a:bodyPr rtlCol="0" anchor="ctr"/>
-          <a:lstStyle/>
-          <a:p>
-            <a:pPr algn="ctr"/>
-            <a:endParaRPr kumimoji="1" lang="ja-JP" altLang="en-US"/>
-          </a:p>
-        </p:txBody>
-      </p:sp>
-      <p:cxnSp>
-        <p:nvCxnSpPr>
-          <p:cNvPr id="22" name="直線コネクタ 21"/>
-          <p:cNvCxnSpPr>
-            <a:stCxn id="13" idx="3"/>
-            <a:endCxn id="20" idx="1"/>
-          </p:cNvCxnSpPr>
-          <p:nvPr/>
-        </p:nvCxnSpPr>
-        <p:spPr>
-          <a:xfrm>
-            <a:off x="3911248" y="1837507"/>
-            <a:ext cx="1012385" cy="0"/>
-          </a:xfrm>
-          <a:prstGeom prst="line">
-            <a:avLst/>
-          </a:prstGeom>
-        </p:spPr>
-        <p:style>
-          <a:lnRef idx="1">
-            <a:schemeClr val="dk1"/>
-          </a:lnRef>
-          <a:fillRef idx="0">
-            <a:schemeClr val="dk1"/>
-          </a:fillRef>
-          <a:effectRef idx="0">
-            <a:schemeClr val="dk1"/>
-          </a:effectRef>
-          <a:fontRef idx="minor">
-            <a:schemeClr val="tx1"/>
-          </a:fontRef>
-        </p:style>
-      </p:cxnSp>
-      <p:sp>
-        <p:nvSpPr>
-          <p:cNvPr id="23" name="テキスト ボックス 22"/>
-          <p:cNvSpPr txBox="1"/>
-          <p:nvPr/>
-        </p:nvSpPr>
-        <p:spPr>
-          <a:xfrm>
-            <a:off x="4249472" y="868476"/>
-            <a:ext cx="1443024" cy="584775"/>
-          </a:xfrm>
-          <a:prstGeom prst="rect">
-            <a:avLst/>
-          </a:prstGeom>
-          <a:noFill/>
-        </p:spPr>
-        <p:txBody>
-          <a:bodyPr wrap="none" rtlCol="0">
-            <a:spAutoFit/>
-          </a:bodyPr>
-          <a:lstStyle/>
-          <a:p>
-            <a:pPr algn="ctr"/>
-            <a:r>
-              <a:rPr lang="en-US" altLang="ja-JP" sz="1600" dirty="0" smtClean="0"/>
-              <a:t>(d)</a:t>
-            </a:r>
-            <a:r>
-              <a:rPr kumimoji="1" lang="ja-JP" altLang="en-US" sz="1600" dirty="0" smtClean="0"/>
-              <a:t>非線形結晶</a:t>
-            </a:r>
-            <a:endParaRPr kumimoji="1" lang="en-US" altLang="ja-JP" sz="1600" dirty="0" smtClean="0"/>
-          </a:p>
-          <a:p>
-            <a:pPr algn="ctr"/>
-            <a:r>
-              <a:rPr kumimoji="1" lang="en-US" altLang="ja-JP" sz="1600" dirty="0" smtClean="0"/>
-              <a:t>(BBO)</a:t>
-            </a:r>
-            <a:endParaRPr kumimoji="1" lang="ja-JP" altLang="en-US" sz="1600" dirty="0"/>
-          </a:p>
-        </p:txBody>
-      </p:sp>
-      <p:sp>
-        <p:nvSpPr>
-          <p:cNvPr id="24" name="正方形/長方形 23"/>
-          <p:cNvSpPr/>
-          <p:nvPr/>
-        </p:nvSpPr>
-        <p:spPr>
-          <a:xfrm>
-            <a:off x="6030718" y="1558833"/>
-            <a:ext cx="94700" cy="557348"/>
-          </a:xfrm>
-          <a:prstGeom prst="rect">
-            <a:avLst/>
-          </a:prstGeom>
-          <a:noFill/>
-          <a:ln w="19050">
-            <a:solidFill>
-              <a:schemeClr val="tx1"/>
-            </a:solidFill>
-          </a:ln>
-        </p:spPr>
-        <p:style>
-          <a:lnRef idx="2">
-            <a:schemeClr val="accent1">
-              <a:shade val="50000"/>
-            </a:schemeClr>
-          </a:lnRef>
-          <a:fillRef idx="1">
-            <a:schemeClr val="accent1"/>
-          </a:fillRef>
-          <a:effectRef idx="0">
-            <a:schemeClr val="accent1"/>
-          </a:effectRef>
-          <a:fontRef idx="minor">
-            <a:schemeClr val="lt1"/>
-          </a:fontRef>
-        </p:style>
-        <p:txBody>
-          <a:bodyPr rtlCol="0" anchor="ctr"/>
-          <a:lstStyle/>
-          <a:p>
-            <a:pPr algn="ctr"/>
-            <a:endParaRPr kumimoji="1" lang="ja-JP" altLang="en-US"/>
-          </a:p>
-        </p:txBody>
-      </p:sp>
-      <p:sp>
-        <p:nvSpPr>
-          <p:cNvPr id="26" name="テキスト ボックス 25"/>
-          <p:cNvSpPr txBox="1"/>
-          <p:nvPr/>
-        </p:nvSpPr>
-        <p:spPr>
-          <a:xfrm>
-            <a:off x="6895271" y="1110864"/>
-            <a:ext cx="1553403" cy="338554"/>
-          </a:xfrm>
-          <a:prstGeom prst="rect">
-            <a:avLst/>
-          </a:prstGeom>
-          <a:noFill/>
-        </p:spPr>
-        <p:txBody>
-          <a:bodyPr wrap="square" rtlCol="0">
-            <a:spAutoFit/>
-          </a:bodyPr>
-          <a:lstStyle/>
-          <a:p>
-            <a:r>
-              <a:rPr lang="en-US" altLang="ja-JP" sz="1600" dirty="0" smtClean="0"/>
-              <a:t>(f)</a:t>
-            </a:r>
-            <a:r>
-              <a:rPr lang="ja-JP" altLang="en-US" sz="1600" dirty="0"/>
-              <a:t>クリプトン</a:t>
-            </a:r>
-            <a:r>
-              <a:rPr lang="ja-JP" altLang="en-US" sz="1600" dirty="0" smtClean="0"/>
-              <a:t>ガス</a:t>
-            </a:r>
-            <a:endParaRPr kumimoji="1" lang="en-US" altLang="ja-JP" sz="1600" dirty="0" smtClean="0"/>
-          </a:p>
-        </p:txBody>
-      </p:sp>
-      <p:cxnSp>
-        <p:nvCxnSpPr>
-          <p:cNvPr id="28" name="直線コネクタ 27"/>
-          <p:cNvCxnSpPr>
-            <a:stCxn id="20" idx="3"/>
-            <a:endCxn id="24" idx="1"/>
-          </p:cNvCxnSpPr>
-          <p:nvPr/>
-        </p:nvCxnSpPr>
-        <p:spPr>
-          <a:xfrm>
-            <a:off x="5018333" y="1837507"/>
-            <a:ext cx="1012385" cy="0"/>
-          </a:xfrm>
-          <a:prstGeom prst="line">
-            <a:avLst/>
-          </a:prstGeom>
-        </p:spPr>
-        <p:style>
-          <a:lnRef idx="1">
-            <a:schemeClr val="dk1"/>
-          </a:lnRef>
-          <a:fillRef idx="0">
-            <a:schemeClr val="dk1"/>
-          </a:fillRef>
-          <a:effectRef idx="0">
-            <a:schemeClr val="dk1"/>
-          </a:effectRef>
-          <a:fontRef idx="minor">
-            <a:schemeClr val="tx1"/>
-          </a:fontRef>
-        </p:style>
-      </p:cxnSp>
-      <p:cxnSp>
-        <p:nvCxnSpPr>
-          <p:cNvPr id="38" name="直線コネクタ 37"/>
-          <p:cNvCxnSpPr>
-            <a:stCxn id="24" idx="3"/>
-          </p:cNvCxnSpPr>
-          <p:nvPr/>
-        </p:nvCxnSpPr>
-        <p:spPr>
-          <a:xfrm>
-            <a:off x="6125418" y="1837507"/>
-            <a:ext cx="1012385" cy="0"/>
-          </a:xfrm>
-          <a:prstGeom prst="line">
-            <a:avLst/>
-          </a:prstGeom>
-        </p:spPr>
-        <p:style>
-          <a:lnRef idx="1">
-            <a:schemeClr val="dk1"/>
-          </a:lnRef>
-          <a:fillRef idx="0">
-            <a:schemeClr val="dk1"/>
-          </a:fillRef>
-          <a:effectRef idx="0">
-            <a:schemeClr val="dk1"/>
-          </a:effectRef>
-          <a:fontRef idx="minor">
-            <a:schemeClr val="tx1"/>
-          </a:fontRef>
-        </p:style>
-      </p:cxnSp>
-      <p:sp>
-        <p:nvSpPr>
-          <p:cNvPr id="39" name="円/楕円 38"/>
-          <p:cNvSpPr/>
-          <p:nvPr/>
-        </p:nvSpPr>
-        <p:spPr>
-          <a:xfrm>
-            <a:off x="7137803" y="1676398"/>
-            <a:ext cx="393193" cy="322217"/>
-          </a:xfrm>
-          <a:prstGeom prst="ellipse">
-            <a:avLst/>
-          </a:prstGeom>
-          <a:noFill/>
-          <a:ln w="19050">
-            <a:solidFill>
-              <a:schemeClr val="tx1"/>
-            </a:solidFill>
-          </a:ln>
-        </p:spPr>
-        <p:style>
-          <a:lnRef idx="2">
-            <a:schemeClr val="accent4">
-              <a:shade val="50000"/>
-            </a:schemeClr>
-          </a:lnRef>
-          <a:fillRef idx="1">
-            <a:schemeClr val="accent4"/>
-          </a:fillRef>
-          <a:effectRef idx="0">
-            <a:schemeClr val="accent4"/>
-          </a:effectRef>
-          <a:fontRef idx="minor">
-            <a:schemeClr val="lt1"/>
-          </a:fontRef>
-        </p:style>
-        <p:txBody>
-          <a:bodyPr rtlCol="0" anchor="ctr"/>
-          <a:lstStyle/>
-          <a:p>
-            <a:pPr algn="ctr"/>
-            <a:endParaRPr kumimoji="1" lang="ja-JP" altLang="en-US"/>
-          </a:p>
-        </p:txBody>
-      </p:sp>
-      <p:sp>
-        <p:nvSpPr>
-          <p:cNvPr id="40" name="テキスト ボックス 39"/>
-          <p:cNvSpPr txBox="1"/>
-          <p:nvPr/>
-        </p:nvSpPr>
-        <p:spPr>
-          <a:xfrm>
-            <a:off x="5712527" y="1110864"/>
-            <a:ext cx="1326447" cy="338554"/>
-          </a:xfrm>
-          <a:prstGeom prst="rect">
-            <a:avLst/>
-          </a:prstGeom>
-          <a:noFill/>
-        </p:spPr>
-        <p:txBody>
-          <a:bodyPr wrap="square" rtlCol="0">
-            <a:spAutoFit/>
-          </a:bodyPr>
-          <a:lstStyle/>
-          <a:p>
-            <a:r>
-              <a:rPr lang="en-US" altLang="ja-JP" sz="1600" dirty="0" smtClean="0"/>
-              <a:t>(e)</a:t>
-            </a:r>
-            <a:r>
-              <a:rPr kumimoji="1" lang="ja-JP" altLang="en-US" sz="1600" dirty="0" smtClean="0"/>
-              <a:t>カルサイト</a:t>
-            </a:r>
-            <a:endParaRPr kumimoji="1" lang="en-US" altLang="ja-JP" sz="1600" dirty="0" smtClean="0"/>
-          </a:p>
-        </p:txBody>
-      </p:sp>
-      <p:sp>
-        <p:nvSpPr>
-          <p:cNvPr id="42" name="円/楕円 41"/>
-          <p:cNvSpPr/>
-          <p:nvPr/>
-        </p:nvSpPr>
-        <p:spPr>
-          <a:xfrm>
-            <a:off x="8816756" y="2358814"/>
-            <a:ext cx="393193" cy="322217"/>
-          </a:xfrm>
-          <a:prstGeom prst="ellipse">
-            <a:avLst/>
-          </a:prstGeom>
-          <a:noFill/>
-          <a:ln w="19050">
-            <a:solidFill>
-              <a:schemeClr val="tx1"/>
-            </a:solidFill>
-          </a:ln>
-        </p:spPr>
-        <p:style>
-          <a:lnRef idx="2">
-            <a:schemeClr val="accent4">
-              <a:shade val="50000"/>
-            </a:schemeClr>
-          </a:lnRef>
-          <a:fillRef idx="1">
-            <a:schemeClr val="accent4"/>
-          </a:fillRef>
-          <a:effectRef idx="0">
-            <a:schemeClr val="accent4"/>
-          </a:effectRef>
-          <a:fontRef idx="minor">
-            <a:schemeClr val="lt1"/>
-          </a:fontRef>
-        </p:style>
-        <p:txBody>
-          <a:bodyPr rtlCol="0" anchor="ctr"/>
-          <a:lstStyle/>
-          <a:p>
-            <a:pPr algn="ctr"/>
-            <a:endParaRPr kumimoji="1" lang="ja-JP" altLang="en-US"/>
-          </a:p>
-        </p:txBody>
-      </p:sp>
-      <p:sp>
-        <p:nvSpPr>
-          <p:cNvPr id="43" name="テキスト ボックス 42"/>
-          <p:cNvSpPr txBox="1"/>
-          <p:nvPr/>
-        </p:nvSpPr>
-        <p:spPr>
-          <a:xfrm>
-            <a:off x="8220806" y="2795322"/>
-            <a:ext cx="1585092" cy="338554"/>
-          </a:xfrm>
-          <a:prstGeom prst="rect">
-            <a:avLst/>
-          </a:prstGeom>
-          <a:noFill/>
-        </p:spPr>
-        <p:txBody>
-          <a:bodyPr wrap="square" rtlCol="0">
-            <a:spAutoFit/>
-          </a:bodyPr>
-          <a:lstStyle/>
-          <a:p>
-            <a:r>
-              <a:rPr lang="en-US" altLang="ja-JP" sz="1600" dirty="0" smtClean="0"/>
-              <a:t>(h)</a:t>
-            </a:r>
-            <a:r>
-              <a:rPr kumimoji="1" lang="en-US" altLang="ja-JP" sz="1600" dirty="0" smtClean="0"/>
-              <a:t> </a:t>
-            </a:r>
-            <a:r>
-              <a:rPr kumimoji="1" lang="ja-JP" altLang="en-US" sz="1600" dirty="0" smtClean="0"/>
-              <a:t>アルゴンガス</a:t>
-            </a:r>
-            <a:endParaRPr kumimoji="1" lang="en-US" altLang="ja-JP" sz="1600" dirty="0" smtClean="0"/>
-          </a:p>
-        </p:txBody>
-      </p:sp>
-      <p:cxnSp>
-        <p:nvCxnSpPr>
-          <p:cNvPr id="45" name="直線コネクタ 44"/>
-          <p:cNvCxnSpPr>
-            <a:stCxn id="39" idx="6"/>
-            <a:endCxn id="42" idx="2"/>
-          </p:cNvCxnSpPr>
-          <p:nvPr/>
-        </p:nvCxnSpPr>
-        <p:spPr>
-          <a:xfrm>
-            <a:off x="7530996" y="1837507"/>
-            <a:ext cx="1285760" cy="682416"/>
-          </a:xfrm>
-          <a:prstGeom prst="line">
-            <a:avLst/>
-          </a:prstGeom>
-          <a:ln w="9525"/>
-        </p:spPr>
-        <p:style>
-          <a:lnRef idx="1">
-            <a:schemeClr val="dk1"/>
-          </a:lnRef>
-          <a:fillRef idx="0">
-            <a:schemeClr val="dk1"/>
-          </a:fillRef>
-          <a:effectRef idx="0">
-            <a:schemeClr val="dk1"/>
-          </a:effectRef>
-          <a:fontRef idx="minor">
-            <a:schemeClr val="tx1"/>
-          </a:fontRef>
-        </p:style>
-      </p:cxnSp>
-      <p:sp>
-        <p:nvSpPr>
-          <p:cNvPr id="47" name="正方形/長方形 46"/>
-          <p:cNvSpPr/>
-          <p:nvPr/>
-        </p:nvSpPr>
-        <p:spPr>
-          <a:xfrm rot="20159151">
-            <a:off x="6426628" y="3146605"/>
-            <a:ext cx="1114697" cy="557348"/>
-          </a:xfrm>
-          <a:prstGeom prst="rect">
-            <a:avLst/>
-          </a:prstGeom>
-          <a:noFill/>
-          <a:ln w="19050"/>
-        </p:spPr>
-        <p:style>
-          <a:lnRef idx="2">
-            <a:schemeClr val="dk1">
-              <a:shade val="50000"/>
-            </a:schemeClr>
-          </a:lnRef>
-          <a:fillRef idx="1">
-            <a:schemeClr val="dk1"/>
-          </a:fillRef>
-          <a:effectRef idx="0">
-            <a:schemeClr val="dk1"/>
-          </a:effectRef>
-          <a:fontRef idx="minor">
-            <a:schemeClr val="lt1"/>
-          </a:fontRef>
-        </p:style>
-        <p:txBody>
-          <a:bodyPr rtlCol="0" anchor="ctr"/>
-          <a:lstStyle/>
-          <a:p>
-            <a:pPr algn="ctr"/>
-            <a:endParaRPr kumimoji="1" lang="ja-JP" altLang="en-US"/>
-          </a:p>
-        </p:txBody>
-      </p:sp>
-      <p:cxnSp>
-        <p:nvCxnSpPr>
-          <p:cNvPr id="50" name="直線コネクタ 49"/>
-          <p:cNvCxnSpPr>
-            <a:stCxn id="47" idx="3"/>
-            <a:endCxn id="42" idx="2"/>
-          </p:cNvCxnSpPr>
-          <p:nvPr/>
-        </p:nvCxnSpPr>
-        <p:spPr>
-          <a:xfrm flipV="1">
-            <a:off x="7493084" y="2519923"/>
-            <a:ext cx="1323672" cy="678536"/>
-          </a:xfrm>
-          <a:prstGeom prst="line">
-            <a:avLst/>
-          </a:prstGeom>
-        </p:spPr>
-        <p:style>
-          <a:lnRef idx="1">
-            <a:schemeClr val="dk1"/>
-          </a:lnRef>
-          <a:fillRef idx="0">
-            <a:schemeClr val="dk1"/>
-          </a:fillRef>
-          <a:effectRef idx="0">
-            <a:schemeClr val="dk1"/>
-          </a:effectRef>
-          <a:fontRef idx="minor">
-            <a:schemeClr val="tx1"/>
-          </a:fontRef>
-        </p:style>
-      </p:cxnSp>
-      <p:sp>
-        <p:nvSpPr>
-          <p:cNvPr id="51" name="テキスト ボックス 50"/>
-          <p:cNvSpPr txBox="1"/>
-          <p:nvPr/>
-        </p:nvSpPr>
-        <p:spPr>
-          <a:xfrm>
-            <a:off x="6275654" y="3966302"/>
-            <a:ext cx="1799612" cy="338554"/>
-          </a:xfrm>
-          <a:prstGeom prst="rect">
-            <a:avLst/>
-          </a:prstGeom>
-          <a:noFill/>
-        </p:spPr>
-        <p:txBody>
-          <a:bodyPr wrap="square" rtlCol="0">
-            <a:spAutoFit/>
-          </a:bodyPr>
-          <a:lstStyle/>
-          <a:p>
-            <a:r>
-              <a:rPr lang="en-US" altLang="ja-JP" sz="1600" dirty="0" smtClean="0"/>
-              <a:t>(g)</a:t>
-            </a:r>
-            <a:r>
-              <a:rPr lang="en-US" altLang="ja-JP" sz="1600" dirty="0"/>
-              <a:t>8</a:t>
-            </a:r>
-            <a:r>
-              <a:rPr lang="en-US" altLang="ja-JP" sz="1600" dirty="0" smtClean="0"/>
-              <a:t>00nm</a:t>
-            </a:r>
-            <a:r>
-              <a:rPr lang="ja-JP" altLang="en-US" sz="1600" dirty="0" smtClean="0"/>
-              <a:t>レーザー</a:t>
-            </a:r>
-            <a:endParaRPr kumimoji="1" lang="en-US" altLang="ja-JP" sz="1600" dirty="0" smtClean="0"/>
-          </a:p>
-        </p:txBody>
-      </p:sp>
-      <p:sp>
-        <p:nvSpPr>
-          <p:cNvPr id="52" name="正方形/長方形 51"/>
-          <p:cNvSpPr/>
-          <p:nvPr/>
-        </p:nvSpPr>
-        <p:spPr>
-          <a:xfrm>
-            <a:off x="10423383" y="2107131"/>
-            <a:ext cx="857735" cy="825582"/>
-          </a:xfrm>
-          <a:prstGeom prst="rect">
-            <a:avLst/>
-          </a:prstGeom>
-          <a:noFill/>
-          <a:ln>
-            <a:solidFill>
-              <a:schemeClr val="tx1"/>
-            </a:solidFill>
-          </a:ln>
-        </p:spPr>
-        <p:style>
-          <a:lnRef idx="2">
-            <a:schemeClr val="accent1">
-              <a:shade val="50000"/>
-            </a:schemeClr>
-          </a:lnRef>
-          <a:fillRef idx="1">
-            <a:schemeClr val="accent1"/>
-          </a:fillRef>
-          <a:effectRef idx="0">
-            <a:schemeClr val="accent1"/>
-          </a:effectRef>
-          <a:fontRef idx="minor">
-            <a:schemeClr val="lt1"/>
-          </a:fontRef>
-        </p:style>
-        <p:txBody>
-          <a:bodyPr rtlCol="0" anchor="ctr"/>
-          <a:lstStyle/>
-          <a:p>
-            <a:pPr algn="ctr"/>
-            <a:endParaRPr kumimoji="1" lang="ja-JP" altLang="en-US"/>
-          </a:p>
-        </p:txBody>
-      </p:sp>
-      <p:cxnSp>
-        <p:nvCxnSpPr>
-          <p:cNvPr id="83" name="直線コネクタ 82"/>
-          <p:cNvCxnSpPr>
-            <a:stCxn id="42" idx="6"/>
-            <a:endCxn id="52" idx="1"/>
-          </p:cNvCxnSpPr>
-          <p:nvPr/>
-        </p:nvCxnSpPr>
-        <p:spPr>
-          <a:xfrm flipV="1">
-            <a:off x="9209949" y="2519922"/>
-            <a:ext cx="1213434" cy="1"/>
-          </a:xfrm>
-          <a:prstGeom prst="line">
-            <a:avLst/>
-          </a:prstGeom>
-        </p:spPr>
-        <p:style>
-          <a:lnRef idx="1">
-            <a:schemeClr val="dk1"/>
-          </a:lnRef>
-          <a:fillRef idx="0">
-            <a:schemeClr val="dk1"/>
-          </a:fillRef>
-          <a:effectRef idx="0">
-            <a:schemeClr val="dk1"/>
-          </a:effectRef>
-          <a:fontRef idx="minor">
-            <a:schemeClr val="tx1"/>
-          </a:fontRef>
-        </p:style>
-      </p:cxnSp>
-      <p:sp>
-        <p:nvSpPr>
-          <p:cNvPr id="93" name="左中かっこ 92"/>
-          <p:cNvSpPr/>
-          <p:nvPr/>
-        </p:nvSpPr>
-        <p:spPr>
-          <a:xfrm rot="5400000">
-            <a:off x="3811698" y="-2927034"/>
-            <a:ext cx="409303" cy="7520803"/>
-          </a:xfrm>
-          <a:prstGeom prst="leftBrace">
-            <a:avLst/>
-          </a:prstGeom>
-        </p:spPr>
-        <p:style>
-          <a:lnRef idx="1">
-            <a:schemeClr val="dk1"/>
-          </a:lnRef>
-          <a:fillRef idx="0">
-            <a:schemeClr val="dk1"/>
-          </a:fillRef>
-          <a:effectRef idx="0">
-            <a:schemeClr val="dk1"/>
-          </a:effectRef>
-          <a:fontRef idx="minor">
-            <a:schemeClr val="tx1"/>
-          </a:fontRef>
-        </p:style>
-        <p:txBody>
-          <a:bodyPr rtlCol="0" anchor="ctr"/>
-          <a:lstStyle/>
-          <a:p>
-            <a:pPr algn="ctr"/>
-            <a:endParaRPr kumimoji="1" lang="ja-JP" altLang="en-US"/>
-          </a:p>
-        </p:txBody>
-      </p:sp>
-      <p:sp>
-        <p:nvSpPr>
-          <p:cNvPr id="94" name="テキスト ボックス 93"/>
-          <p:cNvSpPr txBox="1"/>
-          <p:nvPr/>
-        </p:nvSpPr>
-        <p:spPr>
-          <a:xfrm>
-            <a:off x="2875527" y="77837"/>
-            <a:ext cx="2281647" cy="338554"/>
-          </a:xfrm>
-          <a:prstGeom prst="rect">
-            <a:avLst/>
-          </a:prstGeom>
-          <a:noFill/>
-        </p:spPr>
-        <p:txBody>
-          <a:bodyPr wrap="square" rtlCol="0">
-            <a:spAutoFit/>
-          </a:bodyPr>
-          <a:lstStyle/>
-          <a:p>
-            <a:r>
-              <a:rPr lang="ja-JP" altLang="en-US" sz="1600" dirty="0"/>
-              <a:t>高次</a:t>
-            </a:r>
-            <a:r>
-              <a:rPr lang="ja-JP" altLang="en-US" sz="1600" dirty="0" smtClean="0"/>
-              <a:t>高調波の発生機構</a:t>
-            </a:r>
-            <a:endParaRPr kumimoji="1" lang="en-US" altLang="ja-JP" sz="1600" dirty="0" smtClean="0"/>
-          </a:p>
-        </p:txBody>
-      </p:sp>
-      <p:sp>
-        <p:nvSpPr>
-          <p:cNvPr id="95" name="テキスト ボックス 94"/>
-          <p:cNvSpPr txBox="1"/>
-          <p:nvPr/>
-        </p:nvSpPr>
-        <p:spPr>
-          <a:xfrm>
-            <a:off x="9449302" y="3176227"/>
-            <a:ext cx="2805895" cy="338554"/>
-          </a:xfrm>
-          <a:prstGeom prst="rect">
-            <a:avLst/>
-          </a:prstGeom>
-          <a:noFill/>
-        </p:spPr>
-        <p:txBody>
-          <a:bodyPr wrap="square" rtlCol="0">
-            <a:spAutoFit/>
-          </a:bodyPr>
-          <a:lstStyle/>
-          <a:p>
-            <a:r>
-              <a:rPr lang="en-US" altLang="ja-JP" sz="1600" dirty="0" smtClean="0"/>
-              <a:t>(</a:t>
-            </a:r>
-            <a:r>
-              <a:rPr lang="en-US" altLang="ja-JP" sz="1600" dirty="0" err="1" smtClean="0"/>
-              <a:t>i</a:t>
-            </a:r>
-            <a:r>
-              <a:rPr lang="en-US" altLang="ja-JP" sz="1600" dirty="0" smtClean="0"/>
-              <a:t>)</a:t>
-            </a:r>
-            <a:r>
-              <a:rPr lang="ja-JP" altLang="en-US" sz="1600" dirty="0" smtClean="0"/>
-              <a:t>マイクロチャンネルプレート</a:t>
-            </a:r>
-            <a:endParaRPr kumimoji="1" lang="en-US" altLang="ja-JP" sz="1600" dirty="0" smtClean="0"/>
-          </a:p>
-        </p:txBody>
-      </p:sp>
-      <p:sp>
-        <p:nvSpPr>
-          <p:cNvPr id="96" name="左中かっこ 95"/>
-          <p:cNvSpPr/>
-          <p:nvPr/>
-        </p:nvSpPr>
-        <p:spPr>
-          <a:xfrm rot="16200000">
-            <a:off x="8892916" y="1705185"/>
-            <a:ext cx="501426" cy="5656304"/>
-          </a:xfrm>
-          <a:prstGeom prst="leftBrace">
-            <a:avLst/>
-          </a:prstGeom>
-        </p:spPr>
-        <p:style>
-          <a:lnRef idx="1">
-            <a:schemeClr val="dk1"/>
-          </a:lnRef>
-          <a:fillRef idx="0">
-            <a:schemeClr val="dk1"/>
-          </a:fillRef>
-          <a:effectRef idx="0">
-            <a:schemeClr val="dk1"/>
-          </a:effectRef>
-          <a:fontRef idx="minor">
-            <a:schemeClr val="tx1"/>
-          </a:fontRef>
-        </p:style>
-        <p:txBody>
-          <a:bodyPr rtlCol="0" anchor="ctr"/>
-          <a:lstStyle/>
-          <a:p>
-            <a:pPr algn="ctr"/>
-            <a:endParaRPr kumimoji="1" lang="ja-JP" altLang="en-US"/>
-          </a:p>
-        </p:txBody>
-      </p:sp>
-      <p:sp>
-        <p:nvSpPr>
-          <p:cNvPr id="97" name="テキスト ボックス 96"/>
-          <p:cNvSpPr txBox="1"/>
-          <p:nvPr/>
-        </p:nvSpPr>
-        <p:spPr>
-          <a:xfrm>
-            <a:off x="8075266" y="4931094"/>
-            <a:ext cx="2136725" cy="338554"/>
-          </a:xfrm>
-          <a:prstGeom prst="rect">
-            <a:avLst/>
-          </a:prstGeom>
-          <a:noFill/>
-        </p:spPr>
-        <p:txBody>
-          <a:bodyPr wrap="square" rtlCol="0">
-            <a:spAutoFit/>
-          </a:bodyPr>
-          <a:lstStyle/>
-          <a:p>
-            <a:r>
-              <a:rPr kumimoji="1" lang="ja-JP" altLang="en-US" sz="1600" dirty="0" smtClean="0"/>
-              <a:t>信号強度の測定機構</a:t>
-            </a:r>
-            <a:endParaRPr kumimoji="1" lang="en-US" altLang="ja-JP" sz="1600" dirty="0" smtClean="0"/>
-          </a:p>
-        </p:txBody>
-      </p:sp>
-      <p:cxnSp>
-        <p:nvCxnSpPr>
-          <p:cNvPr id="3" name="直線矢印コネクタ 2"/>
-          <p:cNvCxnSpPr>
-            <a:stCxn id="5" idx="6"/>
-          </p:cNvCxnSpPr>
-          <p:nvPr/>
-        </p:nvCxnSpPr>
-        <p:spPr>
-          <a:xfrm>
-            <a:off x="761578" y="3914836"/>
-            <a:ext cx="674229" cy="0"/>
-          </a:xfrm>
-          <a:prstGeom prst="straightConnector1">
-            <a:avLst/>
-          </a:prstGeom>
-          <a:ln>
-            <a:tailEnd type="triangle"/>
-          </a:ln>
-        </p:spPr>
-        <p:style>
-          <a:lnRef idx="1">
-            <a:schemeClr val="dk1"/>
-          </a:lnRef>
-          <a:fillRef idx="0">
-            <a:schemeClr val="dk1"/>
-          </a:fillRef>
-          <a:effectRef idx="0">
-            <a:schemeClr val="dk1"/>
-          </a:effectRef>
-          <a:fontRef idx="minor">
-            <a:schemeClr val="tx1"/>
-          </a:fontRef>
-        </p:style>
-      </p:cxnSp>
-      <p:cxnSp>
-        <p:nvCxnSpPr>
-          <p:cNvPr id="36" name="直線矢印コネクタ 35"/>
-          <p:cNvCxnSpPr>
-            <a:stCxn id="5" idx="0"/>
-          </p:cNvCxnSpPr>
-          <p:nvPr/>
-        </p:nvCxnSpPr>
-        <p:spPr>
-          <a:xfrm flipV="1">
-            <a:off x="664556" y="3133876"/>
-            <a:ext cx="0" cy="683938"/>
-          </a:xfrm>
-          <a:prstGeom prst="straightConnector1">
-            <a:avLst/>
-          </a:prstGeom>
-          <a:ln>
-            <a:tailEnd type="triangle"/>
-          </a:ln>
-        </p:spPr>
-        <p:style>
-          <a:lnRef idx="1">
-            <a:schemeClr val="dk1"/>
-          </a:lnRef>
-          <a:fillRef idx="0">
-            <a:schemeClr val="dk1"/>
-          </a:fillRef>
-          <a:effectRef idx="0">
-            <a:schemeClr val="dk1"/>
-          </a:effectRef>
-          <a:fontRef idx="minor">
-            <a:schemeClr val="tx1"/>
-          </a:fontRef>
-        </p:style>
-      </p:cxnSp>
-      <p:sp>
-        <p:nvSpPr>
-          <p:cNvPr id="5" name="円/楕円 4"/>
-          <p:cNvSpPr/>
-          <p:nvPr/>
-        </p:nvSpPr>
-        <p:spPr>
-          <a:xfrm>
-            <a:off x="567534" y="3817814"/>
-            <a:ext cx="194044" cy="194044"/>
-          </a:xfrm>
-          <a:prstGeom prst="ellipse">
-            <a:avLst/>
-          </a:prstGeom>
-          <a:solidFill>
-            <a:schemeClr val="bg1"/>
-          </a:solidFill>
-        </p:spPr>
-        <p:style>
-          <a:lnRef idx="2">
-            <a:schemeClr val="dk1">
-              <a:shade val="50000"/>
-            </a:schemeClr>
-          </a:lnRef>
-          <a:fillRef idx="1">
-            <a:schemeClr val="dk1"/>
-          </a:fillRef>
-          <a:effectRef idx="0">
-            <a:schemeClr val="dk1"/>
-          </a:effectRef>
-          <a:fontRef idx="minor">
-            <a:schemeClr val="lt1"/>
-          </a:fontRef>
-        </p:style>
-        <p:txBody>
-          <a:bodyPr rtlCol="0" anchor="ctr"/>
-          <a:lstStyle/>
-          <a:p>
-            <a:pPr algn="ctr"/>
-            <a:endParaRPr kumimoji="1" lang="ja-JP" altLang="en-US"/>
-          </a:p>
-        </p:txBody>
-      </p:sp>
-      <p:sp>
-        <p:nvSpPr>
-          <p:cNvPr id="16" name="円/楕円 15"/>
-          <p:cNvSpPr/>
-          <p:nvPr/>
-        </p:nvSpPr>
-        <p:spPr>
-          <a:xfrm>
-            <a:off x="616045" y="3866325"/>
-            <a:ext cx="97022" cy="97022"/>
-          </a:xfrm>
-          <a:prstGeom prst="ellipse">
-            <a:avLst/>
-          </a:prstGeom>
-        </p:spPr>
-        <p:style>
-          <a:lnRef idx="2">
-            <a:schemeClr val="dk1">
-              <a:shade val="50000"/>
-            </a:schemeClr>
-          </a:lnRef>
-          <a:fillRef idx="1">
-            <a:schemeClr val="dk1"/>
-          </a:fillRef>
-          <a:effectRef idx="0">
-            <a:schemeClr val="dk1"/>
-          </a:effectRef>
-          <a:fontRef idx="minor">
-            <a:schemeClr val="lt1"/>
-          </a:fontRef>
-        </p:style>
-        <p:txBody>
-          <a:bodyPr rtlCol="0" anchor="ctr"/>
-          <a:lstStyle/>
-          <a:p>
-            <a:pPr algn="ctr"/>
-            <a:endParaRPr kumimoji="1" lang="ja-JP" altLang="en-US"/>
-          </a:p>
-        </p:txBody>
-      </p:sp>
-      <mc:AlternateContent xmlns:mc="http://schemas.openxmlformats.org/markup-compatibility/2006" xmlns:a14="http://schemas.microsoft.com/office/drawing/2010/main">
-        <mc:Choice Requires="a14">
-          <p:sp>
-            <p:nvSpPr>
-              <p:cNvPr id="21" name="テキスト ボックス 20"/>
-              <p:cNvSpPr txBox="1"/>
-              <p:nvPr/>
-            </p:nvSpPr>
-            <p:spPr>
-              <a:xfrm>
-                <a:off x="1476042" y="3701135"/>
-                <a:ext cx="353750" cy="369332"/>
-              </a:xfrm>
-              <a:prstGeom prst="rect">
-                <a:avLst/>
-              </a:prstGeom>
-              <a:noFill/>
-            </p:spPr>
-            <p:txBody>
-              <a:bodyPr wrap="none" rtlCol="0">
-                <a:spAutoFit/>
-              </a:bodyPr>
-              <a:lstStyle/>
-              <a:p>
-                <a:pPr/>
-                <a14:m>
-                  <m:oMathPara xmlns:m="http://schemas.openxmlformats.org/officeDocument/2006/math">
-                    <m:oMathParaPr>
-                      <m:jc m:val="centerGroup"/>
-                    </m:oMathParaPr>
-                    <m:oMath xmlns:m="http://schemas.openxmlformats.org/officeDocument/2006/math">
-                      <m:r>
-                        <a:rPr kumimoji="1" lang="en-US" altLang="ja-JP" b="0" i="1" smtClean="0">
-                          <a:latin typeface="Cambria Math" panose="02040503050406030204" pitchFamily="18" charset="0"/>
-                        </a:rPr>
-                        <m:t>𝑧</m:t>
-                      </m:r>
-                    </m:oMath>
-                  </m:oMathPara>
-                </a14:m>
-                <a:endParaRPr kumimoji="1" lang="ja-JP" altLang="en-US" dirty="0"/>
-              </a:p>
-            </p:txBody>
-          </p:sp>
-        </mc:Choice>
-        <mc:Fallback xmlns="">
-          <p:sp>
-            <p:nvSpPr>
-              <p:cNvPr id="21" name="テキスト ボックス 20"/>
-              <p:cNvSpPr txBox="1">
-                <a:spLocks noRot="1" noChangeAspect="1" noMove="1" noResize="1" noEditPoints="1" noAdjustHandles="1" noChangeArrowheads="1" noChangeShapeType="1" noTextEdit="1"/>
-              </p:cNvSpPr>
-              <p:nvPr/>
-            </p:nvSpPr>
-            <p:spPr>
-              <a:xfrm>
-                <a:off x="1476042" y="3701135"/>
-                <a:ext cx="353750" cy="369332"/>
-              </a:xfrm>
-              <a:prstGeom prst="rect">
-                <a:avLst/>
-              </a:prstGeom>
-              <a:blipFill rotWithShape="0">
-                <a:blip r:embed="rId2"/>
-                <a:stretch>
-                  <a:fillRect/>
-                </a:stretch>
-              </a:blipFill>
-            </p:spPr>
-            <p:txBody>
-              <a:bodyPr/>
-              <a:lstStyle/>
-              <a:p>
-                <a:r>
-                  <a:rPr lang="ja-JP" altLang="en-US">
-                    <a:noFill/>
-                  </a:rPr>
-                  <a:t> </a:t>
-                </a:r>
-              </a:p>
-            </p:txBody>
-          </p:sp>
-        </mc:Fallback>
-      </mc:AlternateContent>
-      <mc:AlternateContent xmlns:mc="http://schemas.openxmlformats.org/markup-compatibility/2006" xmlns:a14="http://schemas.microsoft.com/office/drawing/2010/main">
-        <mc:Choice Requires="a14">
-          <p:sp>
-            <p:nvSpPr>
-              <p:cNvPr id="46" name="テキスト ボックス 45"/>
-              <p:cNvSpPr txBox="1"/>
-              <p:nvPr/>
-            </p:nvSpPr>
-            <p:spPr>
-              <a:xfrm>
-                <a:off x="487681" y="2748047"/>
-                <a:ext cx="367986" cy="369332"/>
-              </a:xfrm>
-              <a:prstGeom prst="rect">
-                <a:avLst/>
-              </a:prstGeom>
-              <a:noFill/>
-            </p:spPr>
-            <p:txBody>
-              <a:bodyPr wrap="none" rtlCol="0">
-                <a:spAutoFit/>
-              </a:bodyPr>
-              <a:lstStyle/>
-              <a:p>
-                <a:pPr/>
-                <a14:m>
-                  <m:oMathPara xmlns:m="http://schemas.openxmlformats.org/officeDocument/2006/math">
-                    <m:oMathParaPr>
-                      <m:jc m:val="centerGroup"/>
-                    </m:oMathParaPr>
-                    <m:oMath xmlns:m="http://schemas.openxmlformats.org/officeDocument/2006/math">
-                      <m:r>
-                        <a:rPr kumimoji="1" lang="en-US" altLang="ja-JP" b="0" i="1" smtClean="0">
-                          <a:latin typeface="Cambria Math" panose="02040503050406030204" pitchFamily="18" charset="0"/>
-                        </a:rPr>
-                        <m:t>𝑥</m:t>
-                      </m:r>
-                    </m:oMath>
-                  </m:oMathPara>
-                </a14:m>
-                <a:endParaRPr kumimoji="1" lang="ja-JP" altLang="en-US" dirty="0"/>
-              </a:p>
-            </p:txBody>
-          </p:sp>
-        </mc:Choice>
-        <mc:Fallback xmlns="">
-          <p:sp>
-            <p:nvSpPr>
-              <p:cNvPr id="46" name="テキスト ボックス 45"/>
-              <p:cNvSpPr txBox="1">
-                <a:spLocks noRot="1" noChangeAspect="1" noMove="1" noResize="1" noEditPoints="1" noAdjustHandles="1" noChangeArrowheads="1" noChangeShapeType="1" noTextEdit="1"/>
-              </p:cNvSpPr>
-              <p:nvPr/>
-            </p:nvSpPr>
-            <p:spPr>
-              <a:xfrm>
-                <a:off x="487681" y="2748047"/>
-                <a:ext cx="367986" cy="369332"/>
-              </a:xfrm>
-              <a:prstGeom prst="rect">
-                <a:avLst/>
-              </a:prstGeom>
-              <a:blipFill rotWithShape="0">
-                <a:blip r:embed="rId3"/>
-                <a:stretch>
-                  <a:fillRect/>
-                </a:stretch>
-              </a:blipFill>
-            </p:spPr>
-            <p:txBody>
-              <a:bodyPr/>
-              <a:lstStyle/>
-              <a:p>
-                <a:r>
-                  <a:rPr lang="ja-JP" altLang="en-US">
-                    <a:noFill/>
-                  </a:rPr>
-                  <a:t> </a:t>
-                </a:r>
-              </a:p>
-            </p:txBody>
-          </p:sp>
-        </mc:Fallback>
-      </mc:AlternateContent>
-      <mc:AlternateContent xmlns:mc="http://schemas.openxmlformats.org/markup-compatibility/2006" xmlns:a14="http://schemas.microsoft.com/office/drawing/2010/main">
-        <mc:Choice Requires="a14">
-          <p:sp>
-            <p:nvSpPr>
-              <p:cNvPr id="48" name="テキスト ボックス 47"/>
-              <p:cNvSpPr txBox="1"/>
-              <p:nvPr/>
-            </p:nvSpPr>
-            <p:spPr>
-              <a:xfrm>
-                <a:off x="324916" y="3914836"/>
-                <a:ext cx="371384" cy="369332"/>
-              </a:xfrm>
-              <a:prstGeom prst="rect">
-                <a:avLst/>
-              </a:prstGeom>
-              <a:noFill/>
-            </p:spPr>
-            <p:txBody>
-              <a:bodyPr wrap="none" rtlCol="0">
-                <a:spAutoFit/>
-              </a:bodyPr>
-              <a:lstStyle/>
-              <a:p>
-                <a:pPr/>
-                <a14:m>
-                  <m:oMathPara xmlns:m="http://schemas.openxmlformats.org/officeDocument/2006/math">
-                    <m:oMathParaPr>
-                      <m:jc m:val="centerGroup"/>
-                    </m:oMathParaPr>
-                    <m:oMath xmlns:m="http://schemas.openxmlformats.org/officeDocument/2006/math">
-                      <m:r>
-                        <a:rPr kumimoji="1" lang="en-US" altLang="ja-JP" b="0" i="1" smtClean="0">
-                          <a:latin typeface="Cambria Math" panose="02040503050406030204" pitchFamily="18" charset="0"/>
-                        </a:rPr>
-                        <m:t>𝑦</m:t>
-                      </m:r>
-                    </m:oMath>
-                  </m:oMathPara>
-                </a14:m>
-                <a:endParaRPr kumimoji="1" lang="ja-JP" altLang="en-US" dirty="0"/>
-              </a:p>
-            </p:txBody>
-          </p:sp>
-        </mc:Choice>
-        <mc:Fallback xmlns="">
-          <p:sp>
-            <p:nvSpPr>
-              <p:cNvPr id="48" name="テキスト ボックス 47"/>
-              <p:cNvSpPr txBox="1">
-                <a:spLocks noRot="1" noChangeAspect="1" noMove="1" noResize="1" noEditPoints="1" noAdjustHandles="1" noChangeArrowheads="1" noChangeShapeType="1" noTextEdit="1"/>
-              </p:cNvSpPr>
-              <p:nvPr/>
-            </p:nvSpPr>
-            <p:spPr>
-              <a:xfrm>
-                <a:off x="324916" y="3914836"/>
-                <a:ext cx="371384" cy="369332"/>
-              </a:xfrm>
-              <a:prstGeom prst="rect">
-                <a:avLst/>
-              </a:prstGeom>
-              <a:blipFill rotWithShape="0">
-                <a:blip r:embed="rId4"/>
-                <a:stretch>
-                  <a:fillRect b="-6557"/>
-                </a:stretch>
-              </a:blipFill>
-            </p:spPr>
-            <p:txBody>
-              <a:bodyPr/>
-              <a:lstStyle/>
-              <a:p>
-                <a:r>
-                  <a:rPr lang="ja-JP" altLang="en-US">
-                    <a:noFill/>
-                  </a:rPr>
-                  <a:t> </a:t>
-                </a:r>
-              </a:p>
-            </p:txBody>
-          </p:sp>
-        </mc:Fallback>
-      </mc:AlternateContent>
-    </p:spTree>
-    <p:extLst>
-      <p:ext uri="{BB962C8B-B14F-4D97-AF65-F5344CB8AC3E}">
-        <p14:creationId xmlns:p14="http://schemas.microsoft.com/office/powerpoint/2010/main" val="1371781242"/>
-      </p:ext>
-    </p:extLst>
-  </p:cSld>
-  <p:clrMapOvr>
-    <a:masterClrMapping/>
-  </p:clrMapOvr>
-</p:sld>
-</file>
-
-<file path=ppt/slides/slide6.xml><?xml version="1.0" encoding="utf-8"?>
 <p:sld xmlns:a="http://schemas.openxmlformats.org/drawingml/2006/main" xmlns:r="http://schemas.openxmlformats.org/officeDocument/2006/relationships" xmlns:p="http://schemas.openxmlformats.org/presentationml/2006/main">
   <p:cSld>
     <p:spTree>
@@ -17673,6 +15792,340 @@
           </p:style>
         </p:cxnSp>
       </p:grpSp>
+      <p:cxnSp>
+        <p:nvCxnSpPr>
+          <p:cNvPr id="8" name="直線コネクタ 7"/>
+          <p:cNvCxnSpPr/>
+          <p:nvPr/>
+        </p:nvCxnSpPr>
+        <p:spPr>
+          <a:xfrm>
+            <a:off x="2856202" y="6006170"/>
+            <a:ext cx="2648679" cy="0"/>
+          </a:xfrm>
+          <a:prstGeom prst="line">
+            <a:avLst/>
+          </a:prstGeom>
+        </p:spPr>
+        <p:style>
+          <a:lnRef idx="1">
+            <a:schemeClr val="dk1"/>
+          </a:lnRef>
+          <a:fillRef idx="0">
+            <a:schemeClr val="dk1"/>
+          </a:fillRef>
+          <a:effectRef idx="0">
+            <a:schemeClr val="dk1"/>
+          </a:effectRef>
+          <a:fontRef idx="minor">
+            <a:schemeClr val="tx1"/>
+          </a:fontRef>
+        </p:style>
+      </p:cxnSp>
+      <p:sp>
+        <p:nvSpPr>
+          <p:cNvPr id="9" name="正方形/長方形 8"/>
+          <p:cNvSpPr/>
+          <p:nvPr/>
+        </p:nvSpPr>
+        <p:spPr>
+          <a:xfrm>
+            <a:off x="2592633" y="4911237"/>
+            <a:ext cx="9599367" cy="1946763"/>
+          </a:xfrm>
+          <a:prstGeom prst="rect">
+            <a:avLst/>
+          </a:prstGeom>
+          <a:noFill/>
+        </p:spPr>
+        <p:style>
+          <a:lnRef idx="2">
+            <a:schemeClr val="accent1">
+              <a:shade val="50000"/>
+            </a:schemeClr>
+          </a:lnRef>
+          <a:fillRef idx="1">
+            <a:schemeClr val="accent1"/>
+          </a:fillRef>
+          <a:effectRef idx="0">
+            <a:schemeClr val="accent1"/>
+          </a:effectRef>
+          <a:fontRef idx="minor">
+            <a:schemeClr val="lt1"/>
+          </a:fontRef>
+        </p:style>
+        <p:txBody>
+          <a:bodyPr rtlCol="0" anchor="ctr"/>
+          <a:lstStyle/>
+          <a:p>
+            <a:pPr algn="ctr"/>
+            <a:endParaRPr kumimoji="1" lang="ja-JP" altLang="en-US"/>
+          </a:p>
+        </p:txBody>
+      </p:sp>
+      <p:sp>
+        <p:nvSpPr>
+          <p:cNvPr id="15" name="正方形/長方形 14"/>
+          <p:cNvSpPr/>
+          <p:nvPr/>
+        </p:nvSpPr>
+        <p:spPr>
+          <a:xfrm>
+            <a:off x="5504881" y="5596867"/>
+            <a:ext cx="261257" cy="818606"/>
+          </a:xfrm>
+          <a:prstGeom prst="rect">
+            <a:avLst/>
+          </a:prstGeom>
+          <a:noFill/>
+          <a:ln>
+            <a:solidFill>
+              <a:schemeClr val="tx1"/>
+            </a:solidFill>
+          </a:ln>
+        </p:spPr>
+        <p:style>
+          <a:lnRef idx="2">
+            <a:schemeClr val="accent1">
+              <a:shade val="50000"/>
+            </a:schemeClr>
+          </a:lnRef>
+          <a:fillRef idx="1">
+            <a:schemeClr val="accent1"/>
+          </a:fillRef>
+          <a:effectRef idx="0">
+            <a:schemeClr val="accent1"/>
+          </a:effectRef>
+          <a:fontRef idx="minor">
+            <a:schemeClr val="lt1"/>
+          </a:fontRef>
+        </p:style>
+        <p:txBody>
+          <a:bodyPr rtlCol="0" anchor="ctr"/>
+          <a:lstStyle/>
+          <a:p>
+            <a:pPr algn="ctr"/>
+            <a:endParaRPr kumimoji="1" lang="ja-JP" altLang="en-US"/>
+          </a:p>
+        </p:txBody>
+      </p:sp>
+      <p:sp>
+        <p:nvSpPr>
+          <p:cNvPr id="66" name="テキスト ボックス 65"/>
+          <p:cNvSpPr txBox="1"/>
+          <p:nvPr/>
+        </p:nvSpPr>
+        <p:spPr>
+          <a:xfrm>
+            <a:off x="4896884" y="4964683"/>
+            <a:ext cx="1572301" cy="437172"/>
+          </a:xfrm>
+          <a:prstGeom prst="rect">
+            <a:avLst/>
+          </a:prstGeom>
+          <a:noFill/>
+        </p:spPr>
+        <p:txBody>
+          <a:bodyPr wrap="square" rtlCol="0">
+            <a:spAutoFit/>
+          </a:bodyPr>
+          <a:lstStyle/>
+          <a:p>
+            <a:r>
+              <a:rPr lang="en-US" altLang="ja-JP" dirty="0" smtClean="0"/>
+              <a:t>(c)</a:t>
+            </a:r>
+            <a:r>
+              <a:rPr kumimoji="1" lang="en-US" altLang="ja-JP" dirty="0" smtClean="0"/>
+              <a:t>fused silica</a:t>
+            </a:r>
+          </a:p>
+        </p:txBody>
+      </p:sp>
+      <p:cxnSp>
+        <p:nvCxnSpPr>
+          <p:cNvPr id="67" name="直線コネクタ 66"/>
+          <p:cNvCxnSpPr/>
+          <p:nvPr/>
+        </p:nvCxnSpPr>
+        <p:spPr>
+          <a:xfrm>
+            <a:off x="6467850" y="5984195"/>
+            <a:ext cx="2648679" cy="0"/>
+          </a:xfrm>
+          <a:prstGeom prst="line">
+            <a:avLst/>
+          </a:prstGeom>
+        </p:spPr>
+        <p:style>
+          <a:lnRef idx="1">
+            <a:schemeClr val="dk1"/>
+          </a:lnRef>
+          <a:fillRef idx="0">
+            <a:schemeClr val="dk1"/>
+          </a:fillRef>
+          <a:effectRef idx="0">
+            <a:schemeClr val="dk1"/>
+          </a:effectRef>
+          <a:fontRef idx="minor">
+            <a:schemeClr val="tx1"/>
+          </a:fontRef>
+        </p:style>
+      </p:cxnSp>
+      <p:sp>
+        <p:nvSpPr>
+          <p:cNvPr id="68" name="正方形/長方形 67"/>
+          <p:cNvSpPr/>
+          <p:nvPr/>
+        </p:nvSpPr>
+        <p:spPr>
+          <a:xfrm rot="2827466">
+            <a:off x="9128103" y="5631948"/>
+            <a:ext cx="261257" cy="818606"/>
+          </a:xfrm>
+          <a:prstGeom prst="rect">
+            <a:avLst/>
+          </a:prstGeom>
+          <a:noFill/>
+          <a:ln>
+            <a:solidFill>
+              <a:schemeClr val="tx1"/>
+            </a:solidFill>
+          </a:ln>
+        </p:spPr>
+        <p:style>
+          <a:lnRef idx="2">
+            <a:schemeClr val="accent1">
+              <a:shade val="50000"/>
+            </a:schemeClr>
+          </a:lnRef>
+          <a:fillRef idx="1">
+            <a:schemeClr val="accent1"/>
+          </a:fillRef>
+          <a:effectRef idx="0">
+            <a:schemeClr val="accent1"/>
+          </a:effectRef>
+          <a:fontRef idx="minor">
+            <a:schemeClr val="lt1"/>
+          </a:fontRef>
+        </p:style>
+        <p:txBody>
+          <a:bodyPr rtlCol="0" anchor="ctr"/>
+          <a:lstStyle/>
+          <a:p>
+            <a:pPr algn="ctr"/>
+            <a:endParaRPr kumimoji="1" lang="ja-JP" altLang="en-US"/>
+          </a:p>
+        </p:txBody>
+      </p:sp>
+      <p:cxnSp>
+        <p:nvCxnSpPr>
+          <p:cNvPr id="32" name="直線コネクタ 31"/>
+          <p:cNvCxnSpPr>
+            <a:stCxn id="15" idx="1"/>
+            <a:endCxn id="15" idx="3"/>
+          </p:cNvCxnSpPr>
+          <p:nvPr/>
+        </p:nvCxnSpPr>
+        <p:spPr>
+          <a:xfrm>
+            <a:off x="5504881" y="6006170"/>
+            <a:ext cx="261257" cy="0"/>
+          </a:xfrm>
+          <a:prstGeom prst="line">
+            <a:avLst/>
+          </a:prstGeom>
+          <a:ln>
+            <a:solidFill>
+              <a:srgbClr val="FF0000"/>
+            </a:solidFill>
+          </a:ln>
+        </p:spPr>
+        <p:style>
+          <a:lnRef idx="1">
+            <a:schemeClr val="accent2"/>
+          </a:lnRef>
+          <a:fillRef idx="0">
+            <a:schemeClr val="accent2"/>
+          </a:fillRef>
+          <a:effectRef idx="0">
+            <a:schemeClr val="accent2"/>
+          </a:effectRef>
+          <a:fontRef idx="minor">
+            <a:schemeClr val="tx1"/>
+          </a:fontRef>
+        </p:style>
+      </p:cxnSp>
+      <p:cxnSp>
+        <p:nvCxnSpPr>
+          <p:cNvPr id="75" name="直線コネクタ 74"/>
+          <p:cNvCxnSpPr/>
+          <p:nvPr/>
+        </p:nvCxnSpPr>
+        <p:spPr>
+          <a:xfrm>
+            <a:off x="9143927" y="5981451"/>
+            <a:ext cx="375814" cy="0"/>
+          </a:xfrm>
+          <a:prstGeom prst="line">
+            <a:avLst/>
+          </a:prstGeom>
+          <a:ln>
+            <a:solidFill>
+              <a:srgbClr val="FF0000"/>
+            </a:solidFill>
+          </a:ln>
+        </p:spPr>
+        <p:style>
+          <a:lnRef idx="1">
+            <a:schemeClr val="accent2"/>
+          </a:lnRef>
+          <a:fillRef idx="0">
+            <a:schemeClr val="accent2"/>
+          </a:fillRef>
+          <a:effectRef idx="0">
+            <a:schemeClr val="accent2"/>
+          </a:effectRef>
+          <a:fontRef idx="minor">
+            <a:schemeClr val="tx1"/>
+          </a:fontRef>
+        </p:style>
+      </p:cxnSp>
+      <p:sp>
+        <p:nvSpPr>
+          <p:cNvPr id="35" name="テキスト ボックス 34"/>
+          <p:cNvSpPr txBox="1"/>
+          <p:nvPr/>
+        </p:nvSpPr>
+        <p:spPr>
+          <a:xfrm>
+            <a:off x="6028876" y="6441451"/>
+            <a:ext cx="1758815" cy="369332"/>
+          </a:xfrm>
+          <a:prstGeom prst="rect">
+            <a:avLst/>
+          </a:prstGeom>
+          <a:solidFill>
+            <a:schemeClr val="accent1">
+              <a:lumMod val="20000"/>
+              <a:lumOff val="80000"/>
+            </a:schemeClr>
+          </a:solidFill>
+        </p:spPr>
+        <p:txBody>
+          <a:bodyPr wrap="none" rtlCol="0">
+            <a:spAutoFit/>
+          </a:bodyPr>
+          <a:lstStyle/>
+          <a:p>
+            <a:r>
+              <a:rPr kumimoji="1" lang="ja-JP" altLang="en-US" dirty="0" smtClean="0"/>
+              <a:t>光路長が伸びる</a:t>
+            </a:r>
+            <a:endParaRPr kumimoji="1" lang="ja-JP" altLang="en-US" dirty="0"/>
+          </a:p>
+        </p:txBody>
+      </p:sp>
     </p:spTree>
     <p:extLst>
       <p:ext uri="{BB962C8B-B14F-4D97-AF65-F5344CB8AC3E}">
@@ -17686,7 +16139,7 @@
 </p:sld>
 </file>
 
-<file path=ppt/slides/slide7.xml><?xml version="1.0" encoding="utf-8"?>
+<file path=ppt/slides/slide6.xml><?xml version="1.0" encoding="utf-8"?>
 <p:sld xmlns:a="http://schemas.openxmlformats.org/drawingml/2006/main" xmlns:r="http://schemas.openxmlformats.org/officeDocument/2006/relationships" xmlns:p="http://schemas.openxmlformats.org/presentationml/2006/main">
   <p:cSld>
     <p:spTree>
@@ -18479,7 +16932,7 @@
 </p:sld>
 </file>
 
-<file path=ppt/slides/slide8.xml><?xml version="1.0" encoding="utf-8"?>
+<file path=ppt/slides/slide7.xml><?xml version="1.0" encoding="utf-8"?>
 <p:sld xmlns:a="http://schemas.openxmlformats.org/drawingml/2006/main" xmlns:r="http://schemas.openxmlformats.org/officeDocument/2006/relationships" xmlns:p="http://schemas.openxmlformats.org/presentationml/2006/main">
   <p:cSld>
     <p:spTree>
@@ -19587,7 +18040,7 @@
 </p:sld>
 </file>
 
-<file path=ppt/slides/slide9.xml><?xml version="1.0" encoding="utf-8"?>
+<file path=ppt/slides/slide8.xml><?xml version="1.0" encoding="utf-8"?>
 <p:sld xmlns:a="http://schemas.openxmlformats.org/drawingml/2006/main" xmlns:r="http://schemas.openxmlformats.org/officeDocument/2006/relationships" xmlns:p="http://schemas.openxmlformats.org/presentationml/2006/main">
   <p:cSld>
     <p:spTree>
@@ -20423,6 +18876,370 @@
     <p:extLst>
       <p:ext uri="{BB962C8B-B14F-4D97-AF65-F5344CB8AC3E}">
         <p14:creationId xmlns:p14="http://schemas.microsoft.com/office/powerpoint/2010/main" val="1649182891"/>
+      </p:ext>
+    </p:extLst>
+  </p:cSld>
+  <p:clrMapOvr>
+    <a:masterClrMapping/>
+  </p:clrMapOvr>
+</p:sld>
+</file>
+
+<file path=ppt/slides/slide9.xml><?xml version="1.0" encoding="utf-8"?>
+<p:sld xmlns:a="http://schemas.openxmlformats.org/drawingml/2006/main" xmlns:r="http://schemas.openxmlformats.org/officeDocument/2006/relationships" xmlns:p="http://schemas.openxmlformats.org/presentationml/2006/main">
+  <p:cSld>
+    <p:spTree>
+      <p:nvGrpSpPr>
+        <p:cNvPr id="1" name=""/>
+        <p:cNvGrpSpPr/>
+        <p:nvPr/>
+      </p:nvGrpSpPr>
+      <p:grpSpPr>
+        <a:xfrm>
+          <a:off x="0" y="0"/>
+          <a:ext cx="0" cy="0"/>
+          <a:chOff x="0" y="0"/>
+          <a:chExt cx="0" cy="0"/>
+        </a:xfrm>
+      </p:grpSpPr>
+      <p:pic>
+        <p:nvPicPr>
+          <p:cNvPr id="4" name="コンテンツ プレースホルダー 3"/>
+          <p:cNvPicPr>
+            <a:picLocks noGrp="1" noChangeAspect="1"/>
+          </p:cNvPicPr>
+          <p:nvPr>
+            <p:ph idx="1"/>
+          </p:nvPr>
+        </p:nvPicPr>
+        <p:blipFill>
+          <a:blip r:embed="rId3">
+            <a:extLst>
+              <a:ext uri="{28A0092B-C50C-407E-A947-70E740481C1C}">
+                <a14:useLocalDpi xmlns:a14="http://schemas.microsoft.com/office/drawing/2010/main" val="0"/>
+              </a:ext>
+            </a:extLst>
+          </a:blip>
+          <a:stretch>
+            <a:fillRect/>
+          </a:stretch>
+        </p:blipFill>
+        <p:spPr>
+          <a:xfrm>
+            <a:off x="3214938" y="1285694"/>
+            <a:ext cx="4351338" cy="4351338"/>
+          </a:xfrm>
+        </p:spPr>
+      </p:pic>
+      <p:cxnSp>
+        <p:nvCxnSpPr>
+          <p:cNvPr id="6" name="直線矢印コネクタ 5"/>
+          <p:cNvCxnSpPr/>
+          <p:nvPr/>
+        </p:nvCxnSpPr>
+        <p:spPr>
+          <a:xfrm>
+            <a:off x="3213463" y="966651"/>
+            <a:ext cx="4380411" cy="26126"/>
+          </a:xfrm>
+          <a:prstGeom prst="straightConnector1">
+            <a:avLst/>
+          </a:prstGeom>
+          <a:ln>
+            <a:tailEnd type="triangle"/>
+          </a:ln>
+        </p:spPr>
+        <p:style>
+          <a:lnRef idx="1">
+            <a:schemeClr val="dk1"/>
+          </a:lnRef>
+          <a:fillRef idx="0">
+            <a:schemeClr val="dk1"/>
+          </a:fillRef>
+          <a:effectRef idx="0">
+            <a:schemeClr val="dk1"/>
+          </a:effectRef>
+          <a:fontRef idx="minor">
+            <a:schemeClr val="tx1"/>
+          </a:fontRef>
+        </p:style>
+      </p:cxnSp>
+      <p:cxnSp>
+        <p:nvCxnSpPr>
+          <p:cNvPr id="8" name="直線矢印コネクタ 7"/>
+          <p:cNvCxnSpPr/>
+          <p:nvPr/>
+        </p:nvCxnSpPr>
+        <p:spPr>
+          <a:xfrm flipH="1">
+            <a:off x="2856106" y="1285694"/>
+            <a:ext cx="16318" cy="4351338"/>
+          </a:xfrm>
+          <a:prstGeom prst="straightConnector1">
+            <a:avLst/>
+          </a:prstGeom>
+          <a:ln>
+            <a:tailEnd type="triangle"/>
+          </a:ln>
+        </p:spPr>
+        <p:style>
+          <a:lnRef idx="1">
+            <a:schemeClr val="dk1"/>
+          </a:lnRef>
+          <a:fillRef idx="0">
+            <a:schemeClr val="dk1"/>
+          </a:fillRef>
+          <a:effectRef idx="0">
+            <a:schemeClr val="dk1"/>
+          </a:effectRef>
+          <a:fontRef idx="minor">
+            <a:schemeClr val="tx1"/>
+          </a:fontRef>
+        </p:style>
+      </p:cxnSp>
+      <mc:AlternateContent xmlns:mc="http://schemas.openxmlformats.org/markup-compatibility/2006" xmlns:a14="http://schemas.microsoft.com/office/drawing/2010/main">
+        <mc:Choice Requires="a14">
+          <p:sp>
+            <p:nvSpPr>
+              <p:cNvPr id="13" name="テキスト ボックス 12"/>
+              <p:cNvSpPr txBox="1"/>
+              <p:nvPr/>
+            </p:nvSpPr>
+            <p:spPr>
+              <a:xfrm>
+                <a:off x="7498080" y="705394"/>
+                <a:ext cx="367985" cy="369332"/>
+              </a:xfrm>
+              <a:prstGeom prst="rect">
+                <a:avLst/>
+              </a:prstGeom>
+              <a:noFill/>
+            </p:spPr>
+            <p:txBody>
+              <a:bodyPr wrap="none" rtlCol="0">
+                <a:spAutoFit/>
+              </a:bodyPr>
+              <a:lstStyle/>
+              <a:p>
+                <a:pPr/>
+                <a14:m>
+                  <m:oMathPara xmlns:m="http://schemas.openxmlformats.org/officeDocument/2006/math">
+                    <m:oMathParaPr>
+                      <m:jc m:val="centerGroup"/>
+                    </m:oMathParaPr>
+                    <m:oMath xmlns:m="http://schemas.openxmlformats.org/officeDocument/2006/math">
+                      <m:r>
+                        <a:rPr kumimoji="1" lang="en-US" altLang="ja-JP" b="0" i="1" smtClean="0">
+                          <a:latin typeface="Cambria Math" panose="02040503050406030204" pitchFamily="18" charset="0"/>
+                        </a:rPr>
+                        <m:t>𝑥</m:t>
+                      </m:r>
+                    </m:oMath>
+                  </m:oMathPara>
+                </a14:m>
+                <a:endParaRPr kumimoji="1" lang="ja-JP" altLang="en-US" dirty="0"/>
+              </a:p>
+            </p:txBody>
+          </p:sp>
+        </mc:Choice>
+        <mc:Fallback xmlns="">
+          <p:sp>
+            <p:nvSpPr>
+              <p:cNvPr id="13" name="テキスト ボックス 12"/>
+              <p:cNvSpPr txBox="1">
+                <a:spLocks noRot="1" noChangeAspect="1" noMove="1" noResize="1" noEditPoints="1" noAdjustHandles="1" noChangeArrowheads="1" noChangeShapeType="1" noTextEdit="1"/>
+              </p:cNvSpPr>
+              <p:nvPr/>
+            </p:nvSpPr>
+            <p:spPr>
+              <a:xfrm>
+                <a:off x="7498080" y="705394"/>
+                <a:ext cx="367985" cy="369332"/>
+              </a:xfrm>
+              <a:prstGeom prst="rect">
+                <a:avLst/>
+              </a:prstGeom>
+              <a:blipFill rotWithShape="0">
+                <a:blip r:embed="rId4"/>
+                <a:stretch>
+                  <a:fillRect/>
+                </a:stretch>
+              </a:blipFill>
+            </p:spPr>
+            <p:txBody>
+              <a:bodyPr/>
+              <a:lstStyle/>
+              <a:p>
+                <a:r>
+                  <a:rPr lang="ja-JP" altLang="en-US">
+                    <a:noFill/>
+                  </a:rPr>
+                  <a:t> </a:t>
+                </a:r>
+              </a:p>
+            </p:txBody>
+          </p:sp>
+        </mc:Fallback>
+      </mc:AlternateContent>
+      <mc:AlternateContent xmlns:mc="http://schemas.openxmlformats.org/markup-compatibility/2006" xmlns:a14="http://schemas.microsoft.com/office/drawing/2010/main">
+        <mc:Choice Requires="a14">
+          <p:sp>
+            <p:nvSpPr>
+              <p:cNvPr id="14" name="テキスト ボックス 13"/>
+              <p:cNvSpPr txBox="1"/>
+              <p:nvPr/>
+            </p:nvSpPr>
+            <p:spPr>
+              <a:xfrm>
+                <a:off x="2672113" y="5637032"/>
+                <a:ext cx="371384" cy="369332"/>
+              </a:xfrm>
+              <a:prstGeom prst="rect">
+                <a:avLst/>
+              </a:prstGeom>
+              <a:noFill/>
+            </p:spPr>
+            <p:txBody>
+              <a:bodyPr wrap="none" rtlCol="0">
+                <a:spAutoFit/>
+              </a:bodyPr>
+              <a:lstStyle/>
+              <a:p>
+                <a:pPr/>
+                <a14:m>
+                  <m:oMathPara xmlns:m="http://schemas.openxmlformats.org/officeDocument/2006/math">
+                    <m:oMathParaPr>
+                      <m:jc m:val="centerGroup"/>
+                    </m:oMathParaPr>
+                    <m:oMath xmlns:m="http://schemas.openxmlformats.org/officeDocument/2006/math">
+                      <m:r>
+                        <a:rPr kumimoji="1" lang="en-US" altLang="ja-JP" b="0" i="1" smtClean="0">
+                          <a:latin typeface="Cambria Math" panose="02040503050406030204" pitchFamily="18" charset="0"/>
+                        </a:rPr>
+                        <m:t>𝑦</m:t>
+                      </m:r>
+                    </m:oMath>
+                  </m:oMathPara>
+                </a14:m>
+                <a:endParaRPr kumimoji="1" lang="ja-JP" altLang="en-US" dirty="0"/>
+              </a:p>
+            </p:txBody>
+          </p:sp>
+        </mc:Choice>
+        <mc:Fallback xmlns="">
+          <p:sp>
+            <p:nvSpPr>
+              <p:cNvPr id="14" name="テキスト ボックス 13"/>
+              <p:cNvSpPr txBox="1">
+                <a:spLocks noRot="1" noChangeAspect="1" noMove="1" noResize="1" noEditPoints="1" noAdjustHandles="1" noChangeArrowheads="1" noChangeShapeType="1" noTextEdit="1"/>
+              </p:cNvSpPr>
+              <p:nvPr/>
+            </p:nvSpPr>
+            <p:spPr>
+              <a:xfrm>
+                <a:off x="2672113" y="5637032"/>
+                <a:ext cx="371384" cy="369332"/>
+              </a:xfrm>
+              <a:prstGeom prst="rect">
+                <a:avLst/>
+              </a:prstGeom>
+              <a:blipFill rotWithShape="0">
+                <a:blip r:embed="rId5"/>
+                <a:stretch>
+                  <a:fillRect b="-6667"/>
+                </a:stretch>
+              </a:blipFill>
+            </p:spPr>
+            <p:txBody>
+              <a:bodyPr/>
+              <a:lstStyle/>
+              <a:p>
+                <a:r>
+                  <a:rPr lang="ja-JP" altLang="en-US">
+                    <a:noFill/>
+                  </a:rPr>
+                  <a:t> </a:t>
+                </a:r>
+              </a:p>
+            </p:txBody>
+          </p:sp>
+        </mc:Fallback>
+      </mc:AlternateContent>
+      <p:cxnSp>
+        <p:nvCxnSpPr>
+          <p:cNvPr id="3" name="直線矢印コネクタ 2"/>
+          <p:cNvCxnSpPr/>
+          <p:nvPr/>
+        </p:nvCxnSpPr>
+        <p:spPr>
+          <a:xfrm>
+            <a:off x="3213463" y="5997656"/>
+            <a:ext cx="4380411" cy="0"/>
+          </a:xfrm>
+          <a:prstGeom prst="straightConnector1">
+            <a:avLst/>
+          </a:prstGeom>
+          <a:ln>
+            <a:solidFill>
+              <a:srgbClr val="FF0000"/>
+            </a:solidFill>
+            <a:headEnd type="triangle"/>
+            <a:tailEnd type="triangle"/>
+          </a:ln>
+        </p:spPr>
+        <p:style>
+          <a:lnRef idx="1">
+            <a:schemeClr val="accent2"/>
+          </a:lnRef>
+          <a:fillRef idx="0">
+            <a:schemeClr val="accent2"/>
+          </a:fillRef>
+          <a:effectRef idx="0">
+            <a:schemeClr val="accent2"/>
+          </a:effectRef>
+          <a:fontRef idx="minor">
+            <a:schemeClr val="tx1"/>
+          </a:fontRef>
+        </p:style>
+      </p:cxnSp>
+      <p:sp>
+        <p:nvSpPr>
+          <p:cNvPr id="5" name="テキスト ボックス 4"/>
+          <p:cNvSpPr txBox="1"/>
+          <p:nvPr/>
+        </p:nvSpPr>
+        <p:spPr>
+          <a:xfrm>
+            <a:off x="4279988" y="6104709"/>
+            <a:ext cx="2209259" cy="369332"/>
+          </a:xfrm>
+          <a:prstGeom prst="rect">
+            <a:avLst/>
+          </a:prstGeom>
+          <a:noFill/>
+        </p:spPr>
+        <p:txBody>
+          <a:bodyPr wrap="none" rtlCol="0">
+            <a:spAutoFit/>
+          </a:bodyPr>
+          <a:lstStyle/>
+          <a:p>
+            <a:r>
+              <a:rPr lang="ja-JP" altLang="en-US" dirty="0"/>
+              <a:t>レーザーの偏光</a:t>
+            </a:r>
+            <a:r>
+              <a:rPr lang="ja-JP" altLang="en-US" dirty="0" smtClean="0"/>
+              <a:t>方向</a:t>
+            </a:r>
+            <a:endParaRPr lang="ja-JP" altLang="en-US" dirty="0"/>
+          </a:p>
+        </p:txBody>
+      </p:sp>
+    </p:spTree>
+    <p:extLst>
+      <p:ext uri="{BB962C8B-B14F-4D97-AF65-F5344CB8AC3E}">
+        <p14:creationId xmlns:p14="http://schemas.microsoft.com/office/powerpoint/2010/main" val="1937700226"/>
       </p:ext>
     </p:extLst>
   </p:cSld>
